--- a/oral_projet/revue_2/diaporama_revue_2_samuel.pptx
+++ b/oral_projet/revue_2/diaporama_revue_2_samuel.pptx
@@ -5,7 +5,7 @@
     <p:sldMasterId id="2147483648" r:id="rId1"/>
   </p:sldMasterIdLst>
   <p:notesMasterIdLst>
-    <p:notesMasterId r:id="rId9"/>
+    <p:notesMasterId r:id="rId10"/>
   </p:notesMasterIdLst>
   <p:sldIdLst>
     <p:sldId id="256" r:id="rId2"/>
@@ -13,8 +13,9 @@
     <p:sldId id="258" r:id="rId4"/>
     <p:sldId id="263" r:id="rId5"/>
     <p:sldId id="260" r:id="rId6"/>
-    <p:sldId id="262" r:id="rId7"/>
-    <p:sldId id="264" r:id="rId8"/>
+    <p:sldId id="265" r:id="rId7"/>
+    <p:sldId id="266" r:id="rId8"/>
+    <p:sldId id="264" r:id="rId9"/>
   </p:sldIdLst>
   <p:sldSz cx="12192000" cy="6858000"/>
   <p:notesSz cx="6858000" cy="9144000"/>
@@ -207,7 +208,7 @@
           <a:p>
             <a:fld id="{7BEC4371-174F-4615-858D-8B61BA547698}" type="datetimeFigureOut">
               <a:rPr lang="fr-FR" smtClean="0"/>
-              <a:t>12/02/2018</a:t>
+              <a:t>22/02/2018</a:t>
             </a:fld>
             <a:endParaRPr lang="fr-FR"/>
           </a:p>
@@ -621,7 +622,7 @@
           <a:p>
             <a:fld id="{125942D7-A464-4365-815E-3C7EAFC3F152}" type="datetimeFigureOut">
               <a:rPr lang="fr-FR" smtClean="0"/>
-              <a:t>12/02/2018</a:t>
+              <a:t>22/02/2018</a:t>
             </a:fld>
             <a:endParaRPr lang="fr-FR"/>
           </a:p>
@@ -831,7 +832,7 @@
           <a:p>
             <a:fld id="{125942D7-A464-4365-815E-3C7EAFC3F152}" type="datetimeFigureOut">
               <a:rPr lang="fr-FR" smtClean="0"/>
-              <a:t>12/02/2018</a:t>
+              <a:t>22/02/2018</a:t>
             </a:fld>
             <a:endParaRPr lang="fr-FR"/>
           </a:p>
@@ -1051,7 +1052,7 @@
           <a:p>
             <a:fld id="{125942D7-A464-4365-815E-3C7EAFC3F152}" type="datetimeFigureOut">
               <a:rPr lang="fr-FR" smtClean="0"/>
-              <a:t>12/02/2018</a:t>
+              <a:t>22/02/2018</a:t>
             </a:fld>
             <a:endParaRPr lang="fr-FR"/>
           </a:p>
@@ -1261,7 +1262,7 @@
           <a:p>
             <a:fld id="{125942D7-A464-4365-815E-3C7EAFC3F152}" type="datetimeFigureOut">
               <a:rPr lang="fr-FR" smtClean="0"/>
-              <a:t>12/02/2018</a:t>
+              <a:t>22/02/2018</a:t>
             </a:fld>
             <a:endParaRPr lang="fr-FR"/>
           </a:p>
@@ -1548,7 +1549,7 @@
           <a:p>
             <a:fld id="{125942D7-A464-4365-815E-3C7EAFC3F152}" type="datetimeFigureOut">
               <a:rPr lang="fr-FR" smtClean="0"/>
-              <a:t>12/02/2018</a:t>
+              <a:t>22/02/2018</a:t>
             </a:fld>
             <a:endParaRPr lang="fr-FR"/>
           </a:p>
@@ -1825,7 +1826,7 @@
           <a:p>
             <a:fld id="{125942D7-A464-4365-815E-3C7EAFC3F152}" type="datetimeFigureOut">
               <a:rPr lang="fr-FR" smtClean="0"/>
-              <a:t>12/02/2018</a:t>
+              <a:t>22/02/2018</a:t>
             </a:fld>
             <a:endParaRPr lang="fr-FR"/>
           </a:p>
@@ -2249,7 +2250,7 @@
           <a:p>
             <a:fld id="{125942D7-A464-4365-815E-3C7EAFC3F152}" type="datetimeFigureOut">
               <a:rPr lang="fr-FR" smtClean="0"/>
-              <a:t>12/02/2018</a:t>
+              <a:t>22/02/2018</a:t>
             </a:fld>
             <a:endParaRPr lang="fr-FR"/>
           </a:p>
@@ -2402,7 +2403,7 @@
           <a:p>
             <a:fld id="{125942D7-A464-4365-815E-3C7EAFC3F152}" type="datetimeFigureOut">
               <a:rPr lang="fr-FR" smtClean="0"/>
-              <a:t>12/02/2018</a:t>
+              <a:t>22/02/2018</a:t>
             </a:fld>
             <a:endParaRPr lang="fr-FR"/>
           </a:p>
@@ -2527,7 +2528,7 @@
           <a:p>
             <a:fld id="{125942D7-A464-4365-815E-3C7EAFC3F152}" type="datetimeFigureOut">
               <a:rPr lang="fr-FR" smtClean="0"/>
-              <a:t>12/02/2018</a:t>
+              <a:t>22/02/2018</a:t>
             </a:fld>
             <a:endParaRPr lang="fr-FR"/>
           </a:p>
@@ -2850,7 +2851,7 @@
           <a:p>
             <a:fld id="{125942D7-A464-4365-815E-3C7EAFC3F152}" type="datetimeFigureOut">
               <a:rPr lang="fr-FR" smtClean="0"/>
-              <a:t>12/02/2018</a:t>
+              <a:t>22/02/2018</a:t>
             </a:fld>
             <a:endParaRPr lang="fr-FR"/>
           </a:p>
@@ -3150,7 +3151,7 @@
           <a:p>
             <a:fld id="{125942D7-A464-4365-815E-3C7EAFC3F152}" type="datetimeFigureOut">
               <a:rPr lang="fr-FR" smtClean="0"/>
-              <a:t>12/02/2018</a:t>
+              <a:t>22/02/2018</a:t>
             </a:fld>
             <a:endParaRPr lang="fr-FR"/>
           </a:p>
@@ -3403,7 +3404,7 @@
           <a:p>
             <a:fld id="{125942D7-A464-4365-815E-3C7EAFC3F152}" type="datetimeFigureOut">
               <a:rPr lang="fr-FR" smtClean="0"/>
-              <a:t>12/02/2018</a:t>
+              <a:t>22/02/2018</a:t>
             </a:fld>
             <a:endParaRPr lang="fr-FR"/>
           </a:p>
@@ -10608,10 +10609,10 @@
       </p:cxnSp>
       <p:pic>
         <p:nvPicPr>
-          <p:cNvPr id="2" name="Image 1">
-            <a:extLst>
-              <a:ext uri="{FF2B5EF4-FFF2-40B4-BE49-F238E27FC236}">
-                <a16:creationId xmlns:a16="http://schemas.microsoft.com/office/drawing/2014/main" id="{3689719D-30A8-4A64-BA60-84C605A6AA1F}"/>
+          <p:cNvPr id="57" name="Image 56">
+            <a:extLst>
+              <a:ext uri="{FF2B5EF4-FFF2-40B4-BE49-F238E27FC236}">
+                <a16:creationId xmlns:a16="http://schemas.microsoft.com/office/drawing/2014/main" id="{12B16FB2-5844-4B92-AE69-9BAC858C22BB}"/>
               </a:ext>
             </a:extLst>
           </p:cNvPr>
@@ -10621,27 +10622,372 @@
           <p:nvPr/>
         </p:nvPicPr>
         <p:blipFill>
-          <a:blip r:embed="rId4"/>
+          <a:blip r:embed="rId3">
+            <a:extLst>
+              <a:ext uri="{28A0092B-C50C-407E-A947-70E740481C1C}">
+                <a14:useLocalDpi xmlns:a14="http://schemas.microsoft.com/office/drawing/2010/main" val="0"/>
+              </a:ext>
+            </a:extLst>
+          </a:blip>
           <a:stretch>
             <a:fillRect/>
           </a:stretch>
         </p:blipFill>
         <p:spPr>
           <a:xfrm>
-            <a:off x="1767913" y="1767187"/>
-            <a:ext cx="8440091" cy="4679940"/>
+            <a:off x="9681085" y="238153"/>
+            <a:ext cx="1802101" cy="569807"/>
           </a:xfrm>
           <a:prstGeom prst="rect">
             <a:avLst/>
           </a:prstGeom>
         </p:spPr>
       </p:pic>
+      <p:cxnSp>
+        <p:nvCxnSpPr>
+          <p:cNvPr id="58" name="Connecteur droit 57">
+            <a:extLst>
+              <a:ext uri="{FF2B5EF4-FFF2-40B4-BE49-F238E27FC236}">
+                <a16:creationId xmlns:a16="http://schemas.microsoft.com/office/drawing/2014/main" id="{01599350-F8B0-4FDC-B003-981189A8D654}"/>
+              </a:ext>
+            </a:extLst>
+          </p:cNvPr>
+          <p:cNvCxnSpPr>
+            <a:cxnSpLocks/>
+          </p:cNvCxnSpPr>
+          <p:nvPr/>
+        </p:nvCxnSpPr>
+        <p:spPr>
+          <a:xfrm>
+            <a:off x="2573222" y="454803"/>
+            <a:ext cx="6829482" cy="10398"/>
+          </a:xfrm>
+          <a:prstGeom prst="line">
+            <a:avLst/>
+          </a:prstGeom>
+        </p:spPr>
+        <p:style>
+          <a:lnRef idx="3">
+            <a:schemeClr val="dk1"/>
+          </a:lnRef>
+          <a:fillRef idx="0">
+            <a:schemeClr val="dk1"/>
+          </a:fillRef>
+          <a:effectRef idx="2">
+            <a:schemeClr val="dk1"/>
+          </a:effectRef>
+          <a:fontRef idx="minor">
+            <a:schemeClr val="tx1"/>
+          </a:fontRef>
+        </p:style>
+      </p:cxnSp>
+      <p:cxnSp>
+        <p:nvCxnSpPr>
+          <p:cNvPr id="59" name="Connecteur droit 58">
+            <a:extLst>
+              <a:ext uri="{FF2B5EF4-FFF2-40B4-BE49-F238E27FC236}">
+                <a16:creationId xmlns:a16="http://schemas.microsoft.com/office/drawing/2014/main" id="{BC6E6150-6054-4785-84EC-0C46D82034C2}"/>
+              </a:ext>
+            </a:extLst>
+          </p:cNvPr>
+          <p:cNvCxnSpPr>
+            <a:cxnSpLocks/>
+          </p:cNvCxnSpPr>
+          <p:nvPr/>
+        </p:nvCxnSpPr>
+        <p:spPr>
+          <a:xfrm>
+            <a:off x="738231" y="454803"/>
+            <a:ext cx="344203" cy="484764"/>
+          </a:xfrm>
+          <a:prstGeom prst="line">
+            <a:avLst/>
+          </a:prstGeom>
+        </p:spPr>
+        <p:style>
+          <a:lnRef idx="3">
+            <a:schemeClr val="dk1"/>
+          </a:lnRef>
+          <a:fillRef idx="0">
+            <a:schemeClr val="dk1"/>
+          </a:fillRef>
+          <a:effectRef idx="2">
+            <a:schemeClr val="dk1"/>
+          </a:effectRef>
+          <a:fontRef idx="minor">
+            <a:schemeClr val="tx1"/>
+          </a:fontRef>
+        </p:style>
+      </p:cxnSp>
+      <p:pic>
+        <p:nvPicPr>
+          <p:cNvPr id="3" name="Image 2">
+            <a:extLst>
+              <a:ext uri="{FF2B5EF4-FFF2-40B4-BE49-F238E27FC236}">
+                <a16:creationId xmlns:a16="http://schemas.microsoft.com/office/drawing/2014/main" id="{7B2BEC07-36E4-44EF-A84B-6AC7DB0B377E}"/>
+              </a:ext>
+            </a:extLst>
+          </p:cNvPr>
+          <p:cNvPicPr>
+            <a:picLocks noChangeAspect="1"/>
+          </p:cNvPicPr>
+          <p:nvPr/>
+        </p:nvPicPr>
+        <p:blipFill rotWithShape="1">
+          <a:blip r:embed="rId4">
+            <a:extLst>
+              <a:ext uri="{28A0092B-C50C-407E-A947-70E740481C1C}">
+                <a14:useLocalDpi xmlns:a14="http://schemas.microsoft.com/office/drawing/2010/main" val="0"/>
+              </a:ext>
+            </a:extLst>
+          </a:blip>
+          <a:srcRect l="6612" t="8604" r="31913" b="15876"/>
+          <a:stretch/>
+        </p:blipFill>
+        <p:spPr>
+          <a:xfrm>
+            <a:off x="2238348" y="1660048"/>
+            <a:ext cx="6829481" cy="5056850"/>
+          </a:xfrm>
+          <a:prstGeom prst="rect">
+            <a:avLst/>
+          </a:prstGeom>
+        </p:spPr>
+      </p:pic>
+      <p:cxnSp>
+        <p:nvCxnSpPr>
+          <p:cNvPr id="60" name="Connecteur droit 59">
+            <a:extLst>
+              <a:ext uri="{FF2B5EF4-FFF2-40B4-BE49-F238E27FC236}">
+                <a16:creationId xmlns:a16="http://schemas.microsoft.com/office/drawing/2014/main" id="{CBC9961A-8EC2-4287-A398-BCA4138D409D}"/>
+              </a:ext>
+            </a:extLst>
+          </p:cNvPr>
+          <p:cNvCxnSpPr>
+            <a:cxnSpLocks/>
+          </p:cNvCxnSpPr>
+          <p:nvPr/>
+        </p:nvCxnSpPr>
+        <p:spPr>
+          <a:xfrm>
+            <a:off x="1082434" y="938268"/>
+            <a:ext cx="1146585" cy="0"/>
+          </a:xfrm>
+          <a:prstGeom prst="line">
+            <a:avLst/>
+          </a:prstGeom>
+        </p:spPr>
+        <p:style>
+          <a:lnRef idx="3">
+            <a:schemeClr val="dk1"/>
+          </a:lnRef>
+          <a:fillRef idx="0">
+            <a:schemeClr val="dk1"/>
+          </a:fillRef>
+          <a:effectRef idx="2">
+            <a:schemeClr val="dk1"/>
+          </a:effectRef>
+          <a:fontRef idx="minor">
+            <a:schemeClr val="tx1"/>
+          </a:fontRef>
+        </p:style>
+      </p:cxnSp>
+      <p:cxnSp>
+        <p:nvCxnSpPr>
+          <p:cNvPr id="61" name="Connecteur droit 60">
+            <a:extLst>
+              <a:ext uri="{FF2B5EF4-FFF2-40B4-BE49-F238E27FC236}">
+                <a16:creationId xmlns:a16="http://schemas.microsoft.com/office/drawing/2014/main" id="{152B7C45-2543-4665-BC07-4DB71CA9F337}"/>
+              </a:ext>
+            </a:extLst>
+          </p:cNvPr>
+          <p:cNvCxnSpPr>
+            <a:cxnSpLocks/>
+          </p:cNvCxnSpPr>
+          <p:nvPr/>
+        </p:nvCxnSpPr>
+        <p:spPr>
+          <a:xfrm>
+            <a:off x="9402704" y="465201"/>
+            <a:ext cx="344203" cy="495163"/>
+          </a:xfrm>
+          <a:prstGeom prst="line">
+            <a:avLst/>
+          </a:prstGeom>
+        </p:spPr>
+        <p:style>
+          <a:lnRef idx="3">
+            <a:schemeClr val="dk1"/>
+          </a:lnRef>
+          <a:fillRef idx="0">
+            <a:schemeClr val="dk1"/>
+          </a:fillRef>
+          <a:effectRef idx="2">
+            <a:schemeClr val="dk1"/>
+          </a:effectRef>
+          <a:fontRef idx="minor">
+            <a:schemeClr val="tx1"/>
+          </a:fontRef>
+        </p:style>
+      </p:cxnSp>
+      <p:cxnSp>
+        <p:nvCxnSpPr>
+          <p:cNvPr id="62" name="Connecteur droit 61">
+            <a:extLst>
+              <a:ext uri="{FF2B5EF4-FFF2-40B4-BE49-F238E27FC236}">
+                <a16:creationId xmlns:a16="http://schemas.microsoft.com/office/drawing/2014/main" id="{00A84DC3-A112-46A3-B71C-04D85339323D}"/>
+              </a:ext>
+            </a:extLst>
+          </p:cNvPr>
+          <p:cNvCxnSpPr>
+            <a:cxnSpLocks/>
+          </p:cNvCxnSpPr>
+          <p:nvPr/>
+        </p:nvCxnSpPr>
+        <p:spPr>
+          <a:xfrm flipH="1">
+            <a:off x="11370469" y="448308"/>
+            <a:ext cx="364332" cy="501657"/>
+          </a:xfrm>
+          <a:prstGeom prst="line">
+            <a:avLst/>
+          </a:prstGeom>
+        </p:spPr>
+        <p:style>
+          <a:lnRef idx="3">
+            <a:schemeClr val="dk1"/>
+          </a:lnRef>
+          <a:fillRef idx="0">
+            <a:schemeClr val="dk1"/>
+          </a:fillRef>
+          <a:effectRef idx="2">
+            <a:schemeClr val="dk1"/>
+          </a:effectRef>
+          <a:fontRef idx="minor">
+            <a:schemeClr val="tx1"/>
+          </a:fontRef>
+        </p:style>
+      </p:cxnSp>
+      <p:cxnSp>
+        <p:nvCxnSpPr>
+          <p:cNvPr id="63" name="Connecteur droit 62">
+            <a:extLst>
+              <a:ext uri="{FF2B5EF4-FFF2-40B4-BE49-F238E27FC236}">
+                <a16:creationId xmlns:a16="http://schemas.microsoft.com/office/drawing/2014/main" id="{C50788C6-8F68-44EC-AB54-94C1D2FE554D}"/>
+              </a:ext>
+            </a:extLst>
+          </p:cNvPr>
+          <p:cNvCxnSpPr>
+            <a:cxnSpLocks/>
+          </p:cNvCxnSpPr>
+          <p:nvPr/>
+        </p:nvCxnSpPr>
+        <p:spPr>
+          <a:xfrm>
+            <a:off x="9743203" y="949965"/>
+            <a:ext cx="1627266" cy="0"/>
+          </a:xfrm>
+          <a:prstGeom prst="line">
+            <a:avLst/>
+          </a:prstGeom>
+        </p:spPr>
+        <p:style>
+          <a:lnRef idx="3">
+            <a:schemeClr val="dk1"/>
+          </a:lnRef>
+          <a:fillRef idx="0">
+            <a:schemeClr val="dk1"/>
+          </a:fillRef>
+          <a:effectRef idx="2">
+            <a:schemeClr val="dk1"/>
+          </a:effectRef>
+          <a:fontRef idx="minor">
+            <a:schemeClr val="tx1"/>
+          </a:fontRef>
+        </p:style>
+      </p:cxnSp>
+      <p:cxnSp>
+        <p:nvCxnSpPr>
+          <p:cNvPr id="64" name="Connecteur droit 63">
+            <a:extLst>
+              <a:ext uri="{FF2B5EF4-FFF2-40B4-BE49-F238E27FC236}">
+                <a16:creationId xmlns:a16="http://schemas.microsoft.com/office/drawing/2014/main" id="{BC4D4E5F-5636-45CB-873C-EC085AB307A3}"/>
+              </a:ext>
+            </a:extLst>
+          </p:cNvPr>
+          <p:cNvCxnSpPr>
+            <a:cxnSpLocks/>
+          </p:cNvCxnSpPr>
+          <p:nvPr/>
+        </p:nvCxnSpPr>
+        <p:spPr>
+          <a:xfrm>
+            <a:off x="11715750" y="454801"/>
+            <a:ext cx="476249" cy="10400"/>
+          </a:xfrm>
+          <a:prstGeom prst="line">
+            <a:avLst/>
+          </a:prstGeom>
+        </p:spPr>
+        <p:style>
+          <a:lnRef idx="3">
+            <a:schemeClr val="dk1"/>
+          </a:lnRef>
+          <a:fillRef idx="0">
+            <a:schemeClr val="dk1"/>
+          </a:fillRef>
+          <a:effectRef idx="2">
+            <a:schemeClr val="dk1"/>
+          </a:effectRef>
+          <a:fontRef idx="minor">
+            <a:schemeClr val="tx1"/>
+          </a:fontRef>
+        </p:style>
+      </p:cxnSp>
+      <p:cxnSp>
+        <p:nvCxnSpPr>
+          <p:cNvPr id="65" name="Connecteur droit 64">
+            <a:extLst>
+              <a:ext uri="{FF2B5EF4-FFF2-40B4-BE49-F238E27FC236}">
+                <a16:creationId xmlns:a16="http://schemas.microsoft.com/office/drawing/2014/main" id="{E6F6B4C5-0E3B-46C9-859D-EE774175D36F}"/>
+              </a:ext>
+            </a:extLst>
+          </p:cNvPr>
+          <p:cNvCxnSpPr>
+            <a:cxnSpLocks/>
+          </p:cNvCxnSpPr>
+          <p:nvPr/>
+        </p:nvCxnSpPr>
+        <p:spPr>
+          <a:xfrm flipH="1">
+            <a:off x="2216372" y="446356"/>
+            <a:ext cx="364332" cy="501657"/>
+          </a:xfrm>
+          <a:prstGeom prst="line">
+            <a:avLst/>
+          </a:prstGeom>
+        </p:spPr>
+        <p:style>
+          <a:lnRef idx="3">
+            <a:schemeClr val="dk1"/>
+          </a:lnRef>
+          <a:fillRef idx="0">
+            <a:schemeClr val="dk1"/>
+          </a:fillRef>
+          <a:effectRef idx="2">
+            <a:schemeClr val="dk1"/>
+          </a:effectRef>
+          <a:fontRef idx="minor">
+            <a:schemeClr val="tx1"/>
+          </a:fontRef>
+        </p:style>
+      </p:cxnSp>
       <p:sp>
         <p:nvSpPr>
-          <p:cNvPr id="3" name="ZoneTexte 2">
-            <a:extLst>
-              <a:ext uri="{FF2B5EF4-FFF2-40B4-BE49-F238E27FC236}">
-                <a16:creationId xmlns:a16="http://schemas.microsoft.com/office/drawing/2014/main" id="{B42B6033-DEE7-42EF-A187-7349D8040779}"/>
+          <p:cNvPr id="4" name="ZoneTexte 3">
+            <a:extLst>
+              <a:ext uri="{FF2B5EF4-FFF2-40B4-BE49-F238E27FC236}">
+                <a16:creationId xmlns:a16="http://schemas.microsoft.com/office/drawing/2014/main" id="{E77BD0C0-B104-436D-A198-D80CD647A659}"/>
               </a:ext>
             </a:extLst>
           </p:cNvPr>
@@ -10650,8 +10996,8 @@
         </p:nvSpPr>
         <p:spPr>
           <a:xfrm>
-            <a:off x="2529946" y="855741"/>
-            <a:ext cx="6916027" cy="769441"/>
+            <a:off x="2531126" y="454801"/>
+            <a:ext cx="6243927" cy="1446550"/>
           </a:xfrm>
           <a:prstGeom prst="rect">
             <a:avLst/>
@@ -10664,12 +11010,39 @@
           </a:bodyPr>
           <a:lstStyle/>
           <a:p>
-            <a:pPr algn="ctr"/>
+            <a:pPr marL="0" marR="0" lvl="0" indent="0" algn="ctr" defTabSz="914400" rtl="0" eaLnBrk="1" fontAlgn="auto" latinLnBrk="0" hangingPunct="1">
+              <a:lnSpc>
+                <a:spcPct val="100000"/>
+              </a:lnSpc>
+              <a:spcBef>
+                <a:spcPts val="0"/>
+              </a:spcBef>
+              <a:spcAft>
+                <a:spcPts val="0"/>
+              </a:spcAft>
+              <a:buClrTx/>
+              <a:buSzTx/>
+              <a:buFontTx/>
+              <a:buNone/>
+              <a:tabLst/>
+              <a:defRPr/>
+            </a:pPr>
             <a:r>
-              <a:rPr lang="fr-FR" sz="4400" dirty="0">
+              <a:rPr kumimoji="0" lang="fr-FR" sz="4400" b="0" i="0" u="none" strike="noStrike" kern="1200" cap="none" spc="0" normalizeH="0" baseline="0" noProof="0" dirty="0">
+                <a:ln>
+                  <a:noFill/>
+                </a:ln>
+                <a:solidFill>
+                  <a:prstClr val="black"/>
+                </a:solidFill>
+                <a:effectLst/>
+                <a:uLnTx/>
+                <a:uFillTx/>
                 <a:latin typeface="Berlin Sans FB" panose="020E0602020502020306" pitchFamily="34" charset="0"/>
+                <a:ea typeface="+mn-ea"/>
+                <a:cs typeface="+mn-cs"/>
               </a:rPr>
-              <a:t>Diagramme de séquence</a:t>
+              <a:t>Diagramme de cas d’utilisation</a:t>
             </a:r>
           </a:p>
         </p:txBody>
@@ -10677,7 +11050,7 @@
     </p:spTree>
     <p:extLst>
       <p:ext uri="{BB962C8B-B14F-4D97-AF65-F5344CB8AC3E}">
-        <p14:creationId xmlns:p14="http://schemas.microsoft.com/office/powerpoint/2010/main" val="1212816885"/>
+        <p14:creationId xmlns:p14="http://schemas.microsoft.com/office/powerpoint/2010/main" val="2016876074"/>
       </p:ext>
     </p:extLst>
   </p:cSld>
@@ -10686,12 +11059,12 @@
   </p:clrMapOvr>
   <mc:AlternateContent xmlns:mc="http://schemas.openxmlformats.org/markup-compatibility/2006" xmlns:p14="http://schemas.microsoft.com/office/powerpoint/2010/main">
     <mc:Choice Requires="p14">
-      <p:transition spd="med">
+      <p:transition spd="slow">
         <p14:reveal/>
       </p:transition>
     </mc:Choice>
     <mc:Fallback xmlns="">
-      <p:transition spd="med">
+      <p:transition spd="slow">
         <p:fade/>
       </p:transition>
     </mc:Fallback>
@@ -10700,6 +11073,867 @@
 </file>
 
 <file path=ppt/slides/slide7.xml><?xml version="1.0" encoding="utf-8"?>
+<p:sld xmlns:a="http://schemas.openxmlformats.org/drawingml/2006/main" xmlns:r="http://schemas.openxmlformats.org/officeDocument/2006/relationships" xmlns:p="http://schemas.openxmlformats.org/presentationml/2006/main">
+  <p:cSld>
+    <p:spTree>
+      <p:nvGrpSpPr>
+        <p:cNvPr id="1" name=""/>
+        <p:cNvGrpSpPr/>
+        <p:nvPr/>
+      </p:nvGrpSpPr>
+      <p:grpSpPr>
+        <a:xfrm>
+          <a:off x="0" y="0"/>
+          <a:ext cx="0" cy="0"/>
+          <a:chOff x="0" y="0"/>
+          <a:chExt cx="0" cy="0"/>
+        </a:xfrm>
+      </p:grpSpPr>
+      <p:pic>
+        <p:nvPicPr>
+          <p:cNvPr id="8" name="Image 7">
+            <a:extLst>
+              <a:ext uri="{FF2B5EF4-FFF2-40B4-BE49-F238E27FC236}">
+                <a16:creationId xmlns:a16="http://schemas.microsoft.com/office/drawing/2014/main" id="{2BB825C5-31DA-4A56-85EA-536DBF510A31}"/>
+              </a:ext>
+            </a:extLst>
+          </p:cNvPr>
+          <p:cNvPicPr>
+            <a:picLocks noChangeAspect="1"/>
+          </p:cNvPicPr>
+          <p:nvPr/>
+        </p:nvPicPr>
+        <p:blipFill>
+          <a:blip r:embed="rId2">
+            <a:extLst>
+              <a:ext uri="{28A0092B-C50C-407E-A947-70E740481C1C}">
+                <a14:useLocalDpi xmlns:a14="http://schemas.microsoft.com/office/drawing/2010/main" val="0"/>
+              </a:ext>
+            </a:extLst>
+          </a:blip>
+          <a:stretch>
+            <a:fillRect/>
+          </a:stretch>
+        </p:blipFill>
+        <p:spPr>
+          <a:xfrm>
+            <a:off x="1068751" y="66457"/>
+            <a:ext cx="1259497" cy="776690"/>
+          </a:xfrm>
+          <a:prstGeom prst="rect">
+            <a:avLst/>
+          </a:prstGeom>
+        </p:spPr>
+      </p:pic>
+      <p:pic>
+        <p:nvPicPr>
+          <p:cNvPr id="10" name="Image 9">
+            <a:extLst>
+              <a:ext uri="{FF2B5EF4-FFF2-40B4-BE49-F238E27FC236}">
+                <a16:creationId xmlns:a16="http://schemas.microsoft.com/office/drawing/2014/main" id="{8EE7436F-49F2-41E0-93E4-D247B4705294}"/>
+              </a:ext>
+            </a:extLst>
+          </p:cNvPr>
+          <p:cNvPicPr>
+            <a:picLocks noChangeAspect="1"/>
+          </p:cNvPicPr>
+          <p:nvPr/>
+        </p:nvPicPr>
+        <p:blipFill>
+          <a:blip r:embed="rId3">
+            <a:extLst>
+              <a:ext uri="{28A0092B-C50C-407E-A947-70E740481C1C}">
+                <a14:useLocalDpi xmlns:a14="http://schemas.microsoft.com/office/drawing/2010/main" val="0"/>
+              </a:ext>
+            </a:extLst>
+          </a:blip>
+          <a:stretch>
+            <a:fillRect/>
+          </a:stretch>
+        </p:blipFill>
+        <p:spPr>
+          <a:xfrm>
+            <a:off x="9681085" y="238153"/>
+            <a:ext cx="1802101" cy="569807"/>
+          </a:xfrm>
+          <a:prstGeom prst="rect">
+            <a:avLst/>
+          </a:prstGeom>
+        </p:spPr>
+      </p:pic>
+      <p:cxnSp>
+        <p:nvCxnSpPr>
+          <p:cNvPr id="16" name="Connecteur droit 15">
+            <a:extLst>
+              <a:ext uri="{FF2B5EF4-FFF2-40B4-BE49-F238E27FC236}">
+                <a16:creationId xmlns:a16="http://schemas.microsoft.com/office/drawing/2014/main" id="{7319284A-BD6F-4A96-8E2B-E0A4B52E53C6}"/>
+              </a:ext>
+            </a:extLst>
+          </p:cNvPr>
+          <p:cNvCxnSpPr>
+            <a:cxnSpLocks/>
+          </p:cNvCxnSpPr>
+          <p:nvPr/>
+        </p:nvCxnSpPr>
+        <p:spPr>
+          <a:xfrm flipV="1">
+            <a:off x="0" y="454803"/>
+            <a:ext cx="738231" cy="1798"/>
+          </a:xfrm>
+          <a:prstGeom prst="line">
+            <a:avLst/>
+          </a:prstGeom>
+        </p:spPr>
+        <p:style>
+          <a:lnRef idx="3">
+            <a:schemeClr val="dk1"/>
+          </a:lnRef>
+          <a:fillRef idx="0">
+            <a:schemeClr val="dk1"/>
+          </a:fillRef>
+          <a:effectRef idx="2">
+            <a:schemeClr val="dk1"/>
+          </a:effectRef>
+          <a:fontRef idx="minor">
+            <a:schemeClr val="tx1"/>
+          </a:fontRef>
+        </p:style>
+      </p:cxnSp>
+      <p:cxnSp>
+        <p:nvCxnSpPr>
+          <p:cNvPr id="20" name="Connecteur droit 19">
+            <a:extLst>
+              <a:ext uri="{FF2B5EF4-FFF2-40B4-BE49-F238E27FC236}">
+                <a16:creationId xmlns:a16="http://schemas.microsoft.com/office/drawing/2014/main" id="{08874CF7-F149-4C81-B61E-74E18342BA8A}"/>
+              </a:ext>
+            </a:extLst>
+          </p:cNvPr>
+          <p:cNvCxnSpPr>
+            <a:cxnSpLocks/>
+          </p:cNvCxnSpPr>
+          <p:nvPr/>
+        </p:nvCxnSpPr>
+        <p:spPr>
+          <a:xfrm>
+            <a:off x="2573222" y="454803"/>
+            <a:ext cx="6829482" cy="10398"/>
+          </a:xfrm>
+          <a:prstGeom prst="line">
+            <a:avLst/>
+          </a:prstGeom>
+        </p:spPr>
+        <p:style>
+          <a:lnRef idx="3">
+            <a:schemeClr val="dk1"/>
+          </a:lnRef>
+          <a:fillRef idx="0">
+            <a:schemeClr val="dk1"/>
+          </a:fillRef>
+          <a:effectRef idx="2">
+            <a:schemeClr val="dk1"/>
+          </a:effectRef>
+          <a:fontRef idx="minor">
+            <a:schemeClr val="tx1"/>
+          </a:fontRef>
+        </p:style>
+      </p:cxnSp>
+      <p:cxnSp>
+        <p:nvCxnSpPr>
+          <p:cNvPr id="26" name="Connecteur droit 25">
+            <a:extLst>
+              <a:ext uri="{FF2B5EF4-FFF2-40B4-BE49-F238E27FC236}">
+                <a16:creationId xmlns:a16="http://schemas.microsoft.com/office/drawing/2014/main" id="{BB3B35CC-057B-48C1-880F-3306A6559175}"/>
+              </a:ext>
+            </a:extLst>
+          </p:cNvPr>
+          <p:cNvCxnSpPr>
+            <a:cxnSpLocks/>
+          </p:cNvCxnSpPr>
+          <p:nvPr/>
+        </p:nvCxnSpPr>
+        <p:spPr>
+          <a:xfrm>
+            <a:off x="738231" y="454803"/>
+            <a:ext cx="344203" cy="484764"/>
+          </a:xfrm>
+          <a:prstGeom prst="line">
+            <a:avLst/>
+          </a:prstGeom>
+        </p:spPr>
+        <p:style>
+          <a:lnRef idx="3">
+            <a:schemeClr val="dk1"/>
+          </a:lnRef>
+          <a:fillRef idx="0">
+            <a:schemeClr val="dk1"/>
+          </a:fillRef>
+          <a:effectRef idx="2">
+            <a:schemeClr val="dk1"/>
+          </a:effectRef>
+          <a:fontRef idx="minor">
+            <a:schemeClr val="tx1"/>
+          </a:fontRef>
+        </p:style>
+      </p:cxnSp>
+      <p:cxnSp>
+        <p:nvCxnSpPr>
+          <p:cNvPr id="32" name="Connecteur droit 31">
+            <a:extLst>
+              <a:ext uri="{FF2B5EF4-FFF2-40B4-BE49-F238E27FC236}">
+                <a16:creationId xmlns:a16="http://schemas.microsoft.com/office/drawing/2014/main" id="{4AD96496-1EB6-4E48-9BB2-5C255495C686}"/>
+              </a:ext>
+            </a:extLst>
+          </p:cNvPr>
+          <p:cNvCxnSpPr>
+            <a:cxnSpLocks/>
+          </p:cNvCxnSpPr>
+          <p:nvPr/>
+        </p:nvCxnSpPr>
+        <p:spPr>
+          <a:xfrm>
+            <a:off x="1082434" y="938268"/>
+            <a:ext cx="1146585" cy="0"/>
+          </a:xfrm>
+          <a:prstGeom prst="line">
+            <a:avLst/>
+          </a:prstGeom>
+        </p:spPr>
+        <p:style>
+          <a:lnRef idx="3">
+            <a:schemeClr val="dk1"/>
+          </a:lnRef>
+          <a:fillRef idx="0">
+            <a:schemeClr val="dk1"/>
+          </a:fillRef>
+          <a:effectRef idx="2">
+            <a:schemeClr val="dk1"/>
+          </a:effectRef>
+          <a:fontRef idx="minor">
+            <a:schemeClr val="tx1"/>
+          </a:fontRef>
+        </p:style>
+      </p:cxnSp>
+      <p:cxnSp>
+        <p:nvCxnSpPr>
+          <p:cNvPr id="51" name="Connecteur droit 50">
+            <a:extLst>
+              <a:ext uri="{FF2B5EF4-FFF2-40B4-BE49-F238E27FC236}">
+                <a16:creationId xmlns:a16="http://schemas.microsoft.com/office/drawing/2014/main" id="{C035BFA6-ECBF-4775-BA81-19D2CA41AA8D}"/>
+              </a:ext>
+            </a:extLst>
+          </p:cNvPr>
+          <p:cNvCxnSpPr>
+            <a:cxnSpLocks/>
+          </p:cNvCxnSpPr>
+          <p:nvPr/>
+        </p:nvCxnSpPr>
+        <p:spPr>
+          <a:xfrm>
+            <a:off x="9402704" y="465201"/>
+            <a:ext cx="344203" cy="495163"/>
+          </a:xfrm>
+          <a:prstGeom prst="line">
+            <a:avLst/>
+          </a:prstGeom>
+        </p:spPr>
+        <p:style>
+          <a:lnRef idx="3">
+            <a:schemeClr val="dk1"/>
+          </a:lnRef>
+          <a:fillRef idx="0">
+            <a:schemeClr val="dk1"/>
+          </a:fillRef>
+          <a:effectRef idx="2">
+            <a:schemeClr val="dk1"/>
+          </a:effectRef>
+          <a:fontRef idx="minor">
+            <a:schemeClr val="tx1"/>
+          </a:fontRef>
+        </p:style>
+      </p:cxnSp>
+      <p:cxnSp>
+        <p:nvCxnSpPr>
+          <p:cNvPr id="52" name="Connecteur droit 51">
+            <a:extLst>
+              <a:ext uri="{FF2B5EF4-FFF2-40B4-BE49-F238E27FC236}">
+                <a16:creationId xmlns:a16="http://schemas.microsoft.com/office/drawing/2014/main" id="{FA310BC7-694B-4984-99A2-61A1F4F6EBF9}"/>
+              </a:ext>
+            </a:extLst>
+          </p:cNvPr>
+          <p:cNvCxnSpPr>
+            <a:cxnSpLocks/>
+          </p:cNvCxnSpPr>
+          <p:nvPr/>
+        </p:nvCxnSpPr>
+        <p:spPr>
+          <a:xfrm flipH="1">
+            <a:off x="11370469" y="448308"/>
+            <a:ext cx="364332" cy="501657"/>
+          </a:xfrm>
+          <a:prstGeom prst="line">
+            <a:avLst/>
+          </a:prstGeom>
+        </p:spPr>
+        <p:style>
+          <a:lnRef idx="3">
+            <a:schemeClr val="dk1"/>
+          </a:lnRef>
+          <a:fillRef idx="0">
+            <a:schemeClr val="dk1"/>
+          </a:fillRef>
+          <a:effectRef idx="2">
+            <a:schemeClr val="dk1"/>
+          </a:effectRef>
+          <a:fontRef idx="minor">
+            <a:schemeClr val="tx1"/>
+          </a:fontRef>
+        </p:style>
+      </p:cxnSp>
+      <p:cxnSp>
+        <p:nvCxnSpPr>
+          <p:cNvPr id="53" name="Connecteur droit 52">
+            <a:extLst>
+              <a:ext uri="{FF2B5EF4-FFF2-40B4-BE49-F238E27FC236}">
+                <a16:creationId xmlns:a16="http://schemas.microsoft.com/office/drawing/2014/main" id="{BE0649BD-EE59-4DDA-960F-95B2572F9F13}"/>
+              </a:ext>
+            </a:extLst>
+          </p:cNvPr>
+          <p:cNvCxnSpPr>
+            <a:cxnSpLocks/>
+          </p:cNvCxnSpPr>
+          <p:nvPr/>
+        </p:nvCxnSpPr>
+        <p:spPr>
+          <a:xfrm>
+            <a:off x="9743203" y="949965"/>
+            <a:ext cx="1627266" cy="0"/>
+          </a:xfrm>
+          <a:prstGeom prst="line">
+            <a:avLst/>
+          </a:prstGeom>
+        </p:spPr>
+        <p:style>
+          <a:lnRef idx="3">
+            <a:schemeClr val="dk1"/>
+          </a:lnRef>
+          <a:fillRef idx="0">
+            <a:schemeClr val="dk1"/>
+          </a:fillRef>
+          <a:effectRef idx="2">
+            <a:schemeClr val="dk1"/>
+          </a:effectRef>
+          <a:fontRef idx="minor">
+            <a:schemeClr val="tx1"/>
+          </a:fontRef>
+        </p:style>
+      </p:cxnSp>
+      <p:cxnSp>
+        <p:nvCxnSpPr>
+          <p:cNvPr id="55" name="Connecteur droit 54">
+            <a:extLst>
+              <a:ext uri="{FF2B5EF4-FFF2-40B4-BE49-F238E27FC236}">
+                <a16:creationId xmlns:a16="http://schemas.microsoft.com/office/drawing/2014/main" id="{52AA9200-DAFA-4EEF-AC13-4C7CE82A59EC}"/>
+              </a:ext>
+            </a:extLst>
+          </p:cNvPr>
+          <p:cNvCxnSpPr>
+            <a:cxnSpLocks/>
+          </p:cNvCxnSpPr>
+          <p:nvPr/>
+        </p:nvCxnSpPr>
+        <p:spPr>
+          <a:xfrm>
+            <a:off x="11715750" y="454801"/>
+            <a:ext cx="476249" cy="10400"/>
+          </a:xfrm>
+          <a:prstGeom prst="line">
+            <a:avLst/>
+          </a:prstGeom>
+        </p:spPr>
+        <p:style>
+          <a:lnRef idx="3">
+            <a:schemeClr val="dk1"/>
+          </a:lnRef>
+          <a:fillRef idx="0">
+            <a:schemeClr val="dk1"/>
+          </a:fillRef>
+          <a:effectRef idx="2">
+            <a:schemeClr val="dk1"/>
+          </a:effectRef>
+          <a:fontRef idx="minor">
+            <a:schemeClr val="tx1"/>
+          </a:fontRef>
+        </p:style>
+      </p:cxnSp>
+      <p:cxnSp>
+        <p:nvCxnSpPr>
+          <p:cNvPr id="23" name="Connecteur droit 22">
+            <a:extLst>
+              <a:ext uri="{FF2B5EF4-FFF2-40B4-BE49-F238E27FC236}">
+                <a16:creationId xmlns:a16="http://schemas.microsoft.com/office/drawing/2014/main" id="{BCB092C8-0080-4E56-957E-0046D4C83988}"/>
+              </a:ext>
+            </a:extLst>
+          </p:cNvPr>
+          <p:cNvCxnSpPr>
+            <a:cxnSpLocks/>
+          </p:cNvCxnSpPr>
+          <p:nvPr/>
+        </p:nvCxnSpPr>
+        <p:spPr>
+          <a:xfrm flipH="1">
+            <a:off x="2216372" y="446356"/>
+            <a:ext cx="364332" cy="501657"/>
+          </a:xfrm>
+          <a:prstGeom prst="line">
+            <a:avLst/>
+          </a:prstGeom>
+        </p:spPr>
+        <p:style>
+          <a:lnRef idx="3">
+            <a:schemeClr val="dk1"/>
+          </a:lnRef>
+          <a:fillRef idx="0">
+            <a:schemeClr val="dk1"/>
+          </a:fillRef>
+          <a:effectRef idx="2">
+            <a:schemeClr val="dk1"/>
+          </a:effectRef>
+          <a:fontRef idx="minor">
+            <a:schemeClr val="tx1"/>
+          </a:fontRef>
+        </p:style>
+      </p:cxnSp>
+      <p:pic>
+        <p:nvPicPr>
+          <p:cNvPr id="57" name="Image 56">
+            <a:extLst>
+              <a:ext uri="{FF2B5EF4-FFF2-40B4-BE49-F238E27FC236}">
+                <a16:creationId xmlns:a16="http://schemas.microsoft.com/office/drawing/2014/main" id="{12B16FB2-5844-4B92-AE69-9BAC858C22BB}"/>
+              </a:ext>
+            </a:extLst>
+          </p:cNvPr>
+          <p:cNvPicPr>
+            <a:picLocks noChangeAspect="1"/>
+          </p:cNvPicPr>
+          <p:nvPr/>
+        </p:nvPicPr>
+        <p:blipFill>
+          <a:blip r:embed="rId3">
+            <a:extLst>
+              <a:ext uri="{28A0092B-C50C-407E-A947-70E740481C1C}">
+                <a14:useLocalDpi xmlns:a14="http://schemas.microsoft.com/office/drawing/2010/main" val="0"/>
+              </a:ext>
+            </a:extLst>
+          </a:blip>
+          <a:stretch>
+            <a:fillRect/>
+          </a:stretch>
+        </p:blipFill>
+        <p:spPr>
+          <a:xfrm>
+            <a:off x="9681085" y="238153"/>
+            <a:ext cx="1802101" cy="569807"/>
+          </a:xfrm>
+          <a:prstGeom prst="rect">
+            <a:avLst/>
+          </a:prstGeom>
+        </p:spPr>
+      </p:pic>
+      <p:cxnSp>
+        <p:nvCxnSpPr>
+          <p:cNvPr id="58" name="Connecteur droit 57">
+            <a:extLst>
+              <a:ext uri="{FF2B5EF4-FFF2-40B4-BE49-F238E27FC236}">
+                <a16:creationId xmlns:a16="http://schemas.microsoft.com/office/drawing/2014/main" id="{01599350-F8B0-4FDC-B003-981189A8D654}"/>
+              </a:ext>
+            </a:extLst>
+          </p:cNvPr>
+          <p:cNvCxnSpPr>
+            <a:cxnSpLocks/>
+          </p:cNvCxnSpPr>
+          <p:nvPr/>
+        </p:nvCxnSpPr>
+        <p:spPr>
+          <a:xfrm>
+            <a:off x="2573222" y="454803"/>
+            <a:ext cx="6829482" cy="10398"/>
+          </a:xfrm>
+          <a:prstGeom prst="line">
+            <a:avLst/>
+          </a:prstGeom>
+        </p:spPr>
+        <p:style>
+          <a:lnRef idx="3">
+            <a:schemeClr val="dk1"/>
+          </a:lnRef>
+          <a:fillRef idx="0">
+            <a:schemeClr val="dk1"/>
+          </a:fillRef>
+          <a:effectRef idx="2">
+            <a:schemeClr val="dk1"/>
+          </a:effectRef>
+          <a:fontRef idx="minor">
+            <a:schemeClr val="tx1"/>
+          </a:fontRef>
+        </p:style>
+      </p:cxnSp>
+      <p:cxnSp>
+        <p:nvCxnSpPr>
+          <p:cNvPr id="59" name="Connecteur droit 58">
+            <a:extLst>
+              <a:ext uri="{FF2B5EF4-FFF2-40B4-BE49-F238E27FC236}">
+                <a16:creationId xmlns:a16="http://schemas.microsoft.com/office/drawing/2014/main" id="{BC6E6150-6054-4785-84EC-0C46D82034C2}"/>
+              </a:ext>
+            </a:extLst>
+          </p:cNvPr>
+          <p:cNvCxnSpPr>
+            <a:cxnSpLocks/>
+          </p:cNvCxnSpPr>
+          <p:nvPr/>
+        </p:nvCxnSpPr>
+        <p:spPr>
+          <a:xfrm>
+            <a:off x="738231" y="454803"/>
+            <a:ext cx="344203" cy="484764"/>
+          </a:xfrm>
+          <a:prstGeom prst="line">
+            <a:avLst/>
+          </a:prstGeom>
+        </p:spPr>
+        <p:style>
+          <a:lnRef idx="3">
+            <a:schemeClr val="dk1"/>
+          </a:lnRef>
+          <a:fillRef idx="0">
+            <a:schemeClr val="dk1"/>
+          </a:fillRef>
+          <a:effectRef idx="2">
+            <a:schemeClr val="dk1"/>
+          </a:effectRef>
+          <a:fontRef idx="minor">
+            <a:schemeClr val="tx1"/>
+          </a:fontRef>
+        </p:style>
+      </p:cxnSp>
+      <p:cxnSp>
+        <p:nvCxnSpPr>
+          <p:cNvPr id="60" name="Connecteur droit 59">
+            <a:extLst>
+              <a:ext uri="{FF2B5EF4-FFF2-40B4-BE49-F238E27FC236}">
+                <a16:creationId xmlns:a16="http://schemas.microsoft.com/office/drawing/2014/main" id="{CBC9961A-8EC2-4287-A398-BCA4138D409D}"/>
+              </a:ext>
+            </a:extLst>
+          </p:cNvPr>
+          <p:cNvCxnSpPr>
+            <a:cxnSpLocks/>
+          </p:cNvCxnSpPr>
+          <p:nvPr/>
+        </p:nvCxnSpPr>
+        <p:spPr>
+          <a:xfrm>
+            <a:off x="1082434" y="938268"/>
+            <a:ext cx="1146585" cy="0"/>
+          </a:xfrm>
+          <a:prstGeom prst="line">
+            <a:avLst/>
+          </a:prstGeom>
+        </p:spPr>
+        <p:style>
+          <a:lnRef idx="3">
+            <a:schemeClr val="dk1"/>
+          </a:lnRef>
+          <a:fillRef idx="0">
+            <a:schemeClr val="dk1"/>
+          </a:fillRef>
+          <a:effectRef idx="2">
+            <a:schemeClr val="dk1"/>
+          </a:effectRef>
+          <a:fontRef idx="minor">
+            <a:schemeClr val="tx1"/>
+          </a:fontRef>
+        </p:style>
+      </p:cxnSp>
+      <p:cxnSp>
+        <p:nvCxnSpPr>
+          <p:cNvPr id="61" name="Connecteur droit 60">
+            <a:extLst>
+              <a:ext uri="{FF2B5EF4-FFF2-40B4-BE49-F238E27FC236}">
+                <a16:creationId xmlns:a16="http://schemas.microsoft.com/office/drawing/2014/main" id="{152B7C45-2543-4665-BC07-4DB71CA9F337}"/>
+              </a:ext>
+            </a:extLst>
+          </p:cNvPr>
+          <p:cNvCxnSpPr>
+            <a:cxnSpLocks/>
+          </p:cNvCxnSpPr>
+          <p:nvPr/>
+        </p:nvCxnSpPr>
+        <p:spPr>
+          <a:xfrm>
+            <a:off x="9402704" y="465201"/>
+            <a:ext cx="344203" cy="495163"/>
+          </a:xfrm>
+          <a:prstGeom prst="line">
+            <a:avLst/>
+          </a:prstGeom>
+        </p:spPr>
+        <p:style>
+          <a:lnRef idx="3">
+            <a:schemeClr val="dk1"/>
+          </a:lnRef>
+          <a:fillRef idx="0">
+            <a:schemeClr val="dk1"/>
+          </a:fillRef>
+          <a:effectRef idx="2">
+            <a:schemeClr val="dk1"/>
+          </a:effectRef>
+          <a:fontRef idx="minor">
+            <a:schemeClr val="tx1"/>
+          </a:fontRef>
+        </p:style>
+      </p:cxnSp>
+      <p:cxnSp>
+        <p:nvCxnSpPr>
+          <p:cNvPr id="62" name="Connecteur droit 61">
+            <a:extLst>
+              <a:ext uri="{FF2B5EF4-FFF2-40B4-BE49-F238E27FC236}">
+                <a16:creationId xmlns:a16="http://schemas.microsoft.com/office/drawing/2014/main" id="{00A84DC3-A112-46A3-B71C-04D85339323D}"/>
+              </a:ext>
+            </a:extLst>
+          </p:cNvPr>
+          <p:cNvCxnSpPr>
+            <a:cxnSpLocks/>
+          </p:cNvCxnSpPr>
+          <p:nvPr/>
+        </p:nvCxnSpPr>
+        <p:spPr>
+          <a:xfrm flipH="1">
+            <a:off x="11370469" y="448308"/>
+            <a:ext cx="364332" cy="501657"/>
+          </a:xfrm>
+          <a:prstGeom prst="line">
+            <a:avLst/>
+          </a:prstGeom>
+        </p:spPr>
+        <p:style>
+          <a:lnRef idx="3">
+            <a:schemeClr val="dk1"/>
+          </a:lnRef>
+          <a:fillRef idx="0">
+            <a:schemeClr val="dk1"/>
+          </a:fillRef>
+          <a:effectRef idx="2">
+            <a:schemeClr val="dk1"/>
+          </a:effectRef>
+          <a:fontRef idx="minor">
+            <a:schemeClr val="tx1"/>
+          </a:fontRef>
+        </p:style>
+      </p:cxnSp>
+      <p:cxnSp>
+        <p:nvCxnSpPr>
+          <p:cNvPr id="63" name="Connecteur droit 62">
+            <a:extLst>
+              <a:ext uri="{FF2B5EF4-FFF2-40B4-BE49-F238E27FC236}">
+                <a16:creationId xmlns:a16="http://schemas.microsoft.com/office/drawing/2014/main" id="{C50788C6-8F68-44EC-AB54-94C1D2FE554D}"/>
+              </a:ext>
+            </a:extLst>
+          </p:cNvPr>
+          <p:cNvCxnSpPr>
+            <a:cxnSpLocks/>
+          </p:cNvCxnSpPr>
+          <p:nvPr/>
+        </p:nvCxnSpPr>
+        <p:spPr>
+          <a:xfrm>
+            <a:off x="9743203" y="949965"/>
+            <a:ext cx="1627266" cy="0"/>
+          </a:xfrm>
+          <a:prstGeom prst="line">
+            <a:avLst/>
+          </a:prstGeom>
+        </p:spPr>
+        <p:style>
+          <a:lnRef idx="3">
+            <a:schemeClr val="dk1"/>
+          </a:lnRef>
+          <a:fillRef idx="0">
+            <a:schemeClr val="dk1"/>
+          </a:fillRef>
+          <a:effectRef idx="2">
+            <a:schemeClr val="dk1"/>
+          </a:effectRef>
+          <a:fontRef idx="minor">
+            <a:schemeClr val="tx1"/>
+          </a:fontRef>
+        </p:style>
+      </p:cxnSp>
+      <p:cxnSp>
+        <p:nvCxnSpPr>
+          <p:cNvPr id="64" name="Connecteur droit 63">
+            <a:extLst>
+              <a:ext uri="{FF2B5EF4-FFF2-40B4-BE49-F238E27FC236}">
+                <a16:creationId xmlns:a16="http://schemas.microsoft.com/office/drawing/2014/main" id="{BC4D4E5F-5636-45CB-873C-EC085AB307A3}"/>
+              </a:ext>
+            </a:extLst>
+          </p:cNvPr>
+          <p:cNvCxnSpPr>
+            <a:cxnSpLocks/>
+          </p:cNvCxnSpPr>
+          <p:nvPr/>
+        </p:nvCxnSpPr>
+        <p:spPr>
+          <a:xfrm>
+            <a:off x="11715750" y="454801"/>
+            <a:ext cx="476249" cy="10400"/>
+          </a:xfrm>
+          <a:prstGeom prst="line">
+            <a:avLst/>
+          </a:prstGeom>
+        </p:spPr>
+        <p:style>
+          <a:lnRef idx="3">
+            <a:schemeClr val="dk1"/>
+          </a:lnRef>
+          <a:fillRef idx="0">
+            <a:schemeClr val="dk1"/>
+          </a:fillRef>
+          <a:effectRef idx="2">
+            <a:schemeClr val="dk1"/>
+          </a:effectRef>
+          <a:fontRef idx="minor">
+            <a:schemeClr val="tx1"/>
+          </a:fontRef>
+        </p:style>
+      </p:cxnSp>
+      <p:cxnSp>
+        <p:nvCxnSpPr>
+          <p:cNvPr id="65" name="Connecteur droit 64">
+            <a:extLst>
+              <a:ext uri="{FF2B5EF4-FFF2-40B4-BE49-F238E27FC236}">
+                <a16:creationId xmlns:a16="http://schemas.microsoft.com/office/drawing/2014/main" id="{E6F6B4C5-0E3B-46C9-859D-EE774175D36F}"/>
+              </a:ext>
+            </a:extLst>
+          </p:cNvPr>
+          <p:cNvCxnSpPr>
+            <a:cxnSpLocks/>
+          </p:cNvCxnSpPr>
+          <p:nvPr/>
+        </p:nvCxnSpPr>
+        <p:spPr>
+          <a:xfrm flipH="1">
+            <a:off x="2216372" y="446356"/>
+            <a:ext cx="364332" cy="501657"/>
+          </a:xfrm>
+          <a:prstGeom prst="line">
+            <a:avLst/>
+          </a:prstGeom>
+        </p:spPr>
+        <p:style>
+          <a:lnRef idx="3">
+            <a:schemeClr val="dk1"/>
+          </a:lnRef>
+          <a:fillRef idx="0">
+            <a:schemeClr val="dk1"/>
+          </a:fillRef>
+          <a:effectRef idx="2">
+            <a:schemeClr val="dk1"/>
+          </a:effectRef>
+          <a:fontRef idx="minor">
+            <a:schemeClr val="tx1"/>
+          </a:fontRef>
+        </p:style>
+      </p:cxnSp>
+      <p:sp>
+        <p:nvSpPr>
+          <p:cNvPr id="4" name="ZoneTexte 3">
+            <a:extLst>
+              <a:ext uri="{FF2B5EF4-FFF2-40B4-BE49-F238E27FC236}">
+                <a16:creationId xmlns:a16="http://schemas.microsoft.com/office/drawing/2014/main" id="{6F856B2B-03F4-4FE3-A57C-C9CAAF971B24}"/>
+              </a:ext>
+            </a:extLst>
+          </p:cNvPr>
+          <p:cNvSpPr txBox="1"/>
+          <p:nvPr/>
+        </p:nvSpPr>
+        <p:spPr>
+          <a:xfrm>
+            <a:off x="2952925" y="637563"/>
+            <a:ext cx="6199464" cy="769441"/>
+          </a:xfrm>
+          <a:prstGeom prst="rect">
+            <a:avLst/>
+          </a:prstGeom>
+          <a:noFill/>
+        </p:spPr>
+        <p:txBody>
+          <a:bodyPr wrap="square" rtlCol="0">
+            <a:spAutoFit/>
+          </a:bodyPr>
+          <a:lstStyle/>
+          <a:p>
+            <a:pPr marL="0" marR="0" lvl="0" indent="0" algn="l" defTabSz="914400" rtl="0" eaLnBrk="1" fontAlgn="auto" latinLnBrk="0" hangingPunct="1">
+              <a:lnSpc>
+                <a:spcPct val="100000"/>
+              </a:lnSpc>
+              <a:spcBef>
+                <a:spcPts val="0"/>
+              </a:spcBef>
+              <a:spcAft>
+                <a:spcPts val="0"/>
+              </a:spcAft>
+              <a:buClrTx/>
+              <a:buSzTx/>
+              <a:buFontTx/>
+              <a:buNone/>
+              <a:tabLst/>
+              <a:defRPr/>
+            </a:pPr>
+            <a:r>
+              <a:rPr kumimoji="0" lang="fr-FR" sz="4400" b="0" i="0" u="none" strike="noStrike" kern="1200" cap="none" spc="0" normalizeH="0" baseline="0" noProof="0" dirty="0">
+                <a:ln>
+                  <a:noFill/>
+                </a:ln>
+                <a:solidFill>
+                  <a:prstClr val="black"/>
+                </a:solidFill>
+                <a:effectLst/>
+                <a:uLnTx/>
+                <a:uFillTx/>
+                <a:latin typeface="Berlin Sans FB" panose="020E0602020502020306" pitchFamily="34" charset="0"/>
+                <a:ea typeface="+mn-ea"/>
+                <a:cs typeface="+mn-cs"/>
+              </a:rPr>
+              <a:t>Diagramme de séquence</a:t>
+            </a:r>
+          </a:p>
+        </p:txBody>
+      </p:sp>
+    </p:spTree>
+    <p:extLst>
+      <p:ext uri="{BB962C8B-B14F-4D97-AF65-F5344CB8AC3E}">
+        <p14:creationId xmlns:p14="http://schemas.microsoft.com/office/powerpoint/2010/main" val="1412701524"/>
+      </p:ext>
+    </p:extLst>
+  </p:cSld>
+  <p:clrMapOvr>
+    <a:masterClrMapping/>
+  </p:clrMapOvr>
+  <mc:AlternateContent xmlns:mc="http://schemas.openxmlformats.org/markup-compatibility/2006" xmlns:p14="http://schemas.microsoft.com/office/powerpoint/2010/main">
+    <mc:Choice Requires="p14">
+      <p:transition spd="slow">
+        <p14:reveal/>
+      </p:transition>
+    </mc:Choice>
+    <mc:Fallback xmlns="">
+      <p:transition spd="slow">
+        <p:fade/>
+      </p:transition>
+    </mc:Fallback>
+  </mc:AlternateContent>
+</p:sld>
+</file>
+
+<file path=ppt/slides/slide8.xml><?xml version="1.0" encoding="utf-8"?>
 <p:sld xmlns:a="http://schemas.openxmlformats.org/drawingml/2006/main" xmlns:r="http://schemas.openxmlformats.org/officeDocument/2006/relationships" xmlns:p="http://schemas.openxmlformats.org/presentationml/2006/main">
   <p:cSld>
     <p:spTree>

--- a/oral_projet/revue_2/diaporama_revue_2_samuel.pptx
+++ b/oral_projet/revue_2/diaporama_revue_2_samuel.pptx
@@ -5,7 +5,7 @@
     <p:sldMasterId id="2147483648" r:id="rId1"/>
   </p:sldMasterIdLst>
   <p:notesMasterIdLst>
-    <p:notesMasterId r:id="rId10"/>
+    <p:notesMasterId r:id="rId15"/>
   </p:notesMasterIdLst>
   <p:sldIdLst>
     <p:sldId id="256" r:id="rId2"/>
@@ -15,7 +15,12 @@
     <p:sldId id="260" r:id="rId6"/>
     <p:sldId id="265" r:id="rId7"/>
     <p:sldId id="266" r:id="rId8"/>
-    <p:sldId id="264" r:id="rId9"/>
+    <p:sldId id="270" r:id="rId9"/>
+    <p:sldId id="271" r:id="rId10"/>
+    <p:sldId id="264" r:id="rId11"/>
+    <p:sldId id="269" r:id="rId12"/>
+    <p:sldId id="268" r:id="rId13"/>
+    <p:sldId id="267" r:id="rId14"/>
   </p:sldIdLst>
   <p:sldSz cx="12192000" cy="6858000"/>
   <p:notesSz cx="6858000" cy="9144000"/>
@@ -4522,6 +4527,1830 @@
     </mc:Choice>
     <mc:Fallback xmlns="">
       <p:transition>
+        <p:fade/>
+      </p:transition>
+    </mc:Fallback>
+  </mc:AlternateContent>
+</p:sld>
+</file>
+
+<file path=ppt/slides/slide10.xml><?xml version="1.0" encoding="utf-8"?>
+<p:sld xmlns:a="http://schemas.openxmlformats.org/drawingml/2006/main" xmlns:r="http://schemas.openxmlformats.org/officeDocument/2006/relationships" xmlns:p="http://schemas.openxmlformats.org/presentationml/2006/main">
+  <p:cSld>
+    <p:spTree>
+      <p:nvGrpSpPr>
+        <p:cNvPr id="1" name=""/>
+        <p:cNvGrpSpPr/>
+        <p:nvPr/>
+      </p:nvGrpSpPr>
+      <p:grpSpPr>
+        <a:xfrm>
+          <a:off x="0" y="0"/>
+          <a:ext cx="0" cy="0"/>
+          <a:chOff x="0" y="0"/>
+          <a:chExt cx="0" cy="0"/>
+        </a:xfrm>
+      </p:grpSpPr>
+      <p:pic>
+        <p:nvPicPr>
+          <p:cNvPr id="8" name="Image 7">
+            <a:extLst>
+              <a:ext uri="{FF2B5EF4-FFF2-40B4-BE49-F238E27FC236}">
+                <a16:creationId xmlns:a16="http://schemas.microsoft.com/office/drawing/2014/main" id="{2BB825C5-31DA-4A56-85EA-536DBF510A31}"/>
+              </a:ext>
+            </a:extLst>
+          </p:cNvPr>
+          <p:cNvPicPr>
+            <a:picLocks noChangeAspect="1"/>
+          </p:cNvPicPr>
+          <p:nvPr/>
+        </p:nvPicPr>
+        <p:blipFill>
+          <a:blip r:embed="rId2">
+            <a:extLst>
+              <a:ext uri="{28A0092B-C50C-407E-A947-70E740481C1C}">
+                <a14:useLocalDpi xmlns:a14="http://schemas.microsoft.com/office/drawing/2010/main" val="0"/>
+              </a:ext>
+            </a:extLst>
+          </a:blip>
+          <a:stretch>
+            <a:fillRect/>
+          </a:stretch>
+        </p:blipFill>
+        <p:spPr>
+          <a:xfrm>
+            <a:off x="1068751" y="66457"/>
+            <a:ext cx="1259497" cy="776690"/>
+          </a:xfrm>
+          <a:prstGeom prst="rect">
+            <a:avLst/>
+          </a:prstGeom>
+        </p:spPr>
+      </p:pic>
+      <p:pic>
+        <p:nvPicPr>
+          <p:cNvPr id="10" name="Image 9">
+            <a:extLst>
+              <a:ext uri="{FF2B5EF4-FFF2-40B4-BE49-F238E27FC236}">
+                <a16:creationId xmlns:a16="http://schemas.microsoft.com/office/drawing/2014/main" id="{8EE7436F-49F2-41E0-93E4-D247B4705294}"/>
+              </a:ext>
+            </a:extLst>
+          </p:cNvPr>
+          <p:cNvPicPr>
+            <a:picLocks noChangeAspect="1"/>
+          </p:cNvPicPr>
+          <p:nvPr/>
+        </p:nvPicPr>
+        <p:blipFill>
+          <a:blip r:embed="rId3">
+            <a:extLst>
+              <a:ext uri="{28A0092B-C50C-407E-A947-70E740481C1C}">
+                <a14:useLocalDpi xmlns:a14="http://schemas.microsoft.com/office/drawing/2010/main" val="0"/>
+              </a:ext>
+            </a:extLst>
+          </a:blip>
+          <a:stretch>
+            <a:fillRect/>
+          </a:stretch>
+        </p:blipFill>
+        <p:spPr>
+          <a:xfrm>
+            <a:off x="9681085" y="238153"/>
+            <a:ext cx="1802101" cy="569807"/>
+          </a:xfrm>
+          <a:prstGeom prst="rect">
+            <a:avLst/>
+          </a:prstGeom>
+        </p:spPr>
+      </p:pic>
+      <p:cxnSp>
+        <p:nvCxnSpPr>
+          <p:cNvPr id="16" name="Connecteur droit 15">
+            <a:extLst>
+              <a:ext uri="{FF2B5EF4-FFF2-40B4-BE49-F238E27FC236}">
+                <a16:creationId xmlns:a16="http://schemas.microsoft.com/office/drawing/2014/main" id="{7319284A-BD6F-4A96-8E2B-E0A4B52E53C6}"/>
+              </a:ext>
+            </a:extLst>
+          </p:cNvPr>
+          <p:cNvCxnSpPr>
+            <a:cxnSpLocks/>
+          </p:cNvCxnSpPr>
+          <p:nvPr/>
+        </p:nvCxnSpPr>
+        <p:spPr>
+          <a:xfrm flipV="1">
+            <a:off x="0" y="454803"/>
+            <a:ext cx="738231" cy="1798"/>
+          </a:xfrm>
+          <a:prstGeom prst="line">
+            <a:avLst/>
+          </a:prstGeom>
+        </p:spPr>
+        <p:style>
+          <a:lnRef idx="3">
+            <a:schemeClr val="dk1"/>
+          </a:lnRef>
+          <a:fillRef idx="0">
+            <a:schemeClr val="dk1"/>
+          </a:fillRef>
+          <a:effectRef idx="2">
+            <a:schemeClr val="dk1"/>
+          </a:effectRef>
+          <a:fontRef idx="minor">
+            <a:schemeClr val="tx1"/>
+          </a:fontRef>
+        </p:style>
+      </p:cxnSp>
+      <p:cxnSp>
+        <p:nvCxnSpPr>
+          <p:cNvPr id="20" name="Connecteur droit 19">
+            <a:extLst>
+              <a:ext uri="{FF2B5EF4-FFF2-40B4-BE49-F238E27FC236}">
+                <a16:creationId xmlns:a16="http://schemas.microsoft.com/office/drawing/2014/main" id="{08874CF7-F149-4C81-B61E-74E18342BA8A}"/>
+              </a:ext>
+            </a:extLst>
+          </p:cNvPr>
+          <p:cNvCxnSpPr>
+            <a:cxnSpLocks/>
+          </p:cNvCxnSpPr>
+          <p:nvPr/>
+        </p:nvCxnSpPr>
+        <p:spPr>
+          <a:xfrm>
+            <a:off x="2573222" y="454803"/>
+            <a:ext cx="6829482" cy="10398"/>
+          </a:xfrm>
+          <a:prstGeom prst="line">
+            <a:avLst/>
+          </a:prstGeom>
+        </p:spPr>
+        <p:style>
+          <a:lnRef idx="3">
+            <a:schemeClr val="dk1"/>
+          </a:lnRef>
+          <a:fillRef idx="0">
+            <a:schemeClr val="dk1"/>
+          </a:fillRef>
+          <a:effectRef idx="2">
+            <a:schemeClr val="dk1"/>
+          </a:effectRef>
+          <a:fontRef idx="minor">
+            <a:schemeClr val="tx1"/>
+          </a:fontRef>
+        </p:style>
+      </p:cxnSp>
+      <p:cxnSp>
+        <p:nvCxnSpPr>
+          <p:cNvPr id="26" name="Connecteur droit 25">
+            <a:extLst>
+              <a:ext uri="{FF2B5EF4-FFF2-40B4-BE49-F238E27FC236}">
+                <a16:creationId xmlns:a16="http://schemas.microsoft.com/office/drawing/2014/main" id="{BB3B35CC-057B-48C1-880F-3306A6559175}"/>
+              </a:ext>
+            </a:extLst>
+          </p:cNvPr>
+          <p:cNvCxnSpPr>
+            <a:cxnSpLocks/>
+          </p:cNvCxnSpPr>
+          <p:nvPr/>
+        </p:nvCxnSpPr>
+        <p:spPr>
+          <a:xfrm>
+            <a:off x="738231" y="454803"/>
+            <a:ext cx="344203" cy="484764"/>
+          </a:xfrm>
+          <a:prstGeom prst="line">
+            <a:avLst/>
+          </a:prstGeom>
+        </p:spPr>
+        <p:style>
+          <a:lnRef idx="3">
+            <a:schemeClr val="dk1"/>
+          </a:lnRef>
+          <a:fillRef idx="0">
+            <a:schemeClr val="dk1"/>
+          </a:fillRef>
+          <a:effectRef idx="2">
+            <a:schemeClr val="dk1"/>
+          </a:effectRef>
+          <a:fontRef idx="minor">
+            <a:schemeClr val="tx1"/>
+          </a:fontRef>
+        </p:style>
+      </p:cxnSp>
+      <p:cxnSp>
+        <p:nvCxnSpPr>
+          <p:cNvPr id="32" name="Connecteur droit 31">
+            <a:extLst>
+              <a:ext uri="{FF2B5EF4-FFF2-40B4-BE49-F238E27FC236}">
+                <a16:creationId xmlns:a16="http://schemas.microsoft.com/office/drawing/2014/main" id="{4AD96496-1EB6-4E48-9BB2-5C255495C686}"/>
+              </a:ext>
+            </a:extLst>
+          </p:cNvPr>
+          <p:cNvCxnSpPr>
+            <a:cxnSpLocks/>
+          </p:cNvCxnSpPr>
+          <p:nvPr/>
+        </p:nvCxnSpPr>
+        <p:spPr>
+          <a:xfrm>
+            <a:off x="1082434" y="938268"/>
+            <a:ext cx="1146585" cy="0"/>
+          </a:xfrm>
+          <a:prstGeom prst="line">
+            <a:avLst/>
+          </a:prstGeom>
+        </p:spPr>
+        <p:style>
+          <a:lnRef idx="3">
+            <a:schemeClr val="dk1"/>
+          </a:lnRef>
+          <a:fillRef idx="0">
+            <a:schemeClr val="dk1"/>
+          </a:fillRef>
+          <a:effectRef idx="2">
+            <a:schemeClr val="dk1"/>
+          </a:effectRef>
+          <a:fontRef idx="minor">
+            <a:schemeClr val="tx1"/>
+          </a:fontRef>
+        </p:style>
+      </p:cxnSp>
+      <p:cxnSp>
+        <p:nvCxnSpPr>
+          <p:cNvPr id="51" name="Connecteur droit 50">
+            <a:extLst>
+              <a:ext uri="{FF2B5EF4-FFF2-40B4-BE49-F238E27FC236}">
+                <a16:creationId xmlns:a16="http://schemas.microsoft.com/office/drawing/2014/main" id="{C035BFA6-ECBF-4775-BA81-19D2CA41AA8D}"/>
+              </a:ext>
+            </a:extLst>
+          </p:cNvPr>
+          <p:cNvCxnSpPr>
+            <a:cxnSpLocks/>
+          </p:cNvCxnSpPr>
+          <p:nvPr/>
+        </p:nvCxnSpPr>
+        <p:spPr>
+          <a:xfrm>
+            <a:off x="9402704" y="465201"/>
+            <a:ext cx="344203" cy="495163"/>
+          </a:xfrm>
+          <a:prstGeom prst="line">
+            <a:avLst/>
+          </a:prstGeom>
+        </p:spPr>
+        <p:style>
+          <a:lnRef idx="3">
+            <a:schemeClr val="dk1"/>
+          </a:lnRef>
+          <a:fillRef idx="0">
+            <a:schemeClr val="dk1"/>
+          </a:fillRef>
+          <a:effectRef idx="2">
+            <a:schemeClr val="dk1"/>
+          </a:effectRef>
+          <a:fontRef idx="minor">
+            <a:schemeClr val="tx1"/>
+          </a:fontRef>
+        </p:style>
+      </p:cxnSp>
+      <p:cxnSp>
+        <p:nvCxnSpPr>
+          <p:cNvPr id="52" name="Connecteur droit 51">
+            <a:extLst>
+              <a:ext uri="{FF2B5EF4-FFF2-40B4-BE49-F238E27FC236}">
+                <a16:creationId xmlns:a16="http://schemas.microsoft.com/office/drawing/2014/main" id="{FA310BC7-694B-4984-99A2-61A1F4F6EBF9}"/>
+              </a:ext>
+            </a:extLst>
+          </p:cNvPr>
+          <p:cNvCxnSpPr>
+            <a:cxnSpLocks/>
+          </p:cNvCxnSpPr>
+          <p:nvPr/>
+        </p:nvCxnSpPr>
+        <p:spPr>
+          <a:xfrm flipH="1">
+            <a:off x="11370469" y="448308"/>
+            <a:ext cx="364332" cy="501657"/>
+          </a:xfrm>
+          <a:prstGeom prst="line">
+            <a:avLst/>
+          </a:prstGeom>
+        </p:spPr>
+        <p:style>
+          <a:lnRef idx="3">
+            <a:schemeClr val="dk1"/>
+          </a:lnRef>
+          <a:fillRef idx="0">
+            <a:schemeClr val="dk1"/>
+          </a:fillRef>
+          <a:effectRef idx="2">
+            <a:schemeClr val="dk1"/>
+          </a:effectRef>
+          <a:fontRef idx="minor">
+            <a:schemeClr val="tx1"/>
+          </a:fontRef>
+        </p:style>
+      </p:cxnSp>
+      <p:cxnSp>
+        <p:nvCxnSpPr>
+          <p:cNvPr id="53" name="Connecteur droit 52">
+            <a:extLst>
+              <a:ext uri="{FF2B5EF4-FFF2-40B4-BE49-F238E27FC236}">
+                <a16:creationId xmlns:a16="http://schemas.microsoft.com/office/drawing/2014/main" id="{BE0649BD-EE59-4DDA-960F-95B2572F9F13}"/>
+              </a:ext>
+            </a:extLst>
+          </p:cNvPr>
+          <p:cNvCxnSpPr>
+            <a:cxnSpLocks/>
+          </p:cNvCxnSpPr>
+          <p:nvPr/>
+        </p:nvCxnSpPr>
+        <p:spPr>
+          <a:xfrm>
+            <a:off x="9743203" y="949965"/>
+            <a:ext cx="1627266" cy="0"/>
+          </a:xfrm>
+          <a:prstGeom prst="line">
+            <a:avLst/>
+          </a:prstGeom>
+        </p:spPr>
+        <p:style>
+          <a:lnRef idx="3">
+            <a:schemeClr val="dk1"/>
+          </a:lnRef>
+          <a:fillRef idx="0">
+            <a:schemeClr val="dk1"/>
+          </a:fillRef>
+          <a:effectRef idx="2">
+            <a:schemeClr val="dk1"/>
+          </a:effectRef>
+          <a:fontRef idx="minor">
+            <a:schemeClr val="tx1"/>
+          </a:fontRef>
+        </p:style>
+      </p:cxnSp>
+      <p:cxnSp>
+        <p:nvCxnSpPr>
+          <p:cNvPr id="55" name="Connecteur droit 54">
+            <a:extLst>
+              <a:ext uri="{FF2B5EF4-FFF2-40B4-BE49-F238E27FC236}">
+                <a16:creationId xmlns:a16="http://schemas.microsoft.com/office/drawing/2014/main" id="{52AA9200-DAFA-4EEF-AC13-4C7CE82A59EC}"/>
+              </a:ext>
+            </a:extLst>
+          </p:cNvPr>
+          <p:cNvCxnSpPr>
+            <a:cxnSpLocks/>
+          </p:cNvCxnSpPr>
+          <p:nvPr/>
+        </p:nvCxnSpPr>
+        <p:spPr>
+          <a:xfrm>
+            <a:off x="11715750" y="454801"/>
+            <a:ext cx="476249" cy="10400"/>
+          </a:xfrm>
+          <a:prstGeom prst="line">
+            <a:avLst/>
+          </a:prstGeom>
+        </p:spPr>
+        <p:style>
+          <a:lnRef idx="3">
+            <a:schemeClr val="dk1"/>
+          </a:lnRef>
+          <a:fillRef idx="0">
+            <a:schemeClr val="dk1"/>
+          </a:fillRef>
+          <a:effectRef idx="2">
+            <a:schemeClr val="dk1"/>
+          </a:effectRef>
+          <a:fontRef idx="minor">
+            <a:schemeClr val="tx1"/>
+          </a:fontRef>
+        </p:style>
+      </p:cxnSp>
+      <p:cxnSp>
+        <p:nvCxnSpPr>
+          <p:cNvPr id="23" name="Connecteur droit 22">
+            <a:extLst>
+              <a:ext uri="{FF2B5EF4-FFF2-40B4-BE49-F238E27FC236}">
+                <a16:creationId xmlns:a16="http://schemas.microsoft.com/office/drawing/2014/main" id="{BCB092C8-0080-4E56-957E-0046D4C83988}"/>
+              </a:ext>
+            </a:extLst>
+          </p:cNvPr>
+          <p:cNvCxnSpPr>
+            <a:cxnSpLocks/>
+          </p:cNvCxnSpPr>
+          <p:nvPr/>
+        </p:nvCxnSpPr>
+        <p:spPr>
+          <a:xfrm flipH="1">
+            <a:off x="2216372" y="446356"/>
+            <a:ext cx="364332" cy="501657"/>
+          </a:xfrm>
+          <a:prstGeom prst="line">
+            <a:avLst/>
+          </a:prstGeom>
+        </p:spPr>
+        <p:style>
+          <a:lnRef idx="3">
+            <a:schemeClr val="dk1"/>
+          </a:lnRef>
+          <a:fillRef idx="0">
+            <a:schemeClr val="dk1"/>
+          </a:fillRef>
+          <a:effectRef idx="2">
+            <a:schemeClr val="dk1"/>
+          </a:effectRef>
+          <a:fontRef idx="minor">
+            <a:schemeClr val="tx1"/>
+          </a:fontRef>
+        </p:style>
+      </p:cxnSp>
+    </p:spTree>
+    <p:extLst>
+      <p:ext uri="{BB962C8B-B14F-4D97-AF65-F5344CB8AC3E}">
+        <p14:creationId xmlns:p14="http://schemas.microsoft.com/office/powerpoint/2010/main" val="2169865702"/>
+      </p:ext>
+    </p:extLst>
+  </p:cSld>
+  <p:clrMapOvr>
+    <a:masterClrMapping/>
+  </p:clrMapOvr>
+  <mc:AlternateContent xmlns:mc="http://schemas.openxmlformats.org/markup-compatibility/2006" xmlns:p14="http://schemas.microsoft.com/office/powerpoint/2010/main">
+    <mc:Choice Requires="p14">
+      <p:transition spd="med">
+        <p14:reveal/>
+      </p:transition>
+    </mc:Choice>
+    <mc:Fallback xmlns="">
+      <p:transition spd="med">
+        <p:fade/>
+      </p:transition>
+    </mc:Fallback>
+  </mc:AlternateContent>
+</p:sld>
+</file>
+
+<file path=ppt/slides/slide11.xml><?xml version="1.0" encoding="utf-8"?>
+<p:sld xmlns:a="http://schemas.openxmlformats.org/drawingml/2006/main" xmlns:r="http://schemas.openxmlformats.org/officeDocument/2006/relationships" xmlns:p="http://schemas.openxmlformats.org/presentationml/2006/main">
+  <p:cSld>
+    <p:spTree>
+      <p:nvGrpSpPr>
+        <p:cNvPr id="1" name=""/>
+        <p:cNvGrpSpPr/>
+        <p:nvPr/>
+      </p:nvGrpSpPr>
+      <p:grpSpPr>
+        <a:xfrm>
+          <a:off x="0" y="0"/>
+          <a:ext cx="0" cy="0"/>
+          <a:chOff x="0" y="0"/>
+          <a:chExt cx="0" cy="0"/>
+        </a:xfrm>
+      </p:grpSpPr>
+      <p:pic>
+        <p:nvPicPr>
+          <p:cNvPr id="8" name="Image 7">
+            <a:extLst>
+              <a:ext uri="{FF2B5EF4-FFF2-40B4-BE49-F238E27FC236}">
+                <a16:creationId xmlns:a16="http://schemas.microsoft.com/office/drawing/2014/main" id="{2BB825C5-31DA-4A56-85EA-536DBF510A31}"/>
+              </a:ext>
+            </a:extLst>
+          </p:cNvPr>
+          <p:cNvPicPr>
+            <a:picLocks noChangeAspect="1"/>
+          </p:cNvPicPr>
+          <p:nvPr/>
+        </p:nvPicPr>
+        <p:blipFill>
+          <a:blip r:embed="rId2">
+            <a:extLst>
+              <a:ext uri="{28A0092B-C50C-407E-A947-70E740481C1C}">
+                <a14:useLocalDpi xmlns:a14="http://schemas.microsoft.com/office/drawing/2010/main" val="0"/>
+              </a:ext>
+            </a:extLst>
+          </a:blip>
+          <a:stretch>
+            <a:fillRect/>
+          </a:stretch>
+        </p:blipFill>
+        <p:spPr>
+          <a:xfrm>
+            <a:off x="1068751" y="66457"/>
+            <a:ext cx="1259497" cy="776690"/>
+          </a:xfrm>
+          <a:prstGeom prst="rect">
+            <a:avLst/>
+          </a:prstGeom>
+        </p:spPr>
+      </p:pic>
+      <p:pic>
+        <p:nvPicPr>
+          <p:cNvPr id="10" name="Image 9">
+            <a:extLst>
+              <a:ext uri="{FF2B5EF4-FFF2-40B4-BE49-F238E27FC236}">
+                <a16:creationId xmlns:a16="http://schemas.microsoft.com/office/drawing/2014/main" id="{8EE7436F-49F2-41E0-93E4-D247B4705294}"/>
+              </a:ext>
+            </a:extLst>
+          </p:cNvPr>
+          <p:cNvPicPr>
+            <a:picLocks noChangeAspect="1"/>
+          </p:cNvPicPr>
+          <p:nvPr/>
+        </p:nvPicPr>
+        <p:blipFill>
+          <a:blip r:embed="rId3">
+            <a:extLst>
+              <a:ext uri="{28A0092B-C50C-407E-A947-70E740481C1C}">
+                <a14:useLocalDpi xmlns:a14="http://schemas.microsoft.com/office/drawing/2010/main" val="0"/>
+              </a:ext>
+            </a:extLst>
+          </a:blip>
+          <a:stretch>
+            <a:fillRect/>
+          </a:stretch>
+        </p:blipFill>
+        <p:spPr>
+          <a:xfrm>
+            <a:off x="9681085" y="238153"/>
+            <a:ext cx="1802101" cy="569807"/>
+          </a:xfrm>
+          <a:prstGeom prst="rect">
+            <a:avLst/>
+          </a:prstGeom>
+        </p:spPr>
+      </p:pic>
+      <p:cxnSp>
+        <p:nvCxnSpPr>
+          <p:cNvPr id="16" name="Connecteur droit 15">
+            <a:extLst>
+              <a:ext uri="{FF2B5EF4-FFF2-40B4-BE49-F238E27FC236}">
+                <a16:creationId xmlns:a16="http://schemas.microsoft.com/office/drawing/2014/main" id="{7319284A-BD6F-4A96-8E2B-E0A4B52E53C6}"/>
+              </a:ext>
+            </a:extLst>
+          </p:cNvPr>
+          <p:cNvCxnSpPr>
+            <a:cxnSpLocks/>
+          </p:cNvCxnSpPr>
+          <p:nvPr/>
+        </p:nvCxnSpPr>
+        <p:spPr>
+          <a:xfrm flipV="1">
+            <a:off x="0" y="454803"/>
+            <a:ext cx="738231" cy="1798"/>
+          </a:xfrm>
+          <a:prstGeom prst="line">
+            <a:avLst/>
+          </a:prstGeom>
+        </p:spPr>
+        <p:style>
+          <a:lnRef idx="3">
+            <a:schemeClr val="dk1"/>
+          </a:lnRef>
+          <a:fillRef idx="0">
+            <a:schemeClr val="dk1"/>
+          </a:fillRef>
+          <a:effectRef idx="2">
+            <a:schemeClr val="dk1"/>
+          </a:effectRef>
+          <a:fontRef idx="minor">
+            <a:schemeClr val="tx1"/>
+          </a:fontRef>
+        </p:style>
+      </p:cxnSp>
+      <p:cxnSp>
+        <p:nvCxnSpPr>
+          <p:cNvPr id="20" name="Connecteur droit 19">
+            <a:extLst>
+              <a:ext uri="{FF2B5EF4-FFF2-40B4-BE49-F238E27FC236}">
+                <a16:creationId xmlns:a16="http://schemas.microsoft.com/office/drawing/2014/main" id="{08874CF7-F149-4C81-B61E-74E18342BA8A}"/>
+              </a:ext>
+            </a:extLst>
+          </p:cNvPr>
+          <p:cNvCxnSpPr>
+            <a:cxnSpLocks/>
+          </p:cNvCxnSpPr>
+          <p:nvPr/>
+        </p:nvCxnSpPr>
+        <p:spPr>
+          <a:xfrm>
+            <a:off x="2573222" y="454803"/>
+            <a:ext cx="6829482" cy="10398"/>
+          </a:xfrm>
+          <a:prstGeom prst="line">
+            <a:avLst/>
+          </a:prstGeom>
+        </p:spPr>
+        <p:style>
+          <a:lnRef idx="3">
+            <a:schemeClr val="dk1"/>
+          </a:lnRef>
+          <a:fillRef idx="0">
+            <a:schemeClr val="dk1"/>
+          </a:fillRef>
+          <a:effectRef idx="2">
+            <a:schemeClr val="dk1"/>
+          </a:effectRef>
+          <a:fontRef idx="minor">
+            <a:schemeClr val="tx1"/>
+          </a:fontRef>
+        </p:style>
+      </p:cxnSp>
+      <p:cxnSp>
+        <p:nvCxnSpPr>
+          <p:cNvPr id="26" name="Connecteur droit 25">
+            <a:extLst>
+              <a:ext uri="{FF2B5EF4-FFF2-40B4-BE49-F238E27FC236}">
+                <a16:creationId xmlns:a16="http://schemas.microsoft.com/office/drawing/2014/main" id="{BB3B35CC-057B-48C1-880F-3306A6559175}"/>
+              </a:ext>
+            </a:extLst>
+          </p:cNvPr>
+          <p:cNvCxnSpPr>
+            <a:cxnSpLocks/>
+          </p:cNvCxnSpPr>
+          <p:nvPr/>
+        </p:nvCxnSpPr>
+        <p:spPr>
+          <a:xfrm>
+            <a:off x="738231" y="454803"/>
+            <a:ext cx="344203" cy="484764"/>
+          </a:xfrm>
+          <a:prstGeom prst="line">
+            <a:avLst/>
+          </a:prstGeom>
+        </p:spPr>
+        <p:style>
+          <a:lnRef idx="3">
+            <a:schemeClr val="dk1"/>
+          </a:lnRef>
+          <a:fillRef idx="0">
+            <a:schemeClr val="dk1"/>
+          </a:fillRef>
+          <a:effectRef idx="2">
+            <a:schemeClr val="dk1"/>
+          </a:effectRef>
+          <a:fontRef idx="minor">
+            <a:schemeClr val="tx1"/>
+          </a:fontRef>
+        </p:style>
+      </p:cxnSp>
+      <p:cxnSp>
+        <p:nvCxnSpPr>
+          <p:cNvPr id="32" name="Connecteur droit 31">
+            <a:extLst>
+              <a:ext uri="{FF2B5EF4-FFF2-40B4-BE49-F238E27FC236}">
+                <a16:creationId xmlns:a16="http://schemas.microsoft.com/office/drawing/2014/main" id="{4AD96496-1EB6-4E48-9BB2-5C255495C686}"/>
+              </a:ext>
+            </a:extLst>
+          </p:cNvPr>
+          <p:cNvCxnSpPr>
+            <a:cxnSpLocks/>
+          </p:cNvCxnSpPr>
+          <p:nvPr/>
+        </p:nvCxnSpPr>
+        <p:spPr>
+          <a:xfrm>
+            <a:off x="1082434" y="938268"/>
+            <a:ext cx="1146585" cy="0"/>
+          </a:xfrm>
+          <a:prstGeom prst="line">
+            <a:avLst/>
+          </a:prstGeom>
+        </p:spPr>
+        <p:style>
+          <a:lnRef idx="3">
+            <a:schemeClr val="dk1"/>
+          </a:lnRef>
+          <a:fillRef idx="0">
+            <a:schemeClr val="dk1"/>
+          </a:fillRef>
+          <a:effectRef idx="2">
+            <a:schemeClr val="dk1"/>
+          </a:effectRef>
+          <a:fontRef idx="minor">
+            <a:schemeClr val="tx1"/>
+          </a:fontRef>
+        </p:style>
+      </p:cxnSp>
+      <p:cxnSp>
+        <p:nvCxnSpPr>
+          <p:cNvPr id="51" name="Connecteur droit 50">
+            <a:extLst>
+              <a:ext uri="{FF2B5EF4-FFF2-40B4-BE49-F238E27FC236}">
+                <a16:creationId xmlns:a16="http://schemas.microsoft.com/office/drawing/2014/main" id="{C035BFA6-ECBF-4775-BA81-19D2CA41AA8D}"/>
+              </a:ext>
+            </a:extLst>
+          </p:cNvPr>
+          <p:cNvCxnSpPr>
+            <a:cxnSpLocks/>
+          </p:cNvCxnSpPr>
+          <p:nvPr/>
+        </p:nvCxnSpPr>
+        <p:spPr>
+          <a:xfrm>
+            <a:off x="9402704" y="465201"/>
+            <a:ext cx="344203" cy="495163"/>
+          </a:xfrm>
+          <a:prstGeom prst="line">
+            <a:avLst/>
+          </a:prstGeom>
+        </p:spPr>
+        <p:style>
+          <a:lnRef idx="3">
+            <a:schemeClr val="dk1"/>
+          </a:lnRef>
+          <a:fillRef idx="0">
+            <a:schemeClr val="dk1"/>
+          </a:fillRef>
+          <a:effectRef idx="2">
+            <a:schemeClr val="dk1"/>
+          </a:effectRef>
+          <a:fontRef idx="minor">
+            <a:schemeClr val="tx1"/>
+          </a:fontRef>
+        </p:style>
+      </p:cxnSp>
+      <p:cxnSp>
+        <p:nvCxnSpPr>
+          <p:cNvPr id="52" name="Connecteur droit 51">
+            <a:extLst>
+              <a:ext uri="{FF2B5EF4-FFF2-40B4-BE49-F238E27FC236}">
+                <a16:creationId xmlns:a16="http://schemas.microsoft.com/office/drawing/2014/main" id="{FA310BC7-694B-4984-99A2-61A1F4F6EBF9}"/>
+              </a:ext>
+            </a:extLst>
+          </p:cNvPr>
+          <p:cNvCxnSpPr>
+            <a:cxnSpLocks/>
+          </p:cNvCxnSpPr>
+          <p:nvPr/>
+        </p:nvCxnSpPr>
+        <p:spPr>
+          <a:xfrm flipH="1">
+            <a:off x="11370469" y="448308"/>
+            <a:ext cx="364332" cy="501657"/>
+          </a:xfrm>
+          <a:prstGeom prst="line">
+            <a:avLst/>
+          </a:prstGeom>
+        </p:spPr>
+        <p:style>
+          <a:lnRef idx="3">
+            <a:schemeClr val="dk1"/>
+          </a:lnRef>
+          <a:fillRef idx="0">
+            <a:schemeClr val="dk1"/>
+          </a:fillRef>
+          <a:effectRef idx="2">
+            <a:schemeClr val="dk1"/>
+          </a:effectRef>
+          <a:fontRef idx="minor">
+            <a:schemeClr val="tx1"/>
+          </a:fontRef>
+        </p:style>
+      </p:cxnSp>
+      <p:cxnSp>
+        <p:nvCxnSpPr>
+          <p:cNvPr id="53" name="Connecteur droit 52">
+            <a:extLst>
+              <a:ext uri="{FF2B5EF4-FFF2-40B4-BE49-F238E27FC236}">
+                <a16:creationId xmlns:a16="http://schemas.microsoft.com/office/drawing/2014/main" id="{BE0649BD-EE59-4DDA-960F-95B2572F9F13}"/>
+              </a:ext>
+            </a:extLst>
+          </p:cNvPr>
+          <p:cNvCxnSpPr>
+            <a:cxnSpLocks/>
+          </p:cNvCxnSpPr>
+          <p:nvPr/>
+        </p:nvCxnSpPr>
+        <p:spPr>
+          <a:xfrm>
+            <a:off x="9743203" y="949965"/>
+            <a:ext cx="1627266" cy="0"/>
+          </a:xfrm>
+          <a:prstGeom prst="line">
+            <a:avLst/>
+          </a:prstGeom>
+        </p:spPr>
+        <p:style>
+          <a:lnRef idx="3">
+            <a:schemeClr val="dk1"/>
+          </a:lnRef>
+          <a:fillRef idx="0">
+            <a:schemeClr val="dk1"/>
+          </a:fillRef>
+          <a:effectRef idx="2">
+            <a:schemeClr val="dk1"/>
+          </a:effectRef>
+          <a:fontRef idx="minor">
+            <a:schemeClr val="tx1"/>
+          </a:fontRef>
+        </p:style>
+      </p:cxnSp>
+      <p:cxnSp>
+        <p:nvCxnSpPr>
+          <p:cNvPr id="55" name="Connecteur droit 54">
+            <a:extLst>
+              <a:ext uri="{FF2B5EF4-FFF2-40B4-BE49-F238E27FC236}">
+                <a16:creationId xmlns:a16="http://schemas.microsoft.com/office/drawing/2014/main" id="{52AA9200-DAFA-4EEF-AC13-4C7CE82A59EC}"/>
+              </a:ext>
+            </a:extLst>
+          </p:cNvPr>
+          <p:cNvCxnSpPr>
+            <a:cxnSpLocks/>
+          </p:cNvCxnSpPr>
+          <p:nvPr/>
+        </p:nvCxnSpPr>
+        <p:spPr>
+          <a:xfrm>
+            <a:off x="11715750" y="454801"/>
+            <a:ext cx="476249" cy="10400"/>
+          </a:xfrm>
+          <a:prstGeom prst="line">
+            <a:avLst/>
+          </a:prstGeom>
+        </p:spPr>
+        <p:style>
+          <a:lnRef idx="3">
+            <a:schemeClr val="dk1"/>
+          </a:lnRef>
+          <a:fillRef idx="0">
+            <a:schemeClr val="dk1"/>
+          </a:fillRef>
+          <a:effectRef idx="2">
+            <a:schemeClr val="dk1"/>
+          </a:effectRef>
+          <a:fontRef idx="minor">
+            <a:schemeClr val="tx1"/>
+          </a:fontRef>
+        </p:style>
+      </p:cxnSp>
+      <p:cxnSp>
+        <p:nvCxnSpPr>
+          <p:cNvPr id="23" name="Connecteur droit 22">
+            <a:extLst>
+              <a:ext uri="{FF2B5EF4-FFF2-40B4-BE49-F238E27FC236}">
+                <a16:creationId xmlns:a16="http://schemas.microsoft.com/office/drawing/2014/main" id="{BCB092C8-0080-4E56-957E-0046D4C83988}"/>
+              </a:ext>
+            </a:extLst>
+          </p:cNvPr>
+          <p:cNvCxnSpPr>
+            <a:cxnSpLocks/>
+          </p:cNvCxnSpPr>
+          <p:nvPr/>
+        </p:nvCxnSpPr>
+        <p:spPr>
+          <a:xfrm flipH="1">
+            <a:off x="2216372" y="446356"/>
+            <a:ext cx="364332" cy="501657"/>
+          </a:xfrm>
+          <a:prstGeom prst="line">
+            <a:avLst/>
+          </a:prstGeom>
+        </p:spPr>
+        <p:style>
+          <a:lnRef idx="3">
+            <a:schemeClr val="dk1"/>
+          </a:lnRef>
+          <a:fillRef idx="0">
+            <a:schemeClr val="dk1"/>
+          </a:fillRef>
+          <a:effectRef idx="2">
+            <a:schemeClr val="dk1"/>
+          </a:effectRef>
+          <a:fontRef idx="minor">
+            <a:schemeClr val="tx1"/>
+          </a:fontRef>
+        </p:style>
+      </p:cxnSp>
+    </p:spTree>
+    <p:extLst>
+      <p:ext uri="{BB962C8B-B14F-4D97-AF65-F5344CB8AC3E}">
+        <p14:creationId xmlns:p14="http://schemas.microsoft.com/office/powerpoint/2010/main" val="3107743777"/>
+      </p:ext>
+    </p:extLst>
+  </p:cSld>
+  <p:clrMapOvr>
+    <a:masterClrMapping/>
+  </p:clrMapOvr>
+  <mc:AlternateContent xmlns:mc="http://schemas.openxmlformats.org/markup-compatibility/2006" xmlns:p14="http://schemas.microsoft.com/office/powerpoint/2010/main">
+    <mc:Choice Requires="p14">
+      <p:transition spd="med">
+        <p14:reveal/>
+      </p:transition>
+    </mc:Choice>
+    <mc:Fallback xmlns="">
+      <p:transition spd="med">
+        <p:fade/>
+      </p:transition>
+    </mc:Fallback>
+  </mc:AlternateContent>
+</p:sld>
+</file>
+
+<file path=ppt/slides/slide12.xml><?xml version="1.0" encoding="utf-8"?>
+<p:sld xmlns:a="http://schemas.openxmlformats.org/drawingml/2006/main" xmlns:r="http://schemas.openxmlformats.org/officeDocument/2006/relationships" xmlns:p="http://schemas.openxmlformats.org/presentationml/2006/main">
+  <p:cSld>
+    <p:spTree>
+      <p:nvGrpSpPr>
+        <p:cNvPr id="1" name=""/>
+        <p:cNvGrpSpPr/>
+        <p:nvPr/>
+      </p:nvGrpSpPr>
+      <p:grpSpPr>
+        <a:xfrm>
+          <a:off x="0" y="0"/>
+          <a:ext cx="0" cy="0"/>
+          <a:chOff x="0" y="0"/>
+          <a:chExt cx="0" cy="0"/>
+        </a:xfrm>
+      </p:grpSpPr>
+      <p:pic>
+        <p:nvPicPr>
+          <p:cNvPr id="8" name="Image 7">
+            <a:extLst>
+              <a:ext uri="{FF2B5EF4-FFF2-40B4-BE49-F238E27FC236}">
+                <a16:creationId xmlns:a16="http://schemas.microsoft.com/office/drawing/2014/main" id="{2BB825C5-31DA-4A56-85EA-536DBF510A31}"/>
+              </a:ext>
+            </a:extLst>
+          </p:cNvPr>
+          <p:cNvPicPr>
+            <a:picLocks noChangeAspect="1"/>
+          </p:cNvPicPr>
+          <p:nvPr/>
+        </p:nvPicPr>
+        <p:blipFill>
+          <a:blip r:embed="rId2">
+            <a:extLst>
+              <a:ext uri="{28A0092B-C50C-407E-A947-70E740481C1C}">
+                <a14:useLocalDpi xmlns:a14="http://schemas.microsoft.com/office/drawing/2010/main" val="0"/>
+              </a:ext>
+            </a:extLst>
+          </a:blip>
+          <a:stretch>
+            <a:fillRect/>
+          </a:stretch>
+        </p:blipFill>
+        <p:spPr>
+          <a:xfrm>
+            <a:off x="1068751" y="66457"/>
+            <a:ext cx="1259497" cy="776690"/>
+          </a:xfrm>
+          <a:prstGeom prst="rect">
+            <a:avLst/>
+          </a:prstGeom>
+        </p:spPr>
+      </p:pic>
+      <p:pic>
+        <p:nvPicPr>
+          <p:cNvPr id="10" name="Image 9">
+            <a:extLst>
+              <a:ext uri="{FF2B5EF4-FFF2-40B4-BE49-F238E27FC236}">
+                <a16:creationId xmlns:a16="http://schemas.microsoft.com/office/drawing/2014/main" id="{8EE7436F-49F2-41E0-93E4-D247B4705294}"/>
+              </a:ext>
+            </a:extLst>
+          </p:cNvPr>
+          <p:cNvPicPr>
+            <a:picLocks noChangeAspect="1"/>
+          </p:cNvPicPr>
+          <p:nvPr/>
+        </p:nvPicPr>
+        <p:blipFill>
+          <a:blip r:embed="rId3">
+            <a:extLst>
+              <a:ext uri="{28A0092B-C50C-407E-A947-70E740481C1C}">
+                <a14:useLocalDpi xmlns:a14="http://schemas.microsoft.com/office/drawing/2010/main" val="0"/>
+              </a:ext>
+            </a:extLst>
+          </a:blip>
+          <a:stretch>
+            <a:fillRect/>
+          </a:stretch>
+        </p:blipFill>
+        <p:spPr>
+          <a:xfrm>
+            <a:off x="9681085" y="238153"/>
+            <a:ext cx="1802101" cy="569807"/>
+          </a:xfrm>
+          <a:prstGeom prst="rect">
+            <a:avLst/>
+          </a:prstGeom>
+        </p:spPr>
+      </p:pic>
+      <p:cxnSp>
+        <p:nvCxnSpPr>
+          <p:cNvPr id="16" name="Connecteur droit 15">
+            <a:extLst>
+              <a:ext uri="{FF2B5EF4-FFF2-40B4-BE49-F238E27FC236}">
+                <a16:creationId xmlns:a16="http://schemas.microsoft.com/office/drawing/2014/main" id="{7319284A-BD6F-4A96-8E2B-E0A4B52E53C6}"/>
+              </a:ext>
+            </a:extLst>
+          </p:cNvPr>
+          <p:cNvCxnSpPr>
+            <a:cxnSpLocks/>
+          </p:cNvCxnSpPr>
+          <p:nvPr/>
+        </p:nvCxnSpPr>
+        <p:spPr>
+          <a:xfrm flipV="1">
+            <a:off x="0" y="454803"/>
+            <a:ext cx="738231" cy="1798"/>
+          </a:xfrm>
+          <a:prstGeom prst="line">
+            <a:avLst/>
+          </a:prstGeom>
+        </p:spPr>
+        <p:style>
+          <a:lnRef idx="3">
+            <a:schemeClr val="dk1"/>
+          </a:lnRef>
+          <a:fillRef idx="0">
+            <a:schemeClr val="dk1"/>
+          </a:fillRef>
+          <a:effectRef idx="2">
+            <a:schemeClr val="dk1"/>
+          </a:effectRef>
+          <a:fontRef idx="minor">
+            <a:schemeClr val="tx1"/>
+          </a:fontRef>
+        </p:style>
+      </p:cxnSp>
+      <p:cxnSp>
+        <p:nvCxnSpPr>
+          <p:cNvPr id="20" name="Connecteur droit 19">
+            <a:extLst>
+              <a:ext uri="{FF2B5EF4-FFF2-40B4-BE49-F238E27FC236}">
+                <a16:creationId xmlns:a16="http://schemas.microsoft.com/office/drawing/2014/main" id="{08874CF7-F149-4C81-B61E-74E18342BA8A}"/>
+              </a:ext>
+            </a:extLst>
+          </p:cNvPr>
+          <p:cNvCxnSpPr>
+            <a:cxnSpLocks/>
+          </p:cNvCxnSpPr>
+          <p:nvPr/>
+        </p:nvCxnSpPr>
+        <p:spPr>
+          <a:xfrm>
+            <a:off x="2573222" y="454803"/>
+            <a:ext cx="6829482" cy="10398"/>
+          </a:xfrm>
+          <a:prstGeom prst="line">
+            <a:avLst/>
+          </a:prstGeom>
+        </p:spPr>
+        <p:style>
+          <a:lnRef idx="3">
+            <a:schemeClr val="dk1"/>
+          </a:lnRef>
+          <a:fillRef idx="0">
+            <a:schemeClr val="dk1"/>
+          </a:fillRef>
+          <a:effectRef idx="2">
+            <a:schemeClr val="dk1"/>
+          </a:effectRef>
+          <a:fontRef idx="minor">
+            <a:schemeClr val="tx1"/>
+          </a:fontRef>
+        </p:style>
+      </p:cxnSp>
+      <p:cxnSp>
+        <p:nvCxnSpPr>
+          <p:cNvPr id="26" name="Connecteur droit 25">
+            <a:extLst>
+              <a:ext uri="{FF2B5EF4-FFF2-40B4-BE49-F238E27FC236}">
+                <a16:creationId xmlns:a16="http://schemas.microsoft.com/office/drawing/2014/main" id="{BB3B35CC-057B-48C1-880F-3306A6559175}"/>
+              </a:ext>
+            </a:extLst>
+          </p:cNvPr>
+          <p:cNvCxnSpPr>
+            <a:cxnSpLocks/>
+          </p:cNvCxnSpPr>
+          <p:nvPr/>
+        </p:nvCxnSpPr>
+        <p:spPr>
+          <a:xfrm>
+            <a:off x="738231" y="454803"/>
+            <a:ext cx="344203" cy="484764"/>
+          </a:xfrm>
+          <a:prstGeom prst="line">
+            <a:avLst/>
+          </a:prstGeom>
+        </p:spPr>
+        <p:style>
+          <a:lnRef idx="3">
+            <a:schemeClr val="dk1"/>
+          </a:lnRef>
+          <a:fillRef idx="0">
+            <a:schemeClr val="dk1"/>
+          </a:fillRef>
+          <a:effectRef idx="2">
+            <a:schemeClr val="dk1"/>
+          </a:effectRef>
+          <a:fontRef idx="minor">
+            <a:schemeClr val="tx1"/>
+          </a:fontRef>
+        </p:style>
+      </p:cxnSp>
+      <p:cxnSp>
+        <p:nvCxnSpPr>
+          <p:cNvPr id="32" name="Connecteur droit 31">
+            <a:extLst>
+              <a:ext uri="{FF2B5EF4-FFF2-40B4-BE49-F238E27FC236}">
+                <a16:creationId xmlns:a16="http://schemas.microsoft.com/office/drawing/2014/main" id="{4AD96496-1EB6-4E48-9BB2-5C255495C686}"/>
+              </a:ext>
+            </a:extLst>
+          </p:cNvPr>
+          <p:cNvCxnSpPr>
+            <a:cxnSpLocks/>
+          </p:cNvCxnSpPr>
+          <p:nvPr/>
+        </p:nvCxnSpPr>
+        <p:spPr>
+          <a:xfrm>
+            <a:off x="1082434" y="938268"/>
+            <a:ext cx="1146585" cy="0"/>
+          </a:xfrm>
+          <a:prstGeom prst="line">
+            <a:avLst/>
+          </a:prstGeom>
+        </p:spPr>
+        <p:style>
+          <a:lnRef idx="3">
+            <a:schemeClr val="dk1"/>
+          </a:lnRef>
+          <a:fillRef idx="0">
+            <a:schemeClr val="dk1"/>
+          </a:fillRef>
+          <a:effectRef idx="2">
+            <a:schemeClr val="dk1"/>
+          </a:effectRef>
+          <a:fontRef idx="minor">
+            <a:schemeClr val="tx1"/>
+          </a:fontRef>
+        </p:style>
+      </p:cxnSp>
+      <p:cxnSp>
+        <p:nvCxnSpPr>
+          <p:cNvPr id="51" name="Connecteur droit 50">
+            <a:extLst>
+              <a:ext uri="{FF2B5EF4-FFF2-40B4-BE49-F238E27FC236}">
+                <a16:creationId xmlns:a16="http://schemas.microsoft.com/office/drawing/2014/main" id="{C035BFA6-ECBF-4775-BA81-19D2CA41AA8D}"/>
+              </a:ext>
+            </a:extLst>
+          </p:cNvPr>
+          <p:cNvCxnSpPr>
+            <a:cxnSpLocks/>
+          </p:cNvCxnSpPr>
+          <p:nvPr/>
+        </p:nvCxnSpPr>
+        <p:spPr>
+          <a:xfrm>
+            <a:off x="9402704" y="465201"/>
+            <a:ext cx="344203" cy="495163"/>
+          </a:xfrm>
+          <a:prstGeom prst="line">
+            <a:avLst/>
+          </a:prstGeom>
+        </p:spPr>
+        <p:style>
+          <a:lnRef idx="3">
+            <a:schemeClr val="dk1"/>
+          </a:lnRef>
+          <a:fillRef idx="0">
+            <a:schemeClr val="dk1"/>
+          </a:fillRef>
+          <a:effectRef idx="2">
+            <a:schemeClr val="dk1"/>
+          </a:effectRef>
+          <a:fontRef idx="minor">
+            <a:schemeClr val="tx1"/>
+          </a:fontRef>
+        </p:style>
+      </p:cxnSp>
+      <p:cxnSp>
+        <p:nvCxnSpPr>
+          <p:cNvPr id="52" name="Connecteur droit 51">
+            <a:extLst>
+              <a:ext uri="{FF2B5EF4-FFF2-40B4-BE49-F238E27FC236}">
+                <a16:creationId xmlns:a16="http://schemas.microsoft.com/office/drawing/2014/main" id="{FA310BC7-694B-4984-99A2-61A1F4F6EBF9}"/>
+              </a:ext>
+            </a:extLst>
+          </p:cNvPr>
+          <p:cNvCxnSpPr>
+            <a:cxnSpLocks/>
+          </p:cNvCxnSpPr>
+          <p:nvPr/>
+        </p:nvCxnSpPr>
+        <p:spPr>
+          <a:xfrm flipH="1">
+            <a:off x="11370469" y="448308"/>
+            <a:ext cx="364332" cy="501657"/>
+          </a:xfrm>
+          <a:prstGeom prst="line">
+            <a:avLst/>
+          </a:prstGeom>
+        </p:spPr>
+        <p:style>
+          <a:lnRef idx="3">
+            <a:schemeClr val="dk1"/>
+          </a:lnRef>
+          <a:fillRef idx="0">
+            <a:schemeClr val="dk1"/>
+          </a:fillRef>
+          <a:effectRef idx="2">
+            <a:schemeClr val="dk1"/>
+          </a:effectRef>
+          <a:fontRef idx="minor">
+            <a:schemeClr val="tx1"/>
+          </a:fontRef>
+        </p:style>
+      </p:cxnSp>
+      <p:cxnSp>
+        <p:nvCxnSpPr>
+          <p:cNvPr id="53" name="Connecteur droit 52">
+            <a:extLst>
+              <a:ext uri="{FF2B5EF4-FFF2-40B4-BE49-F238E27FC236}">
+                <a16:creationId xmlns:a16="http://schemas.microsoft.com/office/drawing/2014/main" id="{BE0649BD-EE59-4DDA-960F-95B2572F9F13}"/>
+              </a:ext>
+            </a:extLst>
+          </p:cNvPr>
+          <p:cNvCxnSpPr>
+            <a:cxnSpLocks/>
+          </p:cNvCxnSpPr>
+          <p:nvPr/>
+        </p:nvCxnSpPr>
+        <p:spPr>
+          <a:xfrm>
+            <a:off x="9743203" y="949965"/>
+            <a:ext cx="1627266" cy="0"/>
+          </a:xfrm>
+          <a:prstGeom prst="line">
+            <a:avLst/>
+          </a:prstGeom>
+        </p:spPr>
+        <p:style>
+          <a:lnRef idx="3">
+            <a:schemeClr val="dk1"/>
+          </a:lnRef>
+          <a:fillRef idx="0">
+            <a:schemeClr val="dk1"/>
+          </a:fillRef>
+          <a:effectRef idx="2">
+            <a:schemeClr val="dk1"/>
+          </a:effectRef>
+          <a:fontRef idx="minor">
+            <a:schemeClr val="tx1"/>
+          </a:fontRef>
+        </p:style>
+      </p:cxnSp>
+      <p:cxnSp>
+        <p:nvCxnSpPr>
+          <p:cNvPr id="55" name="Connecteur droit 54">
+            <a:extLst>
+              <a:ext uri="{FF2B5EF4-FFF2-40B4-BE49-F238E27FC236}">
+                <a16:creationId xmlns:a16="http://schemas.microsoft.com/office/drawing/2014/main" id="{52AA9200-DAFA-4EEF-AC13-4C7CE82A59EC}"/>
+              </a:ext>
+            </a:extLst>
+          </p:cNvPr>
+          <p:cNvCxnSpPr>
+            <a:cxnSpLocks/>
+          </p:cNvCxnSpPr>
+          <p:nvPr/>
+        </p:nvCxnSpPr>
+        <p:spPr>
+          <a:xfrm>
+            <a:off x="11715750" y="454801"/>
+            <a:ext cx="476249" cy="10400"/>
+          </a:xfrm>
+          <a:prstGeom prst="line">
+            <a:avLst/>
+          </a:prstGeom>
+        </p:spPr>
+        <p:style>
+          <a:lnRef idx="3">
+            <a:schemeClr val="dk1"/>
+          </a:lnRef>
+          <a:fillRef idx="0">
+            <a:schemeClr val="dk1"/>
+          </a:fillRef>
+          <a:effectRef idx="2">
+            <a:schemeClr val="dk1"/>
+          </a:effectRef>
+          <a:fontRef idx="minor">
+            <a:schemeClr val="tx1"/>
+          </a:fontRef>
+        </p:style>
+      </p:cxnSp>
+      <p:cxnSp>
+        <p:nvCxnSpPr>
+          <p:cNvPr id="23" name="Connecteur droit 22">
+            <a:extLst>
+              <a:ext uri="{FF2B5EF4-FFF2-40B4-BE49-F238E27FC236}">
+                <a16:creationId xmlns:a16="http://schemas.microsoft.com/office/drawing/2014/main" id="{BCB092C8-0080-4E56-957E-0046D4C83988}"/>
+              </a:ext>
+            </a:extLst>
+          </p:cNvPr>
+          <p:cNvCxnSpPr>
+            <a:cxnSpLocks/>
+          </p:cNvCxnSpPr>
+          <p:nvPr/>
+        </p:nvCxnSpPr>
+        <p:spPr>
+          <a:xfrm flipH="1">
+            <a:off x="2216372" y="446356"/>
+            <a:ext cx="364332" cy="501657"/>
+          </a:xfrm>
+          <a:prstGeom prst="line">
+            <a:avLst/>
+          </a:prstGeom>
+        </p:spPr>
+        <p:style>
+          <a:lnRef idx="3">
+            <a:schemeClr val="dk1"/>
+          </a:lnRef>
+          <a:fillRef idx="0">
+            <a:schemeClr val="dk1"/>
+          </a:fillRef>
+          <a:effectRef idx="2">
+            <a:schemeClr val="dk1"/>
+          </a:effectRef>
+          <a:fontRef idx="minor">
+            <a:schemeClr val="tx1"/>
+          </a:fontRef>
+        </p:style>
+      </p:cxnSp>
+    </p:spTree>
+    <p:extLst>
+      <p:ext uri="{BB962C8B-B14F-4D97-AF65-F5344CB8AC3E}">
+        <p14:creationId xmlns:p14="http://schemas.microsoft.com/office/powerpoint/2010/main" val="1486605668"/>
+      </p:ext>
+    </p:extLst>
+  </p:cSld>
+  <p:clrMapOvr>
+    <a:masterClrMapping/>
+  </p:clrMapOvr>
+  <mc:AlternateContent xmlns:mc="http://schemas.openxmlformats.org/markup-compatibility/2006" xmlns:p14="http://schemas.microsoft.com/office/powerpoint/2010/main">
+    <mc:Choice Requires="p14">
+      <p:transition spd="med">
+        <p14:reveal/>
+      </p:transition>
+    </mc:Choice>
+    <mc:Fallback xmlns="">
+      <p:transition spd="med">
+        <p:fade/>
+      </p:transition>
+    </mc:Fallback>
+  </mc:AlternateContent>
+</p:sld>
+</file>
+
+<file path=ppt/slides/slide13.xml><?xml version="1.0" encoding="utf-8"?>
+<p:sld xmlns:a="http://schemas.openxmlformats.org/drawingml/2006/main" xmlns:r="http://schemas.openxmlformats.org/officeDocument/2006/relationships" xmlns:p="http://schemas.openxmlformats.org/presentationml/2006/main">
+  <p:cSld>
+    <p:spTree>
+      <p:nvGrpSpPr>
+        <p:cNvPr id="1" name=""/>
+        <p:cNvGrpSpPr/>
+        <p:nvPr/>
+      </p:nvGrpSpPr>
+      <p:grpSpPr>
+        <a:xfrm>
+          <a:off x="0" y="0"/>
+          <a:ext cx="0" cy="0"/>
+          <a:chOff x="0" y="0"/>
+          <a:chExt cx="0" cy="0"/>
+        </a:xfrm>
+      </p:grpSpPr>
+      <p:pic>
+        <p:nvPicPr>
+          <p:cNvPr id="8" name="Image 7">
+            <a:extLst>
+              <a:ext uri="{FF2B5EF4-FFF2-40B4-BE49-F238E27FC236}">
+                <a16:creationId xmlns:a16="http://schemas.microsoft.com/office/drawing/2014/main" id="{2BB825C5-31DA-4A56-85EA-536DBF510A31}"/>
+              </a:ext>
+            </a:extLst>
+          </p:cNvPr>
+          <p:cNvPicPr>
+            <a:picLocks noChangeAspect="1"/>
+          </p:cNvPicPr>
+          <p:nvPr/>
+        </p:nvPicPr>
+        <p:blipFill>
+          <a:blip r:embed="rId2">
+            <a:extLst>
+              <a:ext uri="{28A0092B-C50C-407E-A947-70E740481C1C}">
+                <a14:useLocalDpi xmlns:a14="http://schemas.microsoft.com/office/drawing/2010/main" val="0"/>
+              </a:ext>
+            </a:extLst>
+          </a:blip>
+          <a:stretch>
+            <a:fillRect/>
+          </a:stretch>
+        </p:blipFill>
+        <p:spPr>
+          <a:xfrm>
+            <a:off x="1068751" y="66457"/>
+            <a:ext cx="1259497" cy="776690"/>
+          </a:xfrm>
+          <a:prstGeom prst="rect">
+            <a:avLst/>
+          </a:prstGeom>
+        </p:spPr>
+      </p:pic>
+      <p:pic>
+        <p:nvPicPr>
+          <p:cNvPr id="10" name="Image 9">
+            <a:extLst>
+              <a:ext uri="{FF2B5EF4-FFF2-40B4-BE49-F238E27FC236}">
+                <a16:creationId xmlns:a16="http://schemas.microsoft.com/office/drawing/2014/main" id="{8EE7436F-49F2-41E0-93E4-D247B4705294}"/>
+              </a:ext>
+            </a:extLst>
+          </p:cNvPr>
+          <p:cNvPicPr>
+            <a:picLocks noChangeAspect="1"/>
+          </p:cNvPicPr>
+          <p:nvPr/>
+        </p:nvPicPr>
+        <p:blipFill>
+          <a:blip r:embed="rId3">
+            <a:extLst>
+              <a:ext uri="{28A0092B-C50C-407E-A947-70E740481C1C}">
+                <a14:useLocalDpi xmlns:a14="http://schemas.microsoft.com/office/drawing/2010/main" val="0"/>
+              </a:ext>
+            </a:extLst>
+          </a:blip>
+          <a:stretch>
+            <a:fillRect/>
+          </a:stretch>
+        </p:blipFill>
+        <p:spPr>
+          <a:xfrm>
+            <a:off x="9681085" y="238153"/>
+            <a:ext cx="1802101" cy="569807"/>
+          </a:xfrm>
+          <a:prstGeom prst="rect">
+            <a:avLst/>
+          </a:prstGeom>
+        </p:spPr>
+      </p:pic>
+      <p:cxnSp>
+        <p:nvCxnSpPr>
+          <p:cNvPr id="16" name="Connecteur droit 15">
+            <a:extLst>
+              <a:ext uri="{FF2B5EF4-FFF2-40B4-BE49-F238E27FC236}">
+                <a16:creationId xmlns:a16="http://schemas.microsoft.com/office/drawing/2014/main" id="{7319284A-BD6F-4A96-8E2B-E0A4B52E53C6}"/>
+              </a:ext>
+            </a:extLst>
+          </p:cNvPr>
+          <p:cNvCxnSpPr>
+            <a:cxnSpLocks/>
+          </p:cNvCxnSpPr>
+          <p:nvPr/>
+        </p:nvCxnSpPr>
+        <p:spPr>
+          <a:xfrm flipV="1">
+            <a:off x="0" y="454803"/>
+            <a:ext cx="738231" cy="1798"/>
+          </a:xfrm>
+          <a:prstGeom prst="line">
+            <a:avLst/>
+          </a:prstGeom>
+        </p:spPr>
+        <p:style>
+          <a:lnRef idx="3">
+            <a:schemeClr val="dk1"/>
+          </a:lnRef>
+          <a:fillRef idx="0">
+            <a:schemeClr val="dk1"/>
+          </a:fillRef>
+          <a:effectRef idx="2">
+            <a:schemeClr val="dk1"/>
+          </a:effectRef>
+          <a:fontRef idx="minor">
+            <a:schemeClr val="tx1"/>
+          </a:fontRef>
+        </p:style>
+      </p:cxnSp>
+      <p:cxnSp>
+        <p:nvCxnSpPr>
+          <p:cNvPr id="20" name="Connecteur droit 19">
+            <a:extLst>
+              <a:ext uri="{FF2B5EF4-FFF2-40B4-BE49-F238E27FC236}">
+                <a16:creationId xmlns:a16="http://schemas.microsoft.com/office/drawing/2014/main" id="{08874CF7-F149-4C81-B61E-74E18342BA8A}"/>
+              </a:ext>
+            </a:extLst>
+          </p:cNvPr>
+          <p:cNvCxnSpPr>
+            <a:cxnSpLocks/>
+          </p:cNvCxnSpPr>
+          <p:nvPr/>
+        </p:nvCxnSpPr>
+        <p:spPr>
+          <a:xfrm>
+            <a:off x="2573222" y="454803"/>
+            <a:ext cx="6829482" cy="10398"/>
+          </a:xfrm>
+          <a:prstGeom prst="line">
+            <a:avLst/>
+          </a:prstGeom>
+        </p:spPr>
+        <p:style>
+          <a:lnRef idx="3">
+            <a:schemeClr val="dk1"/>
+          </a:lnRef>
+          <a:fillRef idx="0">
+            <a:schemeClr val="dk1"/>
+          </a:fillRef>
+          <a:effectRef idx="2">
+            <a:schemeClr val="dk1"/>
+          </a:effectRef>
+          <a:fontRef idx="minor">
+            <a:schemeClr val="tx1"/>
+          </a:fontRef>
+        </p:style>
+      </p:cxnSp>
+      <p:cxnSp>
+        <p:nvCxnSpPr>
+          <p:cNvPr id="26" name="Connecteur droit 25">
+            <a:extLst>
+              <a:ext uri="{FF2B5EF4-FFF2-40B4-BE49-F238E27FC236}">
+                <a16:creationId xmlns:a16="http://schemas.microsoft.com/office/drawing/2014/main" id="{BB3B35CC-057B-48C1-880F-3306A6559175}"/>
+              </a:ext>
+            </a:extLst>
+          </p:cNvPr>
+          <p:cNvCxnSpPr>
+            <a:cxnSpLocks/>
+          </p:cNvCxnSpPr>
+          <p:nvPr/>
+        </p:nvCxnSpPr>
+        <p:spPr>
+          <a:xfrm>
+            <a:off x="738231" y="454803"/>
+            <a:ext cx="344203" cy="484764"/>
+          </a:xfrm>
+          <a:prstGeom prst="line">
+            <a:avLst/>
+          </a:prstGeom>
+        </p:spPr>
+        <p:style>
+          <a:lnRef idx="3">
+            <a:schemeClr val="dk1"/>
+          </a:lnRef>
+          <a:fillRef idx="0">
+            <a:schemeClr val="dk1"/>
+          </a:fillRef>
+          <a:effectRef idx="2">
+            <a:schemeClr val="dk1"/>
+          </a:effectRef>
+          <a:fontRef idx="minor">
+            <a:schemeClr val="tx1"/>
+          </a:fontRef>
+        </p:style>
+      </p:cxnSp>
+      <p:cxnSp>
+        <p:nvCxnSpPr>
+          <p:cNvPr id="32" name="Connecteur droit 31">
+            <a:extLst>
+              <a:ext uri="{FF2B5EF4-FFF2-40B4-BE49-F238E27FC236}">
+                <a16:creationId xmlns:a16="http://schemas.microsoft.com/office/drawing/2014/main" id="{4AD96496-1EB6-4E48-9BB2-5C255495C686}"/>
+              </a:ext>
+            </a:extLst>
+          </p:cNvPr>
+          <p:cNvCxnSpPr>
+            <a:cxnSpLocks/>
+          </p:cNvCxnSpPr>
+          <p:nvPr/>
+        </p:nvCxnSpPr>
+        <p:spPr>
+          <a:xfrm>
+            <a:off x="1082434" y="938268"/>
+            <a:ext cx="1146585" cy="0"/>
+          </a:xfrm>
+          <a:prstGeom prst="line">
+            <a:avLst/>
+          </a:prstGeom>
+        </p:spPr>
+        <p:style>
+          <a:lnRef idx="3">
+            <a:schemeClr val="dk1"/>
+          </a:lnRef>
+          <a:fillRef idx="0">
+            <a:schemeClr val="dk1"/>
+          </a:fillRef>
+          <a:effectRef idx="2">
+            <a:schemeClr val="dk1"/>
+          </a:effectRef>
+          <a:fontRef idx="minor">
+            <a:schemeClr val="tx1"/>
+          </a:fontRef>
+        </p:style>
+      </p:cxnSp>
+      <p:cxnSp>
+        <p:nvCxnSpPr>
+          <p:cNvPr id="51" name="Connecteur droit 50">
+            <a:extLst>
+              <a:ext uri="{FF2B5EF4-FFF2-40B4-BE49-F238E27FC236}">
+                <a16:creationId xmlns:a16="http://schemas.microsoft.com/office/drawing/2014/main" id="{C035BFA6-ECBF-4775-BA81-19D2CA41AA8D}"/>
+              </a:ext>
+            </a:extLst>
+          </p:cNvPr>
+          <p:cNvCxnSpPr>
+            <a:cxnSpLocks/>
+          </p:cNvCxnSpPr>
+          <p:nvPr/>
+        </p:nvCxnSpPr>
+        <p:spPr>
+          <a:xfrm>
+            <a:off x="9402704" y="465201"/>
+            <a:ext cx="344203" cy="495163"/>
+          </a:xfrm>
+          <a:prstGeom prst="line">
+            <a:avLst/>
+          </a:prstGeom>
+        </p:spPr>
+        <p:style>
+          <a:lnRef idx="3">
+            <a:schemeClr val="dk1"/>
+          </a:lnRef>
+          <a:fillRef idx="0">
+            <a:schemeClr val="dk1"/>
+          </a:fillRef>
+          <a:effectRef idx="2">
+            <a:schemeClr val="dk1"/>
+          </a:effectRef>
+          <a:fontRef idx="minor">
+            <a:schemeClr val="tx1"/>
+          </a:fontRef>
+        </p:style>
+      </p:cxnSp>
+      <p:cxnSp>
+        <p:nvCxnSpPr>
+          <p:cNvPr id="52" name="Connecteur droit 51">
+            <a:extLst>
+              <a:ext uri="{FF2B5EF4-FFF2-40B4-BE49-F238E27FC236}">
+                <a16:creationId xmlns:a16="http://schemas.microsoft.com/office/drawing/2014/main" id="{FA310BC7-694B-4984-99A2-61A1F4F6EBF9}"/>
+              </a:ext>
+            </a:extLst>
+          </p:cNvPr>
+          <p:cNvCxnSpPr>
+            <a:cxnSpLocks/>
+          </p:cNvCxnSpPr>
+          <p:nvPr/>
+        </p:nvCxnSpPr>
+        <p:spPr>
+          <a:xfrm flipH="1">
+            <a:off x="11370469" y="448308"/>
+            <a:ext cx="364332" cy="501657"/>
+          </a:xfrm>
+          <a:prstGeom prst="line">
+            <a:avLst/>
+          </a:prstGeom>
+        </p:spPr>
+        <p:style>
+          <a:lnRef idx="3">
+            <a:schemeClr val="dk1"/>
+          </a:lnRef>
+          <a:fillRef idx="0">
+            <a:schemeClr val="dk1"/>
+          </a:fillRef>
+          <a:effectRef idx="2">
+            <a:schemeClr val="dk1"/>
+          </a:effectRef>
+          <a:fontRef idx="minor">
+            <a:schemeClr val="tx1"/>
+          </a:fontRef>
+        </p:style>
+      </p:cxnSp>
+      <p:cxnSp>
+        <p:nvCxnSpPr>
+          <p:cNvPr id="53" name="Connecteur droit 52">
+            <a:extLst>
+              <a:ext uri="{FF2B5EF4-FFF2-40B4-BE49-F238E27FC236}">
+                <a16:creationId xmlns:a16="http://schemas.microsoft.com/office/drawing/2014/main" id="{BE0649BD-EE59-4DDA-960F-95B2572F9F13}"/>
+              </a:ext>
+            </a:extLst>
+          </p:cNvPr>
+          <p:cNvCxnSpPr>
+            <a:cxnSpLocks/>
+          </p:cNvCxnSpPr>
+          <p:nvPr/>
+        </p:nvCxnSpPr>
+        <p:spPr>
+          <a:xfrm>
+            <a:off x="9743203" y="949965"/>
+            <a:ext cx="1627266" cy="0"/>
+          </a:xfrm>
+          <a:prstGeom prst="line">
+            <a:avLst/>
+          </a:prstGeom>
+        </p:spPr>
+        <p:style>
+          <a:lnRef idx="3">
+            <a:schemeClr val="dk1"/>
+          </a:lnRef>
+          <a:fillRef idx="0">
+            <a:schemeClr val="dk1"/>
+          </a:fillRef>
+          <a:effectRef idx="2">
+            <a:schemeClr val="dk1"/>
+          </a:effectRef>
+          <a:fontRef idx="minor">
+            <a:schemeClr val="tx1"/>
+          </a:fontRef>
+        </p:style>
+      </p:cxnSp>
+      <p:cxnSp>
+        <p:nvCxnSpPr>
+          <p:cNvPr id="55" name="Connecteur droit 54">
+            <a:extLst>
+              <a:ext uri="{FF2B5EF4-FFF2-40B4-BE49-F238E27FC236}">
+                <a16:creationId xmlns:a16="http://schemas.microsoft.com/office/drawing/2014/main" id="{52AA9200-DAFA-4EEF-AC13-4C7CE82A59EC}"/>
+              </a:ext>
+            </a:extLst>
+          </p:cNvPr>
+          <p:cNvCxnSpPr>
+            <a:cxnSpLocks/>
+          </p:cNvCxnSpPr>
+          <p:nvPr/>
+        </p:nvCxnSpPr>
+        <p:spPr>
+          <a:xfrm>
+            <a:off x="11715750" y="454801"/>
+            <a:ext cx="476249" cy="10400"/>
+          </a:xfrm>
+          <a:prstGeom prst="line">
+            <a:avLst/>
+          </a:prstGeom>
+        </p:spPr>
+        <p:style>
+          <a:lnRef idx="3">
+            <a:schemeClr val="dk1"/>
+          </a:lnRef>
+          <a:fillRef idx="0">
+            <a:schemeClr val="dk1"/>
+          </a:fillRef>
+          <a:effectRef idx="2">
+            <a:schemeClr val="dk1"/>
+          </a:effectRef>
+          <a:fontRef idx="minor">
+            <a:schemeClr val="tx1"/>
+          </a:fontRef>
+        </p:style>
+      </p:cxnSp>
+      <p:cxnSp>
+        <p:nvCxnSpPr>
+          <p:cNvPr id="23" name="Connecteur droit 22">
+            <a:extLst>
+              <a:ext uri="{FF2B5EF4-FFF2-40B4-BE49-F238E27FC236}">
+                <a16:creationId xmlns:a16="http://schemas.microsoft.com/office/drawing/2014/main" id="{BCB092C8-0080-4E56-957E-0046D4C83988}"/>
+              </a:ext>
+            </a:extLst>
+          </p:cNvPr>
+          <p:cNvCxnSpPr>
+            <a:cxnSpLocks/>
+          </p:cNvCxnSpPr>
+          <p:nvPr/>
+        </p:nvCxnSpPr>
+        <p:spPr>
+          <a:xfrm flipH="1">
+            <a:off x="2216372" y="446356"/>
+            <a:ext cx="364332" cy="501657"/>
+          </a:xfrm>
+          <a:prstGeom prst="line">
+            <a:avLst/>
+          </a:prstGeom>
+        </p:spPr>
+        <p:style>
+          <a:lnRef idx="3">
+            <a:schemeClr val="dk1"/>
+          </a:lnRef>
+          <a:fillRef idx="0">
+            <a:schemeClr val="dk1"/>
+          </a:fillRef>
+          <a:effectRef idx="2">
+            <a:schemeClr val="dk1"/>
+          </a:effectRef>
+          <a:fontRef idx="minor">
+            <a:schemeClr val="tx1"/>
+          </a:fontRef>
+        </p:style>
+      </p:cxnSp>
+    </p:spTree>
+    <p:extLst>
+      <p:ext uri="{BB962C8B-B14F-4D97-AF65-F5344CB8AC3E}">
+        <p14:creationId xmlns:p14="http://schemas.microsoft.com/office/powerpoint/2010/main" val="2509174766"/>
+      </p:ext>
+    </p:extLst>
+  </p:cSld>
+  <p:clrMapOvr>
+    <a:masterClrMapping/>
+  </p:clrMapOvr>
+  <mc:AlternateContent xmlns:mc="http://schemas.openxmlformats.org/markup-compatibility/2006" xmlns:p14="http://schemas.microsoft.com/office/powerpoint/2010/main">
+    <mc:Choice Requires="p14">
+      <p:transition spd="med">
+        <p14:reveal/>
+      </p:transition>
+    </mc:Choice>
+    <mc:Fallback xmlns="">
+      <p:transition spd="med">
         <p:fade/>
       </p:transition>
     </mc:Fallback>
@@ -10140,6 +11969,41 @@
                                   </p:childTnLst>
                                 </p:cTn>
                               </p:par>
+                              <p:par>
+                                <p:cTn id="33" presetID="10" presetClass="entr" presetSubtype="0" fill="hold" nodeType="withEffect">
+                                  <p:stCondLst>
+                                    <p:cond delay="0"/>
+                                  </p:stCondLst>
+                                  <p:childTnLst>
+                                    <p:set>
+                                      <p:cBhvr>
+                                        <p:cTn id="34" dur="1" fill="hold">
+                                          <p:stCondLst>
+                                            <p:cond delay="0"/>
+                                          </p:stCondLst>
+                                        </p:cTn>
+                                        <p:tgtEl>
+                                          <p:spTgt spid="13"/>
+                                        </p:tgtEl>
+                                        <p:attrNameLst>
+                                          <p:attrName>style.visibility</p:attrName>
+                                        </p:attrNameLst>
+                                      </p:cBhvr>
+                                      <p:to>
+                                        <p:strVal val="visible"/>
+                                      </p:to>
+                                    </p:set>
+                                    <p:animEffect transition="in" filter="fade">
+                                      <p:cBhvr>
+                                        <p:cTn id="35" dur="500"/>
+                                        <p:tgtEl>
+                                          <p:spTgt spid="13"/>
+                                        </p:tgtEl>
+                                      </p:cBhvr>
+                                    </p:animEffect>
+                                  </p:childTnLst>
+                                </p:cTn>
+                              </p:par>
                             </p:childTnLst>
                           </p:cTn>
                         </p:par>
@@ -11857,7 +13721,7 @@
         </p:nvSpPr>
         <p:spPr>
           <a:xfrm>
-            <a:off x="2952925" y="637563"/>
+            <a:off x="2884449" y="553547"/>
             <a:ext cx="6199464" cy="769441"/>
           </a:xfrm>
           <a:prstGeom prst="rect">
@@ -11871,7 +13735,7 @@
           </a:bodyPr>
           <a:lstStyle/>
           <a:p>
-            <a:pPr marL="0" marR="0" lvl="0" indent="0" algn="l" defTabSz="914400" rtl="0" eaLnBrk="1" fontAlgn="auto" latinLnBrk="0" hangingPunct="1">
+            <a:pPr marL="0" marR="0" lvl="0" indent="0" algn="ctr" defTabSz="914400" rtl="0" eaLnBrk="1" fontAlgn="auto" latinLnBrk="0" hangingPunct="1">
               <a:lnSpc>
                 <a:spcPct val="100000"/>
               </a:lnSpc>
@@ -11908,6 +13772,46 @@
           </a:p>
         </p:txBody>
       </p:sp>
+      <p:pic>
+        <p:nvPicPr>
+          <p:cNvPr id="3" name="Image 2">
+            <a:extLst>
+              <a:ext uri="{FF2B5EF4-FFF2-40B4-BE49-F238E27FC236}">
+                <a16:creationId xmlns:a16="http://schemas.microsoft.com/office/drawing/2014/main" id="{D1EC5B26-C947-4FA9-8428-C71617CA4066}"/>
+              </a:ext>
+            </a:extLst>
+          </p:cNvPr>
+          <p:cNvPicPr>
+            <a:picLocks noChangeAspect="1"/>
+          </p:cNvPicPr>
+          <p:nvPr/>
+        </p:nvPicPr>
+        <p:blipFill rotWithShape="1">
+          <a:blip r:embed="rId4">
+            <a:extLst>
+              <a:ext uri="{28A0092B-C50C-407E-A947-70E740481C1C}">
+                <a14:useLocalDpi xmlns:a14="http://schemas.microsoft.com/office/drawing/2010/main" val="0"/>
+              </a:ext>
+            </a:extLst>
+          </a:blip>
+          <a:srcRect l="751" t="339" r="1650" b="2288"/>
+          <a:stretch/>
+        </p:blipFill>
+        <p:spPr>
+          <a:xfrm>
+            <a:off x="3646905" y="1322988"/>
+            <a:ext cx="4674551" cy="5498627"/>
+          </a:xfrm>
+          <a:prstGeom prst="rect">
+            <a:avLst/>
+          </a:prstGeom>
+          <a:ln>
+            <a:solidFill>
+              <a:schemeClr val="tx1"/>
+            </a:solidFill>
+          </a:ln>
+        </p:spPr>
+      </p:pic>
     </p:spTree>
     <p:extLst>
       <p:ext uri="{BB962C8B-B14F-4D97-AF65-F5344CB8AC3E}">
@@ -12364,10 +14268,451 @@
           </a:fontRef>
         </p:style>
       </p:cxnSp>
+      <p:pic>
+        <p:nvPicPr>
+          <p:cNvPr id="57" name="Image 56">
+            <a:extLst>
+              <a:ext uri="{FF2B5EF4-FFF2-40B4-BE49-F238E27FC236}">
+                <a16:creationId xmlns:a16="http://schemas.microsoft.com/office/drawing/2014/main" id="{12B16FB2-5844-4B92-AE69-9BAC858C22BB}"/>
+              </a:ext>
+            </a:extLst>
+          </p:cNvPr>
+          <p:cNvPicPr>
+            <a:picLocks noChangeAspect="1"/>
+          </p:cNvPicPr>
+          <p:nvPr/>
+        </p:nvPicPr>
+        <p:blipFill>
+          <a:blip r:embed="rId3">
+            <a:extLst>
+              <a:ext uri="{28A0092B-C50C-407E-A947-70E740481C1C}">
+                <a14:useLocalDpi xmlns:a14="http://schemas.microsoft.com/office/drawing/2010/main" val="0"/>
+              </a:ext>
+            </a:extLst>
+          </a:blip>
+          <a:stretch>
+            <a:fillRect/>
+          </a:stretch>
+        </p:blipFill>
+        <p:spPr>
+          <a:xfrm>
+            <a:off x="9681085" y="238153"/>
+            <a:ext cx="1802101" cy="569807"/>
+          </a:xfrm>
+          <a:prstGeom prst="rect">
+            <a:avLst/>
+          </a:prstGeom>
+        </p:spPr>
+      </p:pic>
+      <p:cxnSp>
+        <p:nvCxnSpPr>
+          <p:cNvPr id="58" name="Connecteur droit 57">
+            <a:extLst>
+              <a:ext uri="{FF2B5EF4-FFF2-40B4-BE49-F238E27FC236}">
+                <a16:creationId xmlns:a16="http://schemas.microsoft.com/office/drawing/2014/main" id="{01599350-F8B0-4FDC-B003-981189A8D654}"/>
+              </a:ext>
+            </a:extLst>
+          </p:cNvPr>
+          <p:cNvCxnSpPr>
+            <a:cxnSpLocks/>
+          </p:cNvCxnSpPr>
+          <p:nvPr/>
+        </p:nvCxnSpPr>
+        <p:spPr>
+          <a:xfrm>
+            <a:off x="2573222" y="454803"/>
+            <a:ext cx="6829482" cy="10398"/>
+          </a:xfrm>
+          <a:prstGeom prst="line">
+            <a:avLst/>
+          </a:prstGeom>
+        </p:spPr>
+        <p:style>
+          <a:lnRef idx="3">
+            <a:schemeClr val="dk1"/>
+          </a:lnRef>
+          <a:fillRef idx="0">
+            <a:schemeClr val="dk1"/>
+          </a:fillRef>
+          <a:effectRef idx="2">
+            <a:schemeClr val="dk1"/>
+          </a:effectRef>
+          <a:fontRef idx="minor">
+            <a:schemeClr val="tx1"/>
+          </a:fontRef>
+        </p:style>
+      </p:cxnSp>
+      <p:cxnSp>
+        <p:nvCxnSpPr>
+          <p:cNvPr id="59" name="Connecteur droit 58">
+            <a:extLst>
+              <a:ext uri="{FF2B5EF4-FFF2-40B4-BE49-F238E27FC236}">
+                <a16:creationId xmlns:a16="http://schemas.microsoft.com/office/drawing/2014/main" id="{BC6E6150-6054-4785-84EC-0C46D82034C2}"/>
+              </a:ext>
+            </a:extLst>
+          </p:cNvPr>
+          <p:cNvCxnSpPr>
+            <a:cxnSpLocks/>
+          </p:cNvCxnSpPr>
+          <p:nvPr/>
+        </p:nvCxnSpPr>
+        <p:spPr>
+          <a:xfrm>
+            <a:off x="738231" y="454803"/>
+            <a:ext cx="344203" cy="484764"/>
+          </a:xfrm>
+          <a:prstGeom prst="line">
+            <a:avLst/>
+          </a:prstGeom>
+        </p:spPr>
+        <p:style>
+          <a:lnRef idx="3">
+            <a:schemeClr val="dk1"/>
+          </a:lnRef>
+          <a:fillRef idx="0">
+            <a:schemeClr val="dk1"/>
+          </a:fillRef>
+          <a:effectRef idx="2">
+            <a:schemeClr val="dk1"/>
+          </a:effectRef>
+          <a:fontRef idx="minor">
+            <a:schemeClr val="tx1"/>
+          </a:fontRef>
+        </p:style>
+      </p:cxnSp>
+      <p:cxnSp>
+        <p:nvCxnSpPr>
+          <p:cNvPr id="60" name="Connecteur droit 59">
+            <a:extLst>
+              <a:ext uri="{FF2B5EF4-FFF2-40B4-BE49-F238E27FC236}">
+                <a16:creationId xmlns:a16="http://schemas.microsoft.com/office/drawing/2014/main" id="{CBC9961A-8EC2-4287-A398-BCA4138D409D}"/>
+              </a:ext>
+            </a:extLst>
+          </p:cNvPr>
+          <p:cNvCxnSpPr>
+            <a:cxnSpLocks/>
+          </p:cNvCxnSpPr>
+          <p:nvPr/>
+        </p:nvCxnSpPr>
+        <p:spPr>
+          <a:xfrm>
+            <a:off x="1082434" y="938268"/>
+            <a:ext cx="1146585" cy="0"/>
+          </a:xfrm>
+          <a:prstGeom prst="line">
+            <a:avLst/>
+          </a:prstGeom>
+        </p:spPr>
+        <p:style>
+          <a:lnRef idx="3">
+            <a:schemeClr val="dk1"/>
+          </a:lnRef>
+          <a:fillRef idx="0">
+            <a:schemeClr val="dk1"/>
+          </a:fillRef>
+          <a:effectRef idx="2">
+            <a:schemeClr val="dk1"/>
+          </a:effectRef>
+          <a:fontRef idx="minor">
+            <a:schemeClr val="tx1"/>
+          </a:fontRef>
+        </p:style>
+      </p:cxnSp>
+      <p:cxnSp>
+        <p:nvCxnSpPr>
+          <p:cNvPr id="61" name="Connecteur droit 60">
+            <a:extLst>
+              <a:ext uri="{FF2B5EF4-FFF2-40B4-BE49-F238E27FC236}">
+                <a16:creationId xmlns:a16="http://schemas.microsoft.com/office/drawing/2014/main" id="{152B7C45-2543-4665-BC07-4DB71CA9F337}"/>
+              </a:ext>
+            </a:extLst>
+          </p:cNvPr>
+          <p:cNvCxnSpPr>
+            <a:cxnSpLocks/>
+          </p:cNvCxnSpPr>
+          <p:nvPr/>
+        </p:nvCxnSpPr>
+        <p:spPr>
+          <a:xfrm>
+            <a:off x="9402704" y="465201"/>
+            <a:ext cx="344203" cy="495163"/>
+          </a:xfrm>
+          <a:prstGeom prst="line">
+            <a:avLst/>
+          </a:prstGeom>
+        </p:spPr>
+        <p:style>
+          <a:lnRef idx="3">
+            <a:schemeClr val="dk1"/>
+          </a:lnRef>
+          <a:fillRef idx="0">
+            <a:schemeClr val="dk1"/>
+          </a:fillRef>
+          <a:effectRef idx="2">
+            <a:schemeClr val="dk1"/>
+          </a:effectRef>
+          <a:fontRef idx="minor">
+            <a:schemeClr val="tx1"/>
+          </a:fontRef>
+        </p:style>
+      </p:cxnSp>
+      <p:cxnSp>
+        <p:nvCxnSpPr>
+          <p:cNvPr id="62" name="Connecteur droit 61">
+            <a:extLst>
+              <a:ext uri="{FF2B5EF4-FFF2-40B4-BE49-F238E27FC236}">
+                <a16:creationId xmlns:a16="http://schemas.microsoft.com/office/drawing/2014/main" id="{00A84DC3-A112-46A3-B71C-04D85339323D}"/>
+              </a:ext>
+            </a:extLst>
+          </p:cNvPr>
+          <p:cNvCxnSpPr>
+            <a:cxnSpLocks/>
+          </p:cNvCxnSpPr>
+          <p:nvPr/>
+        </p:nvCxnSpPr>
+        <p:spPr>
+          <a:xfrm flipH="1">
+            <a:off x="11370469" y="448308"/>
+            <a:ext cx="364332" cy="501657"/>
+          </a:xfrm>
+          <a:prstGeom prst="line">
+            <a:avLst/>
+          </a:prstGeom>
+        </p:spPr>
+        <p:style>
+          <a:lnRef idx="3">
+            <a:schemeClr val="dk1"/>
+          </a:lnRef>
+          <a:fillRef idx="0">
+            <a:schemeClr val="dk1"/>
+          </a:fillRef>
+          <a:effectRef idx="2">
+            <a:schemeClr val="dk1"/>
+          </a:effectRef>
+          <a:fontRef idx="minor">
+            <a:schemeClr val="tx1"/>
+          </a:fontRef>
+        </p:style>
+      </p:cxnSp>
+      <p:cxnSp>
+        <p:nvCxnSpPr>
+          <p:cNvPr id="63" name="Connecteur droit 62">
+            <a:extLst>
+              <a:ext uri="{FF2B5EF4-FFF2-40B4-BE49-F238E27FC236}">
+                <a16:creationId xmlns:a16="http://schemas.microsoft.com/office/drawing/2014/main" id="{C50788C6-8F68-44EC-AB54-94C1D2FE554D}"/>
+              </a:ext>
+            </a:extLst>
+          </p:cNvPr>
+          <p:cNvCxnSpPr>
+            <a:cxnSpLocks/>
+          </p:cNvCxnSpPr>
+          <p:nvPr/>
+        </p:nvCxnSpPr>
+        <p:spPr>
+          <a:xfrm>
+            <a:off x="9743203" y="949965"/>
+            <a:ext cx="1627266" cy="0"/>
+          </a:xfrm>
+          <a:prstGeom prst="line">
+            <a:avLst/>
+          </a:prstGeom>
+        </p:spPr>
+        <p:style>
+          <a:lnRef idx="3">
+            <a:schemeClr val="dk1"/>
+          </a:lnRef>
+          <a:fillRef idx="0">
+            <a:schemeClr val="dk1"/>
+          </a:fillRef>
+          <a:effectRef idx="2">
+            <a:schemeClr val="dk1"/>
+          </a:effectRef>
+          <a:fontRef idx="minor">
+            <a:schemeClr val="tx1"/>
+          </a:fontRef>
+        </p:style>
+      </p:cxnSp>
+      <p:cxnSp>
+        <p:nvCxnSpPr>
+          <p:cNvPr id="64" name="Connecteur droit 63">
+            <a:extLst>
+              <a:ext uri="{FF2B5EF4-FFF2-40B4-BE49-F238E27FC236}">
+                <a16:creationId xmlns:a16="http://schemas.microsoft.com/office/drawing/2014/main" id="{BC4D4E5F-5636-45CB-873C-EC085AB307A3}"/>
+              </a:ext>
+            </a:extLst>
+          </p:cNvPr>
+          <p:cNvCxnSpPr>
+            <a:cxnSpLocks/>
+          </p:cNvCxnSpPr>
+          <p:nvPr/>
+        </p:nvCxnSpPr>
+        <p:spPr>
+          <a:xfrm>
+            <a:off x="11715750" y="454801"/>
+            <a:ext cx="476249" cy="10400"/>
+          </a:xfrm>
+          <a:prstGeom prst="line">
+            <a:avLst/>
+          </a:prstGeom>
+        </p:spPr>
+        <p:style>
+          <a:lnRef idx="3">
+            <a:schemeClr val="dk1"/>
+          </a:lnRef>
+          <a:fillRef idx="0">
+            <a:schemeClr val="dk1"/>
+          </a:fillRef>
+          <a:effectRef idx="2">
+            <a:schemeClr val="dk1"/>
+          </a:effectRef>
+          <a:fontRef idx="minor">
+            <a:schemeClr val="tx1"/>
+          </a:fontRef>
+        </p:style>
+      </p:cxnSp>
+      <p:cxnSp>
+        <p:nvCxnSpPr>
+          <p:cNvPr id="65" name="Connecteur droit 64">
+            <a:extLst>
+              <a:ext uri="{FF2B5EF4-FFF2-40B4-BE49-F238E27FC236}">
+                <a16:creationId xmlns:a16="http://schemas.microsoft.com/office/drawing/2014/main" id="{E6F6B4C5-0E3B-46C9-859D-EE774175D36F}"/>
+              </a:ext>
+            </a:extLst>
+          </p:cNvPr>
+          <p:cNvCxnSpPr>
+            <a:cxnSpLocks/>
+          </p:cNvCxnSpPr>
+          <p:nvPr/>
+        </p:nvCxnSpPr>
+        <p:spPr>
+          <a:xfrm flipH="1">
+            <a:off x="2216372" y="446356"/>
+            <a:ext cx="364332" cy="501657"/>
+          </a:xfrm>
+          <a:prstGeom prst="line">
+            <a:avLst/>
+          </a:prstGeom>
+        </p:spPr>
+        <p:style>
+          <a:lnRef idx="3">
+            <a:schemeClr val="dk1"/>
+          </a:lnRef>
+          <a:fillRef idx="0">
+            <a:schemeClr val="dk1"/>
+          </a:fillRef>
+          <a:effectRef idx="2">
+            <a:schemeClr val="dk1"/>
+          </a:effectRef>
+          <a:fontRef idx="minor">
+            <a:schemeClr val="tx1"/>
+          </a:fontRef>
+        </p:style>
+      </p:cxnSp>
+      <p:sp>
+        <p:nvSpPr>
+          <p:cNvPr id="2" name="ZoneTexte 1">
+            <a:extLst>
+              <a:ext uri="{FF2B5EF4-FFF2-40B4-BE49-F238E27FC236}">
+                <a16:creationId xmlns:a16="http://schemas.microsoft.com/office/drawing/2014/main" id="{E8762E70-88D2-4566-9A54-94377E9A9CC8}"/>
+              </a:ext>
+            </a:extLst>
+          </p:cNvPr>
+          <p:cNvSpPr txBox="1"/>
+          <p:nvPr/>
+        </p:nvSpPr>
+        <p:spPr>
+          <a:xfrm>
+            <a:off x="3462186" y="623294"/>
+            <a:ext cx="6149130" cy="769441"/>
+          </a:xfrm>
+          <a:prstGeom prst="rect">
+            <a:avLst/>
+          </a:prstGeom>
+          <a:noFill/>
+        </p:spPr>
+        <p:txBody>
+          <a:bodyPr wrap="square" rtlCol="0">
+            <a:spAutoFit/>
+          </a:bodyPr>
+          <a:lstStyle/>
+          <a:p>
+            <a:pPr marL="0" marR="0" lvl="0" indent="0" algn="l" defTabSz="914400" rtl="0" eaLnBrk="1" fontAlgn="auto" latinLnBrk="0" hangingPunct="1">
+              <a:lnSpc>
+                <a:spcPct val="100000"/>
+              </a:lnSpc>
+              <a:spcBef>
+                <a:spcPts val="0"/>
+              </a:spcBef>
+              <a:spcAft>
+                <a:spcPts val="0"/>
+              </a:spcAft>
+              <a:buClrTx/>
+              <a:buSzTx/>
+              <a:buFontTx/>
+              <a:buNone/>
+              <a:tabLst/>
+              <a:defRPr/>
+            </a:pPr>
+            <a:r>
+              <a:rPr kumimoji="0" lang="fr-FR" sz="4400" b="0" i="0" u="none" strike="noStrike" kern="1200" cap="none" spc="0" normalizeH="0" baseline="0" noProof="0" dirty="0">
+                <a:ln>
+                  <a:noFill/>
+                </a:ln>
+                <a:solidFill>
+                  <a:prstClr val="black"/>
+                </a:solidFill>
+                <a:effectLst/>
+                <a:uLnTx/>
+                <a:uFillTx/>
+                <a:latin typeface="Berlin Sans FB" panose="020E0602020502020306" pitchFamily="34" charset="0"/>
+                <a:ea typeface="+mn-ea"/>
+                <a:cs typeface="+mn-cs"/>
+              </a:rPr>
+              <a:t>Diagramme de classe</a:t>
+            </a:r>
+          </a:p>
+        </p:txBody>
+      </p:sp>
+      <p:pic>
+        <p:nvPicPr>
+          <p:cNvPr id="4" name="Image 3">
+            <a:extLst>
+              <a:ext uri="{FF2B5EF4-FFF2-40B4-BE49-F238E27FC236}">
+                <a16:creationId xmlns:a16="http://schemas.microsoft.com/office/drawing/2014/main" id="{E85F3E60-A809-4CF3-8988-26E4D6B96CAD}"/>
+              </a:ext>
+            </a:extLst>
+          </p:cNvPr>
+          <p:cNvPicPr>
+            <a:picLocks noChangeAspect="1"/>
+          </p:cNvPicPr>
+          <p:nvPr/>
+        </p:nvPicPr>
+        <p:blipFill>
+          <a:blip r:embed="rId4">
+            <a:extLst>
+              <a:ext uri="{28A0092B-C50C-407E-A947-70E740481C1C}">
+                <a14:useLocalDpi xmlns:a14="http://schemas.microsoft.com/office/drawing/2010/main" val="0"/>
+              </a:ext>
+            </a:extLst>
+          </a:blip>
+          <a:stretch>
+            <a:fillRect/>
+          </a:stretch>
+        </p:blipFill>
+        <p:spPr>
+          <a:xfrm>
+            <a:off x="1614196" y="1327912"/>
+            <a:ext cx="8285584" cy="4980629"/>
+          </a:xfrm>
+          <a:prstGeom prst="rect">
+            <a:avLst/>
+          </a:prstGeom>
+        </p:spPr>
+      </p:pic>
     </p:spTree>
     <p:extLst>
       <p:ext uri="{BB962C8B-B14F-4D97-AF65-F5344CB8AC3E}">
-        <p14:creationId xmlns:p14="http://schemas.microsoft.com/office/powerpoint/2010/main" val="2169865702"/>
+        <p14:creationId xmlns:p14="http://schemas.microsoft.com/office/powerpoint/2010/main" val="3586196131"/>
       </p:ext>
     </p:extLst>
   </p:cSld>
@@ -12376,12 +14721,881 @@
   </p:clrMapOvr>
   <mc:AlternateContent xmlns:mc="http://schemas.openxmlformats.org/markup-compatibility/2006" xmlns:p14="http://schemas.microsoft.com/office/powerpoint/2010/main">
     <mc:Choice Requires="p14">
-      <p:transition spd="med">
+      <p:transition spd="slow">
         <p14:reveal/>
       </p:transition>
     </mc:Choice>
     <mc:Fallback xmlns="">
-      <p:transition spd="med">
+      <p:transition spd="slow">
+        <p:fade/>
+      </p:transition>
+    </mc:Fallback>
+  </mc:AlternateContent>
+</p:sld>
+</file>
+
+<file path=ppt/slides/slide9.xml><?xml version="1.0" encoding="utf-8"?>
+<p:sld xmlns:a="http://schemas.openxmlformats.org/drawingml/2006/main" xmlns:r="http://schemas.openxmlformats.org/officeDocument/2006/relationships" xmlns:p="http://schemas.openxmlformats.org/presentationml/2006/main">
+  <p:cSld>
+    <p:spTree>
+      <p:nvGrpSpPr>
+        <p:cNvPr id="1" name=""/>
+        <p:cNvGrpSpPr/>
+        <p:nvPr/>
+      </p:nvGrpSpPr>
+      <p:grpSpPr>
+        <a:xfrm>
+          <a:off x="0" y="0"/>
+          <a:ext cx="0" cy="0"/>
+          <a:chOff x="0" y="0"/>
+          <a:chExt cx="0" cy="0"/>
+        </a:xfrm>
+      </p:grpSpPr>
+      <p:pic>
+        <p:nvPicPr>
+          <p:cNvPr id="8" name="Image 7">
+            <a:extLst>
+              <a:ext uri="{FF2B5EF4-FFF2-40B4-BE49-F238E27FC236}">
+                <a16:creationId xmlns:a16="http://schemas.microsoft.com/office/drawing/2014/main" id="{2BB825C5-31DA-4A56-85EA-536DBF510A31}"/>
+              </a:ext>
+            </a:extLst>
+          </p:cNvPr>
+          <p:cNvPicPr>
+            <a:picLocks noChangeAspect="1"/>
+          </p:cNvPicPr>
+          <p:nvPr/>
+        </p:nvPicPr>
+        <p:blipFill>
+          <a:blip r:embed="rId2">
+            <a:extLst>
+              <a:ext uri="{28A0092B-C50C-407E-A947-70E740481C1C}">
+                <a14:useLocalDpi xmlns:a14="http://schemas.microsoft.com/office/drawing/2010/main" val="0"/>
+              </a:ext>
+            </a:extLst>
+          </a:blip>
+          <a:stretch>
+            <a:fillRect/>
+          </a:stretch>
+        </p:blipFill>
+        <p:spPr>
+          <a:xfrm>
+            <a:off x="1068751" y="66457"/>
+            <a:ext cx="1259497" cy="776690"/>
+          </a:xfrm>
+          <a:prstGeom prst="rect">
+            <a:avLst/>
+          </a:prstGeom>
+        </p:spPr>
+      </p:pic>
+      <p:pic>
+        <p:nvPicPr>
+          <p:cNvPr id="10" name="Image 9">
+            <a:extLst>
+              <a:ext uri="{FF2B5EF4-FFF2-40B4-BE49-F238E27FC236}">
+                <a16:creationId xmlns:a16="http://schemas.microsoft.com/office/drawing/2014/main" id="{8EE7436F-49F2-41E0-93E4-D247B4705294}"/>
+              </a:ext>
+            </a:extLst>
+          </p:cNvPr>
+          <p:cNvPicPr>
+            <a:picLocks noChangeAspect="1"/>
+          </p:cNvPicPr>
+          <p:nvPr/>
+        </p:nvPicPr>
+        <p:blipFill>
+          <a:blip r:embed="rId3">
+            <a:extLst>
+              <a:ext uri="{28A0092B-C50C-407E-A947-70E740481C1C}">
+                <a14:useLocalDpi xmlns:a14="http://schemas.microsoft.com/office/drawing/2010/main" val="0"/>
+              </a:ext>
+            </a:extLst>
+          </a:blip>
+          <a:stretch>
+            <a:fillRect/>
+          </a:stretch>
+        </p:blipFill>
+        <p:spPr>
+          <a:xfrm>
+            <a:off x="9681085" y="238153"/>
+            <a:ext cx="1802101" cy="569807"/>
+          </a:xfrm>
+          <a:prstGeom prst="rect">
+            <a:avLst/>
+          </a:prstGeom>
+        </p:spPr>
+      </p:pic>
+      <p:cxnSp>
+        <p:nvCxnSpPr>
+          <p:cNvPr id="16" name="Connecteur droit 15">
+            <a:extLst>
+              <a:ext uri="{FF2B5EF4-FFF2-40B4-BE49-F238E27FC236}">
+                <a16:creationId xmlns:a16="http://schemas.microsoft.com/office/drawing/2014/main" id="{7319284A-BD6F-4A96-8E2B-E0A4B52E53C6}"/>
+              </a:ext>
+            </a:extLst>
+          </p:cNvPr>
+          <p:cNvCxnSpPr>
+            <a:cxnSpLocks/>
+          </p:cNvCxnSpPr>
+          <p:nvPr/>
+        </p:nvCxnSpPr>
+        <p:spPr>
+          <a:xfrm flipV="1">
+            <a:off x="0" y="454803"/>
+            <a:ext cx="738231" cy="1798"/>
+          </a:xfrm>
+          <a:prstGeom prst="line">
+            <a:avLst/>
+          </a:prstGeom>
+        </p:spPr>
+        <p:style>
+          <a:lnRef idx="3">
+            <a:schemeClr val="dk1"/>
+          </a:lnRef>
+          <a:fillRef idx="0">
+            <a:schemeClr val="dk1"/>
+          </a:fillRef>
+          <a:effectRef idx="2">
+            <a:schemeClr val="dk1"/>
+          </a:effectRef>
+          <a:fontRef idx="minor">
+            <a:schemeClr val="tx1"/>
+          </a:fontRef>
+        </p:style>
+      </p:cxnSp>
+      <p:cxnSp>
+        <p:nvCxnSpPr>
+          <p:cNvPr id="20" name="Connecteur droit 19">
+            <a:extLst>
+              <a:ext uri="{FF2B5EF4-FFF2-40B4-BE49-F238E27FC236}">
+                <a16:creationId xmlns:a16="http://schemas.microsoft.com/office/drawing/2014/main" id="{08874CF7-F149-4C81-B61E-74E18342BA8A}"/>
+              </a:ext>
+            </a:extLst>
+          </p:cNvPr>
+          <p:cNvCxnSpPr>
+            <a:cxnSpLocks/>
+          </p:cNvCxnSpPr>
+          <p:nvPr/>
+        </p:nvCxnSpPr>
+        <p:spPr>
+          <a:xfrm>
+            <a:off x="2573222" y="454803"/>
+            <a:ext cx="6829482" cy="10398"/>
+          </a:xfrm>
+          <a:prstGeom prst="line">
+            <a:avLst/>
+          </a:prstGeom>
+        </p:spPr>
+        <p:style>
+          <a:lnRef idx="3">
+            <a:schemeClr val="dk1"/>
+          </a:lnRef>
+          <a:fillRef idx="0">
+            <a:schemeClr val="dk1"/>
+          </a:fillRef>
+          <a:effectRef idx="2">
+            <a:schemeClr val="dk1"/>
+          </a:effectRef>
+          <a:fontRef idx="minor">
+            <a:schemeClr val="tx1"/>
+          </a:fontRef>
+        </p:style>
+      </p:cxnSp>
+      <p:cxnSp>
+        <p:nvCxnSpPr>
+          <p:cNvPr id="26" name="Connecteur droit 25">
+            <a:extLst>
+              <a:ext uri="{FF2B5EF4-FFF2-40B4-BE49-F238E27FC236}">
+                <a16:creationId xmlns:a16="http://schemas.microsoft.com/office/drawing/2014/main" id="{BB3B35CC-057B-48C1-880F-3306A6559175}"/>
+              </a:ext>
+            </a:extLst>
+          </p:cNvPr>
+          <p:cNvCxnSpPr>
+            <a:cxnSpLocks/>
+          </p:cNvCxnSpPr>
+          <p:nvPr/>
+        </p:nvCxnSpPr>
+        <p:spPr>
+          <a:xfrm>
+            <a:off x="738231" y="454803"/>
+            <a:ext cx="344203" cy="484764"/>
+          </a:xfrm>
+          <a:prstGeom prst="line">
+            <a:avLst/>
+          </a:prstGeom>
+        </p:spPr>
+        <p:style>
+          <a:lnRef idx="3">
+            <a:schemeClr val="dk1"/>
+          </a:lnRef>
+          <a:fillRef idx="0">
+            <a:schemeClr val="dk1"/>
+          </a:fillRef>
+          <a:effectRef idx="2">
+            <a:schemeClr val="dk1"/>
+          </a:effectRef>
+          <a:fontRef idx="minor">
+            <a:schemeClr val="tx1"/>
+          </a:fontRef>
+        </p:style>
+      </p:cxnSp>
+      <p:cxnSp>
+        <p:nvCxnSpPr>
+          <p:cNvPr id="32" name="Connecteur droit 31">
+            <a:extLst>
+              <a:ext uri="{FF2B5EF4-FFF2-40B4-BE49-F238E27FC236}">
+                <a16:creationId xmlns:a16="http://schemas.microsoft.com/office/drawing/2014/main" id="{4AD96496-1EB6-4E48-9BB2-5C255495C686}"/>
+              </a:ext>
+            </a:extLst>
+          </p:cNvPr>
+          <p:cNvCxnSpPr>
+            <a:cxnSpLocks/>
+          </p:cNvCxnSpPr>
+          <p:nvPr/>
+        </p:nvCxnSpPr>
+        <p:spPr>
+          <a:xfrm>
+            <a:off x="1082434" y="938268"/>
+            <a:ext cx="1146585" cy="0"/>
+          </a:xfrm>
+          <a:prstGeom prst="line">
+            <a:avLst/>
+          </a:prstGeom>
+        </p:spPr>
+        <p:style>
+          <a:lnRef idx="3">
+            <a:schemeClr val="dk1"/>
+          </a:lnRef>
+          <a:fillRef idx="0">
+            <a:schemeClr val="dk1"/>
+          </a:fillRef>
+          <a:effectRef idx="2">
+            <a:schemeClr val="dk1"/>
+          </a:effectRef>
+          <a:fontRef idx="minor">
+            <a:schemeClr val="tx1"/>
+          </a:fontRef>
+        </p:style>
+      </p:cxnSp>
+      <p:cxnSp>
+        <p:nvCxnSpPr>
+          <p:cNvPr id="51" name="Connecteur droit 50">
+            <a:extLst>
+              <a:ext uri="{FF2B5EF4-FFF2-40B4-BE49-F238E27FC236}">
+                <a16:creationId xmlns:a16="http://schemas.microsoft.com/office/drawing/2014/main" id="{C035BFA6-ECBF-4775-BA81-19D2CA41AA8D}"/>
+              </a:ext>
+            </a:extLst>
+          </p:cNvPr>
+          <p:cNvCxnSpPr>
+            <a:cxnSpLocks/>
+          </p:cNvCxnSpPr>
+          <p:nvPr/>
+        </p:nvCxnSpPr>
+        <p:spPr>
+          <a:xfrm>
+            <a:off x="9402704" y="465201"/>
+            <a:ext cx="344203" cy="495163"/>
+          </a:xfrm>
+          <a:prstGeom prst="line">
+            <a:avLst/>
+          </a:prstGeom>
+        </p:spPr>
+        <p:style>
+          <a:lnRef idx="3">
+            <a:schemeClr val="dk1"/>
+          </a:lnRef>
+          <a:fillRef idx="0">
+            <a:schemeClr val="dk1"/>
+          </a:fillRef>
+          <a:effectRef idx="2">
+            <a:schemeClr val="dk1"/>
+          </a:effectRef>
+          <a:fontRef idx="minor">
+            <a:schemeClr val="tx1"/>
+          </a:fontRef>
+        </p:style>
+      </p:cxnSp>
+      <p:cxnSp>
+        <p:nvCxnSpPr>
+          <p:cNvPr id="52" name="Connecteur droit 51">
+            <a:extLst>
+              <a:ext uri="{FF2B5EF4-FFF2-40B4-BE49-F238E27FC236}">
+                <a16:creationId xmlns:a16="http://schemas.microsoft.com/office/drawing/2014/main" id="{FA310BC7-694B-4984-99A2-61A1F4F6EBF9}"/>
+              </a:ext>
+            </a:extLst>
+          </p:cNvPr>
+          <p:cNvCxnSpPr>
+            <a:cxnSpLocks/>
+          </p:cNvCxnSpPr>
+          <p:nvPr/>
+        </p:nvCxnSpPr>
+        <p:spPr>
+          <a:xfrm flipH="1">
+            <a:off x="11370469" y="448308"/>
+            <a:ext cx="364332" cy="501657"/>
+          </a:xfrm>
+          <a:prstGeom prst="line">
+            <a:avLst/>
+          </a:prstGeom>
+        </p:spPr>
+        <p:style>
+          <a:lnRef idx="3">
+            <a:schemeClr val="dk1"/>
+          </a:lnRef>
+          <a:fillRef idx="0">
+            <a:schemeClr val="dk1"/>
+          </a:fillRef>
+          <a:effectRef idx="2">
+            <a:schemeClr val="dk1"/>
+          </a:effectRef>
+          <a:fontRef idx="minor">
+            <a:schemeClr val="tx1"/>
+          </a:fontRef>
+        </p:style>
+      </p:cxnSp>
+      <p:cxnSp>
+        <p:nvCxnSpPr>
+          <p:cNvPr id="53" name="Connecteur droit 52">
+            <a:extLst>
+              <a:ext uri="{FF2B5EF4-FFF2-40B4-BE49-F238E27FC236}">
+                <a16:creationId xmlns:a16="http://schemas.microsoft.com/office/drawing/2014/main" id="{BE0649BD-EE59-4DDA-960F-95B2572F9F13}"/>
+              </a:ext>
+            </a:extLst>
+          </p:cNvPr>
+          <p:cNvCxnSpPr>
+            <a:cxnSpLocks/>
+          </p:cNvCxnSpPr>
+          <p:nvPr/>
+        </p:nvCxnSpPr>
+        <p:spPr>
+          <a:xfrm>
+            <a:off x="9743203" y="949965"/>
+            <a:ext cx="1627266" cy="0"/>
+          </a:xfrm>
+          <a:prstGeom prst="line">
+            <a:avLst/>
+          </a:prstGeom>
+        </p:spPr>
+        <p:style>
+          <a:lnRef idx="3">
+            <a:schemeClr val="dk1"/>
+          </a:lnRef>
+          <a:fillRef idx="0">
+            <a:schemeClr val="dk1"/>
+          </a:fillRef>
+          <a:effectRef idx="2">
+            <a:schemeClr val="dk1"/>
+          </a:effectRef>
+          <a:fontRef idx="minor">
+            <a:schemeClr val="tx1"/>
+          </a:fontRef>
+        </p:style>
+      </p:cxnSp>
+      <p:cxnSp>
+        <p:nvCxnSpPr>
+          <p:cNvPr id="55" name="Connecteur droit 54">
+            <a:extLst>
+              <a:ext uri="{FF2B5EF4-FFF2-40B4-BE49-F238E27FC236}">
+                <a16:creationId xmlns:a16="http://schemas.microsoft.com/office/drawing/2014/main" id="{52AA9200-DAFA-4EEF-AC13-4C7CE82A59EC}"/>
+              </a:ext>
+            </a:extLst>
+          </p:cNvPr>
+          <p:cNvCxnSpPr>
+            <a:cxnSpLocks/>
+          </p:cNvCxnSpPr>
+          <p:nvPr/>
+        </p:nvCxnSpPr>
+        <p:spPr>
+          <a:xfrm>
+            <a:off x="11715750" y="454801"/>
+            <a:ext cx="476249" cy="10400"/>
+          </a:xfrm>
+          <a:prstGeom prst="line">
+            <a:avLst/>
+          </a:prstGeom>
+        </p:spPr>
+        <p:style>
+          <a:lnRef idx="3">
+            <a:schemeClr val="dk1"/>
+          </a:lnRef>
+          <a:fillRef idx="0">
+            <a:schemeClr val="dk1"/>
+          </a:fillRef>
+          <a:effectRef idx="2">
+            <a:schemeClr val="dk1"/>
+          </a:effectRef>
+          <a:fontRef idx="minor">
+            <a:schemeClr val="tx1"/>
+          </a:fontRef>
+        </p:style>
+      </p:cxnSp>
+      <p:cxnSp>
+        <p:nvCxnSpPr>
+          <p:cNvPr id="23" name="Connecteur droit 22">
+            <a:extLst>
+              <a:ext uri="{FF2B5EF4-FFF2-40B4-BE49-F238E27FC236}">
+                <a16:creationId xmlns:a16="http://schemas.microsoft.com/office/drawing/2014/main" id="{BCB092C8-0080-4E56-957E-0046D4C83988}"/>
+              </a:ext>
+            </a:extLst>
+          </p:cNvPr>
+          <p:cNvCxnSpPr>
+            <a:cxnSpLocks/>
+          </p:cNvCxnSpPr>
+          <p:nvPr/>
+        </p:nvCxnSpPr>
+        <p:spPr>
+          <a:xfrm flipH="1">
+            <a:off x="2216372" y="446356"/>
+            <a:ext cx="364332" cy="501657"/>
+          </a:xfrm>
+          <a:prstGeom prst="line">
+            <a:avLst/>
+          </a:prstGeom>
+        </p:spPr>
+        <p:style>
+          <a:lnRef idx="3">
+            <a:schemeClr val="dk1"/>
+          </a:lnRef>
+          <a:fillRef idx="0">
+            <a:schemeClr val="dk1"/>
+          </a:fillRef>
+          <a:effectRef idx="2">
+            <a:schemeClr val="dk1"/>
+          </a:effectRef>
+          <a:fontRef idx="minor">
+            <a:schemeClr val="tx1"/>
+          </a:fontRef>
+        </p:style>
+      </p:cxnSp>
+      <p:pic>
+        <p:nvPicPr>
+          <p:cNvPr id="57" name="Image 56">
+            <a:extLst>
+              <a:ext uri="{FF2B5EF4-FFF2-40B4-BE49-F238E27FC236}">
+                <a16:creationId xmlns:a16="http://schemas.microsoft.com/office/drawing/2014/main" id="{12B16FB2-5844-4B92-AE69-9BAC858C22BB}"/>
+              </a:ext>
+            </a:extLst>
+          </p:cNvPr>
+          <p:cNvPicPr>
+            <a:picLocks noChangeAspect="1"/>
+          </p:cNvPicPr>
+          <p:nvPr/>
+        </p:nvPicPr>
+        <p:blipFill>
+          <a:blip r:embed="rId3">
+            <a:extLst>
+              <a:ext uri="{28A0092B-C50C-407E-A947-70E740481C1C}">
+                <a14:useLocalDpi xmlns:a14="http://schemas.microsoft.com/office/drawing/2010/main" val="0"/>
+              </a:ext>
+            </a:extLst>
+          </a:blip>
+          <a:stretch>
+            <a:fillRect/>
+          </a:stretch>
+        </p:blipFill>
+        <p:spPr>
+          <a:xfrm>
+            <a:off x="9681085" y="238153"/>
+            <a:ext cx="1802101" cy="569807"/>
+          </a:xfrm>
+          <a:prstGeom prst="rect">
+            <a:avLst/>
+          </a:prstGeom>
+        </p:spPr>
+      </p:pic>
+      <p:cxnSp>
+        <p:nvCxnSpPr>
+          <p:cNvPr id="58" name="Connecteur droit 57">
+            <a:extLst>
+              <a:ext uri="{FF2B5EF4-FFF2-40B4-BE49-F238E27FC236}">
+                <a16:creationId xmlns:a16="http://schemas.microsoft.com/office/drawing/2014/main" id="{01599350-F8B0-4FDC-B003-981189A8D654}"/>
+              </a:ext>
+            </a:extLst>
+          </p:cNvPr>
+          <p:cNvCxnSpPr>
+            <a:cxnSpLocks/>
+          </p:cNvCxnSpPr>
+          <p:nvPr/>
+        </p:nvCxnSpPr>
+        <p:spPr>
+          <a:xfrm>
+            <a:off x="2573222" y="454803"/>
+            <a:ext cx="6829482" cy="10398"/>
+          </a:xfrm>
+          <a:prstGeom prst="line">
+            <a:avLst/>
+          </a:prstGeom>
+        </p:spPr>
+        <p:style>
+          <a:lnRef idx="3">
+            <a:schemeClr val="dk1"/>
+          </a:lnRef>
+          <a:fillRef idx="0">
+            <a:schemeClr val="dk1"/>
+          </a:fillRef>
+          <a:effectRef idx="2">
+            <a:schemeClr val="dk1"/>
+          </a:effectRef>
+          <a:fontRef idx="minor">
+            <a:schemeClr val="tx1"/>
+          </a:fontRef>
+        </p:style>
+      </p:cxnSp>
+      <p:cxnSp>
+        <p:nvCxnSpPr>
+          <p:cNvPr id="59" name="Connecteur droit 58">
+            <a:extLst>
+              <a:ext uri="{FF2B5EF4-FFF2-40B4-BE49-F238E27FC236}">
+                <a16:creationId xmlns:a16="http://schemas.microsoft.com/office/drawing/2014/main" id="{BC6E6150-6054-4785-84EC-0C46D82034C2}"/>
+              </a:ext>
+            </a:extLst>
+          </p:cNvPr>
+          <p:cNvCxnSpPr>
+            <a:cxnSpLocks/>
+          </p:cNvCxnSpPr>
+          <p:nvPr/>
+        </p:nvCxnSpPr>
+        <p:spPr>
+          <a:xfrm>
+            <a:off x="738231" y="454803"/>
+            <a:ext cx="344203" cy="484764"/>
+          </a:xfrm>
+          <a:prstGeom prst="line">
+            <a:avLst/>
+          </a:prstGeom>
+        </p:spPr>
+        <p:style>
+          <a:lnRef idx="3">
+            <a:schemeClr val="dk1"/>
+          </a:lnRef>
+          <a:fillRef idx="0">
+            <a:schemeClr val="dk1"/>
+          </a:fillRef>
+          <a:effectRef idx="2">
+            <a:schemeClr val="dk1"/>
+          </a:effectRef>
+          <a:fontRef idx="minor">
+            <a:schemeClr val="tx1"/>
+          </a:fontRef>
+        </p:style>
+      </p:cxnSp>
+      <p:cxnSp>
+        <p:nvCxnSpPr>
+          <p:cNvPr id="60" name="Connecteur droit 59">
+            <a:extLst>
+              <a:ext uri="{FF2B5EF4-FFF2-40B4-BE49-F238E27FC236}">
+                <a16:creationId xmlns:a16="http://schemas.microsoft.com/office/drawing/2014/main" id="{CBC9961A-8EC2-4287-A398-BCA4138D409D}"/>
+              </a:ext>
+            </a:extLst>
+          </p:cNvPr>
+          <p:cNvCxnSpPr>
+            <a:cxnSpLocks/>
+          </p:cNvCxnSpPr>
+          <p:nvPr/>
+        </p:nvCxnSpPr>
+        <p:spPr>
+          <a:xfrm>
+            <a:off x="1082434" y="938268"/>
+            <a:ext cx="1146585" cy="0"/>
+          </a:xfrm>
+          <a:prstGeom prst="line">
+            <a:avLst/>
+          </a:prstGeom>
+        </p:spPr>
+        <p:style>
+          <a:lnRef idx="3">
+            <a:schemeClr val="dk1"/>
+          </a:lnRef>
+          <a:fillRef idx="0">
+            <a:schemeClr val="dk1"/>
+          </a:fillRef>
+          <a:effectRef idx="2">
+            <a:schemeClr val="dk1"/>
+          </a:effectRef>
+          <a:fontRef idx="minor">
+            <a:schemeClr val="tx1"/>
+          </a:fontRef>
+        </p:style>
+      </p:cxnSp>
+      <p:cxnSp>
+        <p:nvCxnSpPr>
+          <p:cNvPr id="61" name="Connecteur droit 60">
+            <a:extLst>
+              <a:ext uri="{FF2B5EF4-FFF2-40B4-BE49-F238E27FC236}">
+                <a16:creationId xmlns:a16="http://schemas.microsoft.com/office/drawing/2014/main" id="{152B7C45-2543-4665-BC07-4DB71CA9F337}"/>
+              </a:ext>
+            </a:extLst>
+          </p:cNvPr>
+          <p:cNvCxnSpPr>
+            <a:cxnSpLocks/>
+          </p:cNvCxnSpPr>
+          <p:nvPr/>
+        </p:nvCxnSpPr>
+        <p:spPr>
+          <a:xfrm>
+            <a:off x="9402704" y="465201"/>
+            <a:ext cx="344203" cy="495163"/>
+          </a:xfrm>
+          <a:prstGeom prst="line">
+            <a:avLst/>
+          </a:prstGeom>
+        </p:spPr>
+        <p:style>
+          <a:lnRef idx="3">
+            <a:schemeClr val="dk1"/>
+          </a:lnRef>
+          <a:fillRef idx="0">
+            <a:schemeClr val="dk1"/>
+          </a:fillRef>
+          <a:effectRef idx="2">
+            <a:schemeClr val="dk1"/>
+          </a:effectRef>
+          <a:fontRef idx="minor">
+            <a:schemeClr val="tx1"/>
+          </a:fontRef>
+        </p:style>
+      </p:cxnSp>
+      <p:cxnSp>
+        <p:nvCxnSpPr>
+          <p:cNvPr id="62" name="Connecteur droit 61">
+            <a:extLst>
+              <a:ext uri="{FF2B5EF4-FFF2-40B4-BE49-F238E27FC236}">
+                <a16:creationId xmlns:a16="http://schemas.microsoft.com/office/drawing/2014/main" id="{00A84DC3-A112-46A3-B71C-04D85339323D}"/>
+              </a:ext>
+            </a:extLst>
+          </p:cNvPr>
+          <p:cNvCxnSpPr>
+            <a:cxnSpLocks/>
+          </p:cNvCxnSpPr>
+          <p:nvPr/>
+        </p:nvCxnSpPr>
+        <p:spPr>
+          <a:xfrm flipH="1">
+            <a:off x="11370469" y="448308"/>
+            <a:ext cx="364332" cy="501657"/>
+          </a:xfrm>
+          <a:prstGeom prst="line">
+            <a:avLst/>
+          </a:prstGeom>
+        </p:spPr>
+        <p:style>
+          <a:lnRef idx="3">
+            <a:schemeClr val="dk1"/>
+          </a:lnRef>
+          <a:fillRef idx="0">
+            <a:schemeClr val="dk1"/>
+          </a:fillRef>
+          <a:effectRef idx="2">
+            <a:schemeClr val="dk1"/>
+          </a:effectRef>
+          <a:fontRef idx="minor">
+            <a:schemeClr val="tx1"/>
+          </a:fontRef>
+        </p:style>
+      </p:cxnSp>
+      <p:cxnSp>
+        <p:nvCxnSpPr>
+          <p:cNvPr id="63" name="Connecteur droit 62">
+            <a:extLst>
+              <a:ext uri="{FF2B5EF4-FFF2-40B4-BE49-F238E27FC236}">
+                <a16:creationId xmlns:a16="http://schemas.microsoft.com/office/drawing/2014/main" id="{C50788C6-8F68-44EC-AB54-94C1D2FE554D}"/>
+              </a:ext>
+            </a:extLst>
+          </p:cNvPr>
+          <p:cNvCxnSpPr>
+            <a:cxnSpLocks/>
+          </p:cNvCxnSpPr>
+          <p:nvPr/>
+        </p:nvCxnSpPr>
+        <p:spPr>
+          <a:xfrm>
+            <a:off x="9743203" y="949965"/>
+            <a:ext cx="1627266" cy="0"/>
+          </a:xfrm>
+          <a:prstGeom prst="line">
+            <a:avLst/>
+          </a:prstGeom>
+        </p:spPr>
+        <p:style>
+          <a:lnRef idx="3">
+            <a:schemeClr val="dk1"/>
+          </a:lnRef>
+          <a:fillRef idx="0">
+            <a:schemeClr val="dk1"/>
+          </a:fillRef>
+          <a:effectRef idx="2">
+            <a:schemeClr val="dk1"/>
+          </a:effectRef>
+          <a:fontRef idx="minor">
+            <a:schemeClr val="tx1"/>
+          </a:fontRef>
+        </p:style>
+      </p:cxnSp>
+      <p:cxnSp>
+        <p:nvCxnSpPr>
+          <p:cNvPr id="64" name="Connecteur droit 63">
+            <a:extLst>
+              <a:ext uri="{FF2B5EF4-FFF2-40B4-BE49-F238E27FC236}">
+                <a16:creationId xmlns:a16="http://schemas.microsoft.com/office/drawing/2014/main" id="{BC4D4E5F-5636-45CB-873C-EC085AB307A3}"/>
+              </a:ext>
+            </a:extLst>
+          </p:cNvPr>
+          <p:cNvCxnSpPr>
+            <a:cxnSpLocks/>
+          </p:cNvCxnSpPr>
+          <p:nvPr/>
+        </p:nvCxnSpPr>
+        <p:spPr>
+          <a:xfrm>
+            <a:off x="11715750" y="454801"/>
+            <a:ext cx="476249" cy="10400"/>
+          </a:xfrm>
+          <a:prstGeom prst="line">
+            <a:avLst/>
+          </a:prstGeom>
+        </p:spPr>
+        <p:style>
+          <a:lnRef idx="3">
+            <a:schemeClr val="dk1"/>
+          </a:lnRef>
+          <a:fillRef idx="0">
+            <a:schemeClr val="dk1"/>
+          </a:fillRef>
+          <a:effectRef idx="2">
+            <a:schemeClr val="dk1"/>
+          </a:effectRef>
+          <a:fontRef idx="minor">
+            <a:schemeClr val="tx1"/>
+          </a:fontRef>
+        </p:style>
+      </p:cxnSp>
+      <p:cxnSp>
+        <p:nvCxnSpPr>
+          <p:cNvPr id="65" name="Connecteur droit 64">
+            <a:extLst>
+              <a:ext uri="{FF2B5EF4-FFF2-40B4-BE49-F238E27FC236}">
+                <a16:creationId xmlns:a16="http://schemas.microsoft.com/office/drawing/2014/main" id="{E6F6B4C5-0E3B-46C9-859D-EE774175D36F}"/>
+              </a:ext>
+            </a:extLst>
+          </p:cNvPr>
+          <p:cNvCxnSpPr>
+            <a:cxnSpLocks/>
+          </p:cNvCxnSpPr>
+          <p:nvPr/>
+        </p:nvCxnSpPr>
+        <p:spPr>
+          <a:xfrm flipH="1">
+            <a:off x="2216372" y="446356"/>
+            <a:ext cx="364332" cy="501657"/>
+          </a:xfrm>
+          <a:prstGeom prst="line">
+            <a:avLst/>
+          </a:prstGeom>
+        </p:spPr>
+        <p:style>
+          <a:lnRef idx="3">
+            <a:schemeClr val="dk1"/>
+          </a:lnRef>
+          <a:fillRef idx="0">
+            <a:schemeClr val="dk1"/>
+          </a:fillRef>
+          <a:effectRef idx="2">
+            <a:schemeClr val="dk1"/>
+          </a:effectRef>
+          <a:fontRef idx="minor">
+            <a:schemeClr val="tx1"/>
+          </a:fontRef>
+        </p:style>
+      </p:cxnSp>
+      <p:sp>
+        <p:nvSpPr>
+          <p:cNvPr id="2" name="ZoneTexte 1">
+            <a:extLst>
+              <a:ext uri="{FF2B5EF4-FFF2-40B4-BE49-F238E27FC236}">
+                <a16:creationId xmlns:a16="http://schemas.microsoft.com/office/drawing/2014/main" id="{27396238-7A76-4B8F-981D-280A71EC12F4}"/>
+              </a:ext>
+            </a:extLst>
+          </p:cNvPr>
+          <p:cNvSpPr txBox="1"/>
+          <p:nvPr/>
+        </p:nvSpPr>
+        <p:spPr>
+          <a:xfrm>
+            <a:off x="2941888" y="518915"/>
+            <a:ext cx="6281999" cy="769441"/>
+          </a:xfrm>
+          <a:prstGeom prst="rect">
+            <a:avLst/>
+          </a:prstGeom>
+          <a:noFill/>
+        </p:spPr>
+        <p:txBody>
+          <a:bodyPr wrap="square" rtlCol="0">
+            <a:spAutoFit/>
+          </a:bodyPr>
+          <a:lstStyle/>
+          <a:p>
+            <a:r>
+              <a:rPr lang="fr-FR" sz="4400" dirty="0">
+                <a:latin typeface="Berlin Sans FB" panose="020E0602020502020306" pitchFamily="34" charset="0"/>
+              </a:rPr>
+              <a:t>Diagramme de bloc</a:t>
+            </a:r>
+          </a:p>
+        </p:txBody>
+      </p:sp>
+      <p:pic>
+        <p:nvPicPr>
+          <p:cNvPr id="4" name="Image 3">
+            <a:extLst>
+              <a:ext uri="{FF2B5EF4-FFF2-40B4-BE49-F238E27FC236}">
+                <a16:creationId xmlns:a16="http://schemas.microsoft.com/office/drawing/2014/main" id="{7E60C251-29D0-4848-8D5B-5DB9F0C6EC10}"/>
+              </a:ext>
+            </a:extLst>
+          </p:cNvPr>
+          <p:cNvPicPr>
+            <a:picLocks noChangeAspect="1"/>
+          </p:cNvPicPr>
+          <p:nvPr/>
+        </p:nvPicPr>
+        <p:blipFill>
+          <a:blip r:embed="rId4">
+            <a:extLst>
+              <a:ext uri="{28A0092B-C50C-407E-A947-70E740481C1C}">
+                <a14:useLocalDpi xmlns:a14="http://schemas.microsoft.com/office/drawing/2010/main" val="0"/>
+              </a:ext>
+            </a:extLst>
+          </a:blip>
+          <a:stretch>
+            <a:fillRect/>
+          </a:stretch>
+        </p:blipFill>
+        <p:spPr>
+          <a:xfrm>
+            <a:off x="2216372" y="1342070"/>
+            <a:ext cx="6658935" cy="5269717"/>
+          </a:xfrm>
+          <a:prstGeom prst="rect">
+            <a:avLst/>
+          </a:prstGeom>
+        </p:spPr>
+      </p:pic>
+    </p:spTree>
+    <p:extLst>
+      <p:ext uri="{BB962C8B-B14F-4D97-AF65-F5344CB8AC3E}">
+        <p14:creationId xmlns:p14="http://schemas.microsoft.com/office/powerpoint/2010/main" val="1093378480"/>
+      </p:ext>
+    </p:extLst>
+  </p:cSld>
+  <p:clrMapOvr>
+    <a:masterClrMapping/>
+  </p:clrMapOvr>
+  <mc:AlternateContent xmlns:mc="http://schemas.openxmlformats.org/markup-compatibility/2006" xmlns:p14="http://schemas.microsoft.com/office/powerpoint/2010/main">
+    <mc:Choice Requires="p14">
+      <p:transition spd="slow">
+        <p14:reveal/>
+      </p:transition>
+    </mc:Choice>
+    <mc:Fallback xmlns="">
+      <p:transition spd="slow">
         <p:fade/>
       </p:transition>
     </mc:Fallback>

--- a/oral_projet/revue_2/diaporama_revue_2_samuel.pptx
+++ b/oral_projet/revue_2/diaporama_revue_2_samuel.pptx
@@ -5,7 +5,7 @@
     <p:sldMasterId id="2147483648" r:id="rId1"/>
   </p:sldMasterIdLst>
   <p:notesMasterIdLst>
-    <p:notesMasterId r:id="rId15"/>
+    <p:notesMasterId r:id="rId16"/>
   </p:notesMasterIdLst>
   <p:sldIdLst>
     <p:sldId id="256" r:id="rId2"/>
@@ -17,10 +17,11 @@
     <p:sldId id="266" r:id="rId8"/>
     <p:sldId id="270" r:id="rId9"/>
     <p:sldId id="271" r:id="rId10"/>
-    <p:sldId id="264" r:id="rId11"/>
-    <p:sldId id="269" r:id="rId12"/>
-    <p:sldId id="268" r:id="rId13"/>
-    <p:sldId id="267" r:id="rId14"/>
+    <p:sldId id="272" r:id="rId11"/>
+    <p:sldId id="264" r:id="rId12"/>
+    <p:sldId id="269" r:id="rId13"/>
+    <p:sldId id="268" r:id="rId14"/>
+    <p:sldId id="267" r:id="rId15"/>
   </p:sldIdLst>
   <p:sldSz cx="12192000" cy="6858000"/>
   <p:notesSz cx="6858000" cy="9144000"/>
@@ -4965,10 +4966,451 @@
           </a:fontRef>
         </p:style>
       </p:cxnSp>
+      <p:pic>
+        <p:nvPicPr>
+          <p:cNvPr id="57" name="Image 56">
+            <a:extLst>
+              <a:ext uri="{FF2B5EF4-FFF2-40B4-BE49-F238E27FC236}">
+                <a16:creationId xmlns:a16="http://schemas.microsoft.com/office/drawing/2014/main" id="{12B16FB2-5844-4B92-AE69-9BAC858C22BB}"/>
+              </a:ext>
+            </a:extLst>
+          </p:cNvPr>
+          <p:cNvPicPr>
+            <a:picLocks noChangeAspect="1"/>
+          </p:cNvPicPr>
+          <p:nvPr/>
+        </p:nvPicPr>
+        <p:blipFill>
+          <a:blip r:embed="rId3">
+            <a:extLst>
+              <a:ext uri="{28A0092B-C50C-407E-A947-70E740481C1C}">
+                <a14:useLocalDpi xmlns:a14="http://schemas.microsoft.com/office/drawing/2010/main" val="0"/>
+              </a:ext>
+            </a:extLst>
+          </a:blip>
+          <a:stretch>
+            <a:fillRect/>
+          </a:stretch>
+        </p:blipFill>
+        <p:spPr>
+          <a:xfrm>
+            <a:off x="9681085" y="238153"/>
+            <a:ext cx="1802101" cy="569807"/>
+          </a:xfrm>
+          <a:prstGeom prst="rect">
+            <a:avLst/>
+          </a:prstGeom>
+        </p:spPr>
+      </p:pic>
+      <p:cxnSp>
+        <p:nvCxnSpPr>
+          <p:cNvPr id="58" name="Connecteur droit 57">
+            <a:extLst>
+              <a:ext uri="{FF2B5EF4-FFF2-40B4-BE49-F238E27FC236}">
+                <a16:creationId xmlns:a16="http://schemas.microsoft.com/office/drawing/2014/main" id="{01599350-F8B0-4FDC-B003-981189A8D654}"/>
+              </a:ext>
+            </a:extLst>
+          </p:cNvPr>
+          <p:cNvCxnSpPr>
+            <a:cxnSpLocks/>
+          </p:cNvCxnSpPr>
+          <p:nvPr/>
+        </p:nvCxnSpPr>
+        <p:spPr>
+          <a:xfrm>
+            <a:off x="2573222" y="454803"/>
+            <a:ext cx="6829482" cy="10398"/>
+          </a:xfrm>
+          <a:prstGeom prst="line">
+            <a:avLst/>
+          </a:prstGeom>
+        </p:spPr>
+        <p:style>
+          <a:lnRef idx="3">
+            <a:schemeClr val="dk1"/>
+          </a:lnRef>
+          <a:fillRef idx="0">
+            <a:schemeClr val="dk1"/>
+          </a:fillRef>
+          <a:effectRef idx="2">
+            <a:schemeClr val="dk1"/>
+          </a:effectRef>
+          <a:fontRef idx="minor">
+            <a:schemeClr val="tx1"/>
+          </a:fontRef>
+        </p:style>
+      </p:cxnSp>
+      <p:cxnSp>
+        <p:nvCxnSpPr>
+          <p:cNvPr id="59" name="Connecteur droit 58">
+            <a:extLst>
+              <a:ext uri="{FF2B5EF4-FFF2-40B4-BE49-F238E27FC236}">
+                <a16:creationId xmlns:a16="http://schemas.microsoft.com/office/drawing/2014/main" id="{BC6E6150-6054-4785-84EC-0C46D82034C2}"/>
+              </a:ext>
+            </a:extLst>
+          </p:cNvPr>
+          <p:cNvCxnSpPr>
+            <a:cxnSpLocks/>
+          </p:cNvCxnSpPr>
+          <p:nvPr/>
+        </p:nvCxnSpPr>
+        <p:spPr>
+          <a:xfrm>
+            <a:off x="738231" y="454803"/>
+            <a:ext cx="344203" cy="484764"/>
+          </a:xfrm>
+          <a:prstGeom prst="line">
+            <a:avLst/>
+          </a:prstGeom>
+        </p:spPr>
+        <p:style>
+          <a:lnRef idx="3">
+            <a:schemeClr val="dk1"/>
+          </a:lnRef>
+          <a:fillRef idx="0">
+            <a:schemeClr val="dk1"/>
+          </a:fillRef>
+          <a:effectRef idx="2">
+            <a:schemeClr val="dk1"/>
+          </a:effectRef>
+          <a:fontRef idx="minor">
+            <a:schemeClr val="tx1"/>
+          </a:fontRef>
+        </p:style>
+      </p:cxnSp>
+      <p:cxnSp>
+        <p:nvCxnSpPr>
+          <p:cNvPr id="60" name="Connecteur droit 59">
+            <a:extLst>
+              <a:ext uri="{FF2B5EF4-FFF2-40B4-BE49-F238E27FC236}">
+                <a16:creationId xmlns:a16="http://schemas.microsoft.com/office/drawing/2014/main" id="{CBC9961A-8EC2-4287-A398-BCA4138D409D}"/>
+              </a:ext>
+            </a:extLst>
+          </p:cNvPr>
+          <p:cNvCxnSpPr>
+            <a:cxnSpLocks/>
+          </p:cNvCxnSpPr>
+          <p:nvPr/>
+        </p:nvCxnSpPr>
+        <p:spPr>
+          <a:xfrm>
+            <a:off x="1082434" y="938268"/>
+            <a:ext cx="1146585" cy="0"/>
+          </a:xfrm>
+          <a:prstGeom prst="line">
+            <a:avLst/>
+          </a:prstGeom>
+        </p:spPr>
+        <p:style>
+          <a:lnRef idx="3">
+            <a:schemeClr val="dk1"/>
+          </a:lnRef>
+          <a:fillRef idx="0">
+            <a:schemeClr val="dk1"/>
+          </a:fillRef>
+          <a:effectRef idx="2">
+            <a:schemeClr val="dk1"/>
+          </a:effectRef>
+          <a:fontRef idx="minor">
+            <a:schemeClr val="tx1"/>
+          </a:fontRef>
+        </p:style>
+      </p:cxnSp>
+      <p:cxnSp>
+        <p:nvCxnSpPr>
+          <p:cNvPr id="61" name="Connecteur droit 60">
+            <a:extLst>
+              <a:ext uri="{FF2B5EF4-FFF2-40B4-BE49-F238E27FC236}">
+                <a16:creationId xmlns:a16="http://schemas.microsoft.com/office/drawing/2014/main" id="{152B7C45-2543-4665-BC07-4DB71CA9F337}"/>
+              </a:ext>
+            </a:extLst>
+          </p:cNvPr>
+          <p:cNvCxnSpPr>
+            <a:cxnSpLocks/>
+          </p:cNvCxnSpPr>
+          <p:nvPr/>
+        </p:nvCxnSpPr>
+        <p:spPr>
+          <a:xfrm>
+            <a:off x="9402704" y="465201"/>
+            <a:ext cx="344203" cy="495163"/>
+          </a:xfrm>
+          <a:prstGeom prst="line">
+            <a:avLst/>
+          </a:prstGeom>
+        </p:spPr>
+        <p:style>
+          <a:lnRef idx="3">
+            <a:schemeClr val="dk1"/>
+          </a:lnRef>
+          <a:fillRef idx="0">
+            <a:schemeClr val="dk1"/>
+          </a:fillRef>
+          <a:effectRef idx="2">
+            <a:schemeClr val="dk1"/>
+          </a:effectRef>
+          <a:fontRef idx="minor">
+            <a:schemeClr val="tx1"/>
+          </a:fontRef>
+        </p:style>
+      </p:cxnSp>
+      <p:cxnSp>
+        <p:nvCxnSpPr>
+          <p:cNvPr id="62" name="Connecteur droit 61">
+            <a:extLst>
+              <a:ext uri="{FF2B5EF4-FFF2-40B4-BE49-F238E27FC236}">
+                <a16:creationId xmlns:a16="http://schemas.microsoft.com/office/drawing/2014/main" id="{00A84DC3-A112-46A3-B71C-04D85339323D}"/>
+              </a:ext>
+            </a:extLst>
+          </p:cNvPr>
+          <p:cNvCxnSpPr>
+            <a:cxnSpLocks/>
+          </p:cNvCxnSpPr>
+          <p:nvPr/>
+        </p:nvCxnSpPr>
+        <p:spPr>
+          <a:xfrm flipH="1">
+            <a:off x="11370469" y="448308"/>
+            <a:ext cx="364332" cy="501657"/>
+          </a:xfrm>
+          <a:prstGeom prst="line">
+            <a:avLst/>
+          </a:prstGeom>
+        </p:spPr>
+        <p:style>
+          <a:lnRef idx="3">
+            <a:schemeClr val="dk1"/>
+          </a:lnRef>
+          <a:fillRef idx="0">
+            <a:schemeClr val="dk1"/>
+          </a:fillRef>
+          <a:effectRef idx="2">
+            <a:schemeClr val="dk1"/>
+          </a:effectRef>
+          <a:fontRef idx="minor">
+            <a:schemeClr val="tx1"/>
+          </a:fontRef>
+        </p:style>
+      </p:cxnSp>
+      <p:cxnSp>
+        <p:nvCxnSpPr>
+          <p:cNvPr id="63" name="Connecteur droit 62">
+            <a:extLst>
+              <a:ext uri="{FF2B5EF4-FFF2-40B4-BE49-F238E27FC236}">
+                <a16:creationId xmlns:a16="http://schemas.microsoft.com/office/drawing/2014/main" id="{C50788C6-8F68-44EC-AB54-94C1D2FE554D}"/>
+              </a:ext>
+            </a:extLst>
+          </p:cNvPr>
+          <p:cNvCxnSpPr>
+            <a:cxnSpLocks/>
+          </p:cNvCxnSpPr>
+          <p:nvPr/>
+        </p:nvCxnSpPr>
+        <p:spPr>
+          <a:xfrm>
+            <a:off x="9743203" y="949965"/>
+            <a:ext cx="1627266" cy="0"/>
+          </a:xfrm>
+          <a:prstGeom prst="line">
+            <a:avLst/>
+          </a:prstGeom>
+        </p:spPr>
+        <p:style>
+          <a:lnRef idx="3">
+            <a:schemeClr val="dk1"/>
+          </a:lnRef>
+          <a:fillRef idx="0">
+            <a:schemeClr val="dk1"/>
+          </a:fillRef>
+          <a:effectRef idx="2">
+            <a:schemeClr val="dk1"/>
+          </a:effectRef>
+          <a:fontRef idx="minor">
+            <a:schemeClr val="tx1"/>
+          </a:fontRef>
+        </p:style>
+      </p:cxnSp>
+      <p:cxnSp>
+        <p:nvCxnSpPr>
+          <p:cNvPr id="64" name="Connecteur droit 63">
+            <a:extLst>
+              <a:ext uri="{FF2B5EF4-FFF2-40B4-BE49-F238E27FC236}">
+                <a16:creationId xmlns:a16="http://schemas.microsoft.com/office/drawing/2014/main" id="{BC4D4E5F-5636-45CB-873C-EC085AB307A3}"/>
+              </a:ext>
+            </a:extLst>
+          </p:cNvPr>
+          <p:cNvCxnSpPr>
+            <a:cxnSpLocks/>
+          </p:cNvCxnSpPr>
+          <p:nvPr/>
+        </p:nvCxnSpPr>
+        <p:spPr>
+          <a:xfrm>
+            <a:off x="11715750" y="454801"/>
+            <a:ext cx="476249" cy="10400"/>
+          </a:xfrm>
+          <a:prstGeom prst="line">
+            <a:avLst/>
+          </a:prstGeom>
+        </p:spPr>
+        <p:style>
+          <a:lnRef idx="3">
+            <a:schemeClr val="dk1"/>
+          </a:lnRef>
+          <a:fillRef idx="0">
+            <a:schemeClr val="dk1"/>
+          </a:fillRef>
+          <a:effectRef idx="2">
+            <a:schemeClr val="dk1"/>
+          </a:effectRef>
+          <a:fontRef idx="minor">
+            <a:schemeClr val="tx1"/>
+          </a:fontRef>
+        </p:style>
+      </p:cxnSp>
+      <p:cxnSp>
+        <p:nvCxnSpPr>
+          <p:cNvPr id="65" name="Connecteur droit 64">
+            <a:extLst>
+              <a:ext uri="{FF2B5EF4-FFF2-40B4-BE49-F238E27FC236}">
+                <a16:creationId xmlns:a16="http://schemas.microsoft.com/office/drawing/2014/main" id="{E6F6B4C5-0E3B-46C9-859D-EE774175D36F}"/>
+              </a:ext>
+            </a:extLst>
+          </p:cNvPr>
+          <p:cNvCxnSpPr>
+            <a:cxnSpLocks/>
+          </p:cNvCxnSpPr>
+          <p:nvPr/>
+        </p:nvCxnSpPr>
+        <p:spPr>
+          <a:xfrm flipH="1">
+            <a:off x="2216372" y="446356"/>
+            <a:ext cx="364332" cy="501657"/>
+          </a:xfrm>
+          <a:prstGeom prst="line">
+            <a:avLst/>
+          </a:prstGeom>
+        </p:spPr>
+        <p:style>
+          <a:lnRef idx="3">
+            <a:schemeClr val="dk1"/>
+          </a:lnRef>
+          <a:fillRef idx="0">
+            <a:schemeClr val="dk1"/>
+          </a:fillRef>
+          <a:effectRef idx="2">
+            <a:schemeClr val="dk1"/>
+          </a:effectRef>
+          <a:fontRef idx="minor">
+            <a:schemeClr val="tx1"/>
+          </a:fontRef>
+        </p:style>
+      </p:cxnSp>
+      <p:sp>
+        <p:nvSpPr>
+          <p:cNvPr id="2" name="ZoneTexte 1">
+            <a:extLst>
+              <a:ext uri="{FF2B5EF4-FFF2-40B4-BE49-F238E27FC236}">
+                <a16:creationId xmlns:a16="http://schemas.microsoft.com/office/drawing/2014/main" id="{27396238-7A76-4B8F-981D-280A71EC12F4}"/>
+              </a:ext>
+            </a:extLst>
+          </p:cNvPr>
+          <p:cNvSpPr txBox="1"/>
+          <p:nvPr/>
+        </p:nvSpPr>
+        <p:spPr>
+          <a:xfrm>
+            <a:off x="3228837" y="553547"/>
+            <a:ext cx="4675598" cy="769441"/>
+          </a:xfrm>
+          <a:prstGeom prst="rect">
+            <a:avLst/>
+          </a:prstGeom>
+          <a:noFill/>
+        </p:spPr>
+        <p:txBody>
+          <a:bodyPr wrap="square" rtlCol="0">
+            <a:spAutoFit/>
+          </a:bodyPr>
+          <a:lstStyle/>
+          <a:p>
+            <a:pPr marL="0" marR="0" lvl="0" indent="0" algn="l" defTabSz="914400" rtl="0" eaLnBrk="1" fontAlgn="auto" latinLnBrk="0" hangingPunct="1">
+              <a:lnSpc>
+                <a:spcPct val="100000"/>
+              </a:lnSpc>
+              <a:spcBef>
+                <a:spcPts val="0"/>
+              </a:spcBef>
+              <a:spcAft>
+                <a:spcPts val="0"/>
+              </a:spcAft>
+              <a:buClrTx/>
+              <a:buSzTx/>
+              <a:buFontTx/>
+              <a:buNone/>
+              <a:tabLst/>
+              <a:defRPr/>
+            </a:pPr>
+            <a:r>
+              <a:rPr kumimoji="0" lang="fr-FR" sz="4400" b="0" i="0" u="none" strike="noStrike" kern="1200" cap="none" spc="0" normalizeH="0" baseline="0" noProof="0" dirty="0">
+                <a:ln>
+                  <a:noFill/>
+                </a:ln>
+                <a:solidFill>
+                  <a:prstClr val="black"/>
+                </a:solidFill>
+                <a:effectLst/>
+                <a:uLnTx/>
+                <a:uFillTx/>
+                <a:latin typeface="Berlin Sans FB" panose="020E0602020502020306" pitchFamily="34" charset="0"/>
+                <a:ea typeface="+mn-ea"/>
+                <a:cs typeface="+mn-cs"/>
+              </a:rPr>
+              <a:t>Base de données</a:t>
+            </a:r>
+          </a:p>
+        </p:txBody>
+      </p:sp>
+      <p:pic>
+        <p:nvPicPr>
+          <p:cNvPr id="4" name="Image 3">
+            <a:extLst>
+              <a:ext uri="{FF2B5EF4-FFF2-40B4-BE49-F238E27FC236}">
+                <a16:creationId xmlns:a16="http://schemas.microsoft.com/office/drawing/2014/main" id="{8B26BEA2-EF2C-479A-B8FC-3E647E6B0735}"/>
+              </a:ext>
+            </a:extLst>
+          </p:cNvPr>
+          <p:cNvPicPr>
+            <a:picLocks noChangeAspect="1"/>
+          </p:cNvPicPr>
+          <p:nvPr/>
+        </p:nvPicPr>
+        <p:blipFill>
+          <a:blip r:embed="rId4">
+            <a:extLst>
+              <a:ext uri="{28A0092B-C50C-407E-A947-70E740481C1C}">
+                <a14:useLocalDpi xmlns:a14="http://schemas.microsoft.com/office/drawing/2010/main" val="0"/>
+              </a:ext>
+            </a:extLst>
+          </a:blip>
+          <a:stretch>
+            <a:fillRect/>
+          </a:stretch>
+        </p:blipFill>
+        <p:spPr>
+          <a:xfrm>
+            <a:off x="1487085" y="1464993"/>
+            <a:ext cx="10145003" cy="5253048"/>
+          </a:xfrm>
+          <a:prstGeom prst="rect">
+            <a:avLst/>
+          </a:prstGeom>
+        </p:spPr>
+      </p:pic>
     </p:spTree>
     <p:extLst>
       <p:ext uri="{BB962C8B-B14F-4D97-AF65-F5344CB8AC3E}">
-        <p14:creationId xmlns:p14="http://schemas.microsoft.com/office/powerpoint/2010/main" val="2169865702"/>
+        <p14:creationId xmlns:p14="http://schemas.microsoft.com/office/powerpoint/2010/main" val="3188051435"/>
       </p:ext>
     </p:extLst>
   </p:cSld>
@@ -4977,12 +5419,12 @@
   </p:clrMapOvr>
   <mc:AlternateContent xmlns:mc="http://schemas.openxmlformats.org/markup-compatibility/2006" xmlns:p14="http://schemas.microsoft.com/office/powerpoint/2010/main">
     <mc:Choice Requires="p14">
-      <p:transition spd="med">
+      <p:transition spd="slow">
         <p14:reveal/>
       </p:transition>
     </mc:Choice>
     <mc:Fallback xmlns="">
-      <p:transition spd="med">
+      <p:transition spd="slow">
         <p:fade/>
       </p:transition>
     </mc:Fallback>
@@ -5424,7 +5866,7 @@
     </p:spTree>
     <p:extLst>
       <p:ext uri="{BB962C8B-B14F-4D97-AF65-F5344CB8AC3E}">
-        <p14:creationId xmlns:p14="http://schemas.microsoft.com/office/powerpoint/2010/main" val="3107743777"/>
+        <p14:creationId xmlns:p14="http://schemas.microsoft.com/office/powerpoint/2010/main" val="2169865702"/>
       </p:ext>
     </p:extLst>
   </p:cSld>
@@ -5880,6 +6322,462 @@
     </p:spTree>
     <p:extLst>
       <p:ext uri="{BB962C8B-B14F-4D97-AF65-F5344CB8AC3E}">
+        <p14:creationId xmlns:p14="http://schemas.microsoft.com/office/powerpoint/2010/main" val="3107743777"/>
+      </p:ext>
+    </p:extLst>
+  </p:cSld>
+  <p:clrMapOvr>
+    <a:masterClrMapping/>
+  </p:clrMapOvr>
+  <mc:AlternateContent xmlns:mc="http://schemas.openxmlformats.org/markup-compatibility/2006" xmlns:p14="http://schemas.microsoft.com/office/powerpoint/2010/main">
+    <mc:Choice Requires="p14">
+      <p:transition spd="med">
+        <p14:reveal/>
+      </p:transition>
+    </mc:Choice>
+    <mc:Fallback xmlns="">
+      <p:transition spd="med">
+        <p:fade/>
+      </p:transition>
+    </mc:Fallback>
+  </mc:AlternateContent>
+</p:sld>
+</file>
+
+<file path=ppt/slides/slide13.xml><?xml version="1.0" encoding="utf-8"?>
+<p:sld xmlns:a="http://schemas.openxmlformats.org/drawingml/2006/main" xmlns:r="http://schemas.openxmlformats.org/officeDocument/2006/relationships" xmlns:p="http://schemas.openxmlformats.org/presentationml/2006/main">
+  <p:cSld>
+    <p:spTree>
+      <p:nvGrpSpPr>
+        <p:cNvPr id="1" name=""/>
+        <p:cNvGrpSpPr/>
+        <p:nvPr/>
+      </p:nvGrpSpPr>
+      <p:grpSpPr>
+        <a:xfrm>
+          <a:off x="0" y="0"/>
+          <a:ext cx="0" cy="0"/>
+          <a:chOff x="0" y="0"/>
+          <a:chExt cx="0" cy="0"/>
+        </a:xfrm>
+      </p:grpSpPr>
+      <p:pic>
+        <p:nvPicPr>
+          <p:cNvPr id="8" name="Image 7">
+            <a:extLst>
+              <a:ext uri="{FF2B5EF4-FFF2-40B4-BE49-F238E27FC236}">
+                <a16:creationId xmlns:a16="http://schemas.microsoft.com/office/drawing/2014/main" id="{2BB825C5-31DA-4A56-85EA-536DBF510A31}"/>
+              </a:ext>
+            </a:extLst>
+          </p:cNvPr>
+          <p:cNvPicPr>
+            <a:picLocks noChangeAspect="1"/>
+          </p:cNvPicPr>
+          <p:nvPr/>
+        </p:nvPicPr>
+        <p:blipFill>
+          <a:blip r:embed="rId2">
+            <a:extLst>
+              <a:ext uri="{28A0092B-C50C-407E-A947-70E740481C1C}">
+                <a14:useLocalDpi xmlns:a14="http://schemas.microsoft.com/office/drawing/2010/main" val="0"/>
+              </a:ext>
+            </a:extLst>
+          </a:blip>
+          <a:stretch>
+            <a:fillRect/>
+          </a:stretch>
+        </p:blipFill>
+        <p:spPr>
+          <a:xfrm>
+            <a:off x="1068751" y="66457"/>
+            <a:ext cx="1259497" cy="776690"/>
+          </a:xfrm>
+          <a:prstGeom prst="rect">
+            <a:avLst/>
+          </a:prstGeom>
+        </p:spPr>
+      </p:pic>
+      <p:pic>
+        <p:nvPicPr>
+          <p:cNvPr id="10" name="Image 9">
+            <a:extLst>
+              <a:ext uri="{FF2B5EF4-FFF2-40B4-BE49-F238E27FC236}">
+                <a16:creationId xmlns:a16="http://schemas.microsoft.com/office/drawing/2014/main" id="{8EE7436F-49F2-41E0-93E4-D247B4705294}"/>
+              </a:ext>
+            </a:extLst>
+          </p:cNvPr>
+          <p:cNvPicPr>
+            <a:picLocks noChangeAspect="1"/>
+          </p:cNvPicPr>
+          <p:nvPr/>
+        </p:nvPicPr>
+        <p:blipFill>
+          <a:blip r:embed="rId3">
+            <a:extLst>
+              <a:ext uri="{28A0092B-C50C-407E-A947-70E740481C1C}">
+                <a14:useLocalDpi xmlns:a14="http://schemas.microsoft.com/office/drawing/2010/main" val="0"/>
+              </a:ext>
+            </a:extLst>
+          </a:blip>
+          <a:stretch>
+            <a:fillRect/>
+          </a:stretch>
+        </p:blipFill>
+        <p:spPr>
+          <a:xfrm>
+            <a:off x="9681085" y="238153"/>
+            <a:ext cx="1802101" cy="569807"/>
+          </a:xfrm>
+          <a:prstGeom prst="rect">
+            <a:avLst/>
+          </a:prstGeom>
+        </p:spPr>
+      </p:pic>
+      <p:cxnSp>
+        <p:nvCxnSpPr>
+          <p:cNvPr id="16" name="Connecteur droit 15">
+            <a:extLst>
+              <a:ext uri="{FF2B5EF4-FFF2-40B4-BE49-F238E27FC236}">
+                <a16:creationId xmlns:a16="http://schemas.microsoft.com/office/drawing/2014/main" id="{7319284A-BD6F-4A96-8E2B-E0A4B52E53C6}"/>
+              </a:ext>
+            </a:extLst>
+          </p:cNvPr>
+          <p:cNvCxnSpPr>
+            <a:cxnSpLocks/>
+          </p:cNvCxnSpPr>
+          <p:nvPr/>
+        </p:nvCxnSpPr>
+        <p:spPr>
+          <a:xfrm flipV="1">
+            <a:off x="0" y="454803"/>
+            <a:ext cx="738231" cy="1798"/>
+          </a:xfrm>
+          <a:prstGeom prst="line">
+            <a:avLst/>
+          </a:prstGeom>
+        </p:spPr>
+        <p:style>
+          <a:lnRef idx="3">
+            <a:schemeClr val="dk1"/>
+          </a:lnRef>
+          <a:fillRef idx="0">
+            <a:schemeClr val="dk1"/>
+          </a:fillRef>
+          <a:effectRef idx="2">
+            <a:schemeClr val="dk1"/>
+          </a:effectRef>
+          <a:fontRef idx="minor">
+            <a:schemeClr val="tx1"/>
+          </a:fontRef>
+        </p:style>
+      </p:cxnSp>
+      <p:cxnSp>
+        <p:nvCxnSpPr>
+          <p:cNvPr id="20" name="Connecteur droit 19">
+            <a:extLst>
+              <a:ext uri="{FF2B5EF4-FFF2-40B4-BE49-F238E27FC236}">
+                <a16:creationId xmlns:a16="http://schemas.microsoft.com/office/drawing/2014/main" id="{08874CF7-F149-4C81-B61E-74E18342BA8A}"/>
+              </a:ext>
+            </a:extLst>
+          </p:cNvPr>
+          <p:cNvCxnSpPr>
+            <a:cxnSpLocks/>
+          </p:cNvCxnSpPr>
+          <p:nvPr/>
+        </p:nvCxnSpPr>
+        <p:spPr>
+          <a:xfrm>
+            <a:off x="2573222" y="454803"/>
+            <a:ext cx="6829482" cy="10398"/>
+          </a:xfrm>
+          <a:prstGeom prst="line">
+            <a:avLst/>
+          </a:prstGeom>
+        </p:spPr>
+        <p:style>
+          <a:lnRef idx="3">
+            <a:schemeClr val="dk1"/>
+          </a:lnRef>
+          <a:fillRef idx="0">
+            <a:schemeClr val="dk1"/>
+          </a:fillRef>
+          <a:effectRef idx="2">
+            <a:schemeClr val="dk1"/>
+          </a:effectRef>
+          <a:fontRef idx="minor">
+            <a:schemeClr val="tx1"/>
+          </a:fontRef>
+        </p:style>
+      </p:cxnSp>
+      <p:cxnSp>
+        <p:nvCxnSpPr>
+          <p:cNvPr id="26" name="Connecteur droit 25">
+            <a:extLst>
+              <a:ext uri="{FF2B5EF4-FFF2-40B4-BE49-F238E27FC236}">
+                <a16:creationId xmlns:a16="http://schemas.microsoft.com/office/drawing/2014/main" id="{BB3B35CC-057B-48C1-880F-3306A6559175}"/>
+              </a:ext>
+            </a:extLst>
+          </p:cNvPr>
+          <p:cNvCxnSpPr>
+            <a:cxnSpLocks/>
+          </p:cNvCxnSpPr>
+          <p:nvPr/>
+        </p:nvCxnSpPr>
+        <p:spPr>
+          <a:xfrm>
+            <a:off x="738231" y="454803"/>
+            <a:ext cx="344203" cy="484764"/>
+          </a:xfrm>
+          <a:prstGeom prst="line">
+            <a:avLst/>
+          </a:prstGeom>
+        </p:spPr>
+        <p:style>
+          <a:lnRef idx="3">
+            <a:schemeClr val="dk1"/>
+          </a:lnRef>
+          <a:fillRef idx="0">
+            <a:schemeClr val="dk1"/>
+          </a:fillRef>
+          <a:effectRef idx="2">
+            <a:schemeClr val="dk1"/>
+          </a:effectRef>
+          <a:fontRef idx="minor">
+            <a:schemeClr val="tx1"/>
+          </a:fontRef>
+        </p:style>
+      </p:cxnSp>
+      <p:cxnSp>
+        <p:nvCxnSpPr>
+          <p:cNvPr id="32" name="Connecteur droit 31">
+            <a:extLst>
+              <a:ext uri="{FF2B5EF4-FFF2-40B4-BE49-F238E27FC236}">
+                <a16:creationId xmlns:a16="http://schemas.microsoft.com/office/drawing/2014/main" id="{4AD96496-1EB6-4E48-9BB2-5C255495C686}"/>
+              </a:ext>
+            </a:extLst>
+          </p:cNvPr>
+          <p:cNvCxnSpPr>
+            <a:cxnSpLocks/>
+          </p:cNvCxnSpPr>
+          <p:nvPr/>
+        </p:nvCxnSpPr>
+        <p:spPr>
+          <a:xfrm>
+            <a:off x="1082434" y="938268"/>
+            <a:ext cx="1146585" cy="0"/>
+          </a:xfrm>
+          <a:prstGeom prst="line">
+            <a:avLst/>
+          </a:prstGeom>
+        </p:spPr>
+        <p:style>
+          <a:lnRef idx="3">
+            <a:schemeClr val="dk1"/>
+          </a:lnRef>
+          <a:fillRef idx="0">
+            <a:schemeClr val="dk1"/>
+          </a:fillRef>
+          <a:effectRef idx="2">
+            <a:schemeClr val="dk1"/>
+          </a:effectRef>
+          <a:fontRef idx="minor">
+            <a:schemeClr val="tx1"/>
+          </a:fontRef>
+        </p:style>
+      </p:cxnSp>
+      <p:cxnSp>
+        <p:nvCxnSpPr>
+          <p:cNvPr id="51" name="Connecteur droit 50">
+            <a:extLst>
+              <a:ext uri="{FF2B5EF4-FFF2-40B4-BE49-F238E27FC236}">
+                <a16:creationId xmlns:a16="http://schemas.microsoft.com/office/drawing/2014/main" id="{C035BFA6-ECBF-4775-BA81-19D2CA41AA8D}"/>
+              </a:ext>
+            </a:extLst>
+          </p:cNvPr>
+          <p:cNvCxnSpPr>
+            <a:cxnSpLocks/>
+          </p:cNvCxnSpPr>
+          <p:nvPr/>
+        </p:nvCxnSpPr>
+        <p:spPr>
+          <a:xfrm>
+            <a:off x="9402704" y="465201"/>
+            <a:ext cx="344203" cy="495163"/>
+          </a:xfrm>
+          <a:prstGeom prst="line">
+            <a:avLst/>
+          </a:prstGeom>
+        </p:spPr>
+        <p:style>
+          <a:lnRef idx="3">
+            <a:schemeClr val="dk1"/>
+          </a:lnRef>
+          <a:fillRef idx="0">
+            <a:schemeClr val="dk1"/>
+          </a:fillRef>
+          <a:effectRef idx="2">
+            <a:schemeClr val="dk1"/>
+          </a:effectRef>
+          <a:fontRef idx="minor">
+            <a:schemeClr val="tx1"/>
+          </a:fontRef>
+        </p:style>
+      </p:cxnSp>
+      <p:cxnSp>
+        <p:nvCxnSpPr>
+          <p:cNvPr id="52" name="Connecteur droit 51">
+            <a:extLst>
+              <a:ext uri="{FF2B5EF4-FFF2-40B4-BE49-F238E27FC236}">
+                <a16:creationId xmlns:a16="http://schemas.microsoft.com/office/drawing/2014/main" id="{FA310BC7-694B-4984-99A2-61A1F4F6EBF9}"/>
+              </a:ext>
+            </a:extLst>
+          </p:cNvPr>
+          <p:cNvCxnSpPr>
+            <a:cxnSpLocks/>
+          </p:cNvCxnSpPr>
+          <p:nvPr/>
+        </p:nvCxnSpPr>
+        <p:spPr>
+          <a:xfrm flipH="1">
+            <a:off x="11370469" y="448308"/>
+            <a:ext cx="364332" cy="501657"/>
+          </a:xfrm>
+          <a:prstGeom prst="line">
+            <a:avLst/>
+          </a:prstGeom>
+        </p:spPr>
+        <p:style>
+          <a:lnRef idx="3">
+            <a:schemeClr val="dk1"/>
+          </a:lnRef>
+          <a:fillRef idx="0">
+            <a:schemeClr val="dk1"/>
+          </a:fillRef>
+          <a:effectRef idx="2">
+            <a:schemeClr val="dk1"/>
+          </a:effectRef>
+          <a:fontRef idx="minor">
+            <a:schemeClr val="tx1"/>
+          </a:fontRef>
+        </p:style>
+      </p:cxnSp>
+      <p:cxnSp>
+        <p:nvCxnSpPr>
+          <p:cNvPr id="53" name="Connecteur droit 52">
+            <a:extLst>
+              <a:ext uri="{FF2B5EF4-FFF2-40B4-BE49-F238E27FC236}">
+                <a16:creationId xmlns:a16="http://schemas.microsoft.com/office/drawing/2014/main" id="{BE0649BD-EE59-4DDA-960F-95B2572F9F13}"/>
+              </a:ext>
+            </a:extLst>
+          </p:cNvPr>
+          <p:cNvCxnSpPr>
+            <a:cxnSpLocks/>
+          </p:cNvCxnSpPr>
+          <p:nvPr/>
+        </p:nvCxnSpPr>
+        <p:spPr>
+          <a:xfrm>
+            <a:off x="9743203" y="949965"/>
+            <a:ext cx="1627266" cy="0"/>
+          </a:xfrm>
+          <a:prstGeom prst="line">
+            <a:avLst/>
+          </a:prstGeom>
+        </p:spPr>
+        <p:style>
+          <a:lnRef idx="3">
+            <a:schemeClr val="dk1"/>
+          </a:lnRef>
+          <a:fillRef idx="0">
+            <a:schemeClr val="dk1"/>
+          </a:fillRef>
+          <a:effectRef idx="2">
+            <a:schemeClr val="dk1"/>
+          </a:effectRef>
+          <a:fontRef idx="minor">
+            <a:schemeClr val="tx1"/>
+          </a:fontRef>
+        </p:style>
+      </p:cxnSp>
+      <p:cxnSp>
+        <p:nvCxnSpPr>
+          <p:cNvPr id="55" name="Connecteur droit 54">
+            <a:extLst>
+              <a:ext uri="{FF2B5EF4-FFF2-40B4-BE49-F238E27FC236}">
+                <a16:creationId xmlns:a16="http://schemas.microsoft.com/office/drawing/2014/main" id="{52AA9200-DAFA-4EEF-AC13-4C7CE82A59EC}"/>
+              </a:ext>
+            </a:extLst>
+          </p:cNvPr>
+          <p:cNvCxnSpPr>
+            <a:cxnSpLocks/>
+          </p:cNvCxnSpPr>
+          <p:nvPr/>
+        </p:nvCxnSpPr>
+        <p:spPr>
+          <a:xfrm>
+            <a:off x="11715750" y="454801"/>
+            <a:ext cx="476249" cy="10400"/>
+          </a:xfrm>
+          <a:prstGeom prst="line">
+            <a:avLst/>
+          </a:prstGeom>
+        </p:spPr>
+        <p:style>
+          <a:lnRef idx="3">
+            <a:schemeClr val="dk1"/>
+          </a:lnRef>
+          <a:fillRef idx="0">
+            <a:schemeClr val="dk1"/>
+          </a:fillRef>
+          <a:effectRef idx="2">
+            <a:schemeClr val="dk1"/>
+          </a:effectRef>
+          <a:fontRef idx="minor">
+            <a:schemeClr val="tx1"/>
+          </a:fontRef>
+        </p:style>
+      </p:cxnSp>
+      <p:cxnSp>
+        <p:nvCxnSpPr>
+          <p:cNvPr id="23" name="Connecteur droit 22">
+            <a:extLst>
+              <a:ext uri="{FF2B5EF4-FFF2-40B4-BE49-F238E27FC236}">
+                <a16:creationId xmlns:a16="http://schemas.microsoft.com/office/drawing/2014/main" id="{BCB092C8-0080-4E56-957E-0046D4C83988}"/>
+              </a:ext>
+            </a:extLst>
+          </p:cNvPr>
+          <p:cNvCxnSpPr>
+            <a:cxnSpLocks/>
+          </p:cNvCxnSpPr>
+          <p:nvPr/>
+        </p:nvCxnSpPr>
+        <p:spPr>
+          <a:xfrm flipH="1">
+            <a:off x="2216372" y="446356"/>
+            <a:ext cx="364332" cy="501657"/>
+          </a:xfrm>
+          <a:prstGeom prst="line">
+            <a:avLst/>
+          </a:prstGeom>
+        </p:spPr>
+        <p:style>
+          <a:lnRef idx="3">
+            <a:schemeClr val="dk1"/>
+          </a:lnRef>
+          <a:fillRef idx="0">
+            <a:schemeClr val="dk1"/>
+          </a:fillRef>
+          <a:effectRef idx="2">
+            <a:schemeClr val="dk1"/>
+          </a:effectRef>
+          <a:fontRef idx="minor">
+            <a:schemeClr val="tx1"/>
+          </a:fontRef>
+        </p:style>
+      </p:cxnSp>
+    </p:spTree>
+    <p:extLst>
+      <p:ext uri="{BB962C8B-B14F-4D97-AF65-F5344CB8AC3E}">
         <p14:creationId xmlns:p14="http://schemas.microsoft.com/office/powerpoint/2010/main" val="1486605668"/>
       </p:ext>
     </p:extLst>
@@ -5902,7 +6800,7 @@
 </p:sld>
 </file>
 
-<file path=ppt/slides/slide13.xml><?xml version="1.0" encoding="utf-8"?>
+<file path=ppt/slides/slide14.xml><?xml version="1.0" encoding="utf-8"?>
 <p:sld xmlns:a="http://schemas.openxmlformats.org/drawingml/2006/main" xmlns:r="http://schemas.openxmlformats.org/officeDocument/2006/relationships" xmlns:p="http://schemas.openxmlformats.org/presentationml/2006/main">
   <p:cSld>
     <p:spTree>

--- a/oral_projet/revue_2/diaporama_revue_2_samuel.pptx
+++ b/oral_projet/revue_2/diaporama_revue_2_samuel.pptx
@@ -5,23 +5,25 @@
     <p:sldMasterId id="2147483648" r:id="rId1"/>
   </p:sldMasterIdLst>
   <p:notesMasterIdLst>
-    <p:notesMasterId r:id="rId16"/>
+    <p:notesMasterId r:id="rId18"/>
   </p:notesMasterIdLst>
   <p:sldIdLst>
     <p:sldId id="256" r:id="rId2"/>
     <p:sldId id="259" r:id="rId3"/>
     <p:sldId id="258" r:id="rId4"/>
     <p:sldId id="263" r:id="rId5"/>
-    <p:sldId id="260" r:id="rId6"/>
-    <p:sldId id="265" r:id="rId7"/>
-    <p:sldId id="266" r:id="rId8"/>
-    <p:sldId id="270" r:id="rId9"/>
-    <p:sldId id="271" r:id="rId10"/>
-    <p:sldId id="272" r:id="rId11"/>
-    <p:sldId id="264" r:id="rId12"/>
-    <p:sldId id="269" r:id="rId13"/>
-    <p:sldId id="268" r:id="rId14"/>
-    <p:sldId id="267" r:id="rId15"/>
+    <p:sldId id="271" r:id="rId6"/>
+    <p:sldId id="272" r:id="rId7"/>
+    <p:sldId id="270" r:id="rId8"/>
+    <p:sldId id="273" r:id="rId9"/>
+    <p:sldId id="274" r:id="rId10"/>
+    <p:sldId id="260" r:id="rId11"/>
+    <p:sldId id="265" r:id="rId12"/>
+    <p:sldId id="266" r:id="rId13"/>
+    <p:sldId id="264" r:id="rId14"/>
+    <p:sldId id="269" r:id="rId15"/>
+    <p:sldId id="268" r:id="rId16"/>
+    <p:sldId id="267" r:id="rId17"/>
   </p:sldIdLst>
   <p:sldSz cx="12192000" cy="6858000"/>
   <p:notesSz cx="6858000" cy="9144000"/>
@@ -214,7 +216,7 @@
           <a:p>
             <a:fld id="{7BEC4371-174F-4615-858D-8B61BA547698}" type="datetimeFigureOut">
               <a:rPr lang="fr-FR" smtClean="0"/>
-              <a:t>22/02/2018</a:t>
+              <a:t>12/03/2018</a:t>
             </a:fld>
             <a:endParaRPr lang="fr-FR"/>
           </a:p>
@@ -628,7 +630,7 @@
           <a:p>
             <a:fld id="{125942D7-A464-4365-815E-3C7EAFC3F152}" type="datetimeFigureOut">
               <a:rPr lang="fr-FR" smtClean="0"/>
-              <a:t>22/02/2018</a:t>
+              <a:t>12/03/2018</a:t>
             </a:fld>
             <a:endParaRPr lang="fr-FR"/>
           </a:p>
@@ -838,7 +840,7 @@
           <a:p>
             <a:fld id="{125942D7-A464-4365-815E-3C7EAFC3F152}" type="datetimeFigureOut">
               <a:rPr lang="fr-FR" smtClean="0"/>
-              <a:t>22/02/2018</a:t>
+              <a:t>12/03/2018</a:t>
             </a:fld>
             <a:endParaRPr lang="fr-FR"/>
           </a:p>
@@ -1058,7 +1060,7 @@
           <a:p>
             <a:fld id="{125942D7-A464-4365-815E-3C7EAFC3F152}" type="datetimeFigureOut">
               <a:rPr lang="fr-FR" smtClean="0"/>
-              <a:t>22/02/2018</a:t>
+              <a:t>12/03/2018</a:t>
             </a:fld>
             <a:endParaRPr lang="fr-FR"/>
           </a:p>
@@ -1268,7 +1270,7 @@
           <a:p>
             <a:fld id="{125942D7-A464-4365-815E-3C7EAFC3F152}" type="datetimeFigureOut">
               <a:rPr lang="fr-FR" smtClean="0"/>
-              <a:t>22/02/2018</a:t>
+              <a:t>12/03/2018</a:t>
             </a:fld>
             <a:endParaRPr lang="fr-FR"/>
           </a:p>
@@ -1555,7 +1557,7 @@
           <a:p>
             <a:fld id="{125942D7-A464-4365-815E-3C7EAFC3F152}" type="datetimeFigureOut">
               <a:rPr lang="fr-FR" smtClean="0"/>
-              <a:t>22/02/2018</a:t>
+              <a:t>12/03/2018</a:t>
             </a:fld>
             <a:endParaRPr lang="fr-FR"/>
           </a:p>
@@ -1832,7 +1834,7 @@
           <a:p>
             <a:fld id="{125942D7-A464-4365-815E-3C7EAFC3F152}" type="datetimeFigureOut">
               <a:rPr lang="fr-FR" smtClean="0"/>
-              <a:t>22/02/2018</a:t>
+              <a:t>12/03/2018</a:t>
             </a:fld>
             <a:endParaRPr lang="fr-FR"/>
           </a:p>
@@ -2256,7 +2258,7 @@
           <a:p>
             <a:fld id="{125942D7-A464-4365-815E-3C7EAFC3F152}" type="datetimeFigureOut">
               <a:rPr lang="fr-FR" smtClean="0"/>
-              <a:t>22/02/2018</a:t>
+              <a:t>12/03/2018</a:t>
             </a:fld>
             <a:endParaRPr lang="fr-FR"/>
           </a:p>
@@ -2409,7 +2411,7 @@
           <a:p>
             <a:fld id="{125942D7-A464-4365-815E-3C7EAFC3F152}" type="datetimeFigureOut">
               <a:rPr lang="fr-FR" smtClean="0"/>
-              <a:t>22/02/2018</a:t>
+              <a:t>12/03/2018</a:t>
             </a:fld>
             <a:endParaRPr lang="fr-FR"/>
           </a:p>
@@ -2534,7 +2536,7 @@
           <a:p>
             <a:fld id="{125942D7-A464-4365-815E-3C7EAFC3F152}" type="datetimeFigureOut">
               <a:rPr lang="fr-FR" smtClean="0"/>
-              <a:t>22/02/2018</a:t>
+              <a:t>12/03/2018</a:t>
             </a:fld>
             <a:endParaRPr lang="fr-FR"/>
           </a:p>
@@ -2857,7 +2859,7 @@
           <a:p>
             <a:fld id="{125942D7-A464-4365-815E-3C7EAFC3F152}" type="datetimeFigureOut">
               <a:rPr lang="fr-FR" smtClean="0"/>
-              <a:t>22/02/2018</a:t>
+              <a:t>12/03/2018</a:t>
             </a:fld>
             <a:endParaRPr lang="fr-FR"/>
           </a:p>
@@ -3157,7 +3159,7 @@
           <a:p>
             <a:fld id="{125942D7-A464-4365-815E-3C7EAFC3F152}" type="datetimeFigureOut">
               <a:rPr lang="fr-FR" smtClean="0"/>
-              <a:t>22/02/2018</a:t>
+              <a:t>12/03/2018</a:t>
             </a:fld>
             <a:endParaRPr lang="fr-FR"/>
           </a:p>
@@ -3410,7 +3412,7 @@
           <a:p>
             <a:fld id="{125942D7-A464-4365-815E-3C7EAFC3F152}" type="datetimeFigureOut">
               <a:rPr lang="fr-FR" smtClean="0"/>
-              <a:t>22/02/2018</a:t>
+              <a:t>12/03/2018</a:t>
             </a:fld>
             <a:endParaRPr lang="fr-FR"/>
           </a:p>
@@ -4966,352 +4968,12 @@
           </a:fontRef>
         </p:style>
       </p:cxnSp>
-      <p:pic>
-        <p:nvPicPr>
-          <p:cNvPr id="57" name="Image 56">
-            <a:extLst>
-              <a:ext uri="{FF2B5EF4-FFF2-40B4-BE49-F238E27FC236}">
-                <a16:creationId xmlns:a16="http://schemas.microsoft.com/office/drawing/2014/main" id="{12B16FB2-5844-4B92-AE69-9BAC858C22BB}"/>
-              </a:ext>
-            </a:extLst>
-          </p:cNvPr>
-          <p:cNvPicPr>
-            <a:picLocks noChangeAspect="1"/>
-          </p:cNvPicPr>
-          <p:nvPr/>
-        </p:nvPicPr>
-        <p:blipFill>
-          <a:blip r:embed="rId3">
-            <a:extLst>
-              <a:ext uri="{28A0092B-C50C-407E-A947-70E740481C1C}">
-                <a14:useLocalDpi xmlns:a14="http://schemas.microsoft.com/office/drawing/2010/main" val="0"/>
-              </a:ext>
-            </a:extLst>
-          </a:blip>
-          <a:stretch>
-            <a:fillRect/>
-          </a:stretch>
-        </p:blipFill>
-        <p:spPr>
-          <a:xfrm>
-            <a:off x="9681085" y="238153"/>
-            <a:ext cx="1802101" cy="569807"/>
-          </a:xfrm>
-          <a:prstGeom prst="rect">
-            <a:avLst/>
-          </a:prstGeom>
-        </p:spPr>
-      </p:pic>
-      <p:cxnSp>
-        <p:nvCxnSpPr>
-          <p:cNvPr id="58" name="Connecteur droit 57">
-            <a:extLst>
-              <a:ext uri="{FF2B5EF4-FFF2-40B4-BE49-F238E27FC236}">
-                <a16:creationId xmlns:a16="http://schemas.microsoft.com/office/drawing/2014/main" id="{01599350-F8B0-4FDC-B003-981189A8D654}"/>
-              </a:ext>
-            </a:extLst>
-          </p:cNvPr>
-          <p:cNvCxnSpPr>
-            <a:cxnSpLocks/>
-          </p:cNvCxnSpPr>
-          <p:nvPr/>
-        </p:nvCxnSpPr>
-        <p:spPr>
-          <a:xfrm>
-            <a:off x="2573222" y="454803"/>
-            <a:ext cx="6829482" cy="10398"/>
-          </a:xfrm>
-          <a:prstGeom prst="line">
-            <a:avLst/>
-          </a:prstGeom>
-        </p:spPr>
-        <p:style>
-          <a:lnRef idx="3">
-            <a:schemeClr val="dk1"/>
-          </a:lnRef>
-          <a:fillRef idx="0">
-            <a:schemeClr val="dk1"/>
-          </a:fillRef>
-          <a:effectRef idx="2">
-            <a:schemeClr val="dk1"/>
-          </a:effectRef>
-          <a:fontRef idx="minor">
-            <a:schemeClr val="tx1"/>
-          </a:fontRef>
-        </p:style>
-      </p:cxnSp>
-      <p:cxnSp>
-        <p:nvCxnSpPr>
-          <p:cNvPr id="59" name="Connecteur droit 58">
-            <a:extLst>
-              <a:ext uri="{FF2B5EF4-FFF2-40B4-BE49-F238E27FC236}">
-                <a16:creationId xmlns:a16="http://schemas.microsoft.com/office/drawing/2014/main" id="{BC6E6150-6054-4785-84EC-0C46D82034C2}"/>
-              </a:ext>
-            </a:extLst>
-          </p:cNvPr>
-          <p:cNvCxnSpPr>
-            <a:cxnSpLocks/>
-          </p:cNvCxnSpPr>
-          <p:nvPr/>
-        </p:nvCxnSpPr>
-        <p:spPr>
-          <a:xfrm>
-            <a:off x="738231" y="454803"/>
-            <a:ext cx="344203" cy="484764"/>
-          </a:xfrm>
-          <a:prstGeom prst="line">
-            <a:avLst/>
-          </a:prstGeom>
-        </p:spPr>
-        <p:style>
-          <a:lnRef idx="3">
-            <a:schemeClr val="dk1"/>
-          </a:lnRef>
-          <a:fillRef idx="0">
-            <a:schemeClr val="dk1"/>
-          </a:fillRef>
-          <a:effectRef idx="2">
-            <a:schemeClr val="dk1"/>
-          </a:effectRef>
-          <a:fontRef idx="minor">
-            <a:schemeClr val="tx1"/>
-          </a:fontRef>
-        </p:style>
-      </p:cxnSp>
-      <p:cxnSp>
-        <p:nvCxnSpPr>
-          <p:cNvPr id="60" name="Connecteur droit 59">
-            <a:extLst>
-              <a:ext uri="{FF2B5EF4-FFF2-40B4-BE49-F238E27FC236}">
-                <a16:creationId xmlns:a16="http://schemas.microsoft.com/office/drawing/2014/main" id="{CBC9961A-8EC2-4287-A398-BCA4138D409D}"/>
-              </a:ext>
-            </a:extLst>
-          </p:cNvPr>
-          <p:cNvCxnSpPr>
-            <a:cxnSpLocks/>
-          </p:cNvCxnSpPr>
-          <p:nvPr/>
-        </p:nvCxnSpPr>
-        <p:spPr>
-          <a:xfrm>
-            <a:off x="1082434" y="938268"/>
-            <a:ext cx="1146585" cy="0"/>
-          </a:xfrm>
-          <a:prstGeom prst="line">
-            <a:avLst/>
-          </a:prstGeom>
-        </p:spPr>
-        <p:style>
-          <a:lnRef idx="3">
-            <a:schemeClr val="dk1"/>
-          </a:lnRef>
-          <a:fillRef idx="0">
-            <a:schemeClr val="dk1"/>
-          </a:fillRef>
-          <a:effectRef idx="2">
-            <a:schemeClr val="dk1"/>
-          </a:effectRef>
-          <a:fontRef idx="minor">
-            <a:schemeClr val="tx1"/>
-          </a:fontRef>
-        </p:style>
-      </p:cxnSp>
-      <p:cxnSp>
-        <p:nvCxnSpPr>
-          <p:cNvPr id="61" name="Connecteur droit 60">
-            <a:extLst>
-              <a:ext uri="{FF2B5EF4-FFF2-40B4-BE49-F238E27FC236}">
-                <a16:creationId xmlns:a16="http://schemas.microsoft.com/office/drawing/2014/main" id="{152B7C45-2543-4665-BC07-4DB71CA9F337}"/>
-              </a:ext>
-            </a:extLst>
-          </p:cNvPr>
-          <p:cNvCxnSpPr>
-            <a:cxnSpLocks/>
-          </p:cNvCxnSpPr>
-          <p:nvPr/>
-        </p:nvCxnSpPr>
-        <p:spPr>
-          <a:xfrm>
-            <a:off x="9402704" y="465201"/>
-            <a:ext cx="344203" cy="495163"/>
-          </a:xfrm>
-          <a:prstGeom prst="line">
-            <a:avLst/>
-          </a:prstGeom>
-        </p:spPr>
-        <p:style>
-          <a:lnRef idx="3">
-            <a:schemeClr val="dk1"/>
-          </a:lnRef>
-          <a:fillRef idx="0">
-            <a:schemeClr val="dk1"/>
-          </a:fillRef>
-          <a:effectRef idx="2">
-            <a:schemeClr val="dk1"/>
-          </a:effectRef>
-          <a:fontRef idx="minor">
-            <a:schemeClr val="tx1"/>
-          </a:fontRef>
-        </p:style>
-      </p:cxnSp>
-      <p:cxnSp>
-        <p:nvCxnSpPr>
-          <p:cNvPr id="62" name="Connecteur droit 61">
-            <a:extLst>
-              <a:ext uri="{FF2B5EF4-FFF2-40B4-BE49-F238E27FC236}">
-                <a16:creationId xmlns:a16="http://schemas.microsoft.com/office/drawing/2014/main" id="{00A84DC3-A112-46A3-B71C-04D85339323D}"/>
-              </a:ext>
-            </a:extLst>
-          </p:cNvPr>
-          <p:cNvCxnSpPr>
-            <a:cxnSpLocks/>
-          </p:cNvCxnSpPr>
-          <p:nvPr/>
-        </p:nvCxnSpPr>
-        <p:spPr>
-          <a:xfrm flipH="1">
-            <a:off x="11370469" y="448308"/>
-            <a:ext cx="364332" cy="501657"/>
-          </a:xfrm>
-          <a:prstGeom prst="line">
-            <a:avLst/>
-          </a:prstGeom>
-        </p:spPr>
-        <p:style>
-          <a:lnRef idx="3">
-            <a:schemeClr val="dk1"/>
-          </a:lnRef>
-          <a:fillRef idx="0">
-            <a:schemeClr val="dk1"/>
-          </a:fillRef>
-          <a:effectRef idx="2">
-            <a:schemeClr val="dk1"/>
-          </a:effectRef>
-          <a:fontRef idx="minor">
-            <a:schemeClr val="tx1"/>
-          </a:fontRef>
-        </p:style>
-      </p:cxnSp>
-      <p:cxnSp>
-        <p:nvCxnSpPr>
-          <p:cNvPr id="63" name="Connecteur droit 62">
-            <a:extLst>
-              <a:ext uri="{FF2B5EF4-FFF2-40B4-BE49-F238E27FC236}">
-                <a16:creationId xmlns:a16="http://schemas.microsoft.com/office/drawing/2014/main" id="{C50788C6-8F68-44EC-AB54-94C1D2FE554D}"/>
-              </a:ext>
-            </a:extLst>
-          </p:cNvPr>
-          <p:cNvCxnSpPr>
-            <a:cxnSpLocks/>
-          </p:cNvCxnSpPr>
-          <p:nvPr/>
-        </p:nvCxnSpPr>
-        <p:spPr>
-          <a:xfrm>
-            <a:off x="9743203" y="949965"/>
-            <a:ext cx="1627266" cy="0"/>
-          </a:xfrm>
-          <a:prstGeom prst="line">
-            <a:avLst/>
-          </a:prstGeom>
-        </p:spPr>
-        <p:style>
-          <a:lnRef idx="3">
-            <a:schemeClr val="dk1"/>
-          </a:lnRef>
-          <a:fillRef idx="0">
-            <a:schemeClr val="dk1"/>
-          </a:fillRef>
-          <a:effectRef idx="2">
-            <a:schemeClr val="dk1"/>
-          </a:effectRef>
-          <a:fontRef idx="minor">
-            <a:schemeClr val="tx1"/>
-          </a:fontRef>
-        </p:style>
-      </p:cxnSp>
-      <p:cxnSp>
-        <p:nvCxnSpPr>
-          <p:cNvPr id="64" name="Connecteur droit 63">
-            <a:extLst>
-              <a:ext uri="{FF2B5EF4-FFF2-40B4-BE49-F238E27FC236}">
-                <a16:creationId xmlns:a16="http://schemas.microsoft.com/office/drawing/2014/main" id="{BC4D4E5F-5636-45CB-873C-EC085AB307A3}"/>
-              </a:ext>
-            </a:extLst>
-          </p:cNvPr>
-          <p:cNvCxnSpPr>
-            <a:cxnSpLocks/>
-          </p:cNvCxnSpPr>
-          <p:nvPr/>
-        </p:nvCxnSpPr>
-        <p:spPr>
-          <a:xfrm>
-            <a:off x="11715750" y="454801"/>
-            <a:ext cx="476249" cy="10400"/>
-          </a:xfrm>
-          <a:prstGeom prst="line">
-            <a:avLst/>
-          </a:prstGeom>
-        </p:spPr>
-        <p:style>
-          <a:lnRef idx="3">
-            <a:schemeClr val="dk1"/>
-          </a:lnRef>
-          <a:fillRef idx="0">
-            <a:schemeClr val="dk1"/>
-          </a:fillRef>
-          <a:effectRef idx="2">
-            <a:schemeClr val="dk1"/>
-          </a:effectRef>
-          <a:fontRef idx="minor">
-            <a:schemeClr val="tx1"/>
-          </a:fontRef>
-        </p:style>
-      </p:cxnSp>
-      <p:cxnSp>
-        <p:nvCxnSpPr>
-          <p:cNvPr id="65" name="Connecteur droit 64">
-            <a:extLst>
-              <a:ext uri="{FF2B5EF4-FFF2-40B4-BE49-F238E27FC236}">
-                <a16:creationId xmlns:a16="http://schemas.microsoft.com/office/drawing/2014/main" id="{E6F6B4C5-0E3B-46C9-859D-EE774175D36F}"/>
-              </a:ext>
-            </a:extLst>
-          </p:cNvPr>
-          <p:cNvCxnSpPr>
-            <a:cxnSpLocks/>
-          </p:cNvCxnSpPr>
-          <p:nvPr/>
-        </p:nvCxnSpPr>
-        <p:spPr>
-          <a:xfrm flipH="1">
-            <a:off x="2216372" y="446356"/>
-            <a:ext cx="364332" cy="501657"/>
-          </a:xfrm>
-          <a:prstGeom prst="line">
-            <a:avLst/>
-          </a:prstGeom>
-        </p:spPr>
-        <p:style>
-          <a:lnRef idx="3">
-            <a:schemeClr val="dk1"/>
-          </a:lnRef>
-          <a:fillRef idx="0">
-            <a:schemeClr val="dk1"/>
-          </a:fillRef>
-          <a:effectRef idx="2">
-            <a:schemeClr val="dk1"/>
-          </a:effectRef>
-          <a:fontRef idx="minor">
-            <a:schemeClr val="tx1"/>
-          </a:fontRef>
-        </p:style>
-      </p:cxnSp>
       <p:sp>
         <p:nvSpPr>
-          <p:cNvPr id="2" name="ZoneTexte 1">
-            <a:extLst>
-              <a:ext uri="{FF2B5EF4-FFF2-40B4-BE49-F238E27FC236}">
-                <a16:creationId xmlns:a16="http://schemas.microsoft.com/office/drawing/2014/main" id="{27396238-7A76-4B8F-981D-280A71EC12F4}"/>
+          <p:cNvPr id="3" name="ZoneTexte 2">
+            <a:extLst>
+              <a:ext uri="{FF2B5EF4-FFF2-40B4-BE49-F238E27FC236}">
+                <a16:creationId xmlns:a16="http://schemas.microsoft.com/office/drawing/2014/main" id="{DCCD1615-1755-47F7-AF0B-75E932931245}"/>
               </a:ext>
             </a:extLst>
           </p:cNvPr>
@@ -5320,8 +4982,8 @@
         </p:nvSpPr>
         <p:spPr>
           <a:xfrm>
-            <a:off x="3228837" y="553547"/>
-            <a:ext cx="4675598" cy="769441"/>
+            <a:off x="1048878" y="2349004"/>
+            <a:ext cx="5888270" cy="1015663"/>
           </a:xfrm>
           <a:prstGeom prst="rect">
             <a:avLst/>
@@ -5334,7 +4996,1642 @@
           </a:bodyPr>
           <a:lstStyle/>
           <a:p>
-            <a:pPr marL="0" marR="0" lvl="0" indent="0" algn="l" defTabSz="914400" rtl="0" eaLnBrk="1" fontAlgn="auto" latinLnBrk="0" hangingPunct="1">
+            <a:r>
+              <a:rPr lang="fr-FR" sz="2400" dirty="0">
+                <a:latin typeface="Berlin Sans FB" panose="020E0602020502020306" pitchFamily="34" charset="0"/>
+              </a:rPr>
+              <a:t>Mise en place de la BDD : </a:t>
+            </a:r>
+          </a:p>
+          <a:p>
+            <a:r>
+              <a:rPr lang="fr-FR" dirty="0">
+                <a:latin typeface="Berlin Sans FB" panose="020E0602020502020306" pitchFamily="34" charset="0"/>
+              </a:rPr>
+              <a:t>Collection des dernières mesures</a:t>
+            </a:r>
+          </a:p>
+          <a:p>
+            <a:endParaRPr lang="fr-FR" dirty="0">
+              <a:latin typeface="Berlin Sans FB" panose="020E0602020502020306" pitchFamily="34" charset="0"/>
+            </a:endParaRPr>
+          </a:p>
+        </p:txBody>
+      </p:sp>
+      <p:sp>
+        <p:nvSpPr>
+          <p:cNvPr id="9" name="ZoneTexte 8">
+            <a:extLst>
+              <a:ext uri="{FF2B5EF4-FFF2-40B4-BE49-F238E27FC236}">
+                <a16:creationId xmlns:a16="http://schemas.microsoft.com/office/drawing/2014/main" id="{82010251-0AD2-4DAA-8E6B-7CA6A2301A9E}"/>
+              </a:ext>
+            </a:extLst>
+          </p:cNvPr>
+          <p:cNvSpPr txBox="1"/>
+          <p:nvPr/>
+        </p:nvSpPr>
+        <p:spPr>
+          <a:xfrm>
+            <a:off x="2361082" y="884345"/>
+            <a:ext cx="7253761" cy="769441"/>
+          </a:xfrm>
+          <a:prstGeom prst="rect">
+            <a:avLst/>
+          </a:prstGeom>
+          <a:noFill/>
+        </p:spPr>
+        <p:txBody>
+          <a:bodyPr wrap="square" rtlCol="0">
+            <a:spAutoFit/>
+          </a:bodyPr>
+          <a:lstStyle/>
+          <a:p>
+            <a:pPr algn="ctr"/>
+            <a:r>
+              <a:rPr lang="fr-FR" sz="4400" dirty="0">
+                <a:latin typeface="Berlin Sans FB" panose="020E0602020502020306" pitchFamily="34" charset="0"/>
+              </a:rPr>
+              <a:t>Partie Personnelle</a:t>
+            </a:r>
+          </a:p>
+        </p:txBody>
+      </p:sp>
+      <p:sp>
+        <p:nvSpPr>
+          <p:cNvPr id="5" name="ZoneTexte 4">
+            <a:extLst>
+              <a:ext uri="{FF2B5EF4-FFF2-40B4-BE49-F238E27FC236}">
+                <a16:creationId xmlns:a16="http://schemas.microsoft.com/office/drawing/2014/main" id="{97D75292-83FE-493B-B968-98B2458193D7}"/>
+              </a:ext>
+            </a:extLst>
+          </p:cNvPr>
+          <p:cNvSpPr txBox="1"/>
+          <p:nvPr/>
+        </p:nvSpPr>
+        <p:spPr>
+          <a:xfrm>
+            <a:off x="1048878" y="3555555"/>
+            <a:ext cx="6036724" cy="738664"/>
+          </a:xfrm>
+          <a:prstGeom prst="rect">
+            <a:avLst/>
+          </a:prstGeom>
+          <a:noFill/>
+        </p:spPr>
+        <p:txBody>
+          <a:bodyPr wrap="square" rtlCol="0">
+            <a:spAutoFit/>
+          </a:bodyPr>
+          <a:lstStyle/>
+          <a:p>
+            <a:r>
+              <a:rPr lang="fr-FR" sz="2400" dirty="0">
+                <a:latin typeface="Berlin Sans FB" panose="020E0602020502020306" pitchFamily="34" charset="0"/>
+              </a:rPr>
+              <a:t>Mise en place page </a:t>
+            </a:r>
+            <a:r>
+              <a:rPr lang="fr-FR" sz="2400" dirty="0" err="1">
+                <a:latin typeface="Berlin Sans FB" panose="020E0602020502020306" pitchFamily="34" charset="0"/>
+              </a:rPr>
+              <a:t>php</a:t>
+            </a:r>
+            <a:r>
+              <a:rPr lang="fr-FR" sz="2400" dirty="0">
+                <a:latin typeface="Berlin Sans FB" panose="020E0602020502020306" pitchFamily="34" charset="0"/>
+              </a:rPr>
+              <a:t> : </a:t>
+            </a:r>
+          </a:p>
+          <a:p>
+            <a:r>
+              <a:rPr lang="fr-FR" dirty="0">
+                <a:latin typeface="Berlin Sans FB" panose="020E0602020502020306" pitchFamily="34" charset="0"/>
+              </a:rPr>
+              <a:t>Visualisation de l'état en temps réel de la serre</a:t>
+            </a:r>
+          </a:p>
+        </p:txBody>
+      </p:sp>
+      <p:sp>
+        <p:nvSpPr>
+          <p:cNvPr id="2" name="ZoneTexte 1">
+            <a:extLst>
+              <a:ext uri="{FF2B5EF4-FFF2-40B4-BE49-F238E27FC236}">
+                <a16:creationId xmlns:a16="http://schemas.microsoft.com/office/drawing/2014/main" id="{2BC33ED4-BDF7-41A6-B497-0BDE14EDC326}"/>
+              </a:ext>
+            </a:extLst>
+          </p:cNvPr>
+          <p:cNvSpPr txBox="1"/>
+          <p:nvPr/>
+        </p:nvSpPr>
+        <p:spPr>
+          <a:xfrm>
+            <a:off x="1048878" y="4943471"/>
+            <a:ext cx="7633727" cy="738664"/>
+          </a:xfrm>
+          <a:prstGeom prst="rect">
+            <a:avLst/>
+          </a:prstGeom>
+          <a:noFill/>
+        </p:spPr>
+        <p:txBody>
+          <a:bodyPr wrap="square" rtlCol="0">
+            <a:spAutoFit/>
+          </a:bodyPr>
+          <a:lstStyle/>
+          <a:p>
+            <a:r>
+              <a:rPr lang="fr-FR" sz="2400" dirty="0">
+                <a:latin typeface="Berlin Sans FB" panose="020E0602020502020306" pitchFamily="34" charset="0"/>
+              </a:rPr>
+              <a:t>Mise en place de la boucle 4-20 mA (avec Willy) :</a:t>
+            </a:r>
+          </a:p>
+          <a:p>
+            <a:r>
+              <a:rPr lang="fr-FR" dirty="0">
+                <a:latin typeface="Berlin Sans FB" panose="020E0602020502020306" pitchFamily="34" charset="0"/>
+              </a:rPr>
+              <a:t>Acquérir la mesure température</a:t>
+            </a:r>
+          </a:p>
+        </p:txBody>
+      </p:sp>
+      <p:pic>
+        <p:nvPicPr>
+          <p:cNvPr id="4" name="Image 3">
+            <a:extLst>
+              <a:ext uri="{FF2B5EF4-FFF2-40B4-BE49-F238E27FC236}">
+                <a16:creationId xmlns:a16="http://schemas.microsoft.com/office/drawing/2014/main" id="{5BF45598-5F3E-4BBA-A0BA-D008DACED053}"/>
+              </a:ext>
+            </a:extLst>
+          </p:cNvPr>
+          <p:cNvPicPr>
+            <a:picLocks noChangeAspect="1"/>
+          </p:cNvPicPr>
+          <p:nvPr/>
+        </p:nvPicPr>
+        <p:blipFill>
+          <a:blip r:embed="rId4"/>
+          <a:stretch>
+            <a:fillRect/>
+          </a:stretch>
+        </p:blipFill>
+        <p:spPr>
+          <a:xfrm>
+            <a:off x="8596254" y="2315699"/>
+            <a:ext cx="870001" cy="862629"/>
+          </a:xfrm>
+          <a:prstGeom prst="rect">
+            <a:avLst/>
+          </a:prstGeom>
+        </p:spPr>
+      </p:pic>
+      <p:pic>
+        <p:nvPicPr>
+          <p:cNvPr id="7" name="Image 6">
+            <a:extLst>
+              <a:ext uri="{FF2B5EF4-FFF2-40B4-BE49-F238E27FC236}">
+                <a16:creationId xmlns:a16="http://schemas.microsoft.com/office/drawing/2014/main" id="{1EE86F43-EB9C-47AF-9159-70A323BBA8FC}"/>
+              </a:ext>
+            </a:extLst>
+          </p:cNvPr>
+          <p:cNvPicPr>
+            <a:picLocks noChangeAspect="1"/>
+          </p:cNvPicPr>
+          <p:nvPr/>
+        </p:nvPicPr>
+        <p:blipFill>
+          <a:blip r:embed="rId5">
+            <a:extLst>
+              <a:ext uri="{28A0092B-C50C-407E-A947-70E740481C1C}">
+                <a14:useLocalDpi xmlns:a14="http://schemas.microsoft.com/office/drawing/2010/main" val="0"/>
+              </a:ext>
+            </a:extLst>
+          </a:blip>
+          <a:stretch>
+            <a:fillRect/>
+          </a:stretch>
+        </p:blipFill>
+        <p:spPr>
+          <a:xfrm>
+            <a:off x="9541249" y="2328891"/>
+            <a:ext cx="1296501" cy="863823"/>
+          </a:xfrm>
+          <a:prstGeom prst="rect">
+            <a:avLst/>
+          </a:prstGeom>
+        </p:spPr>
+      </p:pic>
+      <p:pic>
+        <p:nvPicPr>
+          <p:cNvPr id="12" name="Image 11">
+            <a:extLst>
+              <a:ext uri="{FF2B5EF4-FFF2-40B4-BE49-F238E27FC236}">
+                <a16:creationId xmlns:a16="http://schemas.microsoft.com/office/drawing/2014/main" id="{1C693AD3-5E2B-421D-A28A-9610AB13AAD3}"/>
+              </a:ext>
+            </a:extLst>
+          </p:cNvPr>
+          <p:cNvPicPr>
+            <a:picLocks noChangeAspect="1"/>
+          </p:cNvPicPr>
+          <p:nvPr/>
+        </p:nvPicPr>
+        <p:blipFill>
+          <a:blip r:embed="rId6">
+            <a:extLst>
+              <a:ext uri="{28A0092B-C50C-407E-A947-70E740481C1C}">
+                <a14:useLocalDpi xmlns:a14="http://schemas.microsoft.com/office/drawing/2010/main" val="0"/>
+              </a:ext>
+            </a:extLst>
+          </a:blip>
+          <a:stretch>
+            <a:fillRect/>
+          </a:stretch>
+        </p:blipFill>
+        <p:spPr>
+          <a:xfrm>
+            <a:off x="8697006" y="3412184"/>
+            <a:ext cx="1901046" cy="1026565"/>
+          </a:xfrm>
+          <a:prstGeom prst="rect">
+            <a:avLst/>
+          </a:prstGeom>
+        </p:spPr>
+      </p:pic>
+      <p:pic>
+        <p:nvPicPr>
+          <p:cNvPr id="17" name="Image 16">
+            <a:extLst>
+              <a:ext uri="{FF2B5EF4-FFF2-40B4-BE49-F238E27FC236}">
+                <a16:creationId xmlns:a16="http://schemas.microsoft.com/office/drawing/2014/main" id="{A0853A2B-0CFE-4727-A193-4EDFEC193A54}"/>
+              </a:ext>
+            </a:extLst>
+          </p:cNvPr>
+          <p:cNvPicPr>
+            <a:picLocks noChangeAspect="1"/>
+          </p:cNvPicPr>
+          <p:nvPr/>
+        </p:nvPicPr>
+        <p:blipFill>
+          <a:blip r:embed="rId7">
+            <a:extLst>
+              <a:ext uri="{28A0092B-C50C-407E-A947-70E740481C1C}">
+                <a14:useLocalDpi xmlns:a14="http://schemas.microsoft.com/office/drawing/2010/main" val="0"/>
+              </a:ext>
+            </a:extLst>
+          </a:blip>
+          <a:stretch>
+            <a:fillRect/>
+          </a:stretch>
+        </p:blipFill>
+        <p:spPr>
+          <a:xfrm>
+            <a:off x="9174677" y="5019518"/>
+            <a:ext cx="850382" cy="850382"/>
+          </a:xfrm>
+          <a:prstGeom prst="rect">
+            <a:avLst/>
+          </a:prstGeom>
+        </p:spPr>
+      </p:pic>
+      <p:pic>
+        <p:nvPicPr>
+          <p:cNvPr id="11" name="Image 10">
+            <a:extLst>
+              <a:ext uri="{FF2B5EF4-FFF2-40B4-BE49-F238E27FC236}">
+                <a16:creationId xmlns:a16="http://schemas.microsoft.com/office/drawing/2014/main" id="{8AD3A9C9-0523-4A43-BA53-02BDE087AB1E}"/>
+              </a:ext>
+            </a:extLst>
+          </p:cNvPr>
+          <p:cNvPicPr>
+            <a:picLocks noChangeAspect="1"/>
+          </p:cNvPicPr>
+          <p:nvPr/>
+        </p:nvPicPr>
+        <p:blipFill>
+          <a:blip r:embed="rId8">
+            <a:extLst>
+              <a:ext uri="{28A0092B-C50C-407E-A947-70E740481C1C}">
+                <a14:useLocalDpi xmlns:a14="http://schemas.microsoft.com/office/drawing/2010/main" val="0"/>
+              </a:ext>
+            </a:extLst>
+          </a:blip>
+          <a:stretch>
+            <a:fillRect/>
+          </a:stretch>
+        </p:blipFill>
+        <p:spPr>
+          <a:xfrm>
+            <a:off x="10222057" y="5024097"/>
+            <a:ext cx="850382" cy="850382"/>
+          </a:xfrm>
+          <a:prstGeom prst="rect">
+            <a:avLst/>
+          </a:prstGeom>
+        </p:spPr>
+      </p:pic>
+      <p:pic>
+        <p:nvPicPr>
+          <p:cNvPr id="13" name="Image 12">
+            <a:extLst>
+              <a:ext uri="{FF2B5EF4-FFF2-40B4-BE49-F238E27FC236}">
+                <a16:creationId xmlns:a16="http://schemas.microsoft.com/office/drawing/2014/main" id="{6ECCE392-4449-4FA5-9C84-46180EE9B8CD}"/>
+              </a:ext>
+            </a:extLst>
+          </p:cNvPr>
+          <p:cNvPicPr>
+            <a:picLocks noChangeAspect="1"/>
+          </p:cNvPicPr>
+          <p:nvPr/>
+        </p:nvPicPr>
+        <p:blipFill>
+          <a:blip r:embed="rId9">
+            <a:extLst>
+              <a:ext uri="{28A0092B-C50C-407E-A947-70E740481C1C}">
+                <a14:useLocalDpi xmlns:a14="http://schemas.microsoft.com/office/drawing/2010/main" val="0"/>
+              </a:ext>
+            </a:extLst>
+          </a:blip>
+          <a:stretch>
+            <a:fillRect/>
+          </a:stretch>
+        </p:blipFill>
+        <p:spPr>
+          <a:xfrm>
+            <a:off x="8115050" y="5019518"/>
+            <a:ext cx="862629" cy="862629"/>
+          </a:xfrm>
+          <a:prstGeom prst="rect">
+            <a:avLst/>
+          </a:prstGeom>
+        </p:spPr>
+      </p:pic>
+    </p:spTree>
+    <p:extLst>
+      <p:ext uri="{BB962C8B-B14F-4D97-AF65-F5344CB8AC3E}">
+        <p14:creationId xmlns:p14="http://schemas.microsoft.com/office/powerpoint/2010/main" val="2149631933"/>
+      </p:ext>
+    </p:extLst>
+  </p:cSld>
+  <p:clrMapOvr>
+    <a:masterClrMapping/>
+  </p:clrMapOvr>
+  <mc:AlternateContent xmlns:mc="http://schemas.openxmlformats.org/markup-compatibility/2006" xmlns:p14="http://schemas.microsoft.com/office/powerpoint/2010/main">
+    <mc:Choice Requires="p14">
+      <p:transition spd="med">
+        <p14:reveal/>
+      </p:transition>
+    </mc:Choice>
+    <mc:Fallback xmlns="">
+      <p:transition spd="med">
+        <p:fade/>
+      </p:transition>
+    </mc:Fallback>
+  </mc:AlternateContent>
+  <p:timing>
+    <p:tnLst>
+      <p:par>
+        <p:cTn id="1" dur="indefinite" restart="never" nodeType="tmRoot">
+          <p:childTnLst>
+            <p:seq concurrent="1" nextAc="seek">
+              <p:cTn id="2" dur="indefinite" nodeType="mainSeq">
+                <p:childTnLst>
+                  <p:par>
+                    <p:cTn id="3" fill="hold">
+                      <p:stCondLst>
+                        <p:cond delay="indefinite"/>
+                      </p:stCondLst>
+                      <p:childTnLst>
+                        <p:par>
+                          <p:cTn id="4" fill="hold">
+                            <p:stCondLst>
+                              <p:cond delay="0"/>
+                            </p:stCondLst>
+                            <p:childTnLst>
+                              <p:par>
+                                <p:cTn id="5" presetID="10" presetClass="entr" presetSubtype="0" fill="hold" grpId="0" nodeType="clickEffect">
+                                  <p:stCondLst>
+                                    <p:cond delay="0"/>
+                                  </p:stCondLst>
+                                  <p:childTnLst>
+                                    <p:set>
+                                      <p:cBhvr>
+                                        <p:cTn id="6" dur="1" fill="hold">
+                                          <p:stCondLst>
+                                            <p:cond delay="0"/>
+                                          </p:stCondLst>
+                                        </p:cTn>
+                                        <p:tgtEl>
+                                          <p:spTgt spid="3"/>
+                                        </p:tgtEl>
+                                        <p:attrNameLst>
+                                          <p:attrName>style.visibility</p:attrName>
+                                        </p:attrNameLst>
+                                      </p:cBhvr>
+                                      <p:to>
+                                        <p:strVal val="visible"/>
+                                      </p:to>
+                                    </p:set>
+                                    <p:animEffect transition="in" filter="fade">
+                                      <p:cBhvr>
+                                        <p:cTn id="7" dur="500"/>
+                                        <p:tgtEl>
+                                          <p:spTgt spid="3"/>
+                                        </p:tgtEl>
+                                      </p:cBhvr>
+                                    </p:animEffect>
+                                  </p:childTnLst>
+                                </p:cTn>
+                              </p:par>
+                              <p:par>
+                                <p:cTn id="8" presetID="10" presetClass="entr" presetSubtype="0" fill="hold" nodeType="withEffect">
+                                  <p:stCondLst>
+                                    <p:cond delay="0"/>
+                                  </p:stCondLst>
+                                  <p:childTnLst>
+                                    <p:set>
+                                      <p:cBhvr>
+                                        <p:cTn id="9" dur="1" fill="hold">
+                                          <p:stCondLst>
+                                            <p:cond delay="0"/>
+                                          </p:stCondLst>
+                                        </p:cTn>
+                                        <p:tgtEl>
+                                          <p:spTgt spid="4"/>
+                                        </p:tgtEl>
+                                        <p:attrNameLst>
+                                          <p:attrName>style.visibility</p:attrName>
+                                        </p:attrNameLst>
+                                      </p:cBhvr>
+                                      <p:to>
+                                        <p:strVal val="visible"/>
+                                      </p:to>
+                                    </p:set>
+                                    <p:animEffect transition="in" filter="fade">
+                                      <p:cBhvr>
+                                        <p:cTn id="10" dur="500"/>
+                                        <p:tgtEl>
+                                          <p:spTgt spid="4"/>
+                                        </p:tgtEl>
+                                      </p:cBhvr>
+                                    </p:animEffect>
+                                  </p:childTnLst>
+                                </p:cTn>
+                              </p:par>
+                              <p:par>
+                                <p:cTn id="11" presetID="10" presetClass="entr" presetSubtype="0" fill="hold" nodeType="withEffect">
+                                  <p:stCondLst>
+                                    <p:cond delay="0"/>
+                                  </p:stCondLst>
+                                  <p:childTnLst>
+                                    <p:set>
+                                      <p:cBhvr>
+                                        <p:cTn id="12" dur="1" fill="hold">
+                                          <p:stCondLst>
+                                            <p:cond delay="0"/>
+                                          </p:stCondLst>
+                                        </p:cTn>
+                                        <p:tgtEl>
+                                          <p:spTgt spid="7"/>
+                                        </p:tgtEl>
+                                        <p:attrNameLst>
+                                          <p:attrName>style.visibility</p:attrName>
+                                        </p:attrNameLst>
+                                      </p:cBhvr>
+                                      <p:to>
+                                        <p:strVal val="visible"/>
+                                      </p:to>
+                                    </p:set>
+                                    <p:animEffect transition="in" filter="fade">
+                                      <p:cBhvr>
+                                        <p:cTn id="13" dur="500"/>
+                                        <p:tgtEl>
+                                          <p:spTgt spid="7"/>
+                                        </p:tgtEl>
+                                      </p:cBhvr>
+                                    </p:animEffect>
+                                  </p:childTnLst>
+                                </p:cTn>
+                              </p:par>
+                            </p:childTnLst>
+                          </p:cTn>
+                        </p:par>
+                      </p:childTnLst>
+                    </p:cTn>
+                  </p:par>
+                  <p:par>
+                    <p:cTn id="14" fill="hold">
+                      <p:stCondLst>
+                        <p:cond delay="indefinite"/>
+                      </p:stCondLst>
+                      <p:childTnLst>
+                        <p:par>
+                          <p:cTn id="15" fill="hold">
+                            <p:stCondLst>
+                              <p:cond delay="0"/>
+                            </p:stCondLst>
+                            <p:childTnLst>
+                              <p:par>
+                                <p:cTn id="16" presetID="10" presetClass="entr" presetSubtype="0" fill="hold" grpId="0" nodeType="clickEffect">
+                                  <p:stCondLst>
+                                    <p:cond delay="0"/>
+                                  </p:stCondLst>
+                                  <p:childTnLst>
+                                    <p:set>
+                                      <p:cBhvr>
+                                        <p:cTn id="17" dur="1" fill="hold">
+                                          <p:stCondLst>
+                                            <p:cond delay="0"/>
+                                          </p:stCondLst>
+                                        </p:cTn>
+                                        <p:tgtEl>
+                                          <p:spTgt spid="5"/>
+                                        </p:tgtEl>
+                                        <p:attrNameLst>
+                                          <p:attrName>style.visibility</p:attrName>
+                                        </p:attrNameLst>
+                                      </p:cBhvr>
+                                      <p:to>
+                                        <p:strVal val="visible"/>
+                                      </p:to>
+                                    </p:set>
+                                    <p:animEffect transition="in" filter="fade">
+                                      <p:cBhvr>
+                                        <p:cTn id="18" dur="500"/>
+                                        <p:tgtEl>
+                                          <p:spTgt spid="5"/>
+                                        </p:tgtEl>
+                                      </p:cBhvr>
+                                    </p:animEffect>
+                                  </p:childTnLst>
+                                </p:cTn>
+                              </p:par>
+                              <p:par>
+                                <p:cTn id="19" presetID="10" presetClass="entr" presetSubtype="0" fill="hold" nodeType="withEffect">
+                                  <p:stCondLst>
+                                    <p:cond delay="0"/>
+                                  </p:stCondLst>
+                                  <p:childTnLst>
+                                    <p:set>
+                                      <p:cBhvr>
+                                        <p:cTn id="20" dur="1" fill="hold">
+                                          <p:stCondLst>
+                                            <p:cond delay="0"/>
+                                          </p:stCondLst>
+                                        </p:cTn>
+                                        <p:tgtEl>
+                                          <p:spTgt spid="12"/>
+                                        </p:tgtEl>
+                                        <p:attrNameLst>
+                                          <p:attrName>style.visibility</p:attrName>
+                                        </p:attrNameLst>
+                                      </p:cBhvr>
+                                      <p:to>
+                                        <p:strVal val="visible"/>
+                                      </p:to>
+                                    </p:set>
+                                    <p:animEffect transition="in" filter="fade">
+                                      <p:cBhvr>
+                                        <p:cTn id="21" dur="500"/>
+                                        <p:tgtEl>
+                                          <p:spTgt spid="12"/>
+                                        </p:tgtEl>
+                                      </p:cBhvr>
+                                    </p:animEffect>
+                                  </p:childTnLst>
+                                </p:cTn>
+                              </p:par>
+                            </p:childTnLst>
+                          </p:cTn>
+                        </p:par>
+                      </p:childTnLst>
+                    </p:cTn>
+                  </p:par>
+                  <p:par>
+                    <p:cTn id="22" fill="hold">
+                      <p:stCondLst>
+                        <p:cond delay="indefinite"/>
+                      </p:stCondLst>
+                      <p:childTnLst>
+                        <p:par>
+                          <p:cTn id="23" fill="hold">
+                            <p:stCondLst>
+                              <p:cond delay="0"/>
+                            </p:stCondLst>
+                            <p:childTnLst>
+                              <p:par>
+                                <p:cTn id="24" presetID="10" presetClass="entr" presetSubtype="0" fill="hold" grpId="0" nodeType="clickEffect">
+                                  <p:stCondLst>
+                                    <p:cond delay="0"/>
+                                  </p:stCondLst>
+                                  <p:childTnLst>
+                                    <p:set>
+                                      <p:cBhvr>
+                                        <p:cTn id="25" dur="1" fill="hold">
+                                          <p:stCondLst>
+                                            <p:cond delay="0"/>
+                                          </p:stCondLst>
+                                        </p:cTn>
+                                        <p:tgtEl>
+                                          <p:spTgt spid="2"/>
+                                        </p:tgtEl>
+                                        <p:attrNameLst>
+                                          <p:attrName>style.visibility</p:attrName>
+                                        </p:attrNameLst>
+                                      </p:cBhvr>
+                                      <p:to>
+                                        <p:strVal val="visible"/>
+                                      </p:to>
+                                    </p:set>
+                                    <p:animEffect transition="in" filter="fade">
+                                      <p:cBhvr>
+                                        <p:cTn id="26" dur="500"/>
+                                        <p:tgtEl>
+                                          <p:spTgt spid="2"/>
+                                        </p:tgtEl>
+                                      </p:cBhvr>
+                                    </p:animEffect>
+                                  </p:childTnLst>
+                                </p:cTn>
+                              </p:par>
+                              <p:par>
+                                <p:cTn id="27" presetID="10" presetClass="entr" presetSubtype="0" fill="hold" nodeType="withEffect">
+                                  <p:stCondLst>
+                                    <p:cond delay="0"/>
+                                  </p:stCondLst>
+                                  <p:childTnLst>
+                                    <p:set>
+                                      <p:cBhvr>
+                                        <p:cTn id="28" dur="1" fill="hold">
+                                          <p:stCondLst>
+                                            <p:cond delay="0"/>
+                                          </p:stCondLst>
+                                        </p:cTn>
+                                        <p:tgtEl>
+                                          <p:spTgt spid="17"/>
+                                        </p:tgtEl>
+                                        <p:attrNameLst>
+                                          <p:attrName>style.visibility</p:attrName>
+                                        </p:attrNameLst>
+                                      </p:cBhvr>
+                                      <p:to>
+                                        <p:strVal val="visible"/>
+                                      </p:to>
+                                    </p:set>
+                                    <p:animEffect transition="in" filter="fade">
+                                      <p:cBhvr>
+                                        <p:cTn id="29" dur="500"/>
+                                        <p:tgtEl>
+                                          <p:spTgt spid="17"/>
+                                        </p:tgtEl>
+                                      </p:cBhvr>
+                                    </p:animEffect>
+                                  </p:childTnLst>
+                                </p:cTn>
+                              </p:par>
+                              <p:par>
+                                <p:cTn id="30" presetID="10" presetClass="entr" presetSubtype="0" fill="hold" nodeType="withEffect">
+                                  <p:stCondLst>
+                                    <p:cond delay="0"/>
+                                  </p:stCondLst>
+                                  <p:childTnLst>
+                                    <p:set>
+                                      <p:cBhvr>
+                                        <p:cTn id="31" dur="1" fill="hold">
+                                          <p:stCondLst>
+                                            <p:cond delay="0"/>
+                                          </p:stCondLst>
+                                        </p:cTn>
+                                        <p:tgtEl>
+                                          <p:spTgt spid="11"/>
+                                        </p:tgtEl>
+                                        <p:attrNameLst>
+                                          <p:attrName>style.visibility</p:attrName>
+                                        </p:attrNameLst>
+                                      </p:cBhvr>
+                                      <p:to>
+                                        <p:strVal val="visible"/>
+                                      </p:to>
+                                    </p:set>
+                                    <p:animEffect transition="in" filter="fade">
+                                      <p:cBhvr>
+                                        <p:cTn id="32" dur="500"/>
+                                        <p:tgtEl>
+                                          <p:spTgt spid="11"/>
+                                        </p:tgtEl>
+                                      </p:cBhvr>
+                                    </p:animEffect>
+                                  </p:childTnLst>
+                                </p:cTn>
+                              </p:par>
+                              <p:par>
+                                <p:cTn id="33" presetID="10" presetClass="entr" presetSubtype="0" fill="hold" nodeType="withEffect">
+                                  <p:stCondLst>
+                                    <p:cond delay="0"/>
+                                  </p:stCondLst>
+                                  <p:childTnLst>
+                                    <p:set>
+                                      <p:cBhvr>
+                                        <p:cTn id="34" dur="1" fill="hold">
+                                          <p:stCondLst>
+                                            <p:cond delay="0"/>
+                                          </p:stCondLst>
+                                        </p:cTn>
+                                        <p:tgtEl>
+                                          <p:spTgt spid="13"/>
+                                        </p:tgtEl>
+                                        <p:attrNameLst>
+                                          <p:attrName>style.visibility</p:attrName>
+                                        </p:attrNameLst>
+                                      </p:cBhvr>
+                                      <p:to>
+                                        <p:strVal val="visible"/>
+                                      </p:to>
+                                    </p:set>
+                                    <p:animEffect transition="in" filter="fade">
+                                      <p:cBhvr>
+                                        <p:cTn id="35" dur="500"/>
+                                        <p:tgtEl>
+                                          <p:spTgt spid="13"/>
+                                        </p:tgtEl>
+                                      </p:cBhvr>
+                                    </p:animEffect>
+                                  </p:childTnLst>
+                                </p:cTn>
+                              </p:par>
+                            </p:childTnLst>
+                          </p:cTn>
+                        </p:par>
+                      </p:childTnLst>
+                    </p:cTn>
+                  </p:par>
+                </p:childTnLst>
+              </p:cTn>
+              <p:prevCondLst>
+                <p:cond evt="onPrev" delay="0">
+                  <p:tgtEl>
+                    <p:sldTgt/>
+                  </p:tgtEl>
+                </p:cond>
+              </p:prevCondLst>
+              <p:nextCondLst>
+                <p:cond evt="onNext" delay="0">
+                  <p:tgtEl>
+                    <p:sldTgt/>
+                  </p:tgtEl>
+                </p:cond>
+              </p:nextCondLst>
+            </p:seq>
+          </p:childTnLst>
+        </p:cTn>
+      </p:par>
+    </p:tnLst>
+    <p:bldLst>
+      <p:bldP spid="3" grpId="0"/>
+      <p:bldP spid="5" grpId="0"/>
+      <p:bldP spid="2" grpId="0"/>
+    </p:bldLst>
+  </p:timing>
+</p:sld>
+</file>
+
+<file path=ppt/slides/slide11.xml><?xml version="1.0" encoding="utf-8"?>
+<p:sld xmlns:a="http://schemas.openxmlformats.org/drawingml/2006/main" xmlns:r="http://schemas.openxmlformats.org/officeDocument/2006/relationships" xmlns:p="http://schemas.openxmlformats.org/presentationml/2006/main">
+  <p:cSld>
+    <p:spTree>
+      <p:nvGrpSpPr>
+        <p:cNvPr id="1" name=""/>
+        <p:cNvGrpSpPr/>
+        <p:nvPr/>
+      </p:nvGrpSpPr>
+      <p:grpSpPr>
+        <a:xfrm>
+          <a:off x="0" y="0"/>
+          <a:ext cx="0" cy="0"/>
+          <a:chOff x="0" y="0"/>
+          <a:chExt cx="0" cy="0"/>
+        </a:xfrm>
+      </p:grpSpPr>
+      <p:pic>
+        <p:nvPicPr>
+          <p:cNvPr id="8" name="Image 7">
+            <a:extLst>
+              <a:ext uri="{FF2B5EF4-FFF2-40B4-BE49-F238E27FC236}">
+                <a16:creationId xmlns:a16="http://schemas.microsoft.com/office/drawing/2014/main" id="{2BB825C5-31DA-4A56-85EA-536DBF510A31}"/>
+              </a:ext>
+            </a:extLst>
+          </p:cNvPr>
+          <p:cNvPicPr>
+            <a:picLocks noChangeAspect="1"/>
+          </p:cNvPicPr>
+          <p:nvPr/>
+        </p:nvPicPr>
+        <p:blipFill>
+          <a:blip r:embed="rId2">
+            <a:extLst>
+              <a:ext uri="{28A0092B-C50C-407E-A947-70E740481C1C}">
+                <a14:useLocalDpi xmlns:a14="http://schemas.microsoft.com/office/drawing/2010/main" val="0"/>
+              </a:ext>
+            </a:extLst>
+          </a:blip>
+          <a:stretch>
+            <a:fillRect/>
+          </a:stretch>
+        </p:blipFill>
+        <p:spPr>
+          <a:xfrm>
+            <a:off x="1068751" y="66457"/>
+            <a:ext cx="1259497" cy="776690"/>
+          </a:xfrm>
+          <a:prstGeom prst="rect">
+            <a:avLst/>
+          </a:prstGeom>
+        </p:spPr>
+      </p:pic>
+      <p:pic>
+        <p:nvPicPr>
+          <p:cNvPr id="10" name="Image 9">
+            <a:extLst>
+              <a:ext uri="{FF2B5EF4-FFF2-40B4-BE49-F238E27FC236}">
+                <a16:creationId xmlns:a16="http://schemas.microsoft.com/office/drawing/2014/main" id="{8EE7436F-49F2-41E0-93E4-D247B4705294}"/>
+              </a:ext>
+            </a:extLst>
+          </p:cNvPr>
+          <p:cNvPicPr>
+            <a:picLocks noChangeAspect="1"/>
+          </p:cNvPicPr>
+          <p:nvPr/>
+        </p:nvPicPr>
+        <p:blipFill>
+          <a:blip r:embed="rId3">
+            <a:extLst>
+              <a:ext uri="{28A0092B-C50C-407E-A947-70E740481C1C}">
+                <a14:useLocalDpi xmlns:a14="http://schemas.microsoft.com/office/drawing/2010/main" val="0"/>
+              </a:ext>
+            </a:extLst>
+          </a:blip>
+          <a:stretch>
+            <a:fillRect/>
+          </a:stretch>
+        </p:blipFill>
+        <p:spPr>
+          <a:xfrm>
+            <a:off x="9681085" y="238153"/>
+            <a:ext cx="1802101" cy="569807"/>
+          </a:xfrm>
+          <a:prstGeom prst="rect">
+            <a:avLst/>
+          </a:prstGeom>
+        </p:spPr>
+      </p:pic>
+      <p:cxnSp>
+        <p:nvCxnSpPr>
+          <p:cNvPr id="16" name="Connecteur droit 15">
+            <a:extLst>
+              <a:ext uri="{FF2B5EF4-FFF2-40B4-BE49-F238E27FC236}">
+                <a16:creationId xmlns:a16="http://schemas.microsoft.com/office/drawing/2014/main" id="{7319284A-BD6F-4A96-8E2B-E0A4B52E53C6}"/>
+              </a:ext>
+            </a:extLst>
+          </p:cNvPr>
+          <p:cNvCxnSpPr>
+            <a:cxnSpLocks/>
+          </p:cNvCxnSpPr>
+          <p:nvPr/>
+        </p:nvCxnSpPr>
+        <p:spPr>
+          <a:xfrm flipV="1">
+            <a:off x="0" y="454803"/>
+            <a:ext cx="738231" cy="1798"/>
+          </a:xfrm>
+          <a:prstGeom prst="line">
+            <a:avLst/>
+          </a:prstGeom>
+        </p:spPr>
+        <p:style>
+          <a:lnRef idx="3">
+            <a:schemeClr val="dk1"/>
+          </a:lnRef>
+          <a:fillRef idx="0">
+            <a:schemeClr val="dk1"/>
+          </a:fillRef>
+          <a:effectRef idx="2">
+            <a:schemeClr val="dk1"/>
+          </a:effectRef>
+          <a:fontRef idx="minor">
+            <a:schemeClr val="tx1"/>
+          </a:fontRef>
+        </p:style>
+      </p:cxnSp>
+      <p:cxnSp>
+        <p:nvCxnSpPr>
+          <p:cNvPr id="20" name="Connecteur droit 19">
+            <a:extLst>
+              <a:ext uri="{FF2B5EF4-FFF2-40B4-BE49-F238E27FC236}">
+                <a16:creationId xmlns:a16="http://schemas.microsoft.com/office/drawing/2014/main" id="{08874CF7-F149-4C81-B61E-74E18342BA8A}"/>
+              </a:ext>
+            </a:extLst>
+          </p:cNvPr>
+          <p:cNvCxnSpPr>
+            <a:cxnSpLocks/>
+          </p:cNvCxnSpPr>
+          <p:nvPr/>
+        </p:nvCxnSpPr>
+        <p:spPr>
+          <a:xfrm>
+            <a:off x="2573222" y="454803"/>
+            <a:ext cx="6829482" cy="10398"/>
+          </a:xfrm>
+          <a:prstGeom prst="line">
+            <a:avLst/>
+          </a:prstGeom>
+        </p:spPr>
+        <p:style>
+          <a:lnRef idx="3">
+            <a:schemeClr val="dk1"/>
+          </a:lnRef>
+          <a:fillRef idx="0">
+            <a:schemeClr val="dk1"/>
+          </a:fillRef>
+          <a:effectRef idx="2">
+            <a:schemeClr val="dk1"/>
+          </a:effectRef>
+          <a:fontRef idx="minor">
+            <a:schemeClr val="tx1"/>
+          </a:fontRef>
+        </p:style>
+      </p:cxnSp>
+      <p:cxnSp>
+        <p:nvCxnSpPr>
+          <p:cNvPr id="26" name="Connecteur droit 25">
+            <a:extLst>
+              <a:ext uri="{FF2B5EF4-FFF2-40B4-BE49-F238E27FC236}">
+                <a16:creationId xmlns:a16="http://schemas.microsoft.com/office/drawing/2014/main" id="{BB3B35CC-057B-48C1-880F-3306A6559175}"/>
+              </a:ext>
+            </a:extLst>
+          </p:cNvPr>
+          <p:cNvCxnSpPr>
+            <a:cxnSpLocks/>
+          </p:cNvCxnSpPr>
+          <p:nvPr/>
+        </p:nvCxnSpPr>
+        <p:spPr>
+          <a:xfrm>
+            <a:off x="738231" y="454803"/>
+            <a:ext cx="344203" cy="484764"/>
+          </a:xfrm>
+          <a:prstGeom prst="line">
+            <a:avLst/>
+          </a:prstGeom>
+        </p:spPr>
+        <p:style>
+          <a:lnRef idx="3">
+            <a:schemeClr val="dk1"/>
+          </a:lnRef>
+          <a:fillRef idx="0">
+            <a:schemeClr val="dk1"/>
+          </a:fillRef>
+          <a:effectRef idx="2">
+            <a:schemeClr val="dk1"/>
+          </a:effectRef>
+          <a:fontRef idx="minor">
+            <a:schemeClr val="tx1"/>
+          </a:fontRef>
+        </p:style>
+      </p:cxnSp>
+      <p:cxnSp>
+        <p:nvCxnSpPr>
+          <p:cNvPr id="32" name="Connecteur droit 31">
+            <a:extLst>
+              <a:ext uri="{FF2B5EF4-FFF2-40B4-BE49-F238E27FC236}">
+                <a16:creationId xmlns:a16="http://schemas.microsoft.com/office/drawing/2014/main" id="{4AD96496-1EB6-4E48-9BB2-5C255495C686}"/>
+              </a:ext>
+            </a:extLst>
+          </p:cNvPr>
+          <p:cNvCxnSpPr>
+            <a:cxnSpLocks/>
+          </p:cNvCxnSpPr>
+          <p:nvPr/>
+        </p:nvCxnSpPr>
+        <p:spPr>
+          <a:xfrm>
+            <a:off x="1082434" y="938268"/>
+            <a:ext cx="1146585" cy="0"/>
+          </a:xfrm>
+          <a:prstGeom prst="line">
+            <a:avLst/>
+          </a:prstGeom>
+        </p:spPr>
+        <p:style>
+          <a:lnRef idx="3">
+            <a:schemeClr val="dk1"/>
+          </a:lnRef>
+          <a:fillRef idx="0">
+            <a:schemeClr val="dk1"/>
+          </a:fillRef>
+          <a:effectRef idx="2">
+            <a:schemeClr val="dk1"/>
+          </a:effectRef>
+          <a:fontRef idx="minor">
+            <a:schemeClr val="tx1"/>
+          </a:fontRef>
+        </p:style>
+      </p:cxnSp>
+      <p:cxnSp>
+        <p:nvCxnSpPr>
+          <p:cNvPr id="51" name="Connecteur droit 50">
+            <a:extLst>
+              <a:ext uri="{FF2B5EF4-FFF2-40B4-BE49-F238E27FC236}">
+                <a16:creationId xmlns:a16="http://schemas.microsoft.com/office/drawing/2014/main" id="{C035BFA6-ECBF-4775-BA81-19D2CA41AA8D}"/>
+              </a:ext>
+            </a:extLst>
+          </p:cNvPr>
+          <p:cNvCxnSpPr>
+            <a:cxnSpLocks/>
+          </p:cNvCxnSpPr>
+          <p:nvPr/>
+        </p:nvCxnSpPr>
+        <p:spPr>
+          <a:xfrm>
+            <a:off x="9402704" y="465201"/>
+            <a:ext cx="344203" cy="495163"/>
+          </a:xfrm>
+          <a:prstGeom prst="line">
+            <a:avLst/>
+          </a:prstGeom>
+        </p:spPr>
+        <p:style>
+          <a:lnRef idx="3">
+            <a:schemeClr val="dk1"/>
+          </a:lnRef>
+          <a:fillRef idx="0">
+            <a:schemeClr val="dk1"/>
+          </a:fillRef>
+          <a:effectRef idx="2">
+            <a:schemeClr val="dk1"/>
+          </a:effectRef>
+          <a:fontRef idx="minor">
+            <a:schemeClr val="tx1"/>
+          </a:fontRef>
+        </p:style>
+      </p:cxnSp>
+      <p:cxnSp>
+        <p:nvCxnSpPr>
+          <p:cNvPr id="52" name="Connecteur droit 51">
+            <a:extLst>
+              <a:ext uri="{FF2B5EF4-FFF2-40B4-BE49-F238E27FC236}">
+                <a16:creationId xmlns:a16="http://schemas.microsoft.com/office/drawing/2014/main" id="{FA310BC7-694B-4984-99A2-61A1F4F6EBF9}"/>
+              </a:ext>
+            </a:extLst>
+          </p:cNvPr>
+          <p:cNvCxnSpPr>
+            <a:cxnSpLocks/>
+          </p:cNvCxnSpPr>
+          <p:nvPr/>
+        </p:nvCxnSpPr>
+        <p:spPr>
+          <a:xfrm flipH="1">
+            <a:off x="11370469" y="448308"/>
+            <a:ext cx="364332" cy="501657"/>
+          </a:xfrm>
+          <a:prstGeom prst="line">
+            <a:avLst/>
+          </a:prstGeom>
+        </p:spPr>
+        <p:style>
+          <a:lnRef idx="3">
+            <a:schemeClr val="dk1"/>
+          </a:lnRef>
+          <a:fillRef idx="0">
+            <a:schemeClr val="dk1"/>
+          </a:fillRef>
+          <a:effectRef idx="2">
+            <a:schemeClr val="dk1"/>
+          </a:effectRef>
+          <a:fontRef idx="minor">
+            <a:schemeClr val="tx1"/>
+          </a:fontRef>
+        </p:style>
+      </p:cxnSp>
+      <p:cxnSp>
+        <p:nvCxnSpPr>
+          <p:cNvPr id="53" name="Connecteur droit 52">
+            <a:extLst>
+              <a:ext uri="{FF2B5EF4-FFF2-40B4-BE49-F238E27FC236}">
+                <a16:creationId xmlns:a16="http://schemas.microsoft.com/office/drawing/2014/main" id="{BE0649BD-EE59-4DDA-960F-95B2572F9F13}"/>
+              </a:ext>
+            </a:extLst>
+          </p:cNvPr>
+          <p:cNvCxnSpPr>
+            <a:cxnSpLocks/>
+          </p:cNvCxnSpPr>
+          <p:nvPr/>
+        </p:nvCxnSpPr>
+        <p:spPr>
+          <a:xfrm>
+            <a:off x="9743203" y="949965"/>
+            <a:ext cx="1627266" cy="0"/>
+          </a:xfrm>
+          <a:prstGeom prst="line">
+            <a:avLst/>
+          </a:prstGeom>
+        </p:spPr>
+        <p:style>
+          <a:lnRef idx="3">
+            <a:schemeClr val="dk1"/>
+          </a:lnRef>
+          <a:fillRef idx="0">
+            <a:schemeClr val="dk1"/>
+          </a:fillRef>
+          <a:effectRef idx="2">
+            <a:schemeClr val="dk1"/>
+          </a:effectRef>
+          <a:fontRef idx="minor">
+            <a:schemeClr val="tx1"/>
+          </a:fontRef>
+        </p:style>
+      </p:cxnSp>
+      <p:cxnSp>
+        <p:nvCxnSpPr>
+          <p:cNvPr id="55" name="Connecteur droit 54">
+            <a:extLst>
+              <a:ext uri="{FF2B5EF4-FFF2-40B4-BE49-F238E27FC236}">
+                <a16:creationId xmlns:a16="http://schemas.microsoft.com/office/drawing/2014/main" id="{52AA9200-DAFA-4EEF-AC13-4C7CE82A59EC}"/>
+              </a:ext>
+            </a:extLst>
+          </p:cNvPr>
+          <p:cNvCxnSpPr>
+            <a:cxnSpLocks/>
+          </p:cNvCxnSpPr>
+          <p:nvPr/>
+        </p:nvCxnSpPr>
+        <p:spPr>
+          <a:xfrm>
+            <a:off x="11715750" y="454801"/>
+            <a:ext cx="476249" cy="10400"/>
+          </a:xfrm>
+          <a:prstGeom prst="line">
+            <a:avLst/>
+          </a:prstGeom>
+        </p:spPr>
+        <p:style>
+          <a:lnRef idx="3">
+            <a:schemeClr val="dk1"/>
+          </a:lnRef>
+          <a:fillRef idx="0">
+            <a:schemeClr val="dk1"/>
+          </a:fillRef>
+          <a:effectRef idx="2">
+            <a:schemeClr val="dk1"/>
+          </a:effectRef>
+          <a:fontRef idx="minor">
+            <a:schemeClr val="tx1"/>
+          </a:fontRef>
+        </p:style>
+      </p:cxnSp>
+      <p:cxnSp>
+        <p:nvCxnSpPr>
+          <p:cNvPr id="23" name="Connecteur droit 22">
+            <a:extLst>
+              <a:ext uri="{FF2B5EF4-FFF2-40B4-BE49-F238E27FC236}">
+                <a16:creationId xmlns:a16="http://schemas.microsoft.com/office/drawing/2014/main" id="{BCB092C8-0080-4E56-957E-0046D4C83988}"/>
+              </a:ext>
+            </a:extLst>
+          </p:cNvPr>
+          <p:cNvCxnSpPr>
+            <a:cxnSpLocks/>
+          </p:cNvCxnSpPr>
+          <p:nvPr/>
+        </p:nvCxnSpPr>
+        <p:spPr>
+          <a:xfrm flipH="1">
+            <a:off x="2216372" y="446356"/>
+            <a:ext cx="364332" cy="501657"/>
+          </a:xfrm>
+          <a:prstGeom prst="line">
+            <a:avLst/>
+          </a:prstGeom>
+        </p:spPr>
+        <p:style>
+          <a:lnRef idx="3">
+            <a:schemeClr val="dk1"/>
+          </a:lnRef>
+          <a:fillRef idx="0">
+            <a:schemeClr val="dk1"/>
+          </a:fillRef>
+          <a:effectRef idx="2">
+            <a:schemeClr val="dk1"/>
+          </a:effectRef>
+          <a:fontRef idx="minor">
+            <a:schemeClr val="tx1"/>
+          </a:fontRef>
+        </p:style>
+      </p:cxnSp>
+      <p:pic>
+        <p:nvPicPr>
+          <p:cNvPr id="57" name="Image 56">
+            <a:extLst>
+              <a:ext uri="{FF2B5EF4-FFF2-40B4-BE49-F238E27FC236}">
+                <a16:creationId xmlns:a16="http://schemas.microsoft.com/office/drawing/2014/main" id="{12B16FB2-5844-4B92-AE69-9BAC858C22BB}"/>
+              </a:ext>
+            </a:extLst>
+          </p:cNvPr>
+          <p:cNvPicPr>
+            <a:picLocks noChangeAspect="1"/>
+          </p:cNvPicPr>
+          <p:nvPr/>
+        </p:nvPicPr>
+        <p:blipFill>
+          <a:blip r:embed="rId3">
+            <a:extLst>
+              <a:ext uri="{28A0092B-C50C-407E-A947-70E740481C1C}">
+                <a14:useLocalDpi xmlns:a14="http://schemas.microsoft.com/office/drawing/2010/main" val="0"/>
+              </a:ext>
+            </a:extLst>
+          </a:blip>
+          <a:stretch>
+            <a:fillRect/>
+          </a:stretch>
+        </p:blipFill>
+        <p:spPr>
+          <a:xfrm>
+            <a:off x="9681085" y="238153"/>
+            <a:ext cx="1802101" cy="569807"/>
+          </a:xfrm>
+          <a:prstGeom prst="rect">
+            <a:avLst/>
+          </a:prstGeom>
+        </p:spPr>
+      </p:pic>
+      <p:cxnSp>
+        <p:nvCxnSpPr>
+          <p:cNvPr id="58" name="Connecteur droit 57">
+            <a:extLst>
+              <a:ext uri="{FF2B5EF4-FFF2-40B4-BE49-F238E27FC236}">
+                <a16:creationId xmlns:a16="http://schemas.microsoft.com/office/drawing/2014/main" id="{01599350-F8B0-4FDC-B003-981189A8D654}"/>
+              </a:ext>
+            </a:extLst>
+          </p:cNvPr>
+          <p:cNvCxnSpPr>
+            <a:cxnSpLocks/>
+          </p:cNvCxnSpPr>
+          <p:nvPr/>
+        </p:nvCxnSpPr>
+        <p:spPr>
+          <a:xfrm>
+            <a:off x="2573222" y="454803"/>
+            <a:ext cx="6829482" cy="10398"/>
+          </a:xfrm>
+          <a:prstGeom prst="line">
+            <a:avLst/>
+          </a:prstGeom>
+        </p:spPr>
+        <p:style>
+          <a:lnRef idx="3">
+            <a:schemeClr val="dk1"/>
+          </a:lnRef>
+          <a:fillRef idx="0">
+            <a:schemeClr val="dk1"/>
+          </a:fillRef>
+          <a:effectRef idx="2">
+            <a:schemeClr val="dk1"/>
+          </a:effectRef>
+          <a:fontRef idx="minor">
+            <a:schemeClr val="tx1"/>
+          </a:fontRef>
+        </p:style>
+      </p:cxnSp>
+      <p:cxnSp>
+        <p:nvCxnSpPr>
+          <p:cNvPr id="59" name="Connecteur droit 58">
+            <a:extLst>
+              <a:ext uri="{FF2B5EF4-FFF2-40B4-BE49-F238E27FC236}">
+                <a16:creationId xmlns:a16="http://schemas.microsoft.com/office/drawing/2014/main" id="{BC6E6150-6054-4785-84EC-0C46D82034C2}"/>
+              </a:ext>
+            </a:extLst>
+          </p:cNvPr>
+          <p:cNvCxnSpPr>
+            <a:cxnSpLocks/>
+          </p:cNvCxnSpPr>
+          <p:nvPr/>
+        </p:nvCxnSpPr>
+        <p:spPr>
+          <a:xfrm>
+            <a:off x="738231" y="454803"/>
+            <a:ext cx="344203" cy="484764"/>
+          </a:xfrm>
+          <a:prstGeom prst="line">
+            <a:avLst/>
+          </a:prstGeom>
+        </p:spPr>
+        <p:style>
+          <a:lnRef idx="3">
+            <a:schemeClr val="dk1"/>
+          </a:lnRef>
+          <a:fillRef idx="0">
+            <a:schemeClr val="dk1"/>
+          </a:fillRef>
+          <a:effectRef idx="2">
+            <a:schemeClr val="dk1"/>
+          </a:effectRef>
+          <a:fontRef idx="minor">
+            <a:schemeClr val="tx1"/>
+          </a:fontRef>
+        </p:style>
+      </p:cxnSp>
+      <p:pic>
+        <p:nvPicPr>
+          <p:cNvPr id="3" name="Image 2">
+            <a:extLst>
+              <a:ext uri="{FF2B5EF4-FFF2-40B4-BE49-F238E27FC236}">
+                <a16:creationId xmlns:a16="http://schemas.microsoft.com/office/drawing/2014/main" id="{7B2BEC07-36E4-44EF-A84B-6AC7DB0B377E}"/>
+              </a:ext>
+            </a:extLst>
+          </p:cNvPr>
+          <p:cNvPicPr>
+            <a:picLocks noChangeAspect="1"/>
+          </p:cNvPicPr>
+          <p:nvPr/>
+        </p:nvPicPr>
+        <p:blipFill rotWithShape="1">
+          <a:blip r:embed="rId4">
+            <a:extLst>
+              <a:ext uri="{28A0092B-C50C-407E-A947-70E740481C1C}">
+                <a14:useLocalDpi xmlns:a14="http://schemas.microsoft.com/office/drawing/2010/main" val="0"/>
+              </a:ext>
+            </a:extLst>
+          </a:blip>
+          <a:srcRect l="6612" t="8604" r="31913" b="15876"/>
+          <a:stretch/>
+        </p:blipFill>
+        <p:spPr>
+          <a:xfrm>
+            <a:off x="2238348" y="1660048"/>
+            <a:ext cx="6829481" cy="5056850"/>
+          </a:xfrm>
+          <a:prstGeom prst="rect">
+            <a:avLst/>
+          </a:prstGeom>
+        </p:spPr>
+      </p:pic>
+      <p:cxnSp>
+        <p:nvCxnSpPr>
+          <p:cNvPr id="60" name="Connecteur droit 59">
+            <a:extLst>
+              <a:ext uri="{FF2B5EF4-FFF2-40B4-BE49-F238E27FC236}">
+                <a16:creationId xmlns:a16="http://schemas.microsoft.com/office/drawing/2014/main" id="{CBC9961A-8EC2-4287-A398-BCA4138D409D}"/>
+              </a:ext>
+            </a:extLst>
+          </p:cNvPr>
+          <p:cNvCxnSpPr>
+            <a:cxnSpLocks/>
+          </p:cNvCxnSpPr>
+          <p:nvPr/>
+        </p:nvCxnSpPr>
+        <p:spPr>
+          <a:xfrm>
+            <a:off x="1082434" y="938268"/>
+            <a:ext cx="1146585" cy="0"/>
+          </a:xfrm>
+          <a:prstGeom prst="line">
+            <a:avLst/>
+          </a:prstGeom>
+        </p:spPr>
+        <p:style>
+          <a:lnRef idx="3">
+            <a:schemeClr val="dk1"/>
+          </a:lnRef>
+          <a:fillRef idx="0">
+            <a:schemeClr val="dk1"/>
+          </a:fillRef>
+          <a:effectRef idx="2">
+            <a:schemeClr val="dk1"/>
+          </a:effectRef>
+          <a:fontRef idx="minor">
+            <a:schemeClr val="tx1"/>
+          </a:fontRef>
+        </p:style>
+      </p:cxnSp>
+      <p:cxnSp>
+        <p:nvCxnSpPr>
+          <p:cNvPr id="61" name="Connecteur droit 60">
+            <a:extLst>
+              <a:ext uri="{FF2B5EF4-FFF2-40B4-BE49-F238E27FC236}">
+                <a16:creationId xmlns:a16="http://schemas.microsoft.com/office/drawing/2014/main" id="{152B7C45-2543-4665-BC07-4DB71CA9F337}"/>
+              </a:ext>
+            </a:extLst>
+          </p:cNvPr>
+          <p:cNvCxnSpPr>
+            <a:cxnSpLocks/>
+          </p:cNvCxnSpPr>
+          <p:nvPr/>
+        </p:nvCxnSpPr>
+        <p:spPr>
+          <a:xfrm>
+            <a:off x="9402704" y="465201"/>
+            <a:ext cx="344203" cy="495163"/>
+          </a:xfrm>
+          <a:prstGeom prst="line">
+            <a:avLst/>
+          </a:prstGeom>
+        </p:spPr>
+        <p:style>
+          <a:lnRef idx="3">
+            <a:schemeClr val="dk1"/>
+          </a:lnRef>
+          <a:fillRef idx="0">
+            <a:schemeClr val="dk1"/>
+          </a:fillRef>
+          <a:effectRef idx="2">
+            <a:schemeClr val="dk1"/>
+          </a:effectRef>
+          <a:fontRef idx="minor">
+            <a:schemeClr val="tx1"/>
+          </a:fontRef>
+        </p:style>
+      </p:cxnSp>
+      <p:cxnSp>
+        <p:nvCxnSpPr>
+          <p:cNvPr id="62" name="Connecteur droit 61">
+            <a:extLst>
+              <a:ext uri="{FF2B5EF4-FFF2-40B4-BE49-F238E27FC236}">
+                <a16:creationId xmlns:a16="http://schemas.microsoft.com/office/drawing/2014/main" id="{00A84DC3-A112-46A3-B71C-04D85339323D}"/>
+              </a:ext>
+            </a:extLst>
+          </p:cNvPr>
+          <p:cNvCxnSpPr>
+            <a:cxnSpLocks/>
+          </p:cNvCxnSpPr>
+          <p:nvPr/>
+        </p:nvCxnSpPr>
+        <p:spPr>
+          <a:xfrm flipH="1">
+            <a:off x="11370469" y="448308"/>
+            <a:ext cx="364332" cy="501657"/>
+          </a:xfrm>
+          <a:prstGeom prst="line">
+            <a:avLst/>
+          </a:prstGeom>
+        </p:spPr>
+        <p:style>
+          <a:lnRef idx="3">
+            <a:schemeClr val="dk1"/>
+          </a:lnRef>
+          <a:fillRef idx="0">
+            <a:schemeClr val="dk1"/>
+          </a:fillRef>
+          <a:effectRef idx="2">
+            <a:schemeClr val="dk1"/>
+          </a:effectRef>
+          <a:fontRef idx="minor">
+            <a:schemeClr val="tx1"/>
+          </a:fontRef>
+        </p:style>
+      </p:cxnSp>
+      <p:cxnSp>
+        <p:nvCxnSpPr>
+          <p:cNvPr id="63" name="Connecteur droit 62">
+            <a:extLst>
+              <a:ext uri="{FF2B5EF4-FFF2-40B4-BE49-F238E27FC236}">
+                <a16:creationId xmlns:a16="http://schemas.microsoft.com/office/drawing/2014/main" id="{C50788C6-8F68-44EC-AB54-94C1D2FE554D}"/>
+              </a:ext>
+            </a:extLst>
+          </p:cNvPr>
+          <p:cNvCxnSpPr>
+            <a:cxnSpLocks/>
+          </p:cNvCxnSpPr>
+          <p:nvPr/>
+        </p:nvCxnSpPr>
+        <p:spPr>
+          <a:xfrm>
+            <a:off x="9743203" y="949965"/>
+            <a:ext cx="1627266" cy="0"/>
+          </a:xfrm>
+          <a:prstGeom prst="line">
+            <a:avLst/>
+          </a:prstGeom>
+        </p:spPr>
+        <p:style>
+          <a:lnRef idx="3">
+            <a:schemeClr val="dk1"/>
+          </a:lnRef>
+          <a:fillRef idx="0">
+            <a:schemeClr val="dk1"/>
+          </a:fillRef>
+          <a:effectRef idx="2">
+            <a:schemeClr val="dk1"/>
+          </a:effectRef>
+          <a:fontRef idx="minor">
+            <a:schemeClr val="tx1"/>
+          </a:fontRef>
+        </p:style>
+      </p:cxnSp>
+      <p:cxnSp>
+        <p:nvCxnSpPr>
+          <p:cNvPr id="64" name="Connecteur droit 63">
+            <a:extLst>
+              <a:ext uri="{FF2B5EF4-FFF2-40B4-BE49-F238E27FC236}">
+                <a16:creationId xmlns:a16="http://schemas.microsoft.com/office/drawing/2014/main" id="{BC4D4E5F-5636-45CB-873C-EC085AB307A3}"/>
+              </a:ext>
+            </a:extLst>
+          </p:cNvPr>
+          <p:cNvCxnSpPr>
+            <a:cxnSpLocks/>
+          </p:cNvCxnSpPr>
+          <p:nvPr/>
+        </p:nvCxnSpPr>
+        <p:spPr>
+          <a:xfrm>
+            <a:off x="11715750" y="454801"/>
+            <a:ext cx="476249" cy="10400"/>
+          </a:xfrm>
+          <a:prstGeom prst="line">
+            <a:avLst/>
+          </a:prstGeom>
+        </p:spPr>
+        <p:style>
+          <a:lnRef idx="3">
+            <a:schemeClr val="dk1"/>
+          </a:lnRef>
+          <a:fillRef idx="0">
+            <a:schemeClr val="dk1"/>
+          </a:fillRef>
+          <a:effectRef idx="2">
+            <a:schemeClr val="dk1"/>
+          </a:effectRef>
+          <a:fontRef idx="minor">
+            <a:schemeClr val="tx1"/>
+          </a:fontRef>
+        </p:style>
+      </p:cxnSp>
+      <p:cxnSp>
+        <p:nvCxnSpPr>
+          <p:cNvPr id="65" name="Connecteur droit 64">
+            <a:extLst>
+              <a:ext uri="{FF2B5EF4-FFF2-40B4-BE49-F238E27FC236}">
+                <a16:creationId xmlns:a16="http://schemas.microsoft.com/office/drawing/2014/main" id="{E6F6B4C5-0E3B-46C9-859D-EE774175D36F}"/>
+              </a:ext>
+            </a:extLst>
+          </p:cNvPr>
+          <p:cNvCxnSpPr>
+            <a:cxnSpLocks/>
+          </p:cNvCxnSpPr>
+          <p:nvPr/>
+        </p:nvCxnSpPr>
+        <p:spPr>
+          <a:xfrm flipH="1">
+            <a:off x="2216372" y="446356"/>
+            <a:ext cx="364332" cy="501657"/>
+          </a:xfrm>
+          <a:prstGeom prst="line">
+            <a:avLst/>
+          </a:prstGeom>
+        </p:spPr>
+        <p:style>
+          <a:lnRef idx="3">
+            <a:schemeClr val="dk1"/>
+          </a:lnRef>
+          <a:fillRef idx="0">
+            <a:schemeClr val="dk1"/>
+          </a:fillRef>
+          <a:effectRef idx="2">
+            <a:schemeClr val="dk1"/>
+          </a:effectRef>
+          <a:fontRef idx="minor">
+            <a:schemeClr val="tx1"/>
+          </a:fontRef>
+        </p:style>
+      </p:cxnSp>
+      <p:sp>
+        <p:nvSpPr>
+          <p:cNvPr id="4" name="ZoneTexte 3">
+            <a:extLst>
+              <a:ext uri="{FF2B5EF4-FFF2-40B4-BE49-F238E27FC236}">
+                <a16:creationId xmlns:a16="http://schemas.microsoft.com/office/drawing/2014/main" id="{E77BD0C0-B104-436D-A198-D80CD647A659}"/>
+              </a:ext>
+            </a:extLst>
+          </p:cNvPr>
+          <p:cNvSpPr txBox="1"/>
+          <p:nvPr/>
+        </p:nvSpPr>
+        <p:spPr>
+          <a:xfrm>
+            <a:off x="2531126" y="454801"/>
+            <a:ext cx="6243927" cy="1446550"/>
+          </a:xfrm>
+          <a:prstGeom prst="rect">
+            <a:avLst/>
+          </a:prstGeom>
+          <a:noFill/>
+        </p:spPr>
+        <p:txBody>
+          <a:bodyPr wrap="square" rtlCol="0">
+            <a:spAutoFit/>
+          </a:bodyPr>
+          <a:lstStyle/>
+          <a:p>
+            <a:pPr marL="0" marR="0" lvl="0" indent="0" algn="ctr" defTabSz="914400" rtl="0" eaLnBrk="1" fontAlgn="auto" latinLnBrk="0" hangingPunct="1">
               <a:lnSpc>
                 <a:spcPct val="100000"/>
               </a:lnSpc>
@@ -5366,51 +6663,15 @@
                 <a:ea typeface="+mn-ea"/>
                 <a:cs typeface="+mn-cs"/>
               </a:rPr>
-              <a:t>Base de données</a:t>
+              <a:t>Diagramme de cas d’utilisation</a:t>
             </a:r>
           </a:p>
         </p:txBody>
       </p:sp>
-      <p:pic>
-        <p:nvPicPr>
-          <p:cNvPr id="4" name="Image 3">
-            <a:extLst>
-              <a:ext uri="{FF2B5EF4-FFF2-40B4-BE49-F238E27FC236}">
-                <a16:creationId xmlns:a16="http://schemas.microsoft.com/office/drawing/2014/main" id="{8B26BEA2-EF2C-479A-B8FC-3E647E6B0735}"/>
-              </a:ext>
-            </a:extLst>
-          </p:cNvPr>
-          <p:cNvPicPr>
-            <a:picLocks noChangeAspect="1"/>
-          </p:cNvPicPr>
-          <p:nvPr/>
-        </p:nvPicPr>
-        <p:blipFill>
-          <a:blip r:embed="rId4">
-            <a:extLst>
-              <a:ext uri="{28A0092B-C50C-407E-A947-70E740481C1C}">
-                <a14:useLocalDpi xmlns:a14="http://schemas.microsoft.com/office/drawing/2010/main" val="0"/>
-              </a:ext>
-            </a:extLst>
-          </a:blip>
-          <a:stretch>
-            <a:fillRect/>
-          </a:stretch>
-        </p:blipFill>
-        <p:spPr>
-          <a:xfrm>
-            <a:off x="1487085" y="1464993"/>
-            <a:ext cx="10145003" cy="5253048"/>
-          </a:xfrm>
-          <a:prstGeom prst="rect">
-            <a:avLst/>
-          </a:prstGeom>
-        </p:spPr>
-      </p:pic>
     </p:spTree>
     <p:extLst>
       <p:ext uri="{BB962C8B-B14F-4D97-AF65-F5344CB8AC3E}">
-        <p14:creationId xmlns:p14="http://schemas.microsoft.com/office/powerpoint/2010/main" val="3188051435"/>
+        <p14:creationId xmlns:p14="http://schemas.microsoft.com/office/powerpoint/2010/main" val="2016876074"/>
       </p:ext>
     </p:extLst>
   </p:cSld>
@@ -5425,462 +6686,6 @@
     </mc:Choice>
     <mc:Fallback xmlns="">
       <p:transition spd="slow">
-        <p:fade/>
-      </p:transition>
-    </mc:Fallback>
-  </mc:AlternateContent>
-</p:sld>
-</file>
-
-<file path=ppt/slides/slide11.xml><?xml version="1.0" encoding="utf-8"?>
-<p:sld xmlns:a="http://schemas.openxmlformats.org/drawingml/2006/main" xmlns:r="http://schemas.openxmlformats.org/officeDocument/2006/relationships" xmlns:p="http://schemas.openxmlformats.org/presentationml/2006/main">
-  <p:cSld>
-    <p:spTree>
-      <p:nvGrpSpPr>
-        <p:cNvPr id="1" name=""/>
-        <p:cNvGrpSpPr/>
-        <p:nvPr/>
-      </p:nvGrpSpPr>
-      <p:grpSpPr>
-        <a:xfrm>
-          <a:off x="0" y="0"/>
-          <a:ext cx="0" cy="0"/>
-          <a:chOff x="0" y="0"/>
-          <a:chExt cx="0" cy="0"/>
-        </a:xfrm>
-      </p:grpSpPr>
-      <p:pic>
-        <p:nvPicPr>
-          <p:cNvPr id="8" name="Image 7">
-            <a:extLst>
-              <a:ext uri="{FF2B5EF4-FFF2-40B4-BE49-F238E27FC236}">
-                <a16:creationId xmlns:a16="http://schemas.microsoft.com/office/drawing/2014/main" id="{2BB825C5-31DA-4A56-85EA-536DBF510A31}"/>
-              </a:ext>
-            </a:extLst>
-          </p:cNvPr>
-          <p:cNvPicPr>
-            <a:picLocks noChangeAspect="1"/>
-          </p:cNvPicPr>
-          <p:nvPr/>
-        </p:nvPicPr>
-        <p:blipFill>
-          <a:blip r:embed="rId2">
-            <a:extLst>
-              <a:ext uri="{28A0092B-C50C-407E-A947-70E740481C1C}">
-                <a14:useLocalDpi xmlns:a14="http://schemas.microsoft.com/office/drawing/2010/main" val="0"/>
-              </a:ext>
-            </a:extLst>
-          </a:blip>
-          <a:stretch>
-            <a:fillRect/>
-          </a:stretch>
-        </p:blipFill>
-        <p:spPr>
-          <a:xfrm>
-            <a:off x="1068751" y="66457"/>
-            <a:ext cx="1259497" cy="776690"/>
-          </a:xfrm>
-          <a:prstGeom prst="rect">
-            <a:avLst/>
-          </a:prstGeom>
-        </p:spPr>
-      </p:pic>
-      <p:pic>
-        <p:nvPicPr>
-          <p:cNvPr id="10" name="Image 9">
-            <a:extLst>
-              <a:ext uri="{FF2B5EF4-FFF2-40B4-BE49-F238E27FC236}">
-                <a16:creationId xmlns:a16="http://schemas.microsoft.com/office/drawing/2014/main" id="{8EE7436F-49F2-41E0-93E4-D247B4705294}"/>
-              </a:ext>
-            </a:extLst>
-          </p:cNvPr>
-          <p:cNvPicPr>
-            <a:picLocks noChangeAspect="1"/>
-          </p:cNvPicPr>
-          <p:nvPr/>
-        </p:nvPicPr>
-        <p:blipFill>
-          <a:blip r:embed="rId3">
-            <a:extLst>
-              <a:ext uri="{28A0092B-C50C-407E-A947-70E740481C1C}">
-                <a14:useLocalDpi xmlns:a14="http://schemas.microsoft.com/office/drawing/2010/main" val="0"/>
-              </a:ext>
-            </a:extLst>
-          </a:blip>
-          <a:stretch>
-            <a:fillRect/>
-          </a:stretch>
-        </p:blipFill>
-        <p:spPr>
-          <a:xfrm>
-            <a:off x="9681085" y="238153"/>
-            <a:ext cx="1802101" cy="569807"/>
-          </a:xfrm>
-          <a:prstGeom prst="rect">
-            <a:avLst/>
-          </a:prstGeom>
-        </p:spPr>
-      </p:pic>
-      <p:cxnSp>
-        <p:nvCxnSpPr>
-          <p:cNvPr id="16" name="Connecteur droit 15">
-            <a:extLst>
-              <a:ext uri="{FF2B5EF4-FFF2-40B4-BE49-F238E27FC236}">
-                <a16:creationId xmlns:a16="http://schemas.microsoft.com/office/drawing/2014/main" id="{7319284A-BD6F-4A96-8E2B-E0A4B52E53C6}"/>
-              </a:ext>
-            </a:extLst>
-          </p:cNvPr>
-          <p:cNvCxnSpPr>
-            <a:cxnSpLocks/>
-          </p:cNvCxnSpPr>
-          <p:nvPr/>
-        </p:nvCxnSpPr>
-        <p:spPr>
-          <a:xfrm flipV="1">
-            <a:off x="0" y="454803"/>
-            <a:ext cx="738231" cy="1798"/>
-          </a:xfrm>
-          <a:prstGeom prst="line">
-            <a:avLst/>
-          </a:prstGeom>
-        </p:spPr>
-        <p:style>
-          <a:lnRef idx="3">
-            <a:schemeClr val="dk1"/>
-          </a:lnRef>
-          <a:fillRef idx="0">
-            <a:schemeClr val="dk1"/>
-          </a:fillRef>
-          <a:effectRef idx="2">
-            <a:schemeClr val="dk1"/>
-          </a:effectRef>
-          <a:fontRef idx="minor">
-            <a:schemeClr val="tx1"/>
-          </a:fontRef>
-        </p:style>
-      </p:cxnSp>
-      <p:cxnSp>
-        <p:nvCxnSpPr>
-          <p:cNvPr id="20" name="Connecteur droit 19">
-            <a:extLst>
-              <a:ext uri="{FF2B5EF4-FFF2-40B4-BE49-F238E27FC236}">
-                <a16:creationId xmlns:a16="http://schemas.microsoft.com/office/drawing/2014/main" id="{08874CF7-F149-4C81-B61E-74E18342BA8A}"/>
-              </a:ext>
-            </a:extLst>
-          </p:cNvPr>
-          <p:cNvCxnSpPr>
-            <a:cxnSpLocks/>
-          </p:cNvCxnSpPr>
-          <p:nvPr/>
-        </p:nvCxnSpPr>
-        <p:spPr>
-          <a:xfrm>
-            <a:off x="2573222" y="454803"/>
-            <a:ext cx="6829482" cy="10398"/>
-          </a:xfrm>
-          <a:prstGeom prst="line">
-            <a:avLst/>
-          </a:prstGeom>
-        </p:spPr>
-        <p:style>
-          <a:lnRef idx="3">
-            <a:schemeClr val="dk1"/>
-          </a:lnRef>
-          <a:fillRef idx="0">
-            <a:schemeClr val="dk1"/>
-          </a:fillRef>
-          <a:effectRef idx="2">
-            <a:schemeClr val="dk1"/>
-          </a:effectRef>
-          <a:fontRef idx="minor">
-            <a:schemeClr val="tx1"/>
-          </a:fontRef>
-        </p:style>
-      </p:cxnSp>
-      <p:cxnSp>
-        <p:nvCxnSpPr>
-          <p:cNvPr id="26" name="Connecteur droit 25">
-            <a:extLst>
-              <a:ext uri="{FF2B5EF4-FFF2-40B4-BE49-F238E27FC236}">
-                <a16:creationId xmlns:a16="http://schemas.microsoft.com/office/drawing/2014/main" id="{BB3B35CC-057B-48C1-880F-3306A6559175}"/>
-              </a:ext>
-            </a:extLst>
-          </p:cNvPr>
-          <p:cNvCxnSpPr>
-            <a:cxnSpLocks/>
-          </p:cNvCxnSpPr>
-          <p:nvPr/>
-        </p:nvCxnSpPr>
-        <p:spPr>
-          <a:xfrm>
-            <a:off x="738231" y="454803"/>
-            <a:ext cx="344203" cy="484764"/>
-          </a:xfrm>
-          <a:prstGeom prst="line">
-            <a:avLst/>
-          </a:prstGeom>
-        </p:spPr>
-        <p:style>
-          <a:lnRef idx="3">
-            <a:schemeClr val="dk1"/>
-          </a:lnRef>
-          <a:fillRef idx="0">
-            <a:schemeClr val="dk1"/>
-          </a:fillRef>
-          <a:effectRef idx="2">
-            <a:schemeClr val="dk1"/>
-          </a:effectRef>
-          <a:fontRef idx="minor">
-            <a:schemeClr val="tx1"/>
-          </a:fontRef>
-        </p:style>
-      </p:cxnSp>
-      <p:cxnSp>
-        <p:nvCxnSpPr>
-          <p:cNvPr id="32" name="Connecteur droit 31">
-            <a:extLst>
-              <a:ext uri="{FF2B5EF4-FFF2-40B4-BE49-F238E27FC236}">
-                <a16:creationId xmlns:a16="http://schemas.microsoft.com/office/drawing/2014/main" id="{4AD96496-1EB6-4E48-9BB2-5C255495C686}"/>
-              </a:ext>
-            </a:extLst>
-          </p:cNvPr>
-          <p:cNvCxnSpPr>
-            <a:cxnSpLocks/>
-          </p:cNvCxnSpPr>
-          <p:nvPr/>
-        </p:nvCxnSpPr>
-        <p:spPr>
-          <a:xfrm>
-            <a:off x="1082434" y="938268"/>
-            <a:ext cx="1146585" cy="0"/>
-          </a:xfrm>
-          <a:prstGeom prst="line">
-            <a:avLst/>
-          </a:prstGeom>
-        </p:spPr>
-        <p:style>
-          <a:lnRef idx="3">
-            <a:schemeClr val="dk1"/>
-          </a:lnRef>
-          <a:fillRef idx="0">
-            <a:schemeClr val="dk1"/>
-          </a:fillRef>
-          <a:effectRef idx="2">
-            <a:schemeClr val="dk1"/>
-          </a:effectRef>
-          <a:fontRef idx="minor">
-            <a:schemeClr val="tx1"/>
-          </a:fontRef>
-        </p:style>
-      </p:cxnSp>
-      <p:cxnSp>
-        <p:nvCxnSpPr>
-          <p:cNvPr id="51" name="Connecteur droit 50">
-            <a:extLst>
-              <a:ext uri="{FF2B5EF4-FFF2-40B4-BE49-F238E27FC236}">
-                <a16:creationId xmlns:a16="http://schemas.microsoft.com/office/drawing/2014/main" id="{C035BFA6-ECBF-4775-BA81-19D2CA41AA8D}"/>
-              </a:ext>
-            </a:extLst>
-          </p:cNvPr>
-          <p:cNvCxnSpPr>
-            <a:cxnSpLocks/>
-          </p:cNvCxnSpPr>
-          <p:nvPr/>
-        </p:nvCxnSpPr>
-        <p:spPr>
-          <a:xfrm>
-            <a:off x="9402704" y="465201"/>
-            <a:ext cx="344203" cy="495163"/>
-          </a:xfrm>
-          <a:prstGeom prst="line">
-            <a:avLst/>
-          </a:prstGeom>
-        </p:spPr>
-        <p:style>
-          <a:lnRef idx="3">
-            <a:schemeClr val="dk1"/>
-          </a:lnRef>
-          <a:fillRef idx="0">
-            <a:schemeClr val="dk1"/>
-          </a:fillRef>
-          <a:effectRef idx="2">
-            <a:schemeClr val="dk1"/>
-          </a:effectRef>
-          <a:fontRef idx="minor">
-            <a:schemeClr val="tx1"/>
-          </a:fontRef>
-        </p:style>
-      </p:cxnSp>
-      <p:cxnSp>
-        <p:nvCxnSpPr>
-          <p:cNvPr id="52" name="Connecteur droit 51">
-            <a:extLst>
-              <a:ext uri="{FF2B5EF4-FFF2-40B4-BE49-F238E27FC236}">
-                <a16:creationId xmlns:a16="http://schemas.microsoft.com/office/drawing/2014/main" id="{FA310BC7-694B-4984-99A2-61A1F4F6EBF9}"/>
-              </a:ext>
-            </a:extLst>
-          </p:cNvPr>
-          <p:cNvCxnSpPr>
-            <a:cxnSpLocks/>
-          </p:cNvCxnSpPr>
-          <p:nvPr/>
-        </p:nvCxnSpPr>
-        <p:spPr>
-          <a:xfrm flipH="1">
-            <a:off x="11370469" y="448308"/>
-            <a:ext cx="364332" cy="501657"/>
-          </a:xfrm>
-          <a:prstGeom prst="line">
-            <a:avLst/>
-          </a:prstGeom>
-        </p:spPr>
-        <p:style>
-          <a:lnRef idx="3">
-            <a:schemeClr val="dk1"/>
-          </a:lnRef>
-          <a:fillRef idx="0">
-            <a:schemeClr val="dk1"/>
-          </a:fillRef>
-          <a:effectRef idx="2">
-            <a:schemeClr val="dk1"/>
-          </a:effectRef>
-          <a:fontRef idx="minor">
-            <a:schemeClr val="tx1"/>
-          </a:fontRef>
-        </p:style>
-      </p:cxnSp>
-      <p:cxnSp>
-        <p:nvCxnSpPr>
-          <p:cNvPr id="53" name="Connecteur droit 52">
-            <a:extLst>
-              <a:ext uri="{FF2B5EF4-FFF2-40B4-BE49-F238E27FC236}">
-                <a16:creationId xmlns:a16="http://schemas.microsoft.com/office/drawing/2014/main" id="{BE0649BD-EE59-4DDA-960F-95B2572F9F13}"/>
-              </a:ext>
-            </a:extLst>
-          </p:cNvPr>
-          <p:cNvCxnSpPr>
-            <a:cxnSpLocks/>
-          </p:cNvCxnSpPr>
-          <p:nvPr/>
-        </p:nvCxnSpPr>
-        <p:spPr>
-          <a:xfrm>
-            <a:off x="9743203" y="949965"/>
-            <a:ext cx="1627266" cy="0"/>
-          </a:xfrm>
-          <a:prstGeom prst="line">
-            <a:avLst/>
-          </a:prstGeom>
-        </p:spPr>
-        <p:style>
-          <a:lnRef idx="3">
-            <a:schemeClr val="dk1"/>
-          </a:lnRef>
-          <a:fillRef idx="0">
-            <a:schemeClr val="dk1"/>
-          </a:fillRef>
-          <a:effectRef idx="2">
-            <a:schemeClr val="dk1"/>
-          </a:effectRef>
-          <a:fontRef idx="minor">
-            <a:schemeClr val="tx1"/>
-          </a:fontRef>
-        </p:style>
-      </p:cxnSp>
-      <p:cxnSp>
-        <p:nvCxnSpPr>
-          <p:cNvPr id="55" name="Connecteur droit 54">
-            <a:extLst>
-              <a:ext uri="{FF2B5EF4-FFF2-40B4-BE49-F238E27FC236}">
-                <a16:creationId xmlns:a16="http://schemas.microsoft.com/office/drawing/2014/main" id="{52AA9200-DAFA-4EEF-AC13-4C7CE82A59EC}"/>
-              </a:ext>
-            </a:extLst>
-          </p:cNvPr>
-          <p:cNvCxnSpPr>
-            <a:cxnSpLocks/>
-          </p:cNvCxnSpPr>
-          <p:nvPr/>
-        </p:nvCxnSpPr>
-        <p:spPr>
-          <a:xfrm>
-            <a:off x="11715750" y="454801"/>
-            <a:ext cx="476249" cy="10400"/>
-          </a:xfrm>
-          <a:prstGeom prst="line">
-            <a:avLst/>
-          </a:prstGeom>
-        </p:spPr>
-        <p:style>
-          <a:lnRef idx="3">
-            <a:schemeClr val="dk1"/>
-          </a:lnRef>
-          <a:fillRef idx="0">
-            <a:schemeClr val="dk1"/>
-          </a:fillRef>
-          <a:effectRef idx="2">
-            <a:schemeClr val="dk1"/>
-          </a:effectRef>
-          <a:fontRef idx="minor">
-            <a:schemeClr val="tx1"/>
-          </a:fontRef>
-        </p:style>
-      </p:cxnSp>
-      <p:cxnSp>
-        <p:nvCxnSpPr>
-          <p:cNvPr id="23" name="Connecteur droit 22">
-            <a:extLst>
-              <a:ext uri="{FF2B5EF4-FFF2-40B4-BE49-F238E27FC236}">
-                <a16:creationId xmlns:a16="http://schemas.microsoft.com/office/drawing/2014/main" id="{BCB092C8-0080-4E56-957E-0046D4C83988}"/>
-              </a:ext>
-            </a:extLst>
-          </p:cNvPr>
-          <p:cNvCxnSpPr>
-            <a:cxnSpLocks/>
-          </p:cNvCxnSpPr>
-          <p:nvPr/>
-        </p:nvCxnSpPr>
-        <p:spPr>
-          <a:xfrm flipH="1">
-            <a:off x="2216372" y="446356"/>
-            <a:ext cx="364332" cy="501657"/>
-          </a:xfrm>
-          <a:prstGeom prst="line">
-            <a:avLst/>
-          </a:prstGeom>
-        </p:spPr>
-        <p:style>
-          <a:lnRef idx="3">
-            <a:schemeClr val="dk1"/>
-          </a:lnRef>
-          <a:fillRef idx="0">
-            <a:schemeClr val="dk1"/>
-          </a:fillRef>
-          <a:effectRef idx="2">
-            <a:schemeClr val="dk1"/>
-          </a:effectRef>
-          <a:fontRef idx="minor">
-            <a:schemeClr val="tx1"/>
-          </a:fontRef>
-        </p:style>
-      </p:cxnSp>
-    </p:spTree>
-    <p:extLst>
-      <p:ext uri="{BB962C8B-B14F-4D97-AF65-F5344CB8AC3E}">
-        <p14:creationId xmlns:p14="http://schemas.microsoft.com/office/powerpoint/2010/main" val="2169865702"/>
-      </p:ext>
-    </p:extLst>
-  </p:cSld>
-  <p:clrMapOvr>
-    <a:masterClrMapping/>
-  </p:clrMapOvr>
-  <mc:AlternateContent xmlns:mc="http://schemas.openxmlformats.org/markup-compatibility/2006" xmlns:p14="http://schemas.microsoft.com/office/powerpoint/2010/main">
-    <mc:Choice Requires="p14">
-      <p:transition spd="med">
-        <p14:reveal/>
-      </p:transition>
-    </mc:Choice>
-    <mc:Fallback xmlns="">
-      <p:transition spd="med">
         <p:fade/>
       </p:transition>
     </mc:Fallback>
@@ -6319,10 +7124,455 @@
           </a:fontRef>
         </p:style>
       </p:cxnSp>
+      <p:pic>
+        <p:nvPicPr>
+          <p:cNvPr id="57" name="Image 56">
+            <a:extLst>
+              <a:ext uri="{FF2B5EF4-FFF2-40B4-BE49-F238E27FC236}">
+                <a16:creationId xmlns:a16="http://schemas.microsoft.com/office/drawing/2014/main" id="{12B16FB2-5844-4B92-AE69-9BAC858C22BB}"/>
+              </a:ext>
+            </a:extLst>
+          </p:cNvPr>
+          <p:cNvPicPr>
+            <a:picLocks noChangeAspect="1"/>
+          </p:cNvPicPr>
+          <p:nvPr/>
+        </p:nvPicPr>
+        <p:blipFill>
+          <a:blip r:embed="rId3">
+            <a:extLst>
+              <a:ext uri="{28A0092B-C50C-407E-A947-70E740481C1C}">
+                <a14:useLocalDpi xmlns:a14="http://schemas.microsoft.com/office/drawing/2010/main" val="0"/>
+              </a:ext>
+            </a:extLst>
+          </a:blip>
+          <a:stretch>
+            <a:fillRect/>
+          </a:stretch>
+        </p:blipFill>
+        <p:spPr>
+          <a:xfrm>
+            <a:off x="9681085" y="238153"/>
+            <a:ext cx="1802101" cy="569807"/>
+          </a:xfrm>
+          <a:prstGeom prst="rect">
+            <a:avLst/>
+          </a:prstGeom>
+        </p:spPr>
+      </p:pic>
+      <p:cxnSp>
+        <p:nvCxnSpPr>
+          <p:cNvPr id="58" name="Connecteur droit 57">
+            <a:extLst>
+              <a:ext uri="{FF2B5EF4-FFF2-40B4-BE49-F238E27FC236}">
+                <a16:creationId xmlns:a16="http://schemas.microsoft.com/office/drawing/2014/main" id="{01599350-F8B0-4FDC-B003-981189A8D654}"/>
+              </a:ext>
+            </a:extLst>
+          </p:cNvPr>
+          <p:cNvCxnSpPr>
+            <a:cxnSpLocks/>
+          </p:cNvCxnSpPr>
+          <p:nvPr/>
+        </p:nvCxnSpPr>
+        <p:spPr>
+          <a:xfrm>
+            <a:off x="2573222" y="454803"/>
+            <a:ext cx="6829482" cy="10398"/>
+          </a:xfrm>
+          <a:prstGeom prst="line">
+            <a:avLst/>
+          </a:prstGeom>
+        </p:spPr>
+        <p:style>
+          <a:lnRef idx="3">
+            <a:schemeClr val="dk1"/>
+          </a:lnRef>
+          <a:fillRef idx="0">
+            <a:schemeClr val="dk1"/>
+          </a:fillRef>
+          <a:effectRef idx="2">
+            <a:schemeClr val="dk1"/>
+          </a:effectRef>
+          <a:fontRef idx="minor">
+            <a:schemeClr val="tx1"/>
+          </a:fontRef>
+        </p:style>
+      </p:cxnSp>
+      <p:cxnSp>
+        <p:nvCxnSpPr>
+          <p:cNvPr id="59" name="Connecteur droit 58">
+            <a:extLst>
+              <a:ext uri="{FF2B5EF4-FFF2-40B4-BE49-F238E27FC236}">
+                <a16:creationId xmlns:a16="http://schemas.microsoft.com/office/drawing/2014/main" id="{BC6E6150-6054-4785-84EC-0C46D82034C2}"/>
+              </a:ext>
+            </a:extLst>
+          </p:cNvPr>
+          <p:cNvCxnSpPr>
+            <a:cxnSpLocks/>
+          </p:cNvCxnSpPr>
+          <p:nvPr/>
+        </p:nvCxnSpPr>
+        <p:spPr>
+          <a:xfrm>
+            <a:off x="738231" y="454803"/>
+            <a:ext cx="344203" cy="484764"/>
+          </a:xfrm>
+          <a:prstGeom prst="line">
+            <a:avLst/>
+          </a:prstGeom>
+        </p:spPr>
+        <p:style>
+          <a:lnRef idx="3">
+            <a:schemeClr val="dk1"/>
+          </a:lnRef>
+          <a:fillRef idx="0">
+            <a:schemeClr val="dk1"/>
+          </a:fillRef>
+          <a:effectRef idx="2">
+            <a:schemeClr val="dk1"/>
+          </a:effectRef>
+          <a:fontRef idx="minor">
+            <a:schemeClr val="tx1"/>
+          </a:fontRef>
+        </p:style>
+      </p:cxnSp>
+      <p:cxnSp>
+        <p:nvCxnSpPr>
+          <p:cNvPr id="60" name="Connecteur droit 59">
+            <a:extLst>
+              <a:ext uri="{FF2B5EF4-FFF2-40B4-BE49-F238E27FC236}">
+                <a16:creationId xmlns:a16="http://schemas.microsoft.com/office/drawing/2014/main" id="{CBC9961A-8EC2-4287-A398-BCA4138D409D}"/>
+              </a:ext>
+            </a:extLst>
+          </p:cNvPr>
+          <p:cNvCxnSpPr>
+            <a:cxnSpLocks/>
+          </p:cNvCxnSpPr>
+          <p:nvPr/>
+        </p:nvCxnSpPr>
+        <p:spPr>
+          <a:xfrm>
+            <a:off x="1082434" y="938268"/>
+            <a:ext cx="1146585" cy="0"/>
+          </a:xfrm>
+          <a:prstGeom prst="line">
+            <a:avLst/>
+          </a:prstGeom>
+        </p:spPr>
+        <p:style>
+          <a:lnRef idx="3">
+            <a:schemeClr val="dk1"/>
+          </a:lnRef>
+          <a:fillRef idx="0">
+            <a:schemeClr val="dk1"/>
+          </a:fillRef>
+          <a:effectRef idx="2">
+            <a:schemeClr val="dk1"/>
+          </a:effectRef>
+          <a:fontRef idx="minor">
+            <a:schemeClr val="tx1"/>
+          </a:fontRef>
+        </p:style>
+      </p:cxnSp>
+      <p:cxnSp>
+        <p:nvCxnSpPr>
+          <p:cNvPr id="61" name="Connecteur droit 60">
+            <a:extLst>
+              <a:ext uri="{FF2B5EF4-FFF2-40B4-BE49-F238E27FC236}">
+                <a16:creationId xmlns:a16="http://schemas.microsoft.com/office/drawing/2014/main" id="{152B7C45-2543-4665-BC07-4DB71CA9F337}"/>
+              </a:ext>
+            </a:extLst>
+          </p:cNvPr>
+          <p:cNvCxnSpPr>
+            <a:cxnSpLocks/>
+          </p:cNvCxnSpPr>
+          <p:nvPr/>
+        </p:nvCxnSpPr>
+        <p:spPr>
+          <a:xfrm>
+            <a:off x="9402704" y="465201"/>
+            <a:ext cx="344203" cy="495163"/>
+          </a:xfrm>
+          <a:prstGeom prst="line">
+            <a:avLst/>
+          </a:prstGeom>
+        </p:spPr>
+        <p:style>
+          <a:lnRef idx="3">
+            <a:schemeClr val="dk1"/>
+          </a:lnRef>
+          <a:fillRef idx="0">
+            <a:schemeClr val="dk1"/>
+          </a:fillRef>
+          <a:effectRef idx="2">
+            <a:schemeClr val="dk1"/>
+          </a:effectRef>
+          <a:fontRef idx="minor">
+            <a:schemeClr val="tx1"/>
+          </a:fontRef>
+        </p:style>
+      </p:cxnSp>
+      <p:cxnSp>
+        <p:nvCxnSpPr>
+          <p:cNvPr id="62" name="Connecteur droit 61">
+            <a:extLst>
+              <a:ext uri="{FF2B5EF4-FFF2-40B4-BE49-F238E27FC236}">
+                <a16:creationId xmlns:a16="http://schemas.microsoft.com/office/drawing/2014/main" id="{00A84DC3-A112-46A3-B71C-04D85339323D}"/>
+              </a:ext>
+            </a:extLst>
+          </p:cNvPr>
+          <p:cNvCxnSpPr>
+            <a:cxnSpLocks/>
+          </p:cNvCxnSpPr>
+          <p:nvPr/>
+        </p:nvCxnSpPr>
+        <p:spPr>
+          <a:xfrm flipH="1">
+            <a:off x="11370469" y="448308"/>
+            <a:ext cx="364332" cy="501657"/>
+          </a:xfrm>
+          <a:prstGeom prst="line">
+            <a:avLst/>
+          </a:prstGeom>
+        </p:spPr>
+        <p:style>
+          <a:lnRef idx="3">
+            <a:schemeClr val="dk1"/>
+          </a:lnRef>
+          <a:fillRef idx="0">
+            <a:schemeClr val="dk1"/>
+          </a:fillRef>
+          <a:effectRef idx="2">
+            <a:schemeClr val="dk1"/>
+          </a:effectRef>
+          <a:fontRef idx="minor">
+            <a:schemeClr val="tx1"/>
+          </a:fontRef>
+        </p:style>
+      </p:cxnSp>
+      <p:cxnSp>
+        <p:nvCxnSpPr>
+          <p:cNvPr id="63" name="Connecteur droit 62">
+            <a:extLst>
+              <a:ext uri="{FF2B5EF4-FFF2-40B4-BE49-F238E27FC236}">
+                <a16:creationId xmlns:a16="http://schemas.microsoft.com/office/drawing/2014/main" id="{C50788C6-8F68-44EC-AB54-94C1D2FE554D}"/>
+              </a:ext>
+            </a:extLst>
+          </p:cNvPr>
+          <p:cNvCxnSpPr>
+            <a:cxnSpLocks/>
+          </p:cNvCxnSpPr>
+          <p:nvPr/>
+        </p:nvCxnSpPr>
+        <p:spPr>
+          <a:xfrm>
+            <a:off x="9743203" y="949965"/>
+            <a:ext cx="1627266" cy="0"/>
+          </a:xfrm>
+          <a:prstGeom prst="line">
+            <a:avLst/>
+          </a:prstGeom>
+        </p:spPr>
+        <p:style>
+          <a:lnRef idx="3">
+            <a:schemeClr val="dk1"/>
+          </a:lnRef>
+          <a:fillRef idx="0">
+            <a:schemeClr val="dk1"/>
+          </a:fillRef>
+          <a:effectRef idx="2">
+            <a:schemeClr val="dk1"/>
+          </a:effectRef>
+          <a:fontRef idx="minor">
+            <a:schemeClr val="tx1"/>
+          </a:fontRef>
+        </p:style>
+      </p:cxnSp>
+      <p:cxnSp>
+        <p:nvCxnSpPr>
+          <p:cNvPr id="64" name="Connecteur droit 63">
+            <a:extLst>
+              <a:ext uri="{FF2B5EF4-FFF2-40B4-BE49-F238E27FC236}">
+                <a16:creationId xmlns:a16="http://schemas.microsoft.com/office/drawing/2014/main" id="{BC4D4E5F-5636-45CB-873C-EC085AB307A3}"/>
+              </a:ext>
+            </a:extLst>
+          </p:cNvPr>
+          <p:cNvCxnSpPr>
+            <a:cxnSpLocks/>
+          </p:cNvCxnSpPr>
+          <p:nvPr/>
+        </p:nvCxnSpPr>
+        <p:spPr>
+          <a:xfrm>
+            <a:off x="11715750" y="454801"/>
+            <a:ext cx="476249" cy="10400"/>
+          </a:xfrm>
+          <a:prstGeom prst="line">
+            <a:avLst/>
+          </a:prstGeom>
+        </p:spPr>
+        <p:style>
+          <a:lnRef idx="3">
+            <a:schemeClr val="dk1"/>
+          </a:lnRef>
+          <a:fillRef idx="0">
+            <a:schemeClr val="dk1"/>
+          </a:fillRef>
+          <a:effectRef idx="2">
+            <a:schemeClr val="dk1"/>
+          </a:effectRef>
+          <a:fontRef idx="minor">
+            <a:schemeClr val="tx1"/>
+          </a:fontRef>
+        </p:style>
+      </p:cxnSp>
+      <p:cxnSp>
+        <p:nvCxnSpPr>
+          <p:cNvPr id="65" name="Connecteur droit 64">
+            <a:extLst>
+              <a:ext uri="{FF2B5EF4-FFF2-40B4-BE49-F238E27FC236}">
+                <a16:creationId xmlns:a16="http://schemas.microsoft.com/office/drawing/2014/main" id="{E6F6B4C5-0E3B-46C9-859D-EE774175D36F}"/>
+              </a:ext>
+            </a:extLst>
+          </p:cNvPr>
+          <p:cNvCxnSpPr>
+            <a:cxnSpLocks/>
+          </p:cNvCxnSpPr>
+          <p:nvPr/>
+        </p:nvCxnSpPr>
+        <p:spPr>
+          <a:xfrm flipH="1">
+            <a:off x="2216372" y="446356"/>
+            <a:ext cx="364332" cy="501657"/>
+          </a:xfrm>
+          <a:prstGeom prst="line">
+            <a:avLst/>
+          </a:prstGeom>
+        </p:spPr>
+        <p:style>
+          <a:lnRef idx="3">
+            <a:schemeClr val="dk1"/>
+          </a:lnRef>
+          <a:fillRef idx="0">
+            <a:schemeClr val="dk1"/>
+          </a:fillRef>
+          <a:effectRef idx="2">
+            <a:schemeClr val="dk1"/>
+          </a:effectRef>
+          <a:fontRef idx="minor">
+            <a:schemeClr val="tx1"/>
+          </a:fontRef>
+        </p:style>
+      </p:cxnSp>
+      <p:sp>
+        <p:nvSpPr>
+          <p:cNvPr id="4" name="ZoneTexte 3">
+            <a:extLst>
+              <a:ext uri="{FF2B5EF4-FFF2-40B4-BE49-F238E27FC236}">
+                <a16:creationId xmlns:a16="http://schemas.microsoft.com/office/drawing/2014/main" id="{6F856B2B-03F4-4FE3-A57C-C9CAAF971B24}"/>
+              </a:ext>
+            </a:extLst>
+          </p:cNvPr>
+          <p:cNvSpPr txBox="1"/>
+          <p:nvPr/>
+        </p:nvSpPr>
+        <p:spPr>
+          <a:xfrm>
+            <a:off x="2884449" y="553547"/>
+            <a:ext cx="6199464" cy="769441"/>
+          </a:xfrm>
+          <a:prstGeom prst="rect">
+            <a:avLst/>
+          </a:prstGeom>
+          <a:noFill/>
+        </p:spPr>
+        <p:txBody>
+          <a:bodyPr wrap="square" rtlCol="0">
+            <a:spAutoFit/>
+          </a:bodyPr>
+          <a:lstStyle/>
+          <a:p>
+            <a:pPr marL="0" marR="0" lvl="0" indent="0" algn="ctr" defTabSz="914400" rtl="0" eaLnBrk="1" fontAlgn="auto" latinLnBrk="0" hangingPunct="1">
+              <a:lnSpc>
+                <a:spcPct val="100000"/>
+              </a:lnSpc>
+              <a:spcBef>
+                <a:spcPts val="0"/>
+              </a:spcBef>
+              <a:spcAft>
+                <a:spcPts val="0"/>
+              </a:spcAft>
+              <a:buClrTx/>
+              <a:buSzTx/>
+              <a:buFontTx/>
+              <a:buNone/>
+              <a:tabLst/>
+              <a:defRPr/>
+            </a:pPr>
+            <a:r>
+              <a:rPr kumimoji="0" lang="fr-FR" sz="4400" b="0" i="0" u="none" strike="noStrike" kern="1200" cap="none" spc="0" normalizeH="0" baseline="0" noProof="0" dirty="0">
+                <a:ln>
+                  <a:noFill/>
+                </a:ln>
+                <a:solidFill>
+                  <a:prstClr val="black"/>
+                </a:solidFill>
+                <a:effectLst/>
+                <a:uLnTx/>
+                <a:uFillTx/>
+                <a:latin typeface="Berlin Sans FB" panose="020E0602020502020306" pitchFamily="34" charset="0"/>
+                <a:ea typeface="+mn-ea"/>
+                <a:cs typeface="+mn-cs"/>
+              </a:rPr>
+              <a:t>Diagramme de séquence</a:t>
+            </a:r>
+          </a:p>
+        </p:txBody>
+      </p:sp>
+      <p:pic>
+        <p:nvPicPr>
+          <p:cNvPr id="3" name="Image 2">
+            <a:extLst>
+              <a:ext uri="{FF2B5EF4-FFF2-40B4-BE49-F238E27FC236}">
+                <a16:creationId xmlns:a16="http://schemas.microsoft.com/office/drawing/2014/main" id="{D1EC5B26-C947-4FA9-8428-C71617CA4066}"/>
+              </a:ext>
+            </a:extLst>
+          </p:cNvPr>
+          <p:cNvPicPr>
+            <a:picLocks noChangeAspect="1"/>
+          </p:cNvPicPr>
+          <p:nvPr/>
+        </p:nvPicPr>
+        <p:blipFill rotWithShape="1">
+          <a:blip r:embed="rId4">
+            <a:extLst>
+              <a:ext uri="{28A0092B-C50C-407E-A947-70E740481C1C}">
+                <a14:useLocalDpi xmlns:a14="http://schemas.microsoft.com/office/drawing/2010/main" val="0"/>
+              </a:ext>
+            </a:extLst>
+          </a:blip>
+          <a:srcRect l="751" t="339" r="1650" b="2288"/>
+          <a:stretch/>
+        </p:blipFill>
+        <p:spPr>
+          <a:xfrm>
+            <a:off x="3646905" y="1322988"/>
+            <a:ext cx="4674551" cy="5498627"/>
+          </a:xfrm>
+          <a:prstGeom prst="rect">
+            <a:avLst/>
+          </a:prstGeom>
+          <a:ln>
+            <a:solidFill>
+              <a:schemeClr val="tx1"/>
+            </a:solidFill>
+          </a:ln>
+        </p:spPr>
+      </p:pic>
     </p:spTree>
     <p:extLst>
       <p:ext uri="{BB962C8B-B14F-4D97-AF65-F5344CB8AC3E}">
-        <p14:creationId xmlns:p14="http://schemas.microsoft.com/office/powerpoint/2010/main" val="3107743777"/>
+        <p14:creationId xmlns:p14="http://schemas.microsoft.com/office/powerpoint/2010/main" val="1412701524"/>
       </p:ext>
     </p:extLst>
   </p:cSld>
@@ -6331,12 +7581,12 @@
   </p:clrMapOvr>
   <mc:AlternateContent xmlns:mc="http://schemas.openxmlformats.org/markup-compatibility/2006" xmlns:p14="http://schemas.microsoft.com/office/powerpoint/2010/main">
     <mc:Choice Requires="p14">
-      <p:transition spd="med">
+      <p:transition spd="slow">
         <p14:reveal/>
       </p:transition>
     </mc:Choice>
     <mc:Fallback xmlns="">
-      <p:transition spd="med">
+      <p:transition spd="slow">
         <p:fade/>
       </p:transition>
     </mc:Fallback>
@@ -6778,6 +8028,918 @@
     </p:spTree>
     <p:extLst>
       <p:ext uri="{BB962C8B-B14F-4D97-AF65-F5344CB8AC3E}">
+        <p14:creationId xmlns:p14="http://schemas.microsoft.com/office/powerpoint/2010/main" val="2169865702"/>
+      </p:ext>
+    </p:extLst>
+  </p:cSld>
+  <p:clrMapOvr>
+    <a:masterClrMapping/>
+  </p:clrMapOvr>
+  <mc:AlternateContent xmlns:mc="http://schemas.openxmlformats.org/markup-compatibility/2006" xmlns:p14="http://schemas.microsoft.com/office/powerpoint/2010/main">
+    <mc:Choice Requires="p14">
+      <p:transition spd="med">
+        <p14:reveal/>
+      </p:transition>
+    </mc:Choice>
+    <mc:Fallback xmlns="">
+      <p:transition spd="med">
+        <p:fade/>
+      </p:transition>
+    </mc:Fallback>
+  </mc:AlternateContent>
+</p:sld>
+</file>
+
+<file path=ppt/slides/slide14.xml><?xml version="1.0" encoding="utf-8"?>
+<p:sld xmlns:a="http://schemas.openxmlformats.org/drawingml/2006/main" xmlns:r="http://schemas.openxmlformats.org/officeDocument/2006/relationships" xmlns:p="http://schemas.openxmlformats.org/presentationml/2006/main">
+  <p:cSld>
+    <p:spTree>
+      <p:nvGrpSpPr>
+        <p:cNvPr id="1" name=""/>
+        <p:cNvGrpSpPr/>
+        <p:nvPr/>
+      </p:nvGrpSpPr>
+      <p:grpSpPr>
+        <a:xfrm>
+          <a:off x="0" y="0"/>
+          <a:ext cx="0" cy="0"/>
+          <a:chOff x="0" y="0"/>
+          <a:chExt cx="0" cy="0"/>
+        </a:xfrm>
+      </p:grpSpPr>
+      <p:pic>
+        <p:nvPicPr>
+          <p:cNvPr id="8" name="Image 7">
+            <a:extLst>
+              <a:ext uri="{FF2B5EF4-FFF2-40B4-BE49-F238E27FC236}">
+                <a16:creationId xmlns:a16="http://schemas.microsoft.com/office/drawing/2014/main" id="{2BB825C5-31DA-4A56-85EA-536DBF510A31}"/>
+              </a:ext>
+            </a:extLst>
+          </p:cNvPr>
+          <p:cNvPicPr>
+            <a:picLocks noChangeAspect="1"/>
+          </p:cNvPicPr>
+          <p:nvPr/>
+        </p:nvPicPr>
+        <p:blipFill>
+          <a:blip r:embed="rId2">
+            <a:extLst>
+              <a:ext uri="{28A0092B-C50C-407E-A947-70E740481C1C}">
+                <a14:useLocalDpi xmlns:a14="http://schemas.microsoft.com/office/drawing/2010/main" val="0"/>
+              </a:ext>
+            </a:extLst>
+          </a:blip>
+          <a:stretch>
+            <a:fillRect/>
+          </a:stretch>
+        </p:blipFill>
+        <p:spPr>
+          <a:xfrm>
+            <a:off x="1068751" y="66457"/>
+            <a:ext cx="1259497" cy="776690"/>
+          </a:xfrm>
+          <a:prstGeom prst="rect">
+            <a:avLst/>
+          </a:prstGeom>
+        </p:spPr>
+      </p:pic>
+      <p:pic>
+        <p:nvPicPr>
+          <p:cNvPr id="10" name="Image 9">
+            <a:extLst>
+              <a:ext uri="{FF2B5EF4-FFF2-40B4-BE49-F238E27FC236}">
+                <a16:creationId xmlns:a16="http://schemas.microsoft.com/office/drawing/2014/main" id="{8EE7436F-49F2-41E0-93E4-D247B4705294}"/>
+              </a:ext>
+            </a:extLst>
+          </p:cNvPr>
+          <p:cNvPicPr>
+            <a:picLocks noChangeAspect="1"/>
+          </p:cNvPicPr>
+          <p:nvPr/>
+        </p:nvPicPr>
+        <p:blipFill>
+          <a:blip r:embed="rId3">
+            <a:extLst>
+              <a:ext uri="{28A0092B-C50C-407E-A947-70E740481C1C}">
+                <a14:useLocalDpi xmlns:a14="http://schemas.microsoft.com/office/drawing/2010/main" val="0"/>
+              </a:ext>
+            </a:extLst>
+          </a:blip>
+          <a:stretch>
+            <a:fillRect/>
+          </a:stretch>
+        </p:blipFill>
+        <p:spPr>
+          <a:xfrm>
+            <a:off x="9681085" y="238153"/>
+            <a:ext cx="1802101" cy="569807"/>
+          </a:xfrm>
+          <a:prstGeom prst="rect">
+            <a:avLst/>
+          </a:prstGeom>
+        </p:spPr>
+      </p:pic>
+      <p:cxnSp>
+        <p:nvCxnSpPr>
+          <p:cNvPr id="16" name="Connecteur droit 15">
+            <a:extLst>
+              <a:ext uri="{FF2B5EF4-FFF2-40B4-BE49-F238E27FC236}">
+                <a16:creationId xmlns:a16="http://schemas.microsoft.com/office/drawing/2014/main" id="{7319284A-BD6F-4A96-8E2B-E0A4B52E53C6}"/>
+              </a:ext>
+            </a:extLst>
+          </p:cNvPr>
+          <p:cNvCxnSpPr>
+            <a:cxnSpLocks/>
+          </p:cNvCxnSpPr>
+          <p:nvPr/>
+        </p:nvCxnSpPr>
+        <p:spPr>
+          <a:xfrm flipV="1">
+            <a:off x="0" y="454803"/>
+            <a:ext cx="738231" cy="1798"/>
+          </a:xfrm>
+          <a:prstGeom prst="line">
+            <a:avLst/>
+          </a:prstGeom>
+        </p:spPr>
+        <p:style>
+          <a:lnRef idx="3">
+            <a:schemeClr val="dk1"/>
+          </a:lnRef>
+          <a:fillRef idx="0">
+            <a:schemeClr val="dk1"/>
+          </a:fillRef>
+          <a:effectRef idx="2">
+            <a:schemeClr val="dk1"/>
+          </a:effectRef>
+          <a:fontRef idx="minor">
+            <a:schemeClr val="tx1"/>
+          </a:fontRef>
+        </p:style>
+      </p:cxnSp>
+      <p:cxnSp>
+        <p:nvCxnSpPr>
+          <p:cNvPr id="20" name="Connecteur droit 19">
+            <a:extLst>
+              <a:ext uri="{FF2B5EF4-FFF2-40B4-BE49-F238E27FC236}">
+                <a16:creationId xmlns:a16="http://schemas.microsoft.com/office/drawing/2014/main" id="{08874CF7-F149-4C81-B61E-74E18342BA8A}"/>
+              </a:ext>
+            </a:extLst>
+          </p:cNvPr>
+          <p:cNvCxnSpPr>
+            <a:cxnSpLocks/>
+          </p:cNvCxnSpPr>
+          <p:nvPr/>
+        </p:nvCxnSpPr>
+        <p:spPr>
+          <a:xfrm>
+            <a:off x="2573222" y="454803"/>
+            <a:ext cx="6829482" cy="10398"/>
+          </a:xfrm>
+          <a:prstGeom prst="line">
+            <a:avLst/>
+          </a:prstGeom>
+        </p:spPr>
+        <p:style>
+          <a:lnRef idx="3">
+            <a:schemeClr val="dk1"/>
+          </a:lnRef>
+          <a:fillRef idx="0">
+            <a:schemeClr val="dk1"/>
+          </a:fillRef>
+          <a:effectRef idx="2">
+            <a:schemeClr val="dk1"/>
+          </a:effectRef>
+          <a:fontRef idx="minor">
+            <a:schemeClr val="tx1"/>
+          </a:fontRef>
+        </p:style>
+      </p:cxnSp>
+      <p:cxnSp>
+        <p:nvCxnSpPr>
+          <p:cNvPr id="26" name="Connecteur droit 25">
+            <a:extLst>
+              <a:ext uri="{FF2B5EF4-FFF2-40B4-BE49-F238E27FC236}">
+                <a16:creationId xmlns:a16="http://schemas.microsoft.com/office/drawing/2014/main" id="{BB3B35CC-057B-48C1-880F-3306A6559175}"/>
+              </a:ext>
+            </a:extLst>
+          </p:cNvPr>
+          <p:cNvCxnSpPr>
+            <a:cxnSpLocks/>
+          </p:cNvCxnSpPr>
+          <p:nvPr/>
+        </p:nvCxnSpPr>
+        <p:spPr>
+          <a:xfrm>
+            <a:off x="738231" y="454803"/>
+            <a:ext cx="344203" cy="484764"/>
+          </a:xfrm>
+          <a:prstGeom prst="line">
+            <a:avLst/>
+          </a:prstGeom>
+        </p:spPr>
+        <p:style>
+          <a:lnRef idx="3">
+            <a:schemeClr val="dk1"/>
+          </a:lnRef>
+          <a:fillRef idx="0">
+            <a:schemeClr val="dk1"/>
+          </a:fillRef>
+          <a:effectRef idx="2">
+            <a:schemeClr val="dk1"/>
+          </a:effectRef>
+          <a:fontRef idx="minor">
+            <a:schemeClr val="tx1"/>
+          </a:fontRef>
+        </p:style>
+      </p:cxnSp>
+      <p:cxnSp>
+        <p:nvCxnSpPr>
+          <p:cNvPr id="32" name="Connecteur droit 31">
+            <a:extLst>
+              <a:ext uri="{FF2B5EF4-FFF2-40B4-BE49-F238E27FC236}">
+                <a16:creationId xmlns:a16="http://schemas.microsoft.com/office/drawing/2014/main" id="{4AD96496-1EB6-4E48-9BB2-5C255495C686}"/>
+              </a:ext>
+            </a:extLst>
+          </p:cNvPr>
+          <p:cNvCxnSpPr>
+            <a:cxnSpLocks/>
+          </p:cNvCxnSpPr>
+          <p:nvPr/>
+        </p:nvCxnSpPr>
+        <p:spPr>
+          <a:xfrm>
+            <a:off x="1082434" y="938268"/>
+            <a:ext cx="1146585" cy="0"/>
+          </a:xfrm>
+          <a:prstGeom prst="line">
+            <a:avLst/>
+          </a:prstGeom>
+        </p:spPr>
+        <p:style>
+          <a:lnRef idx="3">
+            <a:schemeClr val="dk1"/>
+          </a:lnRef>
+          <a:fillRef idx="0">
+            <a:schemeClr val="dk1"/>
+          </a:fillRef>
+          <a:effectRef idx="2">
+            <a:schemeClr val="dk1"/>
+          </a:effectRef>
+          <a:fontRef idx="minor">
+            <a:schemeClr val="tx1"/>
+          </a:fontRef>
+        </p:style>
+      </p:cxnSp>
+      <p:cxnSp>
+        <p:nvCxnSpPr>
+          <p:cNvPr id="51" name="Connecteur droit 50">
+            <a:extLst>
+              <a:ext uri="{FF2B5EF4-FFF2-40B4-BE49-F238E27FC236}">
+                <a16:creationId xmlns:a16="http://schemas.microsoft.com/office/drawing/2014/main" id="{C035BFA6-ECBF-4775-BA81-19D2CA41AA8D}"/>
+              </a:ext>
+            </a:extLst>
+          </p:cNvPr>
+          <p:cNvCxnSpPr>
+            <a:cxnSpLocks/>
+          </p:cNvCxnSpPr>
+          <p:nvPr/>
+        </p:nvCxnSpPr>
+        <p:spPr>
+          <a:xfrm>
+            <a:off x="9402704" y="465201"/>
+            <a:ext cx="344203" cy="495163"/>
+          </a:xfrm>
+          <a:prstGeom prst="line">
+            <a:avLst/>
+          </a:prstGeom>
+        </p:spPr>
+        <p:style>
+          <a:lnRef idx="3">
+            <a:schemeClr val="dk1"/>
+          </a:lnRef>
+          <a:fillRef idx="0">
+            <a:schemeClr val="dk1"/>
+          </a:fillRef>
+          <a:effectRef idx="2">
+            <a:schemeClr val="dk1"/>
+          </a:effectRef>
+          <a:fontRef idx="minor">
+            <a:schemeClr val="tx1"/>
+          </a:fontRef>
+        </p:style>
+      </p:cxnSp>
+      <p:cxnSp>
+        <p:nvCxnSpPr>
+          <p:cNvPr id="52" name="Connecteur droit 51">
+            <a:extLst>
+              <a:ext uri="{FF2B5EF4-FFF2-40B4-BE49-F238E27FC236}">
+                <a16:creationId xmlns:a16="http://schemas.microsoft.com/office/drawing/2014/main" id="{FA310BC7-694B-4984-99A2-61A1F4F6EBF9}"/>
+              </a:ext>
+            </a:extLst>
+          </p:cNvPr>
+          <p:cNvCxnSpPr>
+            <a:cxnSpLocks/>
+          </p:cNvCxnSpPr>
+          <p:nvPr/>
+        </p:nvCxnSpPr>
+        <p:spPr>
+          <a:xfrm flipH="1">
+            <a:off x="11370469" y="448308"/>
+            <a:ext cx="364332" cy="501657"/>
+          </a:xfrm>
+          <a:prstGeom prst="line">
+            <a:avLst/>
+          </a:prstGeom>
+        </p:spPr>
+        <p:style>
+          <a:lnRef idx="3">
+            <a:schemeClr val="dk1"/>
+          </a:lnRef>
+          <a:fillRef idx="0">
+            <a:schemeClr val="dk1"/>
+          </a:fillRef>
+          <a:effectRef idx="2">
+            <a:schemeClr val="dk1"/>
+          </a:effectRef>
+          <a:fontRef idx="minor">
+            <a:schemeClr val="tx1"/>
+          </a:fontRef>
+        </p:style>
+      </p:cxnSp>
+      <p:cxnSp>
+        <p:nvCxnSpPr>
+          <p:cNvPr id="53" name="Connecteur droit 52">
+            <a:extLst>
+              <a:ext uri="{FF2B5EF4-FFF2-40B4-BE49-F238E27FC236}">
+                <a16:creationId xmlns:a16="http://schemas.microsoft.com/office/drawing/2014/main" id="{BE0649BD-EE59-4DDA-960F-95B2572F9F13}"/>
+              </a:ext>
+            </a:extLst>
+          </p:cNvPr>
+          <p:cNvCxnSpPr>
+            <a:cxnSpLocks/>
+          </p:cNvCxnSpPr>
+          <p:nvPr/>
+        </p:nvCxnSpPr>
+        <p:spPr>
+          <a:xfrm>
+            <a:off x="9743203" y="949965"/>
+            <a:ext cx="1627266" cy="0"/>
+          </a:xfrm>
+          <a:prstGeom prst="line">
+            <a:avLst/>
+          </a:prstGeom>
+        </p:spPr>
+        <p:style>
+          <a:lnRef idx="3">
+            <a:schemeClr val="dk1"/>
+          </a:lnRef>
+          <a:fillRef idx="0">
+            <a:schemeClr val="dk1"/>
+          </a:fillRef>
+          <a:effectRef idx="2">
+            <a:schemeClr val="dk1"/>
+          </a:effectRef>
+          <a:fontRef idx="minor">
+            <a:schemeClr val="tx1"/>
+          </a:fontRef>
+        </p:style>
+      </p:cxnSp>
+      <p:cxnSp>
+        <p:nvCxnSpPr>
+          <p:cNvPr id="55" name="Connecteur droit 54">
+            <a:extLst>
+              <a:ext uri="{FF2B5EF4-FFF2-40B4-BE49-F238E27FC236}">
+                <a16:creationId xmlns:a16="http://schemas.microsoft.com/office/drawing/2014/main" id="{52AA9200-DAFA-4EEF-AC13-4C7CE82A59EC}"/>
+              </a:ext>
+            </a:extLst>
+          </p:cNvPr>
+          <p:cNvCxnSpPr>
+            <a:cxnSpLocks/>
+          </p:cNvCxnSpPr>
+          <p:nvPr/>
+        </p:nvCxnSpPr>
+        <p:spPr>
+          <a:xfrm>
+            <a:off x="11715750" y="454801"/>
+            <a:ext cx="476249" cy="10400"/>
+          </a:xfrm>
+          <a:prstGeom prst="line">
+            <a:avLst/>
+          </a:prstGeom>
+        </p:spPr>
+        <p:style>
+          <a:lnRef idx="3">
+            <a:schemeClr val="dk1"/>
+          </a:lnRef>
+          <a:fillRef idx="0">
+            <a:schemeClr val="dk1"/>
+          </a:fillRef>
+          <a:effectRef idx="2">
+            <a:schemeClr val="dk1"/>
+          </a:effectRef>
+          <a:fontRef idx="minor">
+            <a:schemeClr val="tx1"/>
+          </a:fontRef>
+        </p:style>
+      </p:cxnSp>
+      <p:cxnSp>
+        <p:nvCxnSpPr>
+          <p:cNvPr id="23" name="Connecteur droit 22">
+            <a:extLst>
+              <a:ext uri="{FF2B5EF4-FFF2-40B4-BE49-F238E27FC236}">
+                <a16:creationId xmlns:a16="http://schemas.microsoft.com/office/drawing/2014/main" id="{BCB092C8-0080-4E56-957E-0046D4C83988}"/>
+              </a:ext>
+            </a:extLst>
+          </p:cNvPr>
+          <p:cNvCxnSpPr>
+            <a:cxnSpLocks/>
+          </p:cNvCxnSpPr>
+          <p:nvPr/>
+        </p:nvCxnSpPr>
+        <p:spPr>
+          <a:xfrm flipH="1">
+            <a:off x="2216372" y="446356"/>
+            <a:ext cx="364332" cy="501657"/>
+          </a:xfrm>
+          <a:prstGeom prst="line">
+            <a:avLst/>
+          </a:prstGeom>
+        </p:spPr>
+        <p:style>
+          <a:lnRef idx="3">
+            <a:schemeClr val="dk1"/>
+          </a:lnRef>
+          <a:fillRef idx="0">
+            <a:schemeClr val="dk1"/>
+          </a:fillRef>
+          <a:effectRef idx="2">
+            <a:schemeClr val="dk1"/>
+          </a:effectRef>
+          <a:fontRef idx="minor">
+            <a:schemeClr val="tx1"/>
+          </a:fontRef>
+        </p:style>
+      </p:cxnSp>
+    </p:spTree>
+    <p:extLst>
+      <p:ext uri="{BB962C8B-B14F-4D97-AF65-F5344CB8AC3E}">
+        <p14:creationId xmlns:p14="http://schemas.microsoft.com/office/powerpoint/2010/main" val="3107743777"/>
+      </p:ext>
+    </p:extLst>
+  </p:cSld>
+  <p:clrMapOvr>
+    <a:masterClrMapping/>
+  </p:clrMapOvr>
+  <mc:AlternateContent xmlns:mc="http://schemas.openxmlformats.org/markup-compatibility/2006" xmlns:p14="http://schemas.microsoft.com/office/powerpoint/2010/main">
+    <mc:Choice Requires="p14">
+      <p:transition spd="med">
+        <p14:reveal/>
+      </p:transition>
+    </mc:Choice>
+    <mc:Fallback xmlns="">
+      <p:transition spd="med">
+        <p:fade/>
+      </p:transition>
+    </mc:Fallback>
+  </mc:AlternateContent>
+</p:sld>
+</file>
+
+<file path=ppt/slides/slide15.xml><?xml version="1.0" encoding="utf-8"?>
+<p:sld xmlns:a="http://schemas.openxmlformats.org/drawingml/2006/main" xmlns:r="http://schemas.openxmlformats.org/officeDocument/2006/relationships" xmlns:p="http://schemas.openxmlformats.org/presentationml/2006/main">
+  <p:cSld>
+    <p:spTree>
+      <p:nvGrpSpPr>
+        <p:cNvPr id="1" name=""/>
+        <p:cNvGrpSpPr/>
+        <p:nvPr/>
+      </p:nvGrpSpPr>
+      <p:grpSpPr>
+        <a:xfrm>
+          <a:off x="0" y="0"/>
+          <a:ext cx="0" cy="0"/>
+          <a:chOff x="0" y="0"/>
+          <a:chExt cx="0" cy="0"/>
+        </a:xfrm>
+      </p:grpSpPr>
+      <p:pic>
+        <p:nvPicPr>
+          <p:cNvPr id="8" name="Image 7">
+            <a:extLst>
+              <a:ext uri="{FF2B5EF4-FFF2-40B4-BE49-F238E27FC236}">
+                <a16:creationId xmlns:a16="http://schemas.microsoft.com/office/drawing/2014/main" id="{2BB825C5-31DA-4A56-85EA-536DBF510A31}"/>
+              </a:ext>
+            </a:extLst>
+          </p:cNvPr>
+          <p:cNvPicPr>
+            <a:picLocks noChangeAspect="1"/>
+          </p:cNvPicPr>
+          <p:nvPr/>
+        </p:nvPicPr>
+        <p:blipFill>
+          <a:blip r:embed="rId2">
+            <a:extLst>
+              <a:ext uri="{28A0092B-C50C-407E-A947-70E740481C1C}">
+                <a14:useLocalDpi xmlns:a14="http://schemas.microsoft.com/office/drawing/2010/main" val="0"/>
+              </a:ext>
+            </a:extLst>
+          </a:blip>
+          <a:stretch>
+            <a:fillRect/>
+          </a:stretch>
+        </p:blipFill>
+        <p:spPr>
+          <a:xfrm>
+            <a:off x="1068751" y="66457"/>
+            <a:ext cx="1259497" cy="776690"/>
+          </a:xfrm>
+          <a:prstGeom prst="rect">
+            <a:avLst/>
+          </a:prstGeom>
+        </p:spPr>
+      </p:pic>
+      <p:pic>
+        <p:nvPicPr>
+          <p:cNvPr id="10" name="Image 9">
+            <a:extLst>
+              <a:ext uri="{FF2B5EF4-FFF2-40B4-BE49-F238E27FC236}">
+                <a16:creationId xmlns:a16="http://schemas.microsoft.com/office/drawing/2014/main" id="{8EE7436F-49F2-41E0-93E4-D247B4705294}"/>
+              </a:ext>
+            </a:extLst>
+          </p:cNvPr>
+          <p:cNvPicPr>
+            <a:picLocks noChangeAspect="1"/>
+          </p:cNvPicPr>
+          <p:nvPr/>
+        </p:nvPicPr>
+        <p:blipFill>
+          <a:blip r:embed="rId3">
+            <a:extLst>
+              <a:ext uri="{28A0092B-C50C-407E-A947-70E740481C1C}">
+                <a14:useLocalDpi xmlns:a14="http://schemas.microsoft.com/office/drawing/2010/main" val="0"/>
+              </a:ext>
+            </a:extLst>
+          </a:blip>
+          <a:stretch>
+            <a:fillRect/>
+          </a:stretch>
+        </p:blipFill>
+        <p:spPr>
+          <a:xfrm>
+            <a:off x="9681085" y="238153"/>
+            <a:ext cx="1802101" cy="569807"/>
+          </a:xfrm>
+          <a:prstGeom prst="rect">
+            <a:avLst/>
+          </a:prstGeom>
+        </p:spPr>
+      </p:pic>
+      <p:cxnSp>
+        <p:nvCxnSpPr>
+          <p:cNvPr id="16" name="Connecteur droit 15">
+            <a:extLst>
+              <a:ext uri="{FF2B5EF4-FFF2-40B4-BE49-F238E27FC236}">
+                <a16:creationId xmlns:a16="http://schemas.microsoft.com/office/drawing/2014/main" id="{7319284A-BD6F-4A96-8E2B-E0A4B52E53C6}"/>
+              </a:ext>
+            </a:extLst>
+          </p:cNvPr>
+          <p:cNvCxnSpPr>
+            <a:cxnSpLocks/>
+          </p:cNvCxnSpPr>
+          <p:nvPr/>
+        </p:nvCxnSpPr>
+        <p:spPr>
+          <a:xfrm flipV="1">
+            <a:off x="0" y="454803"/>
+            <a:ext cx="738231" cy="1798"/>
+          </a:xfrm>
+          <a:prstGeom prst="line">
+            <a:avLst/>
+          </a:prstGeom>
+        </p:spPr>
+        <p:style>
+          <a:lnRef idx="3">
+            <a:schemeClr val="dk1"/>
+          </a:lnRef>
+          <a:fillRef idx="0">
+            <a:schemeClr val="dk1"/>
+          </a:fillRef>
+          <a:effectRef idx="2">
+            <a:schemeClr val="dk1"/>
+          </a:effectRef>
+          <a:fontRef idx="minor">
+            <a:schemeClr val="tx1"/>
+          </a:fontRef>
+        </p:style>
+      </p:cxnSp>
+      <p:cxnSp>
+        <p:nvCxnSpPr>
+          <p:cNvPr id="20" name="Connecteur droit 19">
+            <a:extLst>
+              <a:ext uri="{FF2B5EF4-FFF2-40B4-BE49-F238E27FC236}">
+                <a16:creationId xmlns:a16="http://schemas.microsoft.com/office/drawing/2014/main" id="{08874CF7-F149-4C81-B61E-74E18342BA8A}"/>
+              </a:ext>
+            </a:extLst>
+          </p:cNvPr>
+          <p:cNvCxnSpPr>
+            <a:cxnSpLocks/>
+          </p:cNvCxnSpPr>
+          <p:nvPr/>
+        </p:nvCxnSpPr>
+        <p:spPr>
+          <a:xfrm>
+            <a:off x="2573222" y="454803"/>
+            <a:ext cx="6829482" cy="10398"/>
+          </a:xfrm>
+          <a:prstGeom prst="line">
+            <a:avLst/>
+          </a:prstGeom>
+        </p:spPr>
+        <p:style>
+          <a:lnRef idx="3">
+            <a:schemeClr val="dk1"/>
+          </a:lnRef>
+          <a:fillRef idx="0">
+            <a:schemeClr val="dk1"/>
+          </a:fillRef>
+          <a:effectRef idx="2">
+            <a:schemeClr val="dk1"/>
+          </a:effectRef>
+          <a:fontRef idx="minor">
+            <a:schemeClr val="tx1"/>
+          </a:fontRef>
+        </p:style>
+      </p:cxnSp>
+      <p:cxnSp>
+        <p:nvCxnSpPr>
+          <p:cNvPr id="26" name="Connecteur droit 25">
+            <a:extLst>
+              <a:ext uri="{FF2B5EF4-FFF2-40B4-BE49-F238E27FC236}">
+                <a16:creationId xmlns:a16="http://schemas.microsoft.com/office/drawing/2014/main" id="{BB3B35CC-057B-48C1-880F-3306A6559175}"/>
+              </a:ext>
+            </a:extLst>
+          </p:cNvPr>
+          <p:cNvCxnSpPr>
+            <a:cxnSpLocks/>
+          </p:cNvCxnSpPr>
+          <p:nvPr/>
+        </p:nvCxnSpPr>
+        <p:spPr>
+          <a:xfrm>
+            <a:off x="738231" y="454803"/>
+            <a:ext cx="344203" cy="484764"/>
+          </a:xfrm>
+          <a:prstGeom prst="line">
+            <a:avLst/>
+          </a:prstGeom>
+        </p:spPr>
+        <p:style>
+          <a:lnRef idx="3">
+            <a:schemeClr val="dk1"/>
+          </a:lnRef>
+          <a:fillRef idx="0">
+            <a:schemeClr val="dk1"/>
+          </a:fillRef>
+          <a:effectRef idx="2">
+            <a:schemeClr val="dk1"/>
+          </a:effectRef>
+          <a:fontRef idx="minor">
+            <a:schemeClr val="tx1"/>
+          </a:fontRef>
+        </p:style>
+      </p:cxnSp>
+      <p:cxnSp>
+        <p:nvCxnSpPr>
+          <p:cNvPr id="32" name="Connecteur droit 31">
+            <a:extLst>
+              <a:ext uri="{FF2B5EF4-FFF2-40B4-BE49-F238E27FC236}">
+                <a16:creationId xmlns:a16="http://schemas.microsoft.com/office/drawing/2014/main" id="{4AD96496-1EB6-4E48-9BB2-5C255495C686}"/>
+              </a:ext>
+            </a:extLst>
+          </p:cNvPr>
+          <p:cNvCxnSpPr>
+            <a:cxnSpLocks/>
+          </p:cNvCxnSpPr>
+          <p:nvPr/>
+        </p:nvCxnSpPr>
+        <p:spPr>
+          <a:xfrm>
+            <a:off x="1082434" y="938268"/>
+            <a:ext cx="1146585" cy="0"/>
+          </a:xfrm>
+          <a:prstGeom prst="line">
+            <a:avLst/>
+          </a:prstGeom>
+        </p:spPr>
+        <p:style>
+          <a:lnRef idx="3">
+            <a:schemeClr val="dk1"/>
+          </a:lnRef>
+          <a:fillRef idx="0">
+            <a:schemeClr val="dk1"/>
+          </a:fillRef>
+          <a:effectRef idx="2">
+            <a:schemeClr val="dk1"/>
+          </a:effectRef>
+          <a:fontRef idx="minor">
+            <a:schemeClr val="tx1"/>
+          </a:fontRef>
+        </p:style>
+      </p:cxnSp>
+      <p:cxnSp>
+        <p:nvCxnSpPr>
+          <p:cNvPr id="51" name="Connecteur droit 50">
+            <a:extLst>
+              <a:ext uri="{FF2B5EF4-FFF2-40B4-BE49-F238E27FC236}">
+                <a16:creationId xmlns:a16="http://schemas.microsoft.com/office/drawing/2014/main" id="{C035BFA6-ECBF-4775-BA81-19D2CA41AA8D}"/>
+              </a:ext>
+            </a:extLst>
+          </p:cNvPr>
+          <p:cNvCxnSpPr>
+            <a:cxnSpLocks/>
+          </p:cNvCxnSpPr>
+          <p:nvPr/>
+        </p:nvCxnSpPr>
+        <p:spPr>
+          <a:xfrm>
+            <a:off x="9402704" y="465201"/>
+            <a:ext cx="344203" cy="495163"/>
+          </a:xfrm>
+          <a:prstGeom prst="line">
+            <a:avLst/>
+          </a:prstGeom>
+        </p:spPr>
+        <p:style>
+          <a:lnRef idx="3">
+            <a:schemeClr val="dk1"/>
+          </a:lnRef>
+          <a:fillRef idx="0">
+            <a:schemeClr val="dk1"/>
+          </a:fillRef>
+          <a:effectRef idx="2">
+            <a:schemeClr val="dk1"/>
+          </a:effectRef>
+          <a:fontRef idx="minor">
+            <a:schemeClr val="tx1"/>
+          </a:fontRef>
+        </p:style>
+      </p:cxnSp>
+      <p:cxnSp>
+        <p:nvCxnSpPr>
+          <p:cNvPr id="52" name="Connecteur droit 51">
+            <a:extLst>
+              <a:ext uri="{FF2B5EF4-FFF2-40B4-BE49-F238E27FC236}">
+                <a16:creationId xmlns:a16="http://schemas.microsoft.com/office/drawing/2014/main" id="{FA310BC7-694B-4984-99A2-61A1F4F6EBF9}"/>
+              </a:ext>
+            </a:extLst>
+          </p:cNvPr>
+          <p:cNvCxnSpPr>
+            <a:cxnSpLocks/>
+          </p:cNvCxnSpPr>
+          <p:nvPr/>
+        </p:nvCxnSpPr>
+        <p:spPr>
+          <a:xfrm flipH="1">
+            <a:off x="11370469" y="448308"/>
+            <a:ext cx="364332" cy="501657"/>
+          </a:xfrm>
+          <a:prstGeom prst="line">
+            <a:avLst/>
+          </a:prstGeom>
+        </p:spPr>
+        <p:style>
+          <a:lnRef idx="3">
+            <a:schemeClr val="dk1"/>
+          </a:lnRef>
+          <a:fillRef idx="0">
+            <a:schemeClr val="dk1"/>
+          </a:fillRef>
+          <a:effectRef idx="2">
+            <a:schemeClr val="dk1"/>
+          </a:effectRef>
+          <a:fontRef idx="minor">
+            <a:schemeClr val="tx1"/>
+          </a:fontRef>
+        </p:style>
+      </p:cxnSp>
+      <p:cxnSp>
+        <p:nvCxnSpPr>
+          <p:cNvPr id="53" name="Connecteur droit 52">
+            <a:extLst>
+              <a:ext uri="{FF2B5EF4-FFF2-40B4-BE49-F238E27FC236}">
+                <a16:creationId xmlns:a16="http://schemas.microsoft.com/office/drawing/2014/main" id="{BE0649BD-EE59-4DDA-960F-95B2572F9F13}"/>
+              </a:ext>
+            </a:extLst>
+          </p:cNvPr>
+          <p:cNvCxnSpPr>
+            <a:cxnSpLocks/>
+          </p:cNvCxnSpPr>
+          <p:nvPr/>
+        </p:nvCxnSpPr>
+        <p:spPr>
+          <a:xfrm>
+            <a:off x="9743203" y="949965"/>
+            <a:ext cx="1627266" cy="0"/>
+          </a:xfrm>
+          <a:prstGeom prst="line">
+            <a:avLst/>
+          </a:prstGeom>
+        </p:spPr>
+        <p:style>
+          <a:lnRef idx="3">
+            <a:schemeClr val="dk1"/>
+          </a:lnRef>
+          <a:fillRef idx="0">
+            <a:schemeClr val="dk1"/>
+          </a:fillRef>
+          <a:effectRef idx="2">
+            <a:schemeClr val="dk1"/>
+          </a:effectRef>
+          <a:fontRef idx="minor">
+            <a:schemeClr val="tx1"/>
+          </a:fontRef>
+        </p:style>
+      </p:cxnSp>
+      <p:cxnSp>
+        <p:nvCxnSpPr>
+          <p:cNvPr id="55" name="Connecteur droit 54">
+            <a:extLst>
+              <a:ext uri="{FF2B5EF4-FFF2-40B4-BE49-F238E27FC236}">
+                <a16:creationId xmlns:a16="http://schemas.microsoft.com/office/drawing/2014/main" id="{52AA9200-DAFA-4EEF-AC13-4C7CE82A59EC}"/>
+              </a:ext>
+            </a:extLst>
+          </p:cNvPr>
+          <p:cNvCxnSpPr>
+            <a:cxnSpLocks/>
+          </p:cNvCxnSpPr>
+          <p:nvPr/>
+        </p:nvCxnSpPr>
+        <p:spPr>
+          <a:xfrm>
+            <a:off x="11715750" y="454801"/>
+            <a:ext cx="476249" cy="10400"/>
+          </a:xfrm>
+          <a:prstGeom prst="line">
+            <a:avLst/>
+          </a:prstGeom>
+        </p:spPr>
+        <p:style>
+          <a:lnRef idx="3">
+            <a:schemeClr val="dk1"/>
+          </a:lnRef>
+          <a:fillRef idx="0">
+            <a:schemeClr val="dk1"/>
+          </a:fillRef>
+          <a:effectRef idx="2">
+            <a:schemeClr val="dk1"/>
+          </a:effectRef>
+          <a:fontRef idx="minor">
+            <a:schemeClr val="tx1"/>
+          </a:fontRef>
+        </p:style>
+      </p:cxnSp>
+      <p:cxnSp>
+        <p:nvCxnSpPr>
+          <p:cNvPr id="23" name="Connecteur droit 22">
+            <a:extLst>
+              <a:ext uri="{FF2B5EF4-FFF2-40B4-BE49-F238E27FC236}">
+                <a16:creationId xmlns:a16="http://schemas.microsoft.com/office/drawing/2014/main" id="{BCB092C8-0080-4E56-957E-0046D4C83988}"/>
+              </a:ext>
+            </a:extLst>
+          </p:cNvPr>
+          <p:cNvCxnSpPr>
+            <a:cxnSpLocks/>
+          </p:cNvCxnSpPr>
+          <p:nvPr/>
+        </p:nvCxnSpPr>
+        <p:spPr>
+          <a:xfrm flipH="1">
+            <a:off x="2216372" y="446356"/>
+            <a:ext cx="364332" cy="501657"/>
+          </a:xfrm>
+          <a:prstGeom prst="line">
+            <a:avLst/>
+          </a:prstGeom>
+        </p:spPr>
+        <p:style>
+          <a:lnRef idx="3">
+            <a:schemeClr val="dk1"/>
+          </a:lnRef>
+          <a:fillRef idx="0">
+            <a:schemeClr val="dk1"/>
+          </a:fillRef>
+          <a:effectRef idx="2">
+            <a:schemeClr val="dk1"/>
+          </a:effectRef>
+          <a:fontRef idx="minor">
+            <a:schemeClr val="tx1"/>
+          </a:fontRef>
+        </p:style>
+      </p:cxnSp>
+    </p:spTree>
+    <p:extLst>
+      <p:ext uri="{BB962C8B-B14F-4D97-AF65-F5344CB8AC3E}">
         <p14:creationId xmlns:p14="http://schemas.microsoft.com/office/powerpoint/2010/main" val="1486605668"/>
       </p:ext>
     </p:extLst>
@@ -6800,7 +8962,7 @@
 </p:sld>
 </file>
 
-<file path=ppt/slides/slide14.xml><?xml version="1.0" encoding="utf-8"?>
+<file path=ppt/slides/slide16.xml><?xml version="1.0" encoding="utf-8"?>
 <p:sld xmlns:a="http://schemas.openxmlformats.org/drawingml/2006/main" xmlns:r="http://schemas.openxmlformats.org/officeDocument/2006/relationships" xmlns:p="http://schemas.openxmlformats.org/presentationml/2006/main">
   <p:cSld>
     <p:spTree>
@@ -12099,12 +14261,352 @@
           </a:fontRef>
         </p:style>
       </p:cxnSp>
+      <p:pic>
+        <p:nvPicPr>
+          <p:cNvPr id="57" name="Image 56">
+            <a:extLst>
+              <a:ext uri="{FF2B5EF4-FFF2-40B4-BE49-F238E27FC236}">
+                <a16:creationId xmlns:a16="http://schemas.microsoft.com/office/drawing/2014/main" id="{12B16FB2-5844-4B92-AE69-9BAC858C22BB}"/>
+              </a:ext>
+            </a:extLst>
+          </p:cNvPr>
+          <p:cNvPicPr>
+            <a:picLocks noChangeAspect="1"/>
+          </p:cNvPicPr>
+          <p:nvPr/>
+        </p:nvPicPr>
+        <p:blipFill>
+          <a:blip r:embed="rId3">
+            <a:extLst>
+              <a:ext uri="{28A0092B-C50C-407E-A947-70E740481C1C}">
+                <a14:useLocalDpi xmlns:a14="http://schemas.microsoft.com/office/drawing/2010/main" val="0"/>
+              </a:ext>
+            </a:extLst>
+          </a:blip>
+          <a:stretch>
+            <a:fillRect/>
+          </a:stretch>
+        </p:blipFill>
+        <p:spPr>
+          <a:xfrm>
+            <a:off x="9681085" y="238153"/>
+            <a:ext cx="1802101" cy="569807"/>
+          </a:xfrm>
+          <a:prstGeom prst="rect">
+            <a:avLst/>
+          </a:prstGeom>
+        </p:spPr>
+      </p:pic>
+      <p:cxnSp>
+        <p:nvCxnSpPr>
+          <p:cNvPr id="58" name="Connecteur droit 57">
+            <a:extLst>
+              <a:ext uri="{FF2B5EF4-FFF2-40B4-BE49-F238E27FC236}">
+                <a16:creationId xmlns:a16="http://schemas.microsoft.com/office/drawing/2014/main" id="{01599350-F8B0-4FDC-B003-981189A8D654}"/>
+              </a:ext>
+            </a:extLst>
+          </p:cNvPr>
+          <p:cNvCxnSpPr>
+            <a:cxnSpLocks/>
+          </p:cNvCxnSpPr>
+          <p:nvPr/>
+        </p:nvCxnSpPr>
+        <p:spPr>
+          <a:xfrm>
+            <a:off x="2573222" y="454803"/>
+            <a:ext cx="6829482" cy="10398"/>
+          </a:xfrm>
+          <a:prstGeom prst="line">
+            <a:avLst/>
+          </a:prstGeom>
+        </p:spPr>
+        <p:style>
+          <a:lnRef idx="3">
+            <a:schemeClr val="dk1"/>
+          </a:lnRef>
+          <a:fillRef idx="0">
+            <a:schemeClr val="dk1"/>
+          </a:fillRef>
+          <a:effectRef idx="2">
+            <a:schemeClr val="dk1"/>
+          </a:effectRef>
+          <a:fontRef idx="minor">
+            <a:schemeClr val="tx1"/>
+          </a:fontRef>
+        </p:style>
+      </p:cxnSp>
+      <p:cxnSp>
+        <p:nvCxnSpPr>
+          <p:cNvPr id="59" name="Connecteur droit 58">
+            <a:extLst>
+              <a:ext uri="{FF2B5EF4-FFF2-40B4-BE49-F238E27FC236}">
+                <a16:creationId xmlns:a16="http://schemas.microsoft.com/office/drawing/2014/main" id="{BC6E6150-6054-4785-84EC-0C46D82034C2}"/>
+              </a:ext>
+            </a:extLst>
+          </p:cNvPr>
+          <p:cNvCxnSpPr>
+            <a:cxnSpLocks/>
+          </p:cNvCxnSpPr>
+          <p:nvPr/>
+        </p:nvCxnSpPr>
+        <p:spPr>
+          <a:xfrm>
+            <a:off x="738231" y="454803"/>
+            <a:ext cx="344203" cy="484764"/>
+          </a:xfrm>
+          <a:prstGeom prst="line">
+            <a:avLst/>
+          </a:prstGeom>
+        </p:spPr>
+        <p:style>
+          <a:lnRef idx="3">
+            <a:schemeClr val="dk1"/>
+          </a:lnRef>
+          <a:fillRef idx="0">
+            <a:schemeClr val="dk1"/>
+          </a:fillRef>
+          <a:effectRef idx="2">
+            <a:schemeClr val="dk1"/>
+          </a:effectRef>
+          <a:fontRef idx="minor">
+            <a:schemeClr val="tx1"/>
+          </a:fontRef>
+        </p:style>
+      </p:cxnSp>
+      <p:cxnSp>
+        <p:nvCxnSpPr>
+          <p:cNvPr id="60" name="Connecteur droit 59">
+            <a:extLst>
+              <a:ext uri="{FF2B5EF4-FFF2-40B4-BE49-F238E27FC236}">
+                <a16:creationId xmlns:a16="http://schemas.microsoft.com/office/drawing/2014/main" id="{CBC9961A-8EC2-4287-A398-BCA4138D409D}"/>
+              </a:ext>
+            </a:extLst>
+          </p:cNvPr>
+          <p:cNvCxnSpPr>
+            <a:cxnSpLocks/>
+          </p:cNvCxnSpPr>
+          <p:nvPr/>
+        </p:nvCxnSpPr>
+        <p:spPr>
+          <a:xfrm>
+            <a:off x="1082434" y="938268"/>
+            <a:ext cx="1146585" cy="0"/>
+          </a:xfrm>
+          <a:prstGeom prst="line">
+            <a:avLst/>
+          </a:prstGeom>
+        </p:spPr>
+        <p:style>
+          <a:lnRef idx="3">
+            <a:schemeClr val="dk1"/>
+          </a:lnRef>
+          <a:fillRef idx="0">
+            <a:schemeClr val="dk1"/>
+          </a:fillRef>
+          <a:effectRef idx="2">
+            <a:schemeClr val="dk1"/>
+          </a:effectRef>
+          <a:fontRef idx="minor">
+            <a:schemeClr val="tx1"/>
+          </a:fontRef>
+        </p:style>
+      </p:cxnSp>
+      <p:cxnSp>
+        <p:nvCxnSpPr>
+          <p:cNvPr id="61" name="Connecteur droit 60">
+            <a:extLst>
+              <a:ext uri="{FF2B5EF4-FFF2-40B4-BE49-F238E27FC236}">
+                <a16:creationId xmlns:a16="http://schemas.microsoft.com/office/drawing/2014/main" id="{152B7C45-2543-4665-BC07-4DB71CA9F337}"/>
+              </a:ext>
+            </a:extLst>
+          </p:cNvPr>
+          <p:cNvCxnSpPr>
+            <a:cxnSpLocks/>
+          </p:cNvCxnSpPr>
+          <p:nvPr/>
+        </p:nvCxnSpPr>
+        <p:spPr>
+          <a:xfrm>
+            <a:off x="9402704" y="465201"/>
+            <a:ext cx="344203" cy="495163"/>
+          </a:xfrm>
+          <a:prstGeom prst="line">
+            <a:avLst/>
+          </a:prstGeom>
+        </p:spPr>
+        <p:style>
+          <a:lnRef idx="3">
+            <a:schemeClr val="dk1"/>
+          </a:lnRef>
+          <a:fillRef idx="0">
+            <a:schemeClr val="dk1"/>
+          </a:fillRef>
+          <a:effectRef idx="2">
+            <a:schemeClr val="dk1"/>
+          </a:effectRef>
+          <a:fontRef idx="minor">
+            <a:schemeClr val="tx1"/>
+          </a:fontRef>
+        </p:style>
+      </p:cxnSp>
+      <p:cxnSp>
+        <p:nvCxnSpPr>
+          <p:cNvPr id="62" name="Connecteur droit 61">
+            <a:extLst>
+              <a:ext uri="{FF2B5EF4-FFF2-40B4-BE49-F238E27FC236}">
+                <a16:creationId xmlns:a16="http://schemas.microsoft.com/office/drawing/2014/main" id="{00A84DC3-A112-46A3-B71C-04D85339323D}"/>
+              </a:ext>
+            </a:extLst>
+          </p:cNvPr>
+          <p:cNvCxnSpPr>
+            <a:cxnSpLocks/>
+          </p:cNvCxnSpPr>
+          <p:nvPr/>
+        </p:nvCxnSpPr>
+        <p:spPr>
+          <a:xfrm flipH="1">
+            <a:off x="11370469" y="448308"/>
+            <a:ext cx="364332" cy="501657"/>
+          </a:xfrm>
+          <a:prstGeom prst="line">
+            <a:avLst/>
+          </a:prstGeom>
+        </p:spPr>
+        <p:style>
+          <a:lnRef idx="3">
+            <a:schemeClr val="dk1"/>
+          </a:lnRef>
+          <a:fillRef idx="0">
+            <a:schemeClr val="dk1"/>
+          </a:fillRef>
+          <a:effectRef idx="2">
+            <a:schemeClr val="dk1"/>
+          </a:effectRef>
+          <a:fontRef idx="minor">
+            <a:schemeClr val="tx1"/>
+          </a:fontRef>
+        </p:style>
+      </p:cxnSp>
+      <p:cxnSp>
+        <p:nvCxnSpPr>
+          <p:cNvPr id="63" name="Connecteur droit 62">
+            <a:extLst>
+              <a:ext uri="{FF2B5EF4-FFF2-40B4-BE49-F238E27FC236}">
+                <a16:creationId xmlns:a16="http://schemas.microsoft.com/office/drawing/2014/main" id="{C50788C6-8F68-44EC-AB54-94C1D2FE554D}"/>
+              </a:ext>
+            </a:extLst>
+          </p:cNvPr>
+          <p:cNvCxnSpPr>
+            <a:cxnSpLocks/>
+          </p:cNvCxnSpPr>
+          <p:nvPr/>
+        </p:nvCxnSpPr>
+        <p:spPr>
+          <a:xfrm>
+            <a:off x="9743203" y="949965"/>
+            <a:ext cx="1627266" cy="0"/>
+          </a:xfrm>
+          <a:prstGeom prst="line">
+            <a:avLst/>
+          </a:prstGeom>
+        </p:spPr>
+        <p:style>
+          <a:lnRef idx="3">
+            <a:schemeClr val="dk1"/>
+          </a:lnRef>
+          <a:fillRef idx="0">
+            <a:schemeClr val="dk1"/>
+          </a:fillRef>
+          <a:effectRef idx="2">
+            <a:schemeClr val="dk1"/>
+          </a:effectRef>
+          <a:fontRef idx="minor">
+            <a:schemeClr val="tx1"/>
+          </a:fontRef>
+        </p:style>
+      </p:cxnSp>
+      <p:cxnSp>
+        <p:nvCxnSpPr>
+          <p:cNvPr id="64" name="Connecteur droit 63">
+            <a:extLst>
+              <a:ext uri="{FF2B5EF4-FFF2-40B4-BE49-F238E27FC236}">
+                <a16:creationId xmlns:a16="http://schemas.microsoft.com/office/drawing/2014/main" id="{BC4D4E5F-5636-45CB-873C-EC085AB307A3}"/>
+              </a:ext>
+            </a:extLst>
+          </p:cNvPr>
+          <p:cNvCxnSpPr>
+            <a:cxnSpLocks/>
+          </p:cNvCxnSpPr>
+          <p:nvPr/>
+        </p:nvCxnSpPr>
+        <p:spPr>
+          <a:xfrm>
+            <a:off x="11715750" y="454801"/>
+            <a:ext cx="476249" cy="10400"/>
+          </a:xfrm>
+          <a:prstGeom prst="line">
+            <a:avLst/>
+          </a:prstGeom>
+        </p:spPr>
+        <p:style>
+          <a:lnRef idx="3">
+            <a:schemeClr val="dk1"/>
+          </a:lnRef>
+          <a:fillRef idx="0">
+            <a:schemeClr val="dk1"/>
+          </a:fillRef>
+          <a:effectRef idx="2">
+            <a:schemeClr val="dk1"/>
+          </a:effectRef>
+          <a:fontRef idx="minor">
+            <a:schemeClr val="tx1"/>
+          </a:fontRef>
+        </p:style>
+      </p:cxnSp>
+      <p:cxnSp>
+        <p:nvCxnSpPr>
+          <p:cNvPr id="65" name="Connecteur droit 64">
+            <a:extLst>
+              <a:ext uri="{FF2B5EF4-FFF2-40B4-BE49-F238E27FC236}">
+                <a16:creationId xmlns:a16="http://schemas.microsoft.com/office/drawing/2014/main" id="{E6F6B4C5-0E3B-46C9-859D-EE774175D36F}"/>
+              </a:ext>
+            </a:extLst>
+          </p:cNvPr>
+          <p:cNvCxnSpPr>
+            <a:cxnSpLocks/>
+          </p:cNvCxnSpPr>
+          <p:nvPr/>
+        </p:nvCxnSpPr>
+        <p:spPr>
+          <a:xfrm flipH="1">
+            <a:off x="2216372" y="446356"/>
+            <a:ext cx="364332" cy="501657"/>
+          </a:xfrm>
+          <a:prstGeom prst="line">
+            <a:avLst/>
+          </a:prstGeom>
+        </p:spPr>
+        <p:style>
+          <a:lnRef idx="3">
+            <a:schemeClr val="dk1"/>
+          </a:lnRef>
+          <a:fillRef idx="0">
+            <a:schemeClr val="dk1"/>
+          </a:fillRef>
+          <a:effectRef idx="2">
+            <a:schemeClr val="dk1"/>
+          </a:effectRef>
+          <a:fontRef idx="minor">
+            <a:schemeClr val="tx1"/>
+          </a:fontRef>
+        </p:style>
+      </p:cxnSp>
       <p:sp>
         <p:nvSpPr>
-          <p:cNvPr id="3" name="ZoneTexte 2">
-            <a:extLst>
-              <a:ext uri="{FF2B5EF4-FFF2-40B4-BE49-F238E27FC236}">
-                <a16:creationId xmlns:a16="http://schemas.microsoft.com/office/drawing/2014/main" id="{DCCD1615-1755-47F7-AF0B-75E932931245}"/>
+          <p:cNvPr id="2" name="ZoneTexte 1">
+            <a:extLst>
+              <a:ext uri="{FF2B5EF4-FFF2-40B4-BE49-F238E27FC236}">
+                <a16:creationId xmlns:a16="http://schemas.microsoft.com/office/drawing/2014/main" id="{27396238-7A76-4B8F-981D-280A71EC12F4}"/>
               </a:ext>
             </a:extLst>
           </p:cNvPr>
@@ -12113,68 +14615,8 @@
         </p:nvSpPr>
         <p:spPr>
           <a:xfrm>
-            <a:off x="1048878" y="2349004"/>
-            <a:ext cx="5888270" cy="1046440"/>
-          </a:xfrm>
-          <a:prstGeom prst="rect">
-            <a:avLst/>
-          </a:prstGeom>
-          <a:noFill/>
-        </p:spPr>
-        <p:txBody>
-          <a:bodyPr wrap="square" rtlCol="0">
-            <a:spAutoFit/>
-          </a:bodyPr>
-          <a:lstStyle/>
-          <a:p>
-            <a:r>
-              <a:rPr lang="fr-FR" sz="2400" dirty="0">
-                <a:latin typeface="Berlin Sans FB" panose="020E0602020502020306" pitchFamily="34" charset="0"/>
-              </a:rPr>
-              <a:t>Installation du serveur </a:t>
-            </a:r>
-            <a:r>
-              <a:rPr lang="fr-FR" sz="2400" dirty="0" err="1">
-                <a:latin typeface="Berlin Sans FB" panose="020E0602020502020306" pitchFamily="34" charset="0"/>
-              </a:rPr>
-              <a:t>Wamp</a:t>
-            </a:r>
-            <a:r>
-              <a:rPr lang="fr-FR" sz="2400" dirty="0">
-                <a:latin typeface="Berlin Sans FB" panose="020E0602020502020306" pitchFamily="34" charset="0"/>
-              </a:rPr>
-              <a:t> et de la BDD : </a:t>
-            </a:r>
-            <a:r>
-              <a:rPr lang="fr-FR" dirty="0">
-                <a:latin typeface="Berlin Sans FB" panose="020E0602020502020306" pitchFamily="34" charset="0"/>
-              </a:rPr>
-              <a:t>Collection des dernières mesures</a:t>
-            </a:r>
-          </a:p>
-          <a:p>
-            <a:endParaRPr lang="fr-FR" dirty="0">
-              <a:latin typeface="Berlin Sans FB" panose="020E0602020502020306" pitchFamily="34" charset="0"/>
-            </a:endParaRPr>
-          </a:p>
-        </p:txBody>
-      </p:sp>
-      <p:sp>
-        <p:nvSpPr>
-          <p:cNvPr id="9" name="ZoneTexte 8">
-            <a:extLst>
-              <a:ext uri="{FF2B5EF4-FFF2-40B4-BE49-F238E27FC236}">
-                <a16:creationId xmlns:a16="http://schemas.microsoft.com/office/drawing/2014/main" id="{82010251-0AD2-4DAA-8E6B-7CA6A2301A9E}"/>
-              </a:ext>
-            </a:extLst>
-          </p:cNvPr>
-          <p:cNvSpPr txBox="1"/>
-          <p:nvPr/>
-        </p:nvSpPr>
-        <p:spPr>
-          <a:xfrm>
-            <a:off x="2361082" y="1061143"/>
-            <a:ext cx="7253761" cy="769441"/>
+            <a:off x="2445093" y="518915"/>
+            <a:ext cx="6281999" cy="769441"/>
           </a:xfrm>
           <a:prstGeom prst="rect">
             <a:avLst/>
@@ -12192,109 +14634,7 @@
               <a:rPr lang="fr-FR" sz="4400" dirty="0">
                 <a:latin typeface="Berlin Sans FB" panose="020E0602020502020306" pitchFamily="34" charset="0"/>
               </a:rPr>
-              <a:t>Partie Personnelle</a:t>
-            </a:r>
-          </a:p>
-        </p:txBody>
-      </p:sp>
-      <p:sp>
-        <p:nvSpPr>
-          <p:cNvPr id="5" name="ZoneTexte 4">
-            <a:extLst>
-              <a:ext uri="{FF2B5EF4-FFF2-40B4-BE49-F238E27FC236}">
-                <a16:creationId xmlns:a16="http://schemas.microsoft.com/office/drawing/2014/main" id="{97D75292-83FE-493B-B968-98B2458193D7}"/>
-              </a:ext>
-            </a:extLst>
-          </p:cNvPr>
-          <p:cNvSpPr txBox="1"/>
-          <p:nvPr/>
-        </p:nvSpPr>
-        <p:spPr>
-          <a:xfrm>
-            <a:off x="1048878" y="3555555"/>
-            <a:ext cx="6036724" cy="738664"/>
-          </a:xfrm>
-          <a:prstGeom prst="rect">
-            <a:avLst/>
-          </a:prstGeom>
-          <a:noFill/>
-        </p:spPr>
-        <p:txBody>
-          <a:bodyPr wrap="square" rtlCol="0">
-            <a:spAutoFit/>
-          </a:bodyPr>
-          <a:lstStyle/>
-          <a:p>
-            <a:r>
-              <a:rPr lang="fr-FR" sz="2400" dirty="0">
-                <a:latin typeface="Berlin Sans FB" panose="020E0602020502020306" pitchFamily="34" charset="0"/>
-              </a:rPr>
-              <a:t>Mise en place page </a:t>
-            </a:r>
-            <a:r>
-              <a:rPr lang="fr-FR" sz="2400" dirty="0" err="1">
-                <a:latin typeface="Berlin Sans FB" panose="020E0602020502020306" pitchFamily="34" charset="0"/>
-              </a:rPr>
-              <a:t>php</a:t>
-            </a:r>
-            <a:r>
-              <a:rPr lang="fr-FR" sz="2400" dirty="0">
-                <a:latin typeface="Berlin Sans FB" panose="020E0602020502020306" pitchFamily="34" charset="0"/>
-              </a:rPr>
-              <a:t> : </a:t>
-            </a:r>
-          </a:p>
-          <a:p>
-            <a:r>
-              <a:rPr lang="fr-FR" dirty="0">
-                <a:latin typeface="Berlin Sans FB" panose="020E0602020502020306" pitchFamily="34" charset="0"/>
-              </a:rPr>
-              <a:t>Visualisation de l'état en temps réel de la serre</a:t>
-            </a:r>
-          </a:p>
-        </p:txBody>
-      </p:sp>
-      <p:sp>
-        <p:nvSpPr>
-          <p:cNvPr id="2" name="ZoneTexte 1">
-            <a:extLst>
-              <a:ext uri="{FF2B5EF4-FFF2-40B4-BE49-F238E27FC236}">
-                <a16:creationId xmlns:a16="http://schemas.microsoft.com/office/drawing/2014/main" id="{2BC33ED4-BDF7-41A6-B497-0BDE14EDC326}"/>
-              </a:ext>
-            </a:extLst>
-          </p:cNvPr>
-          <p:cNvSpPr txBox="1"/>
-          <p:nvPr/>
-        </p:nvSpPr>
-        <p:spPr>
-          <a:xfrm>
-            <a:off x="1048878" y="4943471"/>
-            <a:ext cx="7633727" cy="738664"/>
-          </a:xfrm>
-          <a:prstGeom prst="rect">
-            <a:avLst/>
-          </a:prstGeom>
-          <a:noFill/>
-        </p:spPr>
-        <p:txBody>
-          <a:bodyPr wrap="square" rtlCol="0">
-            <a:spAutoFit/>
-          </a:bodyPr>
-          <a:lstStyle/>
-          <a:p>
-            <a:r>
-              <a:rPr lang="fr-FR" sz="2400" dirty="0">
-                <a:latin typeface="Berlin Sans FB" panose="020E0602020502020306" pitchFamily="34" charset="0"/>
-              </a:rPr>
-              <a:t>Mise en place de la boucle 4-20 mA (avec Willy) :</a:t>
-            </a:r>
-          </a:p>
-          <a:p>
-            <a:r>
-              <a:rPr lang="fr-FR" dirty="0">
-                <a:latin typeface="Berlin Sans FB" panose="020E0602020502020306" pitchFamily="34" charset="0"/>
-              </a:rPr>
-              <a:t>Acquérir la mesure température</a:t>
+              <a:t>Diagramme de bloc</a:t>
             </a:r>
           </a:p>
         </p:txBody>
@@ -12304,7 +14644,7 @@
           <p:cNvPr id="4" name="Image 3">
             <a:extLst>
               <a:ext uri="{FF2B5EF4-FFF2-40B4-BE49-F238E27FC236}">
-                <a16:creationId xmlns:a16="http://schemas.microsoft.com/office/drawing/2014/main" id="{5BF45598-5F3E-4BBA-A0BA-D008DACED053}"/>
+                <a16:creationId xmlns:a16="http://schemas.microsoft.com/office/drawing/2014/main" id="{7E60C251-29D0-4848-8D5B-5DB9F0C6EC10}"/>
               </a:ext>
             </a:extLst>
           </p:cNvPr>
@@ -12314,37 +14654,7 @@
           <p:nvPr/>
         </p:nvPicPr>
         <p:blipFill>
-          <a:blip r:embed="rId4"/>
-          <a:stretch>
-            <a:fillRect/>
-          </a:stretch>
-        </p:blipFill>
-        <p:spPr>
-          <a:xfrm>
-            <a:off x="8596254" y="2315699"/>
-            <a:ext cx="870001" cy="862629"/>
-          </a:xfrm>
-          <a:prstGeom prst="rect">
-            <a:avLst/>
-          </a:prstGeom>
-        </p:spPr>
-      </p:pic>
-      <p:pic>
-        <p:nvPicPr>
-          <p:cNvPr id="7" name="Image 6">
-            <a:extLst>
-              <a:ext uri="{FF2B5EF4-FFF2-40B4-BE49-F238E27FC236}">
-                <a16:creationId xmlns:a16="http://schemas.microsoft.com/office/drawing/2014/main" id="{1EE86F43-EB9C-47AF-9159-70A323BBA8FC}"/>
-              </a:ext>
-            </a:extLst>
-          </p:cNvPr>
-          <p:cNvPicPr>
-            <a:picLocks noChangeAspect="1"/>
-          </p:cNvPicPr>
-          <p:nvPr/>
-        </p:nvPicPr>
-        <p:blipFill>
-          <a:blip r:embed="rId5">
+          <a:blip r:embed="rId4">
             <a:extLst>
               <a:ext uri="{28A0092B-C50C-407E-A947-70E740481C1C}">
                 <a14:useLocalDpi xmlns:a14="http://schemas.microsoft.com/office/drawing/2010/main" val="0"/>
@@ -12357,152 +14667,8 @@
         </p:blipFill>
         <p:spPr>
           <a:xfrm>
-            <a:off x="9541249" y="2328891"/>
-            <a:ext cx="1296501" cy="863823"/>
-          </a:xfrm>
-          <a:prstGeom prst="rect">
-            <a:avLst/>
-          </a:prstGeom>
-        </p:spPr>
-      </p:pic>
-      <p:pic>
-        <p:nvPicPr>
-          <p:cNvPr id="12" name="Image 11">
-            <a:extLst>
-              <a:ext uri="{FF2B5EF4-FFF2-40B4-BE49-F238E27FC236}">
-                <a16:creationId xmlns:a16="http://schemas.microsoft.com/office/drawing/2014/main" id="{1C693AD3-5E2B-421D-A28A-9610AB13AAD3}"/>
-              </a:ext>
-            </a:extLst>
-          </p:cNvPr>
-          <p:cNvPicPr>
-            <a:picLocks noChangeAspect="1"/>
-          </p:cNvPicPr>
-          <p:nvPr/>
-        </p:nvPicPr>
-        <p:blipFill>
-          <a:blip r:embed="rId6">
-            <a:extLst>
-              <a:ext uri="{28A0092B-C50C-407E-A947-70E740481C1C}">
-                <a14:useLocalDpi xmlns:a14="http://schemas.microsoft.com/office/drawing/2010/main" val="0"/>
-              </a:ext>
-            </a:extLst>
-          </a:blip>
-          <a:stretch>
-            <a:fillRect/>
-          </a:stretch>
-        </p:blipFill>
-        <p:spPr>
-          <a:xfrm>
-            <a:off x="8697006" y="3412184"/>
-            <a:ext cx="1901046" cy="1026565"/>
-          </a:xfrm>
-          <a:prstGeom prst="rect">
-            <a:avLst/>
-          </a:prstGeom>
-        </p:spPr>
-      </p:pic>
-      <p:pic>
-        <p:nvPicPr>
-          <p:cNvPr id="17" name="Image 16">
-            <a:extLst>
-              <a:ext uri="{FF2B5EF4-FFF2-40B4-BE49-F238E27FC236}">
-                <a16:creationId xmlns:a16="http://schemas.microsoft.com/office/drawing/2014/main" id="{A0853A2B-0CFE-4727-A193-4EDFEC193A54}"/>
-              </a:ext>
-            </a:extLst>
-          </p:cNvPr>
-          <p:cNvPicPr>
-            <a:picLocks noChangeAspect="1"/>
-          </p:cNvPicPr>
-          <p:nvPr/>
-        </p:nvPicPr>
-        <p:blipFill>
-          <a:blip r:embed="rId7">
-            <a:extLst>
-              <a:ext uri="{28A0092B-C50C-407E-A947-70E740481C1C}">
-                <a14:useLocalDpi xmlns:a14="http://schemas.microsoft.com/office/drawing/2010/main" val="0"/>
-              </a:ext>
-            </a:extLst>
-          </a:blip>
-          <a:stretch>
-            <a:fillRect/>
-          </a:stretch>
-        </p:blipFill>
-        <p:spPr>
-          <a:xfrm>
-            <a:off x="9174677" y="5019518"/>
-            <a:ext cx="850382" cy="850382"/>
-          </a:xfrm>
-          <a:prstGeom prst="rect">
-            <a:avLst/>
-          </a:prstGeom>
-        </p:spPr>
-      </p:pic>
-      <p:pic>
-        <p:nvPicPr>
-          <p:cNvPr id="11" name="Image 10">
-            <a:extLst>
-              <a:ext uri="{FF2B5EF4-FFF2-40B4-BE49-F238E27FC236}">
-                <a16:creationId xmlns:a16="http://schemas.microsoft.com/office/drawing/2014/main" id="{8AD3A9C9-0523-4A43-BA53-02BDE087AB1E}"/>
-              </a:ext>
-            </a:extLst>
-          </p:cNvPr>
-          <p:cNvPicPr>
-            <a:picLocks noChangeAspect="1"/>
-          </p:cNvPicPr>
-          <p:nvPr/>
-        </p:nvPicPr>
-        <p:blipFill>
-          <a:blip r:embed="rId8">
-            <a:extLst>
-              <a:ext uri="{28A0092B-C50C-407E-A947-70E740481C1C}">
-                <a14:useLocalDpi xmlns:a14="http://schemas.microsoft.com/office/drawing/2010/main" val="0"/>
-              </a:ext>
-            </a:extLst>
-          </a:blip>
-          <a:stretch>
-            <a:fillRect/>
-          </a:stretch>
-        </p:blipFill>
-        <p:spPr>
-          <a:xfrm>
-            <a:off x="10222057" y="5024097"/>
-            <a:ext cx="850382" cy="850382"/>
-          </a:xfrm>
-          <a:prstGeom prst="rect">
-            <a:avLst/>
-          </a:prstGeom>
-        </p:spPr>
-      </p:pic>
-      <p:pic>
-        <p:nvPicPr>
-          <p:cNvPr id="13" name="Image 12">
-            <a:extLst>
-              <a:ext uri="{FF2B5EF4-FFF2-40B4-BE49-F238E27FC236}">
-                <a16:creationId xmlns:a16="http://schemas.microsoft.com/office/drawing/2014/main" id="{6ECCE392-4449-4FA5-9C84-46180EE9B8CD}"/>
-              </a:ext>
-            </a:extLst>
-          </p:cNvPr>
-          <p:cNvPicPr>
-            <a:picLocks noChangeAspect="1"/>
-          </p:cNvPicPr>
-          <p:nvPr/>
-        </p:nvPicPr>
-        <p:blipFill>
-          <a:blip r:embed="rId9">
-            <a:extLst>
-              <a:ext uri="{28A0092B-C50C-407E-A947-70E740481C1C}">
-                <a14:useLocalDpi xmlns:a14="http://schemas.microsoft.com/office/drawing/2010/main" val="0"/>
-              </a:ext>
-            </a:extLst>
-          </a:blip>
-          <a:stretch>
-            <a:fillRect/>
-          </a:stretch>
-        </p:blipFill>
-        <p:spPr>
-          <a:xfrm>
-            <a:off x="8115050" y="5019518"/>
-            <a:ext cx="862629" cy="862629"/>
+            <a:off x="2398538" y="1342070"/>
+            <a:ext cx="6658935" cy="5269717"/>
           </a:xfrm>
           <a:prstGeom prst="rect">
             <a:avLst/>
@@ -12512,7 +14678,7 @@
     </p:spTree>
     <p:extLst>
       <p:ext uri="{BB962C8B-B14F-4D97-AF65-F5344CB8AC3E}">
-        <p14:creationId xmlns:p14="http://schemas.microsoft.com/office/powerpoint/2010/main" val="2149631933"/>
+        <p14:creationId xmlns:p14="http://schemas.microsoft.com/office/powerpoint/2010/main" val="1093378480"/>
       </p:ext>
     </p:extLst>
   </p:cSld>
@@ -12521,420 +14687,16 @@
   </p:clrMapOvr>
   <mc:AlternateContent xmlns:mc="http://schemas.openxmlformats.org/markup-compatibility/2006" xmlns:p14="http://schemas.microsoft.com/office/powerpoint/2010/main">
     <mc:Choice Requires="p14">
-      <p:transition spd="med">
+      <p:transition spd="slow">
         <p14:reveal/>
       </p:transition>
     </mc:Choice>
     <mc:Fallback xmlns="">
-      <p:transition spd="med">
+      <p:transition spd="slow">
         <p:fade/>
       </p:transition>
     </mc:Fallback>
   </mc:AlternateContent>
-  <p:timing>
-    <p:tnLst>
-      <p:par>
-        <p:cTn id="1" dur="indefinite" restart="never" nodeType="tmRoot">
-          <p:childTnLst>
-            <p:seq concurrent="1" nextAc="seek">
-              <p:cTn id="2" dur="indefinite" nodeType="mainSeq">
-                <p:childTnLst>
-                  <p:par>
-                    <p:cTn id="3" fill="hold">
-                      <p:stCondLst>
-                        <p:cond delay="indefinite"/>
-                      </p:stCondLst>
-                      <p:childTnLst>
-                        <p:par>
-                          <p:cTn id="4" fill="hold">
-                            <p:stCondLst>
-                              <p:cond delay="0"/>
-                            </p:stCondLst>
-                            <p:childTnLst>
-                              <p:par>
-                                <p:cTn id="5" presetID="10" presetClass="entr" presetSubtype="0" fill="hold" grpId="0" nodeType="clickEffect">
-                                  <p:stCondLst>
-                                    <p:cond delay="0"/>
-                                  </p:stCondLst>
-                                  <p:childTnLst>
-                                    <p:set>
-                                      <p:cBhvr>
-                                        <p:cTn id="6" dur="1" fill="hold">
-                                          <p:stCondLst>
-                                            <p:cond delay="0"/>
-                                          </p:stCondLst>
-                                        </p:cTn>
-                                        <p:tgtEl>
-                                          <p:spTgt spid="3"/>
-                                        </p:tgtEl>
-                                        <p:attrNameLst>
-                                          <p:attrName>style.visibility</p:attrName>
-                                        </p:attrNameLst>
-                                      </p:cBhvr>
-                                      <p:to>
-                                        <p:strVal val="visible"/>
-                                      </p:to>
-                                    </p:set>
-                                    <p:animEffect transition="in" filter="fade">
-                                      <p:cBhvr>
-                                        <p:cTn id="7" dur="500"/>
-                                        <p:tgtEl>
-                                          <p:spTgt spid="3"/>
-                                        </p:tgtEl>
-                                      </p:cBhvr>
-                                    </p:animEffect>
-                                  </p:childTnLst>
-                                </p:cTn>
-                              </p:par>
-                              <p:par>
-                                <p:cTn id="8" presetID="10" presetClass="entr" presetSubtype="0" fill="hold" nodeType="withEffect">
-                                  <p:stCondLst>
-                                    <p:cond delay="0"/>
-                                  </p:stCondLst>
-                                  <p:childTnLst>
-                                    <p:set>
-                                      <p:cBhvr>
-                                        <p:cTn id="9" dur="1" fill="hold">
-                                          <p:stCondLst>
-                                            <p:cond delay="0"/>
-                                          </p:stCondLst>
-                                        </p:cTn>
-                                        <p:tgtEl>
-                                          <p:spTgt spid="4"/>
-                                        </p:tgtEl>
-                                        <p:attrNameLst>
-                                          <p:attrName>style.visibility</p:attrName>
-                                        </p:attrNameLst>
-                                      </p:cBhvr>
-                                      <p:to>
-                                        <p:strVal val="visible"/>
-                                      </p:to>
-                                    </p:set>
-                                    <p:animEffect transition="in" filter="fade">
-                                      <p:cBhvr>
-                                        <p:cTn id="10" dur="500"/>
-                                        <p:tgtEl>
-                                          <p:spTgt spid="4"/>
-                                        </p:tgtEl>
-                                      </p:cBhvr>
-                                    </p:animEffect>
-                                  </p:childTnLst>
-                                </p:cTn>
-                              </p:par>
-                              <p:par>
-                                <p:cTn id="11" presetID="10" presetClass="entr" presetSubtype="0" fill="hold" nodeType="withEffect">
-                                  <p:stCondLst>
-                                    <p:cond delay="0"/>
-                                  </p:stCondLst>
-                                  <p:childTnLst>
-                                    <p:set>
-                                      <p:cBhvr>
-                                        <p:cTn id="12" dur="1" fill="hold">
-                                          <p:stCondLst>
-                                            <p:cond delay="0"/>
-                                          </p:stCondLst>
-                                        </p:cTn>
-                                        <p:tgtEl>
-                                          <p:spTgt spid="7"/>
-                                        </p:tgtEl>
-                                        <p:attrNameLst>
-                                          <p:attrName>style.visibility</p:attrName>
-                                        </p:attrNameLst>
-                                      </p:cBhvr>
-                                      <p:to>
-                                        <p:strVal val="visible"/>
-                                      </p:to>
-                                    </p:set>
-                                    <p:animEffect transition="in" filter="fade">
-                                      <p:cBhvr>
-                                        <p:cTn id="13" dur="500"/>
-                                        <p:tgtEl>
-                                          <p:spTgt spid="7"/>
-                                        </p:tgtEl>
-                                      </p:cBhvr>
-                                    </p:animEffect>
-                                  </p:childTnLst>
-                                </p:cTn>
-                              </p:par>
-                            </p:childTnLst>
-                          </p:cTn>
-                        </p:par>
-                      </p:childTnLst>
-                    </p:cTn>
-                  </p:par>
-                  <p:par>
-                    <p:cTn id="14" fill="hold">
-                      <p:stCondLst>
-                        <p:cond delay="indefinite"/>
-                      </p:stCondLst>
-                      <p:childTnLst>
-                        <p:par>
-                          <p:cTn id="15" fill="hold">
-                            <p:stCondLst>
-                              <p:cond delay="0"/>
-                            </p:stCondLst>
-                            <p:childTnLst>
-                              <p:par>
-                                <p:cTn id="16" presetID="10" presetClass="entr" presetSubtype="0" fill="hold" grpId="0" nodeType="clickEffect">
-                                  <p:stCondLst>
-                                    <p:cond delay="0"/>
-                                  </p:stCondLst>
-                                  <p:childTnLst>
-                                    <p:set>
-                                      <p:cBhvr>
-                                        <p:cTn id="17" dur="1" fill="hold">
-                                          <p:stCondLst>
-                                            <p:cond delay="0"/>
-                                          </p:stCondLst>
-                                        </p:cTn>
-                                        <p:tgtEl>
-                                          <p:spTgt spid="5"/>
-                                        </p:tgtEl>
-                                        <p:attrNameLst>
-                                          <p:attrName>style.visibility</p:attrName>
-                                        </p:attrNameLst>
-                                      </p:cBhvr>
-                                      <p:to>
-                                        <p:strVal val="visible"/>
-                                      </p:to>
-                                    </p:set>
-                                    <p:animEffect transition="in" filter="fade">
-                                      <p:cBhvr>
-                                        <p:cTn id="18" dur="500"/>
-                                        <p:tgtEl>
-                                          <p:spTgt spid="5"/>
-                                        </p:tgtEl>
-                                      </p:cBhvr>
-                                    </p:animEffect>
-                                  </p:childTnLst>
-                                </p:cTn>
-                              </p:par>
-                              <p:par>
-                                <p:cTn id="19" presetID="10" presetClass="entr" presetSubtype="0" fill="hold" nodeType="withEffect">
-                                  <p:stCondLst>
-                                    <p:cond delay="0"/>
-                                  </p:stCondLst>
-                                  <p:childTnLst>
-                                    <p:set>
-                                      <p:cBhvr>
-                                        <p:cTn id="20" dur="1" fill="hold">
-                                          <p:stCondLst>
-                                            <p:cond delay="0"/>
-                                          </p:stCondLst>
-                                        </p:cTn>
-                                        <p:tgtEl>
-                                          <p:spTgt spid="12"/>
-                                        </p:tgtEl>
-                                        <p:attrNameLst>
-                                          <p:attrName>style.visibility</p:attrName>
-                                        </p:attrNameLst>
-                                      </p:cBhvr>
-                                      <p:to>
-                                        <p:strVal val="visible"/>
-                                      </p:to>
-                                    </p:set>
-                                    <p:animEffect transition="in" filter="fade">
-                                      <p:cBhvr>
-                                        <p:cTn id="21" dur="500"/>
-                                        <p:tgtEl>
-                                          <p:spTgt spid="12"/>
-                                        </p:tgtEl>
-                                      </p:cBhvr>
-                                    </p:animEffect>
-                                  </p:childTnLst>
-                                </p:cTn>
-                              </p:par>
-                            </p:childTnLst>
-                          </p:cTn>
-                        </p:par>
-                      </p:childTnLst>
-                    </p:cTn>
-                  </p:par>
-                  <p:par>
-                    <p:cTn id="22" fill="hold">
-                      <p:stCondLst>
-                        <p:cond delay="indefinite"/>
-                      </p:stCondLst>
-                      <p:childTnLst>
-                        <p:par>
-                          <p:cTn id="23" fill="hold">
-                            <p:stCondLst>
-                              <p:cond delay="0"/>
-                            </p:stCondLst>
-                            <p:childTnLst>
-                              <p:par>
-                                <p:cTn id="24" presetID="10" presetClass="entr" presetSubtype="0" fill="hold" grpId="0" nodeType="clickEffect">
-                                  <p:stCondLst>
-                                    <p:cond delay="0"/>
-                                  </p:stCondLst>
-                                  <p:childTnLst>
-                                    <p:set>
-                                      <p:cBhvr>
-                                        <p:cTn id="25" dur="1" fill="hold">
-                                          <p:stCondLst>
-                                            <p:cond delay="0"/>
-                                          </p:stCondLst>
-                                        </p:cTn>
-                                        <p:tgtEl>
-                                          <p:spTgt spid="2"/>
-                                        </p:tgtEl>
-                                        <p:attrNameLst>
-                                          <p:attrName>style.visibility</p:attrName>
-                                        </p:attrNameLst>
-                                      </p:cBhvr>
-                                      <p:to>
-                                        <p:strVal val="visible"/>
-                                      </p:to>
-                                    </p:set>
-                                    <p:animEffect transition="in" filter="fade">
-                                      <p:cBhvr>
-                                        <p:cTn id="26" dur="500"/>
-                                        <p:tgtEl>
-                                          <p:spTgt spid="2"/>
-                                        </p:tgtEl>
-                                      </p:cBhvr>
-                                    </p:animEffect>
-                                  </p:childTnLst>
-                                </p:cTn>
-                              </p:par>
-                              <p:par>
-                                <p:cTn id="27" presetID="10" presetClass="entr" presetSubtype="0" fill="hold" nodeType="withEffect">
-                                  <p:stCondLst>
-                                    <p:cond delay="0"/>
-                                  </p:stCondLst>
-                                  <p:childTnLst>
-                                    <p:set>
-                                      <p:cBhvr>
-                                        <p:cTn id="28" dur="1" fill="hold">
-                                          <p:stCondLst>
-                                            <p:cond delay="0"/>
-                                          </p:stCondLst>
-                                        </p:cTn>
-                                        <p:tgtEl>
-                                          <p:spTgt spid="17"/>
-                                        </p:tgtEl>
-                                        <p:attrNameLst>
-                                          <p:attrName>style.visibility</p:attrName>
-                                        </p:attrNameLst>
-                                      </p:cBhvr>
-                                      <p:to>
-                                        <p:strVal val="visible"/>
-                                      </p:to>
-                                    </p:set>
-                                    <p:animEffect transition="in" filter="fade">
-                                      <p:cBhvr>
-                                        <p:cTn id="29" dur="500"/>
-                                        <p:tgtEl>
-                                          <p:spTgt spid="17"/>
-                                        </p:tgtEl>
-                                      </p:cBhvr>
-                                    </p:animEffect>
-                                  </p:childTnLst>
-                                </p:cTn>
-                              </p:par>
-                              <p:par>
-                                <p:cTn id="30" presetID="10" presetClass="entr" presetSubtype="0" fill="hold" nodeType="withEffect">
-                                  <p:stCondLst>
-                                    <p:cond delay="0"/>
-                                  </p:stCondLst>
-                                  <p:childTnLst>
-                                    <p:set>
-                                      <p:cBhvr>
-                                        <p:cTn id="31" dur="1" fill="hold">
-                                          <p:stCondLst>
-                                            <p:cond delay="0"/>
-                                          </p:stCondLst>
-                                        </p:cTn>
-                                        <p:tgtEl>
-                                          <p:spTgt spid="11"/>
-                                        </p:tgtEl>
-                                        <p:attrNameLst>
-                                          <p:attrName>style.visibility</p:attrName>
-                                        </p:attrNameLst>
-                                      </p:cBhvr>
-                                      <p:to>
-                                        <p:strVal val="visible"/>
-                                      </p:to>
-                                    </p:set>
-                                    <p:animEffect transition="in" filter="fade">
-                                      <p:cBhvr>
-                                        <p:cTn id="32" dur="500"/>
-                                        <p:tgtEl>
-                                          <p:spTgt spid="11"/>
-                                        </p:tgtEl>
-                                      </p:cBhvr>
-                                    </p:animEffect>
-                                  </p:childTnLst>
-                                </p:cTn>
-                              </p:par>
-                              <p:par>
-                                <p:cTn id="33" presetID="10" presetClass="entr" presetSubtype="0" fill="hold" nodeType="withEffect">
-                                  <p:stCondLst>
-                                    <p:cond delay="0"/>
-                                  </p:stCondLst>
-                                  <p:childTnLst>
-                                    <p:set>
-                                      <p:cBhvr>
-                                        <p:cTn id="34" dur="1" fill="hold">
-                                          <p:stCondLst>
-                                            <p:cond delay="0"/>
-                                          </p:stCondLst>
-                                        </p:cTn>
-                                        <p:tgtEl>
-                                          <p:spTgt spid="13"/>
-                                        </p:tgtEl>
-                                        <p:attrNameLst>
-                                          <p:attrName>style.visibility</p:attrName>
-                                        </p:attrNameLst>
-                                      </p:cBhvr>
-                                      <p:to>
-                                        <p:strVal val="visible"/>
-                                      </p:to>
-                                    </p:set>
-                                    <p:animEffect transition="in" filter="fade">
-                                      <p:cBhvr>
-                                        <p:cTn id="35" dur="500"/>
-                                        <p:tgtEl>
-                                          <p:spTgt spid="13"/>
-                                        </p:tgtEl>
-                                      </p:cBhvr>
-                                    </p:animEffect>
-                                  </p:childTnLst>
-                                </p:cTn>
-                              </p:par>
-                            </p:childTnLst>
-                          </p:cTn>
-                        </p:par>
-                      </p:childTnLst>
-                    </p:cTn>
-                  </p:par>
-                </p:childTnLst>
-              </p:cTn>
-              <p:prevCondLst>
-                <p:cond evt="onPrev" delay="0">
-                  <p:tgtEl>
-                    <p:sldTgt/>
-                  </p:tgtEl>
-                </p:cond>
-              </p:prevCondLst>
-              <p:nextCondLst>
-                <p:cond evt="onNext" delay="0">
-                  <p:tgtEl>
-                    <p:sldTgt/>
-                  </p:tgtEl>
-                </p:cond>
-              </p:nextCondLst>
-            </p:seq>
-          </p:childTnLst>
-        </p:cTn>
-      </p:par>
-    </p:tnLst>
-    <p:bldLst>
-      <p:bldP spid="3" grpId="0"/>
-      <p:bldP spid="5" grpId="0"/>
-      <p:bldP spid="2" grpId="0"/>
-    </p:bldLst>
-  </p:timing>
 </p:sld>
 </file>
 
@@ -13481,41 +15243,6 @@
           </a:fontRef>
         </p:style>
       </p:cxnSp>
-      <p:pic>
-        <p:nvPicPr>
-          <p:cNvPr id="3" name="Image 2">
-            <a:extLst>
-              <a:ext uri="{FF2B5EF4-FFF2-40B4-BE49-F238E27FC236}">
-                <a16:creationId xmlns:a16="http://schemas.microsoft.com/office/drawing/2014/main" id="{7B2BEC07-36E4-44EF-A84B-6AC7DB0B377E}"/>
-              </a:ext>
-            </a:extLst>
-          </p:cNvPr>
-          <p:cNvPicPr>
-            <a:picLocks noChangeAspect="1"/>
-          </p:cNvPicPr>
-          <p:nvPr/>
-        </p:nvPicPr>
-        <p:blipFill rotWithShape="1">
-          <a:blip r:embed="rId4">
-            <a:extLst>
-              <a:ext uri="{28A0092B-C50C-407E-A947-70E740481C1C}">
-                <a14:useLocalDpi xmlns:a14="http://schemas.microsoft.com/office/drawing/2010/main" val="0"/>
-              </a:ext>
-            </a:extLst>
-          </a:blip>
-          <a:srcRect l="6612" t="8604" r="31913" b="15876"/>
-          <a:stretch/>
-        </p:blipFill>
-        <p:spPr>
-          <a:xfrm>
-            <a:off x="2238348" y="1660048"/>
-            <a:ext cx="6829481" cy="5056850"/>
-          </a:xfrm>
-          <a:prstGeom prst="rect">
-            <a:avLst/>
-          </a:prstGeom>
-        </p:spPr>
-      </p:pic>
       <p:cxnSp>
         <p:nvCxnSpPr>
           <p:cNvPr id="60" name="Connecteur droit 59">
@@ -13746,10 +15473,10 @@
       </p:cxnSp>
       <p:sp>
         <p:nvSpPr>
-          <p:cNvPr id="4" name="ZoneTexte 3">
-            <a:extLst>
-              <a:ext uri="{FF2B5EF4-FFF2-40B4-BE49-F238E27FC236}">
-                <a16:creationId xmlns:a16="http://schemas.microsoft.com/office/drawing/2014/main" id="{E77BD0C0-B104-436D-A198-D80CD647A659}"/>
+          <p:cNvPr id="2" name="ZoneTexte 1">
+            <a:extLst>
+              <a:ext uri="{FF2B5EF4-FFF2-40B4-BE49-F238E27FC236}">
+                <a16:creationId xmlns:a16="http://schemas.microsoft.com/office/drawing/2014/main" id="{27396238-7A76-4B8F-981D-280A71EC12F4}"/>
               </a:ext>
             </a:extLst>
           </p:cNvPr>
@@ -13758,8 +15485,8 @@
         </p:nvSpPr>
         <p:spPr>
           <a:xfrm>
-            <a:off x="2531126" y="454801"/>
-            <a:ext cx="6243927" cy="1446550"/>
+            <a:off x="3759673" y="523056"/>
+            <a:ext cx="4675598" cy="769441"/>
           </a:xfrm>
           <a:prstGeom prst="rect">
             <a:avLst/>
@@ -13804,15 +15531,51 @@
                 <a:ea typeface="+mn-ea"/>
                 <a:cs typeface="+mn-cs"/>
               </a:rPr>
-              <a:t>Diagramme de cas d’utilisation</a:t>
+              <a:t>Base de données</a:t>
             </a:r>
           </a:p>
         </p:txBody>
       </p:sp>
+      <p:pic>
+        <p:nvPicPr>
+          <p:cNvPr id="4" name="Image 3">
+            <a:extLst>
+              <a:ext uri="{FF2B5EF4-FFF2-40B4-BE49-F238E27FC236}">
+                <a16:creationId xmlns:a16="http://schemas.microsoft.com/office/drawing/2014/main" id="{8B26BEA2-EF2C-479A-B8FC-3E647E6B0735}"/>
+              </a:ext>
+            </a:extLst>
+          </p:cNvPr>
+          <p:cNvPicPr>
+            <a:picLocks noChangeAspect="1"/>
+          </p:cNvPicPr>
+          <p:nvPr/>
+        </p:nvPicPr>
+        <p:blipFill>
+          <a:blip r:embed="rId4">
+            <a:extLst>
+              <a:ext uri="{28A0092B-C50C-407E-A947-70E740481C1C}">
+                <a14:useLocalDpi xmlns:a14="http://schemas.microsoft.com/office/drawing/2010/main" val="0"/>
+              </a:ext>
+            </a:extLst>
+          </a:blip>
+          <a:stretch>
+            <a:fillRect/>
+          </a:stretch>
+        </p:blipFill>
+        <p:spPr>
+          <a:xfrm>
+            <a:off x="1407632" y="1434502"/>
+            <a:ext cx="10145003" cy="5253048"/>
+          </a:xfrm>
+          <a:prstGeom prst="rect">
+            <a:avLst/>
+          </a:prstGeom>
+        </p:spPr>
+      </p:pic>
     </p:spTree>
     <p:extLst>
       <p:ext uri="{BB962C8B-B14F-4D97-AF65-F5344CB8AC3E}">
-        <p14:creationId xmlns:p14="http://schemas.microsoft.com/office/powerpoint/2010/main" val="2016876074"/>
+        <p14:creationId xmlns:p14="http://schemas.microsoft.com/office/powerpoint/2010/main" val="3188051435"/>
       </p:ext>
     </p:extLst>
   </p:cSld>
@@ -13835,907 +15598,6 @@
 </file>
 
 <file path=ppt/slides/slide7.xml><?xml version="1.0" encoding="utf-8"?>
-<p:sld xmlns:a="http://schemas.openxmlformats.org/drawingml/2006/main" xmlns:r="http://schemas.openxmlformats.org/officeDocument/2006/relationships" xmlns:p="http://schemas.openxmlformats.org/presentationml/2006/main">
-  <p:cSld>
-    <p:spTree>
-      <p:nvGrpSpPr>
-        <p:cNvPr id="1" name=""/>
-        <p:cNvGrpSpPr/>
-        <p:nvPr/>
-      </p:nvGrpSpPr>
-      <p:grpSpPr>
-        <a:xfrm>
-          <a:off x="0" y="0"/>
-          <a:ext cx="0" cy="0"/>
-          <a:chOff x="0" y="0"/>
-          <a:chExt cx="0" cy="0"/>
-        </a:xfrm>
-      </p:grpSpPr>
-      <p:pic>
-        <p:nvPicPr>
-          <p:cNvPr id="8" name="Image 7">
-            <a:extLst>
-              <a:ext uri="{FF2B5EF4-FFF2-40B4-BE49-F238E27FC236}">
-                <a16:creationId xmlns:a16="http://schemas.microsoft.com/office/drawing/2014/main" id="{2BB825C5-31DA-4A56-85EA-536DBF510A31}"/>
-              </a:ext>
-            </a:extLst>
-          </p:cNvPr>
-          <p:cNvPicPr>
-            <a:picLocks noChangeAspect="1"/>
-          </p:cNvPicPr>
-          <p:nvPr/>
-        </p:nvPicPr>
-        <p:blipFill>
-          <a:blip r:embed="rId2">
-            <a:extLst>
-              <a:ext uri="{28A0092B-C50C-407E-A947-70E740481C1C}">
-                <a14:useLocalDpi xmlns:a14="http://schemas.microsoft.com/office/drawing/2010/main" val="0"/>
-              </a:ext>
-            </a:extLst>
-          </a:blip>
-          <a:stretch>
-            <a:fillRect/>
-          </a:stretch>
-        </p:blipFill>
-        <p:spPr>
-          <a:xfrm>
-            <a:off x="1068751" y="66457"/>
-            <a:ext cx="1259497" cy="776690"/>
-          </a:xfrm>
-          <a:prstGeom prst="rect">
-            <a:avLst/>
-          </a:prstGeom>
-        </p:spPr>
-      </p:pic>
-      <p:pic>
-        <p:nvPicPr>
-          <p:cNvPr id="10" name="Image 9">
-            <a:extLst>
-              <a:ext uri="{FF2B5EF4-FFF2-40B4-BE49-F238E27FC236}">
-                <a16:creationId xmlns:a16="http://schemas.microsoft.com/office/drawing/2014/main" id="{8EE7436F-49F2-41E0-93E4-D247B4705294}"/>
-              </a:ext>
-            </a:extLst>
-          </p:cNvPr>
-          <p:cNvPicPr>
-            <a:picLocks noChangeAspect="1"/>
-          </p:cNvPicPr>
-          <p:nvPr/>
-        </p:nvPicPr>
-        <p:blipFill>
-          <a:blip r:embed="rId3">
-            <a:extLst>
-              <a:ext uri="{28A0092B-C50C-407E-A947-70E740481C1C}">
-                <a14:useLocalDpi xmlns:a14="http://schemas.microsoft.com/office/drawing/2010/main" val="0"/>
-              </a:ext>
-            </a:extLst>
-          </a:blip>
-          <a:stretch>
-            <a:fillRect/>
-          </a:stretch>
-        </p:blipFill>
-        <p:spPr>
-          <a:xfrm>
-            <a:off x="9681085" y="238153"/>
-            <a:ext cx="1802101" cy="569807"/>
-          </a:xfrm>
-          <a:prstGeom prst="rect">
-            <a:avLst/>
-          </a:prstGeom>
-        </p:spPr>
-      </p:pic>
-      <p:cxnSp>
-        <p:nvCxnSpPr>
-          <p:cNvPr id="16" name="Connecteur droit 15">
-            <a:extLst>
-              <a:ext uri="{FF2B5EF4-FFF2-40B4-BE49-F238E27FC236}">
-                <a16:creationId xmlns:a16="http://schemas.microsoft.com/office/drawing/2014/main" id="{7319284A-BD6F-4A96-8E2B-E0A4B52E53C6}"/>
-              </a:ext>
-            </a:extLst>
-          </p:cNvPr>
-          <p:cNvCxnSpPr>
-            <a:cxnSpLocks/>
-          </p:cNvCxnSpPr>
-          <p:nvPr/>
-        </p:nvCxnSpPr>
-        <p:spPr>
-          <a:xfrm flipV="1">
-            <a:off x="0" y="454803"/>
-            <a:ext cx="738231" cy="1798"/>
-          </a:xfrm>
-          <a:prstGeom prst="line">
-            <a:avLst/>
-          </a:prstGeom>
-        </p:spPr>
-        <p:style>
-          <a:lnRef idx="3">
-            <a:schemeClr val="dk1"/>
-          </a:lnRef>
-          <a:fillRef idx="0">
-            <a:schemeClr val="dk1"/>
-          </a:fillRef>
-          <a:effectRef idx="2">
-            <a:schemeClr val="dk1"/>
-          </a:effectRef>
-          <a:fontRef idx="minor">
-            <a:schemeClr val="tx1"/>
-          </a:fontRef>
-        </p:style>
-      </p:cxnSp>
-      <p:cxnSp>
-        <p:nvCxnSpPr>
-          <p:cNvPr id="20" name="Connecteur droit 19">
-            <a:extLst>
-              <a:ext uri="{FF2B5EF4-FFF2-40B4-BE49-F238E27FC236}">
-                <a16:creationId xmlns:a16="http://schemas.microsoft.com/office/drawing/2014/main" id="{08874CF7-F149-4C81-B61E-74E18342BA8A}"/>
-              </a:ext>
-            </a:extLst>
-          </p:cNvPr>
-          <p:cNvCxnSpPr>
-            <a:cxnSpLocks/>
-          </p:cNvCxnSpPr>
-          <p:nvPr/>
-        </p:nvCxnSpPr>
-        <p:spPr>
-          <a:xfrm>
-            <a:off x="2573222" y="454803"/>
-            <a:ext cx="6829482" cy="10398"/>
-          </a:xfrm>
-          <a:prstGeom prst="line">
-            <a:avLst/>
-          </a:prstGeom>
-        </p:spPr>
-        <p:style>
-          <a:lnRef idx="3">
-            <a:schemeClr val="dk1"/>
-          </a:lnRef>
-          <a:fillRef idx="0">
-            <a:schemeClr val="dk1"/>
-          </a:fillRef>
-          <a:effectRef idx="2">
-            <a:schemeClr val="dk1"/>
-          </a:effectRef>
-          <a:fontRef idx="minor">
-            <a:schemeClr val="tx1"/>
-          </a:fontRef>
-        </p:style>
-      </p:cxnSp>
-      <p:cxnSp>
-        <p:nvCxnSpPr>
-          <p:cNvPr id="26" name="Connecteur droit 25">
-            <a:extLst>
-              <a:ext uri="{FF2B5EF4-FFF2-40B4-BE49-F238E27FC236}">
-                <a16:creationId xmlns:a16="http://schemas.microsoft.com/office/drawing/2014/main" id="{BB3B35CC-057B-48C1-880F-3306A6559175}"/>
-              </a:ext>
-            </a:extLst>
-          </p:cNvPr>
-          <p:cNvCxnSpPr>
-            <a:cxnSpLocks/>
-          </p:cNvCxnSpPr>
-          <p:nvPr/>
-        </p:nvCxnSpPr>
-        <p:spPr>
-          <a:xfrm>
-            <a:off x="738231" y="454803"/>
-            <a:ext cx="344203" cy="484764"/>
-          </a:xfrm>
-          <a:prstGeom prst="line">
-            <a:avLst/>
-          </a:prstGeom>
-        </p:spPr>
-        <p:style>
-          <a:lnRef idx="3">
-            <a:schemeClr val="dk1"/>
-          </a:lnRef>
-          <a:fillRef idx="0">
-            <a:schemeClr val="dk1"/>
-          </a:fillRef>
-          <a:effectRef idx="2">
-            <a:schemeClr val="dk1"/>
-          </a:effectRef>
-          <a:fontRef idx="minor">
-            <a:schemeClr val="tx1"/>
-          </a:fontRef>
-        </p:style>
-      </p:cxnSp>
-      <p:cxnSp>
-        <p:nvCxnSpPr>
-          <p:cNvPr id="32" name="Connecteur droit 31">
-            <a:extLst>
-              <a:ext uri="{FF2B5EF4-FFF2-40B4-BE49-F238E27FC236}">
-                <a16:creationId xmlns:a16="http://schemas.microsoft.com/office/drawing/2014/main" id="{4AD96496-1EB6-4E48-9BB2-5C255495C686}"/>
-              </a:ext>
-            </a:extLst>
-          </p:cNvPr>
-          <p:cNvCxnSpPr>
-            <a:cxnSpLocks/>
-          </p:cNvCxnSpPr>
-          <p:nvPr/>
-        </p:nvCxnSpPr>
-        <p:spPr>
-          <a:xfrm>
-            <a:off x="1082434" y="938268"/>
-            <a:ext cx="1146585" cy="0"/>
-          </a:xfrm>
-          <a:prstGeom prst="line">
-            <a:avLst/>
-          </a:prstGeom>
-        </p:spPr>
-        <p:style>
-          <a:lnRef idx="3">
-            <a:schemeClr val="dk1"/>
-          </a:lnRef>
-          <a:fillRef idx="0">
-            <a:schemeClr val="dk1"/>
-          </a:fillRef>
-          <a:effectRef idx="2">
-            <a:schemeClr val="dk1"/>
-          </a:effectRef>
-          <a:fontRef idx="minor">
-            <a:schemeClr val="tx1"/>
-          </a:fontRef>
-        </p:style>
-      </p:cxnSp>
-      <p:cxnSp>
-        <p:nvCxnSpPr>
-          <p:cNvPr id="51" name="Connecteur droit 50">
-            <a:extLst>
-              <a:ext uri="{FF2B5EF4-FFF2-40B4-BE49-F238E27FC236}">
-                <a16:creationId xmlns:a16="http://schemas.microsoft.com/office/drawing/2014/main" id="{C035BFA6-ECBF-4775-BA81-19D2CA41AA8D}"/>
-              </a:ext>
-            </a:extLst>
-          </p:cNvPr>
-          <p:cNvCxnSpPr>
-            <a:cxnSpLocks/>
-          </p:cNvCxnSpPr>
-          <p:nvPr/>
-        </p:nvCxnSpPr>
-        <p:spPr>
-          <a:xfrm>
-            <a:off x="9402704" y="465201"/>
-            <a:ext cx="344203" cy="495163"/>
-          </a:xfrm>
-          <a:prstGeom prst="line">
-            <a:avLst/>
-          </a:prstGeom>
-        </p:spPr>
-        <p:style>
-          <a:lnRef idx="3">
-            <a:schemeClr val="dk1"/>
-          </a:lnRef>
-          <a:fillRef idx="0">
-            <a:schemeClr val="dk1"/>
-          </a:fillRef>
-          <a:effectRef idx="2">
-            <a:schemeClr val="dk1"/>
-          </a:effectRef>
-          <a:fontRef idx="minor">
-            <a:schemeClr val="tx1"/>
-          </a:fontRef>
-        </p:style>
-      </p:cxnSp>
-      <p:cxnSp>
-        <p:nvCxnSpPr>
-          <p:cNvPr id="52" name="Connecteur droit 51">
-            <a:extLst>
-              <a:ext uri="{FF2B5EF4-FFF2-40B4-BE49-F238E27FC236}">
-                <a16:creationId xmlns:a16="http://schemas.microsoft.com/office/drawing/2014/main" id="{FA310BC7-694B-4984-99A2-61A1F4F6EBF9}"/>
-              </a:ext>
-            </a:extLst>
-          </p:cNvPr>
-          <p:cNvCxnSpPr>
-            <a:cxnSpLocks/>
-          </p:cNvCxnSpPr>
-          <p:nvPr/>
-        </p:nvCxnSpPr>
-        <p:spPr>
-          <a:xfrm flipH="1">
-            <a:off x="11370469" y="448308"/>
-            <a:ext cx="364332" cy="501657"/>
-          </a:xfrm>
-          <a:prstGeom prst="line">
-            <a:avLst/>
-          </a:prstGeom>
-        </p:spPr>
-        <p:style>
-          <a:lnRef idx="3">
-            <a:schemeClr val="dk1"/>
-          </a:lnRef>
-          <a:fillRef idx="0">
-            <a:schemeClr val="dk1"/>
-          </a:fillRef>
-          <a:effectRef idx="2">
-            <a:schemeClr val="dk1"/>
-          </a:effectRef>
-          <a:fontRef idx="minor">
-            <a:schemeClr val="tx1"/>
-          </a:fontRef>
-        </p:style>
-      </p:cxnSp>
-      <p:cxnSp>
-        <p:nvCxnSpPr>
-          <p:cNvPr id="53" name="Connecteur droit 52">
-            <a:extLst>
-              <a:ext uri="{FF2B5EF4-FFF2-40B4-BE49-F238E27FC236}">
-                <a16:creationId xmlns:a16="http://schemas.microsoft.com/office/drawing/2014/main" id="{BE0649BD-EE59-4DDA-960F-95B2572F9F13}"/>
-              </a:ext>
-            </a:extLst>
-          </p:cNvPr>
-          <p:cNvCxnSpPr>
-            <a:cxnSpLocks/>
-          </p:cNvCxnSpPr>
-          <p:nvPr/>
-        </p:nvCxnSpPr>
-        <p:spPr>
-          <a:xfrm>
-            <a:off x="9743203" y="949965"/>
-            <a:ext cx="1627266" cy="0"/>
-          </a:xfrm>
-          <a:prstGeom prst="line">
-            <a:avLst/>
-          </a:prstGeom>
-        </p:spPr>
-        <p:style>
-          <a:lnRef idx="3">
-            <a:schemeClr val="dk1"/>
-          </a:lnRef>
-          <a:fillRef idx="0">
-            <a:schemeClr val="dk1"/>
-          </a:fillRef>
-          <a:effectRef idx="2">
-            <a:schemeClr val="dk1"/>
-          </a:effectRef>
-          <a:fontRef idx="minor">
-            <a:schemeClr val="tx1"/>
-          </a:fontRef>
-        </p:style>
-      </p:cxnSp>
-      <p:cxnSp>
-        <p:nvCxnSpPr>
-          <p:cNvPr id="55" name="Connecteur droit 54">
-            <a:extLst>
-              <a:ext uri="{FF2B5EF4-FFF2-40B4-BE49-F238E27FC236}">
-                <a16:creationId xmlns:a16="http://schemas.microsoft.com/office/drawing/2014/main" id="{52AA9200-DAFA-4EEF-AC13-4C7CE82A59EC}"/>
-              </a:ext>
-            </a:extLst>
-          </p:cNvPr>
-          <p:cNvCxnSpPr>
-            <a:cxnSpLocks/>
-          </p:cNvCxnSpPr>
-          <p:nvPr/>
-        </p:nvCxnSpPr>
-        <p:spPr>
-          <a:xfrm>
-            <a:off x="11715750" y="454801"/>
-            <a:ext cx="476249" cy="10400"/>
-          </a:xfrm>
-          <a:prstGeom prst="line">
-            <a:avLst/>
-          </a:prstGeom>
-        </p:spPr>
-        <p:style>
-          <a:lnRef idx="3">
-            <a:schemeClr val="dk1"/>
-          </a:lnRef>
-          <a:fillRef idx="0">
-            <a:schemeClr val="dk1"/>
-          </a:fillRef>
-          <a:effectRef idx="2">
-            <a:schemeClr val="dk1"/>
-          </a:effectRef>
-          <a:fontRef idx="minor">
-            <a:schemeClr val="tx1"/>
-          </a:fontRef>
-        </p:style>
-      </p:cxnSp>
-      <p:cxnSp>
-        <p:nvCxnSpPr>
-          <p:cNvPr id="23" name="Connecteur droit 22">
-            <a:extLst>
-              <a:ext uri="{FF2B5EF4-FFF2-40B4-BE49-F238E27FC236}">
-                <a16:creationId xmlns:a16="http://schemas.microsoft.com/office/drawing/2014/main" id="{BCB092C8-0080-4E56-957E-0046D4C83988}"/>
-              </a:ext>
-            </a:extLst>
-          </p:cNvPr>
-          <p:cNvCxnSpPr>
-            <a:cxnSpLocks/>
-          </p:cNvCxnSpPr>
-          <p:nvPr/>
-        </p:nvCxnSpPr>
-        <p:spPr>
-          <a:xfrm flipH="1">
-            <a:off x="2216372" y="446356"/>
-            <a:ext cx="364332" cy="501657"/>
-          </a:xfrm>
-          <a:prstGeom prst="line">
-            <a:avLst/>
-          </a:prstGeom>
-        </p:spPr>
-        <p:style>
-          <a:lnRef idx="3">
-            <a:schemeClr val="dk1"/>
-          </a:lnRef>
-          <a:fillRef idx="0">
-            <a:schemeClr val="dk1"/>
-          </a:fillRef>
-          <a:effectRef idx="2">
-            <a:schemeClr val="dk1"/>
-          </a:effectRef>
-          <a:fontRef idx="minor">
-            <a:schemeClr val="tx1"/>
-          </a:fontRef>
-        </p:style>
-      </p:cxnSp>
-      <p:pic>
-        <p:nvPicPr>
-          <p:cNvPr id="57" name="Image 56">
-            <a:extLst>
-              <a:ext uri="{FF2B5EF4-FFF2-40B4-BE49-F238E27FC236}">
-                <a16:creationId xmlns:a16="http://schemas.microsoft.com/office/drawing/2014/main" id="{12B16FB2-5844-4B92-AE69-9BAC858C22BB}"/>
-              </a:ext>
-            </a:extLst>
-          </p:cNvPr>
-          <p:cNvPicPr>
-            <a:picLocks noChangeAspect="1"/>
-          </p:cNvPicPr>
-          <p:nvPr/>
-        </p:nvPicPr>
-        <p:blipFill>
-          <a:blip r:embed="rId3">
-            <a:extLst>
-              <a:ext uri="{28A0092B-C50C-407E-A947-70E740481C1C}">
-                <a14:useLocalDpi xmlns:a14="http://schemas.microsoft.com/office/drawing/2010/main" val="0"/>
-              </a:ext>
-            </a:extLst>
-          </a:blip>
-          <a:stretch>
-            <a:fillRect/>
-          </a:stretch>
-        </p:blipFill>
-        <p:spPr>
-          <a:xfrm>
-            <a:off x="9681085" y="238153"/>
-            <a:ext cx="1802101" cy="569807"/>
-          </a:xfrm>
-          <a:prstGeom prst="rect">
-            <a:avLst/>
-          </a:prstGeom>
-        </p:spPr>
-      </p:pic>
-      <p:cxnSp>
-        <p:nvCxnSpPr>
-          <p:cNvPr id="58" name="Connecteur droit 57">
-            <a:extLst>
-              <a:ext uri="{FF2B5EF4-FFF2-40B4-BE49-F238E27FC236}">
-                <a16:creationId xmlns:a16="http://schemas.microsoft.com/office/drawing/2014/main" id="{01599350-F8B0-4FDC-B003-981189A8D654}"/>
-              </a:ext>
-            </a:extLst>
-          </p:cNvPr>
-          <p:cNvCxnSpPr>
-            <a:cxnSpLocks/>
-          </p:cNvCxnSpPr>
-          <p:nvPr/>
-        </p:nvCxnSpPr>
-        <p:spPr>
-          <a:xfrm>
-            <a:off x="2573222" y="454803"/>
-            <a:ext cx="6829482" cy="10398"/>
-          </a:xfrm>
-          <a:prstGeom prst="line">
-            <a:avLst/>
-          </a:prstGeom>
-        </p:spPr>
-        <p:style>
-          <a:lnRef idx="3">
-            <a:schemeClr val="dk1"/>
-          </a:lnRef>
-          <a:fillRef idx="0">
-            <a:schemeClr val="dk1"/>
-          </a:fillRef>
-          <a:effectRef idx="2">
-            <a:schemeClr val="dk1"/>
-          </a:effectRef>
-          <a:fontRef idx="minor">
-            <a:schemeClr val="tx1"/>
-          </a:fontRef>
-        </p:style>
-      </p:cxnSp>
-      <p:cxnSp>
-        <p:nvCxnSpPr>
-          <p:cNvPr id="59" name="Connecteur droit 58">
-            <a:extLst>
-              <a:ext uri="{FF2B5EF4-FFF2-40B4-BE49-F238E27FC236}">
-                <a16:creationId xmlns:a16="http://schemas.microsoft.com/office/drawing/2014/main" id="{BC6E6150-6054-4785-84EC-0C46D82034C2}"/>
-              </a:ext>
-            </a:extLst>
-          </p:cNvPr>
-          <p:cNvCxnSpPr>
-            <a:cxnSpLocks/>
-          </p:cNvCxnSpPr>
-          <p:nvPr/>
-        </p:nvCxnSpPr>
-        <p:spPr>
-          <a:xfrm>
-            <a:off x="738231" y="454803"/>
-            <a:ext cx="344203" cy="484764"/>
-          </a:xfrm>
-          <a:prstGeom prst="line">
-            <a:avLst/>
-          </a:prstGeom>
-        </p:spPr>
-        <p:style>
-          <a:lnRef idx="3">
-            <a:schemeClr val="dk1"/>
-          </a:lnRef>
-          <a:fillRef idx="0">
-            <a:schemeClr val="dk1"/>
-          </a:fillRef>
-          <a:effectRef idx="2">
-            <a:schemeClr val="dk1"/>
-          </a:effectRef>
-          <a:fontRef idx="minor">
-            <a:schemeClr val="tx1"/>
-          </a:fontRef>
-        </p:style>
-      </p:cxnSp>
-      <p:cxnSp>
-        <p:nvCxnSpPr>
-          <p:cNvPr id="60" name="Connecteur droit 59">
-            <a:extLst>
-              <a:ext uri="{FF2B5EF4-FFF2-40B4-BE49-F238E27FC236}">
-                <a16:creationId xmlns:a16="http://schemas.microsoft.com/office/drawing/2014/main" id="{CBC9961A-8EC2-4287-A398-BCA4138D409D}"/>
-              </a:ext>
-            </a:extLst>
-          </p:cNvPr>
-          <p:cNvCxnSpPr>
-            <a:cxnSpLocks/>
-          </p:cNvCxnSpPr>
-          <p:nvPr/>
-        </p:nvCxnSpPr>
-        <p:spPr>
-          <a:xfrm>
-            <a:off x="1082434" y="938268"/>
-            <a:ext cx="1146585" cy="0"/>
-          </a:xfrm>
-          <a:prstGeom prst="line">
-            <a:avLst/>
-          </a:prstGeom>
-        </p:spPr>
-        <p:style>
-          <a:lnRef idx="3">
-            <a:schemeClr val="dk1"/>
-          </a:lnRef>
-          <a:fillRef idx="0">
-            <a:schemeClr val="dk1"/>
-          </a:fillRef>
-          <a:effectRef idx="2">
-            <a:schemeClr val="dk1"/>
-          </a:effectRef>
-          <a:fontRef idx="minor">
-            <a:schemeClr val="tx1"/>
-          </a:fontRef>
-        </p:style>
-      </p:cxnSp>
-      <p:cxnSp>
-        <p:nvCxnSpPr>
-          <p:cNvPr id="61" name="Connecteur droit 60">
-            <a:extLst>
-              <a:ext uri="{FF2B5EF4-FFF2-40B4-BE49-F238E27FC236}">
-                <a16:creationId xmlns:a16="http://schemas.microsoft.com/office/drawing/2014/main" id="{152B7C45-2543-4665-BC07-4DB71CA9F337}"/>
-              </a:ext>
-            </a:extLst>
-          </p:cNvPr>
-          <p:cNvCxnSpPr>
-            <a:cxnSpLocks/>
-          </p:cNvCxnSpPr>
-          <p:nvPr/>
-        </p:nvCxnSpPr>
-        <p:spPr>
-          <a:xfrm>
-            <a:off x="9402704" y="465201"/>
-            <a:ext cx="344203" cy="495163"/>
-          </a:xfrm>
-          <a:prstGeom prst="line">
-            <a:avLst/>
-          </a:prstGeom>
-        </p:spPr>
-        <p:style>
-          <a:lnRef idx="3">
-            <a:schemeClr val="dk1"/>
-          </a:lnRef>
-          <a:fillRef idx="0">
-            <a:schemeClr val="dk1"/>
-          </a:fillRef>
-          <a:effectRef idx="2">
-            <a:schemeClr val="dk1"/>
-          </a:effectRef>
-          <a:fontRef idx="minor">
-            <a:schemeClr val="tx1"/>
-          </a:fontRef>
-        </p:style>
-      </p:cxnSp>
-      <p:cxnSp>
-        <p:nvCxnSpPr>
-          <p:cNvPr id="62" name="Connecteur droit 61">
-            <a:extLst>
-              <a:ext uri="{FF2B5EF4-FFF2-40B4-BE49-F238E27FC236}">
-                <a16:creationId xmlns:a16="http://schemas.microsoft.com/office/drawing/2014/main" id="{00A84DC3-A112-46A3-B71C-04D85339323D}"/>
-              </a:ext>
-            </a:extLst>
-          </p:cNvPr>
-          <p:cNvCxnSpPr>
-            <a:cxnSpLocks/>
-          </p:cNvCxnSpPr>
-          <p:nvPr/>
-        </p:nvCxnSpPr>
-        <p:spPr>
-          <a:xfrm flipH="1">
-            <a:off x="11370469" y="448308"/>
-            <a:ext cx="364332" cy="501657"/>
-          </a:xfrm>
-          <a:prstGeom prst="line">
-            <a:avLst/>
-          </a:prstGeom>
-        </p:spPr>
-        <p:style>
-          <a:lnRef idx="3">
-            <a:schemeClr val="dk1"/>
-          </a:lnRef>
-          <a:fillRef idx="0">
-            <a:schemeClr val="dk1"/>
-          </a:fillRef>
-          <a:effectRef idx="2">
-            <a:schemeClr val="dk1"/>
-          </a:effectRef>
-          <a:fontRef idx="minor">
-            <a:schemeClr val="tx1"/>
-          </a:fontRef>
-        </p:style>
-      </p:cxnSp>
-      <p:cxnSp>
-        <p:nvCxnSpPr>
-          <p:cNvPr id="63" name="Connecteur droit 62">
-            <a:extLst>
-              <a:ext uri="{FF2B5EF4-FFF2-40B4-BE49-F238E27FC236}">
-                <a16:creationId xmlns:a16="http://schemas.microsoft.com/office/drawing/2014/main" id="{C50788C6-8F68-44EC-AB54-94C1D2FE554D}"/>
-              </a:ext>
-            </a:extLst>
-          </p:cNvPr>
-          <p:cNvCxnSpPr>
-            <a:cxnSpLocks/>
-          </p:cNvCxnSpPr>
-          <p:nvPr/>
-        </p:nvCxnSpPr>
-        <p:spPr>
-          <a:xfrm>
-            <a:off x="9743203" y="949965"/>
-            <a:ext cx="1627266" cy="0"/>
-          </a:xfrm>
-          <a:prstGeom prst="line">
-            <a:avLst/>
-          </a:prstGeom>
-        </p:spPr>
-        <p:style>
-          <a:lnRef idx="3">
-            <a:schemeClr val="dk1"/>
-          </a:lnRef>
-          <a:fillRef idx="0">
-            <a:schemeClr val="dk1"/>
-          </a:fillRef>
-          <a:effectRef idx="2">
-            <a:schemeClr val="dk1"/>
-          </a:effectRef>
-          <a:fontRef idx="minor">
-            <a:schemeClr val="tx1"/>
-          </a:fontRef>
-        </p:style>
-      </p:cxnSp>
-      <p:cxnSp>
-        <p:nvCxnSpPr>
-          <p:cNvPr id="64" name="Connecteur droit 63">
-            <a:extLst>
-              <a:ext uri="{FF2B5EF4-FFF2-40B4-BE49-F238E27FC236}">
-                <a16:creationId xmlns:a16="http://schemas.microsoft.com/office/drawing/2014/main" id="{BC4D4E5F-5636-45CB-873C-EC085AB307A3}"/>
-              </a:ext>
-            </a:extLst>
-          </p:cNvPr>
-          <p:cNvCxnSpPr>
-            <a:cxnSpLocks/>
-          </p:cNvCxnSpPr>
-          <p:nvPr/>
-        </p:nvCxnSpPr>
-        <p:spPr>
-          <a:xfrm>
-            <a:off x="11715750" y="454801"/>
-            <a:ext cx="476249" cy="10400"/>
-          </a:xfrm>
-          <a:prstGeom prst="line">
-            <a:avLst/>
-          </a:prstGeom>
-        </p:spPr>
-        <p:style>
-          <a:lnRef idx="3">
-            <a:schemeClr val="dk1"/>
-          </a:lnRef>
-          <a:fillRef idx="0">
-            <a:schemeClr val="dk1"/>
-          </a:fillRef>
-          <a:effectRef idx="2">
-            <a:schemeClr val="dk1"/>
-          </a:effectRef>
-          <a:fontRef idx="minor">
-            <a:schemeClr val="tx1"/>
-          </a:fontRef>
-        </p:style>
-      </p:cxnSp>
-      <p:cxnSp>
-        <p:nvCxnSpPr>
-          <p:cNvPr id="65" name="Connecteur droit 64">
-            <a:extLst>
-              <a:ext uri="{FF2B5EF4-FFF2-40B4-BE49-F238E27FC236}">
-                <a16:creationId xmlns:a16="http://schemas.microsoft.com/office/drawing/2014/main" id="{E6F6B4C5-0E3B-46C9-859D-EE774175D36F}"/>
-              </a:ext>
-            </a:extLst>
-          </p:cNvPr>
-          <p:cNvCxnSpPr>
-            <a:cxnSpLocks/>
-          </p:cNvCxnSpPr>
-          <p:nvPr/>
-        </p:nvCxnSpPr>
-        <p:spPr>
-          <a:xfrm flipH="1">
-            <a:off x="2216372" y="446356"/>
-            <a:ext cx="364332" cy="501657"/>
-          </a:xfrm>
-          <a:prstGeom prst="line">
-            <a:avLst/>
-          </a:prstGeom>
-        </p:spPr>
-        <p:style>
-          <a:lnRef idx="3">
-            <a:schemeClr val="dk1"/>
-          </a:lnRef>
-          <a:fillRef idx="0">
-            <a:schemeClr val="dk1"/>
-          </a:fillRef>
-          <a:effectRef idx="2">
-            <a:schemeClr val="dk1"/>
-          </a:effectRef>
-          <a:fontRef idx="minor">
-            <a:schemeClr val="tx1"/>
-          </a:fontRef>
-        </p:style>
-      </p:cxnSp>
-      <p:sp>
-        <p:nvSpPr>
-          <p:cNvPr id="4" name="ZoneTexte 3">
-            <a:extLst>
-              <a:ext uri="{FF2B5EF4-FFF2-40B4-BE49-F238E27FC236}">
-                <a16:creationId xmlns:a16="http://schemas.microsoft.com/office/drawing/2014/main" id="{6F856B2B-03F4-4FE3-A57C-C9CAAF971B24}"/>
-              </a:ext>
-            </a:extLst>
-          </p:cNvPr>
-          <p:cNvSpPr txBox="1"/>
-          <p:nvPr/>
-        </p:nvSpPr>
-        <p:spPr>
-          <a:xfrm>
-            <a:off x="2884449" y="553547"/>
-            <a:ext cx="6199464" cy="769441"/>
-          </a:xfrm>
-          <a:prstGeom prst="rect">
-            <a:avLst/>
-          </a:prstGeom>
-          <a:noFill/>
-        </p:spPr>
-        <p:txBody>
-          <a:bodyPr wrap="square" rtlCol="0">
-            <a:spAutoFit/>
-          </a:bodyPr>
-          <a:lstStyle/>
-          <a:p>
-            <a:pPr marL="0" marR="0" lvl="0" indent="0" algn="ctr" defTabSz="914400" rtl="0" eaLnBrk="1" fontAlgn="auto" latinLnBrk="0" hangingPunct="1">
-              <a:lnSpc>
-                <a:spcPct val="100000"/>
-              </a:lnSpc>
-              <a:spcBef>
-                <a:spcPts val="0"/>
-              </a:spcBef>
-              <a:spcAft>
-                <a:spcPts val="0"/>
-              </a:spcAft>
-              <a:buClrTx/>
-              <a:buSzTx/>
-              <a:buFontTx/>
-              <a:buNone/>
-              <a:tabLst/>
-              <a:defRPr/>
-            </a:pPr>
-            <a:r>
-              <a:rPr kumimoji="0" lang="fr-FR" sz="4400" b="0" i="0" u="none" strike="noStrike" kern="1200" cap="none" spc="0" normalizeH="0" baseline="0" noProof="0" dirty="0">
-                <a:ln>
-                  <a:noFill/>
-                </a:ln>
-                <a:solidFill>
-                  <a:prstClr val="black"/>
-                </a:solidFill>
-                <a:effectLst/>
-                <a:uLnTx/>
-                <a:uFillTx/>
-                <a:latin typeface="Berlin Sans FB" panose="020E0602020502020306" pitchFamily="34" charset="0"/>
-                <a:ea typeface="+mn-ea"/>
-                <a:cs typeface="+mn-cs"/>
-              </a:rPr>
-              <a:t>Diagramme de séquence</a:t>
-            </a:r>
-          </a:p>
-        </p:txBody>
-      </p:sp>
-      <p:pic>
-        <p:nvPicPr>
-          <p:cNvPr id="3" name="Image 2">
-            <a:extLst>
-              <a:ext uri="{FF2B5EF4-FFF2-40B4-BE49-F238E27FC236}">
-                <a16:creationId xmlns:a16="http://schemas.microsoft.com/office/drawing/2014/main" id="{D1EC5B26-C947-4FA9-8428-C71617CA4066}"/>
-              </a:ext>
-            </a:extLst>
-          </p:cNvPr>
-          <p:cNvPicPr>
-            <a:picLocks noChangeAspect="1"/>
-          </p:cNvPicPr>
-          <p:nvPr/>
-        </p:nvPicPr>
-        <p:blipFill rotWithShape="1">
-          <a:blip r:embed="rId4">
-            <a:extLst>
-              <a:ext uri="{28A0092B-C50C-407E-A947-70E740481C1C}">
-                <a14:useLocalDpi xmlns:a14="http://schemas.microsoft.com/office/drawing/2010/main" val="0"/>
-              </a:ext>
-            </a:extLst>
-          </a:blip>
-          <a:srcRect l="751" t="339" r="1650" b="2288"/>
-          <a:stretch/>
-        </p:blipFill>
-        <p:spPr>
-          <a:xfrm>
-            <a:off x="3646905" y="1322988"/>
-            <a:ext cx="4674551" cy="5498627"/>
-          </a:xfrm>
-          <a:prstGeom prst="rect">
-            <a:avLst/>
-          </a:prstGeom>
-          <a:ln>
-            <a:solidFill>
-              <a:schemeClr val="tx1"/>
-            </a:solidFill>
-          </a:ln>
-        </p:spPr>
-      </p:pic>
-    </p:spTree>
-    <p:extLst>
-      <p:ext uri="{BB962C8B-B14F-4D97-AF65-F5344CB8AC3E}">
-        <p14:creationId xmlns:p14="http://schemas.microsoft.com/office/powerpoint/2010/main" val="1412701524"/>
-      </p:ext>
-    </p:extLst>
-  </p:cSld>
-  <p:clrMapOvr>
-    <a:masterClrMapping/>
-  </p:clrMapOvr>
-  <mc:AlternateContent xmlns:mc="http://schemas.openxmlformats.org/markup-compatibility/2006" xmlns:p14="http://schemas.microsoft.com/office/powerpoint/2010/main">
-    <mc:Choice Requires="p14">
-      <p:transition spd="slow">
-        <p14:reveal/>
-      </p:transition>
-    </mc:Choice>
-    <mc:Fallback xmlns="">
-      <p:transition spd="slow">
-        <p:fade/>
-      </p:transition>
-    </mc:Fallback>
-  </mc:AlternateContent>
-</p:sld>
-</file>
-
-<file path=ppt/slides/slide8.xml><?xml version="1.0" encoding="utf-8"?>
 <p:sld xmlns:a="http://schemas.openxmlformats.org/drawingml/2006/main" xmlns:r="http://schemas.openxmlformats.org/officeDocument/2006/relationships" xmlns:p="http://schemas.openxmlformats.org/presentationml/2006/main">
   <p:cSld>
     <p:spTree>
@@ -15632,6 +16494,2193 @@
 </p:sld>
 </file>
 
+<file path=ppt/slides/slide8.xml><?xml version="1.0" encoding="utf-8"?>
+<p:sld xmlns:a="http://schemas.openxmlformats.org/drawingml/2006/main" xmlns:r="http://schemas.openxmlformats.org/officeDocument/2006/relationships" xmlns:p="http://schemas.openxmlformats.org/presentationml/2006/main">
+  <p:cSld>
+    <p:spTree>
+      <p:nvGrpSpPr>
+        <p:cNvPr id="1" name=""/>
+        <p:cNvGrpSpPr/>
+        <p:nvPr/>
+      </p:nvGrpSpPr>
+      <p:grpSpPr>
+        <a:xfrm>
+          <a:off x="0" y="0"/>
+          <a:ext cx="0" cy="0"/>
+          <a:chOff x="0" y="0"/>
+          <a:chExt cx="0" cy="0"/>
+        </a:xfrm>
+      </p:grpSpPr>
+      <p:pic>
+        <p:nvPicPr>
+          <p:cNvPr id="8" name="Image 7">
+            <a:extLst>
+              <a:ext uri="{FF2B5EF4-FFF2-40B4-BE49-F238E27FC236}">
+                <a16:creationId xmlns:a16="http://schemas.microsoft.com/office/drawing/2014/main" id="{2BB825C5-31DA-4A56-85EA-536DBF510A31}"/>
+              </a:ext>
+            </a:extLst>
+          </p:cNvPr>
+          <p:cNvPicPr>
+            <a:picLocks noChangeAspect="1"/>
+          </p:cNvPicPr>
+          <p:nvPr/>
+        </p:nvPicPr>
+        <p:blipFill>
+          <a:blip r:embed="rId2">
+            <a:extLst>
+              <a:ext uri="{28A0092B-C50C-407E-A947-70E740481C1C}">
+                <a14:useLocalDpi xmlns:a14="http://schemas.microsoft.com/office/drawing/2010/main" val="0"/>
+              </a:ext>
+            </a:extLst>
+          </a:blip>
+          <a:stretch>
+            <a:fillRect/>
+          </a:stretch>
+        </p:blipFill>
+        <p:spPr>
+          <a:xfrm>
+            <a:off x="1068751" y="66457"/>
+            <a:ext cx="1259497" cy="776690"/>
+          </a:xfrm>
+          <a:prstGeom prst="rect">
+            <a:avLst/>
+          </a:prstGeom>
+        </p:spPr>
+      </p:pic>
+      <p:pic>
+        <p:nvPicPr>
+          <p:cNvPr id="10" name="Image 9">
+            <a:extLst>
+              <a:ext uri="{FF2B5EF4-FFF2-40B4-BE49-F238E27FC236}">
+                <a16:creationId xmlns:a16="http://schemas.microsoft.com/office/drawing/2014/main" id="{8EE7436F-49F2-41E0-93E4-D247B4705294}"/>
+              </a:ext>
+            </a:extLst>
+          </p:cNvPr>
+          <p:cNvPicPr>
+            <a:picLocks noChangeAspect="1"/>
+          </p:cNvPicPr>
+          <p:nvPr/>
+        </p:nvPicPr>
+        <p:blipFill>
+          <a:blip r:embed="rId3">
+            <a:extLst>
+              <a:ext uri="{28A0092B-C50C-407E-A947-70E740481C1C}">
+                <a14:useLocalDpi xmlns:a14="http://schemas.microsoft.com/office/drawing/2010/main" val="0"/>
+              </a:ext>
+            </a:extLst>
+          </a:blip>
+          <a:stretch>
+            <a:fillRect/>
+          </a:stretch>
+        </p:blipFill>
+        <p:spPr>
+          <a:xfrm>
+            <a:off x="9681085" y="238153"/>
+            <a:ext cx="1802101" cy="569807"/>
+          </a:xfrm>
+          <a:prstGeom prst="rect">
+            <a:avLst/>
+          </a:prstGeom>
+        </p:spPr>
+      </p:pic>
+      <p:cxnSp>
+        <p:nvCxnSpPr>
+          <p:cNvPr id="16" name="Connecteur droit 15">
+            <a:extLst>
+              <a:ext uri="{FF2B5EF4-FFF2-40B4-BE49-F238E27FC236}">
+                <a16:creationId xmlns:a16="http://schemas.microsoft.com/office/drawing/2014/main" id="{7319284A-BD6F-4A96-8E2B-E0A4B52E53C6}"/>
+              </a:ext>
+            </a:extLst>
+          </p:cNvPr>
+          <p:cNvCxnSpPr>
+            <a:cxnSpLocks/>
+          </p:cNvCxnSpPr>
+          <p:nvPr/>
+        </p:nvCxnSpPr>
+        <p:spPr>
+          <a:xfrm flipV="1">
+            <a:off x="0" y="454803"/>
+            <a:ext cx="738231" cy="1798"/>
+          </a:xfrm>
+          <a:prstGeom prst="line">
+            <a:avLst/>
+          </a:prstGeom>
+        </p:spPr>
+        <p:style>
+          <a:lnRef idx="3">
+            <a:schemeClr val="dk1"/>
+          </a:lnRef>
+          <a:fillRef idx="0">
+            <a:schemeClr val="dk1"/>
+          </a:fillRef>
+          <a:effectRef idx="2">
+            <a:schemeClr val="dk1"/>
+          </a:effectRef>
+          <a:fontRef idx="minor">
+            <a:schemeClr val="tx1"/>
+          </a:fontRef>
+        </p:style>
+      </p:cxnSp>
+      <p:cxnSp>
+        <p:nvCxnSpPr>
+          <p:cNvPr id="20" name="Connecteur droit 19">
+            <a:extLst>
+              <a:ext uri="{FF2B5EF4-FFF2-40B4-BE49-F238E27FC236}">
+                <a16:creationId xmlns:a16="http://schemas.microsoft.com/office/drawing/2014/main" id="{08874CF7-F149-4C81-B61E-74E18342BA8A}"/>
+              </a:ext>
+            </a:extLst>
+          </p:cNvPr>
+          <p:cNvCxnSpPr>
+            <a:cxnSpLocks/>
+          </p:cNvCxnSpPr>
+          <p:nvPr/>
+        </p:nvCxnSpPr>
+        <p:spPr>
+          <a:xfrm>
+            <a:off x="2573222" y="454803"/>
+            <a:ext cx="6829482" cy="10398"/>
+          </a:xfrm>
+          <a:prstGeom prst="line">
+            <a:avLst/>
+          </a:prstGeom>
+        </p:spPr>
+        <p:style>
+          <a:lnRef idx="3">
+            <a:schemeClr val="dk1"/>
+          </a:lnRef>
+          <a:fillRef idx="0">
+            <a:schemeClr val="dk1"/>
+          </a:fillRef>
+          <a:effectRef idx="2">
+            <a:schemeClr val="dk1"/>
+          </a:effectRef>
+          <a:fontRef idx="minor">
+            <a:schemeClr val="tx1"/>
+          </a:fontRef>
+        </p:style>
+      </p:cxnSp>
+      <p:cxnSp>
+        <p:nvCxnSpPr>
+          <p:cNvPr id="26" name="Connecteur droit 25">
+            <a:extLst>
+              <a:ext uri="{FF2B5EF4-FFF2-40B4-BE49-F238E27FC236}">
+                <a16:creationId xmlns:a16="http://schemas.microsoft.com/office/drawing/2014/main" id="{BB3B35CC-057B-48C1-880F-3306A6559175}"/>
+              </a:ext>
+            </a:extLst>
+          </p:cNvPr>
+          <p:cNvCxnSpPr>
+            <a:cxnSpLocks/>
+          </p:cNvCxnSpPr>
+          <p:nvPr/>
+        </p:nvCxnSpPr>
+        <p:spPr>
+          <a:xfrm>
+            <a:off x="738231" y="454803"/>
+            <a:ext cx="344203" cy="484764"/>
+          </a:xfrm>
+          <a:prstGeom prst="line">
+            <a:avLst/>
+          </a:prstGeom>
+        </p:spPr>
+        <p:style>
+          <a:lnRef idx="3">
+            <a:schemeClr val="dk1"/>
+          </a:lnRef>
+          <a:fillRef idx="0">
+            <a:schemeClr val="dk1"/>
+          </a:fillRef>
+          <a:effectRef idx="2">
+            <a:schemeClr val="dk1"/>
+          </a:effectRef>
+          <a:fontRef idx="minor">
+            <a:schemeClr val="tx1"/>
+          </a:fontRef>
+        </p:style>
+      </p:cxnSp>
+      <p:cxnSp>
+        <p:nvCxnSpPr>
+          <p:cNvPr id="32" name="Connecteur droit 31">
+            <a:extLst>
+              <a:ext uri="{FF2B5EF4-FFF2-40B4-BE49-F238E27FC236}">
+                <a16:creationId xmlns:a16="http://schemas.microsoft.com/office/drawing/2014/main" id="{4AD96496-1EB6-4E48-9BB2-5C255495C686}"/>
+              </a:ext>
+            </a:extLst>
+          </p:cNvPr>
+          <p:cNvCxnSpPr>
+            <a:cxnSpLocks/>
+          </p:cNvCxnSpPr>
+          <p:nvPr/>
+        </p:nvCxnSpPr>
+        <p:spPr>
+          <a:xfrm>
+            <a:off x="1082434" y="938268"/>
+            <a:ext cx="1146585" cy="0"/>
+          </a:xfrm>
+          <a:prstGeom prst="line">
+            <a:avLst/>
+          </a:prstGeom>
+        </p:spPr>
+        <p:style>
+          <a:lnRef idx="3">
+            <a:schemeClr val="dk1"/>
+          </a:lnRef>
+          <a:fillRef idx="0">
+            <a:schemeClr val="dk1"/>
+          </a:fillRef>
+          <a:effectRef idx="2">
+            <a:schemeClr val="dk1"/>
+          </a:effectRef>
+          <a:fontRef idx="minor">
+            <a:schemeClr val="tx1"/>
+          </a:fontRef>
+        </p:style>
+      </p:cxnSp>
+      <p:cxnSp>
+        <p:nvCxnSpPr>
+          <p:cNvPr id="51" name="Connecteur droit 50">
+            <a:extLst>
+              <a:ext uri="{FF2B5EF4-FFF2-40B4-BE49-F238E27FC236}">
+                <a16:creationId xmlns:a16="http://schemas.microsoft.com/office/drawing/2014/main" id="{C035BFA6-ECBF-4775-BA81-19D2CA41AA8D}"/>
+              </a:ext>
+            </a:extLst>
+          </p:cNvPr>
+          <p:cNvCxnSpPr>
+            <a:cxnSpLocks/>
+          </p:cNvCxnSpPr>
+          <p:nvPr/>
+        </p:nvCxnSpPr>
+        <p:spPr>
+          <a:xfrm>
+            <a:off x="9402704" y="465201"/>
+            <a:ext cx="344203" cy="495163"/>
+          </a:xfrm>
+          <a:prstGeom prst="line">
+            <a:avLst/>
+          </a:prstGeom>
+        </p:spPr>
+        <p:style>
+          <a:lnRef idx="3">
+            <a:schemeClr val="dk1"/>
+          </a:lnRef>
+          <a:fillRef idx="0">
+            <a:schemeClr val="dk1"/>
+          </a:fillRef>
+          <a:effectRef idx="2">
+            <a:schemeClr val="dk1"/>
+          </a:effectRef>
+          <a:fontRef idx="minor">
+            <a:schemeClr val="tx1"/>
+          </a:fontRef>
+        </p:style>
+      </p:cxnSp>
+      <p:cxnSp>
+        <p:nvCxnSpPr>
+          <p:cNvPr id="52" name="Connecteur droit 51">
+            <a:extLst>
+              <a:ext uri="{FF2B5EF4-FFF2-40B4-BE49-F238E27FC236}">
+                <a16:creationId xmlns:a16="http://schemas.microsoft.com/office/drawing/2014/main" id="{FA310BC7-694B-4984-99A2-61A1F4F6EBF9}"/>
+              </a:ext>
+            </a:extLst>
+          </p:cNvPr>
+          <p:cNvCxnSpPr>
+            <a:cxnSpLocks/>
+          </p:cNvCxnSpPr>
+          <p:nvPr/>
+        </p:nvCxnSpPr>
+        <p:spPr>
+          <a:xfrm flipH="1">
+            <a:off x="11370469" y="448308"/>
+            <a:ext cx="364332" cy="501657"/>
+          </a:xfrm>
+          <a:prstGeom prst="line">
+            <a:avLst/>
+          </a:prstGeom>
+        </p:spPr>
+        <p:style>
+          <a:lnRef idx="3">
+            <a:schemeClr val="dk1"/>
+          </a:lnRef>
+          <a:fillRef idx="0">
+            <a:schemeClr val="dk1"/>
+          </a:fillRef>
+          <a:effectRef idx="2">
+            <a:schemeClr val="dk1"/>
+          </a:effectRef>
+          <a:fontRef idx="minor">
+            <a:schemeClr val="tx1"/>
+          </a:fontRef>
+        </p:style>
+      </p:cxnSp>
+      <p:cxnSp>
+        <p:nvCxnSpPr>
+          <p:cNvPr id="53" name="Connecteur droit 52">
+            <a:extLst>
+              <a:ext uri="{FF2B5EF4-FFF2-40B4-BE49-F238E27FC236}">
+                <a16:creationId xmlns:a16="http://schemas.microsoft.com/office/drawing/2014/main" id="{BE0649BD-EE59-4DDA-960F-95B2572F9F13}"/>
+              </a:ext>
+            </a:extLst>
+          </p:cNvPr>
+          <p:cNvCxnSpPr>
+            <a:cxnSpLocks/>
+          </p:cNvCxnSpPr>
+          <p:nvPr/>
+        </p:nvCxnSpPr>
+        <p:spPr>
+          <a:xfrm>
+            <a:off x="9743203" y="949965"/>
+            <a:ext cx="1627266" cy="0"/>
+          </a:xfrm>
+          <a:prstGeom prst="line">
+            <a:avLst/>
+          </a:prstGeom>
+        </p:spPr>
+        <p:style>
+          <a:lnRef idx="3">
+            <a:schemeClr val="dk1"/>
+          </a:lnRef>
+          <a:fillRef idx="0">
+            <a:schemeClr val="dk1"/>
+          </a:fillRef>
+          <a:effectRef idx="2">
+            <a:schemeClr val="dk1"/>
+          </a:effectRef>
+          <a:fontRef idx="minor">
+            <a:schemeClr val="tx1"/>
+          </a:fontRef>
+        </p:style>
+      </p:cxnSp>
+      <p:cxnSp>
+        <p:nvCxnSpPr>
+          <p:cNvPr id="55" name="Connecteur droit 54">
+            <a:extLst>
+              <a:ext uri="{FF2B5EF4-FFF2-40B4-BE49-F238E27FC236}">
+                <a16:creationId xmlns:a16="http://schemas.microsoft.com/office/drawing/2014/main" id="{52AA9200-DAFA-4EEF-AC13-4C7CE82A59EC}"/>
+              </a:ext>
+            </a:extLst>
+          </p:cNvPr>
+          <p:cNvCxnSpPr>
+            <a:cxnSpLocks/>
+          </p:cNvCxnSpPr>
+          <p:nvPr/>
+        </p:nvCxnSpPr>
+        <p:spPr>
+          <a:xfrm>
+            <a:off x="11715750" y="454801"/>
+            <a:ext cx="476249" cy="10400"/>
+          </a:xfrm>
+          <a:prstGeom prst="line">
+            <a:avLst/>
+          </a:prstGeom>
+        </p:spPr>
+        <p:style>
+          <a:lnRef idx="3">
+            <a:schemeClr val="dk1"/>
+          </a:lnRef>
+          <a:fillRef idx="0">
+            <a:schemeClr val="dk1"/>
+          </a:fillRef>
+          <a:effectRef idx="2">
+            <a:schemeClr val="dk1"/>
+          </a:effectRef>
+          <a:fontRef idx="minor">
+            <a:schemeClr val="tx1"/>
+          </a:fontRef>
+        </p:style>
+      </p:cxnSp>
+      <p:cxnSp>
+        <p:nvCxnSpPr>
+          <p:cNvPr id="23" name="Connecteur droit 22">
+            <a:extLst>
+              <a:ext uri="{FF2B5EF4-FFF2-40B4-BE49-F238E27FC236}">
+                <a16:creationId xmlns:a16="http://schemas.microsoft.com/office/drawing/2014/main" id="{BCB092C8-0080-4E56-957E-0046D4C83988}"/>
+              </a:ext>
+            </a:extLst>
+          </p:cNvPr>
+          <p:cNvCxnSpPr>
+            <a:cxnSpLocks/>
+          </p:cNvCxnSpPr>
+          <p:nvPr/>
+        </p:nvCxnSpPr>
+        <p:spPr>
+          <a:xfrm flipH="1">
+            <a:off x="2216372" y="446356"/>
+            <a:ext cx="364332" cy="501657"/>
+          </a:xfrm>
+          <a:prstGeom prst="line">
+            <a:avLst/>
+          </a:prstGeom>
+        </p:spPr>
+        <p:style>
+          <a:lnRef idx="3">
+            <a:schemeClr val="dk1"/>
+          </a:lnRef>
+          <a:fillRef idx="0">
+            <a:schemeClr val="dk1"/>
+          </a:fillRef>
+          <a:effectRef idx="2">
+            <a:schemeClr val="dk1"/>
+          </a:effectRef>
+          <a:fontRef idx="minor">
+            <a:schemeClr val="tx1"/>
+          </a:fontRef>
+        </p:style>
+      </p:cxnSp>
+      <p:pic>
+        <p:nvPicPr>
+          <p:cNvPr id="57" name="Image 56">
+            <a:extLst>
+              <a:ext uri="{FF2B5EF4-FFF2-40B4-BE49-F238E27FC236}">
+                <a16:creationId xmlns:a16="http://schemas.microsoft.com/office/drawing/2014/main" id="{12B16FB2-5844-4B92-AE69-9BAC858C22BB}"/>
+              </a:ext>
+            </a:extLst>
+          </p:cNvPr>
+          <p:cNvPicPr>
+            <a:picLocks noChangeAspect="1"/>
+          </p:cNvPicPr>
+          <p:nvPr/>
+        </p:nvPicPr>
+        <p:blipFill>
+          <a:blip r:embed="rId3">
+            <a:extLst>
+              <a:ext uri="{28A0092B-C50C-407E-A947-70E740481C1C}">
+                <a14:useLocalDpi xmlns:a14="http://schemas.microsoft.com/office/drawing/2010/main" val="0"/>
+              </a:ext>
+            </a:extLst>
+          </a:blip>
+          <a:stretch>
+            <a:fillRect/>
+          </a:stretch>
+        </p:blipFill>
+        <p:spPr>
+          <a:xfrm>
+            <a:off x="9681085" y="238153"/>
+            <a:ext cx="1802101" cy="569807"/>
+          </a:xfrm>
+          <a:prstGeom prst="rect">
+            <a:avLst/>
+          </a:prstGeom>
+        </p:spPr>
+      </p:pic>
+      <p:cxnSp>
+        <p:nvCxnSpPr>
+          <p:cNvPr id="58" name="Connecteur droit 57">
+            <a:extLst>
+              <a:ext uri="{FF2B5EF4-FFF2-40B4-BE49-F238E27FC236}">
+                <a16:creationId xmlns:a16="http://schemas.microsoft.com/office/drawing/2014/main" id="{01599350-F8B0-4FDC-B003-981189A8D654}"/>
+              </a:ext>
+            </a:extLst>
+          </p:cNvPr>
+          <p:cNvCxnSpPr>
+            <a:cxnSpLocks/>
+          </p:cNvCxnSpPr>
+          <p:nvPr/>
+        </p:nvCxnSpPr>
+        <p:spPr>
+          <a:xfrm>
+            <a:off x="2573222" y="454803"/>
+            <a:ext cx="6829482" cy="10398"/>
+          </a:xfrm>
+          <a:prstGeom prst="line">
+            <a:avLst/>
+          </a:prstGeom>
+        </p:spPr>
+        <p:style>
+          <a:lnRef idx="3">
+            <a:schemeClr val="dk1"/>
+          </a:lnRef>
+          <a:fillRef idx="0">
+            <a:schemeClr val="dk1"/>
+          </a:fillRef>
+          <a:effectRef idx="2">
+            <a:schemeClr val="dk1"/>
+          </a:effectRef>
+          <a:fontRef idx="minor">
+            <a:schemeClr val="tx1"/>
+          </a:fontRef>
+        </p:style>
+      </p:cxnSp>
+      <p:cxnSp>
+        <p:nvCxnSpPr>
+          <p:cNvPr id="59" name="Connecteur droit 58">
+            <a:extLst>
+              <a:ext uri="{FF2B5EF4-FFF2-40B4-BE49-F238E27FC236}">
+                <a16:creationId xmlns:a16="http://schemas.microsoft.com/office/drawing/2014/main" id="{BC6E6150-6054-4785-84EC-0C46D82034C2}"/>
+              </a:ext>
+            </a:extLst>
+          </p:cNvPr>
+          <p:cNvCxnSpPr>
+            <a:cxnSpLocks/>
+          </p:cNvCxnSpPr>
+          <p:nvPr/>
+        </p:nvCxnSpPr>
+        <p:spPr>
+          <a:xfrm>
+            <a:off x="738231" y="454803"/>
+            <a:ext cx="344203" cy="484764"/>
+          </a:xfrm>
+          <a:prstGeom prst="line">
+            <a:avLst/>
+          </a:prstGeom>
+        </p:spPr>
+        <p:style>
+          <a:lnRef idx="3">
+            <a:schemeClr val="dk1"/>
+          </a:lnRef>
+          <a:fillRef idx="0">
+            <a:schemeClr val="dk1"/>
+          </a:fillRef>
+          <a:effectRef idx="2">
+            <a:schemeClr val="dk1"/>
+          </a:effectRef>
+          <a:fontRef idx="minor">
+            <a:schemeClr val="tx1"/>
+          </a:fontRef>
+        </p:style>
+      </p:cxnSp>
+      <p:cxnSp>
+        <p:nvCxnSpPr>
+          <p:cNvPr id="60" name="Connecteur droit 59">
+            <a:extLst>
+              <a:ext uri="{FF2B5EF4-FFF2-40B4-BE49-F238E27FC236}">
+                <a16:creationId xmlns:a16="http://schemas.microsoft.com/office/drawing/2014/main" id="{CBC9961A-8EC2-4287-A398-BCA4138D409D}"/>
+              </a:ext>
+            </a:extLst>
+          </p:cNvPr>
+          <p:cNvCxnSpPr>
+            <a:cxnSpLocks/>
+          </p:cNvCxnSpPr>
+          <p:nvPr/>
+        </p:nvCxnSpPr>
+        <p:spPr>
+          <a:xfrm>
+            <a:off x="1082434" y="938268"/>
+            <a:ext cx="1146585" cy="0"/>
+          </a:xfrm>
+          <a:prstGeom prst="line">
+            <a:avLst/>
+          </a:prstGeom>
+        </p:spPr>
+        <p:style>
+          <a:lnRef idx="3">
+            <a:schemeClr val="dk1"/>
+          </a:lnRef>
+          <a:fillRef idx="0">
+            <a:schemeClr val="dk1"/>
+          </a:fillRef>
+          <a:effectRef idx="2">
+            <a:schemeClr val="dk1"/>
+          </a:effectRef>
+          <a:fontRef idx="minor">
+            <a:schemeClr val="tx1"/>
+          </a:fontRef>
+        </p:style>
+      </p:cxnSp>
+      <p:cxnSp>
+        <p:nvCxnSpPr>
+          <p:cNvPr id="61" name="Connecteur droit 60">
+            <a:extLst>
+              <a:ext uri="{FF2B5EF4-FFF2-40B4-BE49-F238E27FC236}">
+                <a16:creationId xmlns:a16="http://schemas.microsoft.com/office/drawing/2014/main" id="{152B7C45-2543-4665-BC07-4DB71CA9F337}"/>
+              </a:ext>
+            </a:extLst>
+          </p:cNvPr>
+          <p:cNvCxnSpPr>
+            <a:cxnSpLocks/>
+          </p:cNvCxnSpPr>
+          <p:nvPr/>
+        </p:nvCxnSpPr>
+        <p:spPr>
+          <a:xfrm>
+            <a:off x="9402704" y="465201"/>
+            <a:ext cx="344203" cy="495163"/>
+          </a:xfrm>
+          <a:prstGeom prst="line">
+            <a:avLst/>
+          </a:prstGeom>
+        </p:spPr>
+        <p:style>
+          <a:lnRef idx="3">
+            <a:schemeClr val="dk1"/>
+          </a:lnRef>
+          <a:fillRef idx="0">
+            <a:schemeClr val="dk1"/>
+          </a:fillRef>
+          <a:effectRef idx="2">
+            <a:schemeClr val="dk1"/>
+          </a:effectRef>
+          <a:fontRef idx="minor">
+            <a:schemeClr val="tx1"/>
+          </a:fontRef>
+        </p:style>
+      </p:cxnSp>
+      <p:cxnSp>
+        <p:nvCxnSpPr>
+          <p:cNvPr id="62" name="Connecteur droit 61">
+            <a:extLst>
+              <a:ext uri="{FF2B5EF4-FFF2-40B4-BE49-F238E27FC236}">
+                <a16:creationId xmlns:a16="http://schemas.microsoft.com/office/drawing/2014/main" id="{00A84DC3-A112-46A3-B71C-04D85339323D}"/>
+              </a:ext>
+            </a:extLst>
+          </p:cNvPr>
+          <p:cNvCxnSpPr>
+            <a:cxnSpLocks/>
+          </p:cNvCxnSpPr>
+          <p:nvPr/>
+        </p:nvCxnSpPr>
+        <p:spPr>
+          <a:xfrm flipH="1">
+            <a:off x="11370469" y="448308"/>
+            <a:ext cx="364332" cy="501657"/>
+          </a:xfrm>
+          <a:prstGeom prst="line">
+            <a:avLst/>
+          </a:prstGeom>
+        </p:spPr>
+        <p:style>
+          <a:lnRef idx="3">
+            <a:schemeClr val="dk1"/>
+          </a:lnRef>
+          <a:fillRef idx="0">
+            <a:schemeClr val="dk1"/>
+          </a:fillRef>
+          <a:effectRef idx="2">
+            <a:schemeClr val="dk1"/>
+          </a:effectRef>
+          <a:fontRef idx="minor">
+            <a:schemeClr val="tx1"/>
+          </a:fontRef>
+        </p:style>
+      </p:cxnSp>
+      <p:cxnSp>
+        <p:nvCxnSpPr>
+          <p:cNvPr id="63" name="Connecteur droit 62">
+            <a:extLst>
+              <a:ext uri="{FF2B5EF4-FFF2-40B4-BE49-F238E27FC236}">
+                <a16:creationId xmlns:a16="http://schemas.microsoft.com/office/drawing/2014/main" id="{C50788C6-8F68-44EC-AB54-94C1D2FE554D}"/>
+              </a:ext>
+            </a:extLst>
+          </p:cNvPr>
+          <p:cNvCxnSpPr>
+            <a:cxnSpLocks/>
+          </p:cNvCxnSpPr>
+          <p:nvPr/>
+        </p:nvCxnSpPr>
+        <p:spPr>
+          <a:xfrm>
+            <a:off x="9743203" y="949965"/>
+            <a:ext cx="1627266" cy="0"/>
+          </a:xfrm>
+          <a:prstGeom prst="line">
+            <a:avLst/>
+          </a:prstGeom>
+        </p:spPr>
+        <p:style>
+          <a:lnRef idx="3">
+            <a:schemeClr val="dk1"/>
+          </a:lnRef>
+          <a:fillRef idx="0">
+            <a:schemeClr val="dk1"/>
+          </a:fillRef>
+          <a:effectRef idx="2">
+            <a:schemeClr val="dk1"/>
+          </a:effectRef>
+          <a:fontRef idx="minor">
+            <a:schemeClr val="tx1"/>
+          </a:fontRef>
+        </p:style>
+      </p:cxnSp>
+      <p:cxnSp>
+        <p:nvCxnSpPr>
+          <p:cNvPr id="64" name="Connecteur droit 63">
+            <a:extLst>
+              <a:ext uri="{FF2B5EF4-FFF2-40B4-BE49-F238E27FC236}">
+                <a16:creationId xmlns:a16="http://schemas.microsoft.com/office/drawing/2014/main" id="{BC4D4E5F-5636-45CB-873C-EC085AB307A3}"/>
+              </a:ext>
+            </a:extLst>
+          </p:cNvPr>
+          <p:cNvCxnSpPr>
+            <a:cxnSpLocks/>
+          </p:cNvCxnSpPr>
+          <p:nvPr/>
+        </p:nvCxnSpPr>
+        <p:spPr>
+          <a:xfrm>
+            <a:off x="11715750" y="454801"/>
+            <a:ext cx="476249" cy="10400"/>
+          </a:xfrm>
+          <a:prstGeom prst="line">
+            <a:avLst/>
+          </a:prstGeom>
+        </p:spPr>
+        <p:style>
+          <a:lnRef idx="3">
+            <a:schemeClr val="dk1"/>
+          </a:lnRef>
+          <a:fillRef idx="0">
+            <a:schemeClr val="dk1"/>
+          </a:fillRef>
+          <a:effectRef idx="2">
+            <a:schemeClr val="dk1"/>
+          </a:effectRef>
+          <a:fontRef idx="minor">
+            <a:schemeClr val="tx1"/>
+          </a:fontRef>
+        </p:style>
+      </p:cxnSp>
+      <p:cxnSp>
+        <p:nvCxnSpPr>
+          <p:cNvPr id="65" name="Connecteur droit 64">
+            <a:extLst>
+              <a:ext uri="{FF2B5EF4-FFF2-40B4-BE49-F238E27FC236}">
+                <a16:creationId xmlns:a16="http://schemas.microsoft.com/office/drawing/2014/main" id="{E6F6B4C5-0E3B-46C9-859D-EE774175D36F}"/>
+              </a:ext>
+            </a:extLst>
+          </p:cNvPr>
+          <p:cNvCxnSpPr>
+            <a:cxnSpLocks/>
+          </p:cNvCxnSpPr>
+          <p:nvPr/>
+        </p:nvCxnSpPr>
+        <p:spPr>
+          <a:xfrm flipH="1">
+            <a:off x="2216372" y="446356"/>
+            <a:ext cx="364332" cy="501657"/>
+          </a:xfrm>
+          <a:prstGeom prst="line">
+            <a:avLst/>
+          </a:prstGeom>
+        </p:spPr>
+        <p:style>
+          <a:lnRef idx="3">
+            <a:schemeClr val="dk1"/>
+          </a:lnRef>
+          <a:fillRef idx="0">
+            <a:schemeClr val="dk1"/>
+          </a:fillRef>
+          <a:effectRef idx="2">
+            <a:schemeClr val="dk1"/>
+          </a:effectRef>
+          <a:fontRef idx="minor">
+            <a:schemeClr val="tx1"/>
+          </a:fontRef>
+        </p:style>
+      </p:cxnSp>
+      <p:sp>
+        <p:nvSpPr>
+          <p:cNvPr id="2" name="ZoneTexte 1">
+            <a:extLst>
+              <a:ext uri="{FF2B5EF4-FFF2-40B4-BE49-F238E27FC236}">
+                <a16:creationId xmlns:a16="http://schemas.microsoft.com/office/drawing/2014/main" id="{019E5183-3507-4DC9-B021-75F1BA1CA190}"/>
+              </a:ext>
+            </a:extLst>
+          </p:cNvPr>
+          <p:cNvSpPr txBox="1"/>
+          <p:nvPr/>
+        </p:nvSpPr>
+        <p:spPr>
+          <a:xfrm>
+            <a:off x="2970245" y="473648"/>
+            <a:ext cx="6251510" cy="769441"/>
+          </a:xfrm>
+          <a:prstGeom prst="rect">
+            <a:avLst/>
+          </a:prstGeom>
+          <a:noFill/>
+        </p:spPr>
+        <p:txBody>
+          <a:bodyPr wrap="square" rtlCol="0">
+            <a:spAutoFit/>
+          </a:bodyPr>
+          <a:lstStyle/>
+          <a:p>
+            <a:pPr marL="0" marR="0" lvl="0" indent="0" algn="ctr" defTabSz="914400" rtl="0" eaLnBrk="1" fontAlgn="auto" latinLnBrk="0" hangingPunct="1">
+              <a:lnSpc>
+                <a:spcPct val="100000"/>
+              </a:lnSpc>
+              <a:spcBef>
+                <a:spcPts val="0"/>
+              </a:spcBef>
+              <a:spcAft>
+                <a:spcPts val="0"/>
+              </a:spcAft>
+              <a:buClrTx/>
+              <a:buSzTx/>
+              <a:buFontTx/>
+              <a:buNone/>
+              <a:tabLst/>
+              <a:defRPr/>
+            </a:pPr>
+            <a:r>
+              <a:rPr kumimoji="0" lang="fr-FR" sz="4400" b="0" i="0" u="none" strike="noStrike" kern="1200" cap="none" spc="0" normalizeH="0" baseline="0" noProof="0" dirty="0">
+                <a:ln>
+                  <a:noFill/>
+                </a:ln>
+                <a:solidFill>
+                  <a:prstClr val="black"/>
+                </a:solidFill>
+                <a:effectLst/>
+                <a:uLnTx/>
+                <a:uFillTx/>
+                <a:latin typeface="Berlin Sans FB" panose="020E0602020502020306" pitchFamily="34" charset="0"/>
+                <a:ea typeface="+mn-ea"/>
+                <a:cs typeface="+mn-cs"/>
+              </a:rPr>
+              <a:t>Analyse du matériel</a:t>
+            </a:r>
+          </a:p>
+        </p:txBody>
+      </p:sp>
+      <p:pic>
+        <p:nvPicPr>
+          <p:cNvPr id="24" name="Image 23" descr="Une image contenant transport&#10;&#10;Description générée avec un niveau de confiance très élevé">
+            <a:extLst>
+              <a:ext uri="{FF2B5EF4-FFF2-40B4-BE49-F238E27FC236}">
+                <a16:creationId xmlns:a16="http://schemas.microsoft.com/office/drawing/2014/main" id="{4CD3177C-CB9C-4C0D-8079-4AA644CE5E50}"/>
+              </a:ext>
+            </a:extLst>
+          </p:cNvPr>
+          <p:cNvPicPr>
+            <a:picLocks noChangeAspect="1"/>
+          </p:cNvPicPr>
+          <p:nvPr/>
+        </p:nvPicPr>
+        <p:blipFill>
+          <a:blip r:embed="rId4">
+            <a:extLst>
+              <a:ext uri="{28A0092B-C50C-407E-A947-70E740481C1C}">
+                <a14:useLocalDpi xmlns:a14="http://schemas.microsoft.com/office/drawing/2010/main" val="0"/>
+              </a:ext>
+            </a:extLst>
+          </a:blip>
+          <a:stretch>
+            <a:fillRect/>
+          </a:stretch>
+        </p:blipFill>
+        <p:spPr>
+          <a:xfrm>
+            <a:off x="1604299" y="1327912"/>
+            <a:ext cx="715646" cy="715646"/>
+          </a:xfrm>
+          <a:prstGeom prst="rect">
+            <a:avLst/>
+          </a:prstGeom>
+        </p:spPr>
+      </p:pic>
+      <p:pic>
+        <p:nvPicPr>
+          <p:cNvPr id="25" name="Image 24">
+            <a:extLst>
+              <a:ext uri="{FF2B5EF4-FFF2-40B4-BE49-F238E27FC236}">
+                <a16:creationId xmlns:a16="http://schemas.microsoft.com/office/drawing/2014/main" id="{C013474F-1EDC-4B3D-B268-4E855F63F77E}"/>
+              </a:ext>
+            </a:extLst>
+          </p:cNvPr>
+          <p:cNvPicPr>
+            <a:picLocks noChangeAspect="1"/>
+          </p:cNvPicPr>
+          <p:nvPr/>
+        </p:nvPicPr>
+        <p:blipFill>
+          <a:blip r:embed="rId5">
+            <a:extLst>
+              <a:ext uri="{28A0092B-C50C-407E-A947-70E740481C1C}">
+                <a14:useLocalDpi xmlns:a14="http://schemas.microsoft.com/office/drawing/2010/main" val="0"/>
+              </a:ext>
+            </a:extLst>
+          </a:blip>
+          <a:stretch>
+            <a:fillRect/>
+          </a:stretch>
+        </p:blipFill>
+        <p:spPr>
+          <a:xfrm>
+            <a:off x="1652297" y="2870179"/>
+            <a:ext cx="625703" cy="625703"/>
+          </a:xfrm>
+          <a:prstGeom prst="rect">
+            <a:avLst/>
+          </a:prstGeom>
+        </p:spPr>
+      </p:pic>
+      <p:pic>
+        <p:nvPicPr>
+          <p:cNvPr id="28" name="Image 27">
+            <a:extLst>
+              <a:ext uri="{FF2B5EF4-FFF2-40B4-BE49-F238E27FC236}">
+                <a16:creationId xmlns:a16="http://schemas.microsoft.com/office/drawing/2014/main" id="{57519E8A-918A-4B7A-A373-A121BE04A122}"/>
+              </a:ext>
+            </a:extLst>
+          </p:cNvPr>
+          <p:cNvPicPr>
+            <a:picLocks noChangeAspect="1"/>
+          </p:cNvPicPr>
+          <p:nvPr/>
+        </p:nvPicPr>
+        <p:blipFill>
+          <a:blip r:embed="rId6">
+            <a:extLst>
+              <a:ext uri="{28A0092B-C50C-407E-A947-70E740481C1C}">
+                <a14:useLocalDpi xmlns:a14="http://schemas.microsoft.com/office/drawing/2010/main" val="0"/>
+              </a:ext>
+            </a:extLst>
+          </a:blip>
+          <a:stretch>
+            <a:fillRect/>
+          </a:stretch>
+        </p:blipFill>
+        <p:spPr>
+          <a:xfrm>
+            <a:off x="6567419" y="4845684"/>
+            <a:ext cx="700821" cy="700821"/>
+          </a:xfrm>
+          <a:prstGeom prst="rect">
+            <a:avLst/>
+          </a:prstGeom>
+        </p:spPr>
+      </p:pic>
+      <p:pic>
+        <p:nvPicPr>
+          <p:cNvPr id="29" name="Image 28">
+            <a:extLst>
+              <a:ext uri="{FF2B5EF4-FFF2-40B4-BE49-F238E27FC236}">
+                <a16:creationId xmlns:a16="http://schemas.microsoft.com/office/drawing/2014/main" id="{0875E027-F508-4529-A577-BAE6AA73B275}"/>
+              </a:ext>
+            </a:extLst>
+          </p:cNvPr>
+          <p:cNvPicPr>
+            <a:picLocks noChangeAspect="1"/>
+          </p:cNvPicPr>
+          <p:nvPr/>
+        </p:nvPicPr>
+        <p:blipFill>
+          <a:blip r:embed="rId7">
+            <a:extLst>
+              <a:ext uri="{28A0092B-C50C-407E-A947-70E740481C1C}">
+                <a14:useLocalDpi xmlns:a14="http://schemas.microsoft.com/office/drawing/2010/main" val="0"/>
+              </a:ext>
+            </a:extLst>
+          </a:blip>
+          <a:stretch>
+            <a:fillRect/>
+          </a:stretch>
+        </p:blipFill>
+        <p:spPr>
+          <a:xfrm>
+            <a:off x="6515109" y="3046923"/>
+            <a:ext cx="746916" cy="746916"/>
+          </a:xfrm>
+          <a:prstGeom prst="rect">
+            <a:avLst/>
+          </a:prstGeom>
+        </p:spPr>
+      </p:pic>
+      <p:pic>
+        <p:nvPicPr>
+          <p:cNvPr id="4" name="Image 3">
+            <a:extLst>
+              <a:ext uri="{FF2B5EF4-FFF2-40B4-BE49-F238E27FC236}">
+                <a16:creationId xmlns:a16="http://schemas.microsoft.com/office/drawing/2014/main" id="{6A56240B-CEBA-4842-83FC-DA1952EEB740}"/>
+              </a:ext>
+            </a:extLst>
+          </p:cNvPr>
+          <p:cNvPicPr>
+            <a:picLocks noChangeAspect="1"/>
+          </p:cNvPicPr>
+          <p:nvPr/>
+        </p:nvPicPr>
+        <p:blipFill>
+          <a:blip r:embed="rId8">
+            <a:extLst>
+              <a:ext uri="{28A0092B-C50C-407E-A947-70E740481C1C}">
+                <a14:useLocalDpi xmlns:a14="http://schemas.microsoft.com/office/drawing/2010/main" val="0"/>
+              </a:ext>
+            </a:extLst>
+          </a:blip>
+          <a:stretch>
+            <a:fillRect/>
+          </a:stretch>
+        </p:blipFill>
+        <p:spPr>
+          <a:xfrm>
+            <a:off x="6416140" y="1345664"/>
+            <a:ext cx="780337" cy="780337"/>
+          </a:xfrm>
+          <a:prstGeom prst="rect">
+            <a:avLst/>
+          </a:prstGeom>
+        </p:spPr>
+      </p:pic>
+      <p:sp>
+        <p:nvSpPr>
+          <p:cNvPr id="3" name="ZoneTexte 2">
+            <a:extLst>
+              <a:ext uri="{FF2B5EF4-FFF2-40B4-BE49-F238E27FC236}">
+                <a16:creationId xmlns:a16="http://schemas.microsoft.com/office/drawing/2014/main" id="{6F21E2AC-5013-4E14-AA1E-CF440C8AF6D5}"/>
+              </a:ext>
+            </a:extLst>
+          </p:cNvPr>
+          <p:cNvSpPr txBox="1"/>
+          <p:nvPr/>
+        </p:nvSpPr>
+        <p:spPr>
+          <a:xfrm>
+            <a:off x="2573222" y="1551166"/>
+            <a:ext cx="2860650" cy="369332"/>
+          </a:xfrm>
+          <a:prstGeom prst="rect">
+            <a:avLst/>
+          </a:prstGeom>
+          <a:noFill/>
+        </p:spPr>
+        <p:txBody>
+          <a:bodyPr wrap="square" rtlCol="0">
+            <a:spAutoFit/>
+          </a:bodyPr>
+          <a:lstStyle/>
+          <a:p>
+            <a:pPr marL="0" marR="0" lvl="0" indent="0" algn="l" defTabSz="914400" rtl="0" eaLnBrk="1" fontAlgn="auto" latinLnBrk="0" hangingPunct="1">
+              <a:lnSpc>
+                <a:spcPct val="100000"/>
+              </a:lnSpc>
+              <a:spcBef>
+                <a:spcPts val="0"/>
+              </a:spcBef>
+              <a:spcAft>
+                <a:spcPts val="0"/>
+              </a:spcAft>
+              <a:buClrTx/>
+              <a:buSzTx/>
+              <a:buFontTx/>
+              <a:buNone/>
+              <a:tabLst/>
+              <a:defRPr/>
+            </a:pPr>
+            <a:r>
+              <a:rPr kumimoji="0" lang="fr-FR" sz="1800" b="0" i="0" u="none" strike="noStrike" kern="1200" cap="none" spc="0" normalizeH="0" baseline="0" noProof="0" dirty="0">
+                <a:ln>
+                  <a:noFill/>
+                </a:ln>
+                <a:solidFill>
+                  <a:prstClr val="black"/>
+                </a:solidFill>
+                <a:effectLst/>
+                <a:uLnTx/>
+                <a:uFillTx/>
+                <a:latin typeface="Calibri" panose="020F0502020204030204"/>
+                <a:ea typeface="+mn-ea"/>
+                <a:cs typeface="+mn-cs"/>
+              </a:rPr>
+              <a:t>Utilisation de la boucle 4-20</a:t>
+            </a:r>
+          </a:p>
+        </p:txBody>
+      </p:sp>
+      <p:sp>
+        <p:nvSpPr>
+          <p:cNvPr id="30" name="ZoneTexte 29">
+            <a:extLst>
+              <a:ext uri="{FF2B5EF4-FFF2-40B4-BE49-F238E27FC236}">
+                <a16:creationId xmlns:a16="http://schemas.microsoft.com/office/drawing/2014/main" id="{1684707A-FE8B-409E-8A18-EC748AA22A1D}"/>
+              </a:ext>
+            </a:extLst>
+          </p:cNvPr>
+          <p:cNvSpPr txBox="1"/>
+          <p:nvPr/>
+        </p:nvSpPr>
+        <p:spPr>
+          <a:xfrm>
+            <a:off x="7415068" y="5028206"/>
+            <a:ext cx="2860650" cy="369332"/>
+          </a:xfrm>
+          <a:prstGeom prst="rect">
+            <a:avLst/>
+          </a:prstGeom>
+          <a:noFill/>
+        </p:spPr>
+        <p:txBody>
+          <a:bodyPr wrap="square" rtlCol="0">
+            <a:spAutoFit/>
+          </a:bodyPr>
+          <a:lstStyle/>
+          <a:p>
+            <a:pPr marL="0" marR="0" lvl="0" indent="0" algn="l" defTabSz="914400" rtl="0" eaLnBrk="1" fontAlgn="auto" latinLnBrk="0" hangingPunct="1">
+              <a:lnSpc>
+                <a:spcPct val="100000"/>
+              </a:lnSpc>
+              <a:spcBef>
+                <a:spcPts val="0"/>
+              </a:spcBef>
+              <a:spcAft>
+                <a:spcPts val="0"/>
+              </a:spcAft>
+              <a:buClrTx/>
+              <a:buSzTx/>
+              <a:buFontTx/>
+              <a:buNone/>
+              <a:tabLst/>
+              <a:defRPr/>
+            </a:pPr>
+            <a:r>
+              <a:rPr kumimoji="0" lang="fr-FR" sz="1800" b="0" i="0" u="none" strike="noStrike" kern="1200" cap="none" spc="0" normalizeH="0" baseline="0" noProof="0" dirty="0">
+                <a:ln>
+                  <a:noFill/>
+                </a:ln>
+                <a:solidFill>
+                  <a:prstClr val="black"/>
+                </a:solidFill>
+                <a:effectLst/>
+                <a:uLnTx/>
+                <a:uFillTx/>
+                <a:latin typeface="Calibri" panose="020F0502020204030204"/>
+                <a:ea typeface="+mn-ea"/>
+                <a:cs typeface="+mn-cs"/>
+              </a:rPr>
+              <a:t>Utilisation de la boucle 4-20</a:t>
+            </a:r>
+          </a:p>
+        </p:txBody>
+      </p:sp>
+      <p:sp>
+        <p:nvSpPr>
+          <p:cNvPr id="5" name="ZoneTexte 4">
+            <a:extLst>
+              <a:ext uri="{FF2B5EF4-FFF2-40B4-BE49-F238E27FC236}">
+                <a16:creationId xmlns:a16="http://schemas.microsoft.com/office/drawing/2014/main" id="{B40B891D-AA45-4E59-AC5F-D2EA371A7D66}"/>
+              </a:ext>
+            </a:extLst>
+          </p:cNvPr>
+          <p:cNvSpPr txBox="1"/>
+          <p:nvPr/>
+        </p:nvSpPr>
+        <p:spPr>
+          <a:xfrm>
+            <a:off x="2457974" y="2973197"/>
+            <a:ext cx="3187817" cy="369332"/>
+          </a:xfrm>
+          <a:prstGeom prst="rect">
+            <a:avLst/>
+          </a:prstGeom>
+          <a:noFill/>
+        </p:spPr>
+        <p:txBody>
+          <a:bodyPr wrap="square" rtlCol="0">
+            <a:spAutoFit/>
+          </a:bodyPr>
+          <a:lstStyle/>
+          <a:p>
+            <a:pPr marL="0" marR="0" lvl="0" indent="0" algn="l" defTabSz="914400" rtl="0" eaLnBrk="1" fontAlgn="auto" latinLnBrk="0" hangingPunct="1">
+              <a:lnSpc>
+                <a:spcPct val="100000"/>
+              </a:lnSpc>
+              <a:spcBef>
+                <a:spcPts val="0"/>
+              </a:spcBef>
+              <a:spcAft>
+                <a:spcPts val="0"/>
+              </a:spcAft>
+              <a:buClrTx/>
+              <a:buSzTx/>
+              <a:buFontTx/>
+              <a:buNone/>
+              <a:tabLst/>
+              <a:defRPr/>
+            </a:pPr>
+            <a:r>
+              <a:rPr kumimoji="0" lang="fr-FR" sz="1800" b="0" i="0" u="none" strike="noStrike" kern="1200" cap="none" spc="0" normalizeH="0" baseline="0" noProof="0" dirty="0">
+                <a:ln>
+                  <a:noFill/>
+                </a:ln>
+                <a:solidFill>
+                  <a:prstClr val="black"/>
+                </a:solidFill>
+                <a:effectLst/>
+                <a:uLnTx/>
+                <a:uFillTx/>
+                <a:latin typeface="Calibri" panose="020F0502020204030204"/>
+                <a:ea typeface="+mn-ea"/>
+                <a:cs typeface="+mn-cs"/>
+              </a:rPr>
+              <a:t>Pulsation tous les 0,2mm d’eau</a:t>
+            </a:r>
+          </a:p>
+        </p:txBody>
+      </p:sp>
+      <p:sp>
+        <p:nvSpPr>
+          <p:cNvPr id="6" name="ZoneTexte 5">
+            <a:extLst>
+              <a:ext uri="{FF2B5EF4-FFF2-40B4-BE49-F238E27FC236}">
+                <a16:creationId xmlns:a16="http://schemas.microsoft.com/office/drawing/2014/main" id="{7E83B889-DF63-4B4C-A6D7-7A1F026B19F2}"/>
+              </a:ext>
+            </a:extLst>
+          </p:cNvPr>
+          <p:cNvSpPr txBox="1"/>
+          <p:nvPr/>
+        </p:nvSpPr>
+        <p:spPr>
+          <a:xfrm>
+            <a:off x="2483141" y="4401128"/>
+            <a:ext cx="3589425" cy="1754326"/>
+          </a:xfrm>
+          <a:prstGeom prst="rect">
+            <a:avLst/>
+          </a:prstGeom>
+          <a:noFill/>
+        </p:spPr>
+        <p:txBody>
+          <a:bodyPr wrap="square" rtlCol="0">
+            <a:spAutoFit/>
+          </a:bodyPr>
+          <a:lstStyle/>
+          <a:p>
+            <a:pPr marL="0" marR="0" lvl="0" indent="0" algn="l" defTabSz="914400" rtl="0" eaLnBrk="1" fontAlgn="auto" latinLnBrk="0" hangingPunct="1">
+              <a:lnSpc>
+                <a:spcPct val="100000"/>
+              </a:lnSpc>
+              <a:spcBef>
+                <a:spcPts val="0"/>
+              </a:spcBef>
+              <a:spcAft>
+                <a:spcPts val="0"/>
+              </a:spcAft>
+              <a:buClrTx/>
+              <a:buSzTx/>
+              <a:buFontTx/>
+              <a:buNone/>
+              <a:tabLst/>
+              <a:defRPr/>
+            </a:pPr>
+            <a:r>
+              <a:rPr kumimoji="0" lang="fr-FR" sz="1800" b="0" i="0" u="none" strike="noStrike" kern="1200" cap="none" spc="0" normalizeH="0" baseline="0" noProof="0" dirty="0">
+                <a:ln>
+                  <a:noFill/>
+                </a:ln>
+                <a:solidFill>
+                  <a:prstClr val="black"/>
+                </a:solidFill>
+                <a:effectLst/>
+                <a:uLnTx/>
+                <a:uFillTx/>
+                <a:latin typeface="Calibri" panose="020F0502020204030204"/>
+                <a:ea typeface="+mn-ea"/>
+                <a:cs typeface="+mn-cs"/>
+              </a:rPr>
+              <a:t>Vitesse : 1km/h = 1600 tours par heure</a:t>
+            </a:r>
+          </a:p>
+          <a:p>
+            <a:pPr marL="0" marR="0" lvl="0" indent="0" algn="l" defTabSz="914400" rtl="0" eaLnBrk="1" fontAlgn="auto" latinLnBrk="0" hangingPunct="1">
+              <a:lnSpc>
+                <a:spcPct val="100000"/>
+              </a:lnSpc>
+              <a:spcBef>
+                <a:spcPts val="0"/>
+              </a:spcBef>
+              <a:spcAft>
+                <a:spcPts val="0"/>
+              </a:spcAft>
+              <a:buClrTx/>
+              <a:buSzTx/>
+              <a:buFontTx/>
+              <a:buNone/>
+              <a:tabLst/>
+              <a:defRPr/>
+            </a:pPr>
+            <a:endParaRPr kumimoji="0" lang="fr-FR" sz="1800" b="0" i="0" u="none" strike="noStrike" kern="1200" cap="none" spc="0" normalizeH="0" baseline="0" noProof="0" dirty="0">
+              <a:ln>
+                <a:noFill/>
+              </a:ln>
+              <a:solidFill>
+                <a:prstClr val="black"/>
+              </a:solidFill>
+              <a:effectLst/>
+              <a:uLnTx/>
+              <a:uFillTx/>
+              <a:latin typeface="Calibri" panose="020F0502020204030204"/>
+              <a:ea typeface="+mn-ea"/>
+              <a:cs typeface="+mn-cs"/>
+            </a:endParaRPr>
+          </a:p>
+          <a:p>
+            <a:pPr marL="0" marR="0" lvl="0" indent="0" algn="l" defTabSz="914400" rtl="0" eaLnBrk="1" fontAlgn="auto" latinLnBrk="0" hangingPunct="1">
+              <a:lnSpc>
+                <a:spcPct val="100000"/>
+              </a:lnSpc>
+              <a:spcBef>
+                <a:spcPts val="0"/>
+              </a:spcBef>
+              <a:spcAft>
+                <a:spcPts val="0"/>
+              </a:spcAft>
+              <a:buClrTx/>
+              <a:buSzTx/>
+              <a:buFontTx/>
+              <a:buNone/>
+              <a:tabLst/>
+              <a:defRPr/>
+            </a:pPr>
+            <a:r>
+              <a:rPr kumimoji="0" lang="fr-FR" sz="1800" b="0" i="0" u="none" strike="noStrike" kern="1200" cap="none" spc="0" normalizeH="0" baseline="0" noProof="0" dirty="0">
+                <a:ln>
+                  <a:noFill/>
+                </a:ln>
+                <a:solidFill>
+                  <a:prstClr val="black"/>
+                </a:solidFill>
+                <a:effectLst/>
+                <a:uLnTx/>
+                <a:uFillTx/>
+                <a:latin typeface="Calibri" panose="020F0502020204030204"/>
+                <a:ea typeface="+mn-ea"/>
+                <a:cs typeface="+mn-cs"/>
+              </a:rPr>
+              <a:t>Direction : utilisation du bus CAN pour convertir la tension en code puis en direction</a:t>
+            </a:r>
+          </a:p>
+        </p:txBody>
+      </p:sp>
+      <p:sp>
+        <p:nvSpPr>
+          <p:cNvPr id="7" name="ZoneTexte 6">
+            <a:extLst>
+              <a:ext uri="{FF2B5EF4-FFF2-40B4-BE49-F238E27FC236}">
+                <a16:creationId xmlns:a16="http://schemas.microsoft.com/office/drawing/2014/main" id="{4ED520D9-CAD2-4881-B369-D691693E0F68}"/>
+              </a:ext>
+            </a:extLst>
+          </p:cNvPr>
+          <p:cNvSpPr txBox="1"/>
+          <p:nvPr/>
+        </p:nvSpPr>
+        <p:spPr>
+          <a:xfrm>
+            <a:off x="7343741" y="1551166"/>
+            <a:ext cx="4372009" cy="646331"/>
+          </a:xfrm>
+          <a:prstGeom prst="rect">
+            <a:avLst/>
+          </a:prstGeom>
+          <a:noFill/>
+        </p:spPr>
+        <p:txBody>
+          <a:bodyPr wrap="square" rtlCol="0">
+            <a:spAutoFit/>
+          </a:bodyPr>
+          <a:lstStyle/>
+          <a:p>
+            <a:pPr marL="0" marR="0" lvl="0" indent="0" algn="l" defTabSz="914400" rtl="0" eaLnBrk="1" fontAlgn="auto" latinLnBrk="0" hangingPunct="1">
+              <a:lnSpc>
+                <a:spcPct val="100000"/>
+              </a:lnSpc>
+              <a:spcBef>
+                <a:spcPts val="0"/>
+              </a:spcBef>
+              <a:spcAft>
+                <a:spcPts val="0"/>
+              </a:spcAft>
+              <a:buClrTx/>
+              <a:buSzTx/>
+              <a:buFontTx/>
+              <a:buNone/>
+              <a:tabLst/>
+              <a:defRPr/>
+            </a:pPr>
+            <a:r>
+              <a:rPr kumimoji="0" lang="fr-FR" sz="1800" b="0" i="0" u="none" strike="noStrike" kern="1200" cap="none" spc="0" normalizeH="0" baseline="0" noProof="0" dirty="0">
+                <a:ln>
+                  <a:noFill/>
+                </a:ln>
+                <a:solidFill>
+                  <a:prstClr val="black"/>
+                </a:solidFill>
+                <a:effectLst/>
+                <a:uLnTx/>
+                <a:uFillTx/>
+                <a:latin typeface="Calibri" panose="020F0502020204030204"/>
+                <a:ea typeface="+mn-ea"/>
+                <a:cs typeface="+mn-cs"/>
+              </a:rPr>
+              <a:t>Utilisation des ports analogiques et digitaux pour connecter les différents capteurs</a:t>
+            </a:r>
+          </a:p>
+        </p:txBody>
+      </p:sp>
+      <p:sp>
+        <p:nvSpPr>
+          <p:cNvPr id="9" name="ZoneTexte 8">
+            <a:extLst>
+              <a:ext uri="{FF2B5EF4-FFF2-40B4-BE49-F238E27FC236}">
+                <a16:creationId xmlns:a16="http://schemas.microsoft.com/office/drawing/2014/main" id="{DA4EBD6C-A43E-4361-8AA6-C03894AB84A7}"/>
+              </a:ext>
+            </a:extLst>
+          </p:cNvPr>
+          <p:cNvSpPr txBox="1"/>
+          <p:nvPr/>
+        </p:nvSpPr>
+        <p:spPr>
+          <a:xfrm>
+            <a:off x="7379275" y="3063618"/>
+            <a:ext cx="4391060" cy="646331"/>
+          </a:xfrm>
+          <a:prstGeom prst="rect">
+            <a:avLst/>
+          </a:prstGeom>
+          <a:noFill/>
+        </p:spPr>
+        <p:txBody>
+          <a:bodyPr wrap="square" rtlCol="0">
+            <a:spAutoFit/>
+          </a:bodyPr>
+          <a:lstStyle/>
+          <a:p>
+            <a:pPr marL="0" marR="0" lvl="0" indent="0" algn="l" defTabSz="914400" rtl="0" eaLnBrk="1" fontAlgn="auto" latinLnBrk="0" hangingPunct="1">
+              <a:lnSpc>
+                <a:spcPct val="100000"/>
+              </a:lnSpc>
+              <a:spcBef>
+                <a:spcPts val="0"/>
+              </a:spcBef>
+              <a:spcAft>
+                <a:spcPts val="0"/>
+              </a:spcAft>
+              <a:buClrTx/>
+              <a:buSzTx/>
+              <a:buFontTx/>
+              <a:buNone/>
+              <a:tabLst/>
+              <a:defRPr/>
+            </a:pPr>
+            <a:r>
+              <a:rPr kumimoji="0" lang="fr-FR" sz="1800" b="0" i="0" u="none" strike="noStrike" kern="1200" cap="none" spc="0" normalizeH="0" baseline="0" noProof="0" dirty="0">
+                <a:ln>
+                  <a:noFill/>
+                </a:ln>
+                <a:solidFill>
+                  <a:prstClr val="black"/>
+                </a:solidFill>
+                <a:effectLst/>
+                <a:uLnTx/>
+                <a:uFillTx/>
+                <a:latin typeface="Calibri" panose="020F0502020204030204"/>
+                <a:ea typeface="+mn-ea"/>
+                <a:cs typeface="+mn-cs"/>
+              </a:rPr>
+              <a:t>Utilisation de la Raspberry pour la connexion a l'Arduino puis a la base de données</a:t>
+            </a:r>
+          </a:p>
+        </p:txBody>
+      </p:sp>
+      <p:pic>
+        <p:nvPicPr>
+          <p:cNvPr id="35" name="Image 34">
+            <a:extLst>
+              <a:ext uri="{FF2B5EF4-FFF2-40B4-BE49-F238E27FC236}">
+                <a16:creationId xmlns:a16="http://schemas.microsoft.com/office/drawing/2014/main" id="{6A1CE2C4-95A0-49AE-86F2-2CDF5D1FD271}"/>
+              </a:ext>
+            </a:extLst>
+          </p:cNvPr>
+          <p:cNvPicPr>
+            <a:picLocks noChangeAspect="1"/>
+          </p:cNvPicPr>
+          <p:nvPr/>
+        </p:nvPicPr>
+        <p:blipFill>
+          <a:blip r:embed="rId9">
+            <a:extLst>
+              <a:ext uri="{28A0092B-C50C-407E-A947-70E740481C1C}">
+                <a14:useLocalDpi xmlns:a14="http://schemas.microsoft.com/office/drawing/2010/main" val="0"/>
+              </a:ext>
+            </a:extLst>
+          </a:blip>
+          <a:stretch>
+            <a:fillRect/>
+          </a:stretch>
+        </p:blipFill>
+        <p:spPr>
+          <a:xfrm>
+            <a:off x="1579250" y="5447872"/>
+            <a:ext cx="650296" cy="650296"/>
+          </a:xfrm>
+          <a:prstGeom prst="rect">
+            <a:avLst/>
+          </a:prstGeom>
+        </p:spPr>
+      </p:pic>
+      <p:pic>
+        <p:nvPicPr>
+          <p:cNvPr id="36" name="Image 35">
+            <a:extLst>
+              <a:ext uri="{FF2B5EF4-FFF2-40B4-BE49-F238E27FC236}">
+                <a16:creationId xmlns:a16="http://schemas.microsoft.com/office/drawing/2014/main" id="{DE5B6D72-9D52-4068-9B4C-E67F54E7F138}"/>
+              </a:ext>
+            </a:extLst>
+          </p:cNvPr>
+          <p:cNvPicPr>
+            <a:picLocks noChangeAspect="1"/>
+          </p:cNvPicPr>
+          <p:nvPr/>
+        </p:nvPicPr>
+        <p:blipFill>
+          <a:blip r:embed="rId10">
+            <a:extLst>
+              <a:ext uri="{28A0092B-C50C-407E-A947-70E740481C1C}">
+                <a14:useLocalDpi xmlns:a14="http://schemas.microsoft.com/office/drawing/2010/main" val="0"/>
+              </a:ext>
+            </a:extLst>
+          </a:blip>
+          <a:stretch>
+            <a:fillRect/>
+          </a:stretch>
+        </p:blipFill>
+        <p:spPr>
+          <a:xfrm>
+            <a:off x="1493656" y="4171501"/>
+            <a:ext cx="924460" cy="1003812"/>
+          </a:xfrm>
+          <a:prstGeom prst="rect">
+            <a:avLst/>
+          </a:prstGeom>
+        </p:spPr>
+      </p:pic>
+    </p:spTree>
+    <p:extLst>
+      <p:ext uri="{BB962C8B-B14F-4D97-AF65-F5344CB8AC3E}">
+        <p14:creationId xmlns:p14="http://schemas.microsoft.com/office/powerpoint/2010/main" val="4183481209"/>
+      </p:ext>
+    </p:extLst>
+  </p:cSld>
+  <p:clrMapOvr>
+    <a:masterClrMapping/>
+  </p:clrMapOvr>
+  <mc:AlternateContent xmlns:mc="http://schemas.openxmlformats.org/markup-compatibility/2006" xmlns:p14="http://schemas.microsoft.com/office/powerpoint/2010/main">
+    <mc:Choice Requires="p14">
+      <p:transition spd="slow">
+        <p14:reveal/>
+      </p:transition>
+    </mc:Choice>
+    <mc:Fallback xmlns="">
+      <p:transition spd="slow">
+        <p:fade/>
+      </p:transition>
+    </mc:Fallback>
+  </mc:AlternateContent>
+  <p:timing>
+    <p:tnLst>
+      <p:par>
+        <p:cTn id="1" dur="indefinite" restart="never" nodeType="tmRoot">
+          <p:childTnLst>
+            <p:seq concurrent="1" nextAc="seek">
+              <p:cTn id="2" dur="indefinite" nodeType="mainSeq">
+                <p:childTnLst>
+                  <p:par>
+                    <p:cTn id="3" fill="hold">
+                      <p:stCondLst>
+                        <p:cond delay="indefinite"/>
+                      </p:stCondLst>
+                      <p:childTnLst>
+                        <p:par>
+                          <p:cTn id="4" fill="hold">
+                            <p:stCondLst>
+                              <p:cond delay="0"/>
+                            </p:stCondLst>
+                            <p:childTnLst>
+                              <p:par>
+                                <p:cTn id="5" presetID="42" presetClass="entr" presetSubtype="0" fill="hold" nodeType="clickEffect">
+                                  <p:stCondLst>
+                                    <p:cond delay="0"/>
+                                  </p:stCondLst>
+                                  <p:childTnLst>
+                                    <p:set>
+                                      <p:cBhvr>
+                                        <p:cTn id="6" dur="1" fill="hold">
+                                          <p:stCondLst>
+                                            <p:cond delay="0"/>
+                                          </p:stCondLst>
+                                        </p:cTn>
+                                        <p:tgtEl>
+                                          <p:spTgt spid="24"/>
+                                        </p:tgtEl>
+                                        <p:attrNameLst>
+                                          <p:attrName>style.visibility</p:attrName>
+                                        </p:attrNameLst>
+                                      </p:cBhvr>
+                                      <p:to>
+                                        <p:strVal val="visible"/>
+                                      </p:to>
+                                    </p:set>
+                                    <p:animEffect transition="in" filter="fade">
+                                      <p:cBhvr>
+                                        <p:cTn id="7" dur="1000"/>
+                                        <p:tgtEl>
+                                          <p:spTgt spid="24"/>
+                                        </p:tgtEl>
+                                      </p:cBhvr>
+                                    </p:animEffect>
+                                    <p:anim calcmode="lin" valueType="num">
+                                      <p:cBhvr>
+                                        <p:cTn id="8" dur="1000" fill="hold"/>
+                                        <p:tgtEl>
+                                          <p:spTgt spid="24"/>
+                                        </p:tgtEl>
+                                        <p:attrNameLst>
+                                          <p:attrName>ppt_x</p:attrName>
+                                        </p:attrNameLst>
+                                      </p:cBhvr>
+                                      <p:tavLst>
+                                        <p:tav tm="0">
+                                          <p:val>
+                                            <p:strVal val="#ppt_x"/>
+                                          </p:val>
+                                        </p:tav>
+                                        <p:tav tm="100000">
+                                          <p:val>
+                                            <p:strVal val="#ppt_x"/>
+                                          </p:val>
+                                        </p:tav>
+                                      </p:tavLst>
+                                    </p:anim>
+                                    <p:anim calcmode="lin" valueType="num">
+                                      <p:cBhvr>
+                                        <p:cTn id="9" dur="1000" fill="hold"/>
+                                        <p:tgtEl>
+                                          <p:spTgt spid="24"/>
+                                        </p:tgtEl>
+                                        <p:attrNameLst>
+                                          <p:attrName>ppt_y</p:attrName>
+                                        </p:attrNameLst>
+                                      </p:cBhvr>
+                                      <p:tavLst>
+                                        <p:tav tm="0">
+                                          <p:val>
+                                            <p:strVal val="#ppt_y+.1"/>
+                                          </p:val>
+                                        </p:tav>
+                                        <p:tav tm="100000">
+                                          <p:val>
+                                            <p:strVal val="#ppt_y"/>
+                                          </p:val>
+                                        </p:tav>
+                                      </p:tavLst>
+                                    </p:anim>
+                                  </p:childTnLst>
+                                </p:cTn>
+                              </p:par>
+                              <p:par>
+                                <p:cTn id="10" presetID="42" presetClass="entr" presetSubtype="0" fill="hold" nodeType="withEffect">
+                                  <p:stCondLst>
+                                    <p:cond delay="0"/>
+                                  </p:stCondLst>
+                                  <p:childTnLst>
+                                    <p:set>
+                                      <p:cBhvr>
+                                        <p:cTn id="11" dur="1" fill="hold">
+                                          <p:stCondLst>
+                                            <p:cond delay="0"/>
+                                          </p:stCondLst>
+                                        </p:cTn>
+                                        <p:tgtEl>
+                                          <p:spTgt spid="25"/>
+                                        </p:tgtEl>
+                                        <p:attrNameLst>
+                                          <p:attrName>style.visibility</p:attrName>
+                                        </p:attrNameLst>
+                                      </p:cBhvr>
+                                      <p:to>
+                                        <p:strVal val="visible"/>
+                                      </p:to>
+                                    </p:set>
+                                    <p:animEffect transition="in" filter="fade">
+                                      <p:cBhvr>
+                                        <p:cTn id="12" dur="1000"/>
+                                        <p:tgtEl>
+                                          <p:spTgt spid="25"/>
+                                        </p:tgtEl>
+                                      </p:cBhvr>
+                                    </p:animEffect>
+                                    <p:anim calcmode="lin" valueType="num">
+                                      <p:cBhvr>
+                                        <p:cTn id="13" dur="1000" fill="hold"/>
+                                        <p:tgtEl>
+                                          <p:spTgt spid="25"/>
+                                        </p:tgtEl>
+                                        <p:attrNameLst>
+                                          <p:attrName>ppt_x</p:attrName>
+                                        </p:attrNameLst>
+                                      </p:cBhvr>
+                                      <p:tavLst>
+                                        <p:tav tm="0">
+                                          <p:val>
+                                            <p:strVal val="#ppt_x"/>
+                                          </p:val>
+                                        </p:tav>
+                                        <p:tav tm="100000">
+                                          <p:val>
+                                            <p:strVal val="#ppt_x"/>
+                                          </p:val>
+                                        </p:tav>
+                                      </p:tavLst>
+                                    </p:anim>
+                                    <p:anim calcmode="lin" valueType="num">
+                                      <p:cBhvr>
+                                        <p:cTn id="14" dur="1000" fill="hold"/>
+                                        <p:tgtEl>
+                                          <p:spTgt spid="25"/>
+                                        </p:tgtEl>
+                                        <p:attrNameLst>
+                                          <p:attrName>ppt_y</p:attrName>
+                                        </p:attrNameLst>
+                                      </p:cBhvr>
+                                      <p:tavLst>
+                                        <p:tav tm="0">
+                                          <p:val>
+                                            <p:strVal val="#ppt_y+.1"/>
+                                          </p:val>
+                                        </p:tav>
+                                        <p:tav tm="100000">
+                                          <p:val>
+                                            <p:strVal val="#ppt_y"/>
+                                          </p:val>
+                                        </p:tav>
+                                      </p:tavLst>
+                                    </p:anim>
+                                  </p:childTnLst>
+                                </p:cTn>
+                              </p:par>
+                              <p:par>
+                                <p:cTn id="15" presetID="42" presetClass="entr" presetSubtype="0" fill="hold" nodeType="withEffect">
+                                  <p:stCondLst>
+                                    <p:cond delay="0"/>
+                                  </p:stCondLst>
+                                  <p:childTnLst>
+                                    <p:set>
+                                      <p:cBhvr>
+                                        <p:cTn id="16" dur="1" fill="hold">
+                                          <p:stCondLst>
+                                            <p:cond delay="0"/>
+                                          </p:stCondLst>
+                                        </p:cTn>
+                                        <p:tgtEl>
+                                          <p:spTgt spid="28"/>
+                                        </p:tgtEl>
+                                        <p:attrNameLst>
+                                          <p:attrName>style.visibility</p:attrName>
+                                        </p:attrNameLst>
+                                      </p:cBhvr>
+                                      <p:to>
+                                        <p:strVal val="visible"/>
+                                      </p:to>
+                                    </p:set>
+                                    <p:animEffect transition="in" filter="fade">
+                                      <p:cBhvr>
+                                        <p:cTn id="17" dur="1000"/>
+                                        <p:tgtEl>
+                                          <p:spTgt spid="28"/>
+                                        </p:tgtEl>
+                                      </p:cBhvr>
+                                    </p:animEffect>
+                                    <p:anim calcmode="lin" valueType="num">
+                                      <p:cBhvr>
+                                        <p:cTn id="18" dur="1000" fill="hold"/>
+                                        <p:tgtEl>
+                                          <p:spTgt spid="28"/>
+                                        </p:tgtEl>
+                                        <p:attrNameLst>
+                                          <p:attrName>ppt_x</p:attrName>
+                                        </p:attrNameLst>
+                                      </p:cBhvr>
+                                      <p:tavLst>
+                                        <p:tav tm="0">
+                                          <p:val>
+                                            <p:strVal val="#ppt_x"/>
+                                          </p:val>
+                                        </p:tav>
+                                        <p:tav tm="100000">
+                                          <p:val>
+                                            <p:strVal val="#ppt_x"/>
+                                          </p:val>
+                                        </p:tav>
+                                      </p:tavLst>
+                                    </p:anim>
+                                    <p:anim calcmode="lin" valueType="num">
+                                      <p:cBhvr>
+                                        <p:cTn id="19" dur="1000" fill="hold"/>
+                                        <p:tgtEl>
+                                          <p:spTgt spid="28"/>
+                                        </p:tgtEl>
+                                        <p:attrNameLst>
+                                          <p:attrName>ppt_y</p:attrName>
+                                        </p:attrNameLst>
+                                      </p:cBhvr>
+                                      <p:tavLst>
+                                        <p:tav tm="0">
+                                          <p:val>
+                                            <p:strVal val="#ppt_y+.1"/>
+                                          </p:val>
+                                        </p:tav>
+                                        <p:tav tm="100000">
+                                          <p:val>
+                                            <p:strVal val="#ppt_y"/>
+                                          </p:val>
+                                        </p:tav>
+                                      </p:tavLst>
+                                    </p:anim>
+                                  </p:childTnLst>
+                                </p:cTn>
+                              </p:par>
+                              <p:par>
+                                <p:cTn id="20" presetID="42" presetClass="entr" presetSubtype="0" fill="hold" nodeType="withEffect">
+                                  <p:stCondLst>
+                                    <p:cond delay="0"/>
+                                  </p:stCondLst>
+                                  <p:childTnLst>
+                                    <p:set>
+                                      <p:cBhvr>
+                                        <p:cTn id="21" dur="1" fill="hold">
+                                          <p:stCondLst>
+                                            <p:cond delay="0"/>
+                                          </p:stCondLst>
+                                        </p:cTn>
+                                        <p:tgtEl>
+                                          <p:spTgt spid="29"/>
+                                        </p:tgtEl>
+                                        <p:attrNameLst>
+                                          <p:attrName>style.visibility</p:attrName>
+                                        </p:attrNameLst>
+                                      </p:cBhvr>
+                                      <p:to>
+                                        <p:strVal val="visible"/>
+                                      </p:to>
+                                    </p:set>
+                                    <p:animEffect transition="in" filter="fade">
+                                      <p:cBhvr>
+                                        <p:cTn id="22" dur="1000"/>
+                                        <p:tgtEl>
+                                          <p:spTgt spid="29"/>
+                                        </p:tgtEl>
+                                      </p:cBhvr>
+                                    </p:animEffect>
+                                    <p:anim calcmode="lin" valueType="num">
+                                      <p:cBhvr>
+                                        <p:cTn id="23" dur="1000" fill="hold"/>
+                                        <p:tgtEl>
+                                          <p:spTgt spid="29"/>
+                                        </p:tgtEl>
+                                        <p:attrNameLst>
+                                          <p:attrName>ppt_x</p:attrName>
+                                        </p:attrNameLst>
+                                      </p:cBhvr>
+                                      <p:tavLst>
+                                        <p:tav tm="0">
+                                          <p:val>
+                                            <p:strVal val="#ppt_x"/>
+                                          </p:val>
+                                        </p:tav>
+                                        <p:tav tm="100000">
+                                          <p:val>
+                                            <p:strVal val="#ppt_x"/>
+                                          </p:val>
+                                        </p:tav>
+                                      </p:tavLst>
+                                    </p:anim>
+                                    <p:anim calcmode="lin" valueType="num">
+                                      <p:cBhvr>
+                                        <p:cTn id="24" dur="1000" fill="hold"/>
+                                        <p:tgtEl>
+                                          <p:spTgt spid="29"/>
+                                        </p:tgtEl>
+                                        <p:attrNameLst>
+                                          <p:attrName>ppt_y</p:attrName>
+                                        </p:attrNameLst>
+                                      </p:cBhvr>
+                                      <p:tavLst>
+                                        <p:tav tm="0">
+                                          <p:val>
+                                            <p:strVal val="#ppt_y+.1"/>
+                                          </p:val>
+                                        </p:tav>
+                                        <p:tav tm="100000">
+                                          <p:val>
+                                            <p:strVal val="#ppt_y"/>
+                                          </p:val>
+                                        </p:tav>
+                                      </p:tavLst>
+                                    </p:anim>
+                                  </p:childTnLst>
+                                </p:cTn>
+                              </p:par>
+                              <p:par>
+                                <p:cTn id="25" presetID="42" presetClass="entr" presetSubtype="0" fill="hold" nodeType="withEffect">
+                                  <p:stCondLst>
+                                    <p:cond delay="0"/>
+                                  </p:stCondLst>
+                                  <p:childTnLst>
+                                    <p:set>
+                                      <p:cBhvr>
+                                        <p:cTn id="26" dur="1" fill="hold">
+                                          <p:stCondLst>
+                                            <p:cond delay="0"/>
+                                          </p:stCondLst>
+                                        </p:cTn>
+                                        <p:tgtEl>
+                                          <p:spTgt spid="36"/>
+                                        </p:tgtEl>
+                                        <p:attrNameLst>
+                                          <p:attrName>style.visibility</p:attrName>
+                                        </p:attrNameLst>
+                                      </p:cBhvr>
+                                      <p:to>
+                                        <p:strVal val="visible"/>
+                                      </p:to>
+                                    </p:set>
+                                    <p:animEffect transition="in" filter="fade">
+                                      <p:cBhvr>
+                                        <p:cTn id="27" dur="1000"/>
+                                        <p:tgtEl>
+                                          <p:spTgt spid="36"/>
+                                        </p:tgtEl>
+                                      </p:cBhvr>
+                                    </p:animEffect>
+                                    <p:anim calcmode="lin" valueType="num">
+                                      <p:cBhvr>
+                                        <p:cTn id="28" dur="1000" fill="hold"/>
+                                        <p:tgtEl>
+                                          <p:spTgt spid="36"/>
+                                        </p:tgtEl>
+                                        <p:attrNameLst>
+                                          <p:attrName>ppt_x</p:attrName>
+                                        </p:attrNameLst>
+                                      </p:cBhvr>
+                                      <p:tavLst>
+                                        <p:tav tm="0">
+                                          <p:val>
+                                            <p:strVal val="#ppt_x"/>
+                                          </p:val>
+                                        </p:tav>
+                                        <p:tav tm="100000">
+                                          <p:val>
+                                            <p:strVal val="#ppt_x"/>
+                                          </p:val>
+                                        </p:tav>
+                                      </p:tavLst>
+                                    </p:anim>
+                                    <p:anim calcmode="lin" valueType="num">
+                                      <p:cBhvr>
+                                        <p:cTn id="29" dur="1000" fill="hold"/>
+                                        <p:tgtEl>
+                                          <p:spTgt spid="36"/>
+                                        </p:tgtEl>
+                                        <p:attrNameLst>
+                                          <p:attrName>ppt_y</p:attrName>
+                                        </p:attrNameLst>
+                                      </p:cBhvr>
+                                      <p:tavLst>
+                                        <p:tav tm="0">
+                                          <p:val>
+                                            <p:strVal val="#ppt_y+.1"/>
+                                          </p:val>
+                                        </p:tav>
+                                        <p:tav tm="100000">
+                                          <p:val>
+                                            <p:strVal val="#ppt_y"/>
+                                          </p:val>
+                                        </p:tav>
+                                      </p:tavLst>
+                                    </p:anim>
+                                  </p:childTnLst>
+                                </p:cTn>
+                              </p:par>
+                              <p:par>
+                                <p:cTn id="30" presetID="42" presetClass="entr" presetSubtype="0" fill="hold" nodeType="withEffect">
+                                  <p:stCondLst>
+                                    <p:cond delay="0"/>
+                                  </p:stCondLst>
+                                  <p:childTnLst>
+                                    <p:set>
+                                      <p:cBhvr>
+                                        <p:cTn id="31" dur="1" fill="hold">
+                                          <p:stCondLst>
+                                            <p:cond delay="0"/>
+                                          </p:stCondLst>
+                                        </p:cTn>
+                                        <p:tgtEl>
+                                          <p:spTgt spid="35"/>
+                                        </p:tgtEl>
+                                        <p:attrNameLst>
+                                          <p:attrName>style.visibility</p:attrName>
+                                        </p:attrNameLst>
+                                      </p:cBhvr>
+                                      <p:to>
+                                        <p:strVal val="visible"/>
+                                      </p:to>
+                                    </p:set>
+                                    <p:animEffect transition="in" filter="fade">
+                                      <p:cBhvr>
+                                        <p:cTn id="32" dur="1000"/>
+                                        <p:tgtEl>
+                                          <p:spTgt spid="35"/>
+                                        </p:tgtEl>
+                                      </p:cBhvr>
+                                    </p:animEffect>
+                                    <p:anim calcmode="lin" valueType="num">
+                                      <p:cBhvr>
+                                        <p:cTn id="33" dur="1000" fill="hold"/>
+                                        <p:tgtEl>
+                                          <p:spTgt spid="35"/>
+                                        </p:tgtEl>
+                                        <p:attrNameLst>
+                                          <p:attrName>ppt_x</p:attrName>
+                                        </p:attrNameLst>
+                                      </p:cBhvr>
+                                      <p:tavLst>
+                                        <p:tav tm="0">
+                                          <p:val>
+                                            <p:strVal val="#ppt_x"/>
+                                          </p:val>
+                                        </p:tav>
+                                        <p:tav tm="100000">
+                                          <p:val>
+                                            <p:strVal val="#ppt_x"/>
+                                          </p:val>
+                                        </p:tav>
+                                      </p:tavLst>
+                                    </p:anim>
+                                    <p:anim calcmode="lin" valueType="num">
+                                      <p:cBhvr>
+                                        <p:cTn id="34" dur="1000" fill="hold"/>
+                                        <p:tgtEl>
+                                          <p:spTgt spid="35"/>
+                                        </p:tgtEl>
+                                        <p:attrNameLst>
+                                          <p:attrName>ppt_y</p:attrName>
+                                        </p:attrNameLst>
+                                      </p:cBhvr>
+                                      <p:tavLst>
+                                        <p:tav tm="0">
+                                          <p:val>
+                                            <p:strVal val="#ppt_y+.1"/>
+                                          </p:val>
+                                        </p:tav>
+                                        <p:tav tm="100000">
+                                          <p:val>
+                                            <p:strVal val="#ppt_y"/>
+                                          </p:val>
+                                        </p:tav>
+                                      </p:tavLst>
+                                    </p:anim>
+                                  </p:childTnLst>
+                                </p:cTn>
+                              </p:par>
+                              <p:par>
+                                <p:cTn id="35" presetID="42" presetClass="entr" presetSubtype="0" fill="hold" nodeType="withEffect">
+                                  <p:stCondLst>
+                                    <p:cond delay="0"/>
+                                  </p:stCondLst>
+                                  <p:childTnLst>
+                                    <p:set>
+                                      <p:cBhvr>
+                                        <p:cTn id="36" dur="1" fill="hold">
+                                          <p:stCondLst>
+                                            <p:cond delay="0"/>
+                                          </p:stCondLst>
+                                        </p:cTn>
+                                        <p:tgtEl>
+                                          <p:spTgt spid="4"/>
+                                        </p:tgtEl>
+                                        <p:attrNameLst>
+                                          <p:attrName>style.visibility</p:attrName>
+                                        </p:attrNameLst>
+                                      </p:cBhvr>
+                                      <p:to>
+                                        <p:strVal val="visible"/>
+                                      </p:to>
+                                    </p:set>
+                                    <p:animEffect transition="in" filter="fade">
+                                      <p:cBhvr>
+                                        <p:cTn id="37" dur="1000"/>
+                                        <p:tgtEl>
+                                          <p:spTgt spid="4"/>
+                                        </p:tgtEl>
+                                      </p:cBhvr>
+                                    </p:animEffect>
+                                    <p:anim calcmode="lin" valueType="num">
+                                      <p:cBhvr>
+                                        <p:cTn id="38" dur="1000" fill="hold"/>
+                                        <p:tgtEl>
+                                          <p:spTgt spid="4"/>
+                                        </p:tgtEl>
+                                        <p:attrNameLst>
+                                          <p:attrName>ppt_x</p:attrName>
+                                        </p:attrNameLst>
+                                      </p:cBhvr>
+                                      <p:tavLst>
+                                        <p:tav tm="0">
+                                          <p:val>
+                                            <p:strVal val="#ppt_x"/>
+                                          </p:val>
+                                        </p:tav>
+                                        <p:tav tm="100000">
+                                          <p:val>
+                                            <p:strVal val="#ppt_x"/>
+                                          </p:val>
+                                        </p:tav>
+                                      </p:tavLst>
+                                    </p:anim>
+                                    <p:anim calcmode="lin" valueType="num">
+                                      <p:cBhvr>
+                                        <p:cTn id="39" dur="1000" fill="hold"/>
+                                        <p:tgtEl>
+                                          <p:spTgt spid="4"/>
+                                        </p:tgtEl>
+                                        <p:attrNameLst>
+                                          <p:attrName>ppt_y</p:attrName>
+                                        </p:attrNameLst>
+                                      </p:cBhvr>
+                                      <p:tavLst>
+                                        <p:tav tm="0">
+                                          <p:val>
+                                            <p:strVal val="#ppt_y+.1"/>
+                                          </p:val>
+                                        </p:tav>
+                                        <p:tav tm="100000">
+                                          <p:val>
+                                            <p:strVal val="#ppt_y"/>
+                                          </p:val>
+                                        </p:tav>
+                                      </p:tavLst>
+                                    </p:anim>
+                                  </p:childTnLst>
+                                </p:cTn>
+                              </p:par>
+                            </p:childTnLst>
+                          </p:cTn>
+                        </p:par>
+                      </p:childTnLst>
+                    </p:cTn>
+                  </p:par>
+                </p:childTnLst>
+              </p:cTn>
+              <p:prevCondLst>
+                <p:cond evt="onPrev" delay="0">
+                  <p:tgtEl>
+                    <p:sldTgt/>
+                  </p:tgtEl>
+                </p:cond>
+              </p:prevCondLst>
+              <p:nextCondLst>
+                <p:cond evt="onNext" delay="0">
+                  <p:tgtEl>
+                    <p:sldTgt/>
+                  </p:tgtEl>
+                </p:cond>
+              </p:nextCondLst>
+            </p:seq>
+          </p:childTnLst>
+        </p:cTn>
+      </p:par>
+    </p:tnLst>
+  </p:timing>
+</p:sld>
+</file>
+
 <file path=ppt/slides/slide9.xml><?xml version="1.0" encoding="utf-8"?>
 <p:sld xmlns:a="http://schemas.openxmlformats.org/drawingml/2006/main" xmlns:r="http://schemas.openxmlformats.org/officeDocument/2006/relationships" xmlns:p="http://schemas.openxmlformats.org/presentationml/2006/main">
   <p:cSld>
@@ -16408,7 +19457,7 @@
           <p:cNvPr id="2" name="ZoneTexte 1">
             <a:extLst>
               <a:ext uri="{FF2B5EF4-FFF2-40B4-BE49-F238E27FC236}">
-                <a16:creationId xmlns:a16="http://schemas.microsoft.com/office/drawing/2014/main" id="{27396238-7A76-4B8F-981D-280A71EC12F4}"/>
+                <a16:creationId xmlns:a16="http://schemas.microsoft.com/office/drawing/2014/main" id="{019E5183-3507-4DC9-B021-75F1BA1CA190}"/>
               </a:ext>
             </a:extLst>
           </p:cNvPr>
@@ -16417,8 +19466,8 @@
         </p:nvSpPr>
         <p:spPr>
           <a:xfrm>
-            <a:off x="2941888" y="518915"/>
-            <a:ext cx="6281999" cy="769441"/>
+            <a:off x="2845504" y="473648"/>
+            <a:ext cx="6284917" cy="769441"/>
           </a:xfrm>
           <a:prstGeom prst="rect">
             <a:avLst/>
@@ -16431,55 +19480,47 @@
           </a:bodyPr>
           <a:lstStyle/>
           <a:p>
+            <a:pPr marL="0" marR="0" lvl="0" indent="0" algn="ctr" defTabSz="914400" rtl="0" eaLnBrk="1" fontAlgn="auto" latinLnBrk="0" hangingPunct="1">
+              <a:lnSpc>
+                <a:spcPct val="100000"/>
+              </a:lnSpc>
+              <a:spcBef>
+                <a:spcPts val="0"/>
+              </a:spcBef>
+              <a:spcAft>
+                <a:spcPts val="0"/>
+              </a:spcAft>
+              <a:buClrTx/>
+              <a:buSzTx/>
+              <a:buFontTx/>
+              <a:buNone/>
+              <a:tabLst/>
+              <a:defRPr/>
+            </a:pPr>
             <a:r>
-              <a:rPr lang="fr-FR" sz="4400" dirty="0">
+              <a:rPr kumimoji="0" lang="fr-FR" sz="4400" b="0" i="0" u="none" strike="noStrike" kern="1200" cap="none" spc="0" normalizeH="0" baseline="0" noProof="0" dirty="0">
+                <a:ln>
+                  <a:noFill/>
+                </a:ln>
+                <a:solidFill>
+                  <a:prstClr val="black"/>
+                </a:solidFill>
+                <a:effectLst/>
+                <a:uLnTx/>
+                <a:uFillTx/>
                 <a:latin typeface="Berlin Sans FB" panose="020E0602020502020306" pitchFamily="34" charset="0"/>
+                <a:ea typeface="+mn-ea"/>
+                <a:cs typeface="+mn-cs"/>
               </a:rPr>
-              <a:t>Diagramme de bloc</a:t>
+              <a:t>Solutions trouvées</a:t>
             </a:r>
           </a:p>
         </p:txBody>
       </p:sp>
-      <p:pic>
-        <p:nvPicPr>
-          <p:cNvPr id="4" name="Image 3">
-            <a:extLst>
-              <a:ext uri="{FF2B5EF4-FFF2-40B4-BE49-F238E27FC236}">
-                <a16:creationId xmlns:a16="http://schemas.microsoft.com/office/drawing/2014/main" id="{7E60C251-29D0-4848-8D5B-5DB9F0C6EC10}"/>
-              </a:ext>
-            </a:extLst>
-          </p:cNvPr>
-          <p:cNvPicPr>
-            <a:picLocks noChangeAspect="1"/>
-          </p:cNvPicPr>
-          <p:nvPr/>
-        </p:nvPicPr>
-        <p:blipFill>
-          <a:blip r:embed="rId4">
-            <a:extLst>
-              <a:ext uri="{28A0092B-C50C-407E-A947-70E740481C1C}">
-                <a14:useLocalDpi xmlns:a14="http://schemas.microsoft.com/office/drawing/2010/main" val="0"/>
-              </a:ext>
-            </a:extLst>
-          </a:blip>
-          <a:stretch>
-            <a:fillRect/>
-          </a:stretch>
-        </p:blipFill>
-        <p:spPr>
-          <a:xfrm>
-            <a:off x="2216372" y="1342070"/>
-            <a:ext cx="6658935" cy="5269717"/>
-          </a:xfrm>
-          <a:prstGeom prst="rect">
-            <a:avLst/>
-          </a:prstGeom>
-        </p:spPr>
-      </p:pic>
     </p:spTree>
     <p:extLst>
       <p:ext uri="{BB962C8B-B14F-4D97-AF65-F5344CB8AC3E}">
-        <p14:creationId xmlns:p14="http://schemas.microsoft.com/office/powerpoint/2010/main" val="1093378480"/>
+        <p14:creationId xmlns:p14="http://schemas.microsoft.com/office/powerpoint/2010/main" val="1535945310"/>
       </p:ext>
     </p:extLst>
   </p:cSld>

--- a/oral_projet/revue_2/diaporama_revue_2_samuel.pptx
+++ b/oral_projet/revue_2/diaporama_revue_2_samuel.pptx
@@ -11,7 +11,7 @@
     <p:sldId id="256" r:id="rId2"/>
     <p:sldId id="259" r:id="rId3"/>
     <p:sldId id="258" r:id="rId4"/>
-    <p:sldId id="263" r:id="rId5"/>
+    <p:sldId id="276" r:id="rId5"/>
     <p:sldId id="271" r:id="rId6"/>
     <p:sldId id="272" r:id="rId7"/>
     <p:sldId id="270" r:id="rId8"/>
@@ -4997,17 +4997,13 @@
           <a:lstStyle/>
           <a:p>
             <a:r>
-              <a:rPr lang="fr-FR" sz="2400" dirty="0">
-                <a:latin typeface="Berlin Sans FB" panose="020E0602020502020306" pitchFamily="34" charset="0"/>
-              </a:rPr>
+              <a:rPr lang="fr-FR" sz="2400" dirty="0"/>
               <a:t>Mise en place de la BDD : </a:t>
             </a:r>
           </a:p>
           <a:p>
             <a:r>
-              <a:rPr lang="fr-FR" dirty="0">
-                <a:latin typeface="Berlin Sans FB" panose="020E0602020502020306" pitchFamily="34" charset="0"/>
-              </a:rPr>
+              <a:rPr lang="fr-FR" dirty="0"/>
               <a:t>Collection des dernières mesures</a:t>
             </a:r>
           </a:p>
@@ -5085,29 +5081,21 @@
           <a:lstStyle/>
           <a:p>
             <a:r>
-              <a:rPr lang="fr-FR" sz="2400" dirty="0">
-                <a:latin typeface="Berlin Sans FB" panose="020E0602020502020306" pitchFamily="34" charset="0"/>
-              </a:rPr>
+              <a:rPr lang="fr-FR" sz="2400" dirty="0"/>
               <a:t>Mise en place page </a:t>
             </a:r>
             <a:r>
-              <a:rPr lang="fr-FR" sz="2400" dirty="0" err="1">
-                <a:latin typeface="Berlin Sans FB" panose="020E0602020502020306" pitchFamily="34" charset="0"/>
-              </a:rPr>
+              <a:rPr lang="fr-FR" sz="2400" dirty="0" err="1"/>
               <a:t>php</a:t>
             </a:r>
             <a:r>
-              <a:rPr lang="fr-FR" sz="2400" dirty="0">
-                <a:latin typeface="Berlin Sans FB" panose="020E0602020502020306" pitchFamily="34" charset="0"/>
-              </a:rPr>
+              <a:rPr lang="fr-FR" sz="2400" dirty="0"/>
               <a:t> : </a:t>
             </a:r>
           </a:p>
           <a:p>
             <a:r>
-              <a:rPr lang="fr-FR" dirty="0">
-                <a:latin typeface="Berlin Sans FB" panose="020E0602020502020306" pitchFamily="34" charset="0"/>
-              </a:rPr>
+              <a:rPr lang="fr-FR" dirty="0"/>
               <a:t>Visualisation de l'état en temps réel de la serre</a:t>
             </a:r>
           </a:p>
@@ -5142,17 +5130,13 @@
           <a:lstStyle/>
           <a:p>
             <a:r>
-              <a:rPr lang="fr-FR" sz="2400" dirty="0">
-                <a:latin typeface="Berlin Sans FB" panose="020E0602020502020306" pitchFamily="34" charset="0"/>
-              </a:rPr>
+              <a:rPr lang="fr-FR" sz="2400" dirty="0"/>
               <a:t>Mise en place de la boucle 4-20 mA (avec Willy) :</a:t>
             </a:r>
           </a:p>
           <a:p>
             <a:r>
-              <a:rPr lang="fr-FR" dirty="0">
-                <a:latin typeface="Berlin Sans FB" panose="020E0602020502020306" pitchFamily="34" charset="0"/>
-              </a:rPr>
+              <a:rPr lang="fr-FR" dirty="0"/>
               <a:t>Acquérir la mesure température</a:t>
             </a:r>
           </a:p>
@@ -12277,7 +12261,7 @@
         </p:nvSpPr>
         <p:spPr>
           <a:xfrm>
-            <a:off x="1560804" y="2611929"/>
+            <a:off x="1555787" y="2387964"/>
             <a:ext cx="2695434" cy="1754326"/>
           </a:xfrm>
           <a:prstGeom prst="rect">
@@ -12292,7 +12276,7 @@
           <a:lstStyle/>
           <a:p>
             <a:r>
-              <a:rPr lang="fr-FR" dirty="0"/>
+              <a:rPr lang="fr-FR" u="sng" dirty="0"/>
               <a:t>Etudiant 1 : Steven</a:t>
             </a:r>
           </a:p>
@@ -12301,7 +12285,7 @@
           </a:p>
           <a:p>
             <a:r>
-              <a:rPr lang="fr-FR" dirty="0"/>
+              <a:rPr lang="fr-FR" i="1" dirty="0"/>
               <a:t>Partie rapsberry acquisition</a:t>
             </a:r>
           </a:p>
@@ -12483,7 +12467,7 @@
         </p:nvSpPr>
         <p:spPr>
           <a:xfrm>
-            <a:off x="1555787" y="4832082"/>
+            <a:off x="1550571" y="4604139"/>
             <a:ext cx="2434177" cy="1200329"/>
           </a:xfrm>
           <a:prstGeom prst="rect">
@@ -12498,7 +12482,7 @@
           <a:lstStyle/>
           <a:p>
             <a:r>
-              <a:rPr lang="fr-FR" dirty="0"/>
+              <a:rPr lang="fr-FR" u="sng" dirty="0"/>
               <a:t>Etudiant 2 : Willy </a:t>
             </a:r>
           </a:p>
@@ -12507,7 +12491,7 @@
           </a:p>
           <a:p>
             <a:r>
-              <a:rPr lang="fr-FR" dirty="0"/>
+              <a:rPr lang="fr-FR" i="1" dirty="0"/>
               <a:t>Partie Web avec Netbeans</a:t>
             </a:r>
           </a:p>
@@ -12527,7 +12511,7 @@
         </p:nvSpPr>
         <p:spPr>
           <a:xfrm>
-            <a:off x="9140567" y="2575334"/>
+            <a:off x="9078998" y="2349811"/>
             <a:ext cx="2404188" cy="1754326"/>
           </a:xfrm>
           <a:prstGeom prst="rect">
@@ -12542,7 +12526,7 @@
           <a:lstStyle/>
           <a:p>
             <a:r>
-              <a:rPr lang="fr-FR" dirty="0"/>
+              <a:rPr lang="fr-FR" u="sng" dirty="0"/>
               <a:t>Etudiant 3 : Samuel</a:t>
             </a:r>
           </a:p>
@@ -12551,7 +12535,7 @@
           </a:p>
           <a:p>
             <a:r>
-              <a:rPr lang="fr-FR" dirty="0"/>
+              <a:rPr lang="fr-FR" i="1" dirty="0"/>
               <a:t>Partie BDD avec le serveur Wamp</a:t>
             </a:r>
           </a:p>
@@ -12577,7 +12561,7 @@
         </p:nvSpPr>
         <p:spPr>
           <a:xfrm>
-            <a:off x="9140567" y="4807497"/>
+            <a:off x="9140567" y="4604138"/>
             <a:ext cx="2633906" cy="1200329"/>
           </a:xfrm>
           <a:prstGeom prst="rect">
@@ -12592,7 +12576,7 @@
           <a:lstStyle/>
           <a:p>
             <a:r>
-              <a:rPr lang="fr-FR" dirty="0"/>
+              <a:rPr lang="fr-FR" u="sng" dirty="0"/>
               <a:t>Etudiant 4 : Dylan</a:t>
             </a:r>
           </a:p>
@@ -12601,7 +12585,7 @@
           </a:p>
           <a:p>
             <a:r>
-              <a:rPr lang="fr-FR" dirty="0"/>
+              <a:rPr lang="fr-FR" i="1" dirty="0"/>
               <a:t>Partie Application androïd avec androïd studio</a:t>
             </a:r>
           </a:p>
@@ -12635,7 +12619,7 @@
         </p:blipFill>
         <p:spPr>
           <a:xfrm>
-            <a:off x="3560105" y="4909788"/>
+            <a:off x="3637884" y="4875275"/>
             <a:ext cx="885508" cy="885508"/>
           </a:xfrm>
           <a:prstGeom prst="rect">
@@ -12671,7 +12655,7 @@
         </p:blipFill>
         <p:spPr>
           <a:xfrm>
-            <a:off x="7759104" y="4960206"/>
+            <a:off x="7709749" y="4960206"/>
             <a:ext cx="715646" cy="715646"/>
           </a:xfrm>
           <a:prstGeom prst="rect">
@@ -12707,7 +12691,7 @@
         </p:blipFill>
         <p:spPr>
           <a:xfrm>
-            <a:off x="3715663" y="2722547"/>
+            <a:off x="3686221" y="2615160"/>
             <a:ext cx="729950" cy="729950"/>
           </a:xfrm>
           <a:prstGeom prst="rect">
@@ -13323,10 +13307,10 @@
       </p:grpSpPr>
       <p:pic>
         <p:nvPicPr>
-          <p:cNvPr id="3" name="Image 2">
-            <a:extLst>
-              <a:ext uri="{FF2B5EF4-FFF2-40B4-BE49-F238E27FC236}">
-                <a16:creationId xmlns:a16="http://schemas.microsoft.com/office/drawing/2014/main" id="{C7DF2F12-91E1-4BCA-89A8-43D445D0EA5A}"/>
+          <p:cNvPr id="8" name="Image 7">
+            <a:extLst>
+              <a:ext uri="{FF2B5EF4-FFF2-40B4-BE49-F238E27FC236}">
+                <a16:creationId xmlns:a16="http://schemas.microsoft.com/office/drawing/2014/main" id="{2BB825C5-31DA-4A56-85EA-536DBF510A31}"/>
               </a:ext>
             </a:extLst>
           </p:cNvPr>
@@ -13349,8 +13333,8 @@
         </p:blipFill>
         <p:spPr>
           <a:xfrm>
-            <a:off x="1623036" y="757736"/>
-            <a:ext cx="8729853" cy="5862111"/>
+            <a:off x="1068751" y="66457"/>
+            <a:ext cx="1259497" cy="776690"/>
           </a:xfrm>
           <a:prstGeom prst="rect">
             <a:avLst/>
@@ -13359,10 +13343,10 @@
       </p:pic>
       <p:pic>
         <p:nvPicPr>
-          <p:cNvPr id="8" name="Image 7">
-            <a:extLst>
-              <a:ext uri="{FF2B5EF4-FFF2-40B4-BE49-F238E27FC236}">
-                <a16:creationId xmlns:a16="http://schemas.microsoft.com/office/drawing/2014/main" id="{2BB825C5-31DA-4A56-85EA-536DBF510A31}"/>
+          <p:cNvPr id="10" name="Image 9">
+            <a:extLst>
+              <a:ext uri="{FF2B5EF4-FFF2-40B4-BE49-F238E27FC236}">
+                <a16:creationId xmlns:a16="http://schemas.microsoft.com/office/drawing/2014/main" id="{8EE7436F-49F2-41E0-93E4-D247B4705294}"/>
               </a:ext>
             </a:extLst>
           </p:cNvPr>
@@ -13385,20 +13369,362 @@
         </p:blipFill>
         <p:spPr>
           <a:xfrm>
-            <a:off x="1068751" y="66457"/>
-            <a:ext cx="1259497" cy="776690"/>
+            <a:off x="9681085" y="238153"/>
+            <a:ext cx="1802101" cy="569807"/>
           </a:xfrm>
           <a:prstGeom prst="rect">
             <a:avLst/>
           </a:prstGeom>
         </p:spPr>
       </p:pic>
+      <p:cxnSp>
+        <p:nvCxnSpPr>
+          <p:cNvPr id="16" name="Connecteur droit 15">
+            <a:extLst>
+              <a:ext uri="{FF2B5EF4-FFF2-40B4-BE49-F238E27FC236}">
+                <a16:creationId xmlns:a16="http://schemas.microsoft.com/office/drawing/2014/main" id="{7319284A-BD6F-4A96-8E2B-E0A4B52E53C6}"/>
+              </a:ext>
+            </a:extLst>
+          </p:cNvPr>
+          <p:cNvCxnSpPr>
+            <a:cxnSpLocks/>
+          </p:cNvCxnSpPr>
+          <p:nvPr/>
+        </p:nvCxnSpPr>
+        <p:spPr>
+          <a:xfrm flipV="1">
+            <a:off x="0" y="454803"/>
+            <a:ext cx="738231" cy="1798"/>
+          </a:xfrm>
+          <a:prstGeom prst="line">
+            <a:avLst/>
+          </a:prstGeom>
+        </p:spPr>
+        <p:style>
+          <a:lnRef idx="3">
+            <a:schemeClr val="dk1"/>
+          </a:lnRef>
+          <a:fillRef idx="0">
+            <a:schemeClr val="dk1"/>
+          </a:fillRef>
+          <a:effectRef idx="2">
+            <a:schemeClr val="dk1"/>
+          </a:effectRef>
+          <a:fontRef idx="minor">
+            <a:schemeClr val="tx1"/>
+          </a:fontRef>
+        </p:style>
+      </p:cxnSp>
+      <p:cxnSp>
+        <p:nvCxnSpPr>
+          <p:cNvPr id="20" name="Connecteur droit 19">
+            <a:extLst>
+              <a:ext uri="{FF2B5EF4-FFF2-40B4-BE49-F238E27FC236}">
+                <a16:creationId xmlns:a16="http://schemas.microsoft.com/office/drawing/2014/main" id="{08874CF7-F149-4C81-B61E-74E18342BA8A}"/>
+              </a:ext>
+            </a:extLst>
+          </p:cNvPr>
+          <p:cNvCxnSpPr>
+            <a:cxnSpLocks/>
+          </p:cNvCxnSpPr>
+          <p:nvPr/>
+        </p:nvCxnSpPr>
+        <p:spPr>
+          <a:xfrm>
+            <a:off x="2573222" y="454803"/>
+            <a:ext cx="6829482" cy="10398"/>
+          </a:xfrm>
+          <a:prstGeom prst="line">
+            <a:avLst/>
+          </a:prstGeom>
+        </p:spPr>
+        <p:style>
+          <a:lnRef idx="3">
+            <a:schemeClr val="dk1"/>
+          </a:lnRef>
+          <a:fillRef idx="0">
+            <a:schemeClr val="dk1"/>
+          </a:fillRef>
+          <a:effectRef idx="2">
+            <a:schemeClr val="dk1"/>
+          </a:effectRef>
+          <a:fontRef idx="minor">
+            <a:schemeClr val="tx1"/>
+          </a:fontRef>
+        </p:style>
+      </p:cxnSp>
+      <p:cxnSp>
+        <p:nvCxnSpPr>
+          <p:cNvPr id="26" name="Connecteur droit 25">
+            <a:extLst>
+              <a:ext uri="{FF2B5EF4-FFF2-40B4-BE49-F238E27FC236}">
+                <a16:creationId xmlns:a16="http://schemas.microsoft.com/office/drawing/2014/main" id="{BB3B35CC-057B-48C1-880F-3306A6559175}"/>
+              </a:ext>
+            </a:extLst>
+          </p:cNvPr>
+          <p:cNvCxnSpPr>
+            <a:cxnSpLocks/>
+          </p:cNvCxnSpPr>
+          <p:nvPr/>
+        </p:nvCxnSpPr>
+        <p:spPr>
+          <a:xfrm>
+            <a:off x="738231" y="454803"/>
+            <a:ext cx="344203" cy="484764"/>
+          </a:xfrm>
+          <a:prstGeom prst="line">
+            <a:avLst/>
+          </a:prstGeom>
+        </p:spPr>
+        <p:style>
+          <a:lnRef idx="3">
+            <a:schemeClr val="dk1"/>
+          </a:lnRef>
+          <a:fillRef idx="0">
+            <a:schemeClr val="dk1"/>
+          </a:fillRef>
+          <a:effectRef idx="2">
+            <a:schemeClr val="dk1"/>
+          </a:effectRef>
+          <a:fontRef idx="minor">
+            <a:schemeClr val="tx1"/>
+          </a:fontRef>
+        </p:style>
+      </p:cxnSp>
+      <p:cxnSp>
+        <p:nvCxnSpPr>
+          <p:cNvPr id="32" name="Connecteur droit 31">
+            <a:extLst>
+              <a:ext uri="{FF2B5EF4-FFF2-40B4-BE49-F238E27FC236}">
+                <a16:creationId xmlns:a16="http://schemas.microsoft.com/office/drawing/2014/main" id="{4AD96496-1EB6-4E48-9BB2-5C255495C686}"/>
+              </a:ext>
+            </a:extLst>
+          </p:cNvPr>
+          <p:cNvCxnSpPr>
+            <a:cxnSpLocks/>
+          </p:cNvCxnSpPr>
+          <p:nvPr/>
+        </p:nvCxnSpPr>
+        <p:spPr>
+          <a:xfrm>
+            <a:off x="1082434" y="938268"/>
+            <a:ext cx="1146585" cy="0"/>
+          </a:xfrm>
+          <a:prstGeom prst="line">
+            <a:avLst/>
+          </a:prstGeom>
+        </p:spPr>
+        <p:style>
+          <a:lnRef idx="3">
+            <a:schemeClr val="dk1"/>
+          </a:lnRef>
+          <a:fillRef idx="0">
+            <a:schemeClr val="dk1"/>
+          </a:fillRef>
+          <a:effectRef idx="2">
+            <a:schemeClr val="dk1"/>
+          </a:effectRef>
+          <a:fontRef idx="minor">
+            <a:schemeClr val="tx1"/>
+          </a:fontRef>
+        </p:style>
+      </p:cxnSp>
+      <p:cxnSp>
+        <p:nvCxnSpPr>
+          <p:cNvPr id="51" name="Connecteur droit 50">
+            <a:extLst>
+              <a:ext uri="{FF2B5EF4-FFF2-40B4-BE49-F238E27FC236}">
+                <a16:creationId xmlns:a16="http://schemas.microsoft.com/office/drawing/2014/main" id="{C035BFA6-ECBF-4775-BA81-19D2CA41AA8D}"/>
+              </a:ext>
+            </a:extLst>
+          </p:cNvPr>
+          <p:cNvCxnSpPr>
+            <a:cxnSpLocks/>
+          </p:cNvCxnSpPr>
+          <p:nvPr/>
+        </p:nvCxnSpPr>
+        <p:spPr>
+          <a:xfrm>
+            <a:off x="9402704" y="465201"/>
+            <a:ext cx="344203" cy="495163"/>
+          </a:xfrm>
+          <a:prstGeom prst="line">
+            <a:avLst/>
+          </a:prstGeom>
+        </p:spPr>
+        <p:style>
+          <a:lnRef idx="3">
+            <a:schemeClr val="dk1"/>
+          </a:lnRef>
+          <a:fillRef idx="0">
+            <a:schemeClr val="dk1"/>
+          </a:fillRef>
+          <a:effectRef idx="2">
+            <a:schemeClr val="dk1"/>
+          </a:effectRef>
+          <a:fontRef idx="minor">
+            <a:schemeClr val="tx1"/>
+          </a:fontRef>
+        </p:style>
+      </p:cxnSp>
+      <p:cxnSp>
+        <p:nvCxnSpPr>
+          <p:cNvPr id="52" name="Connecteur droit 51">
+            <a:extLst>
+              <a:ext uri="{FF2B5EF4-FFF2-40B4-BE49-F238E27FC236}">
+                <a16:creationId xmlns:a16="http://schemas.microsoft.com/office/drawing/2014/main" id="{FA310BC7-694B-4984-99A2-61A1F4F6EBF9}"/>
+              </a:ext>
+            </a:extLst>
+          </p:cNvPr>
+          <p:cNvCxnSpPr>
+            <a:cxnSpLocks/>
+          </p:cNvCxnSpPr>
+          <p:nvPr/>
+        </p:nvCxnSpPr>
+        <p:spPr>
+          <a:xfrm flipH="1">
+            <a:off x="11370469" y="448308"/>
+            <a:ext cx="364332" cy="501657"/>
+          </a:xfrm>
+          <a:prstGeom prst="line">
+            <a:avLst/>
+          </a:prstGeom>
+        </p:spPr>
+        <p:style>
+          <a:lnRef idx="3">
+            <a:schemeClr val="dk1"/>
+          </a:lnRef>
+          <a:fillRef idx="0">
+            <a:schemeClr val="dk1"/>
+          </a:fillRef>
+          <a:effectRef idx="2">
+            <a:schemeClr val="dk1"/>
+          </a:effectRef>
+          <a:fontRef idx="minor">
+            <a:schemeClr val="tx1"/>
+          </a:fontRef>
+        </p:style>
+      </p:cxnSp>
+      <p:cxnSp>
+        <p:nvCxnSpPr>
+          <p:cNvPr id="53" name="Connecteur droit 52">
+            <a:extLst>
+              <a:ext uri="{FF2B5EF4-FFF2-40B4-BE49-F238E27FC236}">
+                <a16:creationId xmlns:a16="http://schemas.microsoft.com/office/drawing/2014/main" id="{BE0649BD-EE59-4DDA-960F-95B2572F9F13}"/>
+              </a:ext>
+            </a:extLst>
+          </p:cNvPr>
+          <p:cNvCxnSpPr>
+            <a:cxnSpLocks/>
+          </p:cNvCxnSpPr>
+          <p:nvPr/>
+        </p:nvCxnSpPr>
+        <p:spPr>
+          <a:xfrm>
+            <a:off x="9743203" y="949965"/>
+            <a:ext cx="1627266" cy="0"/>
+          </a:xfrm>
+          <a:prstGeom prst="line">
+            <a:avLst/>
+          </a:prstGeom>
+        </p:spPr>
+        <p:style>
+          <a:lnRef idx="3">
+            <a:schemeClr val="dk1"/>
+          </a:lnRef>
+          <a:fillRef idx="0">
+            <a:schemeClr val="dk1"/>
+          </a:fillRef>
+          <a:effectRef idx="2">
+            <a:schemeClr val="dk1"/>
+          </a:effectRef>
+          <a:fontRef idx="minor">
+            <a:schemeClr val="tx1"/>
+          </a:fontRef>
+        </p:style>
+      </p:cxnSp>
+      <p:cxnSp>
+        <p:nvCxnSpPr>
+          <p:cNvPr id="55" name="Connecteur droit 54">
+            <a:extLst>
+              <a:ext uri="{FF2B5EF4-FFF2-40B4-BE49-F238E27FC236}">
+                <a16:creationId xmlns:a16="http://schemas.microsoft.com/office/drawing/2014/main" id="{52AA9200-DAFA-4EEF-AC13-4C7CE82A59EC}"/>
+              </a:ext>
+            </a:extLst>
+          </p:cNvPr>
+          <p:cNvCxnSpPr>
+            <a:cxnSpLocks/>
+          </p:cNvCxnSpPr>
+          <p:nvPr/>
+        </p:nvCxnSpPr>
+        <p:spPr>
+          <a:xfrm>
+            <a:off x="11715750" y="454801"/>
+            <a:ext cx="476249" cy="10400"/>
+          </a:xfrm>
+          <a:prstGeom prst="line">
+            <a:avLst/>
+          </a:prstGeom>
+        </p:spPr>
+        <p:style>
+          <a:lnRef idx="3">
+            <a:schemeClr val="dk1"/>
+          </a:lnRef>
+          <a:fillRef idx="0">
+            <a:schemeClr val="dk1"/>
+          </a:fillRef>
+          <a:effectRef idx="2">
+            <a:schemeClr val="dk1"/>
+          </a:effectRef>
+          <a:fontRef idx="minor">
+            <a:schemeClr val="tx1"/>
+          </a:fontRef>
+        </p:style>
+      </p:cxnSp>
+      <p:cxnSp>
+        <p:nvCxnSpPr>
+          <p:cNvPr id="23" name="Connecteur droit 22">
+            <a:extLst>
+              <a:ext uri="{FF2B5EF4-FFF2-40B4-BE49-F238E27FC236}">
+                <a16:creationId xmlns:a16="http://schemas.microsoft.com/office/drawing/2014/main" id="{BCB092C8-0080-4E56-957E-0046D4C83988}"/>
+              </a:ext>
+            </a:extLst>
+          </p:cNvPr>
+          <p:cNvCxnSpPr>
+            <a:cxnSpLocks/>
+          </p:cNvCxnSpPr>
+          <p:nvPr/>
+        </p:nvCxnSpPr>
+        <p:spPr>
+          <a:xfrm flipH="1">
+            <a:off x="2216372" y="446356"/>
+            <a:ext cx="364332" cy="501657"/>
+          </a:xfrm>
+          <a:prstGeom prst="line">
+            <a:avLst/>
+          </a:prstGeom>
+        </p:spPr>
+        <p:style>
+          <a:lnRef idx="3">
+            <a:schemeClr val="dk1"/>
+          </a:lnRef>
+          <a:fillRef idx="0">
+            <a:schemeClr val="dk1"/>
+          </a:fillRef>
+          <a:effectRef idx="2">
+            <a:schemeClr val="dk1"/>
+          </a:effectRef>
+          <a:fontRef idx="minor">
+            <a:schemeClr val="tx1"/>
+          </a:fontRef>
+        </p:style>
+      </p:cxnSp>
       <p:pic>
         <p:nvPicPr>
-          <p:cNvPr id="10" name="Image 9">
-            <a:extLst>
-              <a:ext uri="{FF2B5EF4-FFF2-40B4-BE49-F238E27FC236}">
-                <a16:creationId xmlns:a16="http://schemas.microsoft.com/office/drawing/2014/main" id="{8EE7436F-49F2-41E0-93E4-D247B4705294}"/>
+          <p:cNvPr id="57" name="Image 56">
+            <a:extLst>
+              <a:ext uri="{FF2B5EF4-FFF2-40B4-BE49-F238E27FC236}">
+                <a16:creationId xmlns:a16="http://schemas.microsoft.com/office/drawing/2014/main" id="{12B16FB2-5844-4B92-AE69-9BAC858C22BB}"/>
               </a:ext>
             </a:extLst>
           </p:cNvPr>
@@ -13408,7 +13734,7 @@
           <p:nvPr/>
         </p:nvPicPr>
         <p:blipFill>
-          <a:blip r:embed="rId4">
+          <a:blip r:embed="rId3">
             <a:extLst>
               <a:ext uri="{28A0092B-C50C-407E-A947-70E740481C1C}">
                 <a14:useLocalDpi xmlns:a14="http://schemas.microsoft.com/office/drawing/2010/main" val="0"/>
@@ -13431,48 +13757,10 @@
       </p:pic>
       <p:cxnSp>
         <p:nvCxnSpPr>
-          <p:cNvPr id="16" name="Connecteur droit 15">
-            <a:extLst>
-              <a:ext uri="{FF2B5EF4-FFF2-40B4-BE49-F238E27FC236}">
-                <a16:creationId xmlns:a16="http://schemas.microsoft.com/office/drawing/2014/main" id="{7319284A-BD6F-4A96-8E2B-E0A4B52E53C6}"/>
-              </a:ext>
-            </a:extLst>
-          </p:cNvPr>
-          <p:cNvCxnSpPr>
-            <a:cxnSpLocks/>
-          </p:cNvCxnSpPr>
-          <p:nvPr/>
-        </p:nvCxnSpPr>
-        <p:spPr>
-          <a:xfrm flipV="1">
-            <a:off x="0" y="454803"/>
-            <a:ext cx="738231" cy="1798"/>
-          </a:xfrm>
-          <a:prstGeom prst="line">
-            <a:avLst/>
-          </a:prstGeom>
-        </p:spPr>
-        <p:style>
-          <a:lnRef idx="3">
-            <a:schemeClr val="dk1"/>
-          </a:lnRef>
-          <a:fillRef idx="0">
-            <a:schemeClr val="dk1"/>
-          </a:fillRef>
-          <a:effectRef idx="2">
-            <a:schemeClr val="dk1"/>
-          </a:effectRef>
-          <a:fontRef idx="minor">
-            <a:schemeClr val="tx1"/>
-          </a:fontRef>
-        </p:style>
-      </p:cxnSp>
-      <p:cxnSp>
-        <p:nvCxnSpPr>
-          <p:cNvPr id="20" name="Connecteur droit 19">
-            <a:extLst>
-              <a:ext uri="{FF2B5EF4-FFF2-40B4-BE49-F238E27FC236}">
-                <a16:creationId xmlns:a16="http://schemas.microsoft.com/office/drawing/2014/main" id="{08874CF7-F149-4C81-B61E-74E18342BA8A}"/>
+          <p:cNvPr id="58" name="Connecteur droit 57">
+            <a:extLst>
+              <a:ext uri="{FF2B5EF4-FFF2-40B4-BE49-F238E27FC236}">
+                <a16:creationId xmlns:a16="http://schemas.microsoft.com/office/drawing/2014/main" id="{01599350-F8B0-4FDC-B003-981189A8D654}"/>
               </a:ext>
             </a:extLst>
           </p:cNvPr>
@@ -13507,10 +13795,10 @@
       </p:cxnSp>
       <p:cxnSp>
         <p:nvCxnSpPr>
-          <p:cNvPr id="26" name="Connecteur droit 25">
-            <a:extLst>
-              <a:ext uri="{FF2B5EF4-FFF2-40B4-BE49-F238E27FC236}">
-                <a16:creationId xmlns:a16="http://schemas.microsoft.com/office/drawing/2014/main" id="{BB3B35CC-057B-48C1-880F-3306A6559175}"/>
+          <p:cNvPr id="59" name="Connecteur droit 58">
+            <a:extLst>
+              <a:ext uri="{FF2B5EF4-FFF2-40B4-BE49-F238E27FC236}">
+                <a16:creationId xmlns:a16="http://schemas.microsoft.com/office/drawing/2014/main" id="{BC6E6150-6054-4785-84EC-0C46D82034C2}"/>
               </a:ext>
             </a:extLst>
           </p:cNvPr>
@@ -13545,10 +13833,10 @@
       </p:cxnSp>
       <p:cxnSp>
         <p:nvCxnSpPr>
-          <p:cNvPr id="32" name="Connecteur droit 31">
-            <a:extLst>
-              <a:ext uri="{FF2B5EF4-FFF2-40B4-BE49-F238E27FC236}">
-                <a16:creationId xmlns:a16="http://schemas.microsoft.com/office/drawing/2014/main" id="{4AD96496-1EB6-4E48-9BB2-5C255495C686}"/>
+          <p:cNvPr id="60" name="Connecteur droit 59">
+            <a:extLst>
+              <a:ext uri="{FF2B5EF4-FFF2-40B4-BE49-F238E27FC236}">
+                <a16:creationId xmlns:a16="http://schemas.microsoft.com/office/drawing/2014/main" id="{CBC9961A-8EC2-4287-A398-BCA4138D409D}"/>
               </a:ext>
             </a:extLst>
           </p:cNvPr>
@@ -13583,10 +13871,10 @@
       </p:cxnSp>
       <p:cxnSp>
         <p:nvCxnSpPr>
-          <p:cNvPr id="51" name="Connecteur droit 50">
-            <a:extLst>
-              <a:ext uri="{FF2B5EF4-FFF2-40B4-BE49-F238E27FC236}">
-                <a16:creationId xmlns:a16="http://schemas.microsoft.com/office/drawing/2014/main" id="{C035BFA6-ECBF-4775-BA81-19D2CA41AA8D}"/>
+          <p:cNvPr id="61" name="Connecteur droit 60">
+            <a:extLst>
+              <a:ext uri="{FF2B5EF4-FFF2-40B4-BE49-F238E27FC236}">
+                <a16:creationId xmlns:a16="http://schemas.microsoft.com/office/drawing/2014/main" id="{152B7C45-2543-4665-BC07-4DB71CA9F337}"/>
               </a:ext>
             </a:extLst>
           </p:cNvPr>
@@ -13621,10 +13909,10 @@
       </p:cxnSp>
       <p:cxnSp>
         <p:nvCxnSpPr>
-          <p:cNvPr id="52" name="Connecteur droit 51">
-            <a:extLst>
-              <a:ext uri="{FF2B5EF4-FFF2-40B4-BE49-F238E27FC236}">
-                <a16:creationId xmlns:a16="http://schemas.microsoft.com/office/drawing/2014/main" id="{FA310BC7-694B-4984-99A2-61A1F4F6EBF9}"/>
+          <p:cNvPr id="62" name="Connecteur droit 61">
+            <a:extLst>
+              <a:ext uri="{FF2B5EF4-FFF2-40B4-BE49-F238E27FC236}">
+                <a16:creationId xmlns:a16="http://schemas.microsoft.com/office/drawing/2014/main" id="{00A84DC3-A112-46A3-B71C-04D85339323D}"/>
               </a:ext>
             </a:extLst>
           </p:cNvPr>
@@ -13659,10 +13947,10 @@
       </p:cxnSp>
       <p:cxnSp>
         <p:nvCxnSpPr>
-          <p:cNvPr id="53" name="Connecteur droit 52">
-            <a:extLst>
-              <a:ext uri="{FF2B5EF4-FFF2-40B4-BE49-F238E27FC236}">
-                <a16:creationId xmlns:a16="http://schemas.microsoft.com/office/drawing/2014/main" id="{BE0649BD-EE59-4DDA-960F-95B2572F9F13}"/>
+          <p:cNvPr id="63" name="Connecteur droit 62">
+            <a:extLst>
+              <a:ext uri="{FF2B5EF4-FFF2-40B4-BE49-F238E27FC236}">
+                <a16:creationId xmlns:a16="http://schemas.microsoft.com/office/drawing/2014/main" id="{C50788C6-8F68-44EC-AB54-94C1D2FE554D}"/>
               </a:ext>
             </a:extLst>
           </p:cNvPr>
@@ -13697,10 +13985,10 @@
       </p:cxnSp>
       <p:cxnSp>
         <p:nvCxnSpPr>
-          <p:cNvPr id="55" name="Connecteur droit 54">
-            <a:extLst>
-              <a:ext uri="{FF2B5EF4-FFF2-40B4-BE49-F238E27FC236}">
-                <a16:creationId xmlns:a16="http://schemas.microsoft.com/office/drawing/2014/main" id="{52AA9200-DAFA-4EEF-AC13-4C7CE82A59EC}"/>
+          <p:cNvPr id="64" name="Connecteur droit 63">
+            <a:extLst>
+              <a:ext uri="{FF2B5EF4-FFF2-40B4-BE49-F238E27FC236}">
+                <a16:creationId xmlns:a16="http://schemas.microsoft.com/office/drawing/2014/main" id="{BC4D4E5F-5636-45CB-873C-EC085AB307A3}"/>
               </a:ext>
             </a:extLst>
           </p:cNvPr>
@@ -13735,10 +14023,10 @@
       </p:cxnSp>
       <p:cxnSp>
         <p:nvCxnSpPr>
-          <p:cNvPr id="23" name="Connecteur droit 22">
-            <a:extLst>
-              <a:ext uri="{FF2B5EF4-FFF2-40B4-BE49-F238E27FC236}">
-                <a16:creationId xmlns:a16="http://schemas.microsoft.com/office/drawing/2014/main" id="{BCB092C8-0080-4E56-957E-0046D4C83988}"/>
+          <p:cNvPr id="65" name="Connecteur droit 64">
+            <a:extLst>
+              <a:ext uri="{FF2B5EF4-FFF2-40B4-BE49-F238E27FC236}">
+                <a16:creationId xmlns:a16="http://schemas.microsoft.com/office/drawing/2014/main" id="{E6F6B4C5-0E3B-46C9-859D-EE774175D36F}"/>
               </a:ext>
             </a:extLst>
           </p:cNvPr>
@@ -13771,12 +14059,48 @@
           </a:fontRef>
         </p:style>
       </p:cxnSp>
+      <p:pic>
+        <p:nvPicPr>
+          <p:cNvPr id="4" name="Image 3">
+            <a:extLst>
+              <a:ext uri="{FF2B5EF4-FFF2-40B4-BE49-F238E27FC236}">
+                <a16:creationId xmlns:a16="http://schemas.microsoft.com/office/drawing/2014/main" id="{755944AD-0FDA-4AA3-9F94-4E3DB7E41FB0}"/>
+              </a:ext>
+            </a:extLst>
+          </p:cNvPr>
+          <p:cNvPicPr>
+            <a:picLocks noChangeAspect="1"/>
+          </p:cNvPicPr>
+          <p:nvPr/>
+        </p:nvPicPr>
+        <p:blipFill>
+          <a:blip r:embed="rId4">
+            <a:extLst>
+              <a:ext uri="{28A0092B-C50C-407E-A947-70E740481C1C}">
+                <a14:useLocalDpi xmlns:a14="http://schemas.microsoft.com/office/drawing/2010/main" val="0"/>
+              </a:ext>
+            </a:extLst>
+          </a:blip>
+          <a:stretch>
+            <a:fillRect/>
+          </a:stretch>
+        </p:blipFill>
+        <p:spPr>
+          <a:xfrm>
+            <a:off x="1883849" y="1366032"/>
+            <a:ext cx="8191450" cy="5500573"/>
+          </a:xfrm>
+          <a:prstGeom prst="rect">
+            <a:avLst/>
+          </a:prstGeom>
+        </p:spPr>
+      </p:pic>
       <p:sp>
         <p:nvSpPr>
           <p:cNvPr id="2" name="ZoneTexte 1">
             <a:extLst>
               <a:ext uri="{FF2B5EF4-FFF2-40B4-BE49-F238E27FC236}">
-                <a16:creationId xmlns:a16="http://schemas.microsoft.com/office/drawing/2014/main" id="{CC47949D-74E1-4D26-A2CB-A300E4C566A8}"/>
+                <a16:creationId xmlns:a16="http://schemas.microsoft.com/office/drawing/2014/main" id="{63718871-5263-4630-A9A0-F2F743B5633D}"/>
               </a:ext>
             </a:extLst>
           </p:cNvPr>
@@ -13785,15 +14109,13 @@
         </p:nvSpPr>
         <p:spPr>
           <a:xfrm>
-            <a:off x="4074196" y="752619"/>
-            <a:ext cx="3238151" cy="484765"/>
+            <a:off x="3056330" y="596591"/>
+            <a:ext cx="5534593" cy="769441"/>
           </a:xfrm>
           <a:prstGeom prst="rect">
             <a:avLst/>
           </a:prstGeom>
-          <a:solidFill>
-            <a:schemeClr val="bg1"/>
-          </a:solidFill>
+          <a:noFill/>
         </p:spPr>
         <p:txBody>
           <a:bodyPr wrap="square" rtlCol="0">
@@ -13801,14 +14123,47 @@
           </a:bodyPr>
           <a:lstStyle/>
           <a:p>
-            <a:endParaRPr lang="fr-FR" dirty="0"/>
+            <a:pPr marL="0" marR="0" lvl="0" indent="0" algn="l" defTabSz="914400" rtl="0" eaLnBrk="1" fontAlgn="auto" latinLnBrk="0" hangingPunct="1">
+              <a:lnSpc>
+                <a:spcPct val="100000"/>
+              </a:lnSpc>
+              <a:spcBef>
+                <a:spcPts val="0"/>
+              </a:spcBef>
+              <a:spcAft>
+                <a:spcPts val="0"/>
+              </a:spcAft>
+              <a:buClrTx/>
+              <a:buSzTx/>
+              <a:buFontTx/>
+              <a:buNone/>
+              <a:tabLst/>
+              <a:defRPr/>
+            </a:pPr>
+            <a:r>
+              <a:rPr kumimoji="0" lang="fr-FR" sz="4400" b="0" i="0" u="none" strike="noStrike" kern="1200" cap="none" spc="0" normalizeH="0" baseline="0" noProof="0" dirty="0">
+                <a:ln>
+                  <a:noFill/>
+                </a:ln>
+                <a:solidFill>
+                  <a:prstClr val="black"/>
+                </a:solidFill>
+                <a:effectLst/>
+                <a:uLnTx/>
+                <a:uFillTx/>
+                <a:latin typeface="Berlin Sans FB" panose="020E0602020502020306" pitchFamily="34" charset="0"/>
+                <a:ea typeface="+mn-ea"/>
+                <a:cs typeface="+mn-cs"/>
+              </a:rPr>
+              <a:t>Synoptique du projet</a:t>
+            </a:r>
           </a:p>
         </p:txBody>
       </p:sp>
     </p:spTree>
     <p:extLst>
       <p:ext uri="{BB962C8B-B14F-4D97-AF65-F5344CB8AC3E}">
-        <p14:creationId xmlns:p14="http://schemas.microsoft.com/office/powerpoint/2010/main" val="849001700"/>
+        <p14:creationId xmlns:p14="http://schemas.microsoft.com/office/powerpoint/2010/main" val="878112238"/>
       </p:ext>
     </p:extLst>
   </p:cSld>
@@ -13817,12 +14172,12 @@
   </p:clrMapOvr>
   <mc:AlternateContent xmlns:mc="http://schemas.openxmlformats.org/markup-compatibility/2006" xmlns:p14="http://schemas.microsoft.com/office/powerpoint/2010/main">
     <mc:Choice Requires="p14">
-      <p:transition spd="med">
+      <p:transition spd="slow">
         <p14:reveal/>
       </p:transition>
     </mc:Choice>
     <mc:Fallback xmlns="">
-      <p:transition spd="med">
+      <p:transition spd="slow">
         <p:fade/>
       </p:transition>
     </mc:Fallback>
@@ -17430,7 +17785,7 @@
         </p:blipFill>
         <p:spPr>
           <a:xfrm>
-            <a:off x="6567419" y="4845684"/>
+            <a:off x="6481714" y="4824902"/>
             <a:ext cx="700821" cy="700821"/>
           </a:xfrm>
           <a:prstGeom prst="rect">
@@ -17466,7 +17821,7 @@
         </p:blipFill>
         <p:spPr>
           <a:xfrm>
-            <a:off x="6515109" y="3046923"/>
+            <a:off x="6460786" y="2873781"/>
             <a:ext cx="746916" cy="746916"/>
           </a:xfrm>
           <a:prstGeom prst="rect">
@@ -17524,8 +17879,8 @@
         </p:nvSpPr>
         <p:spPr>
           <a:xfrm>
-            <a:off x="2573222" y="1551166"/>
-            <a:ext cx="2860650" cy="369332"/>
+            <a:off x="2488385" y="1397889"/>
+            <a:ext cx="3187816" cy="646331"/>
           </a:xfrm>
           <a:prstGeom prst="rect">
             <a:avLst/>
@@ -17573,6 +17928,57 @@
               <a:t>Utilisation de la boucle 4-20</a:t>
             </a:r>
           </a:p>
+          <a:p>
+            <a:pPr marL="0" marR="0" lvl="0" indent="0" algn="l" defTabSz="914400" rtl="0" eaLnBrk="1" fontAlgn="auto" latinLnBrk="0" hangingPunct="1">
+              <a:lnSpc>
+                <a:spcPct val="100000"/>
+              </a:lnSpc>
+              <a:spcBef>
+                <a:spcPts val="0"/>
+              </a:spcBef>
+              <a:spcAft>
+                <a:spcPts val="0"/>
+              </a:spcAft>
+              <a:buClrTx/>
+              <a:buSzTx/>
+              <a:buFontTx/>
+              <a:buNone/>
+              <a:tabLst/>
+              <a:defRPr/>
+            </a:pPr>
+            <a:r>
+              <a:rPr lang="fr-FR" dirty="0" err="1">
+                <a:solidFill>
+                  <a:prstClr val="black"/>
+                </a:solidFill>
+                <a:latin typeface="Calibri" panose="020F0502020204030204"/>
+              </a:rPr>
+              <a:t>Solarimètre</a:t>
+            </a:r>
+            <a:r>
+              <a:rPr lang="fr-FR" dirty="0">
+                <a:solidFill>
+                  <a:prstClr val="black"/>
+                </a:solidFill>
+                <a:latin typeface="Calibri" panose="020F0502020204030204"/>
+              </a:rPr>
+              <a:t> de 0 à 1000 w/m²</a:t>
+            </a:r>
+            <a:endParaRPr kumimoji="0" lang="fr-FR" sz="1800" b="0" i="0" u="none" strike="noStrike" kern="1200" cap="none" spc="0" normalizeH="0" baseline="0" noProof="0" dirty="0">
+              <a:ln>
+                <a:noFill/>
+              </a:ln>
+              <a:solidFill>
+                <a:prstClr val="black"/>
+              </a:solidFill>
+              <a:effectLst/>
+              <a:uLnTx/>
+              <a:uFillTx/>
+              <a:latin typeface="Calibri" panose="020F0502020204030204"/>
+              <a:ea typeface="+mn-ea"/>
+              <a:cs typeface="+mn-cs"/>
+            </a:endParaRPr>
+          </a:p>
         </p:txBody>
       </p:sp>
       <p:sp>
@@ -17589,8 +17995,8 @@
         </p:nvSpPr>
         <p:spPr>
           <a:xfrm>
-            <a:off x="7415068" y="5028206"/>
-            <a:ext cx="2860650" cy="369332"/>
+            <a:off x="7763093" y="4673407"/>
+            <a:ext cx="4927376" cy="1200329"/>
           </a:xfrm>
           <a:prstGeom prst="rect">
             <a:avLst/>
@@ -17637,6 +18043,104 @@
               </a:rPr>
               <a:t>Utilisation de la boucle 4-20</a:t>
             </a:r>
+          </a:p>
+          <a:p>
+            <a:pPr marL="0" marR="0" lvl="0" indent="0" algn="l" defTabSz="914400" rtl="0" eaLnBrk="1" fontAlgn="auto" latinLnBrk="0" hangingPunct="1">
+              <a:lnSpc>
+                <a:spcPct val="100000"/>
+              </a:lnSpc>
+              <a:spcBef>
+                <a:spcPts val="0"/>
+              </a:spcBef>
+              <a:spcAft>
+                <a:spcPts val="0"/>
+              </a:spcAft>
+              <a:buClrTx/>
+              <a:buSzTx/>
+              <a:buFontTx/>
+              <a:buNone/>
+              <a:tabLst/>
+              <a:defRPr/>
+            </a:pPr>
+            <a:r>
+              <a:rPr lang="fr-FR" dirty="0">
+                <a:solidFill>
+                  <a:prstClr val="black"/>
+                </a:solidFill>
+                <a:latin typeface="Calibri" panose="020F0502020204030204"/>
+              </a:rPr>
+              <a:t>Capteurs de température pt100 : </a:t>
+            </a:r>
+          </a:p>
+          <a:p>
+            <a:pPr marL="0" marR="0" lvl="0" indent="0" algn="l" defTabSz="914400" rtl="0" eaLnBrk="1" fontAlgn="auto" latinLnBrk="0" hangingPunct="1">
+              <a:lnSpc>
+                <a:spcPct val="100000"/>
+              </a:lnSpc>
+              <a:spcBef>
+                <a:spcPts val="0"/>
+              </a:spcBef>
+              <a:spcAft>
+                <a:spcPts val="0"/>
+              </a:spcAft>
+              <a:buClrTx/>
+              <a:buSzTx/>
+              <a:buFontTx/>
+              <a:buNone/>
+              <a:tabLst/>
+              <a:defRPr/>
+            </a:pPr>
+            <a:r>
+              <a:rPr lang="fr-FR" dirty="0">
+                <a:solidFill>
+                  <a:prstClr val="black"/>
+                </a:solidFill>
+                <a:latin typeface="Calibri" panose="020F0502020204030204"/>
+              </a:rPr>
+              <a:t>	de 0 à 100 °C </a:t>
+            </a:r>
+          </a:p>
+          <a:p>
+            <a:pPr marL="0" marR="0" lvl="0" indent="0" algn="l" defTabSz="914400" rtl="0" eaLnBrk="1" fontAlgn="auto" latinLnBrk="0" hangingPunct="1">
+              <a:lnSpc>
+                <a:spcPct val="100000"/>
+              </a:lnSpc>
+              <a:spcBef>
+                <a:spcPts val="0"/>
+              </a:spcBef>
+              <a:spcAft>
+                <a:spcPts val="0"/>
+              </a:spcAft>
+              <a:buClrTx/>
+              <a:buSzTx/>
+              <a:buFontTx/>
+              <a:buNone/>
+              <a:tabLst/>
+              <a:defRPr/>
+            </a:pPr>
+            <a:r>
+              <a:rPr lang="fr-FR" dirty="0">
+                <a:solidFill>
+                  <a:prstClr val="black"/>
+                </a:solidFill>
+                <a:latin typeface="Calibri" panose="020F0502020204030204"/>
+              </a:rPr>
+              <a:t>	de 0 à 45 °C</a:t>
+            </a:r>
+            <a:endParaRPr kumimoji="0" lang="fr-FR" sz="1800" b="0" i="0" u="none" strike="noStrike" kern="1200" cap="none" spc="0" normalizeH="0" baseline="0" noProof="0" dirty="0">
+              <a:ln>
+                <a:noFill/>
+              </a:ln>
+              <a:solidFill>
+                <a:prstClr val="black"/>
+              </a:solidFill>
+              <a:effectLst/>
+              <a:uLnTx/>
+              <a:uFillTx/>
+              <a:latin typeface="Calibri" panose="020F0502020204030204"/>
+              <a:ea typeface="+mn-ea"/>
+              <a:cs typeface="+mn-cs"/>
+            </a:endParaRPr>
           </a:p>
         </p:txBody>
       </p:sp>
@@ -17853,7 +18357,7 @@
         </p:nvSpPr>
         <p:spPr>
           <a:xfrm>
-            <a:off x="7343741" y="1551166"/>
+            <a:off x="7343741" y="1422195"/>
             <a:ext cx="4372009" cy="646331"/>
           </a:xfrm>
           <a:prstGeom prst="rect">
@@ -17918,7 +18422,7 @@
         </p:nvSpPr>
         <p:spPr>
           <a:xfrm>
-            <a:off x="7379275" y="3063618"/>
+            <a:off x="7379275" y="2920471"/>
             <a:ext cx="4391060" cy="646331"/>
           </a:xfrm>
           <a:prstGeom prst="rect">
@@ -18063,621 +18567,6 @@
       </p:transition>
     </mc:Fallback>
   </mc:AlternateContent>
-  <p:timing>
-    <p:tnLst>
-      <p:par>
-        <p:cTn id="1" dur="indefinite" restart="never" nodeType="tmRoot">
-          <p:childTnLst>
-            <p:seq concurrent="1" nextAc="seek">
-              <p:cTn id="2" dur="indefinite" nodeType="mainSeq">
-                <p:childTnLst>
-                  <p:par>
-                    <p:cTn id="3" fill="hold">
-                      <p:stCondLst>
-                        <p:cond delay="indefinite"/>
-                      </p:stCondLst>
-                      <p:childTnLst>
-                        <p:par>
-                          <p:cTn id="4" fill="hold">
-                            <p:stCondLst>
-                              <p:cond delay="0"/>
-                            </p:stCondLst>
-                            <p:childTnLst>
-                              <p:par>
-                                <p:cTn id="5" presetID="42" presetClass="entr" presetSubtype="0" fill="hold" nodeType="clickEffect">
-                                  <p:stCondLst>
-                                    <p:cond delay="0"/>
-                                  </p:stCondLst>
-                                  <p:childTnLst>
-                                    <p:set>
-                                      <p:cBhvr>
-                                        <p:cTn id="6" dur="1" fill="hold">
-                                          <p:stCondLst>
-                                            <p:cond delay="0"/>
-                                          </p:stCondLst>
-                                        </p:cTn>
-                                        <p:tgtEl>
-                                          <p:spTgt spid="24"/>
-                                        </p:tgtEl>
-                                        <p:attrNameLst>
-                                          <p:attrName>style.visibility</p:attrName>
-                                        </p:attrNameLst>
-                                      </p:cBhvr>
-                                      <p:to>
-                                        <p:strVal val="visible"/>
-                                      </p:to>
-                                    </p:set>
-                                    <p:animEffect transition="in" filter="fade">
-                                      <p:cBhvr>
-                                        <p:cTn id="7" dur="1000"/>
-                                        <p:tgtEl>
-                                          <p:spTgt spid="24"/>
-                                        </p:tgtEl>
-                                      </p:cBhvr>
-                                    </p:animEffect>
-                                    <p:anim calcmode="lin" valueType="num">
-                                      <p:cBhvr>
-                                        <p:cTn id="8" dur="1000" fill="hold"/>
-                                        <p:tgtEl>
-                                          <p:spTgt spid="24"/>
-                                        </p:tgtEl>
-                                        <p:attrNameLst>
-                                          <p:attrName>ppt_x</p:attrName>
-                                        </p:attrNameLst>
-                                      </p:cBhvr>
-                                      <p:tavLst>
-                                        <p:tav tm="0">
-                                          <p:val>
-                                            <p:strVal val="#ppt_x"/>
-                                          </p:val>
-                                        </p:tav>
-                                        <p:tav tm="100000">
-                                          <p:val>
-                                            <p:strVal val="#ppt_x"/>
-                                          </p:val>
-                                        </p:tav>
-                                      </p:tavLst>
-                                    </p:anim>
-                                    <p:anim calcmode="lin" valueType="num">
-                                      <p:cBhvr>
-                                        <p:cTn id="9" dur="1000" fill="hold"/>
-                                        <p:tgtEl>
-                                          <p:spTgt spid="24"/>
-                                        </p:tgtEl>
-                                        <p:attrNameLst>
-                                          <p:attrName>ppt_y</p:attrName>
-                                        </p:attrNameLst>
-                                      </p:cBhvr>
-                                      <p:tavLst>
-                                        <p:tav tm="0">
-                                          <p:val>
-                                            <p:strVal val="#ppt_y+.1"/>
-                                          </p:val>
-                                        </p:tav>
-                                        <p:tav tm="100000">
-                                          <p:val>
-                                            <p:strVal val="#ppt_y"/>
-                                          </p:val>
-                                        </p:tav>
-                                      </p:tavLst>
-                                    </p:anim>
-                                  </p:childTnLst>
-                                </p:cTn>
-                              </p:par>
-                              <p:par>
-                                <p:cTn id="10" presetID="42" presetClass="entr" presetSubtype="0" fill="hold" nodeType="withEffect">
-                                  <p:stCondLst>
-                                    <p:cond delay="0"/>
-                                  </p:stCondLst>
-                                  <p:childTnLst>
-                                    <p:set>
-                                      <p:cBhvr>
-                                        <p:cTn id="11" dur="1" fill="hold">
-                                          <p:stCondLst>
-                                            <p:cond delay="0"/>
-                                          </p:stCondLst>
-                                        </p:cTn>
-                                        <p:tgtEl>
-                                          <p:spTgt spid="25"/>
-                                        </p:tgtEl>
-                                        <p:attrNameLst>
-                                          <p:attrName>style.visibility</p:attrName>
-                                        </p:attrNameLst>
-                                      </p:cBhvr>
-                                      <p:to>
-                                        <p:strVal val="visible"/>
-                                      </p:to>
-                                    </p:set>
-                                    <p:animEffect transition="in" filter="fade">
-                                      <p:cBhvr>
-                                        <p:cTn id="12" dur="1000"/>
-                                        <p:tgtEl>
-                                          <p:spTgt spid="25"/>
-                                        </p:tgtEl>
-                                      </p:cBhvr>
-                                    </p:animEffect>
-                                    <p:anim calcmode="lin" valueType="num">
-                                      <p:cBhvr>
-                                        <p:cTn id="13" dur="1000" fill="hold"/>
-                                        <p:tgtEl>
-                                          <p:spTgt spid="25"/>
-                                        </p:tgtEl>
-                                        <p:attrNameLst>
-                                          <p:attrName>ppt_x</p:attrName>
-                                        </p:attrNameLst>
-                                      </p:cBhvr>
-                                      <p:tavLst>
-                                        <p:tav tm="0">
-                                          <p:val>
-                                            <p:strVal val="#ppt_x"/>
-                                          </p:val>
-                                        </p:tav>
-                                        <p:tav tm="100000">
-                                          <p:val>
-                                            <p:strVal val="#ppt_x"/>
-                                          </p:val>
-                                        </p:tav>
-                                      </p:tavLst>
-                                    </p:anim>
-                                    <p:anim calcmode="lin" valueType="num">
-                                      <p:cBhvr>
-                                        <p:cTn id="14" dur="1000" fill="hold"/>
-                                        <p:tgtEl>
-                                          <p:spTgt spid="25"/>
-                                        </p:tgtEl>
-                                        <p:attrNameLst>
-                                          <p:attrName>ppt_y</p:attrName>
-                                        </p:attrNameLst>
-                                      </p:cBhvr>
-                                      <p:tavLst>
-                                        <p:tav tm="0">
-                                          <p:val>
-                                            <p:strVal val="#ppt_y+.1"/>
-                                          </p:val>
-                                        </p:tav>
-                                        <p:tav tm="100000">
-                                          <p:val>
-                                            <p:strVal val="#ppt_y"/>
-                                          </p:val>
-                                        </p:tav>
-                                      </p:tavLst>
-                                    </p:anim>
-                                  </p:childTnLst>
-                                </p:cTn>
-                              </p:par>
-                              <p:par>
-                                <p:cTn id="15" presetID="42" presetClass="entr" presetSubtype="0" fill="hold" nodeType="withEffect">
-                                  <p:stCondLst>
-                                    <p:cond delay="0"/>
-                                  </p:stCondLst>
-                                  <p:childTnLst>
-                                    <p:set>
-                                      <p:cBhvr>
-                                        <p:cTn id="16" dur="1" fill="hold">
-                                          <p:stCondLst>
-                                            <p:cond delay="0"/>
-                                          </p:stCondLst>
-                                        </p:cTn>
-                                        <p:tgtEl>
-                                          <p:spTgt spid="28"/>
-                                        </p:tgtEl>
-                                        <p:attrNameLst>
-                                          <p:attrName>style.visibility</p:attrName>
-                                        </p:attrNameLst>
-                                      </p:cBhvr>
-                                      <p:to>
-                                        <p:strVal val="visible"/>
-                                      </p:to>
-                                    </p:set>
-                                    <p:animEffect transition="in" filter="fade">
-                                      <p:cBhvr>
-                                        <p:cTn id="17" dur="1000"/>
-                                        <p:tgtEl>
-                                          <p:spTgt spid="28"/>
-                                        </p:tgtEl>
-                                      </p:cBhvr>
-                                    </p:animEffect>
-                                    <p:anim calcmode="lin" valueType="num">
-                                      <p:cBhvr>
-                                        <p:cTn id="18" dur="1000" fill="hold"/>
-                                        <p:tgtEl>
-                                          <p:spTgt spid="28"/>
-                                        </p:tgtEl>
-                                        <p:attrNameLst>
-                                          <p:attrName>ppt_x</p:attrName>
-                                        </p:attrNameLst>
-                                      </p:cBhvr>
-                                      <p:tavLst>
-                                        <p:tav tm="0">
-                                          <p:val>
-                                            <p:strVal val="#ppt_x"/>
-                                          </p:val>
-                                        </p:tav>
-                                        <p:tav tm="100000">
-                                          <p:val>
-                                            <p:strVal val="#ppt_x"/>
-                                          </p:val>
-                                        </p:tav>
-                                      </p:tavLst>
-                                    </p:anim>
-                                    <p:anim calcmode="lin" valueType="num">
-                                      <p:cBhvr>
-                                        <p:cTn id="19" dur="1000" fill="hold"/>
-                                        <p:tgtEl>
-                                          <p:spTgt spid="28"/>
-                                        </p:tgtEl>
-                                        <p:attrNameLst>
-                                          <p:attrName>ppt_y</p:attrName>
-                                        </p:attrNameLst>
-                                      </p:cBhvr>
-                                      <p:tavLst>
-                                        <p:tav tm="0">
-                                          <p:val>
-                                            <p:strVal val="#ppt_y+.1"/>
-                                          </p:val>
-                                        </p:tav>
-                                        <p:tav tm="100000">
-                                          <p:val>
-                                            <p:strVal val="#ppt_y"/>
-                                          </p:val>
-                                        </p:tav>
-                                      </p:tavLst>
-                                    </p:anim>
-                                  </p:childTnLst>
-                                </p:cTn>
-                              </p:par>
-                              <p:par>
-                                <p:cTn id="20" presetID="42" presetClass="entr" presetSubtype="0" fill="hold" nodeType="withEffect">
-                                  <p:stCondLst>
-                                    <p:cond delay="0"/>
-                                  </p:stCondLst>
-                                  <p:childTnLst>
-                                    <p:set>
-                                      <p:cBhvr>
-                                        <p:cTn id="21" dur="1" fill="hold">
-                                          <p:stCondLst>
-                                            <p:cond delay="0"/>
-                                          </p:stCondLst>
-                                        </p:cTn>
-                                        <p:tgtEl>
-                                          <p:spTgt spid="29"/>
-                                        </p:tgtEl>
-                                        <p:attrNameLst>
-                                          <p:attrName>style.visibility</p:attrName>
-                                        </p:attrNameLst>
-                                      </p:cBhvr>
-                                      <p:to>
-                                        <p:strVal val="visible"/>
-                                      </p:to>
-                                    </p:set>
-                                    <p:animEffect transition="in" filter="fade">
-                                      <p:cBhvr>
-                                        <p:cTn id="22" dur="1000"/>
-                                        <p:tgtEl>
-                                          <p:spTgt spid="29"/>
-                                        </p:tgtEl>
-                                      </p:cBhvr>
-                                    </p:animEffect>
-                                    <p:anim calcmode="lin" valueType="num">
-                                      <p:cBhvr>
-                                        <p:cTn id="23" dur="1000" fill="hold"/>
-                                        <p:tgtEl>
-                                          <p:spTgt spid="29"/>
-                                        </p:tgtEl>
-                                        <p:attrNameLst>
-                                          <p:attrName>ppt_x</p:attrName>
-                                        </p:attrNameLst>
-                                      </p:cBhvr>
-                                      <p:tavLst>
-                                        <p:tav tm="0">
-                                          <p:val>
-                                            <p:strVal val="#ppt_x"/>
-                                          </p:val>
-                                        </p:tav>
-                                        <p:tav tm="100000">
-                                          <p:val>
-                                            <p:strVal val="#ppt_x"/>
-                                          </p:val>
-                                        </p:tav>
-                                      </p:tavLst>
-                                    </p:anim>
-                                    <p:anim calcmode="lin" valueType="num">
-                                      <p:cBhvr>
-                                        <p:cTn id="24" dur="1000" fill="hold"/>
-                                        <p:tgtEl>
-                                          <p:spTgt spid="29"/>
-                                        </p:tgtEl>
-                                        <p:attrNameLst>
-                                          <p:attrName>ppt_y</p:attrName>
-                                        </p:attrNameLst>
-                                      </p:cBhvr>
-                                      <p:tavLst>
-                                        <p:tav tm="0">
-                                          <p:val>
-                                            <p:strVal val="#ppt_y+.1"/>
-                                          </p:val>
-                                        </p:tav>
-                                        <p:tav tm="100000">
-                                          <p:val>
-                                            <p:strVal val="#ppt_y"/>
-                                          </p:val>
-                                        </p:tav>
-                                      </p:tavLst>
-                                    </p:anim>
-                                  </p:childTnLst>
-                                </p:cTn>
-                              </p:par>
-                              <p:par>
-                                <p:cTn id="25" presetID="42" presetClass="entr" presetSubtype="0" fill="hold" nodeType="withEffect">
-                                  <p:stCondLst>
-                                    <p:cond delay="0"/>
-                                  </p:stCondLst>
-                                  <p:childTnLst>
-                                    <p:set>
-                                      <p:cBhvr>
-                                        <p:cTn id="26" dur="1" fill="hold">
-                                          <p:stCondLst>
-                                            <p:cond delay="0"/>
-                                          </p:stCondLst>
-                                        </p:cTn>
-                                        <p:tgtEl>
-                                          <p:spTgt spid="36"/>
-                                        </p:tgtEl>
-                                        <p:attrNameLst>
-                                          <p:attrName>style.visibility</p:attrName>
-                                        </p:attrNameLst>
-                                      </p:cBhvr>
-                                      <p:to>
-                                        <p:strVal val="visible"/>
-                                      </p:to>
-                                    </p:set>
-                                    <p:animEffect transition="in" filter="fade">
-                                      <p:cBhvr>
-                                        <p:cTn id="27" dur="1000"/>
-                                        <p:tgtEl>
-                                          <p:spTgt spid="36"/>
-                                        </p:tgtEl>
-                                      </p:cBhvr>
-                                    </p:animEffect>
-                                    <p:anim calcmode="lin" valueType="num">
-                                      <p:cBhvr>
-                                        <p:cTn id="28" dur="1000" fill="hold"/>
-                                        <p:tgtEl>
-                                          <p:spTgt spid="36"/>
-                                        </p:tgtEl>
-                                        <p:attrNameLst>
-                                          <p:attrName>ppt_x</p:attrName>
-                                        </p:attrNameLst>
-                                      </p:cBhvr>
-                                      <p:tavLst>
-                                        <p:tav tm="0">
-                                          <p:val>
-                                            <p:strVal val="#ppt_x"/>
-                                          </p:val>
-                                        </p:tav>
-                                        <p:tav tm="100000">
-                                          <p:val>
-                                            <p:strVal val="#ppt_x"/>
-                                          </p:val>
-                                        </p:tav>
-                                      </p:tavLst>
-                                    </p:anim>
-                                    <p:anim calcmode="lin" valueType="num">
-                                      <p:cBhvr>
-                                        <p:cTn id="29" dur="1000" fill="hold"/>
-                                        <p:tgtEl>
-                                          <p:spTgt spid="36"/>
-                                        </p:tgtEl>
-                                        <p:attrNameLst>
-                                          <p:attrName>ppt_y</p:attrName>
-                                        </p:attrNameLst>
-                                      </p:cBhvr>
-                                      <p:tavLst>
-                                        <p:tav tm="0">
-                                          <p:val>
-                                            <p:strVal val="#ppt_y+.1"/>
-                                          </p:val>
-                                        </p:tav>
-                                        <p:tav tm="100000">
-                                          <p:val>
-                                            <p:strVal val="#ppt_y"/>
-                                          </p:val>
-                                        </p:tav>
-                                      </p:tavLst>
-                                    </p:anim>
-                                  </p:childTnLst>
-                                </p:cTn>
-                              </p:par>
-                              <p:par>
-                                <p:cTn id="30" presetID="42" presetClass="entr" presetSubtype="0" fill="hold" nodeType="withEffect">
-                                  <p:stCondLst>
-                                    <p:cond delay="0"/>
-                                  </p:stCondLst>
-                                  <p:childTnLst>
-                                    <p:set>
-                                      <p:cBhvr>
-                                        <p:cTn id="31" dur="1" fill="hold">
-                                          <p:stCondLst>
-                                            <p:cond delay="0"/>
-                                          </p:stCondLst>
-                                        </p:cTn>
-                                        <p:tgtEl>
-                                          <p:spTgt spid="35"/>
-                                        </p:tgtEl>
-                                        <p:attrNameLst>
-                                          <p:attrName>style.visibility</p:attrName>
-                                        </p:attrNameLst>
-                                      </p:cBhvr>
-                                      <p:to>
-                                        <p:strVal val="visible"/>
-                                      </p:to>
-                                    </p:set>
-                                    <p:animEffect transition="in" filter="fade">
-                                      <p:cBhvr>
-                                        <p:cTn id="32" dur="1000"/>
-                                        <p:tgtEl>
-                                          <p:spTgt spid="35"/>
-                                        </p:tgtEl>
-                                      </p:cBhvr>
-                                    </p:animEffect>
-                                    <p:anim calcmode="lin" valueType="num">
-                                      <p:cBhvr>
-                                        <p:cTn id="33" dur="1000" fill="hold"/>
-                                        <p:tgtEl>
-                                          <p:spTgt spid="35"/>
-                                        </p:tgtEl>
-                                        <p:attrNameLst>
-                                          <p:attrName>ppt_x</p:attrName>
-                                        </p:attrNameLst>
-                                      </p:cBhvr>
-                                      <p:tavLst>
-                                        <p:tav tm="0">
-                                          <p:val>
-                                            <p:strVal val="#ppt_x"/>
-                                          </p:val>
-                                        </p:tav>
-                                        <p:tav tm="100000">
-                                          <p:val>
-                                            <p:strVal val="#ppt_x"/>
-                                          </p:val>
-                                        </p:tav>
-                                      </p:tavLst>
-                                    </p:anim>
-                                    <p:anim calcmode="lin" valueType="num">
-                                      <p:cBhvr>
-                                        <p:cTn id="34" dur="1000" fill="hold"/>
-                                        <p:tgtEl>
-                                          <p:spTgt spid="35"/>
-                                        </p:tgtEl>
-                                        <p:attrNameLst>
-                                          <p:attrName>ppt_y</p:attrName>
-                                        </p:attrNameLst>
-                                      </p:cBhvr>
-                                      <p:tavLst>
-                                        <p:tav tm="0">
-                                          <p:val>
-                                            <p:strVal val="#ppt_y+.1"/>
-                                          </p:val>
-                                        </p:tav>
-                                        <p:tav tm="100000">
-                                          <p:val>
-                                            <p:strVal val="#ppt_y"/>
-                                          </p:val>
-                                        </p:tav>
-                                      </p:tavLst>
-                                    </p:anim>
-                                  </p:childTnLst>
-                                </p:cTn>
-                              </p:par>
-                              <p:par>
-                                <p:cTn id="35" presetID="42" presetClass="entr" presetSubtype="0" fill="hold" nodeType="withEffect">
-                                  <p:stCondLst>
-                                    <p:cond delay="0"/>
-                                  </p:stCondLst>
-                                  <p:childTnLst>
-                                    <p:set>
-                                      <p:cBhvr>
-                                        <p:cTn id="36" dur="1" fill="hold">
-                                          <p:stCondLst>
-                                            <p:cond delay="0"/>
-                                          </p:stCondLst>
-                                        </p:cTn>
-                                        <p:tgtEl>
-                                          <p:spTgt spid="4"/>
-                                        </p:tgtEl>
-                                        <p:attrNameLst>
-                                          <p:attrName>style.visibility</p:attrName>
-                                        </p:attrNameLst>
-                                      </p:cBhvr>
-                                      <p:to>
-                                        <p:strVal val="visible"/>
-                                      </p:to>
-                                    </p:set>
-                                    <p:animEffect transition="in" filter="fade">
-                                      <p:cBhvr>
-                                        <p:cTn id="37" dur="1000"/>
-                                        <p:tgtEl>
-                                          <p:spTgt spid="4"/>
-                                        </p:tgtEl>
-                                      </p:cBhvr>
-                                    </p:animEffect>
-                                    <p:anim calcmode="lin" valueType="num">
-                                      <p:cBhvr>
-                                        <p:cTn id="38" dur="1000" fill="hold"/>
-                                        <p:tgtEl>
-                                          <p:spTgt spid="4"/>
-                                        </p:tgtEl>
-                                        <p:attrNameLst>
-                                          <p:attrName>ppt_x</p:attrName>
-                                        </p:attrNameLst>
-                                      </p:cBhvr>
-                                      <p:tavLst>
-                                        <p:tav tm="0">
-                                          <p:val>
-                                            <p:strVal val="#ppt_x"/>
-                                          </p:val>
-                                        </p:tav>
-                                        <p:tav tm="100000">
-                                          <p:val>
-                                            <p:strVal val="#ppt_x"/>
-                                          </p:val>
-                                        </p:tav>
-                                      </p:tavLst>
-                                    </p:anim>
-                                    <p:anim calcmode="lin" valueType="num">
-                                      <p:cBhvr>
-                                        <p:cTn id="39" dur="1000" fill="hold"/>
-                                        <p:tgtEl>
-                                          <p:spTgt spid="4"/>
-                                        </p:tgtEl>
-                                        <p:attrNameLst>
-                                          <p:attrName>ppt_y</p:attrName>
-                                        </p:attrNameLst>
-                                      </p:cBhvr>
-                                      <p:tavLst>
-                                        <p:tav tm="0">
-                                          <p:val>
-                                            <p:strVal val="#ppt_y+.1"/>
-                                          </p:val>
-                                        </p:tav>
-                                        <p:tav tm="100000">
-                                          <p:val>
-                                            <p:strVal val="#ppt_y"/>
-                                          </p:val>
-                                        </p:tav>
-                                      </p:tavLst>
-                                    </p:anim>
-                                  </p:childTnLst>
-                                </p:cTn>
-                              </p:par>
-                            </p:childTnLst>
-                          </p:cTn>
-                        </p:par>
-                      </p:childTnLst>
-                    </p:cTn>
-                  </p:par>
-                </p:childTnLst>
-              </p:cTn>
-              <p:prevCondLst>
-                <p:cond evt="onPrev" delay="0">
-                  <p:tgtEl>
-                    <p:sldTgt/>
-                  </p:tgtEl>
-                </p:cond>
-              </p:prevCondLst>
-              <p:nextCondLst>
-                <p:cond evt="onNext" delay="0">
-                  <p:tgtEl>
-                    <p:sldTgt/>
-                  </p:tgtEl>
-                </p:cond>
-              </p:nextCondLst>
-            </p:seq>
-          </p:childTnLst>
-        </p:cTn>
-      </p:par>
-    </p:tnLst>
-  </p:timing>
 </p:sld>
 </file>
 
@@ -19517,6 +19406,287 @@
           </a:p>
         </p:txBody>
       </p:sp>
+      <p:pic>
+        <p:nvPicPr>
+          <p:cNvPr id="1026" name="Picture 2" descr="Résultat de recherche d'images pour &quot;flat icon android&quot;">
+            <a:extLst>
+              <a:ext uri="{FF2B5EF4-FFF2-40B4-BE49-F238E27FC236}">
+                <a16:creationId xmlns:a16="http://schemas.microsoft.com/office/drawing/2014/main" id="{C4B84429-8C0C-4B54-A3A8-9DDB2B471525}"/>
+              </a:ext>
+            </a:extLst>
+          </p:cNvPr>
+          <p:cNvPicPr>
+            <a:picLocks noChangeAspect="1" noChangeArrowheads="1"/>
+          </p:cNvPicPr>
+          <p:nvPr/>
+        </p:nvPicPr>
+        <p:blipFill>
+          <a:blip r:embed="rId4">
+            <a:extLst>
+              <a:ext uri="{28A0092B-C50C-407E-A947-70E740481C1C}">
+                <a14:useLocalDpi xmlns:a14="http://schemas.microsoft.com/office/drawing/2010/main" val="0"/>
+              </a:ext>
+            </a:extLst>
+          </a:blip>
+          <a:srcRect/>
+          <a:stretch>
+            <a:fillRect/>
+          </a:stretch>
+        </p:blipFill>
+        <p:spPr bwMode="auto">
+          <a:xfrm>
+            <a:off x="8391640" y="1892769"/>
+            <a:ext cx="732549" cy="732549"/>
+          </a:xfrm>
+          <a:prstGeom prst="rect">
+            <a:avLst/>
+          </a:prstGeom>
+          <a:noFill/>
+          <a:extLst>
+            <a:ext uri="{909E8E84-426E-40DD-AFC4-6F175D3DCCD1}">
+              <a14:hiddenFill xmlns:a14="http://schemas.microsoft.com/office/drawing/2010/main">
+                <a:solidFill>
+                  <a:srgbClr val="FFFFFF"/>
+                </a:solidFill>
+              </a14:hiddenFill>
+            </a:ext>
+          </a:extLst>
+        </p:spPr>
+      </p:pic>
+      <p:pic>
+        <p:nvPicPr>
+          <p:cNvPr id="24" name="Image 23">
+            <a:extLst>
+              <a:ext uri="{FF2B5EF4-FFF2-40B4-BE49-F238E27FC236}">
+                <a16:creationId xmlns:a16="http://schemas.microsoft.com/office/drawing/2014/main" id="{258E5394-BE9D-4AD0-B77A-7F94803EEAF5}"/>
+              </a:ext>
+            </a:extLst>
+          </p:cNvPr>
+          <p:cNvPicPr>
+            <a:picLocks noChangeAspect="1"/>
+          </p:cNvPicPr>
+          <p:nvPr/>
+        </p:nvPicPr>
+        <p:blipFill>
+          <a:blip r:embed="rId5"/>
+          <a:stretch>
+            <a:fillRect/>
+          </a:stretch>
+        </p:blipFill>
+        <p:spPr>
+          <a:xfrm>
+            <a:off x="9435033" y="1892769"/>
+            <a:ext cx="732549" cy="726341"/>
+          </a:xfrm>
+          <a:prstGeom prst="rect">
+            <a:avLst/>
+          </a:prstGeom>
+        </p:spPr>
+      </p:pic>
+      <p:sp>
+        <p:nvSpPr>
+          <p:cNvPr id="25" name="ZoneTexte 24">
+            <a:extLst>
+              <a:ext uri="{FF2B5EF4-FFF2-40B4-BE49-F238E27FC236}">
+                <a16:creationId xmlns:a16="http://schemas.microsoft.com/office/drawing/2014/main" id="{EC7F4615-C57E-46C1-9A67-467774FC3F25}"/>
+              </a:ext>
+            </a:extLst>
+          </p:cNvPr>
+          <p:cNvSpPr txBox="1"/>
+          <p:nvPr/>
+        </p:nvSpPr>
+        <p:spPr>
+          <a:xfrm>
+            <a:off x="1136835" y="1862733"/>
+            <a:ext cx="7137359" cy="1015663"/>
+          </a:xfrm>
+          <a:prstGeom prst="rect">
+            <a:avLst/>
+          </a:prstGeom>
+          <a:noFill/>
+        </p:spPr>
+        <p:txBody>
+          <a:bodyPr wrap="square" rtlCol="0">
+            <a:spAutoFit/>
+          </a:bodyPr>
+          <a:lstStyle/>
+          <a:p>
+            <a:r>
+              <a:rPr lang="fr-FR" sz="2400" dirty="0"/>
+              <a:t>Afin de pouvoir accéder de partout à l’état des serre :</a:t>
+            </a:r>
+          </a:p>
+          <a:p>
+            <a:r>
+              <a:rPr lang="fr-FR" dirty="0"/>
+              <a:t>Hébergement de la base de données sur un serveur OVH</a:t>
+            </a:r>
+          </a:p>
+          <a:p>
+            <a:endParaRPr lang="fr-FR" dirty="0">
+              <a:latin typeface="Berlin Sans FB" panose="020E0602020502020306" pitchFamily="34" charset="0"/>
+            </a:endParaRPr>
+          </a:p>
+        </p:txBody>
+      </p:sp>
+      <p:sp>
+        <p:nvSpPr>
+          <p:cNvPr id="27" name="ZoneTexte 26">
+            <a:extLst>
+              <a:ext uri="{FF2B5EF4-FFF2-40B4-BE49-F238E27FC236}">
+                <a16:creationId xmlns:a16="http://schemas.microsoft.com/office/drawing/2014/main" id="{766083B8-45E2-4404-BC03-CEF7BDA02A0C}"/>
+              </a:ext>
+            </a:extLst>
+          </p:cNvPr>
+          <p:cNvSpPr txBox="1"/>
+          <p:nvPr/>
+        </p:nvSpPr>
+        <p:spPr>
+          <a:xfrm>
+            <a:off x="1136834" y="3240941"/>
+            <a:ext cx="7137359" cy="738664"/>
+          </a:xfrm>
+          <a:prstGeom prst="rect">
+            <a:avLst/>
+          </a:prstGeom>
+          <a:noFill/>
+        </p:spPr>
+        <p:txBody>
+          <a:bodyPr wrap="square" rtlCol="0">
+            <a:spAutoFit/>
+          </a:bodyPr>
+          <a:lstStyle/>
+          <a:p>
+            <a:r>
+              <a:rPr lang="fr-FR" sz="2400" dirty="0"/>
+              <a:t>Pour mettre en place la boucle 4-20 mA :</a:t>
+            </a:r>
+          </a:p>
+          <a:p>
+            <a:r>
+              <a:rPr lang="fr-FR" dirty="0"/>
+              <a:t>Choix de l’adaptateur </a:t>
+            </a:r>
+            <a:r>
+              <a:rPr lang="fr-FR" i="1" dirty="0" err="1"/>
+              <a:t>Current</a:t>
+            </a:r>
+            <a:r>
+              <a:rPr lang="fr-FR" i="1" dirty="0"/>
+              <a:t> Loop </a:t>
+            </a:r>
+            <a:r>
+              <a:rPr lang="fr-FR" i="1" dirty="0" err="1"/>
+              <a:t>Sensor</a:t>
+            </a:r>
+            <a:r>
+              <a:rPr lang="fr-FR" i="1" dirty="0"/>
+              <a:t> </a:t>
+            </a:r>
+            <a:r>
+              <a:rPr lang="fr-FR" i="1" dirty="0" err="1"/>
+              <a:t>Board</a:t>
+            </a:r>
+            <a:endParaRPr lang="fr-FR" i="1" dirty="0"/>
+          </a:p>
+        </p:txBody>
+      </p:sp>
+      <p:pic>
+        <p:nvPicPr>
+          <p:cNvPr id="28" name="Image 27" descr="Une image contenant équipement électronique, circuit&#10;&#10;Description générée avec un niveau de confiance très élevé">
+            <a:extLst>
+              <a:ext uri="{FF2B5EF4-FFF2-40B4-BE49-F238E27FC236}">
+                <a16:creationId xmlns:a16="http://schemas.microsoft.com/office/drawing/2014/main" id="{A25B2961-C599-444E-95C1-0CFF8C50C2C2}"/>
+              </a:ext>
+            </a:extLst>
+          </p:cNvPr>
+          <p:cNvPicPr/>
+          <p:nvPr/>
+        </p:nvPicPr>
+        <p:blipFill>
+          <a:blip r:embed="rId6" cstate="print">
+            <a:extLst>
+              <a:ext uri="{28A0092B-C50C-407E-A947-70E740481C1C}">
+                <a14:useLocalDpi xmlns:a14="http://schemas.microsoft.com/office/drawing/2010/main" val="0"/>
+              </a:ext>
+            </a:extLst>
+          </a:blip>
+          <a:stretch>
+            <a:fillRect/>
+          </a:stretch>
+        </p:blipFill>
+        <p:spPr>
+          <a:xfrm>
+            <a:off x="8509210" y="3009725"/>
+            <a:ext cx="1591260" cy="1222958"/>
+          </a:xfrm>
+          <a:prstGeom prst="rect">
+            <a:avLst/>
+          </a:prstGeom>
+        </p:spPr>
+      </p:pic>
+      <p:sp>
+        <p:nvSpPr>
+          <p:cNvPr id="29" name="ZoneTexte 28">
+            <a:extLst>
+              <a:ext uri="{FF2B5EF4-FFF2-40B4-BE49-F238E27FC236}">
+                <a16:creationId xmlns:a16="http://schemas.microsoft.com/office/drawing/2014/main" id="{DCC8A55B-425D-4CBF-AA4A-049A4882AE1B}"/>
+              </a:ext>
+            </a:extLst>
+          </p:cNvPr>
+          <p:cNvSpPr txBox="1"/>
+          <p:nvPr/>
+        </p:nvSpPr>
+        <p:spPr>
+          <a:xfrm>
+            <a:off x="1136834" y="4232683"/>
+            <a:ext cx="7137359" cy="738664"/>
+          </a:xfrm>
+          <a:prstGeom prst="rect">
+            <a:avLst/>
+          </a:prstGeom>
+          <a:noFill/>
+        </p:spPr>
+        <p:txBody>
+          <a:bodyPr wrap="square" rtlCol="0">
+            <a:spAutoFit/>
+          </a:bodyPr>
+          <a:lstStyle/>
+          <a:p>
+            <a:r>
+              <a:rPr lang="fr-FR" sz="2400" dirty="0"/>
+              <a:t>Liaison Arduino :</a:t>
+            </a:r>
+          </a:p>
+          <a:p>
+            <a:r>
+              <a:rPr lang="fr-FR" dirty="0"/>
+              <a:t>Choix de l’adaptateur </a:t>
+            </a:r>
+            <a:r>
+              <a:rPr lang="fr-FR" i="1" dirty="0" err="1"/>
+              <a:t>Current</a:t>
+            </a:r>
+            <a:r>
+              <a:rPr lang="fr-FR" i="1" dirty="0"/>
+              <a:t> Loop </a:t>
+            </a:r>
+            <a:r>
+              <a:rPr lang="fr-FR" i="1" dirty="0" err="1"/>
+              <a:t>Sensor</a:t>
+            </a:r>
+            <a:r>
+              <a:rPr lang="fr-FR" i="1" dirty="0"/>
+              <a:t> </a:t>
+            </a:r>
+            <a:r>
+              <a:rPr lang="fr-FR" i="1" dirty="0" err="1"/>
+              <a:t>Board</a:t>
+            </a:r>
+            <a:endParaRPr lang="fr-FR" i="1" dirty="0"/>
+          </a:p>
+        </p:txBody>
+      </p:sp>
     </p:spTree>
     <p:extLst>
       <p:ext uri="{BB962C8B-B14F-4D97-AF65-F5344CB8AC3E}">
@@ -19539,6 +19709,256 @@
       </p:transition>
     </mc:Fallback>
   </mc:AlternateContent>
+  <p:timing>
+    <p:tnLst>
+      <p:par>
+        <p:cTn id="1" dur="indefinite" restart="never" nodeType="tmRoot">
+          <p:childTnLst>
+            <p:seq concurrent="1" nextAc="seek">
+              <p:cTn id="2" dur="indefinite" nodeType="mainSeq">
+                <p:childTnLst>
+                  <p:par>
+                    <p:cTn id="3" fill="hold">
+                      <p:stCondLst>
+                        <p:cond delay="indefinite"/>
+                        <p:cond evt="onBegin" delay="0">
+                          <p:tn val="2"/>
+                        </p:cond>
+                      </p:stCondLst>
+                      <p:childTnLst>
+                        <p:par>
+                          <p:cTn id="4" fill="hold">
+                            <p:stCondLst>
+                              <p:cond delay="0"/>
+                            </p:stCondLst>
+                            <p:childTnLst>
+                              <p:par>
+                                <p:cTn id="5" presetID="10" presetClass="entr" presetSubtype="0" fill="hold" nodeType="withEffect">
+                                  <p:stCondLst>
+                                    <p:cond delay="0"/>
+                                  </p:stCondLst>
+                                  <p:childTnLst>
+                                    <p:set>
+                                      <p:cBhvr>
+                                        <p:cTn id="6" dur="1" fill="hold">
+                                          <p:stCondLst>
+                                            <p:cond delay="0"/>
+                                          </p:stCondLst>
+                                        </p:cTn>
+                                        <p:tgtEl>
+                                          <p:spTgt spid="24"/>
+                                        </p:tgtEl>
+                                        <p:attrNameLst>
+                                          <p:attrName>style.visibility</p:attrName>
+                                        </p:attrNameLst>
+                                      </p:cBhvr>
+                                      <p:to>
+                                        <p:strVal val="visible"/>
+                                      </p:to>
+                                    </p:set>
+                                    <p:animEffect transition="in" filter="fade">
+                                      <p:cBhvr>
+                                        <p:cTn id="7" dur="500"/>
+                                        <p:tgtEl>
+                                          <p:spTgt spid="24"/>
+                                        </p:tgtEl>
+                                      </p:cBhvr>
+                                    </p:animEffect>
+                                  </p:childTnLst>
+                                </p:cTn>
+                              </p:par>
+                            </p:childTnLst>
+                          </p:cTn>
+                        </p:par>
+                      </p:childTnLst>
+                    </p:cTn>
+                  </p:par>
+                  <p:par>
+                    <p:cTn id="8" fill="hold">
+                      <p:stCondLst>
+                        <p:cond delay="indefinite"/>
+                      </p:stCondLst>
+                      <p:childTnLst>
+                        <p:par>
+                          <p:cTn id="9" fill="hold">
+                            <p:stCondLst>
+                              <p:cond delay="0"/>
+                            </p:stCondLst>
+                            <p:childTnLst>
+                              <p:par>
+                                <p:cTn id="10" presetID="10" presetClass="entr" presetSubtype="0" fill="hold" grpId="0" nodeType="clickEffect">
+                                  <p:stCondLst>
+                                    <p:cond delay="0"/>
+                                  </p:stCondLst>
+                                  <p:childTnLst>
+                                    <p:set>
+                                      <p:cBhvr>
+                                        <p:cTn id="11" dur="1" fill="hold">
+                                          <p:stCondLst>
+                                            <p:cond delay="0"/>
+                                          </p:stCondLst>
+                                        </p:cTn>
+                                        <p:tgtEl>
+                                          <p:spTgt spid="25"/>
+                                        </p:tgtEl>
+                                        <p:attrNameLst>
+                                          <p:attrName>style.visibility</p:attrName>
+                                        </p:attrNameLst>
+                                      </p:cBhvr>
+                                      <p:to>
+                                        <p:strVal val="visible"/>
+                                      </p:to>
+                                    </p:set>
+                                    <p:animEffect transition="in" filter="fade">
+                                      <p:cBhvr>
+                                        <p:cTn id="12" dur="500"/>
+                                        <p:tgtEl>
+                                          <p:spTgt spid="25"/>
+                                        </p:tgtEl>
+                                      </p:cBhvr>
+                                    </p:animEffect>
+                                  </p:childTnLst>
+                                </p:cTn>
+                              </p:par>
+                            </p:childTnLst>
+                          </p:cTn>
+                        </p:par>
+                      </p:childTnLst>
+                    </p:cTn>
+                  </p:par>
+                  <p:par>
+                    <p:cTn id="13" fill="hold">
+                      <p:stCondLst>
+                        <p:cond delay="indefinite"/>
+                      </p:stCondLst>
+                      <p:childTnLst>
+                        <p:par>
+                          <p:cTn id="14" fill="hold">
+                            <p:stCondLst>
+                              <p:cond delay="0"/>
+                            </p:stCondLst>
+                            <p:childTnLst>
+                              <p:par>
+                                <p:cTn id="15" presetID="10" presetClass="entr" presetSubtype="0" fill="hold" grpId="0" nodeType="clickEffect">
+                                  <p:stCondLst>
+                                    <p:cond delay="0"/>
+                                  </p:stCondLst>
+                                  <p:childTnLst>
+                                    <p:set>
+                                      <p:cBhvr>
+                                        <p:cTn id="16" dur="1" fill="hold">
+                                          <p:stCondLst>
+                                            <p:cond delay="0"/>
+                                          </p:stCondLst>
+                                        </p:cTn>
+                                        <p:tgtEl>
+                                          <p:spTgt spid="27"/>
+                                        </p:tgtEl>
+                                        <p:attrNameLst>
+                                          <p:attrName>style.visibility</p:attrName>
+                                        </p:attrNameLst>
+                                      </p:cBhvr>
+                                      <p:to>
+                                        <p:strVal val="visible"/>
+                                      </p:to>
+                                    </p:set>
+                                    <p:animEffect transition="in" filter="fade">
+                                      <p:cBhvr>
+                                        <p:cTn id="17" dur="500"/>
+                                        <p:tgtEl>
+                                          <p:spTgt spid="27"/>
+                                        </p:tgtEl>
+                                      </p:cBhvr>
+                                    </p:animEffect>
+                                  </p:childTnLst>
+                                </p:cTn>
+                              </p:par>
+                            </p:childTnLst>
+                          </p:cTn>
+                        </p:par>
+                      </p:childTnLst>
+                    </p:cTn>
+                  </p:par>
+                  <p:par>
+                    <p:cTn id="18" fill="hold">
+                      <p:stCondLst>
+                        <p:cond delay="indefinite"/>
+                      </p:stCondLst>
+                      <p:childTnLst>
+                        <p:par>
+                          <p:cTn id="19" fill="hold">
+                            <p:stCondLst>
+                              <p:cond delay="0"/>
+                            </p:stCondLst>
+                            <p:childTnLst>
+                              <p:par>
+                                <p:cTn id="20" presetID="10" presetClass="entr" presetSubtype="0" fill="hold" grpId="0" nodeType="clickEffect">
+                                  <p:stCondLst>
+                                    <p:cond delay="0"/>
+                                  </p:stCondLst>
+                                  <p:childTnLst>
+                                    <p:set>
+                                      <p:cBhvr>
+                                        <p:cTn id="21" dur="1" fill="hold">
+                                          <p:stCondLst>
+                                            <p:cond delay="0"/>
+                                          </p:stCondLst>
+                                        </p:cTn>
+                                        <p:tgtEl>
+                                          <p:spTgt spid="29"/>
+                                        </p:tgtEl>
+                                        <p:attrNameLst>
+                                          <p:attrName>style.visibility</p:attrName>
+                                        </p:attrNameLst>
+                                      </p:cBhvr>
+                                      <p:to>
+                                        <p:strVal val="visible"/>
+                                      </p:to>
+                                    </p:set>
+                                    <p:animEffect transition="in" filter="fade">
+                                      <p:cBhvr>
+                                        <p:cTn id="22" dur="500"/>
+                                        <p:tgtEl>
+                                          <p:spTgt spid="29"/>
+                                        </p:tgtEl>
+                                      </p:cBhvr>
+                                    </p:animEffect>
+                                  </p:childTnLst>
+                                </p:cTn>
+                              </p:par>
+                            </p:childTnLst>
+                          </p:cTn>
+                        </p:par>
+                      </p:childTnLst>
+                    </p:cTn>
+                  </p:par>
+                </p:childTnLst>
+              </p:cTn>
+              <p:prevCondLst>
+                <p:cond evt="onPrev" delay="0">
+                  <p:tgtEl>
+                    <p:sldTgt/>
+                  </p:tgtEl>
+                </p:cond>
+              </p:prevCondLst>
+              <p:nextCondLst>
+                <p:cond evt="onNext" delay="0">
+                  <p:tgtEl>
+                    <p:sldTgt/>
+                  </p:tgtEl>
+                </p:cond>
+              </p:nextCondLst>
+            </p:seq>
+          </p:childTnLst>
+        </p:cTn>
+      </p:par>
+    </p:tnLst>
+    <p:bldLst>
+      <p:bldP spid="25" grpId="0"/>
+      <p:bldP spid="27" grpId="0"/>
+      <p:bldP spid="29" grpId="0"/>
+    </p:bldLst>
+  </p:timing>
 </p:sld>
 </file>
 

--- a/oral_projet/revue_2/diaporama_revue_2_samuel.pptx
+++ b/oral_projet/revue_2/diaporama_revue_2_samuel.pptx
@@ -16788,42 +16788,6 @@
           </a:p>
         </p:txBody>
       </p:sp>
-      <p:pic>
-        <p:nvPicPr>
-          <p:cNvPr id="4" name="Image 3">
-            <a:extLst>
-              <a:ext uri="{FF2B5EF4-FFF2-40B4-BE49-F238E27FC236}">
-                <a16:creationId xmlns:a16="http://schemas.microsoft.com/office/drawing/2014/main" id="{E85F3E60-A809-4CF3-8988-26E4D6B96CAD}"/>
-              </a:ext>
-            </a:extLst>
-          </p:cNvPr>
-          <p:cNvPicPr>
-            <a:picLocks noChangeAspect="1"/>
-          </p:cNvPicPr>
-          <p:nvPr/>
-        </p:nvPicPr>
-        <p:blipFill>
-          <a:blip r:embed="rId4">
-            <a:extLst>
-              <a:ext uri="{28A0092B-C50C-407E-A947-70E740481C1C}">
-                <a14:useLocalDpi xmlns:a14="http://schemas.microsoft.com/office/drawing/2010/main" val="0"/>
-              </a:ext>
-            </a:extLst>
-          </a:blip>
-          <a:stretch>
-            <a:fillRect/>
-          </a:stretch>
-        </p:blipFill>
-        <p:spPr>
-          <a:xfrm>
-            <a:off x="1614196" y="1327912"/>
-            <a:ext cx="8285584" cy="4980629"/>
-          </a:xfrm>
-          <a:prstGeom prst="rect">
-            <a:avLst/>
-          </a:prstGeom>
-        </p:spPr>
-      </p:pic>
     </p:spTree>
     <p:extLst>
       <p:ext uri="{BB962C8B-B14F-4D97-AF65-F5344CB8AC3E}">

--- a/oral_projet/revue_2/diaporama_revue_2_samuel.pptx
+++ b/oral_projet/revue_2/diaporama_revue_2_samuel.pptx
@@ -5,7 +5,7 @@
     <p:sldMasterId id="2147483648" r:id="rId1"/>
   </p:sldMasterIdLst>
   <p:notesMasterIdLst>
-    <p:notesMasterId r:id="rId18"/>
+    <p:notesMasterId r:id="rId20"/>
   </p:notesMasterIdLst>
   <p:sldIdLst>
     <p:sldId id="256" r:id="rId2"/>
@@ -17,13 +17,15 @@
     <p:sldId id="270" r:id="rId8"/>
     <p:sldId id="273" r:id="rId9"/>
     <p:sldId id="274" r:id="rId10"/>
-    <p:sldId id="260" r:id="rId11"/>
-    <p:sldId id="265" r:id="rId12"/>
-    <p:sldId id="266" r:id="rId13"/>
-    <p:sldId id="264" r:id="rId14"/>
-    <p:sldId id="269" r:id="rId15"/>
-    <p:sldId id="268" r:id="rId16"/>
-    <p:sldId id="267" r:id="rId17"/>
+    <p:sldId id="278" r:id="rId11"/>
+    <p:sldId id="279" r:id="rId12"/>
+    <p:sldId id="260" r:id="rId13"/>
+    <p:sldId id="265" r:id="rId14"/>
+    <p:sldId id="266" r:id="rId15"/>
+    <p:sldId id="264" r:id="rId16"/>
+    <p:sldId id="269" r:id="rId17"/>
+    <p:sldId id="268" r:id="rId18"/>
+    <p:sldId id="267" r:id="rId19"/>
   </p:sldIdLst>
   <p:sldSz cx="12192000" cy="6858000"/>
   <p:notesSz cx="6858000" cy="9144000"/>
@@ -4538,6 +4540,1644 @@
 </file>
 
 <file path=ppt/slides/slide10.xml><?xml version="1.0" encoding="utf-8"?>
+<p:sld xmlns:a="http://schemas.openxmlformats.org/drawingml/2006/main" xmlns:r="http://schemas.openxmlformats.org/officeDocument/2006/relationships" xmlns:p="http://schemas.openxmlformats.org/presentationml/2006/main">
+  <p:cSld>
+    <p:spTree>
+      <p:nvGrpSpPr>
+        <p:cNvPr id="1" name=""/>
+        <p:cNvGrpSpPr/>
+        <p:nvPr/>
+      </p:nvGrpSpPr>
+      <p:grpSpPr>
+        <a:xfrm>
+          <a:off x="0" y="0"/>
+          <a:ext cx="0" cy="0"/>
+          <a:chOff x="0" y="0"/>
+          <a:chExt cx="0" cy="0"/>
+        </a:xfrm>
+      </p:grpSpPr>
+      <p:pic>
+        <p:nvPicPr>
+          <p:cNvPr id="8" name="Image 7">
+            <a:extLst>
+              <a:ext uri="{FF2B5EF4-FFF2-40B4-BE49-F238E27FC236}">
+                <a16:creationId xmlns:a16="http://schemas.microsoft.com/office/drawing/2014/main" id="{2BB825C5-31DA-4A56-85EA-536DBF510A31}"/>
+              </a:ext>
+            </a:extLst>
+          </p:cNvPr>
+          <p:cNvPicPr>
+            <a:picLocks noChangeAspect="1"/>
+          </p:cNvPicPr>
+          <p:nvPr/>
+        </p:nvPicPr>
+        <p:blipFill>
+          <a:blip r:embed="rId2">
+            <a:extLst>
+              <a:ext uri="{28A0092B-C50C-407E-A947-70E740481C1C}">
+                <a14:useLocalDpi xmlns:a14="http://schemas.microsoft.com/office/drawing/2010/main" val="0"/>
+              </a:ext>
+            </a:extLst>
+          </a:blip>
+          <a:stretch>
+            <a:fillRect/>
+          </a:stretch>
+        </p:blipFill>
+        <p:spPr>
+          <a:xfrm>
+            <a:off x="1068751" y="66457"/>
+            <a:ext cx="1259497" cy="776690"/>
+          </a:xfrm>
+          <a:prstGeom prst="rect">
+            <a:avLst/>
+          </a:prstGeom>
+        </p:spPr>
+      </p:pic>
+      <p:pic>
+        <p:nvPicPr>
+          <p:cNvPr id="10" name="Image 9">
+            <a:extLst>
+              <a:ext uri="{FF2B5EF4-FFF2-40B4-BE49-F238E27FC236}">
+                <a16:creationId xmlns:a16="http://schemas.microsoft.com/office/drawing/2014/main" id="{8EE7436F-49F2-41E0-93E4-D247B4705294}"/>
+              </a:ext>
+            </a:extLst>
+          </p:cNvPr>
+          <p:cNvPicPr>
+            <a:picLocks noChangeAspect="1"/>
+          </p:cNvPicPr>
+          <p:nvPr/>
+        </p:nvPicPr>
+        <p:blipFill>
+          <a:blip r:embed="rId3">
+            <a:extLst>
+              <a:ext uri="{28A0092B-C50C-407E-A947-70E740481C1C}">
+                <a14:useLocalDpi xmlns:a14="http://schemas.microsoft.com/office/drawing/2010/main" val="0"/>
+              </a:ext>
+            </a:extLst>
+          </a:blip>
+          <a:stretch>
+            <a:fillRect/>
+          </a:stretch>
+        </p:blipFill>
+        <p:spPr>
+          <a:xfrm>
+            <a:off x="9681085" y="238153"/>
+            <a:ext cx="1802101" cy="569807"/>
+          </a:xfrm>
+          <a:prstGeom prst="rect">
+            <a:avLst/>
+          </a:prstGeom>
+        </p:spPr>
+      </p:pic>
+      <p:cxnSp>
+        <p:nvCxnSpPr>
+          <p:cNvPr id="16" name="Connecteur droit 15">
+            <a:extLst>
+              <a:ext uri="{FF2B5EF4-FFF2-40B4-BE49-F238E27FC236}">
+                <a16:creationId xmlns:a16="http://schemas.microsoft.com/office/drawing/2014/main" id="{7319284A-BD6F-4A96-8E2B-E0A4B52E53C6}"/>
+              </a:ext>
+            </a:extLst>
+          </p:cNvPr>
+          <p:cNvCxnSpPr>
+            <a:cxnSpLocks/>
+          </p:cNvCxnSpPr>
+          <p:nvPr/>
+        </p:nvCxnSpPr>
+        <p:spPr>
+          <a:xfrm flipV="1">
+            <a:off x="0" y="454803"/>
+            <a:ext cx="738231" cy="1798"/>
+          </a:xfrm>
+          <a:prstGeom prst="line">
+            <a:avLst/>
+          </a:prstGeom>
+        </p:spPr>
+        <p:style>
+          <a:lnRef idx="3">
+            <a:schemeClr val="dk1"/>
+          </a:lnRef>
+          <a:fillRef idx="0">
+            <a:schemeClr val="dk1"/>
+          </a:fillRef>
+          <a:effectRef idx="2">
+            <a:schemeClr val="dk1"/>
+          </a:effectRef>
+          <a:fontRef idx="minor">
+            <a:schemeClr val="tx1"/>
+          </a:fontRef>
+        </p:style>
+      </p:cxnSp>
+      <p:cxnSp>
+        <p:nvCxnSpPr>
+          <p:cNvPr id="20" name="Connecteur droit 19">
+            <a:extLst>
+              <a:ext uri="{FF2B5EF4-FFF2-40B4-BE49-F238E27FC236}">
+                <a16:creationId xmlns:a16="http://schemas.microsoft.com/office/drawing/2014/main" id="{08874CF7-F149-4C81-B61E-74E18342BA8A}"/>
+              </a:ext>
+            </a:extLst>
+          </p:cNvPr>
+          <p:cNvCxnSpPr>
+            <a:cxnSpLocks/>
+          </p:cNvCxnSpPr>
+          <p:nvPr/>
+        </p:nvCxnSpPr>
+        <p:spPr>
+          <a:xfrm>
+            <a:off x="2573222" y="454803"/>
+            <a:ext cx="6829482" cy="10398"/>
+          </a:xfrm>
+          <a:prstGeom prst="line">
+            <a:avLst/>
+          </a:prstGeom>
+        </p:spPr>
+        <p:style>
+          <a:lnRef idx="3">
+            <a:schemeClr val="dk1"/>
+          </a:lnRef>
+          <a:fillRef idx="0">
+            <a:schemeClr val="dk1"/>
+          </a:fillRef>
+          <a:effectRef idx="2">
+            <a:schemeClr val="dk1"/>
+          </a:effectRef>
+          <a:fontRef idx="minor">
+            <a:schemeClr val="tx1"/>
+          </a:fontRef>
+        </p:style>
+      </p:cxnSp>
+      <p:cxnSp>
+        <p:nvCxnSpPr>
+          <p:cNvPr id="26" name="Connecteur droit 25">
+            <a:extLst>
+              <a:ext uri="{FF2B5EF4-FFF2-40B4-BE49-F238E27FC236}">
+                <a16:creationId xmlns:a16="http://schemas.microsoft.com/office/drawing/2014/main" id="{BB3B35CC-057B-48C1-880F-3306A6559175}"/>
+              </a:ext>
+            </a:extLst>
+          </p:cNvPr>
+          <p:cNvCxnSpPr>
+            <a:cxnSpLocks/>
+          </p:cNvCxnSpPr>
+          <p:nvPr/>
+        </p:nvCxnSpPr>
+        <p:spPr>
+          <a:xfrm>
+            <a:off x="738231" y="454803"/>
+            <a:ext cx="344203" cy="484764"/>
+          </a:xfrm>
+          <a:prstGeom prst="line">
+            <a:avLst/>
+          </a:prstGeom>
+        </p:spPr>
+        <p:style>
+          <a:lnRef idx="3">
+            <a:schemeClr val="dk1"/>
+          </a:lnRef>
+          <a:fillRef idx="0">
+            <a:schemeClr val="dk1"/>
+          </a:fillRef>
+          <a:effectRef idx="2">
+            <a:schemeClr val="dk1"/>
+          </a:effectRef>
+          <a:fontRef idx="minor">
+            <a:schemeClr val="tx1"/>
+          </a:fontRef>
+        </p:style>
+      </p:cxnSp>
+      <p:cxnSp>
+        <p:nvCxnSpPr>
+          <p:cNvPr id="32" name="Connecteur droit 31">
+            <a:extLst>
+              <a:ext uri="{FF2B5EF4-FFF2-40B4-BE49-F238E27FC236}">
+                <a16:creationId xmlns:a16="http://schemas.microsoft.com/office/drawing/2014/main" id="{4AD96496-1EB6-4E48-9BB2-5C255495C686}"/>
+              </a:ext>
+            </a:extLst>
+          </p:cNvPr>
+          <p:cNvCxnSpPr>
+            <a:cxnSpLocks/>
+          </p:cNvCxnSpPr>
+          <p:nvPr/>
+        </p:nvCxnSpPr>
+        <p:spPr>
+          <a:xfrm>
+            <a:off x="1082434" y="938268"/>
+            <a:ext cx="1146585" cy="0"/>
+          </a:xfrm>
+          <a:prstGeom prst="line">
+            <a:avLst/>
+          </a:prstGeom>
+        </p:spPr>
+        <p:style>
+          <a:lnRef idx="3">
+            <a:schemeClr val="dk1"/>
+          </a:lnRef>
+          <a:fillRef idx="0">
+            <a:schemeClr val="dk1"/>
+          </a:fillRef>
+          <a:effectRef idx="2">
+            <a:schemeClr val="dk1"/>
+          </a:effectRef>
+          <a:fontRef idx="minor">
+            <a:schemeClr val="tx1"/>
+          </a:fontRef>
+        </p:style>
+      </p:cxnSp>
+      <p:cxnSp>
+        <p:nvCxnSpPr>
+          <p:cNvPr id="51" name="Connecteur droit 50">
+            <a:extLst>
+              <a:ext uri="{FF2B5EF4-FFF2-40B4-BE49-F238E27FC236}">
+                <a16:creationId xmlns:a16="http://schemas.microsoft.com/office/drawing/2014/main" id="{C035BFA6-ECBF-4775-BA81-19D2CA41AA8D}"/>
+              </a:ext>
+            </a:extLst>
+          </p:cNvPr>
+          <p:cNvCxnSpPr>
+            <a:cxnSpLocks/>
+          </p:cNvCxnSpPr>
+          <p:nvPr/>
+        </p:nvCxnSpPr>
+        <p:spPr>
+          <a:xfrm>
+            <a:off x="9402704" y="465201"/>
+            <a:ext cx="344203" cy="495163"/>
+          </a:xfrm>
+          <a:prstGeom prst="line">
+            <a:avLst/>
+          </a:prstGeom>
+        </p:spPr>
+        <p:style>
+          <a:lnRef idx="3">
+            <a:schemeClr val="dk1"/>
+          </a:lnRef>
+          <a:fillRef idx="0">
+            <a:schemeClr val="dk1"/>
+          </a:fillRef>
+          <a:effectRef idx="2">
+            <a:schemeClr val="dk1"/>
+          </a:effectRef>
+          <a:fontRef idx="minor">
+            <a:schemeClr val="tx1"/>
+          </a:fontRef>
+        </p:style>
+      </p:cxnSp>
+      <p:cxnSp>
+        <p:nvCxnSpPr>
+          <p:cNvPr id="52" name="Connecteur droit 51">
+            <a:extLst>
+              <a:ext uri="{FF2B5EF4-FFF2-40B4-BE49-F238E27FC236}">
+                <a16:creationId xmlns:a16="http://schemas.microsoft.com/office/drawing/2014/main" id="{FA310BC7-694B-4984-99A2-61A1F4F6EBF9}"/>
+              </a:ext>
+            </a:extLst>
+          </p:cNvPr>
+          <p:cNvCxnSpPr>
+            <a:cxnSpLocks/>
+          </p:cNvCxnSpPr>
+          <p:nvPr/>
+        </p:nvCxnSpPr>
+        <p:spPr>
+          <a:xfrm flipH="1">
+            <a:off x="11370469" y="448308"/>
+            <a:ext cx="364332" cy="501657"/>
+          </a:xfrm>
+          <a:prstGeom prst="line">
+            <a:avLst/>
+          </a:prstGeom>
+        </p:spPr>
+        <p:style>
+          <a:lnRef idx="3">
+            <a:schemeClr val="dk1"/>
+          </a:lnRef>
+          <a:fillRef idx="0">
+            <a:schemeClr val="dk1"/>
+          </a:fillRef>
+          <a:effectRef idx="2">
+            <a:schemeClr val="dk1"/>
+          </a:effectRef>
+          <a:fontRef idx="minor">
+            <a:schemeClr val="tx1"/>
+          </a:fontRef>
+        </p:style>
+      </p:cxnSp>
+      <p:cxnSp>
+        <p:nvCxnSpPr>
+          <p:cNvPr id="53" name="Connecteur droit 52">
+            <a:extLst>
+              <a:ext uri="{FF2B5EF4-FFF2-40B4-BE49-F238E27FC236}">
+                <a16:creationId xmlns:a16="http://schemas.microsoft.com/office/drawing/2014/main" id="{BE0649BD-EE59-4DDA-960F-95B2572F9F13}"/>
+              </a:ext>
+            </a:extLst>
+          </p:cNvPr>
+          <p:cNvCxnSpPr>
+            <a:cxnSpLocks/>
+          </p:cNvCxnSpPr>
+          <p:nvPr/>
+        </p:nvCxnSpPr>
+        <p:spPr>
+          <a:xfrm>
+            <a:off x="9743203" y="949965"/>
+            <a:ext cx="1627266" cy="0"/>
+          </a:xfrm>
+          <a:prstGeom prst="line">
+            <a:avLst/>
+          </a:prstGeom>
+        </p:spPr>
+        <p:style>
+          <a:lnRef idx="3">
+            <a:schemeClr val="dk1"/>
+          </a:lnRef>
+          <a:fillRef idx="0">
+            <a:schemeClr val="dk1"/>
+          </a:fillRef>
+          <a:effectRef idx="2">
+            <a:schemeClr val="dk1"/>
+          </a:effectRef>
+          <a:fontRef idx="minor">
+            <a:schemeClr val="tx1"/>
+          </a:fontRef>
+        </p:style>
+      </p:cxnSp>
+      <p:cxnSp>
+        <p:nvCxnSpPr>
+          <p:cNvPr id="55" name="Connecteur droit 54">
+            <a:extLst>
+              <a:ext uri="{FF2B5EF4-FFF2-40B4-BE49-F238E27FC236}">
+                <a16:creationId xmlns:a16="http://schemas.microsoft.com/office/drawing/2014/main" id="{52AA9200-DAFA-4EEF-AC13-4C7CE82A59EC}"/>
+              </a:ext>
+            </a:extLst>
+          </p:cNvPr>
+          <p:cNvCxnSpPr>
+            <a:cxnSpLocks/>
+          </p:cNvCxnSpPr>
+          <p:nvPr/>
+        </p:nvCxnSpPr>
+        <p:spPr>
+          <a:xfrm>
+            <a:off x="11715750" y="454801"/>
+            <a:ext cx="476249" cy="10400"/>
+          </a:xfrm>
+          <a:prstGeom prst="line">
+            <a:avLst/>
+          </a:prstGeom>
+        </p:spPr>
+        <p:style>
+          <a:lnRef idx="3">
+            <a:schemeClr val="dk1"/>
+          </a:lnRef>
+          <a:fillRef idx="0">
+            <a:schemeClr val="dk1"/>
+          </a:fillRef>
+          <a:effectRef idx="2">
+            <a:schemeClr val="dk1"/>
+          </a:effectRef>
+          <a:fontRef idx="minor">
+            <a:schemeClr val="tx1"/>
+          </a:fontRef>
+        </p:style>
+      </p:cxnSp>
+      <p:cxnSp>
+        <p:nvCxnSpPr>
+          <p:cNvPr id="23" name="Connecteur droit 22">
+            <a:extLst>
+              <a:ext uri="{FF2B5EF4-FFF2-40B4-BE49-F238E27FC236}">
+                <a16:creationId xmlns:a16="http://schemas.microsoft.com/office/drawing/2014/main" id="{BCB092C8-0080-4E56-957E-0046D4C83988}"/>
+              </a:ext>
+            </a:extLst>
+          </p:cNvPr>
+          <p:cNvCxnSpPr>
+            <a:cxnSpLocks/>
+          </p:cNvCxnSpPr>
+          <p:nvPr/>
+        </p:nvCxnSpPr>
+        <p:spPr>
+          <a:xfrm flipH="1">
+            <a:off x="2216372" y="446356"/>
+            <a:ext cx="364332" cy="501657"/>
+          </a:xfrm>
+          <a:prstGeom prst="line">
+            <a:avLst/>
+          </a:prstGeom>
+        </p:spPr>
+        <p:style>
+          <a:lnRef idx="3">
+            <a:schemeClr val="dk1"/>
+          </a:lnRef>
+          <a:fillRef idx="0">
+            <a:schemeClr val="dk1"/>
+          </a:fillRef>
+          <a:effectRef idx="2">
+            <a:schemeClr val="dk1"/>
+          </a:effectRef>
+          <a:fontRef idx="minor">
+            <a:schemeClr val="tx1"/>
+          </a:fontRef>
+        </p:style>
+      </p:cxnSp>
+      <p:sp>
+        <p:nvSpPr>
+          <p:cNvPr id="9" name="ZoneTexte 8">
+            <a:extLst>
+              <a:ext uri="{FF2B5EF4-FFF2-40B4-BE49-F238E27FC236}">
+                <a16:creationId xmlns:a16="http://schemas.microsoft.com/office/drawing/2014/main" id="{82010251-0AD2-4DAA-8E6B-7CA6A2301A9E}"/>
+              </a:ext>
+            </a:extLst>
+          </p:cNvPr>
+          <p:cNvSpPr txBox="1"/>
+          <p:nvPr/>
+        </p:nvSpPr>
+        <p:spPr>
+          <a:xfrm>
+            <a:off x="3610620" y="938268"/>
+            <a:ext cx="4970760" cy="769441"/>
+          </a:xfrm>
+          <a:prstGeom prst="rect">
+            <a:avLst/>
+          </a:prstGeom>
+          <a:noFill/>
+        </p:spPr>
+        <p:txBody>
+          <a:bodyPr wrap="square" rtlCol="0">
+            <a:spAutoFit/>
+          </a:bodyPr>
+          <a:lstStyle/>
+          <a:p>
+            <a:pPr marL="0" marR="0" lvl="0" indent="0" algn="ctr" defTabSz="914400" rtl="0" eaLnBrk="1" fontAlgn="auto" latinLnBrk="0" hangingPunct="1">
+              <a:lnSpc>
+                <a:spcPct val="100000"/>
+              </a:lnSpc>
+              <a:spcBef>
+                <a:spcPts val="0"/>
+              </a:spcBef>
+              <a:spcAft>
+                <a:spcPts val="0"/>
+              </a:spcAft>
+              <a:buClrTx/>
+              <a:buSzTx/>
+              <a:buFontTx/>
+              <a:buNone/>
+              <a:tabLst/>
+              <a:defRPr/>
+            </a:pPr>
+            <a:r>
+              <a:rPr kumimoji="0" lang="fr-FR" sz="4400" b="0" i="0" u="none" strike="noStrike" kern="1200" cap="none" spc="0" normalizeH="0" baseline="0" noProof="0" dirty="0">
+                <a:ln>
+                  <a:noFill/>
+                </a:ln>
+                <a:solidFill>
+                  <a:prstClr val="black"/>
+                </a:solidFill>
+                <a:effectLst/>
+                <a:uLnTx/>
+                <a:uFillTx/>
+                <a:latin typeface="Berlin Sans FB" panose="020E0602020502020306" pitchFamily="34" charset="0"/>
+                <a:ea typeface="+mn-ea"/>
+                <a:cs typeface="+mn-cs"/>
+              </a:rPr>
+              <a:t>Boucle 4/20mA</a:t>
+            </a:r>
+          </a:p>
+        </p:txBody>
+      </p:sp>
+      <p:pic>
+        <p:nvPicPr>
+          <p:cNvPr id="3" name="Image 2" descr="Une image contenant équipement électronique, circuit&#10;&#10;Description générée avec un niveau de confiance très élevé">
+            <a:extLst>
+              <a:ext uri="{FF2B5EF4-FFF2-40B4-BE49-F238E27FC236}">
+                <a16:creationId xmlns:a16="http://schemas.microsoft.com/office/drawing/2014/main" id="{CAE81879-9DEF-4900-A1EF-1A3EA3734DC9}"/>
+              </a:ext>
+            </a:extLst>
+          </p:cNvPr>
+          <p:cNvPicPr>
+            <a:picLocks noChangeAspect="1"/>
+          </p:cNvPicPr>
+          <p:nvPr/>
+        </p:nvPicPr>
+        <p:blipFill>
+          <a:blip r:embed="rId4">
+            <a:extLst>
+              <a:ext uri="{28A0092B-C50C-407E-A947-70E740481C1C}">
+                <a14:useLocalDpi xmlns:a14="http://schemas.microsoft.com/office/drawing/2010/main" val="0"/>
+              </a:ext>
+            </a:extLst>
+          </a:blip>
+          <a:stretch>
+            <a:fillRect/>
+          </a:stretch>
+        </p:blipFill>
+        <p:spPr>
+          <a:xfrm>
+            <a:off x="7145412" y="1849714"/>
+            <a:ext cx="3252033" cy="3252033"/>
+          </a:xfrm>
+          <a:prstGeom prst="rect">
+            <a:avLst/>
+          </a:prstGeom>
+        </p:spPr>
+      </p:pic>
+      <p:pic>
+        <p:nvPicPr>
+          <p:cNvPr id="5" name="Image 4" descr="Une image contenant capture d’écran&#10;&#10;Description générée avec un niveau de confiance élevé">
+            <a:extLst>
+              <a:ext uri="{FF2B5EF4-FFF2-40B4-BE49-F238E27FC236}">
+                <a16:creationId xmlns:a16="http://schemas.microsoft.com/office/drawing/2014/main" id="{8EAC388A-9B1E-4F2A-A68D-EFB32181F53A}"/>
+              </a:ext>
+            </a:extLst>
+          </p:cNvPr>
+          <p:cNvPicPr>
+            <a:picLocks noChangeAspect="1"/>
+          </p:cNvPicPr>
+          <p:nvPr/>
+        </p:nvPicPr>
+        <p:blipFill>
+          <a:blip r:embed="rId5">
+            <a:extLst>
+              <a:ext uri="{28A0092B-C50C-407E-A947-70E740481C1C}">
+                <a14:useLocalDpi xmlns:a14="http://schemas.microsoft.com/office/drawing/2010/main" val="0"/>
+              </a:ext>
+            </a:extLst>
+          </a:blip>
+          <a:stretch>
+            <a:fillRect/>
+          </a:stretch>
+        </p:blipFill>
+        <p:spPr>
+          <a:xfrm>
+            <a:off x="1063716" y="4265886"/>
+            <a:ext cx="5553075" cy="1543050"/>
+          </a:xfrm>
+          <a:prstGeom prst="rect">
+            <a:avLst/>
+          </a:prstGeom>
+        </p:spPr>
+      </p:pic>
+      <p:sp>
+        <p:nvSpPr>
+          <p:cNvPr id="18" name="ZoneTexte 17">
+            <a:extLst>
+              <a:ext uri="{FF2B5EF4-FFF2-40B4-BE49-F238E27FC236}">
+                <a16:creationId xmlns:a16="http://schemas.microsoft.com/office/drawing/2014/main" id="{4E398B35-37C7-499E-B27B-3A82B6A07CF6}"/>
+              </a:ext>
+            </a:extLst>
+          </p:cNvPr>
+          <p:cNvSpPr txBox="1"/>
+          <p:nvPr/>
+        </p:nvSpPr>
+        <p:spPr>
+          <a:xfrm>
+            <a:off x="1698499" y="2356849"/>
+            <a:ext cx="2860650" cy="1661993"/>
+          </a:xfrm>
+          <a:prstGeom prst="rect">
+            <a:avLst/>
+          </a:prstGeom>
+          <a:noFill/>
+        </p:spPr>
+        <p:txBody>
+          <a:bodyPr wrap="square" rtlCol="0">
+            <a:spAutoFit/>
+          </a:bodyPr>
+          <a:lstStyle/>
+          <a:p>
+            <a:pPr marL="0" marR="0" lvl="0" indent="0" algn="l" defTabSz="914400" rtl="0" eaLnBrk="1" fontAlgn="auto" latinLnBrk="0" hangingPunct="1">
+              <a:lnSpc>
+                <a:spcPct val="100000"/>
+              </a:lnSpc>
+              <a:spcBef>
+                <a:spcPts val="0"/>
+              </a:spcBef>
+              <a:spcAft>
+                <a:spcPts val="0"/>
+              </a:spcAft>
+              <a:buClrTx/>
+              <a:buSzTx/>
+              <a:buFontTx/>
+              <a:buNone/>
+              <a:tabLst/>
+              <a:defRPr/>
+            </a:pPr>
+            <a:r>
+              <a:rPr kumimoji="0" lang="fr-FR" sz="1800" b="0" i="0" u="none" strike="noStrike" kern="1200" cap="none" spc="0" normalizeH="0" baseline="0" noProof="0" dirty="0">
+                <a:ln>
+                  <a:noFill/>
+                </a:ln>
+                <a:solidFill>
+                  <a:prstClr val="black"/>
+                </a:solidFill>
+                <a:effectLst/>
+                <a:uLnTx/>
+                <a:uFillTx/>
+                <a:ea typeface="+mn-ea"/>
+                <a:cs typeface="+mn-cs"/>
+              </a:rPr>
+              <a:t>Avantages</a:t>
+            </a:r>
+          </a:p>
+          <a:p>
+            <a:pPr marL="285750" marR="0" lvl="0" indent="-285750" algn="l" defTabSz="914400" rtl="0" eaLnBrk="1" fontAlgn="auto" latinLnBrk="0" hangingPunct="1">
+              <a:lnSpc>
+                <a:spcPct val="100000"/>
+              </a:lnSpc>
+              <a:spcBef>
+                <a:spcPts val="0"/>
+              </a:spcBef>
+              <a:spcAft>
+                <a:spcPts val="0"/>
+              </a:spcAft>
+              <a:buClrTx/>
+              <a:buSzTx/>
+              <a:buFontTx/>
+              <a:buChar char="-"/>
+              <a:tabLst/>
+              <a:defRPr/>
+            </a:pPr>
+            <a:r>
+              <a:rPr kumimoji="0" lang="fr-FR" sz="1400" b="0" i="1" u="none" strike="noStrike" kern="1200" cap="none" spc="0" normalizeH="0" baseline="0" noProof="0" dirty="0">
+                <a:ln>
+                  <a:noFill/>
+                </a:ln>
+                <a:solidFill>
+                  <a:prstClr val="black"/>
+                </a:solidFill>
+                <a:effectLst/>
+                <a:uLnTx/>
+                <a:uFillTx/>
+                <a:ea typeface="+mn-ea"/>
+                <a:cs typeface="+mn-cs"/>
+              </a:rPr>
+              <a:t>Très bonne immunité aux bruits</a:t>
+            </a:r>
+          </a:p>
+          <a:p>
+            <a:pPr marL="285750" marR="0" lvl="0" indent="-285750" algn="l" defTabSz="914400" rtl="0" eaLnBrk="1" fontAlgn="auto" latinLnBrk="0" hangingPunct="1">
+              <a:lnSpc>
+                <a:spcPct val="100000"/>
+              </a:lnSpc>
+              <a:spcBef>
+                <a:spcPts val="0"/>
+              </a:spcBef>
+              <a:spcAft>
+                <a:spcPts val="0"/>
+              </a:spcAft>
+              <a:buClrTx/>
+              <a:buSzTx/>
+              <a:buFontTx/>
+              <a:buChar char="-"/>
+              <a:tabLst/>
+              <a:defRPr/>
+            </a:pPr>
+            <a:r>
+              <a:rPr kumimoji="0" lang="fr-FR" sz="1400" b="0" i="1" u="none" strike="noStrike" kern="1200" cap="none" spc="0" normalizeH="0" baseline="0" noProof="0" dirty="0">
+                <a:ln>
+                  <a:noFill/>
+                </a:ln>
+                <a:solidFill>
+                  <a:prstClr val="black"/>
+                </a:solidFill>
+                <a:effectLst/>
+                <a:uLnTx/>
+                <a:uFillTx/>
+                <a:ea typeface="+mn-ea"/>
+                <a:cs typeface="+mn-cs"/>
+              </a:rPr>
+              <a:t>Peu de fils</a:t>
+            </a:r>
+          </a:p>
+          <a:p>
+            <a:pPr marL="285750" marR="0" lvl="0" indent="-285750" algn="l" defTabSz="914400" rtl="0" eaLnBrk="1" fontAlgn="auto" latinLnBrk="0" hangingPunct="1">
+              <a:lnSpc>
+                <a:spcPct val="100000"/>
+              </a:lnSpc>
+              <a:spcBef>
+                <a:spcPts val="0"/>
+              </a:spcBef>
+              <a:spcAft>
+                <a:spcPts val="0"/>
+              </a:spcAft>
+              <a:buClrTx/>
+              <a:buSzTx/>
+              <a:buFontTx/>
+              <a:buChar char="-"/>
+              <a:tabLst/>
+              <a:defRPr/>
+            </a:pPr>
+            <a:r>
+              <a:rPr kumimoji="0" lang="fr-FR" sz="1400" b="0" i="1" u="none" strike="noStrike" kern="1200" cap="none" spc="0" normalizeH="0" baseline="0" noProof="0" dirty="0">
+                <a:ln>
+                  <a:noFill/>
+                </a:ln>
+                <a:solidFill>
+                  <a:prstClr val="black"/>
+                </a:solidFill>
+                <a:effectLst/>
+                <a:uLnTx/>
+                <a:uFillTx/>
+                <a:ea typeface="+mn-ea"/>
+                <a:cs typeface="+mn-cs"/>
+              </a:rPr>
+              <a:t>Détection de la panne</a:t>
+            </a:r>
+          </a:p>
+          <a:p>
+            <a:pPr marL="285750" marR="0" lvl="0" indent="-285750" algn="l" defTabSz="914400" rtl="0" eaLnBrk="1" fontAlgn="auto" latinLnBrk="0" hangingPunct="1">
+              <a:lnSpc>
+                <a:spcPct val="100000"/>
+              </a:lnSpc>
+              <a:spcBef>
+                <a:spcPts val="0"/>
+              </a:spcBef>
+              <a:spcAft>
+                <a:spcPts val="0"/>
+              </a:spcAft>
+              <a:buClrTx/>
+              <a:buSzTx/>
+              <a:buFontTx/>
+              <a:buChar char="-"/>
+              <a:tabLst/>
+              <a:defRPr/>
+            </a:pPr>
+            <a:r>
+              <a:rPr lang="fr-FR" sz="1400" i="1" dirty="0">
+                <a:solidFill>
+                  <a:prstClr val="black"/>
+                </a:solidFill>
+              </a:rPr>
+              <a:t>Plusieurs canaux (plusieurs capteurs possibles)</a:t>
+            </a:r>
+            <a:endParaRPr kumimoji="0" lang="fr-FR" sz="1400" b="0" i="1" u="none" strike="noStrike" kern="1200" cap="none" spc="0" normalizeH="0" baseline="0" noProof="0" dirty="0">
+              <a:ln>
+                <a:noFill/>
+              </a:ln>
+              <a:solidFill>
+                <a:prstClr val="black"/>
+              </a:solidFill>
+              <a:effectLst/>
+              <a:uLnTx/>
+              <a:uFillTx/>
+              <a:ea typeface="+mn-ea"/>
+              <a:cs typeface="+mn-cs"/>
+            </a:endParaRPr>
+          </a:p>
+          <a:p>
+            <a:pPr marL="285750" marR="0" lvl="0" indent="-285750" algn="l" defTabSz="914400" rtl="0" eaLnBrk="1" fontAlgn="auto" latinLnBrk="0" hangingPunct="1">
+              <a:lnSpc>
+                <a:spcPct val="100000"/>
+              </a:lnSpc>
+              <a:spcBef>
+                <a:spcPts val="0"/>
+              </a:spcBef>
+              <a:spcAft>
+                <a:spcPts val="0"/>
+              </a:spcAft>
+              <a:buClrTx/>
+              <a:buSzTx/>
+              <a:buFontTx/>
+              <a:buChar char="-"/>
+              <a:tabLst/>
+              <a:defRPr/>
+            </a:pPr>
+            <a:endParaRPr kumimoji="0" lang="fr-FR" sz="1400" b="0" i="1" u="none" strike="noStrike" kern="1200" cap="none" spc="0" normalizeH="0" baseline="0" noProof="0" dirty="0">
+              <a:ln>
+                <a:noFill/>
+              </a:ln>
+              <a:solidFill>
+                <a:prstClr val="black"/>
+              </a:solidFill>
+              <a:effectLst/>
+              <a:uLnTx/>
+              <a:uFillTx/>
+              <a:latin typeface="Calibri Light" panose="020F0302020204030204"/>
+              <a:ea typeface="+mn-ea"/>
+              <a:cs typeface="+mn-cs"/>
+            </a:endParaRPr>
+          </a:p>
+        </p:txBody>
+      </p:sp>
+      <p:sp>
+        <p:nvSpPr>
+          <p:cNvPr id="2" name="ZoneTexte 1">
+            <a:extLst>
+              <a:ext uri="{FF2B5EF4-FFF2-40B4-BE49-F238E27FC236}">
+                <a16:creationId xmlns:a16="http://schemas.microsoft.com/office/drawing/2014/main" id="{E34D5504-6AD4-417C-9D12-40E2CC294565}"/>
+              </a:ext>
+            </a:extLst>
+          </p:cNvPr>
+          <p:cNvSpPr txBox="1"/>
+          <p:nvPr/>
+        </p:nvSpPr>
+        <p:spPr>
+          <a:xfrm>
+            <a:off x="7743777" y="4605556"/>
+            <a:ext cx="2374084" cy="307777"/>
+          </a:xfrm>
+          <a:prstGeom prst="rect">
+            <a:avLst/>
+          </a:prstGeom>
+          <a:noFill/>
+        </p:spPr>
+        <p:txBody>
+          <a:bodyPr wrap="square" rtlCol="0">
+            <a:spAutoFit/>
+          </a:bodyPr>
+          <a:lstStyle/>
+          <a:p>
+            <a:r>
+              <a:rPr lang="fr-FR" sz="1400" i="1" dirty="0" err="1"/>
+              <a:t>Current</a:t>
+            </a:r>
+            <a:r>
+              <a:rPr lang="fr-FR" sz="1400" i="1" dirty="0"/>
+              <a:t> Loop </a:t>
+            </a:r>
+            <a:r>
+              <a:rPr lang="fr-FR" sz="1400" i="1" dirty="0" err="1"/>
+              <a:t>Sensor</a:t>
+            </a:r>
+            <a:r>
+              <a:rPr lang="fr-FR" sz="1400" i="1" dirty="0"/>
+              <a:t> </a:t>
+            </a:r>
+            <a:r>
+              <a:rPr lang="fr-FR" sz="1400" i="1" dirty="0" err="1"/>
+              <a:t>Board</a:t>
+            </a:r>
+            <a:endParaRPr lang="fr-FR" sz="1400" i="1" dirty="0"/>
+          </a:p>
+        </p:txBody>
+      </p:sp>
+    </p:spTree>
+    <p:extLst>
+      <p:ext uri="{BB962C8B-B14F-4D97-AF65-F5344CB8AC3E}">
+        <p14:creationId xmlns:p14="http://schemas.microsoft.com/office/powerpoint/2010/main" val="1404166436"/>
+      </p:ext>
+    </p:extLst>
+  </p:cSld>
+  <p:clrMapOvr>
+    <a:masterClrMapping/>
+  </p:clrMapOvr>
+  <mc:AlternateContent xmlns:mc="http://schemas.openxmlformats.org/markup-compatibility/2006" xmlns:p14="http://schemas.microsoft.com/office/powerpoint/2010/main">
+    <mc:Choice Requires="p14">
+      <p:transition spd="slow">
+        <p14:reveal/>
+      </p:transition>
+    </mc:Choice>
+    <mc:Fallback xmlns="">
+      <p:transition spd="slow">
+        <p:fade/>
+      </p:transition>
+    </mc:Fallback>
+  </mc:AlternateContent>
+</p:sld>
+</file>
+
+<file path=ppt/slides/slide11.xml><?xml version="1.0" encoding="utf-8"?>
+<p:sld xmlns:a="http://schemas.openxmlformats.org/drawingml/2006/main" xmlns:r="http://schemas.openxmlformats.org/officeDocument/2006/relationships" xmlns:p="http://schemas.openxmlformats.org/presentationml/2006/main">
+  <p:cSld>
+    <p:spTree>
+      <p:nvGrpSpPr>
+        <p:cNvPr id="1" name=""/>
+        <p:cNvGrpSpPr/>
+        <p:nvPr/>
+      </p:nvGrpSpPr>
+      <p:grpSpPr>
+        <a:xfrm>
+          <a:off x="0" y="0"/>
+          <a:ext cx="0" cy="0"/>
+          <a:chOff x="0" y="0"/>
+          <a:chExt cx="0" cy="0"/>
+        </a:xfrm>
+      </p:grpSpPr>
+      <p:pic>
+        <p:nvPicPr>
+          <p:cNvPr id="8" name="Image 7">
+            <a:extLst>
+              <a:ext uri="{FF2B5EF4-FFF2-40B4-BE49-F238E27FC236}">
+                <a16:creationId xmlns:a16="http://schemas.microsoft.com/office/drawing/2014/main" id="{2BB825C5-31DA-4A56-85EA-536DBF510A31}"/>
+              </a:ext>
+            </a:extLst>
+          </p:cNvPr>
+          <p:cNvPicPr>
+            <a:picLocks noChangeAspect="1"/>
+          </p:cNvPicPr>
+          <p:nvPr/>
+        </p:nvPicPr>
+        <p:blipFill>
+          <a:blip r:embed="rId2">
+            <a:extLst>
+              <a:ext uri="{28A0092B-C50C-407E-A947-70E740481C1C}">
+                <a14:useLocalDpi xmlns:a14="http://schemas.microsoft.com/office/drawing/2010/main" val="0"/>
+              </a:ext>
+            </a:extLst>
+          </a:blip>
+          <a:stretch>
+            <a:fillRect/>
+          </a:stretch>
+        </p:blipFill>
+        <p:spPr>
+          <a:xfrm>
+            <a:off x="1068751" y="66457"/>
+            <a:ext cx="1259497" cy="776690"/>
+          </a:xfrm>
+          <a:prstGeom prst="rect">
+            <a:avLst/>
+          </a:prstGeom>
+        </p:spPr>
+      </p:pic>
+      <p:pic>
+        <p:nvPicPr>
+          <p:cNvPr id="10" name="Image 9">
+            <a:extLst>
+              <a:ext uri="{FF2B5EF4-FFF2-40B4-BE49-F238E27FC236}">
+                <a16:creationId xmlns:a16="http://schemas.microsoft.com/office/drawing/2014/main" id="{8EE7436F-49F2-41E0-93E4-D247B4705294}"/>
+              </a:ext>
+            </a:extLst>
+          </p:cNvPr>
+          <p:cNvPicPr>
+            <a:picLocks noChangeAspect="1"/>
+          </p:cNvPicPr>
+          <p:nvPr/>
+        </p:nvPicPr>
+        <p:blipFill>
+          <a:blip r:embed="rId3">
+            <a:extLst>
+              <a:ext uri="{28A0092B-C50C-407E-A947-70E740481C1C}">
+                <a14:useLocalDpi xmlns:a14="http://schemas.microsoft.com/office/drawing/2010/main" val="0"/>
+              </a:ext>
+            </a:extLst>
+          </a:blip>
+          <a:stretch>
+            <a:fillRect/>
+          </a:stretch>
+        </p:blipFill>
+        <p:spPr>
+          <a:xfrm>
+            <a:off x="9681085" y="238153"/>
+            <a:ext cx="1802101" cy="569807"/>
+          </a:xfrm>
+          <a:prstGeom prst="rect">
+            <a:avLst/>
+          </a:prstGeom>
+        </p:spPr>
+      </p:pic>
+      <p:cxnSp>
+        <p:nvCxnSpPr>
+          <p:cNvPr id="16" name="Connecteur droit 15">
+            <a:extLst>
+              <a:ext uri="{FF2B5EF4-FFF2-40B4-BE49-F238E27FC236}">
+                <a16:creationId xmlns:a16="http://schemas.microsoft.com/office/drawing/2014/main" id="{7319284A-BD6F-4A96-8E2B-E0A4B52E53C6}"/>
+              </a:ext>
+            </a:extLst>
+          </p:cNvPr>
+          <p:cNvCxnSpPr>
+            <a:cxnSpLocks/>
+          </p:cNvCxnSpPr>
+          <p:nvPr/>
+        </p:nvCxnSpPr>
+        <p:spPr>
+          <a:xfrm flipV="1">
+            <a:off x="0" y="454803"/>
+            <a:ext cx="738231" cy="1798"/>
+          </a:xfrm>
+          <a:prstGeom prst="line">
+            <a:avLst/>
+          </a:prstGeom>
+        </p:spPr>
+        <p:style>
+          <a:lnRef idx="3">
+            <a:schemeClr val="dk1"/>
+          </a:lnRef>
+          <a:fillRef idx="0">
+            <a:schemeClr val="dk1"/>
+          </a:fillRef>
+          <a:effectRef idx="2">
+            <a:schemeClr val="dk1"/>
+          </a:effectRef>
+          <a:fontRef idx="minor">
+            <a:schemeClr val="tx1"/>
+          </a:fontRef>
+        </p:style>
+      </p:cxnSp>
+      <p:cxnSp>
+        <p:nvCxnSpPr>
+          <p:cNvPr id="20" name="Connecteur droit 19">
+            <a:extLst>
+              <a:ext uri="{FF2B5EF4-FFF2-40B4-BE49-F238E27FC236}">
+                <a16:creationId xmlns:a16="http://schemas.microsoft.com/office/drawing/2014/main" id="{08874CF7-F149-4C81-B61E-74E18342BA8A}"/>
+              </a:ext>
+            </a:extLst>
+          </p:cNvPr>
+          <p:cNvCxnSpPr>
+            <a:cxnSpLocks/>
+          </p:cNvCxnSpPr>
+          <p:nvPr/>
+        </p:nvCxnSpPr>
+        <p:spPr>
+          <a:xfrm>
+            <a:off x="2573222" y="454803"/>
+            <a:ext cx="6829482" cy="10398"/>
+          </a:xfrm>
+          <a:prstGeom prst="line">
+            <a:avLst/>
+          </a:prstGeom>
+        </p:spPr>
+        <p:style>
+          <a:lnRef idx="3">
+            <a:schemeClr val="dk1"/>
+          </a:lnRef>
+          <a:fillRef idx="0">
+            <a:schemeClr val="dk1"/>
+          </a:fillRef>
+          <a:effectRef idx="2">
+            <a:schemeClr val="dk1"/>
+          </a:effectRef>
+          <a:fontRef idx="minor">
+            <a:schemeClr val="tx1"/>
+          </a:fontRef>
+        </p:style>
+      </p:cxnSp>
+      <p:cxnSp>
+        <p:nvCxnSpPr>
+          <p:cNvPr id="26" name="Connecteur droit 25">
+            <a:extLst>
+              <a:ext uri="{FF2B5EF4-FFF2-40B4-BE49-F238E27FC236}">
+                <a16:creationId xmlns:a16="http://schemas.microsoft.com/office/drawing/2014/main" id="{BB3B35CC-057B-48C1-880F-3306A6559175}"/>
+              </a:ext>
+            </a:extLst>
+          </p:cNvPr>
+          <p:cNvCxnSpPr>
+            <a:cxnSpLocks/>
+          </p:cNvCxnSpPr>
+          <p:nvPr/>
+        </p:nvCxnSpPr>
+        <p:spPr>
+          <a:xfrm>
+            <a:off x="738231" y="454803"/>
+            <a:ext cx="344203" cy="484764"/>
+          </a:xfrm>
+          <a:prstGeom prst="line">
+            <a:avLst/>
+          </a:prstGeom>
+        </p:spPr>
+        <p:style>
+          <a:lnRef idx="3">
+            <a:schemeClr val="dk1"/>
+          </a:lnRef>
+          <a:fillRef idx="0">
+            <a:schemeClr val="dk1"/>
+          </a:fillRef>
+          <a:effectRef idx="2">
+            <a:schemeClr val="dk1"/>
+          </a:effectRef>
+          <a:fontRef idx="minor">
+            <a:schemeClr val="tx1"/>
+          </a:fontRef>
+        </p:style>
+      </p:cxnSp>
+      <p:cxnSp>
+        <p:nvCxnSpPr>
+          <p:cNvPr id="32" name="Connecteur droit 31">
+            <a:extLst>
+              <a:ext uri="{FF2B5EF4-FFF2-40B4-BE49-F238E27FC236}">
+                <a16:creationId xmlns:a16="http://schemas.microsoft.com/office/drawing/2014/main" id="{4AD96496-1EB6-4E48-9BB2-5C255495C686}"/>
+              </a:ext>
+            </a:extLst>
+          </p:cNvPr>
+          <p:cNvCxnSpPr>
+            <a:cxnSpLocks/>
+          </p:cNvCxnSpPr>
+          <p:nvPr/>
+        </p:nvCxnSpPr>
+        <p:spPr>
+          <a:xfrm>
+            <a:off x="1082434" y="938268"/>
+            <a:ext cx="1146585" cy="0"/>
+          </a:xfrm>
+          <a:prstGeom prst="line">
+            <a:avLst/>
+          </a:prstGeom>
+        </p:spPr>
+        <p:style>
+          <a:lnRef idx="3">
+            <a:schemeClr val="dk1"/>
+          </a:lnRef>
+          <a:fillRef idx="0">
+            <a:schemeClr val="dk1"/>
+          </a:fillRef>
+          <a:effectRef idx="2">
+            <a:schemeClr val="dk1"/>
+          </a:effectRef>
+          <a:fontRef idx="minor">
+            <a:schemeClr val="tx1"/>
+          </a:fontRef>
+        </p:style>
+      </p:cxnSp>
+      <p:cxnSp>
+        <p:nvCxnSpPr>
+          <p:cNvPr id="51" name="Connecteur droit 50">
+            <a:extLst>
+              <a:ext uri="{FF2B5EF4-FFF2-40B4-BE49-F238E27FC236}">
+                <a16:creationId xmlns:a16="http://schemas.microsoft.com/office/drawing/2014/main" id="{C035BFA6-ECBF-4775-BA81-19D2CA41AA8D}"/>
+              </a:ext>
+            </a:extLst>
+          </p:cNvPr>
+          <p:cNvCxnSpPr>
+            <a:cxnSpLocks/>
+          </p:cNvCxnSpPr>
+          <p:nvPr/>
+        </p:nvCxnSpPr>
+        <p:spPr>
+          <a:xfrm>
+            <a:off x="9402704" y="465201"/>
+            <a:ext cx="344203" cy="495163"/>
+          </a:xfrm>
+          <a:prstGeom prst="line">
+            <a:avLst/>
+          </a:prstGeom>
+        </p:spPr>
+        <p:style>
+          <a:lnRef idx="3">
+            <a:schemeClr val="dk1"/>
+          </a:lnRef>
+          <a:fillRef idx="0">
+            <a:schemeClr val="dk1"/>
+          </a:fillRef>
+          <a:effectRef idx="2">
+            <a:schemeClr val="dk1"/>
+          </a:effectRef>
+          <a:fontRef idx="minor">
+            <a:schemeClr val="tx1"/>
+          </a:fontRef>
+        </p:style>
+      </p:cxnSp>
+      <p:cxnSp>
+        <p:nvCxnSpPr>
+          <p:cNvPr id="52" name="Connecteur droit 51">
+            <a:extLst>
+              <a:ext uri="{FF2B5EF4-FFF2-40B4-BE49-F238E27FC236}">
+                <a16:creationId xmlns:a16="http://schemas.microsoft.com/office/drawing/2014/main" id="{FA310BC7-694B-4984-99A2-61A1F4F6EBF9}"/>
+              </a:ext>
+            </a:extLst>
+          </p:cNvPr>
+          <p:cNvCxnSpPr>
+            <a:cxnSpLocks/>
+          </p:cNvCxnSpPr>
+          <p:nvPr/>
+        </p:nvCxnSpPr>
+        <p:spPr>
+          <a:xfrm flipH="1">
+            <a:off x="11370469" y="448308"/>
+            <a:ext cx="364332" cy="501657"/>
+          </a:xfrm>
+          <a:prstGeom prst="line">
+            <a:avLst/>
+          </a:prstGeom>
+        </p:spPr>
+        <p:style>
+          <a:lnRef idx="3">
+            <a:schemeClr val="dk1"/>
+          </a:lnRef>
+          <a:fillRef idx="0">
+            <a:schemeClr val="dk1"/>
+          </a:fillRef>
+          <a:effectRef idx="2">
+            <a:schemeClr val="dk1"/>
+          </a:effectRef>
+          <a:fontRef idx="minor">
+            <a:schemeClr val="tx1"/>
+          </a:fontRef>
+        </p:style>
+      </p:cxnSp>
+      <p:cxnSp>
+        <p:nvCxnSpPr>
+          <p:cNvPr id="53" name="Connecteur droit 52">
+            <a:extLst>
+              <a:ext uri="{FF2B5EF4-FFF2-40B4-BE49-F238E27FC236}">
+                <a16:creationId xmlns:a16="http://schemas.microsoft.com/office/drawing/2014/main" id="{BE0649BD-EE59-4DDA-960F-95B2572F9F13}"/>
+              </a:ext>
+            </a:extLst>
+          </p:cNvPr>
+          <p:cNvCxnSpPr>
+            <a:cxnSpLocks/>
+          </p:cNvCxnSpPr>
+          <p:nvPr/>
+        </p:nvCxnSpPr>
+        <p:spPr>
+          <a:xfrm>
+            <a:off x="9743203" y="949965"/>
+            <a:ext cx="1627266" cy="0"/>
+          </a:xfrm>
+          <a:prstGeom prst="line">
+            <a:avLst/>
+          </a:prstGeom>
+        </p:spPr>
+        <p:style>
+          <a:lnRef idx="3">
+            <a:schemeClr val="dk1"/>
+          </a:lnRef>
+          <a:fillRef idx="0">
+            <a:schemeClr val="dk1"/>
+          </a:fillRef>
+          <a:effectRef idx="2">
+            <a:schemeClr val="dk1"/>
+          </a:effectRef>
+          <a:fontRef idx="minor">
+            <a:schemeClr val="tx1"/>
+          </a:fontRef>
+        </p:style>
+      </p:cxnSp>
+      <p:cxnSp>
+        <p:nvCxnSpPr>
+          <p:cNvPr id="55" name="Connecteur droit 54">
+            <a:extLst>
+              <a:ext uri="{FF2B5EF4-FFF2-40B4-BE49-F238E27FC236}">
+                <a16:creationId xmlns:a16="http://schemas.microsoft.com/office/drawing/2014/main" id="{52AA9200-DAFA-4EEF-AC13-4C7CE82A59EC}"/>
+              </a:ext>
+            </a:extLst>
+          </p:cNvPr>
+          <p:cNvCxnSpPr>
+            <a:cxnSpLocks/>
+          </p:cNvCxnSpPr>
+          <p:nvPr/>
+        </p:nvCxnSpPr>
+        <p:spPr>
+          <a:xfrm>
+            <a:off x="11715750" y="454801"/>
+            <a:ext cx="476249" cy="10400"/>
+          </a:xfrm>
+          <a:prstGeom prst="line">
+            <a:avLst/>
+          </a:prstGeom>
+        </p:spPr>
+        <p:style>
+          <a:lnRef idx="3">
+            <a:schemeClr val="dk1"/>
+          </a:lnRef>
+          <a:fillRef idx="0">
+            <a:schemeClr val="dk1"/>
+          </a:fillRef>
+          <a:effectRef idx="2">
+            <a:schemeClr val="dk1"/>
+          </a:effectRef>
+          <a:fontRef idx="minor">
+            <a:schemeClr val="tx1"/>
+          </a:fontRef>
+        </p:style>
+      </p:cxnSp>
+      <p:cxnSp>
+        <p:nvCxnSpPr>
+          <p:cNvPr id="23" name="Connecteur droit 22">
+            <a:extLst>
+              <a:ext uri="{FF2B5EF4-FFF2-40B4-BE49-F238E27FC236}">
+                <a16:creationId xmlns:a16="http://schemas.microsoft.com/office/drawing/2014/main" id="{BCB092C8-0080-4E56-957E-0046D4C83988}"/>
+              </a:ext>
+            </a:extLst>
+          </p:cNvPr>
+          <p:cNvCxnSpPr>
+            <a:cxnSpLocks/>
+          </p:cNvCxnSpPr>
+          <p:nvPr/>
+        </p:nvCxnSpPr>
+        <p:spPr>
+          <a:xfrm flipH="1">
+            <a:off x="2216372" y="446356"/>
+            <a:ext cx="364332" cy="501657"/>
+          </a:xfrm>
+          <a:prstGeom prst="line">
+            <a:avLst/>
+          </a:prstGeom>
+        </p:spPr>
+        <p:style>
+          <a:lnRef idx="3">
+            <a:schemeClr val="dk1"/>
+          </a:lnRef>
+          <a:fillRef idx="0">
+            <a:schemeClr val="dk1"/>
+          </a:fillRef>
+          <a:effectRef idx="2">
+            <a:schemeClr val="dk1"/>
+          </a:effectRef>
+          <a:fontRef idx="minor">
+            <a:schemeClr val="tx1"/>
+          </a:fontRef>
+        </p:style>
+      </p:cxnSp>
+      <p:sp>
+        <p:nvSpPr>
+          <p:cNvPr id="9" name="ZoneTexte 8">
+            <a:extLst>
+              <a:ext uri="{FF2B5EF4-FFF2-40B4-BE49-F238E27FC236}">
+                <a16:creationId xmlns:a16="http://schemas.microsoft.com/office/drawing/2014/main" id="{82010251-0AD2-4DAA-8E6B-7CA6A2301A9E}"/>
+              </a:ext>
+            </a:extLst>
+          </p:cNvPr>
+          <p:cNvSpPr txBox="1"/>
+          <p:nvPr/>
+        </p:nvSpPr>
+        <p:spPr>
+          <a:xfrm>
+            <a:off x="3375800" y="960364"/>
+            <a:ext cx="5440399" cy="769441"/>
+          </a:xfrm>
+          <a:prstGeom prst="rect">
+            <a:avLst/>
+          </a:prstGeom>
+          <a:noFill/>
+        </p:spPr>
+        <p:txBody>
+          <a:bodyPr wrap="square" rtlCol="0">
+            <a:spAutoFit/>
+          </a:bodyPr>
+          <a:lstStyle/>
+          <a:p>
+            <a:pPr marL="0" marR="0" lvl="0" indent="0" algn="ctr" defTabSz="914400" rtl="0" eaLnBrk="1" fontAlgn="auto" latinLnBrk="0" hangingPunct="1">
+              <a:lnSpc>
+                <a:spcPct val="100000"/>
+              </a:lnSpc>
+              <a:spcBef>
+                <a:spcPts val="0"/>
+              </a:spcBef>
+              <a:spcAft>
+                <a:spcPts val="0"/>
+              </a:spcAft>
+              <a:buClrTx/>
+              <a:buSzTx/>
+              <a:buFontTx/>
+              <a:buNone/>
+              <a:tabLst/>
+              <a:defRPr/>
+            </a:pPr>
+            <a:r>
+              <a:rPr kumimoji="0" lang="fr-FR" sz="4400" b="0" i="0" u="none" strike="noStrike" kern="1200" cap="none" spc="0" normalizeH="0" baseline="0" noProof="0" dirty="0">
+                <a:ln>
+                  <a:noFill/>
+                </a:ln>
+                <a:solidFill>
+                  <a:prstClr val="black"/>
+                </a:solidFill>
+                <a:effectLst/>
+                <a:uLnTx/>
+                <a:uFillTx/>
+                <a:latin typeface="Berlin Sans FB" panose="020E0602020502020306" pitchFamily="34" charset="0"/>
+                <a:ea typeface="+mn-ea"/>
+                <a:cs typeface="+mn-cs"/>
+              </a:rPr>
+              <a:t>Arduino to Raspberry</a:t>
+            </a:r>
+          </a:p>
+        </p:txBody>
+      </p:sp>
+      <p:pic>
+        <p:nvPicPr>
+          <p:cNvPr id="3" name="Image 2" descr="Une image contenant équipement électronique, circuit&#10;&#10;Description générée avec un niveau de confiance très élevé">
+            <a:extLst>
+              <a:ext uri="{FF2B5EF4-FFF2-40B4-BE49-F238E27FC236}">
+                <a16:creationId xmlns:a16="http://schemas.microsoft.com/office/drawing/2014/main" id="{890B1835-1795-4998-B947-D1D06C3BBFCB}"/>
+              </a:ext>
+            </a:extLst>
+          </p:cNvPr>
+          <p:cNvPicPr>
+            <a:picLocks noChangeAspect="1"/>
+          </p:cNvPicPr>
+          <p:nvPr/>
+        </p:nvPicPr>
+        <p:blipFill>
+          <a:blip r:embed="rId4">
+            <a:extLst>
+              <a:ext uri="{28A0092B-C50C-407E-A947-70E740481C1C}">
+                <a14:useLocalDpi xmlns:a14="http://schemas.microsoft.com/office/drawing/2010/main" val="0"/>
+              </a:ext>
+            </a:extLst>
+          </a:blip>
+          <a:stretch>
+            <a:fillRect/>
+          </a:stretch>
+        </p:blipFill>
+        <p:spPr>
+          <a:xfrm>
+            <a:off x="879582" y="2691718"/>
+            <a:ext cx="4667610" cy="3500707"/>
+          </a:xfrm>
+          <a:prstGeom prst="rect">
+            <a:avLst/>
+          </a:prstGeom>
+        </p:spPr>
+      </p:pic>
+      <p:sp>
+        <p:nvSpPr>
+          <p:cNvPr id="17" name="ZoneTexte 16">
+            <a:extLst>
+              <a:ext uri="{FF2B5EF4-FFF2-40B4-BE49-F238E27FC236}">
+                <a16:creationId xmlns:a16="http://schemas.microsoft.com/office/drawing/2014/main" id="{24450489-B417-4D61-9D8D-4C1FC8F9E4D8}"/>
+              </a:ext>
+            </a:extLst>
+          </p:cNvPr>
+          <p:cNvSpPr txBox="1"/>
+          <p:nvPr/>
+        </p:nvSpPr>
+        <p:spPr>
+          <a:xfrm>
+            <a:off x="2459652" y="2208906"/>
+            <a:ext cx="1404853" cy="369332"/>
+          </a:xfrm>
+          <a:prstGeom prst="rect">
+            <a:avLst/>
+          </a:prstGeom>
+          <a:noFill/>
+        </p:spPr>
+        <p:txBody>
+          <a:bodyPr wrap="square" rtlCol="0">
+            <a:spAutoFit/>
+          </a:bodyPr>
+          <a:lstStyle/>
+          <a:p>
+            <a:pPr marL="0" marR="0" lvl="0" indent="0" algn="l" defTabSz="914400" rtl="0" eaLnBrk="1" fontAlgn="auto" latinLnBrk="0" hangingPunct="1">
+              <a:lnSpc>
+                <a:spcPct val="100000"/>
+              </a:lnSpc>
+              <a:spcBef>
+                <a:spcPts val="0"/>
+              </a:spcBef>
+              <a:spcAft>
+                <a:spcPts val="0"/>
+              </a:spcAft>
+              <a:buClrTx/>
+              <a:buSzTx/>
+              <a:buFontTx/>
+              <a:buNone/>
+              <a:tabLst/>
+              <a:defRPr/>
+            </a:pPr>
+            <a:r>
+              <a:rPr kumimoji="0" lang="fr-FR" sz="1800" b="0" i="0" u="none" strike="noStrike" kern="1200" cap="none" spc="0" normalizeH="0" baseline="0" noProof="0" dirty="0">
+                <a:ln>
+                  <a:noFill/>
+                </a:ln>
+                <a:solidFill>
+                  <a:prstClr val="black"/>
+                </a:solidFill>
+                <a:effectLst/>
+                <a:uLnTx/>
+                <a:uFillTx/>
+                <a:latin typeface="Calibri" panose="020F0502020204030204"/>
+                <a:ea typeface="+mn-ea"/>
+                <a:cs typeface="+mn-cs"/>
+              </a:rPr>
+              <a:t>Solution 1 :</a:t>
+            </a:r>
+            <a:endParaRPr kumimoji="0" lang="fr-FR" sz="1400" b="0" i="0" u="none" strike="noStrike" kern="1200" cap="none" spc="0" normalizeH="0" baseline="0" noProof="0" dirty="0">
+              <a:ln>
+                <a:noFill/>
+              </a:ln>
+              <a:solidFill>
+                <a:prstClr val="black"/>
+              </a:solidFill>
+              <a:effectLst/>
+              <a:uLnTx/>
+              <a:uFillTx/>
+              <a:latin typeface="Calibri Light" panose="020F0302020204030204"/>
+              <a:ea typeface="+mn-ea"/>
+              <a:cs typeface="+mn-cs"/>
+            </a:endParaRPr>
+          </a:p>
+        </p:txBody>
+      </p:sp>
+      <p:sp>
+        <p:nvSpPr>
+          <p:cNvPr id="18" name="ZoneTexte 17">
+            <a:extLst>
+              <a:ext uri="{FF2B5EF4-FFF2-40B4-BE49-F238E27FC236}">
+                <a16:creationId xmlns:a16="http://schemas.microsoft.com/office/drawing/2014/main" id="{13927FBC-ECE7-42B4-BA63-7CF577E6B900}"/>
+              </a:ext>
+            </a:extLst>
+          </p:cNvPr>
+          <p:cNvSpPr txBox="1"/>
+          <p:nvPr/>
+        </p:nvSpPr>
+        <p:spPr>
+          <a:xfrm>
+            <a:off x="7997851" y="2208907"/>
+            <a:ext cx="1404853" cy="369332"/>
+          </a:xfrm>
+          <a:prstGeom prst="rect">
+            <a:avLst/>
+          </a:prstGeom>
+          <a:noFill/>
+        </p:spPr>
+        <p:txBody>
+          <a:bodyPr wrap="square" rtlCol="0">
+            <a:spAutoFit/>
+          </a:bodyPr>
+          <a:lstStyle/>
+          <a:p>
+            <a:pPr marL="0" marR="0" lvl="0" indent="0" algn="l" defTabSz="914400" rtl="0" eaLnBrk="1" fontAlgn="auto" latinLnBrk="0" hangingPunct="1">
+              <a:lnSpc>
+                <a:spcPct val="100000"/>
+              </a:lnSpc>
+              <a:spcBef>
+                <a:spcPts val="0"/>
+              </a:spcBef>
+              <a:spcAft>
+                <a:spcPts val="0"/>
+              </a:spcAft>
+              <a:buClrTx/>
+              <a:buSzTx/>
+              <a:buFontTx/>
+              <a:buNone/>
+              <a:tabLst/>
+              <a:defRPr/>
+            </a:pPr>
+            <a:r>
+              <a:rPr kumimoji="0" lang="fr-FR" sz="1800" b="0" i="0" u="none" strike="noStrike" kern="1200" cap="none" spc="0" normalizeH="0" baseline="0" noProof="0" dirty="0">
+                <a:ln>
+                  <a:noFill/>
+                </a:ln>
+                <a:solidFill>
+                  <a:prstClr val="black"/>
+                </a:solidFill>
+                <a:effectLst/>
+                <a:uLnTx/>
+                <a:uFillTx/>
+                <a:latin typeface="Calibri" panose="020F0502020204030204"/>
+                <a:ea typeface="+mn-ea"/>
+                <a:cs typeface="+mn-cs"/>
+              </a:rPr>
+              <a:t>Solution 2 :</a:t>
+            </a:r>
+            <a:endParaRPr kumimoji="0" lang="fr-FR" sz="1400" b="0" i="0" u="none" strike="noStrike" kern="1200" cap="none" spc="0" normalizeH="0" baseline="0" noProof="0" dirty="0">
+              <a:ln>
+                <a:noFill/>
+              </a:ln>
+              <a:solidFill>
+                <a:prstClr val="black"/>
+              </a:solidFill>
+              <a:effectLst/>
+              <a:uLnTx/>
+              <a:uFillTx/>
+              <a:latin typeface="Calibri Light" panose="020F0302020204030204"/>
+              <a:ea typeface="+mn-ea"/>
+              <a:cs typeface="+mn-cs"/>
+            </a:endParaRPr>
+          </a:p>
+        </p:txBody>
+      </p:sp>
+      <p:pic>
+        <p:nvPicPr>
+          <p:cNvPr id="5" name="Image 4" descr="Une image contenant équipement électronique, circuit&#10;&#10;Description générée avec un niveau de confiance très élevé">
+            <a:extLst>
+              <a:ext uri="{FF2B5EF4-FFF2-40B4-BE49-F238E27FC236}">
+                <a16:creationId xmlns:a16="http://schemas.microsoft.com/office/drawing/2014/main" id="{11F93998-DD8C-4E24-816C-9456B39EE2AB}"/>
+              </a:ext>
+            </a:extLst>
+          </p:cNvPr>
+          <p:cNvPicPr>
+            <a:picLocks noChangeAspect="1"/>
+          </p:cNvPicPr>
+          <p:nvPr/>
+        </p:nvPicPr>
+        <p:blipFill>
+          <a:blip r:embed="rId5">
+            <a:extLst>
+              <a:ext uri="{28A0092B-C50C-407E-A947-70E740481C1C}">
+                <a14:useLocalDpi xmlns:a14="http://schemas.microsoft.com/office/drawing/2010/main" val="0"/>
+              </a:ext>
+            </a:extLst>
+          </a:blip>
+          <a:stretch>
+            <a:fillRect/>
+          </a:stretch>
+        </p:blipFill>
+        <p:spPr>
+          <a:xfrm>
+            <a:off x="6310293" y="2691718"/>
+            <a:ext cx="4667610" cy="3500708"/>
+          </a:xfrm>
+          <a:prstGeom prst="rect">
+            <a:avLst/>
+          </a:prstGeom>
+        </p:spPr>
+      </p:pic>
+    </p:spTree>
+    <p:extLst>
+      <p:ext uri="{BB962C8B-B14F-4D97-AF65-F5344CB8AC3E}">
+        <p14:creationId xmlns:p14="http://schemas.microsoft.com/office/powerpoint/2010/main" val="3095519770"/>
+      </p:ext>
+    </p:extLst>
+  </p:cSld>
+  <p:clrMapOvr>
+    <a:masterClrMapping/>
+  </p:clrMapOvr>
+  <mc:AlternateContent xmlns:mc="http://schemas.openxmlformats.org/markup-compatibility/2006" xmlns:p14="http://schemas.microsoft.com/office/powerpoint/2010/main">
+    <mc:Choice Requires="p14">
+      <p:transition spd="slow">
+        <p14:reveal/>
+      </p:transition>
+    </mc:Choice>
+    <mc:Fallback xmlns="">
+      <p:transition spd="slow">
+        <p:fade/>
+      </p:transition>
+    </mc:Fallback>
+  </mc:AlternateContent>
+</p:sld>
+</file>
+
+<file path=ppt/slides/slide12.xml><?xml version="1.0" encoding="utf-8"?>
 <p:sld xmlns:a="http://schemas.openxmlformats.org/drawingml/2006/main" xmlns:r="http://schemas.openxmlformats.org/officeDocument/2006/relationships" xmlns:p="http://schemas.openxmlformats.org/presentationml/2006/main">
   <p:cSld>
     <p:spTree>
@@ -5781,7 +7421,7 @@
 </p:sld>
 </file>
 
-<file path=ppt/slides/slide11.xml><?xml version="1.0" encoding="utf-8"?>
+<file path=ppt/slides/slide13.xml><?xml version="1.0" encoding="utf-8"?>
 <p:sld xmlns:a="http://schemas.openxmlformats.org/drawingml/2006/main" xmlns:r="http://schemas.openxmlformats.org/officeDocument/2006/relationships" xmlns:p="http://schemas.openxmlformats.org/presentationml/2006/main">
   <p:cSld>
     <p:spTree>
@@ -6677,7 +8317,7 @@
 </p:sld>
 </file>
 
-<file path=ppt/slides/slide12.xml><?xml version="1.0" encoding="utf-8"?>
+<file path=ppt/slides/slide14.xml><?xml version="1.0" encoding="utf-8"?>
 <p:sld xmlns:a="http://schemas.openxmlformats.org/drawingml/2006/main" xmlns:r="http://schemas.openxmlformats.org/officeDocument/2006/relationships" xmlns:p="http://schemas.openxmlformats.org/presentationml/2006/main">
   <p:cSld>
     <p:spTree>
@@ -7578,7 +9218,7 @@
 </p:sld>
 </file>
 
-<file path=ppt/slides/slide13.xml><?xml version="1.0" encoding="utf-8"?>
+<file path=ppt/slides/slide15.xml><?xml version="1.0" encoding="utf-8"?>
 <p:sld xmlns:a="http://schemas.openxmlformats.org/drawingml/2006/main" xmlns:r="http://schemas.openxmlformats.org/officeDocument/2006/relationships" xmlns:p="http://schemas.openxmlformats.org/presentationml/2006/main">
   <p:cSld>
     <p:spTree>
@@ -8034,7 +9674,7 @@
 </p:sld>
 </file>
 
-<file path=ppt/slides/slide14.xml><?xml version="1.0" encoding="utf-8"?>
+<file path=ppt/slides/slide16.xml><?xml version="1.0" encoding="utf-8"?>
 <p:sld xmlns:a="http://schemas.openxmlformats.org/drawingml/2006/main" xmlns:r="http://schemas.openxmlformats.org/officeDocument/2006/relationships" xmlns:p="http://schemas.openxmlformats.org/presentationml/2006/main">
   <p:cSld>
     <p:spTree>
@@ -8490,7 +10130,7 @@
 </p:sld>
 </file>
 
-<file path=ppt/slides/slide15.xml><?xml version="1.0" encoding="utf-8"?>
+<file path=ppt/slides/slide17.xml><?xml version="1.0" encoding="utf-8"?>
 <p:sld xmlns:a="http://schemas.openxmlformats.org/drawingml/2006/main" xmlns:r="http://schemas.openxmlformats.org/officeDocument/2006/relationships" xmlns:p="http://schemas.openxmlformats.org/presentationml/2006/main">
   <p:cSld>
     <p:spTree>
@@ -8946,7 +10586,7 @@
 </p:sld>
 </file>
 
-<file path=ppt/slides/slide16.xml><?xml version="1.0" encoding="utf-8"?>
+<file path=ppt/slides/slide18.xml><?xml version="1.0" encoding="utf-8"?>
 <p:sld xmlns:a="http://schemas.openxmlformats.org/drawingml/2006/main" xmlns:r="http://schemas.openxmlformats.org/officeDocument/2006/relationships" xmlns:p="http://schemas.openxmlformats.org/presentationml/2006/main">
   <p:cSld>
     <p:spTree>
@@ -15971,10 +17611,10 @@
       </p:grpSpPr>
       <p:pic>
         <p:nvPicPr>
-          <p:cNvPr id="8" name="Image 7">
-            <a:extLst>
-              <a:ext uri="{FF2B5EF4-FFF2-40B4-BE49-F238E27FC236}">
-                <a16:creationId xmlns:a16="http://schemas.microsoft.com/office/drawing/2014/main" id="{2BB825C5-31DA-4A56-85EA-536DBF510A31}"/>
+          <p:cNvPr id="4" name="Image 3">
+            <a:extLst>
+              <a:ext uri="{FF2B5EF4-FFF2-40B4-BE49-F238E27FC236}">
+                <a16:creationId xmlns:a16="http://schemas.microsoft.com/office/drawing/2014/main" id="{E37426A9-7BFE-48C0-9D3A-8DC44C296530}"/>
               </a:ext>
             </a:extLst>
           </p:cNvPr>
@@ -15997,8 +17637,8 @@
         </p:blipFill>
         <p:spPr>
           <a:xfrm>
-            <a:off x="1068751" y="66457"/>
-            <a:ext cx="1259497" cy="776690"/>
+            <a:off x="1499694" y="1273084"/>
+            <a:ext cx="9192611" cy="5518459"/>
           </a:xfrm>
           <a:prstGeom prst="rect">
             <a:avLst/>
@@ -16007,10 +17647,10 @@
       </p:pic>
       <p:pic>
         <p:nvPicPr>
-          <p:cNvPr id="10" name="Image 9">
-            <a:extLst>
-              <a:ext uri="{FF2B5EF4-FFF2-40B4-BE49-F238E27FC236}">
-                <a16:creationId xmlns:a16="http://schemas.microsoft.com/office/drawing/2014/main" id="{8EE7436F-49F2-41E0-93E4-D247B4705294}"/>
+          <p:cNvPr id="8" name="Image 7">
+            <a:extLst>
+              <a:ext uri="{FF2B5EF4-FFF2-40B4-BE49-F238E27FC236}">
+                <a16:creationId xmlns:a16="http://schemas.microsoft.com/office/drawing/2014/main" id="{2BB825C5-31DA-4A56-85EA-536DBF510A31}"/>
               </a:ext>
             </a:extLst>
           </p:cNvPr>
@@ -16033,362 +17673,20 @@
         </p:blipFill>
         <p:spPr>
           <a:xfrm>
-            <a:off x="9681085" y="238153"/>
-            <a:ext cx="1802101" cy="569807"/>
+            <a:off x="1068751" y="66457"/>
+            <a:ext cx="1259497" cy="776690"/>
           </a:xfrm>
           <a:prstGeom prst="rect">
             <a:avLst/>
           </a:prstGeom>
         </p:spPr>
       </p:pic>
-      <p:cxnSp>
-        <p:nvCxnSpPr>
-          <p:cNvPr id="16" name="Connecteur droit 15">
-            <a:extLst>
-              <a:ext uri="{FF2B5EF4-FFF2-40B4-BE49-F238E27FC236}">
-                <a16:creationId xmlns:a16="http://schemas.microsoft.com/office/drawing/2014/main" id="{7319284A-BD6F-4A96-8E2B-E0A4B52E53C6}"/>
-              </a:ext>
-            </a:extLst>
-          </p:cNvPr>
-          <p:cNvCxnSpPr>
-            <a:cxnSpLocks/>
-          </p:cNvCxnSpPr>
-          <p:nvPr/>
-        </p:nvCxnSpPr>
-        <p:spPr>
-          <a:xfrm flipV="1">
-            <a:off x="0" y="454803"/>
-            <a:ext cx="738231" cy="1798"/>
-          </a:xfrm>
-          <a:prstGeom prst="line">
-            <a:avLst/>
-          </a:prstGeom>
-        </p:spPr>
-        <p:style>
-          <a:lnRef idx="3">
-            <a:schemeClr val="dk1"/>
-          </a:lnRef>
-          <a:fillRef idx="0">
-            <a:schemeClr val="dk1"/>
-          </a:fillRef>
-          <a:effectRef idx="2">
-            <a:schemeClr val="dk1"/>
-          </a:effectRef>
-          <a:fontRef idx="minor">
-            <a:schemeClr val="tx1"/>
-          </a:fontRef>
-        </p:style>
-      </p:cxnSp>
-      <p:cxnSp>
-        <p:nvCxnSpPr>
-          <p:cNvPr id="20" name="Connecteur droit 19">
-            <a:extLst>
-              <a:ext uri="{FF2B5EF4-FFF2-40B4-BE49-F238E27FC236}">
-                <a16:creationId xmlns:a16="http://schemas.microsoft.com/office/drawing/2014/main" id="{08874CF7-F149-4C81-B61E-74E18342BA8A}"/>
-              </a:ext>
-            </a:extLst>
-          </p:cNvPr>
-          <p:cNvCxnSpPr>
-            <a:cxnSpLocks/>
-          </p:cNvCxnSpPr>
-          <p:nvPr/>
-        </p:nvCxnSpPr>
-        <p:spPr>
-          <a:xfrm>
-            <a:off x="2573222" y="454803"/>
-            <a:ext cx="6829482" cy="10398"/>
-          </a:xfrm>
-          <a:prstGeom prst="line">
-            <a:avLst/>
-          </a:prstGeom>
-        </p:spPr>
-        <p:style>
-          <a:lnRef idx="3">
-            <a:schemeClr val="dk1"/>
-          </a:lnRef>
-          <a:fillRef idx="0">
-            <a:schemeClr val="dk1"/>
-          </a:fillRef>
-          <a:effectRef idx="2">
-            <a:schemeClr val="dk1"/>
-          </a:effectRef>
-          <a:fontRef idx="minor">
-            <a:schemeClr val="tx1"/>
-          </a:fontRef>
-        </p:style>
-      </p:cxnSp>
-      <p:cxnSp>
-        <p:nvCxnSpPr>
-          <p:cNvPr id="26" name="Connecteur droit 25">
-            <a:extLst>
-              <a:ext uri="{FF2B5EF4-FFF2-40B4-BE49-F238E27FC236}">
-                <a16:creationId xmlns:a16="http://schemas.microsoft.com/office/drawing/2014/main" id="{BB3B35CC-057B-48C1-880F-3306A6559175}"/>
-              </a:ext>
-            </a:extLst>
-          </p:cNvPr>
-          <p:cNvCxnSpPr>
-            <a:cxnSpLocks/>
-          </p:cNvCxnSpPr>
-          <p:nvPr/>
-        </p:nvCxnSpPr>
-        <p:spPr>
-          <a:xfrm>
-            <a:off x="738231" y="454803"/>
-            <a:ext cx="344203" cy="484764"/>
-          </a:xfrm>
-          <a:prstGeom prst="line">
-            <a:avLst/>
-          </a:prstGeom>
-        </p:spPr>
-        <p:style>
-          <a:lnRef idx="3">
-            <a:schemeClr val="dk1"/>
-          </a:lnRef>
-          <a:fillRef idx="0">
-            <a:schemeClr val="dk1"/>
-          </a:fillRef>
-          <a:effectRef idx="2">
-            <a:schemeClr val="dk1"/>
-          </a:effectRef>
-          <a:fontRef idx="minor">
-            <a:schemeClr val="tx1"/>
-          </a:fontRef>
-        </p:style>
-      </p:cxnSp>
-      <p:cxnSp>
-        <p:nvCxnSpPr>
-          <p:cNvPr id="32" name="Connecteur droit 31">
-            <a:extLst>
-              <a:ext uri="{FF2B5EF4-FFF2-40B4-BE49-F238E27FC236}">
-                <a16:creationId xmlns:a16="http://schemas.microsoft.com/office/drawing/2014/main" id="{4AD96496-1EB6-4E48-9BB2-5C255495C686}"/>
-              </a:ext>
-            </a:extLst>
-          </p:cNvPr>
-          <p:cNvCxnSpPr>
-            <a:cxnSpLocks/>
-          </p:cNvCxnSpPr>
-          <p:nvPr/>
-        </p:nvCxnSpPr>
-        <p:spPr>
-          <a:xfrm>
-            <a:off x="1082434" y="938268"/>
-            <a:ext cx="1146585" cy="0"/>
-          </a:xfrm>
-          <a:prstGeom prst="line">
-            <a:avLst/>
-          </a:prstGeom>
-        </p:spPr>
-        <p:style>
-          <a:lnRef idx="3">
-            <a:schemeClr val="dk1"/>
-          </a:lnRef>
-          <a:fillRef idx="0">
-            <a:schemeClr val="dk1"/>
-          </a:fillRef>
-          <a:effectRef idx="2">
-            <a:schemeClr val="dk1"/>
-          </a:effectRef>
-          <a:fontRef idx="minor">
-            <a:schemeClr val="tx1"/>
-          </a:fontRef>
-        </p:style>
-      </p:cxnSp>
-      <p:cxnSp>
-        <p:nvCxnSpPr>
-          <p:cNvPr id="51" name="Connecteur droit 50">
-            <a:extLst>
-              <a:ext uri="{FF2B5EF4-FFF2-40B4-BE49-F238E27FC236}">
-                <a16:creationId xmlns:a16="http://schemas.microsoft.com/office/drawing/2014/main" id="{C035BFA6-ECBF-4775-BA81-19D2CA41AA8D}"/>
-              </a:ext>
-            </a:extLst>
-          </p:cNvPr>
-          <p:cNvCxnSpPr>
-            <a:cxnSpLocks/>
-          </p:cNvCxnSpPr>
-          <p:nvPr/>
-        </p:nvCxnSpPr>
-        <p:spPr>
-          <a:xfrm>
-            <a:off x="9402704" y="465201"/>
-            <a:ext cx="344203" cy="495163"/>
-          </a:xfrm>
-          <a:prstGeom prst="line">
-            <a:avLst/>
-          </a:prstGeom>
-        </p:spPr>
-        <p:style>
-          <a:lnRef idx="3">
-            <a:schemeClr val="dk1"/>
-          </a:lnRef>
-          <a:fillRef idx="0">
-            <a:schemeClr val="dk1"/>
-          </a:fillRef>
-          <a:effectRef idx="2">
-            <a:schemeClr val="dk1"/>
-          </a:effectRef>
-          <a:fontRef idx="minor">
-            <a:schemeClr val="tx1"/>
-          </a:fontRef>
-        </p:style>
-      </p:cxnSp>
-      <p:cxnSp>
-        <p:nvCxnSpPr>
-          <p:cNvPr id="52" name="Connecteur droit 51">
-            <a:extLst>
-              <a:ext uri="{FF2B5EF4-FFF2-40B4-BE49-F238E27FC236}">
-                <a16:creationId xmlns:a16="http://schemas.microsoft.com/office/drawing/2014/main" id="{FA310BC7-694B-4984-99A2-61A1F4F6EBF9}"/>
-              </a:ext>
-            </a:extLst>
-          </p:cNvPr>
-          <p:cNvCxnSpPr>
-            <a:cxnSpLocks/>
-          </p:cNvCxnSpPr>
-          <p:nvPr/>
-        </p:nvCxnSpPr>
-        <p:spPr>
-          <a:xfrm flipH="1">
-            <a:off x="11370469" y="448308"/>
-            <a:ext cx="364332" cy="501657"/>
-          </a:xfrm>
-          <a:prstGeom prst="line">
-            <a:avLst/>
-          </a:prstGeom>
-        </p:spPr>
-        <p:style>
-          <a:lnRef idx="3">
-            <a:schemeClr val="dk1"/>
-          </a:lnRef>
-          <a:fillRef idx="0">
-            <a:schemeClr val="dk1"/>
-          </a:fillRef>
-          <a:effectRef idx="2">
-            <a:schemeClr val="dk1"/>
-          </a:effectRef>
-          <a:fontRef idx="minor">
-            <a:schemeClr val="tx1"/>
-          </a:fontRef>
-        </p:style>
-      </p:cxnSp>
-      <p:cxnSp>
-        <p:nvCxnSpPr>
-          <p:cNvPr id="53" name="Connecteur droit 52">
-            <a:extLst>
-              <a:ext uri="{FF2B5EF4-FFF2-40B4-BE49-F238E27FC236}">
-                <a16:creationId xmlns:a16="http://schemas.microsoft.com/office/drawing/2014/main" id="{BE0649BD-EE59-4DDA-960F-95B2572F9F13}"/>
-              </a:ext>
-            </a:extLst>
-          </p:cNvPr>
-          <p:cNvCxnSpPr>
-            <a:cxnSpLocks/>
-          </p:cNvCxnSpPr>
-          <p:nvPr/>
-        </p:nvCxnSpPr>
-        <p:spPr>
-          <a:xfrm>
-            <a:off x="9743203" y="949965"/>
-            <a:ext cx="1627266" cy="0"/>
-          </a:xfrm>
-          <a:prstGeom prst="line">
-            <a:avLst/>
-          </a:prstGeom>
-        </p:spPr>
-        <p:style>
-          <a:lnRef idx="3">
-            <a:schemeClr val="dk1"/>
-          </a:lnRef>
-          <a:fillRef idx="0">
-            <a:schemeClr val="dk1"/>
-          </a:fillRef>
-          <a:effectRef idx="2">
-            <a:schemeClr val="dk1"/>
-          </a:effectRef>
-          <a:fontRef idx="minor">
-            <a:schemeClr val="tx1"/>
-          </a:fontRef>
-        </p:style>
-      </p:cxnSp>
-      <p:cxnSp>
-        <p:nvCxnSpPr>
-          <p:cNvPr id="55" name="Connecteur droit 54">
-            <a:extLst>
-              <a:ext uri="{FF2B5EF4-FFF2-40B4-BE49-F238E27FC236}">
-                <a16:creationId xmlns:a16="http://schemas.microsoft.com/office/drawing/2014/main" id="{52AA9200-DAFA-4EEF-AC13-4C7CE82A59EC}"/>
-              </a:ext>
-            </a:extLst>
-          </p:cNvPr>
-          <p:cNvCxnSpPr>
-            <a:cxnSpLocks/>
-          </p:cNvCxnSpPr>
-          <p:nvPr/>
-        </p:nvCxnSpPr>
-        <p:spPr>
-          <a:xfrm>
-            <a:off x="11715750" y="454801"/>
-            <a:ext cx="476249" cy="10400"/>
-          </a:xfrm>
-          <a:prstGeom prst="line">
-            <a:avLst/>
-          </a:prstGeom>
-        </p:spPr>
-        <p:style>
-          <a:lnRef idx="3">
-            <a:schemeClr val="dk1"/>
-          </a:lnRef>
-          <a:fillRef idx="0">
-            <a:schemeClr val="dk1"/>
-          </a:fillRef>
-          <a:effectRef idx="2">
-            <a:schemeClr val="dk1"/>
-          </a:effectRef>
-          <a:fontRef idx="minor">
-            <a:schemeClr val="tx1"/>
-          </a:fontRef>
-        </p:style>
-      </p:cxnSp>
-      <p:cxnSp>
-        <p:nvCxnSpPr>
-          <p:cNvPr id="23" name="Connecteur droit 22">
-            <a:extLst>
-              <a:ext uri="{FF2B5EF4-FFF2-40B4-BE49-F238E27FC236}">
-                <a16:creationId xmlns:a16="http://schemas.microsoft.com/office/drawing/2014/main" id="{BCB092C8-0080-4E56-957E-0046D4C83988}"/>
-              </a:ext>
-            </a:extLst>
-          </p:cNvPr>
-          <p:cNvCxnSpPr>
-            <a:cxnSpLocks/>
-          </p:cNvCxnSpPr>
-          <p:nvPr/>
-        </p:nvCxnSpPr>
-        <p:spPr>
-          <a:xfrm flipH="1">
-            <a:off x="2216372" y="446356"/>
-            <a:ext cx="364332" cy="501657"/>
-          </a:xfrm>
-          <a:prstGeom prst="line">
-            <a:avLst/>
-          </a:prstGeom>
-        </p:spPr>
-        <p:style>
-          <a:lnRef idx="3">
-            <a:schemeClr val="dk1"/>
-          </a:lnRef>
-          <a:fillRef idx="0">
-            <a:schemeClr val="dk1"/>
-          </a:fillRef>
-          <a:effectRef idx="2">
-            <a:schemeClr val="dk1"/>
-          </a:effectRef>
-          <a:fontRef idx="minor">
-            <a:schemeClr val="tx1"/>
-          </a:fontRef>
-        </p:style>
-      </p:cxnSp>
       <p:pic>
         <p:nvPicPr>
-          <p:cNvPr id="57" name="Image 56">
-            <a:extLst>
-              <a:ext uri="{FF2B5EF4-FFF2-40B4-BE49-F238E27FC236}">
-                <a16:creationId xmlns:a16="http://schemas.microsoft.com/office/drawing/2014/main" id="{12B16FB2-5844-4B92-AE69-9BAC858C22BB}"/>
+          <p:cNvPr id="10" name="Image 9">
+            <a:extLst>
+              <a:ext uri="{FF2B5EF4-FFF2-40B4-BE49-F238E27FC236}">
+                <a16:creationId xmlns:a16="http://schemas.microsoft.com/office/drawing/2014/main" id="{8EE7436F-49F2-41E0-93E4-D247B4705294}"/>
               </a:ext>
             </a:extLst>
           </p:cNvPr>
@@ -16398,7 +17696,7 @@
           <p:nvPr/>
         </p:nvPicPr>
         <p:blipFill>
-          <a:blip r:embed="rId3">
+          <a:blip r:embed="rId4">
             <a:extLst>
               <a:ext uri="{28A0092B-C50C-407E-A947-70E740481C1C}">
                 <a14:useLocalDpi xmlns:a14="http://schemas.microsoft.com/office/drawing/2010/main" val="0"/>
@@ -16421,10 +17719,48 @@
       </p:pic>
       <p:cxnSp>
         <p:nvCxnSpPr>
-          <p:cNvPr id="58" name="Connecteur droit 57">
-            <a:extLst>
-              <a:ext uri="{FF2B5EF4-FFF2-40B4-BE49-F238E27FC236}">
-                <a16:creationId xmlns:a16="http://schemas.microsoft.com/office/drawing/2014/main" id="{01599350-F8B0-4FDC-B003-981189A8D654}"/>
+          <p:cNvPr id="16" name="Connecteur droit 15">
+            <a:extLst>
+              <a:ext uri="{FF2B5EF4-FFF2-40B4-BE49-F238E27FC236}">
+                <a16:creationId xmlns:a16="http://schemas.microsoft.com/office/drawing/2014/main" id="{7319284A-BD6F-4A96-8E2B-E0A4B52E53C6}"/>
+              </a:ext>
+            </a:extLst>
+          </p:cNvPr>
+          <p:cNvCxnSpPr>
+            <a:cxnSpLocks/>
+          </p:cNvCxnSpPr>
+          <p:nvPr/>
+        </p:nvCxnSpPr>
+        <p:spPr>
+          <a:xfrm flipV="1">
+            <a:off x="0" y="454803"/>
+            <a:ext cx="738231" cy="1798"/>
+          </a:xfrm>
+          <a:prstGeom prst="line">
+            <a:avLst/>
+          </a:prstGeom>
+        </p:spPr>
+        <p:style>
+          <a:lnRef idx="3">
+            <a:schemeClr val="dk1"/>
+          </a:lnRef>
+          <a:fillRef idx="0">
+            <a:schemeClr val="dk1"/>
+          </a:fillRef>
+          <a:effectRef idx="2">
+            <a:schemeClr val="dk1"/>
+          </a:effectRef>
+          <a:fontRef idx="minor">
+            <a:schemeClr val="tx1"/>
+          </a:fontRef>
+        </p:style>
+      </p:cxnSp>
+      <p:cxnSp>
+        <p:nvCxnSpPr>
+          <p:cNvPr id="20" name="Connecteur droit 19">
+            <a:extLst>
+              <a:ext uri="{FF2B5EF4-FFF2-40B4-BE49-F238E27FC236}">
+                <a16:creationId xmlns:a16="http://schemas.microsoft.com/office/drawing/2014/main" id="{08874CF7-F149-4C81-B61E-74E18342BA8A}"/>
               </a:ext>
             </a:extLst>
           </p:cNvPr>
@@ -16459,10 +17795,10 @@
       </p:cxnSp>
       <p:cxnSp>
         <p:nvCxnSpPr>
-          <p:cNvPr id="59" name="Connecteur droit 58">
-            <a:extLst>
-              <a:ext uri="{FF2B5EF4-FFF2-40B4-BE49-F238E27FC236}">
-                <a16:creationId xmlns:a16="http://schemas.microsoft.com/office/drawing/2014/main" id="{BC6E6150-6054-4785-84EC-0C46D82034C2}"/>
+          <p:cNvPr id="26" name="Connecteur droit 25">
+            <a:extLst>
+              <a:ext uri="{FF2B5EF4-FFF2-40B4-BE49-F238E27FC236}">
+                <a16:creationId xmlns:a16="http://schemas.microsoft.com/office/drawing/2014/main" id="{BB3B35CC-057B-48C1-880F-3306A6559175}"/>
               </a:ext>
             </a:extLst>
           </p:cNvPr>
@@ -16497,10 +17833,10 @@
       </p:cxnSp>
       <p:cxnSp>
         <p:nvCxnSpPr>
-          <p:cNvPr id="60" name="Connecteur droit 59">
-            <a:extLst>
-              <a:ext uri="{FF2B5EF4-FFF2-40B4-BE49-F238E27FC236}">
-                <a16:creationId xmlns:a16="http://schemas.microsoft.com/office/drawing/2014/main" id="{CBC9961A-8EC2-4287-A398-BCA4138D409D}"/>
+          <p:cNvPr id="32" name="Connecteur droit 31">
+            <a:extLst>
+              <a:ext uri="{FF2B5EF4-FFF2-40B4-BE49-F238E27FC236}">
+                <a16:creationId xmlns:a16="http://schemas.microsoft.com/office/drawing/2014/main" id="{4AD96496-1EB6-4E48-9BB2-5C255495C686}"/>
               </a:ext>
             </a:extLst>
           </p:cNvPr>
@@ -16535,10 +17871,10 @@
       </p:cxnSp>
       <p:cxnSp>
         <p:nvCxnSpPr>
-          <p:cNvPr id="61" name="Connecteur droit 60">
-            <a:extLst>
-              <a:ext uri="{FF2B5EF4-FFF2-40B4-BE49-F238E27FC236}">
-                <a16:creationId xmlns:a16="http://schemas.microsoft.com/office/drawing/2014/main" id="{152B7C45-2543-4665-BC07-4DB71CA9F337}"/>
+          <p:cNvPr id="51" name="Connecteur droit 50">
+            <a:extLst>
+              <a:ext uri="{FF2B5EF4-FFF2-40B4-BE49-F238E27FC236}">
+                <a16:creationId xmlns:a16="http://schemas.microsoft.com/office/drawing/2014/main" id="{C035BFA6-ECBF-4775-BA81-19D2CA41AA8D}"/>
               </a:ext>
             </a:extLst>
           </p:cNvPr>
@@ -16573,10 +17909,10 @@
       </p:cxnSp>
       <p:cxnSp>
         <p:nvCxnSpPr>
-          <p:cNvPr id="62" name="Connecteur droit 61">
-            <a:extLst>
-              <a:ext uri="{FF2B5EF4-FFF2-40B4-BE49-F238E27FC236}">
-                <a16:creationId xmlns:a16="http://schemas.microsoft.com/office/drawing/2014/main" id="{00A84DC3-A112-46A3-B71C-04D85339323D}"/>
+          <p:cNvPr id="52" name="Connecteur droit 51">
+            <a:extLst>
+              <a:ext uri="{FF2B5EF4-FFF2-40B4-BE49-F238E27FC236}">
+                <a16:creationId xmlns:a16="http://schemas.microsoft.com/office/drawing/2014/main" id="{FA310BC7-694B-4984-99A2-61A1F4F6EBF9}"/>
               </a:ext>
             </a:extLst>
           </p:cNvPr>
@@ -16611,10 +17947,10 @@
       </p:cxnSp>
       <p:cxnSp>
         <p:nvCxnSpPr>
-          <p:cNvPr id="63" name="Connecteur droit 62">
-            <a:extLst>
-              <a:ext uri="{FF2B5EF4-FFF2-40B4-BE49-F238E27FC236}">
-                <a16:creationId xmlns:a16="http://schemas.microsoft.com/office/drawing/2014/main" id="{C50788C6-8F68-44EC-AB54-94C1D2FE554D}"/>
+          <p:cNvPr id="53" name="Connecteur droit 52">
+            <a:extLst>
+              <a:ext uri="{FF2B5EF4-FFF2-40B4-BE49-F238E27FC236}">
+                <a16:creationId xmlns:a16="http://schemas.microsoft.com/office/drawing/2014/main" id="{BE0649BD-EE59-4DDA-960F-95B2572F9F13}"/>
               </a:ext>
             </a:extLst>
           </p:cNvPr>
@@ -16649,10 +17985,10 @@
       </p:cxnSp>
       <p:cxnSp>
         <p:nvCxnSpPr>
-          <p:cNvPr id="64" name="Connecteur droit 63">
-            <a:extLst>
-              <a:ext uri="{FF2B5EF4-FFF2-40B4-BE49-F238E27FC236}">
-                <a16:creationId xmlns:a16="http://schemas.microsoft.com/office/drawing/2014/main" id="{BC4D4E5F-5636-45CB-873C-EC085AB307A3}"/>
+          <p:cNvPr id="55" name="Connecteur droit 54">
+            <a:extLst>
+              <a:ext uri="{FF2B5EF4-FFF2-40B4-BE49-F238E27FC236}">
+                <a16:creationId xmlns:a16="http://schemas.microsoft.com/office/drawing/2014/main" id="{52AA9200-DAFA-4EEF-AC13-4C7CE82A59EC}"/>
               </a:ext>
             </a:extLst>
           </p:cNvPr>
@@ -16687,10 +18023,10 @@
       </p:cxnSp>
       <p:cxnSp>
         <p:nvCxnSpPr>
-          <p:cNvPr id="65" name="Connecteur droit 64">
-            <a:extLst>
-              <a:ext uri="{FF2B5EF4-FFF2-40B4-BE49-F238E27FC236}">
-                <a16:creationId xmlns:a16="http://schemas.microsoft.com/office/drawing/2014/main" id="{E6F6B4C5-0E3B-46C9-859D-EE774175D36F}"/>
+          <p:cNvPr id="23" name="Connecteur droit 22">
+            <a:extLst>
+              <a:ext uri="{FF2B5EF4-FFF2-40B4-BE49-F238E27FC236}">
+                <a16:creationId xmlns:a16="http://schemas.microsoft.com/office/drawing/2014/main" id="{BCB092C8-0080-4E56-957E-0046D4C83988}"/>
               </a:ext>
             </a:extLst>
           </p:cNvPr>
@@ -16723,6 +18059,346 @@
           </a:fontRef>
         </p:style>
       </p:cxnSp>
+      <p:pic>
+        <p:nvPicPr>
+          <p:cNvPr id="57" name="Image 56">
+            <a:extLst>
+              <a:ext uri="{FF2B5EF4-FFF2-40B4-BE49-F238E27FC236}">
+                <a16:creationId xmlns:a16="http://schemas.microsoft.com/office/drawing/2014/main" id="{12B16FB2-5844-4B92-AE69-9BAC858C22BB}"/>
+              </a:ext>
+            </a:extLst>
+          </p:cNvPr>
+          <p:cNvPicPr>
+            <a:picLocks noChangeAspect="1"/>
+          </p:cNvPicPr>
+          <p:nvPr/>
+        </p:nvPicPr>
+        <p:blipFill>
+          <a:blip r:embed="rId4">
+            <a:extLst>
+              <a:ext uri="{28A0092B-C50C-407E-A947-70E740481C1C}">
+                <a14:useLocalDpi xmlns:a14="http://schemas.microsoft.com/office/drawing/2010/main" val="0"/>
+              </a:ext>
+            </a:extLst>
+          </a:blip>
+          <a:stretch>
+            <a:fillRect/>
+          </a:stretch>
+        </p:blipFill>
+        <p:spPr>
+          <a:xfrm>
+            <a:off x="9681085" y="238153"/>
+            <a:ext cx="1802101" cy="569807"/>
+          </a:xfrm>
+          <a:prstGeom prst="rect">
+            <a:avLst/>
+          </a:prstGeom>
+        </p:spPr>
+      </p:pic>
+      <p:cxnSp>
+        <p:nvCxnSpPr>
+          <p:cNvPr id="58" name="Connecteur droit 57">
+            <a:extLst>
+              <a:ext uri="{FF2B5EF4-FFF2-40B4-BE49-F238E27FC236}">
+                <a16:creationId xmlns:a16="http://schemas.microsoft.com/office/drawing/2014/main" id="{01599350-F8B0-4FDC-B003-981189A8D654}"/>
+              </a:ext>
+            </a:extLst>
+          </p:cNvPr>
+          <p:cNvCxnSpPr>
+            <a:cxnSpLocks/>
+          </p:cNvCxnSpPr>
+          <p:nvPr/>
+        </p:nvCxnSpPr>
+        <p:spPr>
+          <a:xfrm>
+            <a:off x="2573222" y="454803"/>
+            <a:ext cx="6829482" cy="10398"/>
+          </a:xfrm>
+          <a:prstGeom prst="line">
+            <a:avLst/>
+          </a:prstGeom>
+        </p:spPr>
+        <p:style>
+          <a:lnRef idx="3">
+            <a:schemeClr val="dk1"/>
+          </a:lnRef>
+          <a:fillRef idx="0">
+            <a:schemeClr val="dk1"/>
+          </a:fillRef>
+          <a:effectRef idx="2">
+            <a:schemeClr val="dk1"/>
+          </a:effectRef>
+          <a:fontRef idx="minor">
+            <a:schemeClr val="tx1"/>
+          </a:fontRef>
+        </p:style>
+      </p:cxnSp>
+      <p:cxnSp>
+        <p:nvCxnSpPr>
+          <p:cNvPr id="59" name="Connecteur droit 58">
+            <a:extLst>
+              <a:ext uri="{FF2B5EF4-FFF2-40B4-BE49-F238E27FC236}">
+                <a16:creationId xmlns:a16="http://schemas.microsoft.com/office/drawing/2014/main" id="{BC6E6150-6054-4785-84EC-0C46D82034C2}"/>
+              </a:ext>
+            </a:extLst>
+          </p:cNvPr>
+          <p:cNvCxnSpPr>
+            <a:cxnSpLocks/>
+          </p:cNvCxnSpPr>
+          <p:nvPr/>
+        </p:nvCxnSpPr>
+        <p:spPr>
+          <a:xfrm>
+            <a:off x="738231" y="454803"/>
+            <a:ext cx="344203" cy="484764"/>
+          </a:xfrm>
+          <a:prstGeom prst="line">
+            <a:avLst/>
+          </a:prstGeom>
+        </p:spPr>
+        <p:style>
+          <a:lnRef idx="3">
+            <a:schemeClr val="dk1"/>
+          </a:lnRef>
+          <a:fillRef idx="0">
+            <a:schemeClr val="dk1"/>
+          </a:fillRef>
+          <a:effectRef idx="2">
+            <a:schemeClr val="dk1"/>
+          </a:effectRef>
+          <a:fontRef idx="minor">
+            <a:schemeClr val="tx1"/>
+          </a:fontRef>
+        </p:style>
+      </p:cxnSp>
+      <p:cxnSp>
+        <p:nvCxnSpPr>
+          <p:cNvPr id="60" name="Connecteur droit 59">
+            <a:extLst>
+              <a:ext uri="{FF2B5EF4-FFF2-40B4-BE49-F238E27FC236}">
+                <a16:creationId xmlns:a16="http://schemas.microsoft.com/office/drawing/2014/main" id="{CBC9961A-8EC2-4287-A398-BCA4138D409D}"/>
+              </a:ext>
+            </a:extLst>
+          </p:cNvPr>
+          <p:cNvCxnSpPr>
+            <a:cxnSpLocks/>
+          </p:cNvCxnSpPr>
+          <p:nvPr/>
+        </p:nvCxnSpPr>
+        <p:spPr>
+          <a:xfrm>
+            <a:off x="1082434" y="938268"/>
+            <a:ext cx="1146585" cy="0"/>
+          </a:xfrm>
+          <a:prstGeom prst="line">
+            <a:avLst/>
+          </a:prstGeom>
+        </p:spPr>
+        <p:style>
+          <a:lnRef idx="3">
+            <a:schemeClr val="dk1"/>
+          </a:lnRef>
+          <a:fillRef idx="0">
+            <a:schemeClr val="dk1"/>
+          </a:fillRef>
+          <a:effectRef idx="2">
+            <a:schemeClr val="dk1"/>
+          </a:effectRef>
+          <a:fontRef idx="minor">
+            <a:schemeClr val="tx1"/>
+          </a:fontRef>
+        </p:style>
+      </p:cxnSp>
+      <p:cxnSp>
+        <p:nvCxnSpPr>
+          <p:cNvPr id="61" name="Connecteur droit 60">
+            <a:extLst>
+              <a:ext uri="{FF2B5EF4-FFF2-40B4-BE49-F238E27FC236}">
+                <a16:creationId xmlns:a16="http://schemas.microsoft.com/office/drawing/2014/main" id="{152B7C45-2543-4665-BC07-4DB71CA9F337}"/>
+              </a:ext>
+            </a:extLst>
+          </p:cNvPr>
+          <p:cNvCxnSpPr>
+            <a:cxnSpLocks/>
+          </p:cNvCxnSpPr>
+          <p:nvPr/>
+        </p:nvCxnSpPr>
+        <p:spPr>
+          <a:xfrm>
+            <a:off x="9402704" y="465201"/>
+            <a:ext cx="344203" cy="495163"/>
+          </a:xfrm>
+          <a:prstGeom prst="line">
+            <a:avLst/>
+          </a:prstGeom>
+        </p:spPr>
+        <p:style>
+          <a:lnRef idx="3">
+            <a:schemeClr val="dk1"/>
+          </a:lnRef>
+          <a:fillRef idx="0">
+            <a:schemeClr val="dk1"/>
+          </a:fillRef>
+          <a:effectRef idx="2">
+            <a:schemeClr val="dk1"/>
+          </a:effectRef>
+          <a:fontRef idx="minor">
+            <a:schemeClr val="tx1"/>
+          </a:fontRef>
+        </p:style>
+      </p:cxnSp>
+      <p:cxnSp>
+        <p:nvCxnSpPr>
+          <p:cNvPr id="62" name="Connecteur droit 61">
+            <a:extLst>
+              <a:ext uri="{FF2B5EF4-FFF2-40B4-BE49-F238E27FC236}">
+                <a16:creationId xmlns:a16="http://schemas.microsoft.com/office/drawing/2014/main" id="{00A84DC3-A112-46A3-B71C-04D85339323D}"/>
+              </a:ext>
+            </a:extLst>
+          </p:cNvPr>
+          <p:cNvCxnSpPr>
+            <a:cxnSpLocks/>
+          </p:cNvCxnSpPr>
+          <p:nvPr/>
+        </p:nvCxnSpPr>
+        <p:spPr>
+          <a:xfrm flipH="1">
+            <a:off x="11370469" y="448308"/>
+            <a:ext cx="364332" cy="501657"/>
+          </a:xfrm>
+          <a:prstGeom prst="line">
+            <a:avLst/>
+          </a:prstGeom>
+        </p:spPr>
+        <p:style>
+          <a:lnRef idx="3">
+            <a:schemeClr val="dk1"/>
+          </a:lnRef>
+          <a:fillRef idx="0">
+            <a:schemeClr val="dk1"/>
+          </a:fillRef>
+          <a:effectRef idx="2">
+            <a:schemeClr val="dk1"/>
+          </a:effectRef>
+          <a:fontRef idx="minor">
+            <a:schemeClr val="tx1"/>
+          </a:fontRef>
+        </p:style>
+      </p:cxnSp>
+      <p:cxnSp>
+        <p:nvCxnSpPr>
+          <p:cNvPr id="63" name="Connecteur droit 62">
+            <a:extLst>
+              <a:ext uri="{FF2B5EF4-FFF2-40B4-BE49-F238E27FC236}">
+                <a16:creationId xmlns:a16="http://schemas.microsoft.com/office/drawing/2014/main" id="{C50788C6-8F68-44EC-AB54-94C1D2FE554D}"/>
+              </a:ext>
+            </a:extLst>
+          </p:cNvPr>
+          <p:cNvCxnSpPr>
+            <a:cxnSpLocks/>
+          </p:cNvCxnSpPr>
+          <p:nvPr/>
+        </p:nvCxnSpPr>
+        <p:spPr>
+          <a:xfrm>
+            <a:off x="9743203" y="949965"/>
+            <a:ext cx="1627266" cy="0"/>
+          </a:xfrm>
+          <a:prstGeom prst="line">
+            <a:avLst/>
+          </a:prstGeom>
+        </p:spPr>
+        <p:style>
+          <a:lnRef idx="3">
+            <a:schemeClr val="dk1"/>
+          </a:lnRef>
+          <a:fillRef idx="0">
+            <a:schemeClr val="dk1"/>
+          </a:fillRef>
+          <a:effectRef idx="2">
+            <a:schemeClr val="dk1"/>
+          </a:effectRef>
+          <a:fontRef idx="minor">
+            <a:schemeClr val="tx1"/>
+          </a:fontRef>
+        </p:style>
+      </p:cxnSp>
+      <p:cxnSp>
+        <p:nvCxnSpPr>
+          <p:cNvPr id="64" name="Connecteur droit 63">
+            <a:extLst>
+              <a:ext uri="{FF2B5EF4-FFF2-40B4-BE49-F238E27FC236}">
+                <a16:creationId xmlns:a16="http://schemas.microsoft.com/office/drawing/2014/main" id="{BC4D4E5F-5636-45CB-873C-EC085AB307A3}"/>
+              </a:ext>
+            </a:extLst>
+          </p:cNvPr>
+          <p:cNvCxnSpPr>
+            <a:cxnSpLocks/>
+          </p:cNvCxnSpPr>
+          <p:nvPr/>
+        </p:nvCxnSpPr>
+        <p:spPr>
+          <a:xfrm>
+            <a:off x="11715750" y="454801"/>
+            <a:ext cx="476249" cy="10400"/>
+          </a:xfrm>
+          <a:prstGeom prst="line">
+            <a:avLst/>
+          </a:prstGeom>
+        </p:spPr>
+        <p:style>
+          <a:lnRef idx="3">
+            <a:schemeClr val="dk1"/>
+          </a:lnRef>
+          <a:fillRef idx="0">
+            <a:schemeClr val="dk1"/>
+          </a:fillRef>
+          <a:effectRef idx="2">
+            <a:schemeClr val="dk1"/>
+          </a:effectRef>
+          <a:fontRef idx="minor">
+            <a:schemeClr val="tx1"/>
+          </a:fontRef>
+        </p:style>
+      </p:cxnSp>
+      <p:cxnSp>
+        <p:nvCxnSpPr>
+          <p:cNvPr id="65" name="Connecteur droit 64">
+            <a:extLst>
+              <a:ext uri="{FF2B5EF4-FFF2-40B4-BE49-F238E27FC236}">
+                <a16:creationId xmlns:a16="http://schemas.microsoft.com/office/drawing/2014/main" id="{E6F6B4C5-0E3B-46C9-859D-EE774175D36F}"/>
+              </a:ext>
+            </a:extLst>
+          </p:cNvPr>
+          <p:cNvCxnSpPr>
+            <a:cxnSpLocks/>
+          </p:cNvCxnSpPr>
+          <p:nvPr/>
+        </p:nvCxnSpPr>
+        <p:spPr>
+          <a:xfrm flipH="1">
+            <a:off x="2216372" y="446356"/>
+            <a:ext cx="364332" cy="501657"/>
+          </a:xfrm>
+          <a:prstGeom prst="line">
+            <a:avLst/>
+          </a:prstGeom>
+        </p:spPr>
+        <p:style>
+          <a:lnRef idx="3">
+            <a:schemeClr val="dk1"/>
+          </a:lnRef>
+          <a:fillRef idx="0">
+            <a:schemeClr val="dk1"/>
+          </a:fillRef>
+          <a:effectRef idx="2">
+            <a:schemeClr val="dk1"/>
+          </a:effectRef>
+          <a:fontRef idx="minor">
+            <a:schemeClr val="tx1"/>
+          </a:fontRef>
+        </p:style>
+      </p:cxnSp>
       <p:sp>
         <p:nvSpPr>
           <p:cNvPr id="2" name="ZoneTexte 1">
@@ -16737,7 +18413,7 @@
         </p:nvSpPr>
         <p:spPr>
           <a:xfrm>
-            <a:off x="3462186" y="623294"/>
+            <a:off x="3021434" y="575643"/>
             <a:ext cx="6149130" cy="769441"/>
           </a:xfrm>
           <a:prstGeom prst="rect">
@@ -17677,7 +19353,7 @@
         </p:blipFill>
         <p:spPr>
           <a:xfrm>
-            <a:off x="1604299" y="1327912"/>
+            <a:off x="1493656" y="1410355"/>
             <a:ext cx="715646" cy="715646"/>
           </a:xfrm>
           <a:prstGeom prst="rect">
@@ -17713,7 +19389,7 @@
         </p:blipFill>
         <p:spPr>
           <a:xfrm>
-            <a:off x="1652297" y="2870179"/>
+            <a:off x="1534892" y="2864668"/>
             <a:ext cx="625703" cy="625703"/>
           </a:xfrm>
           <a:prstGeom prst="rect">
@@ -18465,7 +20141,7 @@
         </p:blipFill>
         <p:spPr>
           <a:xfrm>
-            <a:off x="1579250" y="5447872"/>
+            <a:off x="1578723" y="5447645"/>
             <a:ext cx="650296" cy="650296"/>
           </a:xfrm>
           <a:prstGeom prst="rect">
@@ -18501,7 +20177,7 @@
         </p:blipFill>
         <p:spPr>
           <a:xfrm>
-            <a:off x="1493656" y="4171501"/>
+            <a:off x="1493656" y="4322996"/>
             <a:ext cx="924460" cy="1003812"/>
           </a:xfrm>
           <a:prstGeom prst="rect">
@@ -19399,8 +21075,8 @@
         </p:blipFill>
         <p:spPr bwMode="auto">
           <a:xfrm>
-            <a:off x="8391640" y="1892769"/>
-            <a:ext cx="732549" cy="732549"/>
+            <a:off x="8613647" y="1760118"/>
+            <a:ext cx="758270" cy="758270"/>
           </a:xfrm>
           <a:prstGeom prst="rect">
             <a:avLst/>
@@ -19439,8 +21115,8 @@
         </p:blipFill>
         <p:spPr>
           <a:xfrm>
-            <a:off x="9435033" y="1892769"/>
-            <a:ext cx="732549" cy="726341"/>
+            <a:off x="9626112" y="1761406"/>
+            <a:ext cx="758270" cy="751844"/>
           </a:xfrm>
           <a:prstGeom prst="rect">
             <a:avLst/>
@@ -19461,8 +21137,8 @@
         </p:nvSpPr>
         <p:spPr>
           <a:xfrm>
-            <a:off x="1136835" y="1862733"/>
-            <a:ext cx="7137359" cy="1015663"/>
+            <a:off x="1292159" y="1751809"/>
+            <a:ext cx="7307805" cy="764599"/>
           </a:xfrm>
           <a:prstGeom prst="rect">
             <a:avLst/>
@@ -19486,11 +21162,6 @@
               <a:t>Hébergement de la base de données sur un serveur OVH</a:t>
             </a:r>
           </a:p>
-          <a:p>
-            <a:endParaRPr lang="fr-FR" dirty="0">
-              <a:latin typeface="Berlin Sans FB" panose="020E0602020502020306" pitchFamily="34" charset="0"/>
-            </a:endParaRPr>
-          </a:p>
         </p:txBody>
       </p:sp>
       <p:sp>
@@ -19507,8 +21178,8 @@
         </p:nvSpPr>
         <p:spPr>
           <a:xfrm>
-            <a:off x="1136834" y="3240941"/>
-            <a:ext cx="7137359" cy="738664"/>
+            <a:off x="1292159" y="3290607"/>
+            <a:ext cx="7307805" cy="764599"/>
           </a:xfrm>
           <a:prstGeom prst="rect">
             <a:avLst/>
@@ -19581,8 +21252,8 @@
         </p:blipFill>
         <p:spPr>
           <a:xfrm>
-            <a:off x="8509210" y="3009725"/>
-            <a:ext cx="1591260" cy="1222958"/>
+            <a:off x="8645780" y="3039957"/>
+            <a:ext cx="1629261" cy="1265897"/>
           </a:xfrm>
           <a:prstGeom prst="rect">
             <a:avLst/>
@@ -19603,8 +21274,8 @@
         </p:nvSpPr>
         <p:spPr>
           <a:xfrm>
-            <a:off x="1136834" y="4232683"/>
-            <a:ext cx="7137359" cy="738664"/>
+            <a:off x="1292159" y="4953470"/>
+            <a:ext cx="4693939" cy="764599"/>
           </a:xfrm>
           <a:prstGeom prst="rect">
             <a:avLst/>
@@ -19619,38 +21290,89 @@
           <a:p>
             <a:r>
               <a:rPr lang="fr-FR" sz="2400" dirty="0"/>
-              <a:t>Liaison Arduino :</a:t>
+              <a:t>Liaison Arduino à Raspberry :</a:t>
             </a:r>
           </a:p>
           <a:p>
             <a:r>
               <a:rPr lang="fr-FR" dirty="0"/>
-              <a:t>Choix de l’adaptateur </a:t>
-            </a:r>
-            <a:r>
-              <a:rPr lang="fr-FR" i="1" dirty="0" err="1"/>
-              <a:t>Current</a:t>
-            </a:r>
-            <a:r>
-              <a:rPr lang="fr-FR" i="1" dirty="0"/>
-              <a:t> Loop </a:t>
-            </a:r>
-            <a:r>
-              <a:rPr lang="fr-FR" i="1" dirty="0" err="1"/>
-              <a:t>Sensor</a:t>
-            </a:r>
-            <a:r>
-              <a:rPr lang="fr-FR" i="1" dirty="0"/>
-              <a:t> </a:t>
-            </a:r>
-            <a:r>
-              <a:rPr lang="fr-FR" i="1" dirty="0" err="1"/>
-              <a:t>Board</a:t>
+              <a:t>Choix de liaison par USB</a:t>
             </a:r>
             <a:endParaRPr lang="fr-FR" i="1" dirty="0"/>
           </a:p>
         </p:txBody>
       </p:sp>
+      <p:pic>
+        <p:nvPicPr>
+          <p:cNvPr id="30" name="Image 29">
+            <a:extLst>
+              <a:ext uri="{FF2B5EF4-FFF2-40B4-BE49-F238E27FC236}">
+                <a16:creationId xmlns:a16="http://schemas.microsoft.com/office/drawing/2014/main" id="{E645DF5F-A264-46A8-9393-388CE8EAE131}"/>
+              </a:ext>
+            </a:extLst>
+          </p:cNvPr>
+          <p:cNvPicPr>
+            <a:picLocks noChangeAspect="1"/>
+          </p:cNvPicPr>
+          <p:nvPr/>
+        </p:nvPicPr>
+        <p:blipFill>
+          <a:blip r:embed="rId7">
+            <a:extLst>
+              <a:ext uri="{28A0092B-C50C-407E-A947-70E740481C1C}">
+                <a14:useLocalDpi xmlns:a14="http://schemas.microsoft.com/office/drawing/2010/main" val="0"/>
+              </a:ext>
+            </a:extLst>
+          </a:blip>
+          <a:stretch>
+            <a:fillRect/>
+          </a:stretch>
+        </p:blipFill>
+        <p:spPr>
+          <a:xfrm>
+            <a:off x="9644758" y="4949960"/>
+            <a:ext cx="773141" cy="773141"/>
+          </a:xfrm>
+          <a:prstGeom prst="rect">
+            <a:avLst/>
+          </a:prstGeom>
+        </p:spPr>
+      </p:pic>
+      <p:pic>
+        <p:nvPicPr>
+          <p:cNvPr id="6" name="Image 5">
+            <a:extLst>
+              <a:ext uri="{FF2B5EF4-FFF2-40B4-BE49-F238E27FC236}">
+                <a16:creationId xmlns:a16="http://schemas.microsoft.com/office/drawing/2014/main" id="{2322F42E-A3AB-4F40-B853-312397504E2D}"/>
+              </a:ext>
+            </a:extLst>
+          </p:cNvPr>
+          <p:cNvPicPr>
+            <a:picLocks noChangeAspect="1"/>
+          </p:cNvPicPr>
+          <p:nvPr/>
+        </p:nvPicPr>
+        <p:blipFill rotWithShape="1">
+          <a:blip r:embed="rId8">
+            <a:extLst>
+              <a:ext uri="{28A0092B-C50C-407E-A947-70E740481C1C}">
+                <a14:useLocalDpi xmlns:a14="http://schemas.microsoft.com/office/drawing/2010/main" val="0"/>
+              </a:ext>
+            </a:extLst>
+          </a:blip>
+          <a:srcRect l="23619" t="13240" r="23956" b="17088"/>
+          <a:stretch/>
+        </p:blipFill>
+        <p:spPr>
+          <a:xfrm>
+            <a:off x="8633695" y="4903318"/>
+            <a:ext cx="807616" cy="804981"/>
+          </a:xfrm>
+          <a:prstGeom prst="rect">
+            <a:avLst/>
+          </a:prstGeom>
+        </p:spPr>
+      </p:pic>
     </p:spTree>
     <p:extLst>
       <p:ext uri="{BB962C8B-B14F-4D97-AF65-F5344CB8AC3E}">

--- a/oral_projet/revue_2/diaporama_revue_2_samuel.pptx
+++ b/oral_projet/revue_2/diaporama_revue_2_samuel.pptx
@@ -135,6 +135,10 @@
 </p:presentation>
 </file>
 
+<file path=ppt/revisionInfo.xml><?xml version="1.0" encoding="utf-8"?>
+<p1510:revInfo xmlns:a="http://schemas.openxmlformats.org/drawingml/2006/main" xmlns:r="http://schemas.openxmlformats.org/officeDocument/2006/relationships" xmlns:p1510="http://schemas.microsoft.com/office/powerpoint/2015/10/main"/>
+</file>
+
 <file path=ppt/notesMasters/notesMaster1.xml><?xml version="1.0" encoding="utf-8"?>
 <p:notesMaster xmlns:a="http://schemas.openxmlformats.org/drawingml/2006/main" xmlns:r="http://schemas.openxmlformats.org/officeDocument/2006/relationships" xmlns:p="http://schemas.openxmlformats.org/presentationml/2006/main">
   <p:cSld>
@@ -217,7 +221,7 @@
           <a:p>
             <a:fld id="{7BEC4371-174F-4615-858D-8B61BA547698}" type="datetimeFigureOut">
               <a:rPr lang="fr-FR" smtClean="0"/>
-              <a:t>12/03/2018</a:t>
+              <a:t>13/03/2018</a:t>
             </a:fld>
             <a:endParaRPr lang="fr-FR"/>
           </a:p>
@@ -631,7 +635,7 @@
           <a:p>
             <a:fld id="{125942D7-A464-4365-815E-3C7EAFC3F152}" type="datetimeFigureOut">
               <a:rPr lang="fr-FR" smtClean="0"/>
-              <a:t>12/03/2018</a:t>
+              <a:t>13/03/2018</a:t>
             </a:fld>
             <a:endParaRPr lang="fr-FR"/>
           </a:p>
@@ -841,7 +845,7 @@
           <a:p>
             <a:fld id="{125942D7-A464-4365-815E-3C7EAFC3F152}" type="datetimeFigureOut">
               <a:rPr lang="fr-FR" smtClean="0"/>
-              <a:t>12/03/2018</a:t>
+              <a:t>13/03/2018</a:t>
             </a:fld>
             <a:endParaRPr lang="fr-FR"/>
           </a:p>
@@ -1061,7 +1065,7 @@
           <a:p>
             <a:fld id="{125942D7-A464-4365-815E-3C7EAFC3F152}" type="datetimeFigureOut">
               <a:rPr lang="fr-FR" smtClean="0"/>
-              <a:t>12/03/2018</a:t>
+              <a:t>13/03/2018</a:t>
             </a:fld>
             <a:endParaRPr lang="fr-FR"/>
           </a:p>
@@ -1271,7 +1275,7 @@
           <a:p>
             <a:fld id="{125942D7-A464-4365-815E-3C7EAFC3F152}" type="datetimeFigureOut">
               <a:rPr lang="fr-FR" smtClean="0"/>
-              <a:t>12/03/2018</a:t>
+              <a:t>13/03/2018</a:t>
             </a:fld>
             <a:endParaRPr lang="fr-FR"/>
           </a:p>
@@ -1558,7 +1562,7 @@
           <a:p>
             <a:fld id="{125942D7-A464-4365-815E-3C7EAFC3F152}" type="datetimeFigureOut">
               <a:rPr lang="fr-FR" smtClean="0"/>
-              <a:t>12/03/2018</a:t>
+              <a:t>13/03/2018</a:t>
             </a:fld>
             <a:endParaRPr lang="fr-FR"/>
           </a:p>
@@ -1835,7 +1839,7 @@
           <a:p>
             <a:fld id="{125942D7-A464-4365-815E-3C7EAFC3F152}" type="datetimeFigureOut">
               <a:rPr lang="fr-FR" smtClean="0"/>
-              <a:t>12/03/2018</a:t>
+              <a:t>13/03/2018</a:t>
             </a:fld>
             <a:endParaRPr lang="fr-FR"/>
           </a:p>
@@ -2259,7 +2263,7 @@
           <a:p>
             <a:fld id="{125942D7-A464-4365-815E-3C7EAFC3F152}" type="datetimeFigureOut">
               <a:rPr lang="fr-FR" smtClean="0"/>
-              <a:t>12/03/2018</a:t>
+              <a:t>13/03/2018</a:t>
             </a:fld>
             <a:endParaRPr lang="fr-FR"/>
           </a:p>
@@ -2412,7 +2416,7 @@
           <a:p>
             <a:fld id="{125942D7-A464-4365-815E-3C7EAFC3F152}" type="datetimeFigureOut">
               <a:rPr lang="fr-FR" smtClean="0"/>
-              <a:t>12/03/2018</a:t>
+              <a:t>13/03/2018</a:t>
             </a:fld>
             <a:endParaRPr lang="fr-FR"/>
           </a:p>
@@ -2537,7 +2541,7 @@
           <a:p>
             <a:fld id="{125942D7-A464-4365-815E-3C7EAFC3F152}" type="datetimeFigureOut">
               <a:rPr lang="fr-FR" smtClean="0"/>
-              <a:t>12/03/2018</a:t>
+              <a:t>13/03/2018</a:t>
             </a:fld>
             <a:endParaRPr lang="fr-FR"/>
           </a:p>
@@ -2860,7 +2864,7 @@
           <a:p>
             <a:fld id="{125942D7-A464-4365-815E-3C7EAFC3F152}" type="datetimeFigureOut">
               <a:rPr lang="fr-FR" smtClean="0"/>
-              <a:t>12/03/2018</a:t>
+              <a:t>13/03/2018</a:t>
             </a:fld>
             <a:endParaRPr lang="fr-FR"/>
           </a:p>
@@ -3160,7 +3164,7 @@
           <a:p>
             <a:fld id="{125942D7-A464-4365-815E-3C7EAFC3F152}" type="datetimeFigureOut">
               <a:rPr lang="fr-FR" smtClean="0"/>
-              <a:t>12/03/2018</a:t>
+              <a:t>13/03/2018</a:t>
             </a:fld>
             <a:endParaRPr lang="fr-FR"/>
           </a:p>
@@ -3413,7 +3417,7 @@
           <a:p>
             <a:fld id="{125942D7-A464-4365-815E-3C7EAFC3F152}" type="datetimeFigureOut">
               <a:rPr lang="fr-FR" smtClean="0"/>
-              <a:t>12/03/2018</a:t>
+              <a:t>13/03/2018</a:t>
             </a:fld>
             <a:endParaRPr lang="fr-FR"/>
           </a:p>
@@ -8574,6 +8578,41 @@
                                   </p:childTnLst>
                                 </p:cTn>
                               </p:par>
+                              <p:par>
+                                <p:cTn id="24" presetID="10" presetClass="entr" presetSubtype="0" fill="hold" nodeType="withEffect">
+                                  <p:stCondLst>
+                                    <p:cond delay="0"/>
+                                  </p:stCondLst>
+                                  <p:childTnLst>
+                                    <p:set>
+                                      <p:cBhvr>
+                                        <p:cTn id="25" dur="1" fill="hold">
+                                          <p:stCondLst>
+                                            <p:cond delay="0"/>
+                                          </p:stCondLst>
+                                        </p:cTn>
+                                        <p:tgtEl>
+                                          <p:spTgt spid="22"/>
+                                        </p:tgtEl>
+                                        <p:attrNameLst>
+                                          <p:attrName>style.visibility</p:attrName>
+                                        </p:attrNameLst>
+                                      </p:cBhvr>
+                                      <p:to>
+                                        <p:strVal val="visible"/>
+                                      </p:to>
+                                    </p:set>
+                                    <p:animEffect transition="in" filter="fade">
+                                      <p:cBhvr>
+                                        <p:cTn id="26" dur="500"/>
+                                        <p:tgtEl>
+                                          <p:spTgt spid="22"/>
+                                        </p:tgtEl>
+                                      </p:cBhvr>
+                                    </p:animEffect>
+                                  </p:childTnLst>
+                                </p:cTn>
+                              </p:par>
                             </p:childTnLst>
                           </p:cTn>
                         </p:par>
@@ -11807,6 +11846,354 @@
       </p:transition>
     </mc:Fallback>
   </mc:AlternateContent>
+  <p:timing>
+    <p:tnLst>
+      <p:par>
+        <p:cTn id="1" dur="indefinite" restart="never" nodeType="tmRoot">
+          <p:childTnLst>
+            <p:seq concurrent="1" nextAc="seek">
+              <p:cTn id="2" dur="indefinite" nodeType="mainSeq">
+                <p:childTnLst>
+                  <p:par>
+                    <p:cTn id="3" fill="hold">
+                      <p:stCondLst>
+                        <p:cond delay="indefinite"/>
+                      </p:stCondLst>
+                      <p:childTnLst>
+                        <p:par>
+                          <p:cTn id="4" fill="hold">
+                            <p:stCondLst>
+                              <p:cond delay="0"/>
+                            </p:stCondLst>
+                            <p:childTnLst>
+                              <p:par>
+                                <p:cTn id="5" presetID="10" presetClass="entr" presetSubtype="0" fill="hold" nodeType="clickEffect">
+                                  <p:stCondLst>
+                                    <p:cond delay="0"/>
+                                  </p:stCondLst>
+                                  <p:childTnLst>
+                                    <p:set>
+                                      <p:cBhvr>
+                                        <p:cTn id="6" dur="1" fill="hold">
+                                          <p:stCondLst>
+                                            <p:cond delay="0"/>
+                                          </p:stCondLst>
+                                        </p:cTn>
+                                        <p:tgtEl>
+                                          <p:spTgt spid="11"/>
+                                        </p:tgtEl>
+                                        <p:attrNameLst>
+                                          <p:attrName>style.visibility</p:attrName>
+                                        </p:attrNameLst>
+                                      </p:cBhvr>
+                                      <p:to>
+                                        <p:strVal val="visible"/>
+                                      </p:to>
+                                    </p:set>
+                                    <p:animEffect transition="in" filter="fade">
+                                      <p:cBhvr>
+                                        <p:cTn id="7" dur="500"/>
+                                        <p:tgtEl>
+                                          <p:spTgt spid="11"/>
+                                        </p:tgtEl>
+                                      </p:cBhvr>
+                                    </p:animEffect>
+                                  </p:childTnLst>
+                                </p:cTn>
+                              </p:par>
+                            </p:childTnLst>
+                          </p:cTn>
+                        </p:par>
+                      </p:childTnLst>
+                    </p:cTn>
+                  </p:par>
+                  <p:par>
+                    <p:cTn id="8" fill="hold">
+                      <p:stCondLst>
+                        <p:cond delay="indefinite"/>
+                      </p:stCondLst>
+                      <p:childTnLst>
+                        <p:par>
+                          <p:cTn id="9" fill="hold">
+                            <p:stCondLst>
+                              <p:cond delay="0"/>
+                            </p:stCondLst>
+                            <p:childTnLst>
+                              <p:par>
+                                <p:cTn id="10" presetID="10" presetClass="entr" presetSubtype="0" fill="hold" nodeType="clickEffect">
+                                  <p:stCondLst>
+                                    <p:cond delay="0"/>
+                                  </p:stCondLst>
+                                  <p:childTnLst>
+                                    <p:set>
+                                      <p:cBhvr>
+                                        <p:cTn id="11" dur="1" fill="hold">
+                                          <p:stCondLst>
+                                            <p:cond delay="0"/>
+                                          </p:stCondLst>
+                                        </p:cTn>
+                                        <p:tgtEl>
+                                          <p:spTgt spid="13"/>
+                                        </p:tgtEl>
+                                        <p:attrNameLst>
+                                          <p:attrName>style.visibility</p:attrName>
+                                        </p:attrNameLst>
+                                      </p:cBhvr>
+                                      <p:to>
+                                        <p:strVal val="visible"/>
+                                      </p:to>
+                                    </p:set>
+                                    <p:animEffect transition="in" filter="fade">
+                                      <p:cBhvr>
+                                        <p:cTn id="12" dur="500"/>
+                                        <p:tgtEl>
+                                          <p:spTgt spid="13"/>
+                                        </p:tgtEl>
+                                      </p:cBhvr>
+                                    </p:animEffect>
+                                  </p:childTnLst>
+                                </p:cTn>
+                              </p:par>
+                            </p:childTnLst>
+                          </p:cTn>
+                        </p:par>
+                      </p:childTnLst>
+                    </p:cTn>
+                  </p:par>
+                  <p:par>
+                    <p:cTn id="13" fill="hold">
+                      <p:stCondLst>
+                        <p:cond delay="indefinite"/>
+                      </p:stCondLst>
+                      <p:childTnLst>
+                        <p:par>
+                          <p:cTn id="14" fill="hold">
+                            <p:stCondLst>
+                              <p:cond delay="0"/>
+                            </p:stCondLst>
+                            <p:childTnLst>
+                              <p:par>
+                                <p:cTn id="15" presetID="10" presetClass="entr" presetSubtype="0" fill="hold" nodeType="clickEffect">
+                                  <p:stCondLst>
+                                    <p:cond delay="0"/>
+                                  </p:stCondLst>
+                                  <p:childTnLst>
+                                    <p:set>
+                                      <p:cBhvr>
+                                        <p:cTn id="16" dur="1" fill="hold">
+                                          <p:stCondLst>
+                                            <p:cond delay="0"/>
+                                          </p:stCondLst>
+                                        </p:cTn>
+                                        <p:tgtEl>
+                                          <p:spTgt spid="7"/>
+                                        </p:tgtEl>
+                                        <p:attrNameLst>
+                                          <p:attrName>style.visibility</p:attrName>
+                                        </p:attrNameLst>
+                                      </p:cBhvr>
+                                      <p:to>
+                                        <p:strVal val="visible"/>
+                                      </p:to>
+                                    </p:set>
+                                    <p:animEffect transition="in" filter="fade">
+                                      <p:cBhvr>
+                                        <p:cTn id="17" dur="500"/>
+                                        <p:tgtEl>
+                                          <p:spTgt spid="7"/>
+                                        </p:tgtEl>
+                                      </p:cBhvr>
+                                    </p:animEffect>
+                                  </p:childTnLst>
+                                </p:cTn>
+                              </p:par>
+                            </p:childTnLst>
+                          </p:cTn>
+                        </p:par>
+                      </p:childTnLst>
+                    </p:cTn>
+                  </p:par>
+                  <p:par>
+                    <p:cTn id="18" fill="hold">
+                      <p:stCondLst>
+                        <p:cond delay="indefinite"/>
+                      </p:stCondLst>
+                      <p:childTnLst>
+                        <p:par>
+                          <p:cTn id="19" fill="hold">
+                            <p:stCondLst>
+                              <p:cond delay="0"/>
+                            </p:stCondLst>
+                            <p:childTnLst>
+                              <p:par>
+                                <p:cTn id="20" presetID="10" presetClass="entr" presetSubtype="0" fill="hold" nodeType="clickEffect">
+                                  <p:stCondLst>
+                                    <p:cond delay="0"/>
+                                  </p:stCondLst>
+                                  <p:childTnLst>
+                                    <p:set>
+                                      <p:cBhvr>
+                                        <p:cTn id="21" dur="1" fill="hold">
+                                          <p:stCondLst>
+                                            <p:cond delay="0"/>
+                                          </p:stCondLst>
+                                        </p:cTn>
+                                        <p:tgtEl>
+                                          <p:spTgt spid="21"/>
+                                        </p:tgtEl>
+                                        <p:attrNameLst>
+                                          <p:attrName>style.visibility</p:attrName>
+                                        </p:attrNameLst>
+                                      </p:cBhvr>
+                                      <p:to>
+                                        <p:strVal val="visible"/>
+                                      </p:to>
+                                    </p:set>
+                                    <p:animEffect transition="in" filter="fade">
+                                      <p:cBhvr>
+                                        <p:cTn id="22" dur="500"/>
+                                        <p:tgtEl>
+                                          <p:spTgt spid="21"/>
+                                        </p:tgtEl>
+                                      </p:cBhvr>
+                                    </p:animEffect>
+                                  </p:childTnLst>
+                                </p:cTn>
+                              </p:par>
+                            </p:childTnLst>
+                          </p:cTn>
+                        </p:par>
+                      </p:childTnLst>
+                    </p:cTn>
+                  </p:par>
+                  <p:par>
+                    <p:cTn id="23" fill="hold">
+                      <p:stCondLst>
+                        <p:cond delay="indefinite"/>
+                      </p:stCondLst>
+                      <p:childTnLst>
+                        <p:par>
+                          <p:cTn id="24" fill="hold">
+                            <p:stCondLst>
+                              <p:cond delay="0"/>
+                            </p:stCondLst>
+                            <p:childTnLst>
+                              <p:par>
+                                <p:cTn id="25" presetID="10" presetClass="entr" presetSubtype="0" fill="hold" nodeType="clickEffect">
+                                  <p:stCondLst>
+                                    <p:cond delay="0"/>
+                                  </p:stCondLst>
+                                  <p:childTnLst>
+                                    <p:set>
+                                      <p:cBhvr>
+                                        <p:cTn id="26" dur="1" fill="hold">
+                                          <p:stCondLst>
+                                            <p:cond delay="0"/>
+                                          </p:stCondLst>
+                                        </p:cTn>
+                                        <p:tgtEl>
+                                          <p:spTgt spid="18"/>
+                                        </p:tgtEl>
+                                        <p:attrNameLst>
+                                          <p:attrName>style.visibility</p:attrName>
+                                        </p:attrNameLst>
+                                      </p:cBhvr>
+                                      <p:to>
+                                        <p:strVal val="visible"/>
+                                      </p:to>
+                                    </p:set>
+                                    <p:animEffect transition="in" filter="fade">
+                                      <p:cBhvr>
+                                        <p:cTn id="27" dur="500"/>
+                                        <p:tgtEl>
+                                          <p:spTgt spid="18"/>
+                                        </p:tgtEl>
+                                      </p:cBhvr>
+                                    </p:animEffect>
+                                  </p:childTnLst>
+                                </p:cTn>
+                              </p:par>
+                            </p:childTnLst>
+                          </p:cTn>
+                        </p:par>
+                      </p:childTnLst>
+                    </p:cTn>
+                  </p:par>
+                  <p:par>
+                    <p:cTn id="28" fill="hold">
+                      <p:stCondLst>
+                        <p:cond delay="indefinite"/>
+                      </p:stCondLst>
+                      <p:childTnLst>
+                        <p:par>
+                          <p:cTn id="29" fill="hold">
+                            <p:stCondLst>
+                              <p:cond delay="0"/>
+                            </p:stCondLst>
+                            <p:childTnLst>
+                              <p:par>
+                                <p:cTn id="30" presetID="10" presetClass="entr" presetSubtype="0" fill="hold" nodeType="clickEffect">
+                                  <p:stCondLst>
+                                    <p:cond delay="0"/>
+                                  </p:stCondLst>
+                                  <p:childTnLst>
+                                    <p:set>
+                                      <p:cBhvr>
+                                        <p:cTn id="31" dur="1" fill="hold">
+                                          <p:stCondLst>
+                                            <p:cond delay="0"/>
+                                          </p:stCondLst>
+                                        </p:cTn>
+                                        <p:tgtEl>
+                                          <p:spTgt spid="15"/>
+                                        </p:tgtEl>
+                                        <p:attrNameLst>
+                                          <p:attrName>style.visibility</p:attrName>
+                                        </p:attrNameLst>
+                                      </p:cBhvr>
+                                      <p:to>
+                                        <p:strVal val="visible"/>
+                                      </p:to>
+                                    </p:set>
+                                    <p:animEffect transition="in" filter="fade">
+                                      <p:cBhvr>
+                                        <p:cTn id="32" dur="500"/>
+                                        <p:tgtEl>
+                                          <p:spTgt spid="15"/>
+                                        </p:tgtEl>
+                                      </p:cBhvr>
+                                    </p:animEffect>
+                                  </p:childTnLst>
+                                </p:cTn>
+                              </p:par>
+                            </p:childTnLst>
+                          </p:cTn>
+                        </p:par>
+                      </p:childTnLst>
+                    </p:cTn>
+                  </p:par>
+                </p:childTnLst>
+              </p:cTn>
+              <p:prevCondLst>
+                <p:cond evt="onPrev" delay="0">
+                  <p:tgtEl>
+                    <p:sldTgt/>
+                  </p:tgtEl>
+                </p:cond>
+              </p:prevCondLst>
+              <p:nextCondLst>
+                <p:cond evt="onNext" delay="0">
+                  <p:tgtEl>
+                    <p:sldTgt/>
+                  </p:tgtEl>
+                </p:cond>
+              </p:nextCondLst>
+            </p:seq>
+          </p:childTnLst>
+        </p:cTn>
+      </p:par>
+    </p:tnLst>
+  </p:timing>
 </p:sld>
 </file>
 
@@ -16745,7 +17132,7 @@
         </p:nvSpPr>
         <p:spPr>
           <a:xfrm>
-            <a:off x="3279701" y="1237387"/>
+            <a:off x="2859085" y="594577"/>
             <a:ext cx="5632597" cy="769441"/>
           </a:xfrm>
           <a:prstGeom prst="rect">
@@ -16928,7 +17315,7 @@
         </p:blipFill>
         <p:spPr>
           <a:xfrm>
-            <a:off x="685035" y="4698048"/>
+            <a:off x="685035" y="4747102"/>
             <a:ext cx="914400" cy="914400"/>
           </a:xfrm>
           <a:prstGeom prst="rect">
@@ -16989,8 +17376,8 @@
         </p:nvSpPr>
         <p:spPr>
           <a:xfrm>
-            <a:off x="1550571" y="4604139"/>
-            <a:ext cx="2434177" cy="1200329"/>
+            <a:off x="1555787" y="4757593"/>
+            <a:ext cx="2434177" cy="923330"/>
           </a:xfrm>
           <a:prstGeom prst="rect">
             <a:avLst/>
@@ -17014,7 +17401,7 @@
           <a:p>
             <a:r>
               <a:rPr lang="fr-FR" i="1" dirty="0"/>
-              <a:t>Partie Web avec Netbeans</a:t>
+              <a:t>Partie Web</a:t>
             </a:r>
           </a:p>
         </p:txBody>
@@ -17034,7 +17421,7 @@
         <p:spPr>
           <a:xfrm>
             <a:off x="9078998" y="2349811"/>
-            <a:ext cx="2404188" cy="1754326"/>
+            <a:ext cx="2404188" cy="923330"/>
           </a:xfrm>
           <a:prstGeom prst="rect">
             <a:avLst/>
@@ -17058,13 +17445,8 @@
           <a:p>
             <a:r>
               <a:rPr lang="fr-FR" i="1" dirty="0"/>
-              <a:t>Partie BDD avec le serveur Wamp</a:t>
+              <a:t>Partie BDD et web</a:t>
             </a:r>
-          </a:p>
-          <a:p>
-            <a:endParaRPr lang="fr-FR" dirty="0"/>
-          </a:p>
-          <a:p>
             <a:endParaRPr lang="fr-FR" dirty="0"/>
           </a:p>
         </p:txBody>
@@ -17436,7 +17818,7 @@
                                           </p:stCondLst>
                                         </p:cTn>
                                         <p:tgtEl>
-                                          <p:spTgt spid="33"/>
+                                          <p:spTgt spid="11"/>
                                         </p:tgtEl>
                                         <p:attrNameLst>
                                           <p:attrName>style.visibility</p:attrName>
@@ -17450,7 +17832,7 @@
                                       <p:cBhvr>
                                         <p:cTn id="18" dur="500"/>
                                         <p:tgtEl>
-                                          <p:spTgt spid="33"/>
+                                          <p:spTgt spid="11"/>
                                         </p:tgtEl>
                                       </p:cBhvr>
                                     </p:animEffect>
@@ -17458,7 +17840,7 @@
                                 </p:cTn>
                               </p:par>
                               <p:par>
-                                <p:cTn id="19" presetID="10" presetClass="entr" presetSubtype="0" fill="hold" nodeType="withEffect">
+                                <p:cTn id="19" presetID="10" presetClass="entr" presetSubtype="0" fill="hold" grpId="0" nodeType="withEffect">
                                   <p:stCondLst>
                                     <p:cond delay="0"/>
                                   </p:stCondLst>
@@ -17471,7 +17853,7 @@
                                           </p:stCondLst>
                                         </p:cTn>
                                         <p:tgtEl>
-                                          <p:spTgt spid="7"/>
+                                          <p:spTgt spid="14"/>
                                         </p:tgtEl>
                                         <p:attrNameLst>
                                           <p:attrName>style.visibility</p:attrName>
@@ -17485,7 +17867,7 @@
                                       <p:cBhvr>
                                         <p:cTn id="21" dur="500"/>
                                         <p:tgtEl>
-                                          <p:spTgt spid="7"/>
+                                          <p:spTgt spid="14"/>
                                         </p:tgtEl>
                                       </p:cBhvr>
                                     </p:animEffect>
@@ -17493,7 +17875,7 @@
                                 </p:cTn>
                               </p:par>
                               <p:par>
-                                <p:cTn id="22" presetID="10" presetClass="entr" presetSubtype="0" fill="hold" grpId="0" nodeType="withEffect">
+                                <p:cTn id="22" presetID="10" presetClass="entr" presetSubtype="0" fill="hold" nodeType="withEffect">
                                   <p:stCondLst>
                                     <p:cond delay="0"/>
                                   </p:stCondLst>
@@ -17506,7 +17888,7 @@
                                           </p:stCondLst>
                                         </p:cTn>
                                         <p:tgtEl>
-                                          <p:spTgt spid="15"/>
+                                          <p:spTgt spid="27"/>
                                         </p:tgtEl>
                                         <p:attrNameLst>
                                           <p:attrName>style.visibility</p:attrName>
@@ -17520,7 +17902,7 @@
                                       <p:cBhvr>
                                         <p:cTn id="24" dur="500"/>
                                         <p:tgtEl>
-                                          <p:spTgt spid="15"/>
+                                          <p:spTgt spid="27"/>
                                         </p:tgtEl>
                                       </p:cBhvr>
                                     </p:animEffect>
@@ -17559,7 +17941,7 @@
                                           </p:stCondLst>
                                         </p:cTn>
                                         <p:tgtEl>
-                                          <p:spTgt spid="11"/>
+                                          <p:spTgt spid="7"/>
                                         </p:tgtEl>
                                         <p:attrNameLst>
                                           <p:attrName>style.visibility</p:attrName>
@@ -17573,7 +17955,7 @@
                                       <p:cBhvr>
                                         <p:cTn id="29" dur="500"/>
                                         <p:tgtEl>
-                                          <p:spTgt spid="11"/>
+                                          <p:spTgt spid="7"/>
                                         </p:tgtEl>
                                       </p:cBhvr>
                                     </p:animEffect>
@@ -17594,7 +17976,7 @@
                                           </p:stCondLst>
                                         </p:cTn>
                                         <p:tgtEl>
-                                          <p:spTgt spid="14"/>
+                                          <p:spTgt spid="15"/>
                                         </p:tgtEl>
                                         <p:attrNameLst>
                                           <p:attrName>style.visibility</p:attrName>
@@ -17608,7 +17990,7 @@
                                       <p:cBhvr>
                                         <p:cTn id="32" dur="500"/>
                                         <p:tgtEl>
-                                          <p:spTgt spid="14"/>
+                                          <p:spTgt spid="15"/>
                                         </p:tgtEl>
                                       </p:cBhvr>
                                     </p:animEffect>
@@ -17629,7 +18011,7 @@
                                           </p:stCondLst>
                                         </p:cTn>
                                         <p:tgtEl>
-                                          <p:spTgt spid="27"/>
+                                          <p:spTgt spid="33"/>
                                         </p:tgtEl>
                                         <p:attrNameLst>
                                           <p:attrName>style.visibility</p:attrName>
@@ -17643,7 +18025,7 @@
                                       <p:cBhvr>
                                         <p:cTn id="35" dur="500"/>
                                         <p:tgtEl>
-                                          <p:spTgt spid="27"/>
+                                          <p:spTgt spid="33"/>
                                         </p:tgtEl>
                                       </p:cBhvr>
                                     </p:animEffect>
@@ -17682,7 +18064,7 @@
                                           </p:stCondLst>
                                         </p:cTn>
                                         <p:tgtEl>
-                                          <p:spTgt spid="29"/>
+                                          <p:spTgt spid="13"/>
                                         </p:tgtEl>
                                         <p:attrNameLst>
                                           <p:attrName>style.visibility</p:attrName>
@@ -17696,41 +18078,6 @@
                                       <p:cBhvr>
                                         <p:cTn id="40" dur="500"/>
                                         <p:tgtEl>
-                                          <p:spTgt spid="29"/>
-                                        </p:tgtEl>
-                                      </p:cBhvr>
-                                    </p:animEffect>
-                                  </p:childTnLst>
-                                </p:cTn>
-                              </p:par>
-                              <p:par>
-                                <p:cTn id="41" presetID="10" presetClass="entr" presetSubtype="0" fill="hold" nodeType="withEffect">
-                                  <p:stCondLst>
-                                    <p:cond delay="0"/>
-                                  </p:stCondLst>
-                                  <p:childTnLst>
-                                    <p:set>
-                                      <p:cBhvr>
-                                        <p:cTn id="42" dur="1" fill="hold">
-                                          <p:stCondLst>
-                                            <p:cond delay="0"/>
-                                          </p:stCondLst>
-                                        </p:cTn>
-                                        <p:tgtEl>
-                                          <p:spTgt spid="13"/>
-                                        </p:tgtEl>
-                                        <p:attrNameLst>
-                                          <p:attrName>style.visibility</p:attrName>
-                                        </p:attrNameLst>
-                                      </p:cBhvr>
-                                      <p:to>
-                                        <p:strVal val="visible"/>
-                                      </p:to>
-                                    </p:set>
-                                    <p:animEffect transition="in" filter="fade">
-                                      <p:cBhvr>
-                                        <p:cTn id="43" dur="500"/>
-                                        <p:tgtEl>
                                           <p:spTgt spid="13"/>
                                         </p:tgtEl>
                                       </p:cBhvr>
@@ -17739,14 +18086,14 @@
                                 </p:cTn>
                               </p:par>
                               <p:par>
-                                <p:cTn id="44" presetID="10" presetClass="entr" presetSubtype="0" fill="hold" grpId="0" nodeType="withEffect">
+                                <p:cTn id="41" presetID="10" presetClass="entr" presetSubtype="0" fill="hold" grpId="0" nodeType="withEffect">
                                   <p:stCondLst>
                                     <p:cond delay="0"/>
                                   </p:stCondLst>
                                   <p:childTnLst>
                                     <p:set>
                                       <p:cBhvr>
-                                        <p:cTn id="45" dur="1" fill="hold">
+                                        <p:cTn id="42" dur="1" fill="hold">
                                           <p:stCondLst>
                                             <p:cond delay="0"/>
                                           </p:stCondLst>
@@ -17764,9 +18111,44 @@
                                     </p:set>
                                     <p:animEffect transition="in" filter="fade">
                                       <p:cBhvr>
+                                        <p:cTn id="43" dur="500"/>
+                                        <p:tgtEl>
+                                          <p:spTgt spid="17"/>
+                                        </p:tgtEl>
+                                      </p:cBhvr>
+                                    </p:animEffect>
+                                  </p:childTnLst>
+                                </p:cTn>
+                              </p:par>
+                              <p:par>
+                                <p:cTn id="44" presetID="10" presetClass="entr" presetSubtype="0" fill="hold" nodeType="withEffect">
+                                  <p:stCondLst>
+                                    <p:cond delay="0"/>
+                                  </p:stCondLst>
+                                  <p:childTnLst>
+                                    <p:set>
+                                      <p:cBhvr>
+                                        <p:cTn id="45" dur="1" fill="hold">
+                                          <p:stCondLst>
+                                            <p:cond delay="0"/>
+                                          </p:stCondLst>
+                                        </p:cTn>
+                                        <p:tgtEl>
+                                          <p:spTgt spid="29"/>
+                                        </p:tgtEl>
+                                        <p:attrNameLst>
+                                          <p:attrName>style.visibility</p:attrName>
+                                        </p:attrNameLst>
+                                      </p:cBhvr>
+                                      <p:to>
+                                        <p:strVal val="visible"/>
+                                      </p:to>
+                                    </p:set>
+                                    <p:animEffect transition="in" filter="fade">
+                                      <p:cBhvr>
                                         <p:cTn id="46" dur="500"/>
                                         <p:tgtEl>
-                                          <p:spTgt spid="17"/>
+                                          <p:spTgt spid="29"/>
                                         </p:tgtEl>
                                       </p:cBhvr>
                                     </p:animEffect>
@@ -21131,7 +21513,7 @@
                 <a:ea typeface="+mn-ea"/>
                 <a:cs typeface="+mn-cs"/>
               </a:rPr>
-              <a:t>Utilisation des ports analogiques et digitaux pour connecter les différents capteurs</a:t>
+              <a:t>Utilisation des ports analogiques et digitaux pour connecter les différents capteurs </a:t>
             </a:r>
           </a:p>
         </p:txBody>
@@ -21164,21 +21546,7 @@
           </a:bodyPr>
           <a:lstStyle/>
           <a:p>
-            <a:pPr marL="0" marR="0" lvl="0" indent="0" algn="l" defTabSz="914400" rtl="0" eaLnBrk="1" fontAlgn="auto" latinLnBrk="0" hangingPunct="1">
-              <a:lnSpc>
-                <a:spcPct val="100000"/>
-              </a:lnSpc>
-              <a:spcBef>
-                <a:spcPts val="0"/>
-              </a:spcBef>
-              <a:spcAft>
-                <a:spcPts val="0"/>
-              </a:spcAft>
-              <a:buClrTx/>
-              <a:buSzTx/>
-              <a:buFontTx/>
-              <a:buNone/>
-              <a:tabLst/>
+            <a:pPr lvl="0">
               <a:defRPr/>
             </a:pPr>
             <a:r>
@@ -21196,7 +21564,57 @@
                 <a:ea typeface="+mn-ea"/>
                 <a:cs typeface="+mn-cs"/>
               </a:rPr>
-              <a:t>Utilisation de la Raspberry pour la connexion a l'Arduino puis a la base de données</a:t>
+              <a:t>Utilisation de </a:t>
+            </a:r>
+            <a:r>
+              <a:rPr lang="fr-FR" dirty="0">
+                <a:solidFill>
+                  <a:prstClr val="black"/>
+                </a:solidFill>
+              </a:rPr>
+              <a:t>l'Arduino </a:t>
+            </a:r>
+            <a:r>
+              <a:rPr kumimoji="0" lang="fr-FR" sz="1800" b="0" i="0" u="none" strike="noStrike" kern="1200" cap="none" spc="0" normalizeH="0" baseline="0" noProof="0" dirty="0">
+                <a:ln>
+                  <a:noFill/>
+                </a:ln>
+                <a:solidFill>
+                  <a:prstClr val="black"/>
+                </a:solidFill>
+                <a:effectLst/>
+                <a:uLnTx/>
+                <a:uFillTx/>
+                <a:latin typeface="Calibri" panose="020F0502020204030204"/>
+                <a:ea typeface="+mn-ea"/>
+                <a:cs typeface="+mn-cs"/>
+              </a:rPr>
+              <a:t>pour la connexion a </a:t>
+            </a:r>
+            <a:r>
+              <a:rPr lang="fr-FR" dirty="0">
+                <a:solidFill>
+                  <a:prstClr val="black"/>
+                </a:solidFill>
+              </a:rPr>
+              <a:t>la Raspberry puis </a:t>
+            </a:r>
+            <a:r>
+              <a:rPr kumimoji="0" lang="fr-FR" sz="1800" b="0" i="0" u="none" strike="noStrike" kern="1200" cap="none" spc="0" normalizeH="0" baseline="0" noProof="0" dirty="0">
+                <a:ln>
+                  <a:noFill/>
+                </a:ln>
+                <a:solidFill>
+                  <a:prstClr val="black"/>
+                </a:solidFill>
+                <a:effectLst/>
+                <a:uLnTx/>
+                <a:uFillTx/>
+                <a:latin typeface="Calibri" panose="020F0502020204030204"/>
+                <a:ea typeface="+mn-ea"/>
+                <a:cs typeface="+mn-cs"/>
+              </a:rPr>
+              <a:t>a la base de données</a:t>
             </a:r>
           </a:p>
         </p:txBody>
@@ -22531,7 +22949,7 @@
         </p:blipFill>
         <p:spPr>
           <a:xfrm>
-            <a:off x="9149614" y="5027089"/>
+            <a:off x="9149614" y="5057653"/>
             <a:ext cx="850382" cy="850382"/>
           </a:xfrm>
           <a:prstGeom prst="rect">
@@ -22573,9 +22991,6 @@
                     <p:cTn id="3" fill="hold">
                       <p:stCondLst>
                         <p:cond delay="indefinite"/>
-                        <p:cond evt="onBegin" delay="0">
-                          <p:tn val="2"/>
-                        </p:cond>
                       </p:stCondLst>
                       <p:childTnLst>
                         <p:par>
@@ -22585,7 +23000,7 @@
                             </p:stCondLst>
                             <p:childTnLst>
                               <p:par>
-                                <p:cTn id="5" presetID="10" presetClass="entr" presetSubtype="0" fill="hold" nodeType="withEffect">
+                                <p:cTn id="5" presetID="10" presetClass="entr" presetSubtype="0" fill="hold" nodeType="clickEffect">
                                   <p:stCondLst>
                                     <p:cond delay="0"/>
                                   </p:stCondLst>
@@ -22593,6 +23008,41 @@
                                     <p:set>
                                       <p:cBhvr>
                                         <p:cTn id="6" dur="1" fill="hold">
+                                          <p:stCondLst>
+                                            <p:cond delay="0"/>
+                                          </p:stCondLst>
+                                        </p:cTn>
+                                        <p:tgtEl>
+                                          <p:spTgt spid="1026"/>
+                                        </p:tgtEl>
+                                        <p:attrNameLst>
+                                          <p:attrName>style.visibility</p:attrName>
+                                        </p:attrNameLst>
+                                      </p:cBhvr>
+                                      <p:to>
+                                        <p:strVal val="visible"/>
+                                      </p:to>
+                                    </p:set>
+                                    <p:animEffect transition="in" filter="fade">
+                                      <p:cBhvr>
+                                        <p:cTn id="7" dur="500"/>
+                                        <p:tgtEl>
+                                          <p:spTgt spid="1026"/>
+                                        </p:tgtEl>
+                                      </p:cBhvr>
+                                    </p:animEffect>
+                                  </p:childTnLst>
+                                </p:cTn>
+                              </p:par>
+                              <p:par>
+                                <p:cTn id="8" presetID="10" presetClass="entr" presetSubtype="0" fill="hold" nodeType="withEffect">
+                                  <p:stCondLst>
+                                    <p:cond delay="0"/>
+                                  </p:stCondLst>
+                                  <p:childTnLst>
+                                    <p:set>
+                                      <p:cBhvr>
+                                        <p:cTn id="9" dur="1" fill="hold">
                                           <p:stCondLst>
                                             <p:cond delay="0"/>
                                           </p:stCondLst>
@@ -22610,7 +23060,7 @@
                                     </p:set>
                                     <p:animEffect transition="in" filter="fade">
                                       <p:cBhvr>
-                                        <p:cTn id="7" dur="500"/>
+                                        <p:cTn id="10" dur="500"/>
                                         <p:tgtEl>
                                           <p:spTgt spid="24"/>
                                         </p:tgtEl>
@@ -22619,33 +23069,15 @@
                                   </p:childTnLst>
                                 </p:cTn>
                               </p:par>
-                            </p:childTnLst>
-                          </p:cTn>
-                        </p:par>
-                      </p:childTnLst>
-                    </p:cTn>
-                  </p:par>
-                  <p:par>
-                    <p:cTn id="8" fill="hold">
-                      <p:stCondLst>
-                        <p:cond delay="indefinite"/>
-                      </p:stCondLst>
-                      <p:childTnLst>
-                        <p:par>
-                          <p:cTn id="9" fill="hold">
-                            <p:stCondLst>
-                              <p:cond delay="0"/>
-                            </p:stCondLst>
-                            <p:childTnLst>
                               <p:par>
-                                <p:cTn id="10" presetID="10" presetClass="entr" presetSubtype="0" fill="hold" grpId="0" nodeType="clickEffect">
+                                <p:cTn id="11" presetID="10" presetClass="entr" presetSubtype="0" fill="hold" grpId="0" nodeType="withEffect">
                                   <p:stCondLst>
                                     <p:cond delay="0"/>
                                   </p:stCondLst>
                                   <p:childTnLst>
                                     <p:set>
                                       <p:cBhvr>
-                                        <p:cTn id="11" dur="1" fill="hold">
+                                        <p:cTn id="12" dur="1" fill="hold">
                                           <p:stCondLst>
                                             <p:cond delay="0"/>
                                           </p:stCondLst>
@@ -22663,7 +23095,7 @@
                                     </p:set>
                                     <p:animEffect transition="in" filter="fade">
                                       <p:cBhvr>
-                                        <p:cTn id="12" dur="500"/>
+                                        <p:cTn id="13" dur="500"/>
                                         <p:tgtEl>
                                           <p:spTgt spid="25"/>
                                         </p:tgtEl>
@@ -22679,26 +23111,26 @@
                     </p:cTn>
                   </p:par>
                   <p:par>
-                    <p:cTn id="13" fill="hold">
+                    <p:cTn id="14" fill="hold">
                       <p:stCondLst>
                         <p:cond delay="indefinite"/>
                       </p:stCondLst>
                       <p:childTnLst>
                         <p:par>
-                          <p:cTn id="14" fill="hold">
+                          <p:cTn id="15" fill="hold">
                             <p:stCondLst>
                               <p:cond delay="0"/>
                             </p:stCondLst>
                             <p:childTnLst>
                               <p:par>
-                                <p:cTn id="15" presetID="10" presetClass="entr" presetSubtype="0" fill="hold" grpId="0" nodeType="clickEffect">
+                                <p:cTn id="16" presetID="10" presetClass="entr" presetSubtype="0" fill="hold" grpId="0" nodeType="clickEffect">
                                   <p:stCondLst>
                                     <p:cond delay="0"/>
                                   </p:stCondLst>
                                   <p:childTnLst>
                                     <p:set>
                                       <p:cBhvr>
-                                        <p:cTn id="16" dur="1" fill="hold">
+                                        <p:cTn id="17" dur="1" fill="hold">
                                           <p:stCondLst>
                                             <p:cond delay="0"/>
                                           </p:stCondLst>
@@ -22716,9 +23148,44 @@
                                     </p:set>
                                     <p:animEffect transition="in" filter="fade">
                                       <p:cBhvr>
-                                        <p:cTn id="17" dur="500"/>
+                                        <p:cTn id="18" dur="500"/>
                                         <p:tgtEl>
                                           <p:spTgt spid="27"/>
+                                        </p:tgtEl>
+                                      </p:cBhvr>
+                                    </p:animEffect>
+                                  </p:childTnLst>
+                                </p:cTn>
+                              </p:par>
+                              <p:par>
+                                <p:cTn id="19" presetID="10" presetClass="entr" presetSubtype="0" fill="hold" nodeType="withEffect">
+                                  <p:stCondLst>
+                                    <p:cond delay="0"/>
+                                  </p:stCondLst>
+                                  <p:childTnLst>
+                                    <p:set>
+                                      <p:cBhvr>
+                                        <p:cTn id="20" dur="1" fill="hold">
+                                          <p:stCondLst>
+                                            <p:cond delay="0"/>
+                                          </p:stCondLst>
+                                        </p:cTn>
+                                        <p:tgtEl>
+                                          <p:spTgt spid="28"/>
+                                        </p:tgtEl>
+                                        <p:attrNameLst>
+                                          <p:attrName>style.visibility</p:attrName>
+                                        </p:attrNameLst>
+                                      </p:cBhvr>
+                                      <p:to>
+                                        <p:strVal val="visible"/>
+                                      </p:to>
+                                    </p:set>
+                                    <p:animEffect transition="in" filter="fade">
+                                      <p:cBhvr>
+                                        <p:cTn id="21" dur="500"/>
+                                        <p:tgtEl>
+                                          <p:spTgt spid="28"/>
                                         </p:tgtEl>
                                       </p:cBhvr>
                                     </p:animEffect>
@@ -22732,26 +23199,26 @@
                     </p:cTn>
                   </p:par>
                   <p:par>
-                    <p:cTn id="18" fill="hold">
+                    <p:cTn id="22" fill="hold">
                       <p:stCondLst>
                         <p:cond delay="indefinite"/>
                       </p:stCondLst>
                       <p:childTnLst>
                         <p:par>
-                          <p:cTn id="19" fill="hold">
+                          <p:cTn id="23" fill="hold">
                             <p:stCondLst>
                               <p:cond delay="0"/>
                             </p:stCondLst>
                             <p:childTnLst>
                               <p:par>
-                                <p:cTn id="20" presetID="10" presetClass="entr" presetSubtype="0" fill="hold" grpId="0" nodeType="clickEffect">
+                                <p:cTn id="24" presetID="10" presetClass="entr" presetSubtype="0" fill="hold" grpId="0" nodeType="clickEffect">
                                   <p:stCondLst>
                                     <p:cond delay="0"/>
                                   </p:stCondLst>
                                   <p:childTnLst>
                                     <p:set>
                                       <p:cBhvr>
-                                        <p:cTn id="21" dur="1" fill="hold">
+                                        <p:cTn id="25" dur="1" fill="hold">
                                           <p:stCondLst>
                                             <p:cond delay="0"/>
                                           </p:stCondLst>
@@ -22769,9 +23236,79 @@
                                     </p:set>
                                     <p:animEffect transition="in" filter="fade">
                                       <p:cBhvr>
-                                        <p:cTn id="22" dur="500"/>
+                                        <p:cTn id="26" dur="500"/>
                                         <p:tgtEl>
                                           <p:spTgt spid="29"/>
+                                        </p:tgtEl>
+                                      </p:cBhvr>
+                                    </p:animEffect>
+                                  </p:childTnLst>
+                                </p:cTn>
+                              </p:par>
+                              <p:par>
+                                <p:cTn id="27" presetID="10" presetClass="entr" presetSubtype="0" fill="hold" nodeType="withEffect">
+                                  <p:stCondLst>
+                                    <p:cond delay="0"/>
+                                  </p:stCondLst>
+                                  <p:childTnLst>
+                                    <p:set>
+                                      <p:cBhvr>
+                                        <p:cTn id="28" dur="1" fill="hold">
+                                          <p:stCondLst>
+                                            <p:cond delay="0"/>
+                                          </p:stCondLst>
+                                        </p:cTn>
+                                        <p:tgtEl>
+                                          <p:spTgt spid="30"/>
+                                        </p:tgtEl>
+                                        <p:attrNameLst>
+                                          <p:attrName>style.visibility</p:attrName>
+                                        </p:attrNameLst>
+                                      </p:cBhvr>
+                                      <p:to>
+                                        <p:strVal val="visible"/>
+                                      </p:to>
+                                    </p:set>
+                                    <p:animEffect transition="in" filter="fade">
+                                      <p:cBhvr>
+                                        <p:cTn id="29" dur="500"/>
+                                        <p:tgtEl>
+                                          <p:spTgt spid="30"/>
+                                        </p:tgtEl>
+                                      </p:cBhvr>
+                                    </p:animEffect>
+                                  </p:childTnLst>
+                                </p:cTn>
+                              </p:par>
+                              <p:par>
+                                <p:cTn id="30" presetID="10" presetClass="entr" presetSubtype="0" fill="hold" nodeType="withEffect">
+                                  <p:stCondLst>
+                                    <p:cond delay="0"/>
+                                  </p:stCondLst>
+                                  <p:childTnLst>
+                                    <p:set>
+                                      <p:cBhvr>
+                                        <p:cTn id="31" dur="1" fill="hold">
+                                          <p:stCondLst>
+                                            <p:cond delay="0"/>
+                                          </p:stCondLst>
+                                        </p:cTn>
+                                        <p:tgtEl>
+                                          <p:spTgt spid="6"/>
+                                        </p:tgtEl>
+                                        <p:attrNameLst>
+                                          <p:attrName>style.visibility</p:attrName>
+                                        </p:attrNameLst>
+                                      </p:cBhvr>
+                                      <p:to>
+                                        <p:strVal val="visible"/>
+                                      </p:to>
+                                    </p:set>
+                                    <p:animEffect transition="in" filter="fade">
+                                      <p:cBhvr>
+                                        <p:cTn id="32" dur="500"/>
+                                        <p:tgtEl>
+                                          <p:spTgt spid="6"/>
                                         </p:tgtEl>
                                       </p:cBhvr>
                                     </p:animEffect>
@@ -22785,26 +23322,26 @@
                     </p:cTn>
                   </p:par>
                   <p:par>
-                    <p:cTn id="23" fill="hold">
+                    <p:cTn id="33" fill="hold">
                       <p:stCondLst>
                         <p:cond delay="indefinite"/>
                       </p:stCondLst>
                       <p:childTnLst>
                         <p:par>
-                          <p:cTn id="24" fill="hold">
+                          <p:cTn id="34" fill="hold">
                             <p:stCondLst>
                               <p:cond delay="0"/>
                             </p:stCondLst>
                             <p:childTnLst>
                               <p:par>
-                                <p:cTn id="25" presetID="10" presetClass="entr" presetSubtype="0" fill="hold" grpId="0" nodeType="clickEffect">
+                                <p:cTn id="35" presetID="10" presetClass="entr" presetSubtype="0" fill="hold" grpId="0" nodeType="clickEffect">
                                   <p:stCondLst>
                                     <p:cond delay="0"/>
                                   </p:stCondLst>
                                   <p:childTnLst>
                                     <p:set>
                                       <p:cBhvr>
-                                        <p:cTn id="26" dur="1" fill="hold">
+                                        <p:cTn id="36" dur="1" fill="hold">
                                           <p:stCondLst>
                                             <p:cond delay="0"/>
                                           </p:stCondLst>
@@ -22822,7 +23359,7 @@
                                     </p:set>
                                     <p:animEffect transition="in" filter="fade">
                                       <p:cBhvr>
-                                        <p:cTn id="27" dur="500"/>
+                                        <p:cTn id="37" dur="500"/>
                                         <p:tgtEl>
                                           <p:spTgt spid="31"/>
                                         </p:tgtEl>
@@ -22832,14 +23369,14 @@
                                 </p:cTn>
                               </p:par>
                               <p:par>
-                                <p:cTn id="28" presetID="10" presetClass="entr" presetSubtype="0" fill="hold" nodeType="withEffect">
+                                <p:cTn id="38" presetID="10" presetClass="entr" presetSubtype="0" fill="hold" nodeType="withEffect">
                                   <p:stCondLst>
                                     <p:cond delay="0"/>
                                   </p:stCondLst>
                                   <p:childTnLst>
                                     <p:set>
                                       <p:cBhvr>
-                                        <p:cTn id="29" dur="1" fill="hold">
+                                        <p:cTn id="39" dur="1" fill="hold">
                                           <p:stCondLst>
                                             <p:cond delay="0"/>
                                           </p:stCondLst>
@@ -22857,7 +23394,7 @@
                                     </p:set>
                                     <p:animEffect transition="in" filter="fade">
                                       <p:cBhvr>
-                                        <p:cTn id="30" dur="500"/>
+                                        <p:cTn id="40" dur="500"/>
                                         <p:tgtEl>
                                           <p:spTgt spid="33"/>
                                         </p:tgtEl>

--- a/oral_projet/revue_2/diaporama_revue_2_samuel.pptx
+++ b/oral_projet/revue_2/diaporama_revue_2_samuel.pptx
@@ -5800,10 +5800,10 @@
       </p:grpSpPr>
       <p:pic>
         <p:nvPicPr>
-          <p:cNvPr id="8" name="Image 7">
-            <a:extLst>
-              <a:ext uri="{FF2B5EF4-FFF2-40B4-BE49-F238E27FC236}">
-                <a16:creationId xmlns:a16="http://schemas.microsoft.com/office/drawing/2014/main" id="{2BB825C5-31DA-4A56-85EA-536DBF510A31}"/>
+          <p:cNvPr id="2" name="Image 1">
+            <a:extLst>
+              <a:ext uri="{FF2B5EF4-FFF2-40B4-BE49-F238E27FC236}">
+                <a16:creationId xmlns:a16="http://schemas.microsoft.com/office/drawing/2014/main" id="{1D217C15-8D2A-489C-A71A-2811ED279BFB}"/>
               </a:ext>
             </a:extLst>
           </p:cNvPr>
@@ -5812,8 +5812,37 @@
           </p:cNvPicPr>
           <p:nvPr/>
         </p:nvPicPr>
+        <p:blipFill rotWithShape="1">
+          <a:blip r:embed="rId2"/>
+          <a:srcRect l="4136" t="13153" r="1559" b="6623"/>
+          <a:stretch/>
+        </p:blipFill>
+        <p:spPr>
+          <a:xfrm>
+            <a:off x="2633740" y="1901351"/>
+            <a:ext cx="6038698" cy="4411436"/>
+          </a:xfrm>
+          <a:prstGeom prst="rect">
+            <a:avLst/>
+          </a:prstGeom>
+        </p:spPr>
+      </p:pic>
+      <p:pic>
+        <p:nvPicPr>
+          <p:cNvPr id="8" name="Image 7">
+            <a:extLst>
+              <a:ext uri="{FF2B5EF4-FFF2-40B4-BE49-F238E27FC236}">
+                <a16:creationId xmlns:a16="http://schemas.microsoft.com/office/drawing/2014/main" id="{2BB825C5-31DA-4A56-85EA-536DBF510A31}"/>
+              </a:ext>
+            </a:extLst>
+          </p:cNvPr>
+          <p:cNvPicPr>
+            <a:picLocks noChangeAspect="1"/>
+          </p:cNvPicPr>
+          <p:nvPr/>
+        </p:nvPicPr>
         <p:blipFill>
-          <a:blip r:embed="rId2">
+          <a:blip r:embed="rId3">
             <a:extLst>
               <a:ext uri="{28A0092B-C50C-407E-A947-70E740481C1C}">
                 <a14:useLocalDpi xmlns:a14="http://schemas.microsoft.com/office/drawing/2010/main" val="0"/>
@@ -5849,7 +5878,7 @@
           <p:nvPr/>
         </p:nvPicPr>
         <p:blipFill>
-          <a:blip r:embed="rId3">
+          <a:blip r:embed="rId4">
             <a:extLst>
               <a:ext uri="{28A0092B-C50C-407E-A947-70E740481C1C}">
                 <a14:useLocalDpi xmlns:a14="http://schemas.microsoft.com/office/drawing/2010/main" val="0"/>
@@ -6227,7 +6256,7 @@
           <p:nvPr/>
         </p:nvPicPr>
         <p:blipFill>
-          <a:blip r:embed="rId3">
+          <a:blip r:embed="rId4">
             <a:extLst>
               <a:ext uri="{28A0092B-C50C-407E-A947-70E740481C1C}">
                 <a14:useLocalDpi xmlns:a14="http://schemas.microsoft.com/office/drawing/2010/main" val="0"/>
@@ -6324,41 +6353,6 @@
           </a:fontRef>
         </p:style>
       </p:cxnSp>
-      <p:pic>
-        <p:nvPicPr>
-          <p:cNvPr id="3" name="Image 2">
-            <a:extLst>
-              <a:ext uri="{FF2B5EF4-FFF2-40B4-BE49-F238E27FC236}">
-                <a16:creationId xmlns:a16="http://schemas.microsoft.com/office/drawing/2014/main" id="{7B2BEC07-36E4-44EF-A84B-6AC7DB0B377E}"/>
-              </a:ext>
-            </a:extLst>
-          </p:cNvPr>
-          <p:cNvPicPr>
-            <a:picLocks noChangeAspect="1"/>
-          </p:cNvPicPr>
-          <p:nvPr/>
-        </p:nvPicPr>
-        <p:blipFill rotWithShape="1">
-          <a:blip r:embed="rId4">
-            <a:extLst>
-              <a:ext uri="{28A0092B-C50C-407E-A947-70E740481C1C}">
-                <a14:useLocalDpi xmlns:a14="http://schemas.microsoft.com/office/drawing/2010/main" val="0"/>
-              </a:ext>
-            </a:extLst>
-          </a:blip>
-          <a:srcRect l="6612" t="8604" r="31913" b="15876"/>
-          <a:stretch/>
-        </p:blipFill>
-        <p:spPr>
-          <a:xfrm>
-            <a:off x="2238348" y="1660048"/>
-            <a:ext cx="6829481" cy="5056850"/>
-          </a:xfrm>
-          <a:prstGeom prst="rect">
-            <a:avLst/>
-          </a:prstGeom>
-        </p:spPr>
-      </p:pic>
       <p:cxnSp>
         <p:nvCxnSpPr>
           <p:cNvPr id="60" name="Connecteur droit 59">

--- a/oral_projet/revue_2/diaporama_revue_2_samuel.pptx
+++ b/oral_projet/revue_2/diaporama_revue_2_samuel.pptx
@@ -221,7 +221,7 @@
           <a:p>
             <a:fld id="{7BEC4371-174F-4615-858D-8B61BA547698}" type="datetimeFigureOut">
               <a:rPr lang="fr-FR" smtClean="0"/>
-              <a:t>13/03/2018</a:t>
+              <a:t>15/03/2018</a:t>
             </a:fld>
             <a:endParaRPr lang="fr-FR"/>
           </a:p>
@@ -635,7 +635,7 @@
           <a:p>
             <a:fld id="{125942D7-A464-4365-815E-3C7EAFC3F152}" type="datetimeFigureOut">
               <a:rPr lang="fr-FR" smtClean="0"/>
-              <a:t>13/03/2018</a:t>
+              <a:t>15/03/2018</a:t>
             </a:fld>
             <a:endParaRPr lang="fr-FR"/>
           </a:p>
@@ -845,7 +845,7 @@
           <a:p>
             <a:fld id="{125942D7-A464-4365-815E-3C7EAFC3F152}" type="datetimeFigureOut">
               <a:rPr lang="fr-FR" smtClean="0"/>
-              <a:t>13/03/2018</a:t>
+              <a:t>15/03/2018</a:t>
             </a:fld>
             <a:endParaRPr lang="fr-FR"/>
           </a:p>
@@ -1065,7 +1065,7 @@
           <a:p>
             <a:fld id="{125942D7-A464-4365-815E-3C7EAFC3F152}" type="datetimeFigureOut">
               <a:rPr lang="fr-FR" smtClean="0"/>
-              <a:t>13/03/2018</a:t>
+              <a:t>15/03/2018</a:t>
             </a:fld>
             <a:endParaRPr lang="fr-FR"/>
           </a:p>
@@ -1275,7 +1275,7 @@
           <a:p>
             <a:fld id="{125942D7-A464-4365-815E-3C7EAFC3F152}" type="datetimeFigureOut">
               <a:rPr lang="fr-FR" smtClean="0"/>
-              <a:t>13/03/2018</a:t>
+              <a:t>15/03/2018</a:t>
             </a:fld>
             <a:endParaRPr lang="fr-FR"/>
           </a:p>
@@ -1562,7 +1562,7 @@
           <a:p>
             <a:fld id="{125942D7-A464-4365-815E-3C7EAFC3F152}" type="datetimeFigureOut">
               <a:rPr lang="fr-FR" smtClean="0"/>
-              <a:t>13/03/2018</a:t>
+              <a:t>15/03/2018</a:t>
             </a:fld>
             <a:endParaRPr lang="fr-FR"/>
           </a:p>
@@ -1839,7 +1839,7 @@
           <a:p>
             <a:fld id="{125942D7-A464-4365-815E-3C7EAFC3F152}" type="datetimeFigureOut">
               <a:rPr lang="fr-FR" smtClean="0"/>
-              <a:t>13/03/2018</a:t>
+              <a:t>15/03/2018</a:t>
             </a:fld>
             <a:endParaRPr lang="fr-FR"/>
           </a:p>
@@ -2263,7 +2263,7 @@
           <a:p>
             <a:fld id="{125942D7-A464-4365-815E-3C7EAFC3F152}" type="datetimeFigureOut">
               <a:rPr lang="fr-FR" smtClean="0"/>
-              <a:t>13/03/2018</a:t>
+              <a:t>15/03/2018</a:t>
             </a:fld>
             <a:endParaRPr lang="fr-FR"/>
           </a:p>
@@ -2416,7 +2416,7 @@
           <a:p>
             <a:fld id="{125942D7-A464-4365-815E-3C7EAFC3F152}" type="datetimeFigureOut">
               <a:rPr lang="fr-FR" smtClean="0"/>
-              <a:t>13/03/2018</a:t>
+              <a:t>15/03/2018</a:t>
             </a:fld>
             <a:endParaRPr lang="fr-FR"/>
           </a:p>
@@ -2541,7 +2541,7 @@
           <a:p>
             <a:fld id="{125942D7-A464-4365-815E-3C7EAFC3F152}" type="datetimeFigureOut">
               <a:rPr lang="fr-FR" smtClean="0"/>
-              <a:t>13/03/2018</a:t>
+              <a:t>15/03/2018</a:t>
             </a:fld>
             <a:endParaRPr lang="fr-FR"/>
           </a:p>
@@ -2864,7 +2864,7 @@
           <a:p>
             <a:fld id="{125942D7-A464-4365-815E-3C7EAFC3F152}" type="datetimeFigureOut">
               <a:rPr lang="fr-FR" smtClean="0"/>
-              <a:t>13/03/2018</a:t>
+              <a:t>15/03/2018</a:t>
             </a:fld>
             <a:endParaRPr lang="fr-FR"/>
           </a:p>
@@ -3164,7 +3164,7 @@
           <a:p>
             <a:fld id="{125942D7-A464-4365-815E-3C7EAFC3F152}" type="datetimeFigureOut">
               <a:rPr lang="fr-FR" smtClean="0"/>
-              <a:t>13/03/2018</a:t>
+              <a:t>15/03/2018</a:t>
             </a:fld>
             <a:endParaRPr lang="fr-FR"/>
           </a:p>
@@ -3417,7 +3417,7 @@
           <a:p>
             <a:fld id="{125942D7-A464-4365-815E-3C7EAFC3F152}" type="datetimeFigureOut">
               <a:rPr lang="fr-FR" smtClean="0"/>
-              <a:t>13/03/2018</a:t>
+              <a:t>15/03/2018</a:t>
             </a:fld>
             <a:endParaRPr lang="fr-FR"/>
           </a:p>
@@ -9414,6 +9414,42 @@
           </a:fontRef>
         </p:style>
       </p:cxnSp>
+      <p:pic>
+        <p:nvPicPr>
+          <p:cNvPr id="5" name="Image 4">
+            <a:extLst>
+              <a:ext uri="{FF2B5EF4-FFF2-40B4-BE49-F238E27FC236}">
+                <a16:creationId xmlns:a16="http://schemas.microsoft.com/office/drawing/2014/main" id="{7252AD94-6FD6-48DB-8797-5FCABFDECB76}"/>
+              </a:ext>
+            </a:extLst>
+          </p:cNvPr>
+          <p:cNvPicPr>
+            <a:picLocks noChangeAspect="1"/>
+          </p:cNvPicPr>
+          <p:nvPr/>
+        </p:nvPicPr>
+        <p:blipFill>
+          <a:blip r:embed="rId4">
+            <a:extLst>
+              <a:ext uri="{28A0092B-C50C-407E-A947-70E740481C1C}">
+                <a14:useLocalDpi xmlns:a14="http://schemas.microsoft.com/office/drawing/2010/main" val="0"/>
+              </a:ext>
+            </a:extLst>
+          </a:blip>
+          <a:stretch>
+            <a:fillRect/>
+          </a:stretch>
+        </p:blipFill>
+        <p:spPr>
+          <a:xfrm>
+            <a:off x="1292750" y="1102369"/>
+            <a:ext cx="9390425" cy="5179070"/>
+          </a:xfrm>
+          <a:prstGeom prst="rect">
+            <a:avLst/>
+          </a:prstGeom>
+        </p:spPr>
+      </p:pic>
       <p:sp>
         <p:nvSpPr>
           <p:cNvPr id="2" name="ZoneTexte 1">
@@ -9428,7 +9464,7 @@
         </p:nvSpPr>
         <p:spPr>
           <a:xfrm>
-            <a:off x="3759673" y="523056"/>
+            <a:off x="3759673" y="454801"/>
             <a:ext cx="4675598" cy="769441"/>
           </a:xfrm>
           <a:prstGeom prst="rect">
@@ -9479,42 +9515,6 @@
           </a:p>
         </p:txBody>
       </p:sp>
-      <p:pic>
-        <p:nvPicPr>
-          <p:cNvPr id="4" name="Image 3">
-            <a:extLst>
-              <a:ext uri="{FF2B5EF4-FFF2-40B4-BE49-F238E27FC236}">
-                <a16:creationId xmlns:a16="http://schemas.microsoft.com/office/drawing/2014/main" id="{8B26BEA2-EF2C-479A-B8FC-3E647E6B0735}"/>
-              </a:ext>
-            </a:extLst>
-          </p:cNvPr>
-          <p:cNvPicPr>
-            <a:picLocks noChangeAspect="1"/>
-          </p:cNvPicPr>
-          <p:nvPr/>
-        </p:nvPicPr>
-        <p:blipFill>
-          <a:blip r:embed="rId4">
-            <a:extLst>
-              <a:ext uri="{28A0092B-C50C-407E-A947-70E740481C1C}">
-                <a14:useLocalDpi xmlns:a14="http://schemas.microsoft.com/office/drawing/2010/main" val="0"/>
-              </a:ext>
-            </a:extLst>
-          </a:blip>
-          <a:stretch>
-            <a:fillRect/>
-          </a:stretch>
-        </p:blipFill>
-        <p:spPr>
-          <a:xfrm>
-            <a:off x="1407632" y="1434502"/>
-            <a:ext cx="10145003" cy="5253048"/>
-          </a:xfrm>
-          <a:prstGeom prst="rect">
-            <a:avLst/>
-          </a:prstGeom>
-        </p:spPr>
-      </p:pic>
     </p:spTree>
     <p:extLst>
       <p:ext uri="{BB962C8B-B14F-4D97-AF65-F5344CB8AC3E}">
@@ -24204,10 +24204,10 @@
       </p:grpSpPr>
       <p:pic>
         <p:nvPicPr>
-          <p:cNvPr id="4" name="Image 3">
-            <a:extLst>
-              <a:ext uri="{FF2B5EF4-FFF2-40B4-BE49-F238E27FC236}">
-                <a16:creationId xmlns:a16="http://schemas.microsoft.com/office/drawing/2014/main" id="{E37426A9-7BFE-48C0-9D3A-8DC44C296530}"/>
+          <p:cNvPr id="8" name="Image 7">
+            <a:extLst>
+              <a:ext uri="{FF2B5EF4-FFF2-40B4-BE49-F238E27FC236}">
+                <a16:creationId xmlns:a16="http://schemas.microsoft.com/office/drawing/2014/main" id="{2BB825C5-31DA-4A56-85EA-536DBF510A31}"/>
               </a:ext>
             </a:extLst>
           </p:cNvPr>
@@ -24230,8 +24230,8 @@
         </p:blipFill>
         <p:spPr>
           <a:xfrm>
-            <a:off x="1499694" y="1273084"/>
-            <a:ext cx="9192611" cy="5518459"/>
+            <a:off x="1068751" y="66457"/>
+            <a:ext cx="1259497" cy="776690"/>
           </a:xfrm>
           <a:prstGeom prst="rect">
             <a:avLst/>
@@ -24240,10 +24240,10 @@
       </p:pic>
       <p:pic>
         <p:nvPicPr>
-          <p:cNvPr id="8" name="Image 7">
-            <a:extLst>
-              <a:ext uri="{FF2B5EF4-FFF2-40B4-BE49-F238E27FC236}">
-                <a16:creationId xmlns:a16="http://schemas.microsoft.com/office/drawing/2014/main" id="{2BB825C5-31DA-4A56-85EA-536DBF510A31}"/>
+          <p:cNvPr id="10" name="Image 9">
+            <a:extLst>
+              <a:ext uri="{FF2B5EF4-FFF2-40B4-BE49-F238E27FC236}">
+                <a16:creationId xmlns:a16="http://schemas.microsoft.com/office/drawing/2014/main" id="{8EE7436F-49F2-41E0-93E4-D247B4705294}"/>
               </a:ext>
             </a:extLst>
           </p:cNvPr>
@@ -24266,20 +24266,362 @@
         </p:blipFill>
         <p:spPr>
           <a:xfrm>
-            <a:off x="1068751" y="66457"/>
-            <a:ext cx="1259497" cy="776690"/>
+            <a:off x="9681085" y="238153"/>
+            <a:ext cx="1802101" cy="569807"/>
           </a:xfrm>
           <a:prstGeom prst="rect">
             <a:avLst/>
           </a:prstGeom>
         </p:spPr>
       </p:pic>
+      <p:cxnSp>
+        <p:nvCxnSpPr>
+          <p:cNvPr id="16" name="Connecteur droit 15">
+            <a:extLst>
+              <a:ext uri="{FF2B5EF4-FFF2-40B4-BE49-F238E27FC236}">
+                <a16:creationId xmlns:a16="http://schemas.microsoft.com/office/drawing/2014/main" id="{7319284A-BD6F-4A96-8E2B-E0A4B52E53C6}"/>
+              </a:ext>
+            </a:extLst>
+          </p:cNvPr>
+          <p:cNvCxnSpPr>
+            <a:cxnSpLocks/>
+          </p:cNvCxnSpPr>
+          <p:nvPr/>
+        </p:nvCxnSpPr>
+        <p:spPr>
+          <a:xfrm flipV="1">
+            <a:off x="0" y="454803"/>
+            <a:ext cx="738231" cy="1798"/>
+          </a:xfrm>
+          <a:prstGeom prst="line">
+            <a:avLst/>
+          </a:prstGeom>
+        </p:spPr>
+        <p:style>
+          <a:lnRef idx="3">
+            <a:schemeClr val="dk1"/>
+          </a:lnRef>
+          <a:fillRef idx="0">
+            <a:schemeClr val="dk1"/>
+          </a:fillRef>
+          <a:effectRef idx="2">
+            <a:schemeClr val="dk1"/>
+          </a:effectRef>
+          <a:fontRef idx="minor">
+            <a:schemeClr val="tx1"/>
+          </a:fontRef>
+        </p:style>
+      </p:cxnSp>
+      <p:cxnSp>
+        <p:nvCxnSpPr>
+          <p:cNvPr id="20" name="Connecteur droit 19">
+            <a:extLst>
+              <a:ext uri="{FF2B5EF4-FFF2-40B4-BE49-F238E27FC236}">
+                <a16:creationId xmlns:a16="http://schemas.microsoft.com/office/drawing/2014/main" id="{08874CF7-F149-4C81-B61E-74E18342BA8A}"/>
+              </a:ext>
+            </a:extLst>
+          </p:cNvPr>
+          <p:cNvCxnSpPr>
+            <a:cxnSpLocks/>
+          </p:cNvCxnSpPr>
+          <p:nvPr/>
+        </p:nvCxnSpPr>
+        <p:spPr>
+          <a:xfrm>
+            <a:off x="2573222" y="454803"/>
+            <a:ext cx="6829482" cy="10398"/>
+          </a:xfrm>
+          <a:prstGeom prst="line">
+            <a:avLst/>
+          </a:prstGeom>
+        </p:spPr>
+        <p:style>
+          <a:lnRef idx="3">
+            <a:schemeClr val="dk1"/>
+          </a:lnRef>
+          <a:fillRef idx="0">
+            <a:schemeClr val="dk1"/>
+          </a:fillRef>
+          <a:effectRef idx="2">
+            <a:schemeClr val="dk1"/>
+          </a:effectRef>
+          <a:fontRef idx="minor">
+            <a:schemeClr val="tx1"/>
+          </a:fontRef>
+        </p:style>
+      </p:cxnSp>
+      <p:cxnSp>
+        <p:nvCxnSpPr>
+          <p:cNvPr id="26" name="Connecteur droit 25">
+            <a:extLst>
+              <a:ext uri="{FF2B5EF4-FFF2-40B4-BE49-F238E27FC236}">
+                <a16:creationId xmlns:a16="http://schemas.microsoft.com/office/drawing/2014/main" id="{BB3B35CC-057B-48C1-880F-3306A6559175}"/>
+              </a:ext>
+            </a:extLst>
+          </p:cNvPr>
+          <p:cNvCxnSpPr>
+            <a:cxnSpLocks/>
+          </p:cNvCxnSpPr>
+          <p:nvPr/>
+        </p:nvCxnSpPr>
+        <p:spPr>
+          <a:xfrm>
+            <a:off x="738231" y="454803"/>
+            <a:ext cx="344203" cy="484764"/>
+          </a:xfrm>
+          <a:prstGeom prst="line">
+            <a:avLst/>
+          </a:prstGeom>
+        </p:spPr>
+        <p:style>
+          <a:lnRef idx="3">
+            <a:schemeClr val="dk1"/>
+          </a:lnRef>
+          <a:fillRef idx="0">
+            <a:schemeClr val="dk1"/>
+          </a:fillRef>
+          <a:effectRef idx="2">
+            <a:schemeClr val="dk1"/>
+          </a:effectRef>
+          <a:fontRef idx="minor">
+            <a:schemeClr val="tx1"/>
+          </a:fontRef>
+        </p:style>
+      </p:cxnSp>
+      <p:cxnSp>
+        <p:nvCxnSpPr>
+          <p:cNvPr id="32" name="Connecteur droit 31">
+            <a:extLst>
+              <a:ext uri="{FF2B5EF4-FFF2-40B4-BE49-F238E27FC236}">
+                <a16:creationId xmlns:a16="http://schemas.microsoft.com/office/drawing/2014/main" id="{4AD96496-1EB6-4E48-9BB2-5C255495C686}"/>
+              </a:ext>
+            </a:extLst>
+          </p:cNvPr>
+          <p:cNvCxnSpPr>
+            <a:cxnSpLocks/>
+          </p:cNvCxnSpPr>
+          <p:nvPr/>
+        </p:nvCxnSpPr>
+        <p:spPr>
+          <a:xfrm>
+            <a:off x="1082434" y="938268"/>
+            <a:ext cx="1146585" cy="0"/>
+          </a:xfrm>
+          <a:prstGeom prst="line">
+            <a:avLst/>
+          </a:prstGeom>
+        </p:spPr>
+        <p:style>
+          <a:lnRef idx="3">
+            <a:schemeClr val="dk1"/>
+          </a:lnRef>
+          <a:fillRef idx="0">
+            <a:schemeClr val="dk1"/>
+          </a:fillRef>
+          <a:effectRef idx="2">
+            <a:schemeClr val="dk1"/>
+          </a:effectRef>
+          <a:fontRef idx="minor">
+            <a:schemeClr val="tx1"/>
+          </a:fontRef>
+        </p:style>
+      </p:cxnSp>
+      <p:cxnSp>
+        <p:nvCxnSpPr>
+          <p:cNvPr id="51" name="Connecteur droit 50">
+            <a:extLst>
+              <a:ext uri="{FF2B5EF4-FFF2-40B4-BE49-F238E27FC236}">
+                <a16:creationId xmlns:a16="http://schemas.microsoft.com/office/drawing/2014/main" id="{C035BFA6-ECBF-4775-BA81-19D2CA41AA8D}"/>
+              </a:ext>
+            </a:extLst>
+          </p:cNvPr>
+          <p:cNvCxnSpPr>
+            <a:cxnSpLocks/>
+          </p:cNvCxnSpPr>
+          <p:nvPr/>
+        </p:nvCxnSpPr>
+        <p:spPr>
+          <a:xfrm>
+            <a:off x="9402704" y="465201"/>
+            <a:ext cx="344203" cy="495163"/>
+          </a:xfrm>
+          <a:prstGeom prst="line">
+            <a:avLst/>
+          </a:prstGeom>
+        </p:spPr>
+        <p:style>
+          <a:lnRef idx="3">
+            <a:schemeClr val="dk1"/>
+          </a:lnRef>
+          <a:fillRef idx="0">
+            <a:schemeClr val="dk1"/>
+          </a:fillRef>
+          <a:effectRef idx="2">
+            <a:schemeClr val="dk1"/>
+          </a:effectRef>
+          <a:fontRef idx="minor">
+            <a:schemeClr val="tx1"/>
+          </a:fontRef>
+        </p:style>
+      </p:cxnSp>
+      <p:cxnSp>
+        <p:nvCxnSpPr>
+          <p:cNvPr id="52" name="Connecteur droit 51">
+            <a:extLst>
+              <a:ext uri="{FF2B5EF4-FFF2-40B4-BE49-F238E27FC236}">
+                <a16:creationId xmlns:a16="http://schemas.microsoft.com/office/drawing/2014/main" id="{FA310BC7-694B-4984-99A2-61A1F4F6EBF9}"/>
+              </a:ext>
+            </a:extLst>
+          </p:cNvPr>
+          <p:cNvCxnSpPr>
+            <a:cxnSpLocks/>
+          </p:cNvCxnSpPr>
+          <p:nvPr/>
+        </p:nvCxnSpPr>
+        <p:spPr>
+          <a:xfrm flipH="1">
+            <a:off x="11370469" y="448308"/>
+            <a:ext cx="364332" cy="501657"/>
+          </a:xfrm>
+          <a:prstGeom prst="line">
+            <a:avLst/>
+          </a:prstGeom>
+        </p:spPr>
+        <p:style>
+          <a:lnRef idx="3">
+            <a:schemeClr val="dk1"/>
+          </a:lnRef>
+          <a:fillRef idx="0">
+            <a:schemeClr val="dk1"/>
+          </a:fillRef>
+          <a:effectRef idx="2">
+            <a:schemeClr val="dk1"/>
+          </a:effectRef>
+          <a:fontRef idx="minor">
+            <a:schemeClr val="tx1"/>
+          </a:fontRef>
+        </p:style>
+      </p:cxnSp>
+      <p:cxnSp>
+        <p:nvCxnSpPr>
+          <p:cNvPr id="53" name="Connecteur droit 52">
+            <a:extLst>
+              <a:ext uri="{FF2B5EF4-FFF2-40B4-BE49-F238E27FC236}">
+                <a16:creationId xmlns:a16="http://schemas.microsoft.com/office/drawing/2014/main" id="{BE0649BD-EE59-4DDA-960F-95B2572F9F13}"/>
+              </a:ext>
+            </a:extLst>
+          </p:cNvPr>
+          <p:cNvCxnSpPr>
+            <a:cxnSpLocks/>
+          </p:cNvCxnSpPr>
+          <p:nvPr/>
+        </p:nvCxnSpPr>
+        <p:spPr>
+          <a:xfrm>
+            <a:off x="9743203" y="949965"/>
+            <a:ext cx="1627266" cy="0"/>
+          </a:xfrm>
+          <a:prstGeom prst="line">
+            <a:avLst/>
+          </a:prstGeom>
+        </p:spPr>
+        <p:style>
+          <a:lnRef idx="3">
+            <a:schemeClr val="dk1"/>
+          </a:lnRef>
+          <a:fillRef idx="0">
+            <a:schemeClr val="dk1"/>
+          </a:fillRef>
+          <a:effectRef idx="2">
+            <a:schemeClr val="dk1"/>
+          </a:effectRef>
+          <a:fontRef idx="minor">
+            <a:schemeClr val="tx1"/>
+          </a:fontRef>
+        </p:style>
+      </p:cxnSp>
+      <p:cxnSp>
+        <p:nvCxnSpPr>
+          <p:cNvPr id="55" name="Connecteur droit 54">
+            <a:extLst>
+              <a:ext uri="{FF2B5EF4-FFF2-40B4-BE49-F238E27FC236}">
+                <a16:creationId xmlns:a16="http://schemas.microsoft.com/office/drawing/2014/main" id="{52AA9200-DAFA-4EEF-AC13-4C7CE82A59EC}"/>
+              </a:ext>
+            </a:extLst>
+          </p:cNvPr>
+          <p:cNvCxnSpPr>
+            <a:cxnSpLocks/>
+          </p:cNvCxnSpPr>
+          <p:nvPr/>
+        </p:nvCxnSpPr>
+        <p:spPr>
+          <a:xfrm>
+            <a:off x="11715750" y="454801"/>
+            <a:ext cx="476249" cy="10400"/>
+          </a:xfrm>
+          <a:prstGeom prst="line">
+            <a:avLst/>
+          </a:prstGeom>
+        </p:spPr>
+        <p:style>
+          <a:lnRef idx="3">
+            <a:schemeClr val="dk1"/>
+          </a:lnRef>
+          <a:fillRef idx="0">
+            <a:schemeClr val="dk1"/>
+          </a:fillRef>
+          <a:effectRef idx="2">
+            <a:schemeClr val="dk1"/>
+          </a:effectRef>
+          <a:fontRef idx="minor">
+            <a:schemeClr val="tx1"/>
+          </a:fontRef>
+        </p:style>
+      </p:cxnSp>
+      <p:cxnSp>
+        <p:nvCxnSpPr>
+          <p:cNvPr id="23" name="Connecteur droit 22">
+            <a:extLst>
+              <a:ext uri="{FF2B5EF4-FFF2-40B4-BE49-F238E27FC236}">
+                <a16:creationId xmlns:a16="http://schemas.microsoft.com/office/drawing/2014/main" id="{BCB092C8-0080-4E56-957E-0046D4C83988}"/>
+              </a:ext>
+            </a:extLst>
+          </p:cNvPr>
+          <p:cNvCxnSpPr>
+            <a:cxnSpLocks/>
+          </p:cNvCxnSpPr>
+          <p:nvPr/>
+        </p:nvCxnSpPr>
+        <p:spPr>
+          <a:xfrm flipH="1">
+            <a:off x="2216372" y="446356"/>
+            <a:ext cx="364332" cy="501657"/>
+          </a:xfrm>
+          <a:prstGeom prst="line">
+            <a:avLst/>
+          </a:prstGeom>
+        </p:spPr>
+        <p:style>
+          <a:lnRef idx="3">
+            <a:schemeClr val="dk1"/>
+          </a:lnRef>
+          <a:fillRef idx="0">
+            <a:schemeClr val="dk1"/>
+          </a:fillRef>
+          <a:effectRef idx="2">
+            <a:schemeClr val="dk1"/>
+          </a:effectRef>
+          <a:fontRef idx="minor">
+            <a:schemeClr val="tx1"/>
+          </a:fontRef>
+        </p:style>
+      </p:cxnSp>
       <p:pic>
         <p:nvPicPr>
-          <p:cNvPr id="10" name="Image 9">
-            <a:extLst>
-              <a:ext uri="{FF2B5EF4-FFF2-40B4-BE49-F238E27FC236}">
-                <a16:creationId xmlns:a16="http://schemas.microsoft.com/office/drawing/2014/main" id="{8EE7436F-49F2-41E0-93E4-D247B4705294}"/>
+          <p:cNvPr id="57" name="Image 56">
+            <a:extLst>
+              <a:ext uri="{FF2B5EF4-FFF2-40B4-BE49-F238E27FC236}">
+                <a16:creationId xmlns:a16="http://schemas.microsoft.com/office/drawing/2014/main" id="{12B16FB2-5844-4B92-AE69-9BAC858C22BB}"/>
               </a:ext>
             </a:extLst>
           </p:cNvPr>
@@ -24289,385 +24631,7 @@
           <p:nvPr/>
         </p:nvPicPr>
         <p:blipFill>
-          <a:blip r:embed="rId4">
-            <a:extLst>
-              <a:ext uri="{28A0092B-C50C-407E-A947-70E740481C1C}">
-                <a14:useLocalDpi xmlns:a14="http://schemas.microsoft.com/office/drawing/2010/main" val="0"/>
-              </a:ext>
-            </a:extLst>
-          </a:blip>
-          <a:stretch>
-            <a:fillRect/>
-          </a:stretch>
-        </p:blipFill>
-        <p:spPr>
-          <a:xfrm>
-            <a:off x="9681085" y="238153"/>
-            <a:ext cx="1802101" cy="569807"/>
-          </a:xfrm>
-          <a:prstGeom prst="rect">
-            <a:avLst/>
-          </a:prstGeom>
-        </p:spPr>
-      </p:pic>
-      <p:cxnSp>
-        <p:nvCxnSpPr>
-          <p:cNvPr id="16" name="Connecteur droit 15">
-            <a:extLst>
-              <a:ext uri="{FF2B5EF4-FFF2-40B4-BE49-F238E27FC236}">
-                <a16:creationId xmlns:a16="http://schemas.microsoft.com/office/drawing/2014/main" id="{7319284A-BD6F-4A96-8E2B-E0A4B52E53C6}"/>
-              </a:ext>
-            </a:extLst>
-          </p:cNvPr>
-          <p:cNvCxnSpPr>
-            <a:cxnSpLocks/>
-          </p:cNvCxnSpPr>
-          <p:nvPr/>
-        </p:nvCxnSpPr>
-        <p:spPr>
-          <a:xfrm flipV="1">
-            <a:off x="0" y="454803"/>
-            <a:ext cx="738231" cy="1798"/>
-          </a:xfrm>
-          <a:prstGeom prst="line">
-            <a:avLst/>
-          </a:prstGeom>
-        </p:spPr>
-        <p:style>
-          <a:lnRef idx="3">
-            <a:schemeClr val="dk1"/>
-          </a:lnRef>
-          <a:fillRef idx="0">
-            <a:schemeClr val="dk1"/>
-          </a:fillRef>
-          <a:effectRef idx="2">
-            <a:schemeClr val="dk1"/>
-          </a:effectRef>
-          <a:fontRef idx="minor">
-            <a:schemeClr val="tx1"/>
-          </a:fontRef>
-        </p:style>
-      </p:cxnSp>
-      <p:cxnSp>
-        <p:nvCxnSpPr>
-          <p:cNvPr id="20" name="Connecteur droit 19">
-            <a:extLst>
-              <a:ext uri="{FF2B5EF4-FFF2-40B4-BE49-F238E27FC236}">
-                <a16:creationId xmlns:a16="http://schemas.microsoft.com/office/drawing/2014/main" id="{08874CF7-F149-4C81-B61E-74E18342BA8A}"/>
-              </a:ext>
-            </a:extLst>
-          </p:cNvPr>
-          <p:cNvCxnSpPr>
-            <a:cxnSpLocks/>
-          </p:cNvCxnSpPr>
-          <p:nvPr/>
-        </p:nvCxnSpPr>
-        <p:spPr>
-          <a:xfrm>
-            <a:off x="2573222" y="454803"/>
-            <a:ext cx="6829482" cy="10398"/>
-          </a:xfrm>
-          <a:prstGeom prst="line">
-            <a:avLst/>
-          </a:prstGeom>
-        </p:spPr>
-        <p:style>
-          <a:lnRef idx="3">
-            <a:schemeClr val="dk1"/>
-          </a:lnRef>
-          <a:fillRef idx="0">
-            <a:schemeClr val="dk1"/>
-          </a:fillRef>
-          <a:effectRef idx="2">
-            <a:schemeClr val="dk1"/>
-          </a:effectRef>
-          <a:fontRef idx="minor">
-            <a:schemeClr val="tx1"/>
-          </a:fontRef>
-        </p:style>
-      </p:cxnSp>
-      <p:cxnSp>
-        <p:nvCxnSpPr>
-          <p:cNvPr id="26" name="Connecteur droit 25">
-            <a:extLst>
-              <a:ext uri="{FF2B5EF4-FFF2-40B4-BE49-F238E27FC236}">
-                <a16:creationId xmlns:a16="http://schemas.microsoft.com/office/drawing/2014/main" id="{BB3B35CC-057B-48C1-880F-3306A6559175}"/>
-              </a:ext>
-            </a:extLst>
-          </p:cNvPr>
-          <p:cNvCxnSpPr>
-            <a:cxnSpLocks/>
-          </p:cNvCxnSpPr>
-          <p:nvPr/>
-        </p:nvCxnSpPr>
-        <p:spPr>
-          <a:xfrm>
-            <a:off x="738231" y="454803"/>
-            <a:ext cx="344203" cy="484764"/>
-          </a:xfrm>
-          <a:prstGeom prst="line">
-            <a:avLst/>
-          </a:prstGeom>
-        </p:spPr>
-        <p:style>
-          <a:lnRef idx="3">
-            <a:schemeClr val="dk1"/>
-          </a:lnRef>
-          <a:fillRef idx="0">
-            <a:schemeClr val="dk1"/>
-          </a:fillRef>
-          <a:effectRef idx="2">
-            <a:schemeClr val="dk1"/>
-          </a:effectRef>
-          <a:fontRef idx="minor">
-            <a:schemeClr val="tx1"/>
-          </a:fontRef>
-        </p:style>
-      </p:cxnSp>
-      <p:cxnSp>
-        <p:nvCxnSpPr>
-          <p:cNvPr id="32" name="Connecteur droit 31">
-            <a:extLst>
-              <a:ext uri="{FF2B5EF4-FFF2-40B4-BE49-F238E27FC236}">
-                <a16:creationId xmlns:a16="http://schemas.microsoft.com/office/drawing/2014/main" id="{4AD96496-1EB6-4E48-9BB2-5C255495C686}"/>
-              </a:ext>
-            </a:extLst>
-          </p:cNvPr>
-          <p:cNvCxnSpPr>
-            <a:cxnSpLocks/>
-          </p:cNvCxnSpPr>
-          <p:nvPr/>
-        </p:nvCxnSpPr>
-        <p:spPr>
-          <a:xfrm>
-            <a:off x="1082434" y="938268"/>
-            <a:ext cx="1146585" cy="0"/>
-          </a:xfrm>
-          <a:prstGeom prst="line">
-            <a:avLst/>
-          </a:prstGeom>
-        </p:spPr>
-        <p:style>
-          <a:lnRef idx="3">
-            <a:schemeClr val="dk1"/>
-          </a:lnRef>
-          <a:fillRef idx="0">
-            <a:schemeClr val="dk1"/>
-          </a:fillRef>
-          <a:effectRef idx="2">
-            <a:schemeClr val="dk1"/>
-          </a:effectRef>
-          <a:fontRef idx="minor">
-            <a:schemeClr val="tx1"/>
-          </a:fontRef>
-        </p:style>
-      </p:cxnSp>
-      <p:cxnSp>
-        <p:nvCxnSpPr>
-          <p:cNvPr id="51" name="Connecteur droit 50">
-            <a:extLst>
-              <a:ext uri="{FF2B5EF4-FFF2-40B4-BE49-F238E27FC236}">
-                <a16:creationId xmlns:a16="http://schemas.microsoft.com/office/drawing/2014/main" id="{C035BFA6-ECBF-4775-BA81-19D2CA41AA8D}"/>
-              </a:ext>
-            </a:extLst>
-          </p:cNvPr>
-          <p:cNvCxnSpPr>
-            <a:cxnSpLocks/>
-          </p:cNvCxnSpPr>
-          <p:nvPr/>
-        </p:nvCxnSpPr>
-        <p:spPr>
-          <a:xfrm>
-            <a:off x="9402704" y="465201"/>
-            <a:ext cx="344203" cy="495163"/>
-          </a:xfrm>
-          <a:prstGeom prst="line">
-            <a:avLst/>
-          </a:prstGeom>
-        </p:spPr>
-        <p:style>
-          <a:lnRef idx="3">
-            <a:schemeClr val="dk1"/>
-          </a:lnRef>
-          <a:fillRef idx="0">
-            <a:schemeClr val="dk1"/>
-          </a:fillRef>
-          <a:effectRef idx="2">
-            <a:schemeClr val="dk1"/>
-          </a:effectRef>
-          <a:fontRef idx="minor">
-            <a:schemeClr val="tx1"/>
-          </a:fontRef>
-        </p:style>
-      </p:cxnSp>
-      <p:cxnSp>
-        <p:nvCxnSpPr>
-          <p:cNvPr id="52" name="Connecteur droit 51">
-            <a:extLst>
-              <a:ext uri="{FF2B5EF4-FFF2-40B4-BE49-F238E27FC236}">
-                <a16:creationId xmlns:a16="http://schemas.microsoft.com/office/drawing/2014/main" id="{FA310BC7-694B-4984-99A2-61A1F4F6EBF9}"/>
-              </a:ext>
-            </a:extLst>
-          </p:cNvPr>
-          <p:cNvCxnSpPr>
-            <a:cxnSpLocks/>
-          </p:cNvCxnSpPr>
-          <p:nvPr/>
-        </p:nvCxnSpPr>
-        <p:spPr>
-          <a:xfrm flipH="1">
-            <a:off x="11370469" y="448308"/>
-            <a:ext cx="364332" cy="501657"/>
-          </a:xfrm>
-          <a:prstGeom prst="line">
-            <a:avLst/>
-          </a:prstGeom>
-        </p:spPr>
-        <p:style>
-          <a:lnRef idx="3">
-            <a:schemeClr val="dk1"/>
-          </a:lnRef>
-          <a:fillRef idx="0">
-            <a:schemeClr val="dk1"/>
-          </a:fillRef>
-          <a:effectRef idx="2">
-            <a:schemeClr val="dk1"/>
-          </a:effectRef>
-          <a:fontRef idx="minor">
-            <a:schemeClr val="tx1"/>
-          </a:fontRef>
-        </p:style>
-      </p:cxnSp>
-      <p:cxnSp>
-        <p:nvCxnSpPr>
-          <p:cNvPr id="53" name="Connecteur droit 52">
-            <a:extLst>
-              <a:ext uri="{FF2B5EF4-FFF2-40B4-BE49-F238E27FC236}">
-                <a16:creationId xmlns:a16="http://schemas.microsoft.com/office/drawing/2014/main" id="{BE0649BD-EE59-4DDA-960F-95B2572F9F13}"/>
-              </a:ext>
-            </a:extLst>
-          </p:cNvPr>
-          <p:cNvCxnSpPr>
-            <a:cxnSpLocks/>
-          </p:cNvCxnSpPr>
-          <p:nvPr/>
-        </p:nvCxnSpPr>
-        <p:spPr>
-          <a:xfrm>
-            <a:off x="9743203" y="949965"/>
-            <a:ext cx="1627266" cy="0"/>
-          </a:xfrm>
-          <a:prstGeom prst="line">
-            <a:avLst/>
-          </a:prstGeom>
-        </p:spPr>
-        <p:style>
-          <a:lnRef idx="3">
-            <a:schemeClr val="dk1"/>
-          </a:lnRef>
-          <a:fillRef idx="0">
-            <a:schemeClr val="dk1"/>
-          </a:fillRef>
-          <a:effectRef idx="2">
-            <a:schemeClr val="dk1"/>
-          </a:effectRef>
-          <a:fontRef idx="minor">
-            <a:schemeClr val="tx1"/>
-          </a:fontRef>
-        </p:style>
-      </p:cxnSp>
-      <p:cxnSp>
-        <p:nvCxnSpPr>
-          <p:cNvPr id="55" name="Connecteur droit 54">
-            <a:extLst>
-              <a:ext uri="{FF2B5EF4-FFF2-40B4-BE49-F238E27FC236}">
-                <a16:creationId xmlns:a16="http://schemas.microsoft.com/office/drawing/2014/main" id="{52AA9200-DAFA-4EEF-AC13-4C7CE82A59EC}"/>
-              </a:ext>
-            </a:extLst>
-          </p:cNvPr>
-          <p:cNvCxnSpPr>
-            <a:cxnSpLocks/>
-          </p:cNvCxnSpPr>
-          <p:nvPr/>
-        </p:nvCxnSpPr>
-        <p:spPr>
-          <a:xfrm>
-            <a:off x="11715750" y="454801"/>
-            <a:ext cx="476249" cy="10400"/>
-          </a:xfrm>
-          <a:prstGeom prst="line">
-            <a:avLst/>
-          </a:prstGeom>
-        </p:spPr>
-        <p:style>
-          <a:lnRef idx="3">
-            <a:schemeClr val="dk1"/>
-          </a:lnRef>
-          <a:fillRef idx="0">
-            <a:schemeClr val="dk1"/>
-          </a:fillRef>
-          <a:effectRef idx="2">
-            <a:schemeClr val="dk1"/>
-          </a:effectRef>
-          <a:fontRef idx="minor">
-            <a:schemeClr val="tx1"/>
-          </a:fontRef>
-        </p:style>
-      </p:cxnSp>
-      <p:cxnSp>
-        <p:nvCxnSpPr>
-          <p:cNvPr id="23" name="Connecteur droit 22">
-            <a:extLst>
-              <a:ext uri="{FF2B5EF4-FFF2-40B4-BE49-F238E27FC236}">
-                <a16:creationId xmlns:a16="http://schemas.microsoft.com/office/drawing/2014/main" id="{BCB092C8-0080-4E56-957E-0046D4C83988}"/>
-              </a:ext>
-            </a:extLst>
-          </p:cNvPr>
-          <p:cNvCxnSpPr>
-            <a:cxnSpLocks/>
-          </p:cNvCxnSpPr>
-          <p:nvPr/>
-        </p:nvCxnSpPr>
-        <p:spPr>
-          <a:xfrm flipH="1">
-            <a:off x="2216372" y="446356"/>
-            <a:ext cx="364332" cy="501657"/>
-          </a:xfrm>
-          <a:prstGeom prst="line">
-            <a:avLst/>
-          </a:prstGeom>
-        </p:spPr>
-        <p:style>
-          <a:lnRef idx="3">
-            <a:schemeClr val="dk1"/>
-          </a:lnRef>
-          <a:fillRef idx="0">
-            <a:schemeClr val="dk1"/>
-          </a:fillRef>
-          <a:effectRef idx="2">
-            <a:schemeClr val="dk1"/>
-          </a:effectRef>
-          <a:fontRef idx="minor">
-            <a:schemeClr val="tx1"/>
-          </a:fontRef>
-        </p:style>
-      </p:cxnSp>
-      <p:pic>
-        <p:nvPicPr>
-          <p:cNvPr id="57" name="Image 56">
-            <a:extLst>
-              <a:ext uri="{FF2B5EF4-FFF2-40B4-BE49-F238E27FC236}">
-                <a16:creationId xmlns:a16="http://schemas.microsoft.com/office/drawing/2014/main" id="{12B16FB2-5844-4B92-AE69-9BAC858C22BB}"/>
-              </a:ext>
-            </a:extLst>
-          </p:cNvPr>
-          <p:cNvPicPr>
-            <a:picLocks noChangeAspect="1"/>
-          </p:cNvPicPr>
-          <p:nvPr/>
-        </p:nvPicPr>
-        <p:blipFill>
-          <a:blip r:embed="rId4">
+          <a:blip r:embed="rId3">
             <a:extLst>
               <a:ext uri="{28A0092B-C50C-407E-A947-70E740481C1C}">
                 <a14:useLocalDpi xmlns:a14="http://schemas.microsoft.com/office/drawing/2010/main" val="0"/>

--- a/oral_projet/revue_2/diaporama_revue_2_samuel.pptx
+++ b/oral_projet/revue_2/diaporama_revue_2_samuel.pptx
@@ -25,9 +25,9 @@
     <p:sldId id="269" r:id="rId16"/>
     <p:sldId id="268" r:id="rId17"/>
     <p:sldId id="267" r:id="rId18"/>
-    <p:sldId id="282" r:id="rId19"/>
-    <p:sldId id="278" r:id="rId20"/>
-    <p:sldId id="281" r:id="rId21"/>
+    <p:sldId id="278" r:id="rId19"/>
+    <p:sldId id="281" r:id="rId20"/>
+    <p:sldId id="282" r:id="rId21"/>
     <p:sldId id="283" r:id="rId22"/>
   </p:sldIdLst>
   <p:sldSz cx="12192000" cy="6858000"/>
@@ -221,7 +221,7 @@
           <a:p>
             <a:fld id="{7BEC4371-174F-4615-858D-8B61BA547698}" type="datetimeFigureOut">
               <a:rPr lang="fr-FR" smtClean="0"/>
-              <a:t>15/03/2018</a:t>
+              <a:t>22/03/2018</a:t>
             </a:fld>
             <a:endParaRPr lang="fr-FR"/>
           </a:p>
@@ -635,7 +635,7 @@
           <a:p>
             <a:fld id="{125942D7-A464-4365-815E-3C7EAFC3F152}" type="datetimeFigureOut">
               <a:rPr lang="fr-FR" smtClean="0"/>
-              <a:t>15/03/2018</a:t>
+              <a:t>22/03/2018</a:t>
             </a:fld>
             <a:endParaRPr lang="fr-FR"/>
           </a:p>
@@ -845,7 +845,7 @@
           <a:p>
             <a:fld id="{125942D7-A464-4365-815E-3C7EAFC3F152}" type="datetimeFigureOut">
               <a:rPr lang="fr-FR" smtClean="0"/>
-              <a:t>15/03/2018</a:t>
+              <a:t>22/03/2018</a:t>
             </a:fld>
             <a:endParaRPr lang="fr-FR"/>
           </a:p>
@@ -1065,7 +1065,7 @@
           <a:p>
             <a:fld id="{125942D7-A464-4365-815E-3C7EAFC3F152}" type="datetimeFigureOut">
               <a:rPr lang="fr-FR" smtClean="0"/>
-              <a:t>15/03/2018</a:t>
+              <a:t>22/03/2018</a:t>
             </a:fld>
             <a:endParaRPr lang="fr-FR"/>
           </a:p>
@@ -1275,7 +1275,7 @@
           <a:p>
             <a:fld id="{125942D7-A464-4365-815E-3C7EAFC3F152}" type="datetimeFigureOut">
               <a:rPr lang="fr-FR" smtClean="0"/>
-              <a:t>15/03/2018</a:t>
+              <a:t>22/03/2018</a:t>
             </a:fld>
             <a:endParaRPr lang="fr-FR"/>
           </a:p>
@@ -1562,7 +1562,7 @@
           <a:p>
             <a:fld id="{125942D7-A464-4365-815E-3C7EAFC3F152}" type="datetimeFigureOut">
               <a:rPr lang="fr-FR" smtClean="0"/>
-              <a:t>15/03/2018</a:t>
+              <a:t>22/03/2018</a:t>
             </a:fld>
             <a:endParaRPr lang="fr-FR"/>
           </a:p>
@@ -1839,7 +1839,7 @@
           <a:p>
             <a:fld id="{125942D7-A464-4365-815E-3C7EAFC3F152}" type="datetimeFigureOut">
               <a:rPr lang="fr-FR" smtClean="0"/>
-              <a:t>15/03/2018</a:t>
+              <a:t>22/03/2018</a:t>
             </a:fld>
             <a:endParaRPr lang="fr-FR"/>
           </a:p>
@@ -2263,7 +2263,7 @@
           <a:p>
             <a:fld id="{125942D7-A464-4365-815E-3C7EAFC3F152}" type="datetimeFigureOut">
               <a:rPr lang="fr-FR" smtClean="0"/>
-              <a:t>15/03/2018</a:t>
+              <a:t>22/03/2018</a:t>
             </a:fld>
             <a:endParaRPr lang="fr-FR"/>
           </a:p>
@@ -2416,7 +2416,7 @@
           <a:p>
             <a:fld id="{125942D7-A464-4365-815E-3C7EAFC3F152}" type="datetimeFigureOut">
               <a:rPr lang="fr-FR" smtClean="0"/>
-              <a:t>15/03/2018</a:t>
+              <a:t>22/03/2018</a:t>
             </a:fld>
             <a:endParaRPr lang="fr-FR"/>
           </a:p>
@@ -2541,7 +2541,7 @@
           <a:p>
             <a:fld id="{125942D7-A464-4365-815E-3C7EAFC3F152}" type="datetimeFigureOut">
               <a:rPr lang="fr-FR" smtClean="0"/>
-              <a:t>15/03/2018</a:t>
+              <a:t>22/03/2018</a:t>
             </a:fld>
             <a:endParaRPr lang="fr-FR"/>
           </a:p>
@@ -2864,7 +2864,7 @@
           <a:p>
             <a:fld id="{125942D7-A464-4365-815E-3C7EAFC3F152}" type="datetimeFigureOut">
               <a:rPr lang="fr-FR" smtClean="0"/>
-              <a:t>15/03/2018</a:t>
+              <a:t>22/03/2018</a:t>
             </a:fld>
             <a:endParaRPr lang="fr-FR"/>
           </a:p>
@@ -3164,7 +3164,7 @@
           <a:p>
             <a:fld id="{125942D7-A464-4365-815E-3C7EAFC3F152}" type="datetimeFigureOut">
               <a:rPr lang="fr-FR" smtClean="0"/>
-              <a:t>15/03/2018</a:t>
+              <a:t>22/03/2018</a:t>
             </a:fld>
             <a:endParaRPr lang="fr-FR"/>
           </a:p>
@@ -3417,7 +3417,7 @@
           <a:p>
             <a:fld id="{125942D7-A464-4365-815E-3C7EAFC3F152}" type="datetimeFigureOut">
               <a:rPr lang="fr-FR" smtClean="0"/>
-              <a:t>15/03/2018</a:t>
+              <a:t>22/03/2018</a:t>
             </a:fld>
             <a:endParaRPr lang="fr-FR"/>
           </a:p>
@@ -11430,1122 +11430,6 @@
           </a:fontRef>
         </p:style>
       </p:cxnSp>
-      <p:pic>
-        <p:nvPicPr>
-          <p:cNvPr id="3" name="Image 2">
-            <a:extLst>
-              <a:ext uri="{FF2B5EF4-FFF2-40B4-BE49-F238E27FC236}">
-                <a16:creationId xmlns:a16="http://schemas.microsoft.com/office/drawing/2014/main" id="{5AB4EF81-71F6-47DE-B2B4-725F8472F5BA}"/>
-              </a:ext>
-            </a:extLst>
-          </p:cNvPr>
-          <p:cNvPicPr>
-            <a:picLocks noChangeAspect="1"/>
-          </p:cNvPicPr>
-          <p:nvPr/>
-        </p:nvPicPr>
-        <p:blipFill>
-          <a:blip r:embed="rId4">
-            <a:extLst>
-              <a:ext uri="{28A0092B-C50C-407E-A947-70E740481C1C}">
-                <a14:useLocalDpi xmlns:a14="http://schemas.microsoft.com/office/drawing/2010/main" val="0"/>
-              </a:ext>
-            </a:extLst>
-          </a:blip>
-          <a:stretch>
-            <a:fillRect/>
-          </a:stretch>
-        </p:blipFill>
-        <p:spPr>
-          <a:xfrm>
-            <a:off x="1618787" y="890658"/>
-            <a:ext cx="8994163" cy="6116030"/>
-          </a:xfrm>
-          <a:prstGeom prst="rect">
-            <a:avLst/>
-          </a:prstGeom>
-        </p:spPr>
-      </p:pic>
-      <p:cxnSp>
-        <p:nvCxnSpPr>
-          <p:cNvPr id="55" name="Connecteur droit 54">
-            <a:extLst>
-              <a:ext uri="{FF2B5EF4-FFF2-40B4-BE49-F238E27FC236}">
-                <a16:creationId xmlns:a16="http://schemas.microsoft.com/office/drawing/2014/main" id="{52AA9200-DAFA-4EEF-AC13-4C7CE82A59EC}"/>
-              </a:ext>
-            </a:extLst>
-          </p:cNvPr>
-          <p:cNvCxnSpPr>
-            <a:cxnSpLocks/>
-          </p:cNvCxnSpPr>
-          <p:nvPr/>
-        </p:nvCxnSpPr>
-        <p:spPr>
-          <a:xfrm>
-            <a:off x="11715750" y="454801"/>
-            <a:ext cx="476249" cy="10400"/>
-          </a:xfrm>
-          <a:prstGeom prst="line">
-            <a:avLst/>
-          </a:prstGeom>
-        </p:spPr>
-        <p:style>
-          <a:lnRef idx="3">
-            <a:schemeClr val="dk1"/>
-          </a:lnRef>
-          <a:fillRef idx="0">
-            <a:schemeClr val="dk1"/>
-          </a:fillRef>
-          <a:effectRef idx="2">
-            <a:schemeClr val="dk1"/>
-          </a:effectRef>
-          <a:fontRef idx="minor">
-            <a:schemeClr val="tx1"/>
-          </a:fontRef>
-        </p:style>
-      </p:cxnSp>
-      <p:cxnSp>
-        <p:nvCxnSpPr>
-          <p:cNvPr id="23" name="Connecteur droit 22">
-            <a:extLst>
-              <a:ext uri="{FF2B5EF4-FFF2-40B4-BE49-F238E27FC236}">
-                <a16:creationId xmlns:a16="http://schemas.microsoft.com/office/drawing/2014/main" id="{BCB092C8-0080-4E56-957E-0046D4C83988}"/>
-              </a:ext>
-            </a:extLst>
-          </p:cNvPr>
-          <p:cNvCxnSpPr>
-            <a:cxnSpLocks/>
-          </p:cNvCxnSpPr>
-          <p:nvPr/>
-        </p:nvCxnSpPr>
-        <p:spPr>
-          <a:xfrm flipH="1">
-            <a:off x="2216372" y="446356"/>
-            <a:ext cx="364332" cy="501657"/>
-          </a:xfrm>
-          <a:prstGeom prst="line">
-            <a:avLst/>
-          </a:prstGeom>
-        </p:spPr>
-        <p:style>
-          <a:lnRef idx="3">
-            <a:schemeClr val="dk1"/>
-          </a:lnRef>
-          <a:fillRef idx="0">
-            <a:schemeClr val="dk1"/>
-          </a:fillRef>
-          <a:effectRef idx="2">
-            <a:schemeClr val="dk1"/>
-          </a:effectRef>
-          <a:fontRef idx="minor">
-            <a:schemeClr val="tx1"/>
-          </a:fontRef>
-        </p:style>
-      </p:cxnSp>
-      <p:pic>
-        <p:nvPicPr>
-          <p:cNvPr id="7" name="Image 6">
-            <a:extLst>
-              <a:ext uri="{FF2B5EF4-FFF2-40B4-BE49-F238E27FC236}">
-                <a16:creationId xmlns:a16="http://schemas.microsoft.com/office/drawing/2014/main" id="{DF418CA6-5E5A-4E1A-900C-3AFF7FFE8B6C}"/>
-              </a:ext>
-            </a:extLst>
-          </p:cNvPr>
-          <p:cNvPicPr>
-            <a:picLocks noChangeAspect="1"/>
-          </p:cNvPicPr>
-          <p:nvPr/>
-        </p:nvPicPr>
-        <p:blipFill>
-          <a:blip r:embed="rId5">
-            <a:extLst>
-              <a:ext uri="{28A0092B-C50C-407E-A947-70E740481C1C}">
-                <a14:useLocalDpi xmlns:a14="http://schemas.microsoft.com/office/drawing/2010/main" val="0"/>
-              </a:ext>
-            </a:extLst>
-          </a:blip>
-          <a:stretch>
-            <a:fillRect/>
-          </a:stretch>
-        </p:blipFill>
-        <p:spPr>
-          <a:xfrm>
-            <a:off x="3742962" y="1169529"/>
-            <a:ext cx="762106" cy="762106"/>
-          </a:xfrm>
-          <a:prstGeom prst="rect">
-            <a:avLst/>
-          </a:prstGeom>
-          <a:ln>
-            <a:noFill/>
-          </a:ln>
-          <a:effectLst>
-            <a:outerShdw blurRad="190500" algn="tl" rotWithShape="0">
-              <a:srgbClr val="000000">
-                <a:alpha val="70000"/>
-              </a:srgbClr>
-            </a:outerShdw>
-          </a:effectLst>
-        </p:spPr>
-      </p:pic>
-      <p:pic>
-        <p:nvPicPr>
-          <p:cNvPr id="11" name="Image 10">
-            <a:extLst>
-              <a:ext uri="{FF2B5EF4-FFF2-40B4-BE49-F238E27FC236}">
-                <a16:creationId xmlns:a16="http://schemas.microsoft.com/office/drawing/2014/main" id="{296FA85B-98C4-420D-8E11-18D7EDC0AF8B}"/>
-              </a:ext>
-            </a:extLst>
-          </p:cNvPr>
-          <p:cNvPicPr>
-            <a:picLocks noChangeAspect="1"/>
-          </p:cNvPicPr>
-          <p:nvPr/>
-        </p:nvPicPr>
-        <p:blipFill>
-          <a:blip r:embed="rId6">
-            <a:extLst>
-              <a:ext uri="{28A0092B-C50C-407E-A947-70E740481C1C}">
-                <a14:useLocalDpi xmlns:a14="http://schemas.microsoft.com/office/drawing/2010/main" val="0"/>
-              </a:ext>
-            </a:extLst>
-          </a:blip>
-          <a:stretch>
-            <a:fillRect/>
-          </a:stretch>
-        </p:blipFill>
-        <p:spPr>
-          <a:xfrm>
-            <a:off x="471572" y="1294076"/>
-            <a:ext cx="738231" cy="765572"/>
-          </a:xfrm>
-          <a:prstGeom prst="rect">
-            <a:avLst/>
-          </a:prstGeom>
-          <a:ln>
-            <a:noFill/>
-          </a:ln>
-          <a:effectLst>
-            <a:outerShdw blurRad="190500" algn="tl" rotWithShape="0">
-              <a:srgbClr val="000000">
-                <a:alpha val="70000"/>
-              </a:srgbClr>
-            </a:outerShdw>
-          </a:effectLst>
-        </p:spPr>
-      </p:pic>
-      <p:pic>
-        <p:nvPicPr>
-          <p:cNvPr id="13" name="Image 12">
-            <a:extLst>
-              <a:ext uri="{FF2B5EF4-FFF2-40B4-BE49-F238E27FC236}">
-                <a16:creationId xmlns:a16="http://schemas.microsoft.com/office/drawing/2014/main" id="{F4D60C05-C6F5-415F-B606-17DFCA17FD41}"/>
-              </a:ext>
-            </a:extLst>
-          </p:cNvPr>
-          <p:cNvPicPr>
-            <a:picLocks noChangeAspect="1"/>
-          </p:cNvPicPr>
-          <p:nvPr/>
-        </p:nvPicPr>
-        <p:blipFill>
-          <a:blip r:embed="rId7">
-            <a:extLst>
-              <a:ext uri="{28A0092B-C50C-407E-A947-70E740481C1C}">
-                <a14:useLocalDpi xmlns:a14="http://schemas.microsoft.com/office/drawing/2010/main" val="0"/>
-              </a:ext>
-            </a:extLst>
-          </a:blip>
-          <a:stretch>
-            <a:fillRect/>
-          </a:stretch>
-        </p:blipFill>
-        <p:spPr>
-          <a:xfrm>
-            <a:off x="1992477" y="1931635"/>
-            <a:ext cx="762106" cy="762106"/>
-          </a:xfrm>
-          <a:prstGeom prst="rect">
-            <a:avLst/>
-          </a:prstGeom>
-          <a:ln>
-            <a:noFill/>
-          </a:ln>
-          <a:effectLst>
-            <a:outerShdw blurRad="190500" algn="tl" rotWithShape="0">
-              <a:srgbClr val="000000">
-                <a:alpha val="70000"/>
-              </a:srgbClr>
-            </a:outerShdw>
-          </a:effectLst>
-        </p:spPr>
-      </p:pic>
-      <p:pic>
-        <p:nvPicPr>
-          <p:cNvPr id="15" name="Image 14">
-            <a:extLst>
-              <a:ext uri="{FF2B5EF4-FFF2-40B4-BE49-F238E27FC236}">
-                <a16:creationId xmlns:a16="http://schemas.microsoft.com/office/drawing/2014/main" id="{BF755B4E-32C3-46B1-BF3B-8A9FDD073D02}"/>
-              </a:ext>
-            </a:extLst>
-          </p:cNvPr>
-          <p:cNvPicPr>
-            <a:picLocks noChangeAspect="1"/>
-          </p:cNvPicPr>
-          <p:nvPr/>
-        </p:nvPicPr>
-        <p:blipFill>
-          <a:blip r:embed="rId8">
-            <a:extLst>
-              <a:ext uri="{28A0092B-C50C-407E-A947-70E740481C1C}">
-                <a14:useLocalDpi xmlns:a14="http://schemas.microsoft.com/office/drawing/2010/main" val="0"/>
-              </a:ext>
-            </a:extLst>
-          </a:blip>
-          <a:stretch>
-            <a:fillRect/>
-          </a:stretch>
-        </p:blipFill>
-        <p:spPr>
-          <a:xfrm>
-            <a:off x="6760375" y="4892055"/>
-            <a:ext cx="1161644" cy="1161644"/>
-          </a:xfrm>
-          <a:prstGeom prst="rect">
-            <a:avLst/>
-          </a:prstGeom>
-          <a:ln>
-            <a:noFill/>
-          </a:ln>
-          <a:effectLst>
-            <a:outerShdw blurRad="190500" algn="tl" rotWithShape="0">
-              <a:srgbClr val="000000">
-                <a:alpha val="70000"/>
-              </a:srgbClr>
-            </a:outerShdw>
-          </a:effectLst>
-        </p:spPr>
-      </p:pic>
-      <p:pic>
-        <p:nvPicPr>
-          <p:cNvPr id="18" name="Image 17">
-            <a:extLst>
-              <a:ext uri="{FF2B5EF4-FFF2-40B4-BE49-F238E27FC236}">
-                <a16:creationId xmlns:a16="http://schemas.microsoft.com/office/drawing/2014/main" id="{60B1563D-BE8E-40DA-9D50-991FF96A7E2A}"/>
-              </a:ext>
-            </a:extLst>
-          </p:cNvPr>
-          <p:cNvPicPr>
-            <a:picLocks noChangeAspect="1"/>
-          </p:cNvPicPr>
-          <p:nvPr/>
-        </p:nvPicPr>
-        <p:blipFill>
-          <a:blip r:embed="rId9">
-            <a:extLst>
-              <a:ext uri="{28A0092B-C50C-407E-A947-70E740481C1C}">
-                <a14:useLocalDpi xmlns:a14="http://schemas.microsoft.com/office/drawing/2010/main" val="0"/>
-              </a:ext>
-            </a:extLst>
-          </a:blip>
-          <a:stretch>
-            <a:fillRect/>
-          </a:stretch>
-        </p:blipFill>
-        <p:spPr>
-          <a:xfrm>
-            <a:off x="8973356" y="2149999"/>
-            <a:ext cx="762106" cy="762106"/>
-          </a:xfrm>
-          <a:prstGeom prst="rect">
-            <a:avLst/>
-          </a:prstGeom>
-          <a:ln>
-            <a:noFill/>
-          </a:ln>
-          <a:effectLst>
-            <a:outerShdw blurRad="190500" algn="tl" rotWithShape="0">
-              <a:srgbClr val="000000">
-                <a:alpha val="70000"/>
-              </a:srgbClr>
-            </a:outerShdw>
-          </a:effectLst>
-        </p:spPr>
-      </p:pic>
-      <p:pic>
-        <p:nvPicPr>
-          <p:cNvPr id="21" name="Image 20">
-            <a:extLst>
-              <a:ext uri="{FF2B5EF4-FFF2-40B4-BE49-F238E27FC236}">
-                <a16:creationId xmlns:a16="http://schemas.microsoft.com/office/drawing/2014/main" id="{E4D53F4F-5F96-4A48-93EA-D0329A4AB361}"/>
-              </a:ext>
-            </a:extLst>
-          </p:cNvPr>
-          <p:cNvPicPr>
-            <a:picLocks noChangeAspect="1"/>
-          </p:cNvPicPr>
-          <p:nvPr/>
-        </p:nvPicPr>
-        <p:blipFill>
-          <a:blip r:embed="rId10">
-            <a:extLst>
-              <a:ext uri="{28A0092B-C50C-407E-A947-70E740481C1C}">
-                <a14:useLocalDpi xmlns:a14="http://schemas.microsoft.com/office/drawing/2010/main" val="0"/>
-              </a:ext>
-            </a:extLst>
-          </a:blip>
-          <a:stretch>
-            <a:fillRect/>
-          </a:stretch>
-        </p:blipFill>
-        <p:spPr>
-          <a:xfrm>
-            <a:off x="7188613" y="797054"/>
-            <a:ext cx="994045" cy="994045"/>
-          </a:xfrm>
-          <a:prstGeom prst="rect">
-            <a:avLst/>
-          </a:prstGeom>
-          <a:ln>
-            <a:noFill/>
-          </a:ln>
-          <a:effectLst>
-            <a:outerShdw blurRad="190500" algn="tl" rotWithShape="0">
-              <a:srgbClr val="000000">
-                <a:alpha val="70000"/>
-              </a:srgbClr>
-            </a:outerShdw>
-          </a:effectLst>
-        </p:spPr>
-      </p:pic>
-    </p:spTree>
-    <p:extLst>
-      <p:ext uri="{BB962C8B-B14F-4D97-AF65-F5344CB8AC3E}">
-        <p14:creationId xmlns:p14="http://schemas.microsoft.com/office/powerpoint/2010/main" val="2808118527"/>
-      </p:ext>
-    </p:extLst>
-  </p:cSld>
-  <p:clrMapOvr>
-    <a:masterClrMapping/>
-  </p:clrMapOvr>
-  <mc:AlternateContent xmlns:mc="http://schemas.openxmlformats.org/markup-compatibility/2006" xmlns:p14="http://schemas.microsoft.com/office/powerpoint/2010/main">
-    <mc:Choice Requires="p14">
-      <p:transition spd="med">
-        <p14:reveal/>
-      </p:transition>
-    </mc:Choice>
-    <mc:Fallback xmlns="">
-      <p:transition spd="med">
-        <p:fade/>
-      </p:transition>
-    </mc:Fallback>
-  </mc:AlternateContent>
-  <p:timing>
-    <p:tnLst>
-      <p:par>
-        <p:cTn id="1" dur="indefinite" restart="never" nodeType="tmRoot">
-          <p:childTnLst>
-            <p:seq concurrent="1" nextAc="seek">
-              <p:cTn id="2" dur="indefinite" nodeType="mainSeq">
-                <p:childTnLst>
-                  <p:par>
-                    <p:cTn id="3" fill="hold">
-                      <p:stCondLst>
-                        <p:cond delay="indefinite"/>
-                      </p:stCondLst>
-                      <p:childTnLst>
-                        <p:par>
-                          <p:cTn id="4" fill="hold">
-                            <p:stCondLst>
-                              <p:cond delay="0"/>
-                            </p:stCondLst>
-                            <p:childTnLst>
-                              <p:par>
-                                <p:cTn id="5" presetID="10" presetClass="entr" presetSubtype="0" fill="hold" nodeType="clickEffect">
-                                  <p:stCondLst>
-                                    <p:cond delay="0"/>
-                                  </p:stCondLst>
-                                  <p:childTnLst>
-                                    <p:set>
-                                      <p:cBhvr>
-                                        <p:cTn id="6" dur="1" fill="hold">
-                                          <p:stCondLst>
-                                            <p:cond delay="0"/>
-                                          </p:stCondLst>
-                                        </p:cTn>
-                                        <p:tgtEl>
-                                          <p:spTgt spid="11"/>
-                                        </p:tgtEl>
-                                        <p:attrNameLst>
-                                          <p:attrName>style.visibility</p:attrName>
-                                        </p:attrNameLst>
-                                      </p:cBhvr>
-                                      <p:to>
-                                        <p:strVal val="visible"/>
-                                      </p:to>
-                                    </p:set>
-                                    <p:animEffect transition="in" filter="fade">
-                                      <p:cBhvr>
-                                        <p:cTn id="7" dur="500"/>
-                                        <p:tgtEl>
-                                          <p:spTgt spid="11"/>
-                                        </p:tgtEl>
-                                      </p:cBhvr>
-                                    </p:animEffect>
-                                  </p:childTnLst>
-                                </p:cTn>
-                              </p:par>
-                            </p:childTnLst>
-                          </p:cTn>
-                        </p:par>
-                      </p:childTnLst>
-                    </p:cTn>
-                  </p:par>
-                  <p:par>
-                    <p:cTn id="8" fill="hold">
-                      <p:stCondLst>
-                        <p:cond delay="indefinite"/>
-                      </p:stCondLst>
-                      <p:childTnLst>
-                        <p:par>
-                          <p:cTn id="9" fill="hold">
-                            <p:stCondLst>
-                              <p:cond delay="0"/>
-                            </p:stCondLst>
-                            <p:childTnLst>
-                              <p:par>
-                                <p:cTn id="10" presetID="10" presetClass="entr" presetSubtype="0" fill="hold" nodeType="clickEffect">
-                                  <p:stCondLst>
-                                    <p:cond delay="0"/>
-                                  </p:stCondLst>
-                                  <p:childTnLst>
-                                    <p:set>
-                                      <p:cBhvr>
-                                        <p:cTn id="11" dur="1" fill="hold">
-                                          <p:stCondLst>
-                                            <p:cond delay="0"/>
-                                          </p:stCondLst>
-                                        </p:cTn>
-                                        <p:tgtEl>
-                                          <p:spTgt spid="13"/>
-                                        </p:tgtEl>
-                                        <p:attrNameLst>
-                                          <p:attrName>style.visibility</p:attrName>
-                                        </p:attrNameLst>
-                                      </p:cBhvr>
-                                      <p:to>
-                                        <p:strVal val="visible"/>
-                                      </p:to>
-                                    </p:set>
-                                    <p:animEffect transition="in" filter="fade">
-                                      <p:cBhvr>
-                                        <p:cTn id="12" dur="500"/>
-                                        <p:tgtEl>
-                                          <p:spTgt spid="13"/>
-                                        </p:tgtEl>
-                                      </p:cBhvr>
-                                    </p:animEffect>
-                                  </p:childTnLst>
-                                </p:cTn>
-                              </p:par>
-                            </p:childTnLst>
-                          </p:cTn>
-                        </p:par>
-                      </p:childTnLst>
-                    </p:cTn>
-                  </p:par>
-                  <p:par>
-                    <p:cTn id="13" fill="hold">
-                      <p:stCondLst>
-                        <p:cond delay="indefinite"/>
-                      </p:stCondLst>
-                      <p:childTnLst>
-                        <p:par>
-                          <p:cTn id="14" fill="hold">
-                            <p:stCondLst>
-                              <p:cond delay="0"/>
-                            </p:stCondLst>
-                            <p:childTnLst>
-                              <p:par>
-                                <p:cTn id="15" presetID="10" presetClass="entr" presetSubtype="0" fill="hold" nodeType="clickEffect">
-                                  <p:stCondLst>
-                                    <p:cond delay="0"/>
-                                  </p:stCondLst>
-                                  <p:childTnLst>
-                                    <p:set>
-                                      <p:cBhvr>
-                                        <p:cTn id="16" dur="1" fill="hold">
-                                          <p:stCondLst>
-                                            <p:cond delay="0"/>
-                                          </p:stCondLst>
-                                        </p:cTn>
-                                        <p:tgtEl>
-                                          <p:spTgt spid="7"/>
-                                        </p:tgtEl>
-                                        <p:attrNameLst>
-                                          <p:attrName>style.visibility</p:attrName>
-                                        </p:attrNameLst>
-                                      </p:cBhvr>
-                                      <p:to>
-                                        <p:strVal val="visible"/>
-                                      </p:to>
-                                    </p:set>
-                                    <p:animEffect transition="in" filter="fade">
-                                      <p:cBhvr>
-                                        <p:cTn id="17" dur="500"/>
-                                        <p:tgtEl>
-                                          <p:spTgt spid="7"/>
-                                        </p:tgtEl>
-                                      </p:cBhvr>
-                                    </p:animEffect>
-                                  </p:childTnLst>
-                                </p:cTn>
-                              </p:par>
-                            </p:childTnLst>
-                          </p:cTn>
-                        </p:par>
-                      </p:childTnLst>
-                    </p:cTn>
-                  </p:par>
-                  <p:par>
-                    <p:cTn id="18" fill="hold">
-                      <p:stCondLst>
-                        <p:cond delay="indefinite"/>
-                      </p:stCondLst>
-                      <p:childTnLst>
-                        <p:par>
-                          <p:cTn id="19" fill="hold">
-                            <p:stCondLst>
-                              <p:cond delay="0"/>
-                            </p:stCondLst>
-                            <p:childTnLst>
-                              <p:par>
-                                <p:cTn id="20" presetID="10" presetClass="entr" presetSubtype="0" fill="hold" nodeType="clickEffect">
-                                  <p:stCondLst>
-                                    <p:cond delay="0"/>
-                                  </p:stCondLst>
-                                  <p:childTnLst>
-                                    <p:set>
-                                      <p:cBhvr>
-                                        <p:cTn id="21" dur="1" fill="hold">
-                                          <p:stCondLst>
-                                            <p:cond delay="0"/>
-                                          </p:stCondLst>
-                                        </p:cTn>
-                                        <p:tgtEl>
-                                          <p:spTgt spid="21"/>
-                                        </p:tgtEl>
-                                        <p:attrNameLst>
-                                          <p:attrName>style.visibility</p:attrName>
-                                        </p:attrNameLst>
-                                      </p:cBhvr>
-                                      <p:to>
-                                        <p:strVal val="visible"/>
-                                      </p:to>
-                                    </p:set>
-                                    <p:animEffect transition="in" filter="fade">
-                                      <p:cBhvr>
-                                        <p:cTn id="22" dur="500"/>
-                                        <p:tgtEl>
-                                          <p:spTgt spid="21"/>
-                                        </p:tgtEl>
-                                      </p:cBhvr>
-                                    </p:animEffect>
-                                  </p:childTnLst>
-                                </p:cTn>
-                              </p:par>
-                            </p:childTnLst>
-                          </p:cTn>
-                        </p:par>
-                      </p:childTnLst>
-                    </p:cTn>
-                  </p:par>
-                  <p:par>
-                    <p:cTn id="23" fill="hold">
-                      <p:stCondLst>
-                        <p:cond delay="indefinite"/>
-                      </p:stCondLst>
-                      <p:childTnLst>
-                        <p:par>
-                          <p:cTn id="24" fill="hold">
-                            <p:stCondLst>
-                              <p:cond delay="0"/>
-                            </p:stCondLst>
-                            <p:childTnLst>
-                              <p:par>
-                                <p:cTn id="25" presetID="10" presetClass="entr" presetSubtype="0" fill="hold" nodeType="clickEffect">
-                                  <p:stCondLst>
-                                    <p:cond delay="0"/>
-                                  </p:stCondLst>
-                                  <p:childTnLst>
-                                    <p:set>
-                                      <p:cBhvr>
-                                        <p:cTn id="26" dur="1" fill="hold">
-                                          <p:stCondLst>
-                                            <p:cond delay="0"/>
-                                          </p:stCondLst>
-                                        </p:cTn>
-                                        <p:tgtEl>
-                                          <p:spTgt spid="18"/>
-                                        </p:tgtEl>
-                                        <p:attrNameLst>
-                                          <p:attrName>style.visibility</p:attrName>
-                                        </p:attrNameLst>
-                                      </p:cBhvr>
-                                      <p:to>
-                                        <p:strVal val="visible"/>
-                                      </p:to>
-                                    </p:set>
-                                    <p:animEffect transition="in" filter="fade">
-                                      <p:cBhvr>
-                                        <p:cTn id="27" dur="500"/>
-                                        <p:tgtEl>
-                                          <p:spTgt spid="18"/>
-                                        </p:tgtEl>
-                                      </p:cBhvr>
-                                    </p:animEffect>
-                                  </p:childTnLst>
-                                </p:cTn>
-                              </p:par>
-                            </p:childTnLst>
-                          </p:cTn>
-                        </p:par>
-                      </p:childTnLst>
-                    </p:cTn>
-                  </p:par>
-                  <p:par>
-                    <p:cTn id="28" fill="hold">
-                      <p:stCondLst>
-                        <p:cond delay="indefinite"/>
-                      </p:stCondLst>
-                      <p:childTnLst>
-                        <p:par>
-                          <p:cTn id="29" fill="hold">
-                            <p:stCondLst>
-                              <p:cond delay="0"/>
-                            </p:stCondLst>
-                            <p:childTnLst>
-                              <p:par>
-                                <p:cTn id="30" presetID="10" presetClass="entr" presetSubtype="0" fill="hold" nodeType="clickEffect">
-                                  <p:stCondLst>
-                                    <p:cond delay="0"/>
-                                  </p:stCondLst>
-                                  <p:childTnLst>
-                                    <p:set>
-                                      <p:cBhvr>
-                                        <p:cTn id="31" dur="1" fill="hold">
-                                          <p:stCondLst>
-                                            <p:cond delay="0"/>
-                                          </p:stCondLst>
-                                        </p:cTn>
-                                        <p:tgtEl>
-                                          <p:spTgt spid="15"/>
-                                        </p:tgtEl>
-                                        <p:attrNameLst>
-                                          <p:attrName>style.visibility</p:attrName>
-                                        </p:attrNameLst>
-                                      </p:cBhvr>
-                                      <p:to>
-                                        <p:strVal val="visible"/>
-                                      </p:to>
-                                    </p:set>
-                                    <p:animEffect transition="in" filter="fade">
-                                      <p:cBhvr>
-                                        <p:cTn id="32" dur="500"/>
-                                        <p:tgtEl>
-                                          <p:spTgt spid="15"/>
-                                        </p:tgtEl>
-                                      </p:cBhvr>
-                                    </p:animEffect>
-                                  </p:childTnLst>
-                                </p:cTn>
-                              </p:par>
-                            </p:childTnLst>
-                          </p:cTn>
-                        </p:par>
-                      </p:childTnLst>
-                    </p:cTn>
-                  </p:par>
-                </p:childTnLst>
-              </p:cTn>
-              <p:prevCondLst>
-                <p:cond evt="onPrev" delay="0">
-                  <p:tgtEl>
-                    <p:sldTgt/>
-                  </p:tgtEl>
-                </p:cond>
-              </p:prevCondLst>
-              <p:nextCondLst>
-                <p:cond evt="onNext" delay="0">
-                  <p:tgtEl>
-                    <p:sldTgt/>
-                  </p:tgtEl>
-                </p:cond>
-              </p:nextCondLst>
-            </p:seq>
-          </p:childTnLst>
-        </p:cTn>
-      </p:par>
-    </p:tnLst>
-  </p:timing>
-</p:sld>
-</file>
-
-<file path=ppt/slides/slide19.xml><?xml version="1.0" encoding="utf-8"?>
-<p:sld xmlns:a="http://schemas.openxmlformats.org/drawingml/2006/main" xmlns:r="http://schemas.openxmlformats.org/officeDocument/2006/relationships" xmlns:p="http://schemas.openxmlformats.org/presentationml/2006/main">
-  <p:cSld>
-    <p:spTree>
-      <p:nvGrpSpPr>
-        <p:cNvPr id="1" name=""/>
-        <p:cNvGrpSpPr/>
-        <p:nvPr/>
-      </p:nvGrpSpPr>
-      <p:grpSpPr>
-        <a:xfrm>
-          <a:off x="0" y="0"/>
-          <a:ext cx="0" cy="0"/>
-          <a:chOff x="0" y="0"/>
-          <a:chExt cx="0" cy="0"/>
-        </a:xfrm>
-      </p:grpSpPr>
-      <p:pic>
-        <p:nvPicPr>
-          <p:cNvPr id="8" name="Image 7">
-            <a:extLst>
-              <a:ext uri="{FF2B5EF4-FFF2-40B4-BE49-F238E27FC236}">
-                <a16:creationId xmlns:a16="http://schemas.microsoft.com/office/drawing/2014/main" id="{2BB825C5-31DA-4A56-85EA-536DBF510A31}"/>
-              </a:ext>
-            </a:extLst>
-          </p:cNvPr>
-          <p:cNvPicPr>
-            <a:picLocks noChangeAspect="1"/>
-          </p:cNvPicPr>
-          <p:nvPr/>
-        </p:nvPicPr>
-        <p:blipFill>
-          <a:blip r:embed="rId2">
-            <a:extLst>
-              <a:ext uri="{28A0092B-C50C-407E-A947-70E740481C1C}">
-                <a14:useLocalDpi xmlns:a14="http://schemas.microsoft.com/office/drawing/2010/main" val="0"/>
-              </a:ext>
-            </a:extLst>
-          </a:blip>
-          <a:stretch>
-            <a:fillRect/>
-          </a:stretch>
-        </p:blipFill>
-        <p:spPr>
-          <a:xfrm>
-            <a:off x="1068751" y="66457"/>
-            <a:ext cx="1259497" cy="776690"/>
-          </a:xfrm>
-          <a:prstGeom prst="rect">
-            <a:avLst/>
-          </a:prstGeom>
-        </p:spPr>
-      </p:pic>
-      <p:pic>
-        <p:nvPicPr>
-          <p:cNvPr id="10" name="Image 9">
-            <a:extLst>
-              <a:ext uri="{FF2B5EF4-FFF2-40B4-BE49-F238E27FC236}">
-                <a16:creationId xmlns:a16="http://schemas.microsoft.com/office/drawing/2014/main" id="{8EE7436F-49F2-41E0-93E4-D247B4705294}"/>
-              </a:ext>
-            </a:extLst>
-          </p:cNvPr>
-          <p:cNvPicPr>
-            <a:picLocks noChangeAspect="1"/>
-          </p:cNvPicPr>
-          <p:nvPr/>
-        </p:nvPicPr>
-        <p:blipFill>
-          <a:blip r:embed="rId3">
-            <a:extLst>
-              <a:ext uri="{28A0092B-C50C-407E-A947-70E740481C1C}">
-                <a14:useLocalDpi xmlns:a14="http://schemas.microsoft.com/office/drawing/2010/main" val="0"/>
-              </a:ext>
-            </a:extLst>
-          </a:blip>
-          <a:stretch>
-            <a:fillRect/>
-          </a:stretch>
-        </p:blipFill>
-        <p:spPr>
-          <a:xfrm>
-            <a:off x="9681085" y="238153"/>
-            <a:ext cx="1802101" cy="569807"/>
-          </a:xfrm>
-          <a:prstGeom prst="rect">
-            <a:avLst/>
-          </a:prstGeom>
-        </p:spPr>
-      </p:pic>
-      <p:cxnSp>
-        <p:nvCxnSpPr>
-          <p:cNvPr id="16" name="Connecteur droit 15">
-            <a:extLst>
-              <a:ext uri="{FF2B5EF4-FFF2-40B4-BE49-F238E27FC236}">
-                <a16:creationId xmlns:a16="http://schemas.microsoft.com/office/drawing/2014/main" id="{7319284A-BD6F-4A96-8E2B-E0A4B52E53C6}"/>
-              </a:ext>
-            </a:extLst>
-          </p:cNvPr>
-          <p:cNvCxnSpPr>
-            <a:cxnSpLocks/>
-          </p:cNvCxnSpPr>
-          <p:nvPr/>
-        </p:nvCxnSpPr>
-        <p:spPr>
-          <a:xfrm flipV="1">
-            <a:off x="0" y="454803"/>
-            <a:ext cx="738231" cy="1798"/>
-          </a:xfrm>
-          <a:prstGeom prst="line">
-            <a:avLst/>
-          </a:prstGeom>
-        </p:spPr>
-        <p:style>
-          <a:lnRef idx="3">
-            <a:schemeClr val="dk1"/>
-          </a:lnRef>
-          <a:fillRef idx="0">
-            <a:schemeClr val="dk1"/>
-          </a:fillRef>
-          <a:effectRef idx="2">
-            <a:schemeClr val="dk1"/>
-          </a:effectRef>
-          <a:fontRef idx="minor">
-            <a:schemeClr val="tx1"/>
-          </a:fontRef>
-        </p:style>
-      </p:cxnSp>
-      <p:cxnSp>
-        <p:nvCxnSpPr>
-          <p:cNvPr id="20" name="Connecteur droit 19">
-            <a:extLst>
-              <a:ext uri="{FF2B5EF4-FFF2-40B4-BE49-F238E27FC236}">
-                <a16:creationId xmlns:a16="http://schemas.microsoft.com/office/drawing/2014/main" id="{08874CF7-F149-4C81-B61E-74E18342BA8A}"/>
-              </a:ext>
-            </a:extLst>
-          </p:cNvPr>
-          <p:cNvCxnSpPr>
-            <a:cxnSpLocks/>
-          </p:cNvCxnSpPr>
-          <p:nvPr/>
-        </p:nvCxnSpPr>
-        <p:spPr>
-          <a:xfrm>
-            <a:off x="2573222" y="454803"/>
-            <a:ext cx="6829482" cy="10398"/>
-          </a:xfrm>
-          <a:prstGeom prst="line">
-            <a:avLst/>
-          </a:prstGeom>
-        </p:spPr>
-        <p:style>
-          <a:lnRef idx="3">
-            <a:schemeClr val="dk1"/>
-          </a:lnRef>
-          <a:fillRef idx="0">
-            <a:schemeClr val="dk1"/>
-          </a:fillRef>
-          <a:effectRef idx="2">
-            <a:schemeClr val="dk1"/>
-          </a:effectRef>
-          <a:fontRef idx="minor">
-            <a:schemeClr val="tx1"/>
-          </a:fontRef>
-        </p:style>
-      </p:cxnSp>
-      <p:cxnSp>
-        <p:nvCxnSpPr>
-          <p:cNvPr id="26" name="Connecteur droit 25">
-            <a:extLst>
-              <a:ext uri="{FF2B5EF4-FFF2-40B4-BE49-F238E27FC236}">
-                <a16:creationId xmlns:a16="http://schemas.microsoft.com/office/drawing/2014/main" id="{BB3B35CC-057B-48C1-880F-3306A6559175}"/>
-              </a:ext>
-            </a:extLst>
-          </p:cNvPr>
-          <p:cNvCxnSpPr>
-            <a:cxnSpLocks/>
-          </p:cNvCxnSpPr>
-          <p:nvPr/>
-        </p:nvCxnSpPr>
-        <p:spPr>
-          <a:xfrm>
-            <a:off x="738231" y="454803"/>
-            <a:ext cx="344203" cy="484764"/>
-          </a:xfrm>
-          <a:prstGeom prst="line">
-            <a:avLst/>
-          </a:prstGeom>
-        </p:spPr>
-        <p:style>
-          <a:lnRef idx="3">
-            <a:schemeClr val="dk1"/>
-          </a:lnRef>
-          <a:fillRef idx="0">
-            <a:schemeClr val="dk1"/>
-          </a:fillRef>
-          <a:effectRef idx="2">
-            <a:schemeClr val="dk1"/>
-          </a:effectRef>
-          <a:fontRef idx="minor">
-            <a:schemeClr val="tx1"/>
-          </a:fontRef>
-        </p:style>
-      </p:cxnSp>
-      <p:cxnSp>
-        <p:nvCxnSpPr>
-          <p:cNvPr id="32" name="Connecteur droit 31">
-            <a:extLst>
-              <a:ext uri="{FF2B5EF4-FFF2-40B4-BE49-F238E27FC236}">
-                <a16:creationId xmlns:a16="http://schemas.microsoft.com/office/drawing/2014/main" id="{4AD96496-1EB6-4E48-9BB2-5C255495C686}"/>
-              </a:ext>
-            </a:extLst>
-          </p:cNvPr>
-          <p:cNvCxnSpPr>
-            <a:cxnSpLocks/>
-          </p:cNvCxnSpPr>
-          <p:nvPr/>
-        </p:nvCxnSpPr>
-        <p:spPr>
-          <a:xfrm>
-            <a:off x="1082434" y="938268"/>
-            <a:ext cx="1146585" cy="0"/>
-          </a:xfrm>
-          <a:prstGeom prst="line">
-            <a:avLst/>
-          </a:prstGeom>
-        </p:spPr>
-        <p:style>
-          <a:lnRef idx="3">
-            <a:schemeClr val="dk1"/>
-          </a:lnRef>
-          <a:fillRef idx="0">
-            <a:schemeClr val="dk1"/>
-          </a:fillRef>
-          <a:effectRef idx="2">
-            <a:schemeClr val="dk1"/>
-          </a:effectRef>
-          <a:fontRef idx="minor">
-            <a:schemeClr val="tx1"/>
-          </a:fontRef>
-        </p:style>
-      </p:cxnSp>
-      <p:cxnSp>
-        <p:nvCxnSpPr>
-          <p:cNvPr id="51" name="Connecteur droit 50">
-            <a:extLst>
-              <a:ext uri="{FF2B5EF4-FFF2-40B4-BE49-F238E27FC236}">
-                <a16:creationId xmlns:a16="http://schemas.microsoft.com/office/drawing/2014/main" id="{C035BFA6-ECBF-4775-BA81-19D2CA41AA8D}"/>
-              </a:ext>
-            </a:extLst>
-          </p:cNvPr>
-          <p:cNvCxnSpPr>
-            <a:cxnSpLocks/>
-          </p:cNvCxnSpPr>
-          <p:nvPr/>
-        </p:nvCxnSpPr>
-        <p:spPr>
-          <a:xfrm>
-            <a:off x="9402704" y="465201"/>
-            <a:ext cx="344203" cy="495163"/>
-          </a:xfrm>
-          <a:prstGeom prst="line">
-            <a:avLst/>
-          </a:prstGeom>
-        </p:spPr>
-        <p:style>
-          <a:lnRef idx="3">
-            <a:schemeClr val="dk1"/>
-          </a:lnRef>
-          <a:fillRef idx="0">
-            <a:schemeClr val="dk1"/>
-          </a:fillRef>
-          <a:effectRef idx="2">
-            <a:schemeClr val="dk1"/>
-          </a:effectRef>
-          <a:fontRef idx="minor">
-            <a:schemeClr val="tx1"/>
-          </a:fontRef>
-        </p:style>
-      </p:cxnSp>
-      <p:cxnSp>
-        <p:nvCxnSpPr>
-          <p:cNvPr id="52" name="Connecteur droit 51">
-            <a:extLst>
-              <a:ext uri="{FF2B5EF4-FFF2-40B4-BE49-F238E27FC236}">
-                <a16:creationId xmlns:a16="http://schemas.microsoft.com/office/drawing/2014/main" id="{FA310BC7-694B-4984-99A2-61A1F4F6EBF9}"/>
-              </a:ext>
-            </a:extLst>
-          </p:cNvPr>
-          <p:cNvCxnSpPr>
-            <a:cxnSpLocks/>
-          </p:cNvCxnSpPr>
-          <p:nvPr/>
-        </p:nvCxnSpPr>
-        <p:spPr>
-          <a:xfrm flipH="1">
-            <a:off x="11370469" y="448308"/>
-            <a:ext cx="364332" cy="501657"/>
-          </a:xfrm>
-          <a:prstGeom prst="line">
-            <a:avLst/>
-          </a:prstGeom>
-        </p:spPr>
-        <p:style>
-          <a:lnRef idx="3">
-            <a:schemeClr val="dk1"/>
-          </a:lnRef>
-          <a:fillRef idx="0">
-            <a:schemeClr val="dk1"/>
-          </a:fillRef>
-          <a:effectRef idx="2">
-            <a:schemeClr val="dk1"/>
-          </a:effectRef>
-          <a:fontRef idx="minor">
-            <a:schemeClr val="tx1"/>
-          </a:fontRef>
-        </p:style>
-      </p:cxnSp>
-      <p:cxnSp>
-        <p:nvCxnSpPr>
-          <p:cNvPr id="53" name="Connecteur droit 52">
-            <a:extLst>
-              <a:ext uri="{FF2B5EF4-FFF2-40B4-BE49-F238E27FC236}">
-                <a16:creationId xmlns:a16="http://schemas.microsoft.com/office/drawing/2014/main" id="{BE0649BD-EE59-4DDA-960F-95B2572F9F13}"/>
-              </a:ext>
-            </a:extLst>
-          </p:cNvPr>
-          <p:cNvCxnSpPr>
-            <a:cxnSpLocks/>
-          </p:cNvCxnSpPr>
-          <p:nvPr/>
-        </p:nvCxnSpPr>
-        <p:spPr>
-          <a:xfrm>
-            <a:off x="9743203" y="949965"/>
-            <a:ext cx="1627266" cy="0"/>
-          </a:xfrm>
-          <a:prstGeom prst="line">
-            <a:avLst/>
-          </a:prstGeom>
-        </p:spPr>
-        <p:style>
-          <a:lnRef idx="3">
-            <a:schemeClr val="dk1"/>
-          </a:lnRef>
-          <a:fillRef idx="0">
-            <a:schemeClr val="dk1"/>
-          </a:fillRef>
-          <a:effectRef idx="2">
-            <a:schemeClr val="dk1"/>
-          </a:effectRef>
-          <a:fontRef idx="minor">
-            <a:schemeClr val="tx1"/>
-          </a:fontRef>
-        </p:style>
-      </p:cxnSp>
       <p:cxnSp>
         <p:nvCxnSpPr>
           <p:cNvPr id="55" name="Connecteur droit 54">
@@ -13020,6 +11904,828 @@
     </mc:Choice>
     <mc:Fallback xmlns="">
       <p:transition spd="slow">
+        <p:fade/>
+      </p:transition>
+    </mc:Fallback>
+  </mc:AlternateContent>
+</p:sld>
+</file>
+
+<file path=ppt/slides/slide19.xml><?xml version="1.0" encoding="utf-8"?>
+<p:sld xmlns:a="http://schemas.openxmlformats.org/drawingml/2006/main" xmlns:r="http://schemas.openxmlformats.org/officeDocument/2006/relationships" xmlns:p="http://schemas.openxmlformats.org/presentationml/2006/main">
+  <p:cSld>
+    <p:spTree>
+      <p:nvGrpSpPr>
+        <p:cNvPr id="1" name=""/>
+        <p:cNvGrpSpPr/>
+        <p:nvPr/>
+      </p:nvGrpSpPr>
+      <p:grpSpPr>
+        <a:xfrm>
+          <a:off x="0" y="0"/>
+          <a:ext cx="0" cy="0"/>
+          <a:chOff x="0" y="0"/>
+          <a:chExt cx="0" cy="0"/>
+        </a:xfrm>
+      </p:grpSpPr>
+      <p:pic>
+        <p:nvPicPr>
+          <p:cNvPr id="8" name="Image 7">
+            <a:extLst>
+              <a:ext uri="{FF2B5EF4-FFF2-40B4-BE49-F238E27FC236}">
+                <a16:creationId xmlns:a16="http://schemas.microsoft.com/office/drawing/2014/main" id="{2BB825C5-31DA-4A56-85EA-536DBF510A31}"/>
+              </a:ext>
+            </a:extLst>
+          </p:cNvPr>
+          <p:cNvPicPr>
+            <a:picLocks noChangeAspect="1"/>
+          </p:cNvPicPr>
+          <p:nvPr/>
+        </p:nvPicPr>
+        <p:blipFill>
+          <a:blip r:embed="rId2">
+            <a:extLst>
+              <a:ext uri="{28A0092B-C50C-407E-A947-70E740481C1C}">
+                <a14:useLocalDpi xmlns:a14="http://schemas.microsoft.com/office/drawing/2010/main" val="0"/>
+              </a:ext>
+            </a:extLst>
+          </a:blip>
+          <a:stretch>
+            <a:fillRect/>
+          </a:stretch>
+        </p:blipFill>
+        <p:spPr>
+          <a:xfrm>
+            <a:off x="1068751" y="66457"/>
+            <a:ext cx="1259497" cy="776690"/>
+          </a:xfrm>
+          <a:prstGeom prst="rect">
+            <a:avLst/>
+          </a:prstGeom>
+        </p:spPr>
+      </p:pic>
+      <p:pic>
+        <p:nvPicPr>
+          <p:cNvPr id="10" name="Image 9">
+            <a:extLst>
+              <a:ext uri="{FF2B5EF4-FFF2-40B4-BE49-F238E27FC236}">
+                <a16:creationId xmlns:a16="http://schemas.microsoft.com/office/drawing/2014/main" id="{8EE7436F-49F2-41E0-93E4-D247B4705294}"/>
+              </a:ext>
+            </a:extLst>
+          </p:cNvPr>
+          <p:cNvPicPr>
+            <a:picLocks noChangeAspect="1"/>
+          </p:cNvPicPr>
+          <p:nvPr/>
+        </p:nvPicPr>
+        <p:blipFill>
+          <a:blip r:embed="rId3">
+            <a:extLst>
+              <a:ext uri="{28A0092B-C50C-407E-A947-70E740481C1C}">
+                <a14:useLocalDpi xmlns:a14="http://schemas.microsoft.com/office/drawing/2010/main" val="0"/>
+              </a:ext>
+            </a:extLst>
+          </a:blip>
+          <a:stretch>
+            <a:fillRect/>
+          </a:stretch>
+        </p:blipFill>
+        <p:spPr>
+          <a:xfrm>
+            <a:off x="9681085" y="238153"/>
+            <a:ext cx="1802101" cy="569807"/>
+          </a:xfrm>
+          <a:prstGeom prst="rect">
+            <a:avLst/>
+          </a:prstGeom>
+        </p:spPr>
+      </p:pic>
+      <p:cxnSp>
+        <p:nvCxnSpPr>
+          <p:cNvPr id="16" name="Connecteur droit 15">
+            <a:extLst>
+              <a:ext uri="{FF2B5EF4-FFF2-40B4-BE49-F238E27FC236}">
+                <a16:creationId xmlns:a16="http://schemas.microsoft.com/office/drawing/2014/main" id="{7319284A-BD6F-4A96-8E2B-E0A4B52E53C6}"/>
+              </a:ext>
+            </a:extLst>
+          </p:cNvPr>
+          <p:cNvCxnSpPr>
+            <a:cxnSpLocks/>
+          </p:cNvCxnSpPr>
+          <p:nvPr/>
+        </p:nvCxnSpPr>
+        <p:spPr>
+          <a:xfrm flipV="1">
+            <a:off x="0" y="454803"/>
+            <a:ext cx="738231" cy="1798"/>
+          </a:xfrm>
+          <a:prstGeom prst="line">
+            <a:avLst/>
+          </a:prstGeom>
+        </p:spPr>
+        <p:style>
+          <a:lnRef idx="3">
+            <a:schemeClr val="dk1"/>
+          </a:lnRef>
+          <a:fillRef idx="0">
+            <a:schemeClr val="dk1"/>
+          </a:fillRef>
+          <a:effectRef idx="2">
+            <a:schemeClr val="dk1"/>
+          </a:effectRef>
+          <a:fontRef idx="minor">
+            <a:schemeClr val="tx1"/>
+          </a:fontRef>
+        </p:style>
+      </p:cxnSp>
+      <p:cxnSp>
+        <p:nvCxnSpPr>
+          <p:cNvPr id="20" name="Connecteur droit 19">
+            <a:extLst>
+              <a:ext uri="{FF2B5EF4-FFF2-40B4-BE49-F238E27FC236}">
+                <a16:creationId xmlns:a16="http://schemas.microsoft.com/office/drawing/2014/main" id="{08874CF7-F149-4C81-B61E-74E18342BA8A}"/>
+              </a:ext>
+            </a:extLst>
+          </p:cNvPr>
+          <p:cNvCxnSpPr>
+            <a:cxnSpLocks/>
+          </p:cNvCxnSpPr>
+          <p:nvPr/>
+        </p:nvCxnSpPr>
+        <p:spPr>
+          <a:xfrm>
+            <a:off x="2573222" y="454803"/>
+            <a:ext cx="6829482" cy="10398"/>
+          </a:xfrm>
+          <a:prstGeom prst="line">
+            <a:avLst/>
+          </a:prstGeom>
+        </p:spPr>
+        <p:style>
+          <a:lnRef idx="3">
+            <a:schemeClr val="dk1"/>
+          </a:lnRef>
+          <a:fillRef idx="0">
+            <a:schemeClr val="dk1"/>
+          </a:fillRef>
+          <a:effectRef idx="2">
+            <a:schemeClr val="dk1"/>
+          </a:effectRef>
+          <a:fontRef idx="minor">
+            <a:schemeClr val="tx1"/>
+          </a:fontRef>
+        </p:style>
+      </p:cxnSp>
+      <p:cxnSp>
+        <p:nvCxnSpPr>
+          <p:cNvPr id="26" name="Connecteur droit 25">
+            <a:extLst>
+              <a:ext uri="{FF2B5EF4-FFF2-40B4-BE49-F238E27FC236}">
+                <a16:creationId xmlns:a16="http://schemas.microsoft.com/office/drawing/2014/main" id="{BB3B35CC-057B-48C1-880F-3306A6559175}"/>
+              </a:ext>
+            </a:extLst>
+          </p:cNvPr>
+          <p:cNvCxnSpPr>
+            <a:cxnSpLocks/>
+          </p:cNvCxnSpPr>
+          <p:nvPr/>
+        </p:nvCxnSpPr>
+        <p:spPr>
+          <a:xfrm>
+            <a:off x="738231" y="454803"/>
+            <a:ext cx="344203" cy="484764"/>
+          </a:xfrm>
+          <a:prstGeom prst="line">
+            <a:avLst/>
+          </a:prstGeom>
+        </p:spPr>
+        <p:style>
+          <a:lnRef idx="3">
+            <a:schemeClr val="dk1"/>
+          </a:lnRef>
+          <a:fillRef idx="0">
+            <a:schemeClr val="dk1"/>
+          </a:fillRef>
+          <a:effectRef idx="2">
+            <a:schemeClr val="dk1"/>
+          </a:effectRef>
+          <a:fontRef idx="minor">
+            <a:schemeClr val="tx1"/>
+          </a:fontRef>
+        </p:style>
+      </p:cxnSp>
+      <p:cxnSp>
+        <p:nvCxnSpPr>
+          <p:cNvPr id="32" name="Connecteur droit 31">
+            <a:extLst>
+              <a:ext uri="{FF2B5EF4-FFF2-40B4-BE49-F238E27FC236}">
+                <a16:creationId xmlns:a16="http://schemas.microsoft.com/office/drawing/2014/main" id="{4AD96496-1EB6-4E48-9BB2-5C255495C686}"/>
+              </a:ext>
+            </a:extLst>
+          </p:cNvPr>
+          <p:cNvCxnSpPr>
+            <a:cxnSpLocks/>
+          </p:cNvCxnSpPr>
+          <p:nvPr/>
+        </p:nvCxnSpPr>
+        <p:spPr>
+          <a:xfrm>
+            <a:off x="1082434" y="938268"/>
+            <a:ext cx="1146585" cy="0"/>
+          </a:xfrm>
+          <a:prstGeom prst="line">
+            <a:avLst/>
+          </a:prstGeom>
+        </p:spPr>
+        <p:style>
+          <a:lnRef idx="3">
+            <a:schemeClr val="dk1"/>
+          </a:lnRef>
+          <a:fillRef idx="0">
+            <a:schemeClr val="dk1"/>
+          </a:fillRef>
+          <a:effectRef idx="2">
+            <a:schemeClr val="dk1"/>
+          </a:effectRef>
+          <a:fontRef idx="minor">
+            <a:schemeClr val="tx1"/>
+          </a:fontRef>
+        </p:style>
+      </p:cxnSp>
+      <p:cxnSp>
+        <p:nvCxnSpPr>
+          <p:cNvPr id="51" name="Connecteur droit 50">
+            <a:extLst>
+              <a:ext uri="{FF2B5EF4-FFF2-40B4-BE49-F238E27FC236}">
+                <a16:creationId xmlns:a16="http://schemas.microsoft.com/office/drawing/2014/main" id="{C035BFA6-ECBF-4775-BA81-19D2CA41AA8D}"/>
+              </a:ext>
+            </a:extLst>
+          </p:cNvPr>
+          <p:cNvCxnSpPr>
+            <a:cxnSpLocks/>
+          </p:cNvCxnSpPr>
+          <p:nvPr/>
+        </p:nvCxnSpPr>
+        <p:spPr>
+          <a:xfrm>
+            <a:off x="9402704" y="465201"/>
+            <a:ext cx="344203" cy="495163"/>
+          </a:xfrm>
+          <a:prstGeom prst="line">
+            <a:avLst/>
+          </a:prstGeom>
+        </p:spPr>
+        <p:style>
+          <a:lnRef idx="3">
+            <a:schemeClr val="dk1"/>
+          </a:lnRef>
+          <a:fillRef idx="0">
+            <a:schemeClr val="dk1"/>
+          </a:fillRef>
+          <a:effectRef idx="2">
+            <a:schemeClr val="dk1"/>
+          </a:effectRef>
+          <a:fontRef idx="minor">
+            <a:schemeClr val="tx1"/>
+          </a:fontRef>
+        </p:style>
+      </p:cxnSp>
+      <p:cxnSp>
+        <p:nvCxnSpPr>
+          <p:cNvPr id="52" name="Connecteur droit 51">
+            <a:extLst>
+              <a:ext uri="{FF2B5EF4-FFF2-40B4-BE49-F238E27FC236}">
+                <a16:creationId xmlns:a16="http://schemas.microsoft.com/office/drawing/2014/main" id="{FA310BC7-694B-4984-99A2-61A1F4F6EBF9}"/>
+              </a:ext>
+            </a:extLst>
+          </p:cNvPr>
+          <p:cNvCxnSpPr>
+            <a:cxnSpLocks/>
+          </p:cNvCxnSpPr>
+          <p:nvPr/>
+        </p:nvCxnSpPr>
+        <p:spPr>
+          <a:xfrm flipH="1">
+            <a:off x="11370469" y="448308"/>
+            <a:ext cx="364332" cy="501657"/>
+          </a:xfrm>
+          <a:prstGeom prst="line">
+            <a:avLst/>
+          </a:prstGeom>
+        </p:spPr>
+        <p:style>
+          <a:lnRef idx="3">
+            <a:schemeClr val="dk1"/>
+          </a:lnRef>
+          <a:fillRef idx="0">
+            <a:schemeClr val="dk1"/>
+          </a:fillRef>
+          <a:effectRef idx="2">
+            <a:schemeClr val="dk1"/>
+          </a:effectRef>
+          <a:fontRef idx="minor">
+            <a:schemeClr val="tx1"/>
+          </a:fontRef>
+        </p:style>
+      </p:cxnSp>
+      <p:cxnSp>
+        <p:nvCxnSpPr>
+          <p:cNvPr id="53" name="Connecteur droit 52">
+            <a:extLst>
+              <a:ext uri="{FF2B5EF4-FFF2-40B4-BE49-F238E27FC236}">
+                <a16:creationId xmlns:a16="http://schemas.microsoft.com/office/drawing/2014/main" id="{BE0649BD-EE59-4DDA-960F-95B2572F9F13}"/>
+              </a:ext>
+            </a:extLst>
+          </p:cNvPr>
+          <p:cNvCxnSpPr>
+            <a:cxnSpLocks/>
+          </p:cNvCxnSpPr>
+          <p:nvPr/>
+        </p:nvCxnSpPr>
+        <p:spPr>
+          <a:xfrm>
+            <a:off x="9743203" y="949965"/>
+            <a:ext cx="1627266" cy="0"/>
+          </a:xfrm>
+          <a:prstGeom prst="line">
+            <a:avLst/>
+          </a:prstGeom>
+        </p:spPr>
+        <p:style>
+          <a:lnRef idx="3">
+            <a:schemeClr val="dk1"/>
+          </a:lnRef>
+          <a:fillRef idx="0">
+            <a:schemeClr val="dk1"/>
+          </a:fillRef>
+          <a:effectRef idx="2">
+            <a:schemeClr val="dk1"/>
+          </a:effectRef>
+          <a:fontRef idx="minor">
+            <a:schemeClr val="tx1"/>
+          </a:fontRef>
+        </p:style>
+      </p:cxnSp>
+      <p:cxnSp>
+        <p:nvCxnSpPr>
+          <p:cNvPr id="55" name="Connecteur droit 54">
+            <a:extLst>
+              <a:ext uri="{FF2B5EF4-FFF2-40B4-BE49-F238E27FC236}">
+                <a16:creationId xmlns:a16="http://schemas.microsoft.com/office/drawing/2014/main" id="{52AA9200-DAFA-4EEF-AC13-4C7CE82A59EC}"/>
+              </a:ext>
+            </a:extLst>
+          </p:cNvPr>
+          <p:cNvCxnSpPr>
+            <a:cxnSpLocks/>
+          </p:cNvCxnSpPr>
+          <p:nvPr/>
+        </p:nvCxnSpPr>
+        <p:spPr>
+          <a:xfrm>
+            <a:off x="11715750" y="454801"/>
+            <a:ext cx="476249" cy="10400"/>
+          </a:xfrm>
+          <a:prstGeom prst="line">
+            <a:avLst/>
+          </a:prstGeom>
+        </p:spPr>
+        <p:style>
+          <a:lnRef idx="3">
+            <a:schemeClr val="dk1"/>
+          </a:lnRef>
+          <a:fillRef idx="0">
+            <a:schemeClr val="dk1"/>
+          </a:fillRef>
+          <a:effectRef idx="2">
+            <a:schemeClr val="dk1"/>
+          </a:effectRef>
+          <a:fontRef idx="minor">
+            <a:schemeClr val="tx1"/>
+          </a:fontRef>
+        </p:style>
+      </p:cxnSp>
+      <p:cxnSp>
+        <p:nvCxnSpPr>
+          <p:cNvPr id="23" name="Connecteur droit 22">
+            <a:extLst>
+              <a:ext uri="{FF2B5EF4-FFF2-40B4-BE49-F238E27FC236}">
+                <a16:creationId xmlns:a16="http://schemas.microsoft.com/office/drawing/2014/main" id="{BCB092C8-0080-4E56-957E-0046D4C83988}"/>
+              </a:ext>
+            </a:extLst>
+          </p:cNvPr>
+          <p:cNvCxnSpPr>
+            <a:cxnSpLocks/>
+          </p:cNvCxnSpPr>
+          <p:nvPr/>
+        </p:nvCxnSpPr>
+        <p:spPr>
+          <a:xfrm flipH="1">
+            <a:off x="2216372" y="446356"/>
+            <a:ext cx="364332" cy="501657"/>
+          </a:xfrm>
+          <a:prstGeom prst="line">
+            <a:avLst/>
+          </a:prstGeom>
+        </p:spPr>
+        <p:style>
+          <a:lnRef idx="3">
+            <a:schemeClr val="dk1"/>
+          </a:lnRef>
+          <a:fillRef idx="0">
+            <a:schemeClr val="dk1"/>
+          </a:fillRef>
+          <a:effectRef idx="2">
+            <a:schemeClr val="dk1"/>
+          </a:effectRef>
+          <a:fontRef idx="minor">
+            <a:schemeClr val="tx1"/>
+          </a:fontRef>
+        </p:style>
+      </p:cxnSp>
+      <p:pic>
+        <p:nvPicPr>
+          <p:cNvPr id="13" name="Image 12" descr="Une image contenant équipement électronique, circuit&#10;&#10;Description générée avec un niveau de confiance très élevé">
+            <a:extLst>
+              <a:ext uri="{FF2B5EF4-FFF2-40B4-BE49-F238E27FC236}">
+                <a16:creationId xmlns:a16="http://schemas.microsoft.com/office/drawing/2014/main" id="{C2F5EBE7-64EC-4C30-9E7D-000DC7587718}"/>
+              </a:ext>
+            </a:extLst>
+          </p:cNvPr>
+          <p:cNvPicPr>
+            <a:picLocks noChangeAspect="1"/>
+          </p:cNvPicPr>
+          <p:nvPr/>
+        </p:nvPicPr>
+        <p:blipFill>
+          <a:blip r:embed="rId4">
+            <a:extLst>
+              <a:ext uri="{28A0092B-C50C-407E-A947-70E740481C1C}">
+                <a14:useLocalDpi xmlns:a14="http://schemas.microsoft.com/office/drawing/2010/main" val="0"/>
+              </a:ext>
+            </a:extLst>
+          </a:blip>
+          <a:stretch>
+            <a:fillRect/>
+          </a:stretch>
+        </p:blipFill>
+        <p:spPr>
+          <a:xfrm>
+            <a:off x="7188186" y="1162142"/>
+            <a:ext cx="3252033" cy="3252033"/>
+          </a:xfrm>
+          <a:prstGeom prst="rect">
+            <a:avLst/>
+          </a:prstGeom>
+        </p:spPr>
+      </p:pic>
+      <p:pic>
+        <p:nvPicPr>
+          <p:cNvPr id="14" name="Image 13" descr="Une image contenant capture d’écran&#10;&#10;Description générée avec un niveau de confiance élevé">
+            <a:extLst>
+              <a:ext uri="{FF2B5EF4-FFF2-40B4-BE49-F238E27FC236}">
+                <a16:creationId xmlns:a16="http://schemas.microsoft.com/office/drawing/2014/main" id="{391E1DC8-32BE-466F-B50A-CB52A68C9F8F}"/>
+              </a:ext>
+            </a:extLst>
+          </p:cNvPr>
+          <p:cNvPicPr>
+            <a:picLocks noChangeAspect="1"/>
+          </p:cNvPicPr>
+          <p:nvPr/>
+        </p:nvPicPr>
+        <p:blipFill>
+          <a:blip r:embed="rId5">
+            <a:extLst>
+              <a:ext uri="{28A0092B-C50C-407E-A947-70E740481C1C}">
+                <a14:useLocalDpi xmlns:a14="http://schemas.microsoft.com/office/drawing/2010/main" val="0"/>
+              </a:ext>
+            </a:extLst>
+          </a:blip>
+          <a:stretch>
+            <a:fillRect/>
+          </a:stretch>
+        </p:blipFill>
+        <p:spPr>
+          <a:xfrm>
+            <a:off x="1063716" y="4265886"/>
+            <a:ext cx="5553075" cy="1543050"/>
+          </a:xfrm>
+          <a:prstGeom prst="rect">
+            <a:avLst/>
+          </a:prstGeom>
+        </p:spPr>
+      </p:pic>
+      <p:sp>
+        <p:nvSpPr>
+          <p:cNvPr id="15" name="ZoneTexte 14">
+            <a:extLst>
+              <a:ext uri="{FF2B5EF4-FFF2-40B4-BE49-F238E27FC236}">
+                <a16:creationId xmlns:a16="http://schemas.microsoft.com/office/drawing/2014/main" id="{5F0C1479-EAA8-4B7A-8F3F-FFDCACF4CD83}"/>
+              </a:ext>
+            </a:extLst>
+          </p:cNvPr>
+          <p:cNvSpPr txBox="1"/>
+          <p:nvPr/>
+        </p:nvSpPr>
+        <p:spPr>
+          <a:xfrm>
+            <a:off x="1655726" y="1849714"/>
+            <a:ext cx="3348090" cy="1815882"/>
+          </a:xfrm>
+          <a:prstGeom prst="rect">
+            <a:avLst/>
+          </a:prstGeom>
+          <a:noFill/>
+        </p:spPr>
+        <p:txBody>
+          <a:bodyPr wrap="square" rtlCol="0">
+            <a:spAutoFit/>
+          </a:bodyPr>
+          <a:lstStyle/>
+          <a:p>
+            <a:pPr marL="0" marR="0" lvl="0" indent="0" algn="l" defTabSz="914400" rtl="0" eaLnBrk="1" fontAlgn="auto" latinLnBrk="0" hangingPunct="1">
+              <a:lnSpc>
+                <a:spcPct val="100000"/>
+              </a:lnSpc>
+              <a:spcBef>
+                <a:spcPts val="0"/>
+              </a:spcBef>
+              <a:spcAft>
+                <a:spcPts val="0"/>
+              </a:spcAft>
+              <a:buClrTx/>
+              <a:buSzTx/>
+              <a:buFontTx/>
+              <a:buNone/>
+              <a:tabLst/>
+              <a:defRPr/>
+            </a:pPr>
+            <a:r>
+              <a:rPr kumimoji="0" lang="fr-FR" sz="1800" b="0" i="0" u="none" strike="noStrike" kern="1200" cap="none" spc="0" normalizeH="0" baseline="0" noProof="0" dirty="0">
+                <a:ln>
+                  <a:noFill/>
+                </a:ln>
+                <a:solidFill>
+                  <a:prstClr val="black"/>
+                </a:solidFill>
+                <a:effectLst/>
+                <a:uLnTx/>
+                <a:uFillTx/>
+                <a:ea typeface="+mn-ea"/>
+                <a:cs typeface="+mn-cs"/>
+              </a:rPr>
+              <a:t>Avantages</a:t>
+            </a:r>
+          </a:p>
+          <a:p>
+            <a:pPr marL="285750" marR="0" lvl="0" indent="-285750" algn="l" defTabSz="914400" rtl="0" eaLnBrk="1" fontAlgn="auto" latinLnBrk="0" hangingPunct="1">
+              <a:lnSpc>
+                <a:spcPct val="100000"/>
+              </a:lnSpc>
+              <a:spcBef>
+                <a:spcPts val="0"/>
+              </a:spcBef>
+              <a:spcAft>
+                <a:spcPts val="0"/>
+              </a:spcAft>
+              <a:buClrTx/>
+              <a:buSzTx/>
+              <a:buFontTx/>
+              <a:buChar char="-"/>
+              <a:tabLst/>
+              <a:defRPr/>
+            </a:pPr>
+            <a:r>
+              <a:rPr kumimoji="0" lang="fr-FR" sz="1600" b="0" i="1" u="none" strike="noStrike" kern="1200" cap="none" spc="0" normalizeH="0" baseline="0" noProof="0" dirty="0">
+                <a:ln>
+                  <a:noFill/>
+                </a:ln>
+                <a:solidFill>
+                  <a:prstClr val="black"/>
+                </a:solidFill>
+                <a:effectLst/>
+                <a:uLnTx/>
+                <a:uFillTx/>
+                <a:ea typeface="+mn-ea"/>
+                <a:cs typeface="+mn-cs"/>
+              </a:rPr>
+              <a:t>Très bonne immunité aux bruits</a:t>
+            </a:r>
+          </a:p>
+          <a:p>
+            <a:pPr marL="285750" marR="0" lvl="0" indent="-285750" algn="l" defTabSz="914400" rtl="0" eaLnBrk="1" fontAlgn="auto" latinLnBrk="0" hangingPunct="1">
+              <a:lnSpc>
+                <a:spcPct val="100000"/>
+              </a:lnSpc>
+              <a:spcBef>
+                <a:spcPts val="0"/>
+              </a:spcBef>
+              <a:spcAft>
+                <a:spcPts val="0"/>
+              </a:spcAft>
+              <a:buClrTx/>
+              <a:buSzTx/>
+              <a:buFontTx/>
+              <a:buChar char="-"/>
+              <a:tabLst/>
+              <a:defRPr/>
+            </a:pPr>
+            <a:r>
+              <a:rPr kumimoji="0" lang="fr-FR" sz="1600" b="0" i="1" u="none" strike="noStrike" kern="1200" cap="none" spc="0" normalizeH="0" baseline="0" noProof="0" dirty="0">
+                <a:ln>
+                  <a:noFill/>
+                </a:ln>
+                <a:solidFill>
+                  <a:prstClr val="black"/>
+                </a:solidFill>
+                <a:effectLst/>
+                <a:uLnTx/>
+                <a:uFillTx/>
+                <a:ea typeface="+mn-ea"/>
+                <a:cs typeface="+mn-cs"/>
+              </a:rPr>
+              <a:t>Peu de fils</a:t>
+            </a:r>
+          </a:p>
+          <a:p>
+            <a:pPr marL="285750" marR="0" lvl="0" indent="-285750" algn="l" defTabSz="914400" rtl="0" eaLnBrk="1" fontAlgn="auto" latinLnBrk="0" hangingPunct="1">
+              <a:lnSpc>
+                <a:spcPct val="100000"/>
+              </a:lnSpc>
+              <a:spcBef>
+                <a:spcPts val="0"/>
+              </a:spcBef>
+              <a:spcAft>
+                <a:spcPts val="0"/>
+              </a:spcAft>
+              <a:buClrTx/>
+              <a:buSzTx/>
+              <a:buFontTx/>
+              <a:buChar char="-"/>
+              <a:tabLst/>
+              <a:defRPr/>
+            </a:pPr>
+            <a:r>
+              <a:rPr kumimoji="0" lang="fr-FR" sz="1600" b="0" i="1" u="none" strike="noStrike" kern="1200" cap="none" spc="0" normalizeH="0" baseline="0" noProof="0" dirty="0">
+                <a:ln>
+                  <a:noFill/>
+                </a:ln>
+                <a:solidFill>
+                  <a:prstClr val="black"/>
+                </a:solidFill>
+                <a:effectLst/>
+                <a:uLnTx/>
+                <a:uFillTx/>
+                <a:ea typeface="+mn-ea"/>
+                <a:cs typeface="+mn-cs"/>
+              </a:rPr>
+              <a:t>Détection de la panne</a:t>
+            </a:r>
+          </a:p>
+          <a:p>
+            <a:pPr marL="285750" marR="0" lvl="0" indent="-285750" algn="l" defTabSz="914400" rtl="0" eaLnBrk="1" fontAlgn="auto" latinLnBrk="0" hangingPunct="1">
+              <a:lnSpc>
+                <a:spcPct val="100000"/>
+              </a:lnSpc>
+              <a:spcBef>
+                <a:spcPts val="0"/>
+              </a:spcBef>
+              <a:spcAft>
+                <a:spcPts val="0"/>
+              </a:spcAft>
+              <a:buClrTx/>
+              <a:buSzTx/>
+              <a:buFontTx/>
+              <a:buChar char="-"/>
+              <a:tabLst/>
+              <a:defRPr/>
+            </a:pPr>
+            <a:r>
+              <a:rPr lang="fr-FR" sz="1600" i="1" dirty="0">
+                <a:solidFill>
+                  <a:prstClr val="black"/>
+                </a:solidFill>
+              </a:rPr>
+              <a:t>Plusieurs canaux (plusieurs capteurs possibles)</a:t>
+            </a:r>
+            <a:endParaRPr kumimoji="0" lang="fr-FR" sz="1600" b="0" i="1" u="none" strike="noStrike" kern="1200" cap="none" spc="0" normalizeH="0" baseline="0" noProof="0" dirty="0">
+              <a:ln>
+                <a:noFill/>
+              </a:ln>
+              <a:solidFill>
+                <a:prstClr val="black"/>
+              </a:solidFill>
+              <a:effectLst/>
+              <a:uLnTx/>
+              <a:uFillTx/>
+              <a:ea typeface="+mn-ea"/>
+              <a:cs typeface="+mn-cs"/>
+            </a:endParaRPr>
+          </a:p>
+          <a:p>
+            <a:pPr marL="285750" marR="0" lvl="0" indent="-285750" algn="l" defTabSz="914400" rtl="0" eaLnBrk="1" fontAlgn="auto" latinLnBrk="0" hangingPunct="1">
+              <a:lnSpc>
+                <a:spcPct val="100000"/>
+              </a:lnSpc>
+              <a:spcBef>
+                <a:spcPts val="0"/>
+              </a:spcBef>
+              <a:spcAft>
+                <a:spcPts val="0"/>
+              </a:spcAft>
+              <a:buClrTx/>
+              <a:buSzTx/>
+              <a:buFontTx/>
+              <a:buChar char="-"/>
+              <a:tabLst/>
+              <a:defRPr/>
+            </a:pPr>
+            <a:endParaRPr kumimoji="0" lang="fr-FR" sz="1400" b="0" i="1" u="none" strike="noStrike" kern="1200" cap="none" spc="0" normalizeH="0" baseline="0" noProof="0" dirty="0">
+              <a:ln>
+                <a:noFill/>
+              </a:ln>
+              <a:solidFill>
+                <a:prstClr val="black"/>
+              </a:solidFill>
+              <a:effectLst/>
+              <a:uLnTx/>
+              <a:uFillTx/>
+              <a:latin typeface="Calibri Light" panose="020F0302020204030204"/>
+              <a:ea typeface="+mn-ea"/>
+              <a:cs typeface="+mn-cs"/>
+            </a:endParaRPr>
+          </a:p>
+        </p:txBody>
+      </p:sp>
+      <p:sp>
+        <p:nvSpPr>
+          <p:cNvPr id="17" name="ZoneTexte 16">
+            <a:extLst>
+              <a:ext uri="{FF2B5EF4-FFF2-40B4-BE49-F238E27FC236}">
+                <a16:creationId xmlns:a16="http://schemas.microsoft.com/office/drawing/2014/main" id="{A965957D-2F19-4943-95C5-037163F8426A}"/>
+              </a:ext>
+            </a:extLst>
+          </p:cNvPr>
+          <p:cNvSpPr txBox="1"/>
+          <p:nvPr/>
+        </p:nvSpPr>
+        <p:spPr>
+          <a:xfrm>
+            <a:off x="7730129" y="4111997"/>
+            <a:ext cx="2374084" cy="307777"/>
+          </a:xfrm>
+          <a:prstGeom prst="rect">
+            <a:avLst/>
+          </a:prstGeom>
+          <a:noFill/>
+        </p:spPr>
+        <p:txBody>
+          <a:bodyPr wrap="square" rtlCol="0">
+            <a:spAutoFit/>
+          </a:bodyPr>
+          <a:lstStyle/>
+          <a:p>
+            <a:r>
+              <a:rPr lang="fr-FR" sz="1400" i="1" dirty="0" err="1"/>
+              <a:t>Current</a:t>
+            </a:r>
+            <a:r>
+              <a:rPr lang="fr-FR" sz="1400" i="1" dirty="0"/>
+              <a:t> Loop </a:t>
+            </a:r>
+            <a:r>
+              <a:rPr lang="fr-FR" sz="1400" i="1" dirty="0" err="1"/>
+              <a:t>Sensor</a:t>
+            </a:r>
+            <a:r>
+              <a:rPr lang="fr-FR" sz="1400" i="1" dirty="0"/>
+              <a:t> </a:t>
+            </a:r>
+            <a:r>
+              <a:rPr lang="fr-FR" sz="1400" i="1" dirty="0" err="1"/>
+              <a:t>Board</a:t>
+            </a:r>
+            <a:endParaRPr lang="fr-FR" sz="1400" i="1" dirty="0"/>
+          </a:p>
+        </p:txBody>
+      </p:sp>
+    </p:spTree>
+    <p:extLst>
+      <p:ext uri="{BB962C8B-B14F-4D97-AF65-F5344CB8AC3E}">
+        <p14:creationId xmlns:p14="http://schemas.microsoft.com/office/powerpoint/2010/main" val="2181807869"/>
+      </p:ext>
+    </p:extLst>
+  </p:cSld>
+  <p:clrMapOvr>
+    <a:masterClrMapping/>
+  </p:clrMapOvr>
+  <mc:AlternateContent xmlns:mc="http://schemas.openxmlformats.org/markup-compatibility/2006" xmlns:p14="http://schemas.microsoft.com/office/powerpoint/2010/main">
+    <mc:Choice Requires="p14">
+      <p:transition spd="med">
+        <p14:reveal/>
+      </p:transition>
+    </mc:Choice>
+    <mc:Fallback xmlns="">
+      <p:transition spd="med">
         <p:fade/>
       </p:transition>
     </mc:Fallback>
@@ -15758,6 +15464,42 @@
           </a:fontRef>
         </p:style>
       </p:cxnSp>
+      <p:pic>
+        <p:nvPicPr>
+          <p:cNvPr id="3" name="Image 2">
+            <a:extLst>
+              <a:ext uri="{FF2B5EF4-FFF2-40B4-BE49-F238E27FC236}">
+                <a16:creationId xmlns:a16="http://schemas.microsoft.com/office/drawing/2014/main" id="{5AB4EF81-71F6-47DE-B2B4-725F8472F5BA}"/>
+              </a:ext>
+            </a:extLst>
+          </p:cNvPr>
+          <p:cNvPicPr>
+            <a:picLocks noChangeAspect="1"/>
+          </p:cNvPicPr>
+          <p:nvPr/>
+        </p:nvPicPr>
+        <p:blipFill>
+          <a:blip r:embed="rId4">
+            <a:extLst>
+              <a:ext uri="{28A0092B-C50C-407E-A947-70E740481C1C}">
+                <a14:useLocalDpi xmlns:a14="http://schemas.microsoft.com/office/drawing/2010/main" val="0"/>
+              </a:ext>
+            </a:extLst>
+          </a:blip>
+          <a:stretch>
+            <a:fillRect/>
+          </a:stretch>
+        </p:blipFill>
+        <p:spPr>
+          <a:xfrm>
+            <a:off x="1698499" y="699136"/>
+            <a:ext cx="8994163" cy="6116030"/>
+          </a:xfrm>
+          <a:prstGeom prst="rect">
+            <a:avLst/>
+          </a:prstGeom>
+        </p:spPr>
+      </p:pic>
       <p:cxnSp>
         <p:nvCxnSpPr>
           <p:cNvPr id="55" name="Connecteur droit 54">
@@ -15836,10 +15578,10 @@
       </p:cxnSp>
       <p:pic>
         <p:nvPicPr>
-          <p:cNvPr id="13" name="Image 12" descr="Une image contenant équipement électronique, circuit&#10;&#10;Description générée avec un niveau de confiance très élevé">
-            <a:extLst>
-              <a:ext uri="{FF2B5EF4-FFF2-40B4-BE49-F238E27FC236}">
-                <a16:creationId xmlns:a16="http://schemas.microsoft.com/office/drawing/2014/main" id="{C2F5EBE7-64EC-4C30-9E7D-000DC7587718}"/>
+          <p:cNvPr id="7" name="Image 6">
+            <a:extLst>
+              <a:ext uri="{FF2B5EF4-FFF2-40B4-BE49-F238E27FC236}">
+                <a16:creationId xmlns:a16="http://schemas.microsoft.com/office/drawing/2014/main" id="{DF418CA6-5E5A-4E1A-900C-3AFF7FFE8B6C}"/>
               </a:ext>
             </a:extLst>
           </p:cNvPr>
@@ -15849,7 +15591,7 @@
           <p:nvPr/>
         </p:nvPicPr>
         <p:blipFill>
-          <a:blip r:embed="rId4">
+          <a:blip r:embed="rId5">
             <a:extLst>
               <a:ext uri="{28A0092B-C50C-407E-A947-70E740481C1C}">
                 <a14:useLocalDpi xmlns:a14="http://schemas.microsoft.com/office/drawing/2010/main" val="0"/>
@@ -15862,20 +15604,30 @@
         </p:blipFill>
         <p:spPr>
           <a:xfrm>
-            <a:off x="7188186" y="1162142"/>
-            <a:ext cx="3252033" cy="3252033"/>
+            <a:off x="3531657" y="1224741"/>
+            <a:ext cx="762106" cy="762106"/>
           </a:xfrm>
           <a:prstGeom prst="rect">
             <a:avLst/>
           </a:prstGeom>
+          <a:ln>
+            <a:noFill/>
+          </a:ln>
+          <a:effectLst>
+            <a:outerShdw blurRad="190500" algn="tl" rotWithShape="0">
+              <a:srgbClr val="000000">
+                <a:alpha val="70000"/>
+              </a:srgbClr>
+            </a:outerShdw>
+          </a:effectLst>
         </p:spPr>
       </p:pic>
       <p:pic>
         <p:nvPicPr>
-          <p:cNvPr id="14" name="Image 13" descr="Une image contenant capture d’écran&#10;&#10;Description générée avec un niveau de confiance élevé">
-            <a:extLst>
-              <a:ext uri="{FF2B5EF4-FFF2-40B4-BE49-F238E27FC236}">
-                <a16:creationId xmlns:a16="http://schemas.microsoft.com/office/drawing/2014/main" id="{391E1DC8-32BE-466F-B50A-CB52A68C9F8F}"/>
+          <p:cNvPr id="11" name="Image 10">
+            <a:extLst>
+              <a:ext uri="{FF2B5EF4-FFF2-40B4-BE49-F238E27FC236}">
+                <a16:creationId xmlns:a16="http://schemas.microsoft.com/office/drawing/2014/main" id="{296FA85B-98C4-420D-8E11-18D7EDC0AF8B}"/>
               </a:ext>
             </a:extLst>
           </p:cNvPr>
@@ -15885,7 +15637,7 @@
           <p:nvPr/>
         </p:nvPicPr>
         <p:blipFill>
-          <a:blip r:embed="rId5">
+          <a:blip r:embed="rId6">
             <a:extLst>
               <a:ext uri="{28A0092B-C50C-407E-A947-70E740481C1C}">
                 <a14:useLocalDpi xmlns:a14="http://schemas.microsoft.com/office/drawing/2010/main" val="0"/>
@@ -15898,312 +15650,212 @@
         </p:blipFill>
         <p:spPr>
           <a:xfrm>
-            <a:off x="1063716" y="4265886"/>
-            <a:ext cx="5553075" cy="1543050"/>
+            <a:off x="541216" y="1407485"/>
+            <a:ext cx="738231" cy="765572"/>
           </a:xfrm>
           <a:prstGeom prst="rect">
             <a:avLst/>
           </a:prstGeom>
+          <a:ln>
+            <a:noFill/>
+          </a:ln>
+          <a:effectLst>
+            <a:outerShdw blurRad="190500" algn="tl" rotWithShape="0">
+              <a:srgbClr val="000000">
+                <a:alpha val="70000"/>
+              </a:srgbClr>
+            </a:outerShdw>
+          </a:effectLst>
         </p:spPr>
       </p:pic>
-      <p:sp>
-        <p:nvSpPr>
-          <p:cNvPr id="15" name="ZoneTexte 14">
-            <a:extLst>
-              <a:ext uri="{FF2B5EF4-FFF2-40B4-BE49-F238E27FC236}">
-                <a16:creationId xmlns:a16="http://schemas.microsoft.com/office/drawing/2014/main" id="{5F0C1479-EAA8-4B7A-8F3F-FFDCACF4CD83}"/>
-              </a:ext>
-            </a:extLst>
-          </p:cNvPr>
-          <p:cNvSpPr txBox="1"/>
-          <p:nvPr/>
-        </p:nvSpPr>
-        <p:spPr>
-          <a:xfrm>
-            <a:off x="1655726" y="1849714"/>
-            <a:ext cx="3348090" cy="1815882"/>
+      <p:pic>
+        <p:nvPicPr>
+          <p:cNvPr id="13" name="Image 12">
+            <a:extLst>
+              <a:ext uri="{FF2B5EF4-FFF2-40B4-BE49-F238E27FC236}">
+                <a16:creationId xmlns:a16="http://schemas.microsoft.com/office/drawing/2014/main" id="{F4D60C05-C6F5-415F-B606-17DFCA17FD41}"/>
+              </a:ext>
+            </a:extLst>
+          </p:cNvPr>
+          <p:cNvPicPr>
+            <a:picLocks noChangeAspect="1"/>
+          </p:cNvPicPr>
+          <p:nvPr/>
+        </p:nvPicPr>
+        <p:blipFill>
+          <a:blip r:embed="rId7">
+            <a:extLst>
+              <a:ext uri="{28A0092B-C50C-407E-A947-70E740481C1C}">
+                <a14:useLocalDpi xmlns:a14="http://schemas.microsoft.com/office/drawing/2010/main" val="0"/>
+              </a:ext>
+            </a:extLst>
+          </a:blip>
+          <a:stretch>
+            <a:fillRect/>
+          </a:stretch>
+        </p:blipFill>
+        <p:spPr>
+          <a:xfrm>
+            <a:off x="1947195" y="2059648"/>
+            <a:ext cx="762106" cy="762106"/>
           </a:xfrm>
           <a:prstGeom prst="rect">
             <a:avLst/>
           </a:prstGeom>
-          <a:noFill/>
-        </p:spPr>
-        <p:txBody>
-          <a:bodyPr wrap="square" rtlCol="0">
-            <a:spAutoFit/>
-          </a:bodyPr>
-          <a:lstStyle/>
-          <a:p>
-            <a:pPr marL="0" marR="0" lvl="0" indent="0" algn="l" defTabSz="914400" rtl="0" eaLnBrk="1" fontAlgn="auto" latinLnBrk="0" hangingPunct="1">
-              <a:lnSpc>
-                <a:spcPct val="100000"/>
-              </a:lnSpc>
-              <a:spcBef>
-                <a:spcPts val="0"/>
-              </a:spcBef>
-              <a:spcAft>
-                <a:spcPts val="0"/>
-              </a:spcAft>
-              <a:buClrTx/>
-              <a:buSzTx/>
-              <a:buFontTx/>
-              <a:buNone/>
-              <a:tabLst/>
-              <a:defRPr/>
-            </a:pPr>
-            <a:r>
-              <a:rPr kumimoji="0" lang="fr-FR" sz="1800" b="0" i="0" u="none" strike="noStrike" kern="1200" cap="none" spc="0" normalizeH="0" baseline="0" noProof="0" dirty="0">
-                <a:ln>
-                  <a:noFill/>
-                </a:ln>
-                <a:solidFill>
-                  <a:prstClr val="black"/>
-                </a:solidFill>
-                <a:effectLst/>
-                <a:uLnTx/>
-                <a:uFillTx/>
-                <a:ea typeface="+mn-ea"/>
-                <a:cs typeface="+mn-cs"/>
-              </a:rPr>
-              <a:t>Avantages</a:t>
-            </a:r>
-          </a:p>
-          <a:p>
-            <a:pPr marL="285750" marR="0" lvl="0" indent="-285750" algn="l" defTabSz="914400" rtl="0" eaLnBrk="1" fontAlgn="auto" latinLnBrk="0" hangingPunct="1">
-              <a:lnSpc>
-                <a:spcPct val="100000"/>
-              </a:lnSpc>
-              <a:spcBef>
-                <a:spcPts val="0"/>
-              </a:spcBef>
-              <a:spcAft>
-                <a:spcPts val="0"/>
-              </a:spcAft>
-              <a:buClrTx/>
-              <a:buSzTx/>
-              <a:buFontTx/>
-              <a:buChar char="-"/>
-              <a:tabLst/>
-              <a:defRPr/>
-            </a:pPr>
-            <a:r>
-              <a:rPr kumimoji="0" lang="fr-FR" sz="1600" b="0" i="1" u="none" strike="noStrike" kern="1200" cap="none" spc="0" normalizeH="0" baseline="0" noProof="0" dirty="0">
-                <a:ln>
-                  <a:noFill/>
-                </a:ln>
-                <a:solidFill>
-                  <a:prstClr val="black"/>
-                </a:solidFill>
-                <a:effectLst/>
-                <a:uLnTx/>
-                <a:uFillTx/>
-                <a:ea typeface="+mn-ea"/>
-                <a:cs typeface="+mn-cs"/>
-              </a:rPr>
-              <a:t>Très bonne immunité aux bruits</a:t>
-            </a:r>
-          </a:p>
-          <a:p>
-            <a:pPr marL="285750" marR="0" lvl="0" indent="-285750" algn="l" defTabSz="914400" rtl="0" eaLnBrk="1" fontAlgn="auto" latinLnBrk="0" hangingPunct="1">
-              <a:lnSpc>
-                <a:spcPct val="100000"/>
-              </a:lnSpc>
-              <a:spcBef>
-                <a:spcPts val="0"/>
-              </a:spcBef>
-              <a:spcAft>
-                <a:spcPts val="0"/>
-              </a:spcAft>
-              <a:buClrTx/>
-              <a:buSzTx/>
-              <a:buFontTx/>
-              <a:buChar char="-"/>
-              <a:tabLst/>
-              <a:defRPr/>
-            </a:pPr>
-            <a:r>
-              <a:rPr kumimoji="0" lang="fr-FR" sz="1600" b="0" i="1" u="none" strike="noStrike" kern="1200" cap="none" spc="0" normalizeH="0" baseline="0" noProof="0" dirty="0">
-                <a:ln>
-                  <a:noFill/>
-                </a:ln>
-                <a:solidFill>
-                  <a:prstClr val="black"/>
-                </a:solidFill>
-                <a:effectLst/>
-                <a:uLnTx/>
-                <a:uFillTx/>
-                <a:ea typeface="+mn-ea"/>
-                <a:cs typeface="+mn-cs"/>
-              </a:rPr>
-              <a:t>Peu de fils</a:t>
-            </a:r>
-          </a:p>
-          <a:p>
-            <a:pPr marL="285750" marR="0" lvl="0" indent="-285750" algn="l" defTabSz="914400" rtl="0" eaLnBrk="1" fontAlgn="auto" latinLnBrk="0" hangingPunct="1">
-              <a:lnSpc>
-                <a:spcPct val="100000"/>
-              </a:lnSpc>
-              <a:spcBef>
-                <a:spcPts val="0"/>
-              </a:spcBef>
-              <a:spcAft>
-                <a:spcPts val="0"/>
-              </a:spcAft>
-              <a:buClrTx/>
-              <a:buSzTx/>
-              <a:buFontTx/>
-              <a:buChar char="-"/>
-              <a:tabLst/>
-              <a:defRPr/>
-            </a:pPr>
-            <a:r>
-              <a:rPr kumimoji="0" lang="fr-FR" sz="1600" b="0" i="1" u="none" strike="noStrike" kern="1200" cap="none" spc="0" normalizeH="0" baseline="0" noProof="0" dirty="0">
-                <a:ln>
-                  <a:noFill/>
-                </a:ln>
-                <a:solidFill>
-                  <a:prstClr val="black"/>
-                </a:solidFill>
-                <a:effectLst/>
-                <a:uLnTx/>
-                <a:uFillTx/>
-                <a:ea typeface="+mn-ea"/>
-                <a:cs typeface="+mn-cs"/>
-              </a:rPr>
-              <a:t>Détection de la panne</a:t>
-            </a:r>
-          </a:p>
-          <a:p>
-            <a:pPr marL="285750" marR="0" lvl="0" indent="-285750" algn="l" defTabSz="914400" rtl="0" eaLnBrk="1" fontAlgn="auto" latinLnBrk="0" hangingPunct="1">
-              <a:lnSpc>
-                <a:spcPct val="100000"/>
-              </a:lnSpc>
-              <a:spcBef>
-                <a:spcPts val="0"/>
-              </a:spcBef>
-              <a:spcAft>
-                <a:spcPts val="0"/>
-              </a:spcAft>
-              <a:buClrTx/>
-              <a:buSzTx/>
-              <a:buFontTx/>
-              <a:buChar char="-"/>
-              <a:tabLst/>
-              <a:defRPr/>
-            </a:pPr>
-            <a:r>
-              <a:rPr lang="fr-FR" sz="1600" i="1" dirty="0">
-                <a:solidFill>
-                  <a:prstClr val="black"/>
-                </a:solidFill>
-              </a:rPr>
-              <a:t>Plusieurs canaux (plusieurs capteurs possibles)</a:t>
-            </a:r>
-            <a:endParaRPr kumimoji="0" lang="fr-FR" sz="1600" b="0" i="1" u="none" strike="noStrike" kern="1200" cap="none" spc="0" normalizeH="0" baseline="0" noProof="0" dirty="0">
-              <a:ln>
-                <a:noFill/>
-              </a:ln>
-              <a:solidFill>
-                <a:prstClr val="black"/>
-              </a:solidFill>
-              <a:effectLst/>
-              <a:uLnTx/>
-              <a:uFillTx/>
-              <a:ea typeface="+mn-ea"/>
-              <a:cs typeface="+mn-cs"/>
-            </a:endParaRPr>
-          </a:p>
-          <a:p>
-            <a:pPr marL="285750" marR="0" lvl="0" indent="-285750" algn="l" defTabSz="914400" rtl="0" eaLnBrk="1" fontAlgn="auto" latinLnBrk="0" hangingPunct="1">
-              <a:lnSpc>
-                <a:spcPct val="100000"/>
-              </a:lnSpc>
-              <a:spcBef>
-                <a:spcPts val="0"/>
-              </a:spcBef>
-              <a:spcAft>
-                <a:spcPts val="0"/>
-              </a:spcAft>
-              <a:buClrTx/>
-              <a:buSzTx/>
-              <a:buFontTx/>
-              <a:buChar char="-"/>
-              <a:tabLst/>
-              <a:defRPr/>
-            </a:pPr>
-            <a:endParaRPr kumimoji="0" lang="fr-FR" sz="1400" b="0" i="1" u="none" strike="noStrike" kern="1200" cap="none" spc="0" normalizeH="0" baseline="0" noProof="0" dirty="0">
-              <a:ln>
-                <a:noFill/>
-              </a:ln>
-              <a:solidFill>
-                <a:prstClr val="black"/>
-              </a:solidFill>
-              <a:effectLst/>
-              <a:uLnTx/>
-              <a:uFillTx/>
-              <a:latin typeface="Calibri Light" panose="020F0302020204030204"/>
-              <a:ea typeface="+mn-ea"/>
-              <a:cs typeface="+mn-cs"/>
-            </a:endParaRPr>
-          </a:p>
-        </p:txBody>
-      </p:sp>
-      <p:sp>
-        <p:nvSpPr>
-          <p:cNvPr id="17" name="ZoneTexte 16">
-            <a:extLst>
-              <a:ext uri="{FF2B5EF4-FFF2-40B4-BE49-F238E27FC236}">
-                <a16:creationId xmlns:a16="http://schemas.microsoft.com/office/drawing/2014/main" id="{A965957D-2F19-4943-95C5-037163F8426A}"/>
-              </a:ext>
-            </a:extLst>
-          </p:cNvPr>
-          <p:cNvSpPr txBox="1"/>
-          <p:nvPr/>
-        </p:nvSpPr>
-        <p:spPr>
-          <a:xfrm>
-            <a:off x="7730129" y="4111997"/>
-            <a:ext cx="2374084" cy="307777"/>
+          <a:ln>
+            <a:noFill/>
+          </a:ln>
+          <a:effectLst>
+            <a:outerShdw blurRad="190500" algn="tl" rotWithShape="0">
+              <a:srgbClr val="000000">
+                <a:alpha val="70000"/>
+              </a:srgbClr>
+            </a:outerShdw>
+          </a:effectLst>
+        </p:spPr>
+      </p:pic>
+      <p:pic>
+        <p:nvPicPr>
+          <p:cNvPr id="15" name="Image 14">
+            <a:extLst>
+              <a:ext uri="{FF2B5EF4-FFF2-40B4-BE49-F238E27FC236}">
+                <a16:creationId xmlns:a16="http://schemas.microsoft.com/office/drawing/2014/main" id="{BF755B4E-32C3-46B1-BF3B-8A9FDD073D02}"/>
+              </a:ext>
+            </a:extLst>
+          </p:cNvPr>
+          <p:cNvPicPr>
+            <a:picLocks noChangeAspect="1"/>
+          </p:cNvPicPr>
+          <p:nvPr/>
+        </p:nvPicPr>
+        <p:blipFill>
+          <a:blip r:embed="rId8">
+            <a:extLst>
+              <a:ext uri="{28A0092B-C50C-407E-A947-70E740481C1C}">
+                <a14:useLocalDpi xmlns:a14="http://schemas.microsoft.com/office/drawing/2010/main" val="0"/>
+              </a:ext>
+            </a:extLst>
+          </a:blip>
+          <a:stretch>
+            <a:fillRect/>
+          </a:stretch>
+        </p:blipFill>
+        <p:spPr>
+          <a:xfrm>
+            <a:off x="6096000" y="3948673"/>
+            <a:ext cx="1161644" cy="1161644"/>
           </a:xfrm>
           <a:prstGeom prst="rect">
             <a:avLst/>
           </a:prstGeom>
-          <a:noFill/>
-        </p:spPr>
-        <p:txBody>
-          <a:bodyPr wrap="square" rtlCol="0">
-            <a:spAutoFit/>
-          </a:bodyPr>
-          <a:lstStyle/>
-          <a:p>
-            <a:r>
-              <a:rPr lang="fr-FR" sz="1400" i="1" dirty="0" err="1"/>
-              <a:t>Current</a:t>
-            </a:r>
-            <a:r>
-              <a:rPr lang="fr-FR" sz="1400" i="1" dirty="0"/>
-              <a:t> Loop </a:t>
-            </a:r>
-            <a:r>
-              <a:rPr lang="fr-FR" sz="1400" i="1" dirty="0" err="1"/>
-              <a:t>Sensor</a:t>
-            </a:r>
-            <a:r>
-              <a:rPr lang="fr-FR" sz="1400" i="1" dirty="0"/>
-              <a:t> </a:t>
-            </a:r>
-            <a:r>
-              <a:rPr lang="fr-FR" sz="1400" i="1" dirty="0" err="1"/>
-              <a:t>Board</a:t>
-            </a:r>
-            <a:endParaRPr lang="fr-FR" sz="1400" i="1" dirty="0"/>
-          </a:p>
-        </p:txBody>
-      </p:sp>
+          <a:ln>
+            <a:noFill/>
+          </a:ln>
+          <a:effectLst>
+            <a:outerShdw blurRad="190500" algn="tl" rotWithShape="0">
+              <a:srgbClr val="000000">
+                <a:alpha val="70000"/>
+              </a:srgbClr>
+            </a:outerShdw>
+          </a:effectLst>
+        </p:spPr>
+      </p:pic>
+      <p:pic>
+        <p:nvPicPr>
+          <p:cNvPr id="18" name="Image 17">
+            <a:extLst>
+              <a:ext uri="{FF2B5EF4-FFF2-40B4-BE49-F238E27FC236}">
+                <a16:creationId xmlns:a16="http://schemas.microsoft.com/office/drawing/2014/main" id="{60B1563D-BE8E-40DA-9D50-991FF96A7E2A}"/>
+              </a:ext>
+            </a:extLst>
+          </p:cNvPr>
+          <p:cNvPicPr>
+            <a:picLocks noChangeAspect="1"/>
+          </p:cNvPicPr>
+          <p:nvPr/>
+        </p:nvPicPr>
+        <p:blipFill>
+          <a:blip r:embed="rId9">
+            <a:extLst>
+              <a:ext uri="{28A0092B-C50C-407E-A947-70E740481C1C}">
+                <a14:useLocalDpi xmlns:a14="http://schemas.microsoft.com/office/drawing/2010/main" val="0"/>
+              </a:ext>
+            </a:extLst>
+          </a:blip>
+          <a:stretch>
+            <a:fillRect/>
+          </a:stretch>
+        </p:blipFill>
+        <p:spPr>
+          <a:xfrm>
+            <a:off x="9021651" y="2059648"/>
+            <a:ext cx="762106" cy="762106"/>
+          </a:xfrm>
+          <a:prstGeom prst="rect">
+            <a:avLst/>
+          </a:prstGeom>
+          <a:ln>
+            <a:noFill/>
+          </a:ln>
+          <a:effectLst>
+            <a:outerShdw blurRad="190500" algn="tl" rotWithShape="0">
+              <a:srgbClr val="000000">
+                <a:alpha val="70000"/>
+              </a:srgbClr>
+            </a:outerShdw>
+          </a:effectLst>
+        </p:spPr>
+      </p:pic>
+      <p:pic>
+        <p:nvPicPr>
+          <p:cNvPr id="21" name="Image 20">
+            <a:extLst>
+              <a:ext uri="{FF2B5EF4-FFF2-40B4-BE49-F238E27FC236}">
+                <a16:creationId xmlns:a16="http://schemas.microsoft.com/office/drawing/2014/main" id="{E4D53F4F-5F96-4A48-93EA-D0329A4AB361}"/>
+              </a:ext>
+            </a:extLst>
+          </p:cNvPr>
+          <p:cNvPicPr>
+            <a:picLocks noChangeAspect="1"/>
+          </p:cNvPicPr>
+          <p:nvPr/>
+        </p:nvPicPr>
+        <p:blipFill>
+          <a:blip r:embed="rId10">
+            <a:extLst>
+              <a:ext uri="{28A0092B-C50C-407E-A947-70E740481C1C}">
+                <a14:useLocalDpi xmlns:a14="http://schemas.microsoft.com/office/drawing/2010/main" val="0"/>
+              </a:ext>
+            </a:extLst>
+          </a:blip>
+          <a:stretch>
+            <a:fillRect/>
+          </a:stretch>
+        </p:blipFill>
+        <p:spPr>
+          <a:xfrm>
+            <a:off x="6459311" y="393635"/>
+            <a:ext cx="994045" cy="994045"/>
+          </a:xfrm>
+          <a:prstGeom prst="rect">
+            <a:avLst/>
+          </a:prstGeom>
+          <a:ln>
+            <a:noFill/>
+          </a:ln>
+          <a:effectLst>
+            <a:outerShdw blurRad="190500" algn="tl" rotWithShape="0">
+              <a:srgbClr val="000000">
+                <a:alpha val="70000"/>
+              </a:srgbClr>
+            </a:outerShdw>
+          </a:effectLst>
+        </p:spPr>
+      </p:pic>
     </p:spTree>
     <p:extLst>
       <p:ext uri="{BB962C8B-B14F-4D97-AF65-F5344CB8AC3E}">
-        <p14:creationId xmlns:p14="http://schemas.microsoft.com/office/powerpoint/2010/main" val="2181807869"/>
+        <p14:creationId xmlns:p14="http://schemas.microsoft.com/office/powerpoint/2010/main" val="2808118527"/>
       </p:ext>
     </p:extLst>
   </p:cSld>
@@ -16222,6 +15874,354 @@
       </p:transition>
     </mc:Fallback>
   </mc:AlternateContent>
+  <p:timing>
+    <p:tnLst>
+      <p:par>
+        <p:cTn id="1" dur="indefinite" restart="never" nodeType="tmRoot">
+          <p:childTnLst>
+            <p:seq concurrent="1" nextAc="seek">
+              <p:cTn id="2" dur="indefinite" nodeType="mainSeq">
+                <p:childTnLst>
+                  <p:par>
+                    <p:cTn id="3" fill="hold">
+                      <p:stCondLst>
+                        <p:cond delay="indefinite"/>
+                      </p:stCondLst>
+                      <p:childTnLst>
+                        <p:par>
+                          <p:cTn id="4" fill="hold">
+                            <p:stCondLst>
+                              <p:cond delay="0"/>
+                            </p:stCondLst>
+                            <p:childTnLst>
+                              <p:par>
+                                <p:cTn id="5" presetID="10" presetClass="entr" presetSubtype="0" fill="hold" nodeType="clickEffect">
+                                  <p:stCondLst>
+                                    <p:cond delay="0"/>
+                                  </p:stCondLst>
+                                  <p:childTnLst>
+                                    <p:set>
+                                      <p:cBhvr>
+                                        <p:cTn id="6" dur="1" fill="hold">
+                                          <p:stCondLst>
+                                            <p:cond delay="0"/>
+                                          </p:stCondLst>
+                                        </p:cTn>
+                                        <p:tgtEl>
+                                          <p:spTgt spid="11"/>
+                                        </p:tgtEl>
+                                        <p:attrNameLst>
+                                          <p:attrName>style.visibility</p:attrName>
+                                        </p:attrNameLst>
+                                      </p:cBhvr>
+                                      <p:to>
+                                        <p:strVal val="visible"/>
+                                      </p:to>
+                                    </p:set>
+                                    <p:animEffect transition="in" filter="fade">
+                                      <p:cBhvr>
+                                        <p:cTn id="7" dur="500"/>
+                                        <p:tgtEl>
+                                          <p:spTgt spid="11"/>
+                                        </p:tgtEl>
+                                      </p:cBhvr>
+                                    </p:animEffect>
+                                  </p:childTnLst>
+                                </p:cTn>
+                              </p:par>
+                            </p:childTnLst>
+                          </p:cTn>
+                        </p:par>
+                      </p:childTnLst>
+                    </p:cTn>
+                  </p:par>
+                  <p:par>
+                    <p:cTn id="8" fill="hold">
+                      <p:stCondLst>
+                        <p:cond delay="indefinite"/>
+                      </p:stCondLst>
+                      <p:childTnLst>
+                        <p:par>
+                          <p:cTn id="9" fill="hold">
+                            <p:stCondLst>
+                              <p:cond delay="0"/>
+                            </p:stCondLst>
+                            <p:childTnLst>
+                              <p:par>
+                                <p:cTn id="10" presetID="10" presetClass="entr" presetSubtype="0" fill="hold" nodeType="clickEffect">
+                                  <p:stCondLst>
+                                    <p:cond delay="0"/>
+                                  </p:stCondLst>
+                                  <p:childTnLst>
+                                    <p:set>
+                                      <p:cBhvr>
+                                        <p:cTn id="11" dur="1" fill="hold">
+                                          <p:stCondLst>
+                                            <p:cond delay="0"/>
+                                          </p:stCondLst>
+                                        </p:cTn>
+                                        <p:tgtEl>
+                                          <p:spTgt spid="13"/>
+                                        </p:tgtEl>
+                                        <p:attrNameLst>
+                                          <p:attrName>style.visibility</p:attrName>
+                                        </p:attrNameLst>
+                                      </p:cBhvr>
+                                      <p:to>
+                                        <p:strVal val="visible"/>
+                                      </p:to>
+                                    </p:set>
+                                    <p:animEffect transition="in" filter="fade">
+                                      <p:cBhvr>
+                                        <p:cTn id="12" dur="500"/>
+                                        <p:tgtEl>
+                                          <p:spTgt spid="13"/>
+                                        </p:tgtEl>
+                                      </p:cBhvr>
+                                    </p:animEffect>
+                                  </p:childTnLst>
+                                </p:cTn>
+                              </p:par>
+                            </p:childTnLst>
+                          </p:cTn>
+                        </p:par>
+                      </p:childTnLst>
+                    </p:cTn>
+                  </p:par>
+                  <p:par>
+                    <p:cTn id="13" fill="hold">
+                      <p:stCondLst>
+                        <p:cond delay="indefinite"/>
+                      </p:stCondLst>
+                      <p:childTnLst>
+                        <p:par>
+                          <p:cTn id="14" fill="hold">
+                            <p:stCondLst>
+                              <p:cond delay="0"/>
+                            </p:stCondLst>
+                            <p:childTnLst>
+                              <p:par>
+                                <p:cTn id="15" presetID="10" presetClass="entr" presetSubtype="0" fill="hold" nodeType="clickEffect">
+                                  <p:stCondLst>
+                                    <p:cond delay="0"/>
+                                  </p:stCondLst>
+                                  <p:childTnLst>
+                                    <p:set>
+                                      <p:cBhvr>
+                                        <p:cTn id="16" dur="1" fill="hold">
+                                          <p:stCondLst>
+                                            <p:cond delay="0"/>
+                                          </p:stCondLst>
+                                        </p:cTn>
+                                        <p:tgtEl>
+                                          <p:spTgt spid="7"/>
+                                        </p:tgtEl>
+                                        <p:attrNameLst>
+                                          <p:attrName>style.visibility</p:attrName>
+                                        </p:attrNameLst>
+                                      </p:cBhvr>
+                                      <p:to>
+                                        <p:strVal val="visible"/>
+                                      </p:to>
+                                    </p:set>
+                                    <p:animEffect transition="in" filter="fade">
+                                      <p:cBhvr>
+                                        <p:cTn id="17" dur="500"/>
+                                        <p:tgtEl>
+                                          <p:spTgt spid="7"/>
+                                        </p:tgtEl>
+                                      </p:cBhvr>
+                                    </p:animEffect>
+                                  </p:childTnLst>
+                                </p:cTn>
+                              </p:par>
+                            </p:childTnLst>
+                          </p:cTn>
+                        </p:par>
+                      </p:childTnLst>
+                    </p:cTn>
+                  </p:par>
+                  <p:par>
+                    <p:cTn id="18" fill="hold">
+                      <p:stCondLst>
+                        <p:cond delay="indefinite"/>
+                      </p:stCondLst>
+                      <p:childTnLst>
+                        <p:par>
+                          <p:cTn id="19" fill="hold">
+                            <p:stCondLst>
+                              <p:cond delay="0"/>
+                            </p:stCondLst>
+                            <p:childTnLst>
+                              <p:par>
+                                <p:cTn id="20" presetID="10" presetClass="entr" presetSubtype="0" fill="hold" nodeType="clickEffect">
+                                  <p:stCondLst>
+                                    <p:cond delay="0"/>
+                                  </p:stCondLst>
+                                  <p:childTnLst>
+                                    <p:set>
+                                      <p:cBhvr>
+                                        <p:cTn id="21" dur="1" fill="hold">
+                                          <p:stCondLst>
+                                            <p:cond delay="0"/>
+                                          </p:stCondLst>
+                                        </p:cTn>
+                                        <p:tgtEl>
+                                          <p:spTgt spid="21"/>
+                                        </p:tgtEl>
+                                        <p:attrNameLst>
+                                          <p:attrName>style.visibility</p:attrName>
+                                        </p:attrNameLst>
+                                      </p:cBhvr>
+                                      <p:to>
+                                        <p:strVal val="visible"/>
+                                      </p:to>
+                                    </p:set>
+                                    <p:animEffect transition="in" filter="fade">
+                                      <p:cBhvr>
+                                        <p:cTn id="22" dur="500"/>
+                                        <p:tgtEl>
+                                          <p:spTgt spid="21"/>
+                                        </p:tgtEl>
+                                      </p:cBhvr>
+                                    </p:animEffect>
+                                  </p:childTnLst>
+                                </p:cTn>
+                              </p:par>
+                            </p:childTnLst>
+                          </p:cTn>
+                        </p:par>
+                      </p:childTnLst>
+                    </p:cTn>
+                  </p:par>
+                  <p:par>
+                    <p:cTn id="23" fill="hold">
+                      <p:stCondLst>
+                        <p:cond delay="indefinite"/>
+                      </p:stCondLst>
+                      <p:childTnLst>
+                        <p:par>
+                          <p:cTn id="24" fill="hold">
+                            <p:stCondLst>
+                              <p:cond delay="0"/>
+                            </p:stCondLst>
+                            <p:childTnLst>
+                              <p:par>
+                                <p:cTn id="25" presetID="10" presetClass="entr" presetSubtype="0" fill="hold" nodeType="clickEffect">
+                                  <p:stCondLst>
+                                    <p:cond delay="0"/>
+                                  </p:stCondLst>
+                                  <p:childTnLst>
+                                    <p:set>
+                                      <p:cBhvr>
+                                        <p:cTn id="26" dur="1" fill="hold">
+                                          <p:stCondLst>
+                                            <p:cond delay="0"/>
+                                          </p:stCondLst>
+                                        </p:cTn>
+                                        <p:tgtEl>
+                                          <p:spTgt spid="18"/>
+                                        </p:tgtEl>
+                                        <p:attrNameLst>
+                                          <p:attrName>style.visibility</p:attrName>
+                                        </p:attrNameLst>
+                                      </p:cBhvr>
+                                      <p:to>
+                                        <p:strVal val="visible"/>
+                                      </p:to>
+                                    </p:set>
+                                    <p:animEffect transition="in" filter="fade">
+                                      <p:cBhvr>
+                                        <p:cTn id="27" dur="500"/>
+                                        <p:tgtEl>
+                                          <p:spTgt spid="18"/>
+                                        </p:tgtEl>
+                                      </p:cBhvr>
+                                    </p:animEffect>
+                                  </p:childTnLst>
+                                </p:cTn>
+                              </p:par>
+                            </p:childTnLst>
+                          </p:cTn>
+                        </p:par>
+                      </p:childTnLst>
+                    </p:cTn>
+                  </p:par>
+                  <p:par>
+                    <p:cTn id="28" fill="hold">
+                      <p:stCondLst>
+                        <p:cond delay="indefinite"/>
+                      </p:stCondLst>
+                      <p:childTnLst>
+                        <p:par>
+                          <p:cTn id="29" fill="hold">
+                            <p:stCondLst>
+                              <p:cond delay="0"/>
+                            </p:stCondLst>
+                            <p:childTnLst>
+                              <p:par>
+                                <p:cTn id="30" presetID="10" presetClass="entr" presetSubtype="0" fill="hold" nodeType="clickEffect">
+                                  <p:stCondLst>
+                                    <p:cond delay="0"/>
+                                  </p:stCondLst>
+                                  <p:childTnLst>
+                                    <p:set>
+                                      <p:cBhvr>
+                                        <p:cTn id="31" dur="1" fill="hold">
+                                          <p:stCondLst>
+                                            <p:cond delay="0"/>
+                                          </p:stCondLst>
+                                        </p:cTn>
+                                        <p:tgtEl>
+                                          <p:spTgt spid="15"/>
+                                        </p:tgtEl>
+                                        <p:attrNameLst>
+                                          <p:attrName>style.visibility</p:attrName>
+                                        </p:attrNameLst>
+                                      </p:cBhvr>
+                                      <p:to>
+                                        <p:strVal val="visible"/>
+                                      </p:to>
+                                    </p:set>
+                                    <p:animEffect transition="in" filter="fade">
+                                      <p:cBhvr>
+                                        <p:cTn id="32" dur="500"/>
+                                        <p:tgtEl>
+                                          <p:spTgt spid="15"/>
+                                        </p:tgtEl>
+                                      </p:cBhvr>
+                                    </p:animEffect>
+                                  </p:childTnLst>
+                                </p:cTn>
+                              </p:par>
+                            </p:childTnLst>
+                          </p:cTn>
+                        </p:par>
+                      </p:childTnLst>
+                    </p:cTn>
+                  </p:par>
+                </p:childTnLst>
+              </p:cTn>
+              <p:prevCondLst>
+                <p:cond evt="onPrev" delay="0">
+                  <p:tgtEl>
+                    <p:sldTgt/>
+                  </p:tgtEl>
+                </p:cond>
+              </p:prevCondLst>
+              <p:nextCondLst>
+                <p:cond evt="onNext" delay="0">
+                  <p:tgtEl>
+                    <p:sldTgt/>
+                  </p:tgtEl>
+                </p:cond>
+              </p:nextCondLst>
+            </p:seq>
+          </p:childTnLst>
+        </p:cTn>
+      </p:par>
+    </p:tnLst>
+  </p:timing>
 </p:sld>
 </file>
 
@@ -16656,6 +16656,327 @@
           </a:fontRef>
         </p:style>
       </p:cxnSp>
+      <p:pic>
+        <p:nvPicPr>
+          <p:cNvPr id="3" name="Image 2">
+            <a:extLst>
+              <a:ext uri="{FF2B5EF4-FFF2-40B4-BE49-F238E27FC236}">
+                <a16:creationId xmlns:a16="http://schemas.microsoft.com/office/drawing/2014/main" id="{15023167-6A85-463A-B5B6-96E49E37FD13}"/>
+              </a:ext>
+            </a:extLst>
+          </p:cNvPr>
+          <p:cNvPicPr>
+            <a:picLocks noChangeAspect="1"/>
+          </p:cNvPicPr>
+          <p:nvPr/>
+        </p:nvPicPr>
+        <p:blipFill>
+          <a:blip r:embed="rId4">
+            <a:extLst>
+              <a:ext uri="{28A0092B-C50C-407E-A947-70E740481C1C}">
+                <a14:useLocalDpi xmlns:a14="http://schemas.microsoft.com/office/drawing/2010/main" val="0"/>
+              </a:ext>
+            </a:extLst>
+          </a:blip>
+          <a:stretch>
+            <a:fillRect/>
+          </a:stretch>
+        </p:blipFill>
+        <p:spPr>
+          <a:xfrm>
+            <a:off x="1638790" y="843147"/>
+            <a:ext cx="8731754" cy="5942096"/>
+          </a:xfrm>
+          <a:prstGeom prst="rect">
+            <a:avLst/>
+          </a:prstGeom>
+        </p:spPr>
+      </p:pic>
+      <p:pic>
+        <p:nvPicPr>
+          <p:cNvPr id="15" name="Image 14">
+            <a:extLst>
+              <a:ext uri="{FF2B5EF4-FFF2-40B4-BE49-F238E27FC236}">
+                <a16:creationId xmlns:a16="http://schemas.microsoft.com/office/drawing/2014/main" id="{7EA302B7-ED02-435B-A095-375DA8D9D3EA}"/>
+              </a:ext>
+            </a:extLst>
+          </p:cNvPr>
+          <p:cNvPicPr>
+            <a:picLocks noChangeAspect="1"/>
+          </p:cNvPicPr>
+          <p:nvPr/>
+        </p:nvPicPr>
+        <p:blipFill>
+          <a:blip r:embed="rId5">
+            <a:extLst>
+              <a:ext uri="{28A0092B-C50C-407E-A947-70E740481C1C}">
+                <a14:useLocalDpi xmlns:a14="http://schemas.microsoft.com/office/drawing/2010/main" val="0"/>
+              </a:ext>
+            </a:extLst>
+          </a:blip>
+          <a:stretch>
+            <a:fillRect/>
+          </a:stretch>
+        </p:blipFill>
+        <p:spPr>
+          <a:xfrm>
+            <a:off x="5830136" y="1474029"/>
+            <a:ext cx="349062" cy="361990"/>
+          </a:xfrm>
+          <a:prstGeom prst="rect">
+            <a:avLst/>
+          </a:prstGeom>
+          <a:ln>
+            <a:noFill/>
+          </a:ln>
+          <a:effectLst>
+            <a:outerShdw blurRad="190500" algn="tl" rotWithShape="0">
+              <a:srgbClr val="000000">
+                <a:alpha val="70000"/>
+              </a:srgbClr>
+            </a:outerShdw>
+          </a:effectLst>
+        </p:spPr>
+      </p:pic>
+      <p:pic>
+        <p:nvPicPr>
+          <p:cNvPr id="18" name="Image 17">
+            <a:extLst>
+              <a:ext uri="{FF2B5EF4-FFF2-40B4-BE49-F238E27FC236}">
+                <a16:creationId xmlns:a16="http://schemas.microsoft.com/office/drawing/2014/main" id="{9F30AF0C-09D0-4A50-B005-0EF9A8872AD2}"/>
+              </a:ext>
+            </a:extLst>
+          </p:cNvPr>
+          <p:cNvPicPr>
+            <a:picLocks noChangeAspect="1"/>
+          </p:cNvPicPr>
+          <p:nvPr/>
+        </p:nvPicPr>
+        <p:blipFill>
+          <a:blip r:embed="rId6">
+            <a:extLst>
+              <a:ext uri="{28A0092B-C50C-407E-A947-70E740481C1C}">
+                <a14:useLocalDpi xmlns:a14="http://schemas.microsoft.com/office/drawing/2010/main" val="0"/>
+              </a:ext>
+            </a:extLst>
+          </a:blip>
+          <a:stretch>
+            <a:fillRect/>
+          </a:stretch>
+        </p:blipFill>
+        <p:spPr>
+          <a:xfrm>
+            <a:off x="2109751" y="4277562"/>
+            <a:ext cx="463471" cy="463471"/>
+          </a:xfrm>
+          <a:prstGeom prst="rect">
+            <a:avLst/>
+          </a:prstGeom>
+          <a:ln>
+            <a:noFill/>
+          </a:ln>
+          <a:effectLst>
+            <a:outerShdw blurRad="190500" algn="tl" rotWithShape="0">
+              <a:srgbClr val="000000">
+                <a:alpha val="70000"/>
+              </a:srgbClr>
+            </a:outerShdw>
+          </a:effectLst>
+        </p:spPr>
+      </p:pic>
+      <p:pic>
+        <p:nvPicPr>
+          <p:cNvPr id="19" name="Image 18">
+            <a:extLst>
+              <a:ext uri="{FF2B5EF4-FFF2-40B4-BE49-F238E27FC236}">
+                <a16:creationId xmlns:a16="http://schemas.microsoft.com/office/drawing/2014/main" id="{6C126605-7D0C-475C-8116-2856DB8112F8}"/>
+              </a:ext>
+            </a:extLst>
+          </p:cNvPr>
+          <p:cNvPicPr>
+            <a:picLocks noChangeAspect="1"/>
+          </p:cNvPicPr>
+          <p:nvPr/>
+        </p:nvPicPr>
+        <p:blipFill>
+          <a:blip r:embed="rId7">
+            <a:extLst>
+              <a:ext uri="{28A0092B-C50C-407E-A947-70E740481C1C}">
+                <a14:useLocalDpi xmlns:a14="http://schemas.microsoft.com/office/drawing/2010/main" val="0"/>
+              </a:ext>
+            </a:extLst>
+          </a:blip>
+          <a:stretch>
+            <a:fillRect/>
+          </a:stretch>
+        </p:blipFill>
+        <p:spPr>
+          <a:xfrm>
+            <a:off x="3379275" y="1988190"/>
+            <a:ext cx="314739" cy="314739"/>
+          </a:xfrm>
+          <a:prstGeom prst="rect">
+            <a:avLst/>
+          </a:prstGeom>
+          <a:ln>
+            <a:noFill/>
+          </a:ln>
+          <a:effectLst>
+            <a:outerShdw blurRad="190500" algn="tl" rotWithShape="0">
+              <a:srgbClr val="000000">
+                <a:alpha val="70000"/>
+              </a:srgbClr>
+            </a:outerShdw>
+          </a:effectLst>
+        </p:spPr>
+      </p:pic>
+      <p:pic>
+        <p:nvPicPr>
+          <p:cNvPr id="21" name="Image 20">
+            <a:extLst>
+              <a:ext uri="{FF2B5EF4-FFF2-40B4-BE49-F238E27FC236}">
+                <a16:creationId xmlns:a16="http://schemas.microsoft.com/office/drawing/2014/main" id="{F80AEFB8-CDC5-44B7-A2DE-E794701CD028}"/>
+              </a:ext>
+            </a:extLst>
+          </p:cNvPr>
+          <p:cNvPicPr>
+            <a:picLocks noChangeAspect="1"/>
+          </p:cNvPicPr>
+          <p:nvPr/>
+        </p:nvPicPr>
+        <p:blipFill>
+          <a:blip r:embed="rId8">
+            <a:extLst>
+              <a:ext uri="{28A0092B-C50C-407E-A947-70E740481C1C}">
+                <a14:useLocalDpi xmlns:a14="http://schemas.microsoft.com/office/drawing/2010/main" val="0"/>
+              </a:ext>
+            </a:extLst>
+          </a:blip>
+          <a:stretch>
+            <a:fillRect/>
+          </a:stretch>
+        </p:blipFill>
+        <p:spPr>
+          <a:xfrm>
+            <a:off x="7812858" y="1232360"/>
+            <a:ext cx="483339" cy="483339"/>
+          </a:xfrm>
+          <a:prstGeom prst="rect">
+            <a:avLst/>
+          </a:prstGeom>
+          <a:ln>
+            <a:noFill/>
+          </a:ln>
+          <a:effectLst>
+            <a:outerShdw blurRad="190500" algn="tl" rotWithShape="0">
+              <a:srgbClr val="000000">
+                <a:alpha val="70000"/>
+              </a:srgbClr>
+            </a:outerShdw>
+          </a:effectLst>
+        </p:spPr>
+      </p:pic>
+      <p:pic>
+        <p:nvPicPr>
+          <p:cNvPr id="22" name="Image 21">
+            <a:extLst>
+              <a:ext uri="{FF2B5EF4-FFF2-40B4-BE49-F238E27FC236}">
+                <a16:creationId xmlns:a16="http://schemas.microsoft.com/office/drawing/2014/main" id="{0D5D1D05-A165-4058-AE72-0A53051EF4EA}"/>
+              </a:ext>
+            </a:extLst>
+          </p:cNvPr>
+          <p:cNvPicPr>
+            <a:picLocks noChangeAspect="1"/>
+          </p:cNvPicPr>
+          <p:nvPr/>
+        </p:nvPicPr>
+        <p:blipFill>
+          <a:blip r:embed="rId9">
+            <a:extLst>
+              <a:ext uri="{28A0092B-C50C-407E-A947-70E740481C1C}">
+                <a14:useLocalDpi xmlns:a14="http://schemas.microsoft.com/office/drawing/2010/main" val="0"/>
+              </a:ext>
+            </a:extLst>
+          </a:blip>
+          <a:stretch>
+            <a:fillRect/>
+          </a:stretch>
+        </p:blipFill>
+        <p:spPr>
+          <a:xfrm>
+            <a:off x="9103121" y="2616781"/>
+            <a:ext cx="381052" cy="381052"/>
+          </a:xfrm>
+          <a:prstGeom prst="rect">
+            <a:avLst/>
+          </a:prstGeom>
+          <a:ln>
+            <a:noFill/>
+          </a:ln>
+          <a:effectLst>
+            <a:outerShdw blurRad="190500" algn="tl" rotWithShape="0">
+              <a:srgbClr val="000000">
+                <a:alpha val="70000"/>
+              </a:srgbClr>
+            </a:outerShdw>
+          </a:effectLst>
+        </p:spPr>
+      </p:pic>
+      <p:pic>
+        <p:nvPicPr>
+          <p:cNvPr id="24" name="Image 23">
+            <a:extLst>
+              <a:ext uri="{FF2B5EF4-FFF2-40B4-BE49-F238E27FC236}">
+                <a16:creationId xmlns:a16="http://schemas.microsoft.com/office/drawing/2014/main" id="{06BCF2F2-43F8-4199-A696-2DBAA29A716A}"/>
+              </a:ext>
+            </a:extLst>
+          </p:cNvPr>
+          <p:cNvPicPr>
+            <a:picLocks noChangeAspect="1"/>
+          </p:cNvPicPr>
+          <p:nvPr/>
+        </p:nvPicPr>
+        <p:blipFill>
+          <a:blip r:embed="rId10">
+            <a:extLst>
+              <a:ext uri="{BEBA8EAE-BF5A-486C-A8C5-ECC9F3942E4B}">
+                <a14:imgProps xmlns:a14="http://schemas.microsoft.com/office/drawing/2010/main">
+                  <a14:imgLayer r:embed="rId11">
+                    <a14:imgEffect>
+                      <a14:colorTemperature colorTemp="11200"/>
+                    </a14:imgEffect>
+                  </a14:imgLayer>
+                </a14:imgProps>
+              </a:ext>
+              <a:ext uri="{28A0092B-C50C-407E-A947-70E740481C1C}">
+                <a14:useLocalDpi xmlns:a14="http://schemas.microsoft.com/office/drawing/2010/main" val="0"/>
+              </a:ext>
+            </a:extLst>
+          </a:blip>
+          <a:stretch>
+            <a:fillRect/>
+          </a:stretch>
+        </p:blipFill>
+        <p:spPr>
+          <a:xfrm>
+            <a:off x="6246636" y="4630139"/>
+            <a:ext cx="561839" cy="561839"/>
+          </a:xfrm>
+          <a:prstGeom prst="rect">
+            <a:avLst/>
+          </a:prstGeom>
+          <a:ln>
+            <a:noFill/>
+          </a:ln>
+          <a:effectLst>
+            <a:outerShdw blurRad="190500" algn="tl" rotWithShape="0">
+              <a:srgbClr val="000000">
+                <a:alpha val="70000"/>
+              </a:srgbClr>
+            </a:outerShdw>
+          </a:effectLst>
+        </p:spPr>
+      </p:pic>
     </p:spTree>
     <p:extLst>
       <p:ext uri="{BB962C8B-B14F-4D97-AF65-F5344CB8AC3E}">
@@ -16678,6 +16999,354 @@
       </p:transition>
     </mc:Fallback>
   </mc:AlternateContent>
+  <p:timing>
+    <p:tnLst>
+      <p:par>
+        <p:cTn id="1" dur="indefinite" restart="never" nodeType="tmRoot">
+          <p:childTnLst>
+            <p:seq concurrent="1" nextAc="seek">
+              <p:cTn id="2" dur="indefinite" nodeType="mainSeq">
+                <p:childTnLst>
+                  <p:par>
+                    <p:cTn id="3" fill="hold">
+                      <p:stCondLst>
+                        <p:cond delay="indefinite"/>
+                      </p:stCondLst>
+                      <p:childTnLst>
+                        <p:par>
+                          <p:cTn id="4" fill="hold">
+                            <p:stCondLst>
+                              <p:cond delay="0"/>
+                            </p:stCondLst>
+                            <p:childTnLst>
+                              <p:par>
+                                <p:cTn id="5" presetID="10" presetClass="entr" presetSubtype="0" fill="hold" nodeType="clickEffect">
+                                  <p:stCondLst>
+                                    <p:cond delay="0"/>
+                                  </p:stCondLst>
+                                  <p:childTnLst>
+                                    <p:set>
+                                      <p:cBhvr>
+                                        <p:cTn id="6" dur="1" fill="hold">
+                                          <p:stCondLst>
+                                            <p:cond delay="0"/>
+                                          </p:stCondLst>
+                                        </p:cTn>
+                                        <p:tgtEl>
+                                          <p:spTgt spid="15"/>
+                                        </p:tgtEl>
+                                        <p:attrNameLst>
+                                          <p:attrName>style.visibility</p:attrName>
+                                        </p:attrNameLst>
+                                      </p:cBhvr>
+                                      <p:to>
+                                        <p:strVal val="visible"/>
+                                      </p:to>
+                                    </p:set>
+                                    <p:animEffect transition="in" filter="fade">
+                                      <p:cBhvr>
+                                        <p:cTn id="7" dur="500"/>
+                                        <p:tgtEl>
+                                          <p:spTgt spid="15"/>
+                                        </p:tgtEl>
+                                      </p:cBhvr>
+                                    </p:animEffect>
+                                  </p:childTnLst>
+                                </p:cTn>
+                              </p:par>
+                            </p:childTnLst>
+                          </p:cTn>
+                        </p:par>
+                      </p:childTnLst>
+                    </p:cTn>
+                  </p:par>
+                  <p:par>
+                    <p:cTn id="8" fill="hold">
+                      <p:stCondLst>
+                        <p:cond delay="indefinite"/>
+                      </p:stCondLst>
+                      <p:childTnLst>
+                        <p:par>
+                          <p:cTn id="9" fill="hold">
+                            <p:stCondLst>
+                              <p:cond delay="0"/>
+                            </p:stCondLst>
+                            <p:childTnLst>
+                              <p:par>
+                                <p:cTn id="10" presetID="10" presetClass="entr" presetSubtype="0" fill="hold" nodeType="clickEffect">
+                                  <p:stCondLst>
+                                    <p:cond delay="0"/>
+                                  </p:stCondLst>
+                                  <p:childTnLst>
+                                    <p:set>
+                                      <p:cBhvr>
+                                        <p:cTn id="11" dur="1" fill="hold">
+                                          <p:stCondLst>
+                                            <p:cond delay="0"/>
+                                          </p:stCondLst>
+                                        </p:cTn>
+                                        <p:tgtEl>
+                                          <p:spTgt spid="18"/>
+                                        </p:tgtEl>
+                                        <p:attrNameLst>
+                                          <p:attrName>style.visibility</p:attrName>
+                                        </p:attrNameLst>
+                                      </p:cBhvr>
+                                      <p:to>
+                                        <p:strVal val="visible"/>
+                                      </p:to>
+                                    </p:set>
+                                    <p:animEffect transition="in" filter="fade">
+                                      <p:cBhvr>
+                                        <p:cTn id="12" dur="500"/>
+                                        <p:tgtEl>
+                                          <p:spTgt spid="18"/>
+                                        </p:tgtEl>
+                                      </p:cBhvr>
+                                    </p:animEffect>
+                                  </p:childTnLst>
+                                </p:cTn>
+                              </p:par>
+                            </p:childTnLst>
+                          </p:cTn>
+                        </p:par>
+                      </p:childTnLst>
+                    </p:cTn>
+                  </p:par>
+                  <p:par>
+                    <p:cTn id="13" fill="hold">
+                      <p:stCondLst>
+                        <p:cond delay="indefinite"/>
+                      </p:stCondLst>
+                      <p:childTnLst>
+                        <p:par>
+                          <p:cTn id="14" fill="hold">
+                            <p:stCondLst>
+                              <p:cond delay="0"/>
+                            </p:stCondLst>
+                            <p:childTnLst>
+                              <p:par>
+                                <p:cTn id="15" presetID="10" presetClass="entr" presetSubtype="0" fill="hold" nodeType="clickEffect">
+                                  <p:stCondLst>
+                                    <p:cond delay="0"/>
+                                  </p:stCondLst>
+                                  <p:childTnLst>
+                                    <p:set>
+                                      <p:cBhvr>
+                                        <p:cTn id="16" dur="1" fill="hold">
+                                          <p:stCondLst>
+                                            <p:cond delay="0"/>
+                                          </p:stCondLst>
+                                        </p:cTn>
+                                        <p:tgtEl>
+                                          <p:spTgt spid="19"/>
+                                        </p:tgtEl>
+                                        <p:attrNameLst>
+                                          <p:attrName>style.visibility</p:attrName>
+                                        </p:attrNameLst>
+                                      </p:cBhvr>
+                                      <p:to>
+                                        <p:strVal val="visible"/>
+                                      </p:to>
+                                    </p:set>
+                                    <p:animEffect transition="in" filter="fade">
+                                      <p:cBhvr>
+                                        <p:cTn id="17" dur="500"/>
+                                        <p:tgtEl>
+                                          <p:spTgt spid="19"/>
+                                        </p:tgtEl>
+                                      </p:cBhvr>
+                                    </p:animEffect>
+                                  </p:childTnLst>
+                                </p:cTn>
+                              </p:par>
+                            </p:childTnLst>
+                          </p:cTn>
+                        </p:par>
+                      </p:childTnLst>
+                    </p:cTn>
+                  </p:par>
+                  <p:par>
+                    <p:cTn id="18" fill="hold">
+                      <p:stCondLst>
+                        <p:cond delay="indefinite"/>
+                      </p:stCondLst>
+                      <p:childTnLst>
+                        <p:par>
+                          <p:cTn id="19" fill="hold">
+                            <p:stCondLst>
+                              <p:cond delay="0"/>
+                            </p:stCondLst>
+                            <p:childTnLst>
+                              <p:par>
+                                <p:cTn id="20" presetID="10" presetClass="entr" presetSubtype="0" fill="hold" nodeType="clickEffect">
+                                  <p:stCondLst>
+                                    <p:cond delay="0"/>
+                                  </p:stCondLst>
+                                  <p:childTnLst>
+                                    <p:set>
+                                      <p:cBhvr>
+                                        <p:cTn id="21" dur="1" fill="hold">
+                                          <p:stCondLst>
+                                            <p:cond delay="0"/>
+                                          </p:stCondLst>
+                                        </p:cTn>
+                                        <p:tgtEl>
+                                          <p:spTgt spid="21"/>
+                                        </p:tgtEl>
+                                        <p:attrNameLst>
+                                          <p:attrName>style.visibility</p:attrName>
+                                        </p:attrNameLst>
+                                      </p:cBhvr>
+                                      <p:to>
+                                        <p:strVal val="visible"/>
+                                      </p:to>
+                                    </p:set>
+                                    <p:animEffect transition="in" filter="fade">
+                                      <p:cBhvr>
+                                        <p:cTn id="22" dur="500"/>
+                                        <p:tgtEl>
+                                          <p:spTgt spid="21"/>
+                                        </p:tgtEl>
+                                      </p:cBhvr>
+                                    </p:animEffect>
+                                  </p:childTnLst>
+                                </p:cTn>
+                              </p:par>
+                            </p:childTnLst>
+                          </p:cTn>
+                        </p:par>
+                      </p:childTnLst>
+                    </p:cTn>
+                  </p:par>
+                  <p:par>
+                    <p:cTn id="23" fill="hold">
+                      <p:stCondLst>
+                        <p:cond delay="indefinite"/>
+                      </p:stCondLst>
+                      <p:childTnLst>
+                        <p:par>
+                          <p:cTn id="24" fill="hold">
+                            <p:stCondLst>
+                              <p:cond delay="0"/>
+                            </p:stCondLst>
+                            <p:childTnLst>
+                              <p:par>
+                                <p:cTn id="25" presetID="10" presetClass="entr" presetSubtype="0" fill="hold" nodeType="clickEffect">
+                                  <p:stCondLst>
+                                    <p:cond delay="0"/>
+                                  </p:stCondLst>
+                                  <p:childTnLst>
+                                    <p:set>
+                                      <p:cBhvr>
+                                        <p:cTn id="26" dur="1" fill="hold">
+                                          <p:stCondLst>
+                                            <p:cond delay="0"/>
+                                          </p:stCondLst>
+                                        </p:cTn>
+                                        <p:tgtEl>
+                                          <p:spTgt spid="22"/>
+                                        </p:tgtEl>
+                                        <p:attrNameLst>
+                                          <p:attrName>style.visibility</p:attrName>
+                                        </p:attrNameLst>
+                                      </p:cBhvr>
+                                      <p:to>
+                                        <p:strVal val="visible"/>
+                                      </p:to>
+                                    </p:set>
+                                    <p:animEffect transition="in" filter="fade">
+                                      <p:cBhvr>
+                                        <p:cTn id="27" dur="500"/>
+                                        <p:tgtEl>
+                                          <p:spTgt spid="22"/>
+                                        </p:tgtEl>
+                                      </p:cBhvr>
+                                    </p:animEffect>
+                                  </p:childTnLst>
+                                </p:cTn>
+                              </p:par>
+                            </p:childTnLst>
+                          </p:cTn>
+                        </p:par>
+                      </p:childTnLst>
+                    </p:cTn>
+                  </p:par>
+                  <p:par>
+                    <p:cTn id="28" fill="hold">
+                      <p:stCondLst>
+                        <p:cond delay="indefinite"/>
+                      </p:stCondLst>
+                      <p:childTnLst>
+                        <p:par>
+                          <p:cTn id="29" fill="hold">
+                            <p:stCondLst>
+                              <p:cond delay="0"/>
+                            </p:stCondLst>
+                            <p:childTnLst>
+                              <p:par>
+                                <p:cTn id="30" presetID="10" presetClass="entr" presetSubtype="0" fill="hold" nodeType="clickEffect">
+                                  <p:stCondLst>
+                                    <p:cond delay="0"/>
+                                  </p:stCondLst>
+                                  <p:childTnLst>
+                                    <p:set>
+                                      <p:cBhvr>
+                                        <p:cTn id="31" dur="1" fill="hold">
+                                          <p:stCondLst>
+                                            <p:cond delay="0"/>
+                                          </p:stCondLst>
+                                        </p:cTn>
+                                        <p:tgtEl>
+                                          <p:spTgt spid="24"/>
+                                        </p:tgtEl>
+                                        <p:attrNameLst>
+                                          <p:attrName>style.visibility</p:attrName>
+                                        </p:attrNameLst>
+                                      </p:cBhvr>
+                                      <p:to>
+                                        <p:strVal val="visible"/>
+                                      </p:to>
+                                    </p:set>
+                                    <p:animEffect transition="in" filter="fade">
+                                      <p:cBhvr>
+                                        <p:cTn id="32" dur="500"/>
+                                        <p:tgtEl>
+                                          <p:spTgt spid="24"/>
+                                        </p:tgtEl>
+                                      </p:cBhvr>
+                                    </p:animEffect>
+                                  </p:childTnLst>
+                                </p:cTn>
+                              </p:par>
+                            </p:childTnLst>
+                          </p:cTn>
+                        </p:par>
+                      </p:childTnLst>
+                    </p:cTn>
+                  </p:par>
+                </p:childTnLst>
+              </p:cTn>
+              <p:prevCondLst>
+                <p:cond evt="onPrev" delay="0">
+                  <p:tgtEl>
+                    <p:sldTgt/>
+                  </p:tgtEl>
+                </p:cond>
+              </p:prevCondLst>
+              <p:nextCondLst>
+                <p:cond evt="onNext" delay="0">
+                  <p:tgtEl>
+                    <p:sldTgt/>
+                  </p:tgtEl>
+                </p:cond>
+              </p:nextCondLst>
+            </p:seq>
+          </p:childTnLst>
+        </p:cTn>
+      </p:par>
+    </p:tnLst>
+  </p:timing>
 </p:sld>
 </file>
 

--- a/oral_projet/revue_2/diaporama_revue_2_samuel.pptx
+++ b/oral_projet/revue_2/diaporama_revue_2_samuel.pptx
@@ -5,7 +5,7 @@
     <p:sldMasterId id="2147483648" r:id="rId1"/>
   </p:sldMasterIdLst>
   <p:notesMasterIdLst>
-    <p:notesMasterId r:id="rId23"/>
+    <p:notesMasterId r:id="rId22"/>
   </p:notesMasterIdLst>
   <p:sldIdLst>
     <p:sldId id="256" r:id="rId2"/>
@@ -27,8 +27,7 @@
     <p:sldId id="267" r:id="rId18"/>
     <p:sldId id="278" r:id="rId19"/>
     <p:sldId id="281" r:id="rId20"/>
-    <p:sldId id="282" r:id="rId21"/>
-    <p:sldId id="283" r:id="rId22"/>
+    <p:sldId id="283" r:id="rId21"/>
   </p:sldIdLst>
   <p:sldSz cx="12192000" cy="6858000"/>
   <p:notesSz cx="6858000" cy="9144000"/>
@@ -221,7 +220,7 @@
           <a:p>
             <a:fld id="{7BEC4371-174F-4615-858D-8B61BA547698}" type="datetimeFigureOut">
               <a:rPr lang="fr-FR" smtClean="0"/>
-              <a:t>22/03/2018</a:t>
+              <a:t>26/03/2018</a:t>
             </a:fld>
             <a:endParaRPr lang="fr-FR"/>
           </a:p>
@@ -635,7 +634,7 @@
           <a:p>
             <a:fld id="{125942D7-A464-4365-815E-3C7EAFC3F152}" type="datetimeFigureOut">
               <a:rPr lang="fr-FR" smtClean="0"/>
-              <a:t>22/03/2018</a:t>
+              <a:t>26/03/2018</a:t>
             </a:fld>
             <a:endParaRPr lang="fr-FR"/>
           </a:p>
@@ -845,7 +844,7 @@
           <a:p>
             <a:fld id="{125942D7-A464-4365-815E-3C7EAFC3F152}" type="datetimeFigureOut">
               <a:rPr lang="fr-FR" smtClean="0"/>
-              <a:t>22/03/2018</a:t>
+              <a:t>26/03/2018</a:t>
             </a:fld>
             <a:endParaRPr lang="fr-FR"/>
           </a:p>
@@ -1065,7 +1064,7 @@
           <a:p>
             <a:fld id="{125942D7-A464-4365-815E-3C7EAFC3F152}" type="datetimeFigureOut">
               <a:rPr lang="fr-FR" smtClean="0"/>
-              <a:t>22/03/2018</a:t>
+              <a:t>26/03/2018</a:t>
             </a:fld>
             <a:endParaRPr lang="fr-FR"/>
           </a:p>
@@ -1275,7 +1274,7 @@
           <a:p>
             <a:fld id="{125942D7-A464-4365-815E-3C7EAFC3F152}" type="datetimeFigureOut">
               <a:rPr lang="fr-FR" smtClean="0"/>
-              <a:t>22/03/2018</a:t>
+              <a:t>26/03/2018</a:t>
             </a:fld>
             <a:endParaRPr lang="fr-FR"/>
           </a:p>
@@ -1562,7 +1561,7 @@
           <a:p>
             <a:fld id="{125942D7-A464-4365-815E-3C7EAFC3F152}" type="datetimeFigureOut">
               <a:rPr lang="fr-FR" smtClean="0"/>
-              <a:t>22/03/2018</a:t>
+              <a:t>26/03/2018</a:t>
             </a:fld>
             <a:endParaRPr lang="fr-FR"/>
           </a:p>
@@ -1839,7 +1838,7 @@
           <a:p>
             <a:fld id="{125942D7-A464-4365-815E-3C7EAFC3F152}" type="datetimeFigureOut">
               <a:rPr lang="fr-FR" smtClean="0"/>
-              <a:t>22/03/2018</a:t>
+              <a:t>26/03/2018</a:t>
             </a:fld>
             <a:endParaRPr lang="fr-FR"/>
           </a:p>
@@ -2263,7 +2262,7 @@
           <a:p>
             <a:fld id="{125942D7-A464-4365-815E-3C7EAFC3F152}" type="datetimeFigureOut">
               <a:rPr lang="fr-FR" smtClean="0"/>
-              <a:t>22/03/2018</a:t>
+              <a:t>26/03/2018</a:t>
             </a:fld>
             <a:endParaRPr lang="fr-FR"/>
           </a:p>
@@ -2416,7 +2415,7 @@
           <a:p>
             <a:fld id="{125942D7-A464-4365-815E-3C7EAFC3F152}" type="datetimeFigureOut">
               <a:rPr lang="fr-FR" smtClean="0"/>
-              <a:t>22/03/2018</a:t>
+              <a:t>26/03/2018</a:t>
             </a:fld>
             <a:endParaRPr lang="fr-FR"/>
           </a:p>
@@ -2541,7 +2540,7 @@
           <a:p>
             <a:fld id="{125942D7-A464-4365-815E-3C7EAFC3F152}" type="datetimeFigureOut">
               <a:rPr lang="fr-FR" smtClean="0"/>
-              <a:t>22/03/2018</a:t>
+              <a:t>26/03/2018</a:t>
             </a:fld>
             <a:endParaRPr lang="fr-FR"/>
           </a:p>
@@ -2864,7 +2863,7 @@
           <a:p>
             <a:fld id="{125942D7-A464-4365-815E-3C7EAFC3F152}" type="datetimeFigureOut">
               <a:rPr lang="fr-FR" smtClean="0"/>
-              <a:t>22/03/2018</a:t>
+              <a:t>26/03/2018</a:t>
             </a:fld>
             <a:endParaRPr lang="fr-FR"/>
           </a:p>
@@ -3164,7 +3163,7 @@
           <a:p>
             <a:fld id="{125942D7-A464-4365-815E-3C7EAFC3F152}" type="datetimeFigureOut">
               <a:rPr lang="fr-FR" smtClean="0"/>
-              <a:t>22/03/2018</a:t>
+              <a:t>26/03/2018</a:t>
             </a:fld>
             <a:endParaRPr lang="fr-FR"/>
           </a:p>
@@ -3417,7 +3416,7 @@
           <a:p>
             <a:fld id="{125942D7-A464-4365-815E-3C7EAFC3F152}" type="datetimeFigureOut">
               <a:rPr lang="fr-FR" smtClean="0"/>
-              <a:t>22/03/2018</a:t>
+              <a:t>26/03/2018</a:t>
             </a:fld>
             <a:endParaRPr lang="fr-FR"/>
           </a:p>
@@ -15464,42 +15463,6 @@
           </a:fontRef>
         </p:style>
       </p:cxnSp>
-      <p:pic>
-        <p:nvPicPr>
-          <p:cNvPr id="3" name="Image 2">
-            <a:extLst>
-              <a:ext uri="{FF2B5EF4-FFF2-40B4-BE49-F238E27FC236}">
-                <a16:creationId xmlns:a16="http://schemas.microsoft.com/office/drawing/2014/main" id="{5AB4EF81-71F6-47DE-B2B4-725F8472F5BA}"/>
-              </a:ext>
-            </a:extLst>
-          </p:cNvPr>
-          <p:cNvPicPr>
-            <a:picLocks noChangeAspect="1"/>
-          </p:cNvPicPr>
-          <p:nvPr/>
-        </p:nvPicPr>
-        <p:blipFill>
-          <a:blip r:embed="rId4">
-            <a:extLst>
-              <a:ext uri="{28A0092B-C50C-407E-A947-70E740481C1C}">
-                <a14:useLocalDpi xmlns:a14="http://schemas.microsoft.com/office/drawing/2010/main" val="0"/>
-              </a:ext>
-            </a:extLst>
-          </a:blip>
-          <a:stretch>
-            <a:fillRect/>
-          </a:stretch>
-        </p:blipFill>
-        <p:spPr>
-          <a:xfrm>
-            <a:off x="1698499" y="699136"/>
-            <a:ext cx="8994163" cy="6116030"/>
-          </a:xfrm>
-          <a:prstGeom prst="rect">
-            <a:avLst/>
-          </a:prstGeom>
-        </p:spPr>
-      </p:pic>
       <p:cxnSp>
         <p:nvCxnSpPr>
           <p:cNvPr id="55" name="Connecteur droit 54">
@@ -15578,10 +15541,10 @@
       </p:cxnSp>
       <p:pic>
         <p:nvPicPr>
-          <p:cNvPr id="7" name="Image 6">
-            <a:extLst>
-              <a:ext uri="{FF2B5EF4-FFF2-40B4-BE49-F238E27FC236}">
-                <a16:creationId xmlns:a16="http://schemas.microsoft.com/office/drawing/2014/main" id="{DF418CA6-5E5A-4E1A-900C-3AFF7FFE8B6C}"/>
+          <p:cNvPr id="3" name="Image 2">
+            <a:extLst>
+              <a:ext uri="{FF2B5EF4-FFF2-40B4-BE49-F238E27FC236}">
+                <a16:creationId xmlns:a16="http://schemas.microsoft.com/office/drawing/2014/main" id="{15023167-6A85-463A-B5B6-96E49E37FD13}"/>
               </a:ext>
             </a:extLst>
           </p:cNvPr>
@@ -15591,7 +15554,7 @@
           <p:nvPr/>
         </p:nvPicPr>
         <p:blipFill>
-          <a:blip r:embed="rId5">
+          <a:blip r:embed="rId4">
             <a:extLst>
               <a:ext uri="{28A0092B-C50C-407E-A947-70E740481C1C}">
                 <a14:useLocalDpi xmlns:a14="http://schemas.microsoft.com/office/drawing/2010/main" val="0"/>
@@ -15604,8 +15567,44 @@
         </p:blipFill>
         <p:spPr>
           <a:xfrm>
-            <a:off x="3531657" y="1224741"/>
-            <a:ext cx="762106" cy="762106"/>
+            <a:off x="1638790" y="843147"/>
+            <a:ext cx="8731754" cy="5942096"/>
+          </a:xfrm>
+          <a:prstGeom prst="rect">
+            <a:avLst/>
+          </a:prstGeom>
+        </p:spPr>
+      </p:pic>
+      <p:pic>
+        <p:nvPicPr>
+          <p:cNvPr id="15" name="Image 14">
+            <a:extLst>
+              <a:ext uri="{FF2B5EF4-FFF2-40B4-BE49-F238E27FC236}">
+                <a16:creationId xmlns:a16="http://schemas.microsoft.com/office/drawing/2014/main" id="{7EA302B7-ED02-435B-A095-375DA8D9D3EA}"/>
+              </a:ext>
+            </a:extLst>
+          </p:cNvPr>
+          <p:cNvPicPr>
+            <a:picLocks noChangeAspect="1"/>
+          </p:cNvPicPr>
+          <p:nvPr/>
+        </p:nvPicPr>
+        <p:blipFill>
+          <a:blip r:embed="rId5">
+            <a:extLst>
+              <a:ext uri="{28A0092B-C50C-407E-A947-70E740481C1C}">
+                <a14:useLocalDpi xmlns:a14="http://schemas.microsoft.com/office/drawing/2010/main" val="0"/>
+              </a:ext>
+            </a:extLst>
+          </a:blip>
+          <a:stretch>
+            <a:fillRect/>
+          </a:stretch>
+        </p:blipFill>
+        <p:spPr>
+          <a:xfrm>
+            <a:off x="5830136" y="1474029"/>
+            <a:ext cx="349062" cy="361990"/>
           </a:xfrm>
           <a:prstGeom prst="rect">
             <a:avLst/>
@@ -15624,10 +15623,10 @@
       </p:pic>
       <p:pic>
         <p:nvPicPr>
-          <p:cNvPr id="11" name="Image 10">
-            <a:extLst>
-              <a:ext uri="{FF2B5EF4-FFF2-40B4-BE49-F238E27FC236}">
-                <a16:creationId xmlns:a16="http://schemas.microsoft.com/office/drawing/2014/main" id="{296FA85B-98C4-420D-8E11-18D7EDC0AF8B}"/>
+          <p:cNvPr id="18" name="Image 17">
+            <a:extLst>
+              <a:ext uri="{FF2B5EF4-FFF2-40B4-BE49-F238E27FC236}">
+                <a16:creationId xmlns:a16="http://schemas.microsoft.com/office/drawing/2014/main" id="{9F30AF0C-09D0-4A50-B005-0EF9A8872AD2}"/>
               </a:ext>
             </a:extLst>
           </p:cNvPr>
@@ -15650,8 +15649,8 @@
         </p:blipFill>
         <p:spPr>
           <a:xfrm>
-            <a:off x="541216" y="1407485"/>
-            <a:ext cx="738231" cy="765572"/>
+            <a:off x="2109751" y="4277562"/>
+            <a:ext cx="463471" cy="463471"/>
           </a:xfrm>
           <a:prstGeom prst="rect">
             <a:avLst/>
@@ -15670,10 +15669,10 @@
       </p:pic>
       <p:pic>
         <p:nvPicPr>
-          <p:cNvPr id="13" name="Image 12">
-            <a:extLst>
-              <a:ext uri="{FF2B5EF4-FFF2-40B4-BE49-F238E27FC236}">
-                <a16:creationId xmlns:a16="http://schemas.microsoft.com/office/drawing/2014/main" id="{F4D60C05-C6F5-415F-B606-17DFCA17FD41}"/>
+          <p:cNvPr id="19" name="Image 18">
+            <a:extLst>
+              <a:ext uri="{FF2B5EF4-FFF2-40B4-BE49-F238E27FC236}">
+                <a16:creationId xmlns:a16="http://schemas.microsoft.com/office/drawing/2014/main" id="{6C126605-7D0C-475C-8116-2856DB8112F8}"/>
               </a:ext>
             </a:extLst>
           </p:cNvPr>
@@ -15696,8 +15695,8 @@
         </p:blipFill>
         <p:spPr>
           <a:xfrm>
-            <a:off x="1947195" y="2059648"/>
-            <a:ext cx="762106" cy="762106"/>
+            <a:off x="3379275" y="1988190"/>
+            <a:ext cx="314739" cy="314739"/>
           </a:xfrm>
           <a:prstGeom prst="rect">
             <a:avLst/>
@@ -15716,10 +15715,10 @@
       </p:pic>
       <p:pic>
         <p:nvPicPr>
-          <p:cNvPr id="15" name="Image 14">
-            <a:extLst>
-              <a:ext uri="{FF2B5EF4-FFF2-40B4-BE49-F238E27FC236}">
-                <a16:creationId xmlns:a16="http://schemas.microsoft.com/office/drawing/2014/main" id="{BF755B4E-32C3-46B1-BF3B-8A9FDD073D02}"/>
+          <p:cNvPr id="21" name="Image 20">
+            <a:extLst>
+              <a:ext uri="{FF2B5EF4-FFF2-40B4-BE49-F238E27FC236}">
+                <a16:creationId xmlns:a16="http://schemas.microsoft.com/office/drawing/2014/main" id="{F80AEFB8-CDC5-44B7-A2DE-E794701CD028}"/>
               </a:ext>
             </a:extLst>
           </p:cNvPr>
@@ -15742,8 +15741,8 @@
         </p:blipFill>
         <p:spPr>
           <a:xfrm>
-            <a:off x="6096000" y="3948673"/>
-            <a:ext cx="1161644" cy="1161644"/>
+            <a:off x="7812858" y="1232360"/>
+            <a:ext cx="483339" cy="483339"/>
           </a:xfrm>
           <a:prstGeom prst="rect">
             <a:avLst/>
@@ -15762,10 +15761,10 @@
       </p:pic>
       <p:pic>
         <p:nvPicPr>
-          <p:cNvPr id="18" name="Image 17">
-            <a:extLst>
-              <a:ext uri="{FF2B5EF4-FFF2-40B4-BE49-F238E27FC236}">
-                <a16:creationId xmlns:a16="http://schemas.microsoft.com/office/drawing/2014/main" id="{60B1563D-BE8E-40DA-9D50-991FF96A7E2A}"/>
+          <p:cNvPr id="22" name="Image 21">
+            <a:extLst>
+              <a:ext uri="{FF2B5EF4-FFF2-40B4-BE49-F238E27FC236}">
+                <a16:creationId xmlns:a16="http://schemas.microsoft.com/office/drawing/2014/main" id="{0D5D1D05-A165-4058-AE72-0A53051EF4EA}"/>
               </a:ext>
             </a:extLst>
           </p:cNvPr>
@@ -15788,8 +15787,8 @@
         </p:blipFill>
         <p:spPr>
           <a:xfrm>
-            <a:off x="9021651" y="2059648"/>
-            <a:ext cx="762106" cy="762106"/>
+            <a:off x="9103121" y="2616781"/>
+            <a:ext cx="381052" cy="381052"/>
           </a:xfrm>
           <a:prstGeom prst="rect">
             <a:avLst/>
@@ -15808,1122 +15807,6 @@
       </p:pic>
       <p:pic>
         <p:nvPicPr>
-          <p:cNvPr id="21" name="Image 20">
-            <a:extLst>
-              <a:ext uri="{FF2B5EF4-FFF2-40B4-BE49-F238E27FC236}">
-                <a16:creationId xmlns:a16="http://schemas.microsoft.com/office/drawing/2014/main" id="{E4D53F4F-5F96-4A48-93EA-D0329A4AB361}"/>
-              </a:ext>
-            </a:extLst>
-          </p:cNvPr>
-          <p:cNvPicPr>
-            <a:picLocks noChangeAspect="1"/>
-          </p:cNvPicPr>
-          <p:nvPr/>
-        </p:nvPicPr>
-        <p:blipFill>
-          <a:blip r:embed="rId10">
-            <a:extLst>
-              <a:ext uri="{28A0092B-C50C-407E-A947-70E740481C1C}">
-                <a14:useLocalDpi xmlns:a14="http://schemas.microsoft.com/office/drawing/2010/main" val="0"/>
-              </a:ext>
-            </a:extLst>
-          </a:blip>
-          <a:stretch>
-            <a:fillRect/>
-          </a:stretch>
-        </p:blipFill>
-        <p:spPr>
-          <a:xfrm>
-            <a:off x="6459311" y="393635"/>
-            <a:ext cx="994045" cy="994045"/>
-          </a:xfrm>
-          <a:prstGeom prst="rect">
-            <a:avLst/>
-          </a:prstGeom>
-          <a:ln>
-            <a:noFill/>
-          </a:ln>
-          <a:effectLst>
-            <a:outerShdw blurRad="190500" algn="tl" rotWithShape="0">
-              <a:srgbClr val="000000">
-                <a:alpha val="70000"/>
-              </a:srgbClr>
-            </a:outerShdw>
-          </a:effectLst>
-        </p:spPr>
-      </p:pic>
-    </p:spTree>
-    <p:extLst>
-      <p:ext uri="{BB962C8B-B14F-4D97-AF65-F5344CB8AC3E}">
-        <p14:creationId xmlns:p14="http://schemas.microsoft.com/office/powerpoint/2010/main" val="2808118527"/>
-      </p:ext>
-    </p:extLst>
-  </p:cSld>
-  <p:clrMapOvr>
-    <a:masterClrMapping/>
-  </p:clrMapOvr>
-  <mc:AlternateContent xmlns:mc="http://schemas.openxmlformats.org/markup-compatibility/2006" xmlns:p14="http://schemas.microsoft.com/office/powerpoint/2010/main">
-    <mc:Choice Requires="p14">
-      <p:transition spd="med">
-        <p14:reveal/>
-      </p:transition>
-    </mc:Choice>
-    <mc:Fallback xmlns="">
-      <p:transition spd="med">
-        <p:fade/>
-      </p:transition>
-    </mc:Fallback>
-  </mc:AlternateContent>
-  <p:timing>
-    <p:tnLst>
-      <p:par>
-        <p:cTn id="1" dur="indefinite" restart="never" nodeType="tmRoot">
-          <p:childTnLst>
-            <p:seq concurrent="1" nextAc="seek">
-              <p:cTn id="2" dur="indefinite" nodeType="mainSeq">
-                <p:childTnLst>
-                  <p:par>
-                    <p:cTn id="3" fill="hold">
-                      <p:stCondLst>
-                        <p:cond delay="indefinite"/>
-                      </p:stCondLst>
-                      <p:childTnLst>
-                        <p:par>
-                          <p:cTn id="4" fill="hold">
-                            <p:stCondLst>
-                              <p:cond delay="0"/>
-                            </p:stCondLst>
-                            <p:childTnLst>
-                              <p:par>
-                                <p:cTn id="5" presetID="10" presetClass="entr" presetSubtype="0" fill="hold" nodeType="clickEffect">
-                                  <p:stCondLst>
-                                    <p:cond delay="0"/>
-                                  </p:stCondLst>
-                                  <p:childTnLst>
-                                    <p:set>
-                                      <p:cBhvr>
-                                        <p:cTn id="6" dur="1" fill="hold">
-                                          <p:stCondLst>
-                                            <p:cond delay="0"/>
-                                          </p:stCondLst>
-                                        </p:cTn>
-                                        <p:tgtEl>
-                                          <p:spTgt spid="11"/>
-                                        </p:tgtEl>
-                                        <p:attrNameLst>
-                                          <p:attrName>style.visibility</p:attrName>
-                                        </p:attrNameLst>
-                                      </p:cBhvr>
-                                      <p:to>
-                                        <p:strVal val="visible"/>
-                                      </p:to>
-                                    </p:set>
-                                    <p:animEffect transition="in" filter="fade">
-                                      <p:cBhvr>
-                                        <p:cTn id="7" dur="500"/>
-                                        <p:tgtEl>
-                                          <p:spTgt spid="11"/>
-                                        </p:tgtEl>
-                                      </p:cBhvr>
-                                    </p:animEffect>
-                                  </p:childTnLst>
-                                </p:cTn>
-                              </p:par>
-                            </p:childTnLst>
-                          </p:cTn>
-                        </p:par>
-                      </p:childTnLst>
-                    </p:cTn>
-                  </p:par>
-                  <p:par>
-                    <p:cTn id="8" fill="hold">
-                      <p:stCondLst>
-                        <p:cond delay="indefinite"/>
-                      </p:stCondLst>
-                      <p:childTnLst>
-                        <p:par>
-                          <p:cTn id="9" fill="hold">
-                            <p:stCondLst>
-                              <p:cond delay="0"/>
-                            </p:stCondLst>
-                            <p:childTnLst>
-                              <p:par>
-                                <p:cTn id="10" presetID="10" presetClass="entr" presetSubtype="0" fill="hold" nodeType="clickEffect">
-                                  <p:stCondLst>
-                                    <p:cond delay="0"/>
-                                  </p:stCondLst>
-                                  <p:childTnLst>
-                                    <p:set>
-                                      <p:cBhvr>
-                                        <p:cTn id="11" dur="1" fill="hold">
-                                          <p:stCondLst>
-                                            <p:cond delay="0"/>
-                                          </p:stCondLst>
-                                        </p:cTn>
-                                        <p:tgtEl>
-                                          <p:spTgt spid="13"/>
-                                        </p:tgtEl>
-                                        <p:attrNameLst>
-                                          <p:attrName>style.visibility</p:attrName>
-                                        </p:attrNameLst>
-                                      </p:cBhvr>
-                                      <p:to>
-                                        <p:strVal val="visible"/>
-                                      </p:to>
-                                    </p:set>
-                                    <p:animEffect transition="in" filter="fade">
-                                      <p:cBhvr>
-                                        <p:cTn id="12" dur="500"/>
-                                        <p:tgtEl>
-                                          <p:spTgt spid="13"/>
-                                        </p:tgtEl>
-                                      </p:cBhvr>
-                                    </p:animEffect>
-                                  </p:childTnLst>
-                                </p:cTn>
-                              </p:par>
-                            </p:childTnLst>
-                          </p:cTn>
-                        </p:par>
-                      </p:childTnLst>
-                    </p:cTn>
-                  </p:par>
-                  <p:par>
-                    <p:cTn id="13" fill="hold">
-                      <p:stCondLst>
-                        <p:cond delay="indefinite"/>
-                      </p:stCondLst>
-                      <p:childTnLst>
-                        <p:par>
-                          <p:cTn id="14" fill="hold">
-                            <p:stCondLst>
-                              <p:cond delay="0"/>
-                            </p:stCondLst>
-                            <p:childTnLst>
-                              <p:par>
-                                <p:cTn id="15" presetID="10" presetClass="entr" presetSubtype="0" fill="hold" nodeType="clickEffect">
-                                  <p:stCondLst>
-                                    <p:cond delay="0"/>
-                                  </p:stCondLst>
-                                  <p:childTnLst>
-                                    <p:set>
-                                      <p:cBhvr>
-                                        <p:cTn id="16" dur="1" fill="hold">
-                                          <p:stCondLst>
-                                            <p:cond delay="0"/>
-                                          </p:stCondLst>
-                                        </p:cTn>
-                                        <p:tgtEl>
-                                          <p:spTgt spid="7"/>
-                                        </p:tgtEl>
-                                        <p:attrNameLst>
-                                          <p:attrName>style.visibility</p:attrName>
-                                        </p:attrNameLst>
-                                      </p:cBhvr>
-                                      <p:to>
-                                        <p:strVal val="visible"/>
-                                      </p:to>
-                                    </p:set>
-                                    <p:animEffect transition="in" filter="fade">
-                                      <p:cBhvr>
-                                        <p:cTn id="17" dur="500"/>
-                                        <p:tgtEl>
-                                          <p:spTgt spid="7"/>
-                                        </p:tgtEl>
-                                      </p:cBhvr>
-                                    </p:animEffect>
-                                  </p:childTnLst>
-                                </p:cTn>
-                              </p:par>
-                            </p:childTnLst>
-                          </p:cTn>
-                        </p:par>
-                      </p:childTnLst>
-                    </p:cTn>
-                  </p:par>
-                  <p:par>
-                    <p:cTn id="18" fill="hold">
-                      <p:stCondLst>
-                        <p:cond delay="indefinite"/>
-                      </p:stCondLst>
-                      <p:childTnLst>
-                        <p:par>
-                          <p:cTn id="19" fill="hold">
-                            <p:stCondLst>
-                              <p:cond delay="0"/>
-                            </p:stCondLst>
-                            <p:childTnLst>
-                              <p:par>
-                                <p:cTn id="20" presetID="10" presetClass="entr" presetSubtype="0" fill="hold" nodeType="clickEffect">
-                                  <p:stCondLst>
-                                    <p:cond delay="0"/>
-                                  </p:stCondLst>
-                                  <p:childTnLst>
-                                    <p:set>
-                                      <p:cBhvr>
-                                        <p:cTn id="21" dur="1" fill="hold">
-                                          <p:stCondLst>
-                                            <p:cond delay="0"/>
-                                          </p:stCondLst>
-                                        </p:cTn>
-                                        <p:tgtEl>
-                                          <p:spTgt spid="21"/>
-                                        </p:tgtEl>
-                                        <p:attrNameLst>
-                                          <p:attrName>style.visibility</p:attrName>
-                                        </p:attrNameLst>
-                                      </p:cBhvr>
-                                      <p:to>
-                                        <p:strVal val="visible"/>
-                                      </p:to>
-                                    </p:set>
-                                    <p:animEffect transition="in" filter="fade">
-                                      <p:cBhvr>
-                                        <p:cTn id="22" dur="500"/>
-                                        <p:tgtEl>
-                                          <p:spTgt spid="21"/>
-                                        </p:tgtEl>
-                                      </p:cBhvr>
-                                    </p:animEffect>
-                                  </p:childTnLst>
-                                </p:cTn>
-                              </p:par>
-                            </p:childTnLst>
-                          </p:cTn>
-                        </p:par>
-                      </p:childTnLst>
-                    </p:cTn>
-                  </p:par>
-                  <p:par>
-                    <p:cTn id="23" fill="hold">
-                      <p:stCondLst>
-                        <p:cond delay="indefinite"/>
-                      </p:stCondLst>
-                      <p:childTnLst>
-                        <p:par>
-                          <p:cTn id="24" fill="hold">
-                            <p:stCondLst>
-                              <p:cond delay="0"/>
-                            </p:stCondLst>
-                            <p:childTnLst>
-                              <p:par>
-                                <p:cTn id="25" presetID="10" presetClass="entr" presetSubtype="0" fill="hold" nodeType="clickEffect">
-                                  <p:stCondLst>
-                                    <p:cond delay="0"/>
-                                  </p:stCondLst>
-                                  <p:childTnLst>
-                                    <p:set>
-                                      <p:cBhvr>
-                                        <p:cTn id="26" dur="1" fill="hold">
-                                          <p:stCondLst>
-                                            <p:cond delay="0"/>
-                                          </p:stCondLst>
-                                        </p:cTn>
-                                        <p:tgtEl>
-                                          <p:spTgt spid="18"/>
-                                        </p:tgtEl>
-                                        <p:attrNameLst>
-                                          <p:attrName>style.visibility</p:attrName>
-                                        </p:attrNameLst>
-                                      </p:cBhvr>
-                                      <p:to>
-                                        <p:strVal val="visible"/>
-                                      </p:to>
-                                    </p:set>
-                                    <p:animEffect transition="in" filter="fade">
-                                      <p:cBhvr>
-                                        <p:cTn id="27" dur="500"/>
-                                        <p:tgtEl>
-                                          <p:spTgt spid="18"/>
-                                        </p:tgtEl>
-                                      </p:cBhvr>
-                                    </p:animEffect>
-                                  </p:childTnLst>
-                                </p:cTn>
-                              </p:par>
-                            </p:childTnLst>
-                          </p:cTn>
-                        </p:par>
-                      </p:childTnLst>
-                    </p:cTn>
-                  </p:par>
-                  <p:par>
-                    <p:cTn id="28" fill="hold">
-                      <p:stCondLst>
-                        <p:cond delay="indefinite"/>
-                      </p:stCondLst>
-                      <p:childTnLst>
-                        <p:par>
-                          <p:cTn id="29" fill="hold">
-                            <p:stCondLst>
-                              <p:cond delay="0"/>
-                            </p:stCondLst>
-                            <p:childTnLst>
-                              <p:par>
-                                <p:cTn id="30" presetID="10" presetClass="entr" presetSubtype="0" fill="hold" nodeType="clickEffect">
-                                  <p:stCondLst>
-                                    <p:cond delay="0"/>
-                                  </p:stCondLst>
-                                  <p:childTnLst>
-                                    <p:set>
-                                      <p:cBhvr>
-                                        <p:cTn id="31" dur="1" fill="hold">
-                                          <p:stCondLst>
-                                            <p:cond delay="0"/>
-                                          </p:stCondLst>
-                                        </p:cTn>
-                                        <p:tgtEl>
-                                          <p:spTgt spid="15"/>
-                                        </p:tgtEl>
-                                        <p:attrNameLst>
-                                          <p:attrName>style.visibility</p:attrName>
-                                        </p:attrNameLst>
-                                      </p:cBhvr>
-                                      <p:to>
-                                        <p:strVal val="visible"/>
-                                      </p:to>
-                                    </p:set>
-                                    <p:animEffect transition="in" filter="fade">
-                                      <p:cBhvr>
-                                        <p:cTn id="32" dur="500"/>
-                                        <p:tgtEl>
-                                          <p:spTgt spid="15"/>
-                                        </p:tgtEl>
-                                      </p:cBhvr>
-                                    </p:animEffect>
-                                  </p:childTnLst>
-                                </p:cTn>
-                              </p:par>
-                            </p:childTnLst>
-                          </p:cTn>
-                        </p:par>
-                      </p:childTnLst>
-                    </p:cTn>
-                  </p:par>
-                </p:childTnLst>
-              </p:cTn>
-              <p:prevCondLst>
-                <p:cond evt="onPrev" delay="0">
-                  <p:tgtEl>
-                    <p:sldTgt/>
-                  </p:tgtEl>
-                </p:cond>
-              </p:prevCondLst>
-              <p:nextCondLst>
-                <p:cond evt="onNext" delay="0">
-                  <p:tgtEl>
-                    <p:sldTgt/>
-                  </p:tgtEl>
-                </p:cond>
-              </p:nextCondLst>
-            </p:seq>
-          </p:childTnLst>
-        </p:cTn>
-      </p:par>
-    </p:tnLst>
-  </p:timing>
-</p:sld>
-</file>
-
-<file path=ppt/slides/slide21.xml><?xml version="1.0" encoding="utf-8"?>
-<p:sld xmlns:a="http://schemas.openxmlformats.org/drawingml/2006/main" xmlns:r="http://schemas.openxmlformats.org/officeDocument/2006/relationships" xmlns:p="http://schemas.openxmlformats.org/presentationml/2006/main">
-  <p:cSld>
-    <p:spTree>
-      <p:nvGrpSpPr>
-        <p:cNvPr id="1" name=""/>
-        <p:cNvGrpSpPr/>
-        <p:nvPr/>
-      </p:nvGrpSpPr>
-      <p:grpSpPr>
-        <a:xfrm>
-          <a:off x="0" y="0"/>
-          <a:ext cx="0" cy="0"/>
-          <a:chOff x="0" y="0"/>
-          <a:chExt cx="0" cy="0"/>
-        </a:xfrm>
-      </p:grpSpPr>
-      <p:pic>
-        <p:nvPicPr>
-          <p:cNvPr id="8" name="Image 7">
-            <a:extLst>
-              <a:ext uri="{FF2B5EF4-FFF2-40B4-BE49-F238E27FC236}">
-                <a16:creationId xmlns:a16="http://schemas.microsoft.com/office/drawing/2014/main" id="{2BB825C5-31DA-4A56-85EA-536DBF510A31}"/>
-              </a:ext>
-            </a:extLst>
-          </p:cNvPr>
-          <p:cNvPicPr>
-            <a:picLocks noChangeAspect="1"/>
-          </p:cNvPicPr>
-          <p:nvPr/>
-        </p:nvPicPr>
-        <p:blipFill>
-          <a:blip r:embed="rId2">
-            <a:extLst>
-              <a:ext uri="{28A0092B-C50C-407E-A947-70E740481C1C}">
-                <a14:useLocalDpi xmlns:a14="http://schemas.microsoft.com/office/drawing/2010/main" val="0"/>
-              </a:ext>
-            </a:extLst>
-          </a:blip>
-          <a:stretch>
-            <a:fillRect/>
-          </a:stretch>
-        </p:blipFill>
-        <p:spPr>
-          <a:xfrm>
-            <a:off x="1068751" y="66457"/>
-            <a:ext cx="1259497" cy="776690"/>
-          </a:xfrm>
-          <a:prstGeom prst="rect">
-            <a:avLst/>
-          </a:prstGeom>
-        </p:spPr>
-      </p:pic>
-      <p:pic>
-        <p:nvPicPr>
-          <p:cNvPr id="10" name="Image 9">
-            <a:extLst>
-              <a:ext uri="{FF2B5EF4-FFF2-40B4-BE49-F238E27FC236}">
-                <a16:creationId xmlns:a16="http://schemas.microsoft.com/office/drawing/2014/main" id="{8EE7436F-49F2-41E0-93E4-D247B4705294}"/>
-              </a:ext>
-            </a:extLst>
-          </p:cNvPr>
-          <p:cNvPicPr>
-            <a:picLocks noChangeAspect="1"/>
-          </p:cNvPicPr>
-          <p:nvPr/>
-        </p:nvPicPr>
-        <p:blipFill>
-          <a:blip r:embed="rId3">
-            <a:extLst>
-              <a:ext uri="{28A0092B-C50C-407E-A947-70E740481C1C}">
-                <a14:useLocalDpi xmlns:a14="http://schemas.microsoft.com/office/drawing/2010/main" val="0"/>
-              </a:ext>
-            </a:extLst>
-          </a:blip>
-          <a:stretch>
-            <a:fillRect/>
-          </a:stretch>
-        </p:blipFill>
-        <p:spPr>
-          <a:xfrm>
-            <a:off x="9681085" y="238153"/>
-            <a:ext cx="1802101" cy="569807"/>
-          </a:xfrm>
-          <a:prstGeom prst="rect">
-            <a:avLst/>
-          </a:prstGeom>
-        </p:spPr>
-      </p:pic>
-      <p:cxnSp>
-        <p:nvCxnSpPr>
-          <p:cNvPr id="16" name="Connecteur droit 15">
-            <a:extLst>
-              <a:ext uri="{FF2B5EF4-FFF2-40B4-BE49-F238E27FC236}">
-                <a16:creationId xmlns:a16="http://schemas.microsoft.com/office/drawing/2014/main" id="{7319284A-BD6F-4A96-8E2B-E0A4B52E53C6}"/>
-              </a:ext>
-            </a:extLst>
-          </p:cNvPr>
-          <p:cNvCxnSpPr>
-            <a:cxnSpLocks/>
-          </p:cNvCxnSpPr>
-          <p:nvPr/>
-        </p:nvCxnSpPr>
-        <p:spPr>
-          <a:xfrm flipV="1">
-            <a:off x="0" y="454803"/>
-            <a:ext cx="738231" cy="1798"/>
-          </a:xfrm>
-          <a:prstGeom prst="line">
-            <a:avLst/>
-          </a:prstGeom>
-        </p:spPr>
-        <p:style>
-          <a:lnRef idx="3">
-            <a:schemeClr val="dk1"/>
-          </a:lnRef>
-          <a:fillRef idx="0">
-            <a:schemeClr val="dk1"/>
-          </a:fillRef>
-          <a:effectRef idx="2">
-            <a:schemeClr val="dk1"/>
-          </a:effectRef>
-          <a:fontRef idx="minor">
-            <a:schemeClr val="tx1"/>
-          </a:fontRef>
-        </p:style>
-      </p:cxnSp>
-      <p:cxnSp>
-        <p:nvCxnSpPr>
-          <p:cNvPr id="20" name="Connecteur droit 19">
-            <a:extLst>
-              <a:ext uri="{FF2B5EF4-FFF2-40B4-BE49-F238E27FC236}">
-                <a16:creationId xmlns:a16="http://schemas.microsoft.com/office/drawing/2014/main" id="{08874CF7-F149-4C81-B61E-74E18342BA8A}"/>
-              </a:ext>
-            </a:extLst>
-          </p:cNvPr>
-          <p:cNvCxnSpPr>
-            <a:cxnSpLocks/>
-          </p:cNvCxnSpPr>
-          <p:nvPr/>
-        </p:nvCxnSpPr>
-        <p:spPr>
-          <a:xfrm>
-            <a:off x="2573222" y="454803"/>
-            <a:ext cx="6829482" cy="10398"/>
-          </a:xfrm>
-          <a:prstGeom prst="line">
-            <a:avLst/>
-          </a:prstGeom>
-        </p:spPr>
-        <p:style>
-          <a:lnRef idx="3">
-            <a:schemeClr val="dk1"/>
-          </a:lnRef>
-          <a:fillRef idx="0">
-            <a:schemeClr val="dk1"/>
-          </a:fillRef>
-          <a:effectRef idx="2">
-            <a:schemeClr val="dk1"/>
-          </a:effectRef>
-          <a:fontRef idx="minor">
-            <a:schemeClr val="tx1"/>
-          </a:fontRef>
-        </p:style>
-      </p:cxnSp>
-      <p:cxnSp>
-        <p:nvCxnSpPr>
-          <p:cNvPr id="26" name="Connecteur droit 25">
-            <a:extLst>
-              <a:ext uri="{FF2B5EF4-FFF2-40B4-BE49-F238E27FC236}">
-                <a16:creationId xmlns:a16="http://schemas.microsoft.com/office/drawing/2014/main" id="{BB3B35CC-057B-48C1-880F-3306A6559175}"/>
-              </a:ext>
-            </a:extLst>
-          </p:cNvPr>
-          <p:cNvCxnSpPr>
-            <a:cxnSpLocks/>
-          </p:cNvCxnSpPr>
-          <p:nvPr/>
-        </p:nvCxnSpPr>
-        <p:spPr>
-          <a:xfrm>
-            <a:off x="738231" y="454803"/>
-            <a:ext cx="344203" cy="484764"/>
-          </a:xfrm>
-          <a:prstGeom prst="line">
-            <a:avLst/>
-          </a:prstGeom>
-        </p:spPr>
-        <p:style>
-          <a:lnRef idx="3">
-            <a:schemeClr val="dk1"/>
-          </a:lnRef>
-          <a:fillRef idx="0">
-            <a:schemeClr val="dk1"/>
-          </a:fillRef>
-          <a:effectRef idx="2">
-            <a:schemeClr val="dk1"/>
-          </a:effectRef>
-          <a:fontRef idx="minor">
-            <a:schemeClr val="tx1"/>
-          </a:fontRef>
-        </p:style>
-      </p:cxnSp>
-      <p:cxnSp>
-        <p:nvCxnSpPr>
-          <p:cNvPr id="32" name="Connecteur droit 31">
-            <a:extLst>
-              <a:ext uri="{FF2B5EF4-FFF2-40B4-BE49-F238E27FC236}">
-                <a16:creationId xmlns:a16="http://schemas.microsoft.com/office/drawing/2014/main" id="{4AD96496-1EB6-4E48-9BB2-5C255495C686}"/>
-              </a:ext>
-            </a:extLst>
-          </p:cNvPr>
-          <p:cNvCxnSpPr>
-            <a:cxnSpLocks/>
-          </p:cNvCxnSpPr>
-          <p:nvPr/>
-        </p:nvCxnSpPr>
-        <p:spPr>
-          <a:xfrm>
-            <a:off x="1082434" y="938268"/>
-            <a:ext cx="1146585" cy="0"/>
-          </a:xfrm>
-          <a:prstGeom prst="line">
-            <a:avLst/>
-          </a:prstGeom>
-        </p:spPr>
-        <p:style>
-          <a:lnRef idx="3">
-            <a:schemeClr val="dk1"/>
-          </a:lnRef>
-          <a:fillRef idx="0">
-            <a:schemeClr val="dk1"/>
-          </a:fillRef>
-          <a:effectRef idx="2">
-            <a:schemeClr val="dk1"/>
-          </a:effectRef>
-          <a:fontRef idx="minor">
-            <a:schemeClr val="tx1"/>
-          </a:fontRef>
-        </p:style>
-      </p:cxnSp>
-      <p:cxnSp>
-        <p:nvCxnSpPr>
-          <p:cNvPr id="51" name="Connecteur droit 50">
-            <a:extLst>
-              <a:ext uri="{FF2B5EF4-FFF2-40B4-BE49-F238E27FC236}">
-                <a16:creationId xmlns:a16="http://schemas.microsoft.com/office/drawing/2014/main" id="{C035BFA6-ECBF-4775-BA81-19D2CA41AA8D}"/>
-              </a:ext>
-            </a:extLst>
-          </p:cNvPr>
-          <p:cNvCxnSpPr>
-            <a:cxnSpLocks/>
-          </p:cNvCxnSpPr>
-          <p:nvPr/>
-        </p:nvCxnSpPr>
-        <p:spPr>
-          <a:xfrm>
-            <a:off x="9402704" y="465201"/>
-            <a:ext cx="344203" cy="495163"/>
-          </a:xfrm>
-          <a:prstGeom prst="line">
-            <a:avLst/>
-          </a:prstGeom>
-        </p:spPr>
-        <p:style>
-          <a:lnRef idx="3">
-            <a:schemeClr val="dk1"/>
-          </a:lnRef>
-          <a:fillRef idx="0">
-            <a:schemeClr val="dk1"/>
-          </a:fillRef>
-          <a:effectRef idx="2">
-            <a:schemeClr val="dk1"/>
-          </a:effectRef>
-          <a:fontRef idx="minor">
-            <a:schemeClr val="tx1"/>
-          </a:fontRef>
-        </p:style>
-      </p:cxnSp>
-      <p:cxnSp>
-        <p:nvCxnSpPr>
-          <p:cNvPr id="52" name="Connecteur droit 51">
-            <a:extLst>
-              <a:ext uri="{FF2B5EF4-FFF2-40B4-BE49-F238E27FC236}">
-                <a16:creationId xmlns:a16="http://schemas.microsoft.com/office/drawing/2014/main" id="{FA310BC7-694B-4984-99A2-61A1F4F6EBF9}"/>
-              </a:ext>
-            </a:extLst>
-          </p:cNvPr>
-          <p:cNvCxnSpPr>
-            <a:cxnSpLocks/>
-          </p:cNvCxnSpPr>
-          <p:nvPr/>
-        </p:nvCxnSpPr>
-        <p:spPr>
-          <a:xfrm flipH="1">
-            <a:off x="11370469" y="448308"/>
-            <a:ext cx="364332" cy="501657"/>
-          </a:xfrm>
-          <a:prstGeom prst="line">
-            <a:avLst/>
-          </a:prstGeom>
-        </p:spPr>
-        <p:style>
-          <a:lnRef idx="3">
-            <a:schemeClr val="dk1"/>
-          </a:lnRef>
-          <a:fillRef idx="0">
-            <a:schemeClr val="dk1"/>
-          </a:fillRef>
-          <a:effectRef idx="2">
-            <a:schemeClr val="dk1"/>
-          </a:effectRef>
-          <a:fontRef idx="minor">
-            <a:schemeClr val="tx1"/>
-          </a:fontRef>
-        </p:style>
-      </p:cxnSp>
-      <p:cxnSp>
-        <p:nvCxnSpPr>
-          <p:cNvPr id="53" name="Connecteur droit 52">
-            <a:extLst>
-              <a:ext uri="{FF2B5EF4-FFF2-40B4-BE49-F238E27FC236}">
-                <a16:creationId xmlns:a16="http://schemas.microsoft.com/office/drawing/2014/main" id="{BE0649BD-EE59-4DDA-960F-95B2572F9F13}"/>
-              </a:ext>
-            </a:extLst>
-          </p:cNvPr>
-          <p:cNvCxnSpPr>
-            <a:cxnSpLocks/>
-          </p:cNvCxnSpPr>
-          <p:nvPr/>
-        </p:nvCxnSpPr>
-        <p:spPr>
-          <a:xfrm>
-            <a:off x="9743203" y="949965"/>
-            <a:ext cx="1627266" cy="0"/>
-          </a:xfrm>
-          <a:prstGeom prst="line">
-            <a:avLst/>
-          </a:prstGeom>
-        </p:spPr>
-        <p:style>
-          <a:lnRef idx="3">
-            <a:schemeClr val="dk1"/>
-          </a:lnRef>
-          <a:fillRef idx="0">
-            <a:schemeClr val="dk1"/>
-          </a:fillRef>
-          <a:effectRef idx="2">
-            <a:schemeClr val="dk1"/>
-          </a:effectRef>
-          <a:fontRef idx="minor">
-            <a:schemeClr val="tx1"/>
-          </a:fontRef>
-        </p:style>
-      </p:cxnSp>
-      <p:cxnSp>
-        <p:nvCxnSpPr>
-          <p:cNvPr id="55" name="Connecteur droit 54">
-            <a:extLst>
-              <a:ext uri="{FF2B5EF4-FFF2-40B4-BE49-F238E27FC236}">
-                <a16:creationId xmlns:a16="http://schemas.microsoft.com/office/drawing/2014/main" id="{52AA9200-DAFA-4EEF-AC13-4C7CE82A59EC}"/>
-              </a:ext>
-            </a:extLst>
-          </p:cNvPr>
-          <p:cNvCxnSpPr>
-            <a:cxnSpLocks/>
-          </p:cNvCxnSpPr>
-          <p:nvPr/>
-        </p:nvCxnSpPr>
-        <p:spPr>
-          <a:xfrm>
-            <a:off x="11715750" y="454801"/>
-            <a:ext cx="476249" cy="10400"/>
-          </a:xfrm>
-          <a:prstGeom prst="line">
-            <a:avLst/>
-          </a:prstGeom>
-        </p:spPr>
-        <p:style>
-          <a:lnRef idx="3">
-            <a:schemeClr val="dk1"/>
-          </a:lnRef>
-          <a:fillRef idx="0">
-            <a:schemeClr val="dk1"/>
-          </a:fillRef>
-          <a:effectRef idx="2">
-            <a:schemeClr val="dk1"/>
-          </a:effectRef>
-          <a:fontRef idx="minor">
-            <a:schemeClr val="tx1"/>
-          </a:fontRef>
-        </p:style>
-      </p:cxnSp>
-      <p:cxnSp>
-        <p:nvCxnSpPr>
-          <p:cNvPr id="23" name="Connecteur droit 22">
-            <a:extLst>
-              <a:ext uri="{FF2B5EF4-FFF2-40B4-BE49-F238E27FC236}">
-                <a16:creationId xmlns:a16="http://schemas.microsoft.com/office/drawing/2014/main" id="{BCB092C8-0080-4E56-957E-0046D4C83988}"/>
-              </a:ext>
-            </a:extLst>
-          </p:cNvPr>
-          <p:cNvCxnSpPr>
-            <a:cxnSpLocks/>
-          </p:cNvCxnSpPr>
-          <p:nvPr/>
-        </p:nvCxnSpPr>
-        <p:spPr>
-          <a:xfrm flipH="1">
-            <a:off x="2216372" y="446356"/>
-            <a:ext cx="364332" cy="501657"/>
-          </a:xfrm>
-          <a:prstGeom prst="line">
-            <a:avLst/>
-          </a:prstGeom>
-        </p:spPr>
-        <p:style>
-          <a:lnRef idx="3">
-            <a:schemeClr val="dk1"/>
-          </a:lnRef>
-          <a:fillRef idx="0">
-            <a:schemeClr val="dk1"/>
-          </a:fillRef>
-          <a:effectRef idx="2">
-            <a:schemeClr val="dk1"/>
-          </a:effectRef>
-          <a:fontRef idx="minor">
-            <a:schemeClr val="tx1"/>
-          </a:fontRef>
-        </p:style>
-      </p:cxnSp>
-      <p:pic>
-        <p:nvPicPr>
-          <p:cNvPr id="3" name="Image 2">
-            <a:extLst>
-              <a:ext uri="{FF2B5EF4-FFF2-40B4-BE49-F238E27FC236}">
-                <a16:creationId xmlns:a16="http://schemas.microsoft.com/office/drawing/2014/main" id="{15023167-6A85-463A-B5B6-96E49E37FD13}"/>
-              </a:ext>
-            </a:extLst>
-          </p:cNvPr>
-          <p:cNvPicPr>
-            <a:picLocks noChangeAspect="1"/>
-          </p:cNvPicPr>
-          <p:nvPr/>
-        </p:nvPicPr>
-        <p:blipFill>
-          <a:blip r:embed="rId4">
-            <a:extLst>
-              <a:ext uri="{28A0092B-C50C-407E-A947-70E740481C1C}">
-                <a14:useLocalDpi xmlns:a14="http://schemas.microsoft.com/office/drawing/2010/main" val="0"/>
-              </a:ext>
-            </a:extLst>
-          </a:blip>
-          <a:stretch>
-            <a:fillRect/>
-          </a:stretch>
-        </p:blipFill>
-        <p:spPr>
-          <a:xfrm>
-            <a:off x="1638790" y="843147"/>
-            <a:ext cx="8731754" cy="5942096"/>
-          </a:xfrm>
-          <a:prstGeom prst="rect">
-            <a:avLst/>
-          </a:prstGeom>
-        </p:spPr>
-      </p:pic>
-      <p:pic>
-        <p:nvPicPr>
-          <p:cNvPr id="15" name="Image 14">
-            <a:extLst>
-              <a:ext uri="{FF2B5EF4-FFF2-40B4-BE49-F238E27FC236}">
-                <a16:creationId xmlns:a16="http://schemas.microsoft.com/office/drawing/2014/main" id="{7EA302B7-ED02-435B-A095-375DA8D9D3EA}"/>
-              </a:ext>
-            </a:extLst>
-          </p:cNvPr>
-          <p:cNvPicPr>
-            <a:picLocks noChangeAspect="1"/>
-          </p:cNvPicPr>
-          <p:nvPr/>
-        </p:nvPicPr>
-        <p:blipFill>
-          <a:blip r:embed="rId5">
-            <a:extLst>
-              <a:ext uri="{28A0092B-C50C-407E-A947-70E740481C1C}">
-                <a14:useLocalDpi xmlns:a14="http://schemas.microsoft.com/office/drawing/2010/main" val="0"/>
-              </a:ext>
-            </a:extLst>
-          </a:blip>
-          <a:stretch>
-            <a:fillRect/>
-          </a:stretch>
-        </p:blipFill>
-        <p:spPr>
-          <a:xfrm>
-            <a:off x="5830136" y="1474029"/>
-            <a:ext cx="349062" cy="361990"/>
-          </a:xfrm>
-          <a:prstGeom prst="rect">
-            <a:avLst/>
-          </a:prstGeom>
-          <a:ln>
-            <a:noFill/>
-          </a:ln>
-          <a:effectLst>
-            <a:outerShdw blurRad="190500" algn="tl" rotWithShape="0">
-              <a:srgbClr val="000000">
-                <a:alpha val="70000"/>
-              </a:srgbClr>
-            </a:outerShdw>
-          </a:effectLst>
-        </p:spPr>
-      </p:pic>
-      <p:pic>
-        <p:nvPicPr>
-          <p:cNvPr id="18" name="Image 17">
-            <a:extLst>
-              <a:ext uri="{FF2B5EF4-FFF2-40B4-BE49-F238E27FC236}">
-                <a16:creationId xmlns:a16="http://schemas.microsoft.com/office/drawing/2014/main" id="{9F30AF0C-09D0-4A50-B005-0EF9A8872AD2}"/>
-              </a:ext>
-            </a:extLst>
-          </p:cNvPr>
-          <p:cNvPicPr>
-            <a:picLocks noChangeAspect="1"/>
-          </p:cNvPicPr>
-          <p:nvPr/>
-        </p:nvPicPr>
-        <p:blipFill>
-          <a:blip r:embed="rId6">
-            <a:extLst>
-              <a:ext uri="{28A0092B-C50C-407E-A947-70E740481C1C}">
-                <a14:useLocalDpi xmlns:a14="http://schemas.microsoft.com/office/drawing/2010/main" val="0"/>
-              </a:ext>
-            </a:extLst>
-          </a:blip>
-          <a:stretch>
-            <a:fillRect/>
-          </a:stretch>
-        </p:blipFill>
-        <p:spPr>
-          <a:xfrm>
-            <a:off x="2109751" y="4277562"/>
-            <a:ext cx="463471" cy="463471"/>
-          </a:xfrm>
-          <a:prstGeom prst="rect">
-            <a:avLst/>
-          </a:prstGeom>
-          <a:ln>
-            <a:noFill/>
-          </a:ln>
-          <a:effectLst>
-            <a:outerShdw blurRad="190500" algn="tl" rotWithShape="0">
-              <a:srgbClr val="000000">
-                <a:alpha val="70000"/>
-              </a:srgbClr>
-            </a:outerShdw>
-          </a:effectLst>
-        </p:spPr>
-      </p:pic>
-      <p:pic>
-        <p:nvPicPr>
-          <p:cNvPr id="19" name="Image 18">
-            <a:extLst>
-              <a:ext uri="{FF2B5EF4-FFF2-40B4-BE49-F238E27FC236}">
-                <a16:creationId xmlns:a16="http://schemas.microsoft.com/office/drawing/2014/main" id="{6C126605-7D0C-475C-8116-2856DB8112F8}"/>
-              </a:ext>
-            </a:extLst>
-          </p:cNvPr>
-          <p:cNvPicPr>
-            <a:picLocks noChangeAspect="1"/>
-          </p:cNvPicPr>
-          <p:nvPr/>
-        </p:nvPicPr>
-        <p:blipFill>
-          <a:blip r:embed="rId7">
-            <a:extLst>
-              <a:ext uri="{28A0092B-C50C-407E-A947-70E740481C1C}">
-                <a14:useLocalDpi xmlns:a14="http://schemas.microsoft.com/office/drawing/2010/main" val="0"/>
-              </a:ext>
-            </a:extLst>
-          </a:blip>
-          <a:stretch>
-            <a:fillRect/>
-          </a:stretch>
-        </p:blipFill>
-        <p:spPr>
-          <a:xfrm>
-            <a:off x="3379275" y="1988190"/>
-            <a:ext cx="314739" cy="314739"/>
-          </a:xfrm>
-          <a:prstGeom prst="rect">
-            <a:avLst/>
-          </a:prstGeom>
-          <a:ln>
-            <a:noFill/>
-          </a:ln>
-          <a:effectLst>
-            <a:outerShdw blurRad="190500" algn="tl" rotWithShape="0">
-              <a:srgbClr val="000000">
-                <a:alpha val="70000"/>
-              </a:srgbClr>
-            </a:outerShdw>
-          </a:effectLst>
-        </p:spPr>
-      </p:pic>
-      <p:pic>
-        <p:nvPicPr>
-          <p:cNvPr id="21" name="Image 20">
-            <a:extLst>
-              <a:ext uri="{FF2B5EF4-FFF2-40B4-BE49-F238E27FC236}">
-                <a16:creationId xmlns:a16="http://schemas.microsoft.com/office/drawing/2014/main" id="{F80AEFB8-CDC5-44B7-A2DE-E794701CD028}"/>
-              </a:ext>
-            </a:extLst>
-          </p:cNvPr>
-          <p:cNvPicPr>
-            <a:picLocks noChangeAspect="1"/>
-          </p:cNvPicPr>
-          <p:nvPr/>
-        </p:nvPicPr>
-        <p:blipFill>
-          <a:blip r:embed="rId8">
-            <a:extLst>
-              <a:ext uri="{28A0092B-C50C-407E-A947-70E740481C1C}">
-                <a14:useLocalDpi xmlns:a14="http://schemas.microsoft.com/office/drawing/2010/main" val="0"/>
-              </a:ext>
-            </a:extLst>
-          </a:blip>
-          <a:stretch>
-            <a:fillRect/>
-          </a:stretch>
-        </p:blipFill>
-        <p:spPr>
-          <a:xfrm>
-            <a:off x="7812858" y="1232360"/>
-            <a:ext cx="483339" cy="483339"/>
-          </a:xfrm>
-          <a:prstGeom prst="rect">
-            <a:avLst/>
-          </a:prstGeom>
-          <a:ln>
-            <a:noFill/>
-          </a:ln>
-          <a:effectLst>
-            <a:outerShdw blurRad="190500" algn="tl" rotWithShape="0">
-              <a:srgbClr val="000000">
-                <a:alpha val="70000"/>
-              </a:srgbClr>
-            </a:outerShdw>
-          </a:effectLst>
-        </p:spPr>
-      </p:pic>
-      <p:pic>
-        <p:nvPicPr>
-          <p:cNvPr id="22" name="Image 21">
-            <a:extLst>
-              <a:ext uri="{FF2B5EF4-FFF2-40B4-BE49-F238E27FC236}">
-                <a16:creationId xmlns:a16="http://schemas.microsoft.com/office/drawing/2014/main" id="{0D5D1D05-A165-4058-AE72-0A53051EF4EA}"/>
-              </a:ext>
-            </a:extLst>
-          </p:cNvPr>
-          <p:cNvPicPr>
-            <a:picLocks noChangeAspect="1"/>
-          </p:cNvPicPr>
-          <p:nvPr/>
-        </p:nvPicPr>
-        <p:blipFill>
-          <a:blip r:embed="rId9">
-            <a:extLst>
-              <a:ext uri="{28A0092B-C50C-407E-A947-70E740481C1C}">
-                <a14:useLocalDpi xmlns:a14="http://schemas.microsoft.com/office/drawing/2010/main" val="0"/>
-              </a:ext>
-            </a:extLst>
-          </a:blip>
-          <a:stretch>
-            <a:fillRect/>
-          </a:stretch>
-        </p:blipFill>
-        <p:spPr>
-          <a:xfrm>
-            <a:off x="9103121" y="2616781"/>
-            <a:ext cx="381052" cy="381052"/>
-          </a:xfrm>
-          <a:prstGeom prst="rect">
-            <a:avLst/>
-          </a:prstGeom>
-          <a:ln>
-            <a:noFill/>
-          </a:ln>
-          <a:effectLst>
-            <a:outerShdw blurRad="190500" algn="tl" rotWithShape="0">
-              <a:srgbClr val="000000">
-                <a:alpha val="70000"/>
-              </a:srgbClr>
-            </a:outerShdw>
-          </a:effectLst>
-        </p:spPr>
-      </p:pic>
-      <p:pic>
-        <p:nvPicPr>
           <p:cNvPr id="24" name="Image 23">
             <a:extLst>
               <a:ext uri="{FF2B5EF4-FFF2-40B4-BE49-F238E27FC236}">
@@ -16945,6 +15828,12 @@
                     <a14:imgEffect>
                       <a14:colorTemperature colorTemp="11200"/>
                     </a14:imgEffect>
+                    <a14:imgEffect>
+                      <a14:saturation sat="400000"/>
+                    </a14:imgEffect>
+                    <a14:imgEffect>
+                      <a14:brightnessContrast bright="-20000" contrast="40000"/>
+                    </a14:imgEffect>
                   </a14:imgLayer>
                 </a14:imgProps>
               </a:ext>
@@ -16959,7 +15848,7 @@
         </p:blipFill>
         <p:spPr>
           <a:xfrm>
-            <a:off x="6246636" y="4630139"/>
+            <a:off x="5617359" y="5103051"/>
             <a:ext cx="561839" cy="561839"/>
           </a:xfrm>
           <a:prstGeom prst="rect">

--- a/oral_projet/revue_2/diaporama_revue_2_samuel.pptx
+++ b/oral_projet/revue_2/diaporama_revue_2_samuel.pptx
@@ -5,7 +5,7 @@
     <p:sldMasterId id="2147483648" r:id="rId1"/>
   </p:sldMasterIdLst>
   <p:notesMasterIdLst>
-    <p:notesMasterId r:id="rId22"/>
+    <p:notesMasterId r:id="rId23"/>
   </p:notesMasterIdLst>
   <p:sldIdLst>
     <p:sldId id="256" r:id="rId2"/>
@@ -28,6 +28,7 @@
     <p:sldId id="278" r:id="rId19"/>
     <p:sldId id="281" r:id="rId20"/>
     <p:sldId id="283" r:id="rId21"/>
+    <p:sldId id="284" r:id="rId22"/>
   </p:sldIdLst>
   <p:sldSz cx="12192000" cy="6858000"/>
   <p:notesSz cx="6858000" cy="9144000"/>
@@ -220,7 +221,7 @@
           <a:p>
             <a:fld id="{7BEC4371-174F-4615-858D-8B61BA547698}" type="datetimeFigureOut">
               <a:rPr lang="fr-FR" smtClean="0"/>
-              <a:t>26/03/2018</a:t>
+              <a:t>03/04/2018</a:t>
             </a:fld>
             <a:endParaRPr lang="fr-FR"/>
           </a:p>
@@ -634,7 +635,7 @@
           <a:p>
             <a:fld id="{125942D7-A464-4365-815E-3C7EAFC3F152}" type="datetimeFigureOut">
               <a:rPr lang="fr-FR" smtClean="0"/>
-              <a:t>26/03/2018</a:t>
+              <a:t>03/04/2018</a:t>
             </a:fld>
             <a:endParaRPr lang="fr-FR"/>
           </a:p>
@@ -844,7 +845,7 @@
           <a:p>
             <a:fld id="{125942D7-A464-4365-815E-3C7EAFC3F152}" type="datetimeFigureOut">
               <a:rPr lang="fr-FR" smtClean="0"/>
-              <a:t>26/03/2018</a:t>
+              <a:t>03/04/2018</a:t>
             </a:fld>
             <a:endParaRPr lang="fr-FR"/>
           </a:p>
@@ -1064,7 +1065,7 @@
           <a:p>
             <a:fld id="{125942D7-A464-4365-815E-3C7EAFC3F152}" type="datetimeFigureOut">
               <a:rPr lang="fr-FR" smtClean="0"/>
-              <a:t>26/03/2018</a:t>
+              <a:t>03/04/2018</a:t>
             </a:fld>
             <a:endParaRPr lang="fr-FR"/>
           </a:p>
@@ -1274,7 +1275,7 @@
           <a:p>
             <a:fld id="{125942D7-A464-4365-815E-3C7EAFC3F152}" type="datetimeFigureOut">
               <a:rPr lang="fr-FR" smtClean="0"/>
-              <a:t>26/03/2018</a:t>
+              <a:t>03/04/2018</a:t>
             </a:fld>
             <a:endParaRPr lang="fr-FR"/>
           </a:p>
@@ -1561,7 +1562,7 @@
           <a:p>
             <a:fld id="{125942D7-A464-4365-815E-3C7EAFC3F152}" type="datetimeFigureOut">
               <a:rPr lang="fr-FR" smtClean="0"/>
-              <a:t>26/03/2018</a:t>
+              <a:t>03/04/2018</a:t>
             </a:fld>
             <a:endParaRPr lang="fr-FR"/>
           </a:p>
@@ -1838,7 +1839,7 @@
           <a:p>
             <a:fld id="{125942D7-A464-4365-815E-3C7EAFC3F152}" type="datetimeFigureOut">
               <a:rPr lang="fr-FR" smtClean="0"/>
-              <a:t>26/03/2018</a:t>
+              <a:t>03/04/2018</a:t>
             </a:fld>
             <a:endParaRPr lang="fr-FR"/>
           </a:p>
@@ -2262,7 +2263,7 @@
           <a:p>
             <a:fld id="{125942D7-A464-4365-815E-3C7EAFC3F152}" type="datetimeFigureOut">
               <a:rPr lang="fr-FR" smtClean="0"/>
-              <a:t>26/03/2018</a:t>
+              <a:t>03/04/2018</a:t>
             </a:fld>
             <a:endParaRPr lang="fr-FR"/>
           </a:p>
@@ -2415,7 +2416,7 @@
           <a:p>
             <a:fld id="{125942D7-A464-4365-815E-3C7EAFC3F152}" type="datetimeFigureOut">
               <a:rPr lang="fr-FR" smtClean="0"/>
-              <a:t>26/03/2018</a:t>
+              <a:t>03/04/2018</a:t>
             </a:fld>
             <a:endParaRPr lang="fr-FR"/>
           </a:p>
@@ -2540,7 +2541,7 @@
           <a:p>
             <a:fld id="{125942D7-A464-4365-815E-3C7EAFC3F152}" type="datetimeFigureOut">
               <a:rPr lang="fr-FR" smtClean="0"/>
-              <a:t>26/03/2018</a:t>
+              <a:t>03/04/2018</a:t>
             </a:fld>
             <a:endParaRPr lang="fr-FR"/>
           </a:p>
@@ -2863,7 +2864,7 @@
           <a:p>
             <a:fld id="{125942D7-A464-4365-815E-3C7EAFC3F152}" type="datetimeFigureOut">
               <a:rPr lang="fr-FR" smtClean="0"/>
-              <a:t>26/03/2018</a:t>
+              <a:t>03/04/2018</a:t>
             </a:fld>
             <a:endParaRPr lang="fr-FR"/>
           </a:p>
@@ -3163,7 +3164,7 @@
           <a:p>
             <a:fld id="{125942D7-A464-4365-815E-3C7EAFC3F152}" type="datetimeFigureOut">
               <a:rPr lang="fr-FR" smtClean="0"/>
-              <a:t>26/03/2018</a:t>
+              <a:t>03/04/2018</a:t>
             </a:fld>
             <a:endParaRPr lang="fr-FR"/>
           </a:p>
@@ -3416,7 +3417,7 @@
           <a:p>
             <a:fld id="{125942D7-A464-4365-815E-3C7EAFC3F152}" type="datetimeFigureOut">
               <a:rPr lang="fr-FR" smtClean="0"/>
-              <a:t>26/03/2018</a:t>
+              <a:t>03/04/2018</a:t>
             </a:fld>
             <a:endParaRPr lang="fr-FR"/>
           </a:p>
@@ -16239,6 +16240,462 @@
 </p:sld>
 </file>
 
+<file path=ppt/slides/slide21.xml><?xml version="1.0" encoding="utf-8"?>
+<p:sld xmlns:a="http://schemas.openxmlformats.org/drawingml/2006/main" xmlns:r="http://schemas.openxmlformats.org/officeDocument/2006/relationships" xmlns:p="http://schemas.openxmlformats.org/presentationml/2006/main">
+  <p:cSld>
+    <p:spTree>
+      <p:nvGrpSpPr>
+        <p:cNvPr id="1" name=""/>
+        <p:cNvGrpSpPr/>
+        <p:nvPr/>
+      </p:nvGrpSpPr>
+      <p:grpSpPr>
+        <a:xfrm>
+          <a:off x="0" y="0"/>
+          <a:ext cx="0" cy="0"/>
+          <a:chOff x="0" y="0"/>
+          <a:chExt cx="0" cy="0"/>
+        </a:xfrm>
+      </p:grpSpPr>
+      <p:pic>
+        <p:nvPicPr>
+          <p:cNvPr id="8" name="Image 7">
+            <a:extLst>
+              <a:ext uri="{FF2B5EF4-FFF2-40B4-BE49-F238E27FC236}">
+                <a16:creationId xmlns:a16="http://schemas.microsoft.com/office/drawing/2014/main" id="{2BB825C5-31DA-4A56-85EA-536DBF510A31}"/>
+              </a:ext>
+            </a:extLst>
+          </p:cNvPr>
+          <p:cNvPicPr>
+            <a:picLocks noChangeAspect="1"/>
+          </p:cNvPicPr>
+          <p:nvPr/>
+        </p:nvPicPr>
+        <p:blipFill>
+          <a:blip r:embed="rId2">
+            <a:extLst>
+              <a:ext uri="{28A0092B-C50C-407E-A947-70E740481C1C}">
+                <a14:useLocalDpi xmlns:a14="http://schemas.microsoft.com/office/drawing/2010/main" val="0"/>
+              </a:ext>
+            </a:extLst>
+          </a:blip>
+          <a:stretch>
+            <a:fillRect/>
+          </a:stretch>
+        </p:blipFill>
+        <p:spPr>
+          <a:xfrm>
+            <a:off x="1068751" y="66457"/>
+            <a:ext cx="1259497" cy="776690"/>
+          </a:xfrm>
+          <a:prstGeom prst="rect">
+            <a:avLst/>
+          </a:prstGeom>
+        </p:spPr>
+      </p:pic>
+      <p:pic>
+        <p:nvPicPr>
+          <p:cNvPr id="10" name="Image 9">
+            <a:extLst>
+              <a:ext uri="{FF2B5EF4-FFF2-40B4-BE49-F238E27FC236}">
+                <a16:creationId xmlns:a16="http://schemas.microsoft.com/office/drawing/2014/main" id="{8EE7436F-49F2-41E0-93E4-D247B4705294}"/>
+              </a:ext>
+            </a:extLst>
+          </p:cNvPr>
+          <p:cNvPicPr>
+            <a:picLocks noChangeAspect="1"/>
+          </p:cNvPicPr>
+          <p:nvPr/>
+        </p:nvPicPr>
+        <p:blipFill>
+          <a:blip r:embed="rId3">
+            <a:extLst>
+              <a:ext uri="{28A0092B-C50C-407E-A947-70E740481C1C}">
+                <a14:useLocalDpi xmlns:a14="http://schemas.microsoft.com/office/drawing/2010/main" val="0"/>
+              </a:ext>
+            </a:extLst>
+          </a:blip>
+          <a:stretch>
+            <a:fillRect/>
+          </a:stretch>
+        </p:blipFill>
+        <p:spPr>
+          <a:xfrm>
+            <a:off x="9681085" y="238153"/>
+            <a:ext cx="1802101" cy="569807"/>
+          </a:xfrm>
+          <a:prstGeom prst="rect">
+            <a:avLst/>
+          </a:prstGeom>
+        </p:spPr>
+      </p:pic>
+      <p:cxnSp>
+        <p:nvCxnSpPr>
+          <p:cNvPr id="16" name="Connecteur droit 15">
+            <a:extLst>
+              <a:ext uri="{FF2B5EF4-FFF2-40B4-BE49-F238E27FC236}">
+                <a16:creationId xmlns:a16="http://schemas.microsoft.com/office/drawing/2014/main" id="{7319284A-BD6F-4A96-8E2B-E0A4B52E53C6}"/>
+              </a:ext>
+            </a:extLst>
+          </p:cNvPr>
+          <p:cNvCxnSpPr>
+            <a:cxnSpLocks/>
+          </p:cNvCxnSpPr>
+          <p:nvPr/>
+        </p:nvCxnSpPr>
+        <p:spPr>
+          <a:xfrm flipV="1">
+            <a:off x="0" y="454803"/>
+            <a:ext cx="738231" cy="1798"/>
+          </a:xfrm>
+          <a:prstGeom prst="line">
+            <a:avLst/>
+          </a:prstGeom>
+        </p:spPr>
+        <p:style>
+          <a:lnRef idx="3">
+            <a:schemeClr val="dk1"/>
+          </a:lnRef>
+          <a:fillRef idx="0">
+            <a:schemeClr val="dk1"/>
+          </a:fillRef>
+          <a:effectRef idx="2">
+            <a:schemeClr val="dk1"/>
+          </a:effectRef>
+          <a:fontRef idx="minor">
+            <a:schemeClr val="tx1"/>
+          </a:fontRef>
+        </p:style>
+      </p:cxnSp>
+      <p:cxnSp>
+        <p:nvCxnSpPr>
+          <p:cNvPr id="20" name="Connecteur droit 19">
+            <a:extLst>
+              <a:ext uri="{FF2B5EF4-FFF2-40B4-BE49-F238E27FC236}">
+                <a16:creationId xmlns:a16="http://schemas.microsoft.com/office/drawing/2014/main" id="{08874CF7-F149-4C81-B61E-74E18342BA8A}"/>
+              </a:ext>
+            </a:extLst>
+          </p:cNvPr>
+          <p:cNvCxnSpPr>
+            <a:cxnSpLocks/>
+          </p:cNvCxnSpPr>
+          <p:nvPr/>
+        </p:nvCxnSpPr>
+        <p:spPr>
+          <a:xfrm>
+            <a:off x="2573222" y="454803"/>
+            <a:ext cx="6829482" cy="10398"/>
+          </a:xfrm>
+          <a:prstGeom prst="line">
+            <a:avLst/>
+          </a:prstGeom>
+        </p:spPr>
+        <p:style>
+          <a:lnRef idx="3">
+            <a:schemeClr val="dk1"/>
+          </a:lnRef>
+          <a:fillRef idx="0">
+            <a:schemeClr val="dk1"/>
+          </a:fillRef>
+          <a:effectRef idx="2">
+            <a:schemeClr val="dk1"/>
+          </a:effectRef>
+          <a:fontRef idx="minor">
+            <a:schemeClr val="tx1"/>
+          </a:fontRef>
+        </p:style>
+      </p:cxnSp>
+      <p:cxnSp>
+        <p:nvCxnSpPr>
+          <p:cNvPr id="26" name="Connecteur droit 25">
+            <a:extLst>
+              <a:ext uri="{FF2B5EF4-FFF2-40B4-BE49-F238E27FC236}">
+                <a16:creationId xmlns:a16="http://schemas.microsoft.com/office/drawing/2014/main" id="{BB3B35CC-057B-48C1-880F-3306A6559175}"/>
+              </a:ext>
+            </a:extLst>
+          </p:cNvPr>
+          <p:cNvCxnSpPr>
+            <a:cxnSpLocks/>
+          </p:cNvCxnSpPr>
+          <p:nvPr/>
+        </p:nvCxnSpPr>
+        <p:spPr>
+          <a:xfrm>
+            <a:off x="738231" y="454803"/>
+            <a:ext cx="344203" cy="484764"/>
+          </a:xfrm>
+          <a:prstGeom prst="line">
+            <a:avLst/>
+          </a:prstGeom>
+        </p:spPr>
+        <p:style>
+          <a:lnRef idx="3">
+            <a:schemeClr val="dk1"/>
+          </a:lnRef>
+          <a:fillRef idx="0">
+            <a:schemeClr val="dk1"/>
+          </a:fillRef>
+          <a:effectRef idx="2">
+            <a:schemeClr val="dk1"/>
+          </a:effectRef>
+          <a:fontRef idx="minor">
+            <a:schemeClr val="tx1"/>
+          </a:fontRef>
+        </p:style>
+      </p:cxnSp>
+      <p:cxnSp>
+        <p:nvCxnSpPr>
+          <p:cNvPr id="32" name="Connecteur droit 31">
+            <a:extLst>
+              <a:ext uri="{FF2B5EF4-FFF2-40B4-BE49-F238E27FC236}">
+                <a16:creationId xmlns:a16="http://schemas.microsoft.com/office/drawing/2014/main" id="{4AD96496-1EB6-4E48-9BB2-5C255495C686}"/>
+              </a:ext>
+            </a:extLst>
+          </p:cNvPr>
+          <p:cNvCxnSpPr>
+            <a:cxnSpLocks/>
+          </p:cNvCxnSpPr>
+          <p:nvPr/>
+        </p:nvCxnSpPr>
+        <p:spPr>
+          <a:xfrm>
+            <a:off x="1082434" y="938268"/>
+            <a:ext cx="1146585" cy="0"/>
+          </a:xfrm>
+          <a:prstGeom prst="line">
+            <a:avLst/>
+          </a:prstGeom>
+        </p:spPr>
+        <p:style>
+          <a:lnRef idx="3">
+            <a:schemeClr val="dk1"/>
+          </a:lnRef>
+          <a:fillRef idx="0">
+            <a:schemeClr val="dk1"/>
+          </a:fillRef>
+          <a:effectRef idx="2">
+            <a:schemeClr val="dk1"/>
+          </a:effectRef>
+          <a:fontRef idx="minor">
+            <a:schemeClr val="tx1"/>
+          </a:fontRef>
+        </p:style>
+      </p:cxnSp>
+      <p:cxnSp>
+        <p:nvCxnSpPr>
+          <p:cNvPr id="51" name="Connecteur droit 50">
+            <a:extLst>
+              <a:ext uri="{FF2B5EF4-FFF2-40B4-BE49-F238E27FC236}">
+                <a16:creationId xmlns:a16="http://schemas.microsoft.com/office/drawing/2014/main" id="{C035BFA6-ECBF-4775-BA81-19D2CA41AA8D}"/>
+              </a:ext>
+            </a:extLst>
+          </p:cNvPr>
+          <p:cNvCxnSpPr>
+            <a:cxnSpLocks/>
+          </p:cNvCxnSpPr>
+          <p:nvPr/>
+        </p:nvCxnSpPr>
+        <p:spPr>
+          <a:xfrm>
+            <a:off x="9402704" y="465201"/>
+            <a:ext cx="344203" cy="495163"/>
+          </a:xfrm>
+          <a:prstGeom prst="line">
+            <a:avLst/>
+          </a:prstGeom>
+        </p:spPr>
+        <p:style>
+          <a:lnRef idx="3">
+            <a:schemeClr val="dk1"/>
+          </a:lnRef>
+          <a:fillRef idx="0">
+            <a:schemeClr val="dk1"/>
+          </a:fillRef>
+          <a:effectRef idx="2">
+            <a:schemeClr val="dk1"/>
+          </a:effectRef>
+          <a:fontRef idx="minor">
+            <a:schemeClr val="tx1"/>
+          </a:fontRef>
+        </p:style>
+      </p:cxnSp>
+      <p:cxnSp>
+        <p:nvCxnSpPr>
+          <p:cNvPr id="52" name="Connecteur droit 51">
+            <a:extLst>
+              <a:ext uri="{FF2B5EF4-FFF2-40B4-BE49-F238E27FC236}">
+                <a16:creationId xmlns:a16="http://schemas.microsoft.com/office/drawing/2014/main" id="{FA310BC7-694B-4984-99A2-61A1F4F6EBF9}"/>
+              </a:ext>
+            </a:extLst>
+          </p:cNvPr>
+          <p:cNvCxnSpPr>
+            <a:cxnSpLocks/>
+          </p:cNvCxnSpPr>
+          <p:nvPr/>
+        </p:nvCxnSpPr>
+        <p:spPr>
+          <a:xfrm flipH="1">
+            <a:off x="11370469" y="448308"/>
+            <a:ext cx="364332" cy="501657"/>
+          </a:xfrm>
+          <a:prstGeom prst="line">
+            <a:avLst/>
+          </a:prstGeom>
+        </p:spPr>
+        <p:style>
+          <a:lnRef idx="3">
+            <a:schemeClr val="dk1"/>
+          </a:lnRef>
+          <a:fillRef idx="0">
+            <a:schemeClr val="dk1"/>
+          </a:fillRef>
+          <a:effectRef idx="2">
+            <a:schemeClr val="dk1"/>
+          </a:effectRef>
+          <a:fontRef idx="minor">
+            <a:schemeClr val="tx1"/>
+          </a:fontRef>
+        </p:style>
+      </p:cxnSp>
+      <p:cxnSp>
+        <p:nvCxnSpPr>
+          <p:cNvPr id="53" name="Connecteur droit 52">
+            <a:extLst>
+              <a:ext uri="{FF2B5EF4-FFF2-40B4-BE49-F238E27FC236}">
+                <a16:creationId xmlns:a16="http://schemas.microsoft.com/office/drawing/2014/main" id="{BE0649BD-EE59-4DDA-960F-95B2572F9F13}"/>
+              </a:ext>
+            </a:extLst>
+          </p:cNvPr>
+          <p:cNvCxnSpPr>
+            <a:cxnSpLocks/>
+          </p:cNvCxnSpPr>
+          <p:nvPr/>
+        </p:nvCxnSpPr>
+        <p:spPr>
+          <a:xfrm>
+            <a:off x="9743203" y="949965"/>
+            <a:ext cx="1627266" cy="0"/>
+          </a:xfrm>
+          <a:prstGeom prst="line">
+            <a:avLst/>
+          </a:prstGeom>
+        </p:spPr>
+        <p:style>
+          <a:lnRef idx="3">
+            <a:schemeClr val="dk1"/>
+          </a:lnRef>
+          <a:fillRef idx="0">
+            <a:schemeClr val="dk1"/>
+          </a:fillRef>
+          <a:effectRef idx="2">
+            <a:schemeClr val="dk1"/>
+          </a:effectRef>
+          <a:fontRef idx="minor">
+            <a:schemeClr val="tx1"/>
+          </a:fontRef>
+        </p:style>
+      </p:cxnSp>
+      <p:cxnSp>
+        <p:nvCxnSpPr>
+          <p:cNvPr id="55" name="Connecteur droit 54">
+            <a:extLst>
+              <a:ext uri="{FF2B5EF4-FFF2-40B4-BE49-F238E27FC236}">
+                <a16:creationId xmlns:a16="http://schemas.microsoft.com/office/drawing/2014/main" id="{52AA9200-DAFA-4EEF-AC13-4C7CE82A59EC}"/>
+              </a:ext>
+            </a:extLst>
+          </p:cNvPr>
+          <p:cNvCxnSpPr>
+            <a:cxnSpLocks/>
+          </p:cNvCxnSpPr>
+          <p:nvPr/>
+        </p:nvCxnSpPr>
+        <p:spPr>
+          <a:xfrm>
+            <a:off x="11715750" y="454801"/>
+            <a:ext cx="476249" cy="10400"/>
+          </a:xfrm>
+          <a:prstGeom prst="line">
+            <a:avLst/>
+          </a:prstGeom>
+        </p:spPr>
+        <p:style>
+          <a:lnRef idx="3">
+            <a:schemeClr val="dk1"/>
+          </a:lnRef>
+          <a:fillRef idx="0">
+            <a:schemeClr val="dk1"/>
+          </a:fillRef>
+          <a:effectRef idx="2">
+            <a:schemeClr val="dk1"/>
+          </a:effectRef>
+          <a:fontRef idx="minor">
+            <a:schemeClr val="tx1"/>
+          </a:fontRef>
+        </p:style>
+      </p:cxnSp>
+      <p:cxnSp>
+        <p:nvCxnSpPr>
+          <p:cNvPr id="23" name="Connecteur droit 22">
+            <a:extLst>
+              <a:ext uri="{FF2B5EF4-FFF2-40B4-BE49-F238E27FC236}">
+                <a16:creationId xmlns:a16="http://schemas.microsoft.com/office/drawing/2014/main" id="{BCB092C8-0080-4E56-957E-0046D4C83988}"/>
+              </a:ext>
+            </a:extLst>
+          </p:cNvPr>
+          <p:cNvCxnSpPr>
+            <a:cxnSpLocks/>
+          </p:cNvCxnSpPr>
+          <p:nvPr/>
+        </p:nvCxnSpPr>
+        <p:spPr>
+          <a:xfrm flipH="1">
+            <a:off x="2216372" y="446356"/>
+            <a:ext cx="364332" cy="501657"/>
+          </a:xfrm>
+          <a:prstGeom prst="line">
+            <a:avLst/>
+          </a:prstGeom>
+        </p:spPr>
+        <p:style>
+          <a:lnRef idx="3">
+            <a:schemeClr val="dk1"/>
+          </a:lnRef>
+          <a:fillRef idx="0">
+            <a:schemeClr val="dk1"/>
+          </a:fillRef>
+          <a:effectRef idx="2">
+            <a:schemeClr val="dk1"/>
+          </a:effectRef>
+          <a:fontRef idx="minor">
+            <a:schemeClr val="tx1"/>
+          </a:fontRef>
+        </p:style>
+      </p:cxnSp>
+    </p:spTree>
+    <p:extLst>
+      <p:ext uri="{BB962C8B-B14F-4D97-AF65-F5344CB8AC3E}">
+        <p14:creationId xmlns:p14="http://schemas.microsoft.com/office/powerpoint/2010/main" val="3449096451"/>
+      </p:ext>
+    </p:extLst>
+  </p:cSld>
+  <p:clrMapOvr>
+    <a:masterClrMapping/>
+  </p:clrMapOvr>
+  <mc:AlternateContent xmlns:mc="http://schemas.openxmlformats.org/markup-compatibility/2006" xmlns:p14="http://schemas.microsoft.com/office/powerpoint/2010/main">
+    <mc:Choice Requires="p14">
+      <p:transition spd="med">
+        <p14:reveal/>
+      </p:transition>
+    </mc:Choice>
+    <mc:Fallback xmlns="">
+      <p:transition spd="med">
+        <p:fade/>
+      </p:transition>
+    </mc:Fallback>
+  </mc:AlternateContent>
+</p:sld>
+</file>
+
 <file path=ppt/slides/slide3.xml><?xml version="1.0" encoding="utf-8"?>
 <p:sld xmlns:a="http://schemas.openxmlformats.org/drawingml/2006/main" xmlns:r="http://schemas.openxmlformats.org/officeDocument/2006/relationships" xmlns:p="http://schemas.openxmlformats.org/presentationml/2006/main">
   <p:cSld>

--- a/oral_projet/revue_2/diaporama_revue_2_samuel.pptx
+++ b/oral_projet/revue_2/diaporama_revue_2_samuel.pptx
@@ -135,10 +135,6 @@
 </p:presentation>
 </file>
 
-<file path=ppt/revisionInfo.xml><?xml version="1.0" encoding="utf-8"?>
-<p1510:revInfo xmlns:a="http://schemas.openxmlformats.org/drawingml/2006/main" xmlns:r="http://schemas.openxmlformats.org/officeDocument/2006/relationships" xmlns:p1510="http://schemas.microsoft.com/office/powerpoint/2015/10/main"/>
-</file>
-
 <file path=ppt/notesMasters/notesMaster1.xml><?xml version="1.0" encoding="utf-8"?>
 <p:notesMaster xmlns:a="http://schemas.openxmlformats.org/drawingml/2006/main" xmlns:r="http://schemas.openxmlformats.org/officeDocument/2006/relationships" xmlns:p="http://schemas.openxmlformats.org/presentationml/2006/main">
   <p:cSld>
@@ -221,7 +217,7 @@
           <a:p>
             <a:fld id="{7BEC4371-174F-4615-858D-8B61BA547698}" type="datetimeFigureOut">
               <a:rPr lang="fr-FR" smtClean="0"/>
-              <a:t>03/04/2018</a:t>
+              <a:t>16/05/2018</a:t>
             </a:fld>
             <a:endParaRPr lang="fr-FR"/>
           </a:p>
@@ -635,7 +631,7 @@
           <a:p>
             <a:fld id="{125942D7-A464-4365-815E-3C7EAFC3F152}" type="datetimeFigureOut">
               <a:rPr lang="fr-FR" smtClean="0"/>
-              <a:t>03/04/2018</a:t>
+              <a:t>16/05/2018</a:t>
             </a:fld>
             <a:endParaRPr lang="fr-FR"/>
           </a:p>
@@ -845,7 +841,7 @@
           <a:p>
             <a:fld id="{125942D7-A464-4365-815E-3C7EAFC3F152}" type="datetimeFigureOut">
               <a:rPr lang="fr-FR" smtClean="0"/>
-              <a:t>03/04/2018</a:t>
+              <a:t>16/05/2018</a:t>
             </a:fld>
             <a:endParaRPr lang="fr-FR"/>
           </a:p>
@@ -1065,7 +1061,7 @@
           <a:p>
             <a:fld id="{125942D7-A464-4365-815E-3C7EAFC3F152}" type="datetimeFigureOut">
               <a:rPr lang="fr-FR" smtClean="0"/>
-              <a:t>03/04/2018</a:t>
+              <a:t>16/05/2018</a:t>
             </a:fld>
             <a:endParaRPr lang="fr-FR"/>
           </a:p>
@@ -1275,7 +1271,7 @@
           <a:p>
             <a:fld id="{125942D7-A464-4365-815E-3C7EAFC3F152}" type="datetimeFigureOut">
               <a:rPr lang="fr-FR" smtClean="0"/>
-              <a:t>03/04/2018</a:t>
+              <a:t>16/05/2018</a:t>
             </a:fld>
             <a:endParaRPr lang="fr-FR"/>
           </a:p>
@@ -1562,7 +1558,7 @@
           <a:p>
             <a:fld id="{125942D7-A464-4365-815E-3C7EAFC3F152}" type="datetimeFigureOut">
               <a:rPr lang="fr-FR" smtClean="0"/>
-              <a:t>03/04/2018</a:t>
+              <a:t>16/05/2018</a:t>
             </a:fld>
             <a:endParaRPr lang="fr-FR"/>
           </a:p>
@@ -1839,7 +1835,7 @@
           <a:p>
             <a:fld id="{125942D7-A464-4365-815E-3C7EAFC3F152}" type="datetimeFigureOut">
               <a:rPr lang="fr-FR" smtClean="0"/>
-              <a:t>03/04/2018</a:t>
+              <a:t>16/05/2018</a:t>
             </a:fld>
             <a:endParaRPr lang="fr-FR"/>
           </a:p>
@@ -2263,7 +2259,7 @@
           <a:p>
             <a:fld id="{125942D7-A464-4365-815E-3C7EAFC3F152}" type="datetimeFigureOut">
               <a:rPr lang="fr-FR" smtClean="0"/>
-              <a:t>03/04/2018</a:t>
+              <a:t>16/05/2018</a:t>
             </a:fld>
             <a:endParaRPr lang="fr-FR"/>
           </a:p>
@@ -2416,7 +2412,7 @@
           <a:p>
             <a:fld id="{125942D7-A464-4365-815E-3C7EAFC3F152}" type="datetimeFigureOut">
               <a:rPr lang="fr-FR" smtClean="0"/>
-              <a:t>03/04/2018</a:t>
+              <a:t>16/05/2018</a:t>
             </a:fld>
             <a:endParaRPr lang="fr-FR"/>
           </a:p>
@@ -2541,7 +2537,7 @@
           <a:p>
             <a:fld id="{125942D7-A464-4365-815E-3C7EAFC3F152}" type="datetimeFigureOut">
               <a:rPr lang="fr-FR" smtClean="0"/>
-              <a:t>03/04/2018</a:t>
+              <a:t>16/05/2018</a:t>
             </a:fld>
             <a:endParaRPr lang="fr-FR"/>
           </a:p>
@@ -2864,7 +2860,7 @@
           <a:p>
             <a:fld id="{125942D7-A464-4365-815E-3C7EAFC3F152}" type="datetimeFigureOut">
               <a:rPr lang="fr-FR" smtClean="0"/>
-              <a:t>03/04/2018</a:t>
+              <a:t>16/05/2018</a:t>
             </a:fld>
             <a:endParaRPr lang="fr-FR"/>
           </a:p>
@@ -3164,7 +3160,7 @@
           <a:p>
             <a:fld id="{125942D7-A464-4365-815E-3C7EAFC3F152}" type="datetimeFigureOut">
               <a:rPr lang="fr-FR" smtClean="0"/>
-              <a:t>03/04/2018</a:t>
+              <a:t>16/05/2018</a:t>
             </a:fld>
             <a:endParaRPr lang="fr-FR"/>
           </a:p>
@@ -3417,7 +3413,7 @@
           <a:p>
             <a:fld id="{125942D7-A464-4365-815E-3C7EAFC3F152}" type="datetimeFigureOut">
               <a:rPr lang="fr-FR" smtClean="0"/>
-              <a:t>03/04/2018</a:t>
+              <a:t>16/05/2018</a:t>
             </a:fld>
             <a:endParaRPr lang="fr-FR"/>
           </a:p>
@@ -11606,6 +11602,40 @@
           </a:p>
         </p:txBody>
       </p:sp>
+      <p:pic>
+        <p:nvPicPr>
+          <p:cNvPr id="24" name="Image 23" descr="Une image contenant équipement électronique, circuit&#10;&#10;Description générée avec un niveau de confiance très élevé">
+            <a:extLst>
+              <a:ext uri="{FF2B5EF4-FFF2-40B4-BE49-F238E27FC236}">
+                <a16:creationId xmlns:a16="http://schemas.microsoft.com/office/drawing/2014/main" id="{02B6725C-54A0-4770-A063-305D0E6E4046}"/>
+              </a:ext>
+            </a:extLst>
+          </p:cNvPr>
+          <p:cNvPicPr/>
+          <p:nvPr/>
+        </p:nvPicPr>
+        <p:blipFill>
+          <a:blip r:embed="rId4" cstate="print">
+            <a:extLst>
+              <a:ext uri="{28A0092B-C50C-407E-A947-70E740481C1C}">
+                <a14:useLocalDpi xmlns:a14="http://schemas.microsoft.com/office/drawing/2010/main" val="0"/>
+              </a:ext>
+            </a:extLst>
+          </a:blip>
+          <a:stretch>
+            <a:fillRect/>
+          </a:stretch>
+        </p:blipFill>
+        <p:spPr>
+          <a:xfrm>
+            <a:off x="7693499" y="2614161"/>
+            <a:ext cx="2273741" cy="2113768"/>
+          </a:xfrm>
+          <a:prstGeom prst="rect">
+            <a:avLst/>
+          </a:prstGeom>
+        </p:spPr>
+      </p:pic>
       <p:sp>
         <p:nvSpPr>
           <p:cNvPr id="19" name="ZoneTexte 18">
@@ -11620,8 +11650,8 @@
         </p:nvSpPr>
         <p:spPr>
           <a:xfrm>
-            <a:off x="6494987" y="2102256"/>
-            <a:ext cx="4670766" cy="369332"/>
+            <a:off x="7375066" y="2102256"/>
+            <a:ext cx="2910605" cy="646331"/>
           </a:xfrm>
           <a:prstGeom prst="rect">
             <a:avLst/>
@@ -11644,7 +11674,14 @@
             </a:r>
             <a:r>
               <a:rPr lang="fr-FR" dirty="0"/>
-              <a:t> Loop </a:t>
+              <a:t> </a:t>
+            </a:r>
+          </a:p>
+          <a:p>
+            <a:pPr algn="ctr"/>
+            <a:r>
+              <a:rPr lang="fr-FR" dirty="0"/>
+              <a:t>Loop </a:t>
             </a:r>
             <a:r>
               <a:rPr lang="fr-FR" dirty="0" err="1"/>
@@ -11675,7 +11712,7 @@
           <p:nvPr/>
         </p:nvPicPr>
         <p:blipFill>
-          <a:blip r:embed="rId4" cstate="print">
+          <a:blip r:embed="rId5" cstate="print">
             <a:extLst>
               <a:ext uri="{28A0092B-C50C-407E-A947-70E740481C1C}">
                 <a14:useLocalDpi xmlns:a14="http://schemas.microsoft.com/office/drawing/2010/main" val="0"/>
@@ -11690,40 +11727,6 @@
           <a:xfrm>
             <a:off x="2059277" y="2627915"/>
             <a:ext cx="2273741" cy="1908339"/>
-          </a:xfrm>
-          <a:prstGeom prst="rect">
-            <a:avLst/>
-          </a:prstGeom>
-        </p:spPr>
-      </p:pic>
-      <p:pic>
-        <p:nvPicPr>
-          <p:cNvPr id="24" name="Image 23" descr="Une image contenant équipement électronique, circuit&#10;&#10;Description générée avec un niveau de confiance très élevé">
-            <a:extLst>
-              <a:ext uri="{FF2B5EF4-FFF2-40B4-BE49-F238E27FC236}">
-                <a16:creationId xmlns:a16="http://schemas.microsoft.com/office/drawing/2014/main" id="{02B6725C-54A0-4770-A063-305D0E6E4046}"/>
-              </a:ext>
-            </a:extLst>
-          </p:cNvPr>
-          <p:cNvPicPr/>
-          <p:nvPr/>
-        </p:nvPicPr>
-        <p:blipFill>
-          <a:blip r:embed="rId5" cstate="print">
-            <a:extLst>
-              <a:ext uri="{28A0092B-C50C-407E-A947-70E740481C1C}">
-                <a14:useLocalDpi xmlns:a14="http://schemas.microsoft.com/office/drawing/2010/main" val="0"/>
-              </a:ext>
-            </a:extLst>
-          </a:blip>
-          <a:stretch>
-            <a:fillRect/>
-          </a:stretch>
-        </p:blipFill>
-        <p:spPr>
-          <a:xfrm>
-            <a:off x="7693499" y="2614161"/>
-            <a:ext cx="2273741" cy="2113768"/>
           </a:xfrm>
           <a:prstGeom prst="rect">
             <a:avLst/>
@@ -11822,7 +11825,7 @@
         </p:nvSpPr>
         <p:spPr>
           <a:xfrm>
-            <a:off x="6494987" y="4459849"/>
+            <a:off x="7398001" y="4459849"/>
             <a:ext cx="3767752" cy="1846659"/>
           </a:xfrm>
           <a:prstGeom prst="rect">

--- a/oral_projet/revue_2/diaporama_revue_2_samuel.pptx
+++ b/oral_projet/revue_2/diaporama_revue_2_samuel.pptx
@@ -135,6 +135,10 @@
 </p:presentation>
 </file>
 
+<file path=ppt/revisionInfo.xml><?xml version="1.0" encoding="utf-8"?>
+<p1510:revInfo xmlns:a="http://schemas.openxmlformats.org/drawingml/2006/main" xmlns:r="http://schemas.openxmlformats.org/officeDocument/2006/relationships" xmlns:p1510="http://schemas.microsoft.com/office/powerpoint/2015/10/main"/>
+</file>
+
 <file path=ppt/notesMasters/notesMaster1.xml><?xml version="1.0" encoding="utf-8"?>
 <p:notesMaster xmlns:a="http://schemas.openxmlformats.org/drawingml/2006/main" xmlns:r="http://schemas.openxmlformats.org/officeDocument/2006/relationships" xmlns:p="http://schemas.openxmlformats.org/presentationml/2006/main">
   <p:cSld>
@@ -217,7 +221,7 @@
           <a:p>
             <a:fld id="{7BEC4371-174F-4615-858D-8B61BA547698}" type="datetimeFigureOut">
               <a:rPr lang="fr-FR" smtClean="0"/>
-              <a:t>16/05/2018</a:t>
+              <a:t>22/05/2018</a:t>
             </a:fld>
             <a:endParaRPr lang="fr-FR"/>
           </a:p>
@@ -631,7 +635,7 @@
           <a:p>
             <a:fld id="{125942D7-A464-4365-815E-3C7EAFC3F152}" type="datetimeFigureOut">
               <a:rPr lang="fr-FR" smtClean="0"/>
-              <a:t>16/05/2018</a:t>
+              <a:t>22/05/2018</a:t>
             </a:fld>
             <a:endParaRPr lang="fr-FR"/>
           </a:p>
@@ -841,7 +845,7 @@
           <a:p>
             <a:fld id="{125942D7-A464-4365-815E-3C7EAFC3F152}" type="datetimeFigureOut">
               <a:rPr lang="fr-FR" smtClean="0"/>
-              <a:t>16/05/2018</a:t>
+              <a:t>22/05/2018</a:t>
             </a:fld>
             <a:endParaRPr lang="fr-FR"/>
           </a:p>
@@ -1061,7 +1065,7 @@
           <a:p>
             <a:fld id="{125942D7-A464-4365-815E-3C7EAFC3F152}" type="datetimeFigureOut">
               <a:rPr lang="fr-FR" smtClean="0"/>
-              <a:t>16/05/2018</a:t>
+              <a:t>22/05/2018</a:t>
             </a:fld>
             <a:endParaRPr lang="fr-FR"/>
           </a:p>
@@ -1271,7 +1275,7 @@
           <a:p>
             <a:fld id="{125942D7-A464-4365-815E-3C7EAFC3F152}" type="datetimeFigureOut">
               <a:rPr lang="fr-FR" smtClean="0"/>
-              <a:t>16/05/2018</a:t>
+              <a:t>22/05/2018</a:t>
             </a:fld>
             <a:endParaRPr lang="fr-FR"/>
           </a:p>
@@ -1558,7 +1562,7 @@
           <a:p>
             <a:fld id="{125942D7-A464-4365-815E-3C7EAFC3F152}" type="datetimeFigureOut">
               <a:rPr lang="fr-FR" smtClean="0"/>
-              <a:t>16/05/2018</a:t>
+              <a:t>22/05/2018</a:t>
             </a:fld>
             <a:endParaRPr lang="fr-FR"/>
           </a:p>
@@ -1835,7 +1839,7 @@
           <a:p>
             <a:fld id="{125942D7-A464-4365-815E-3C7EAFC3F152}" type="datetimeFigureOut">
               <a:rPr lang="fr-FR" smtClean="0"/>
-              <a:t>16/05/2018</a:t>
+              <a:t>22/05/2018</a:t>
             </a:fld>
             <a:endParaRPr lang="fr-FR"/>
           </a:p>
@@ -2259,7 +2263,7 @@
           <a:p>
             <a:fld id="{125942D7-A464-4365-815E-3C7EAFC3F152}" type="datetimeFigureOut">
               <a:rPr lang="fr-FR" smtClean="0"/>
-              <a:t>16/05/2018</a:t>
+              <a:t>22/05/2018</a:t>
             </a:fld>
             <a:endParaRPr lang="fr-FR"/>
           </a:p>
@@ -2412,7 +2416,7 @@
           <a:p>
             <a:fld id="{125942D7-A464-4365-815E-3C7EAFC3F152}" type="datetimeFigureOut">
               <a:rPr lang="fr-FR" smtClean="0"/>
-              <a:t>16/05/2018</a:t>
+              <a:t>22/05/2018</a:t>
             </a:fld>
             <a:endParaRPr lang="fr-FR"/>
           </a:p>
@@ -2537,7 +2541,7 @@
           <a:p>
             <a:fld id="{125942D7-A464-4365-815E-3C7EAFC3F152}" type="datetimeFigureOut">
               <a:rPr lang="fr-FR" smtClean="0"/>
-              <a:t>16/05/2018</a:t>
+              <a:t>22/05/2018</a:t>
             </a:fld>
             <a:endParaRPr lang="fr-FR"/>
           </a:p>
@@ -2860,7 +2864,7 @@
           <a:p>
             <a:fld id="{125942D7-A464-4365-815E-3C7EAFC3F152}" type="datetimeFigureOut">
               <a:rPr lang="fr-FR" smtClean="0"/>
-              <a:t>16/05/2018</a:t>
+              <a:t>22/05/2018</a:t>
             </a:fld>
             <a:endParaRPr lang="fr-FR"/>
           </a:p>
@@ -3160,7 +3164,7 @@
           <a:p>
             <a:fld id="{125942D7-A464-4365-815E-3C7EAFC3F152}" type="datetimeFigureOut">
               <a:rPr lang="fr-FR" smtClean="0"/>
-              <a:t>16/05/2018</a:t>
+              <a:t>22/05/2018</a:t>
             </a:fld>
             <a:endParaRPr lang="fr-FR"/>
           </a:p>
@@ -3413,7 +3417,7 @@
           <a:p>
             <a:fld id="{125942D7-A464-4365-815E-3C7EAFC3F152}" type="datetimeFigureOut">
               <a:rPr lang="fr-FR" smtClean="0"/>
-              <a:t>16/05/2018</a:t>
+              <a:t>22/05/2018</a:t>
             </a:fld>
             <a:endParaRPr lang="fr-FR"/>
           </a:p>

--- a/oral_projet/revue_2/diaporama_revue_2_samuel.pptx
+++ b/oral_projet/revue_2/diaporama_revue_2_samuel.pptx
@@ -5,7 +5,7 @@
     <p:sldMasterId id="2147483648" r:id="rId1"/>
   </p:sldMasterIdLst>
   <p:notesMasterIdLst>
-    <p:notesMasterId r:id="rId27"/>
+    <p:notesMasterId r:id="rId26"/>
   </p:notesMasterIdLst>
   <p:sldIdLst>
     <p:sldId id="256" r:id="rId2"/>
@@ -18,21 +18,20 @@
     <p:sldId id="274" r:id="rId9"/>
     <p:sldId id="279" r:id="rId10"/>
     <p:sldId id="270" r:id="rId11"/>
-    <p:sldId id="286" r:id="rId12"/>
-    <p:sldId id="260" r:id="rId13"/>
-    <p:sldId id="265" r:id="rId14"/>
-    <p:sldId id="287" r:id="rId15"/>
-    <p:sldId id="266" r:id="rId16"/>
-    <p:sldId id="288" r:id="rId17"/>
-    <p:sldId id="264" r:id="rId18"/>
-    <p:sldId id="272" r:id="rId19"/>
-    <p:sldId id="269" r:id="rId20"/>
-    <p:sldId id="268" r:id="rId21"/>
-    <p:sldId id="267" r:id="rId22"/>
-    <p:sldId id="278" r:id="rId23"/>
-    <p:sldId id="281" r:id="rId24"/>
-    <p:sldId id="283" r:id="rId25"/>
-    <p:sldId id="284" r:id="rId26"/>
+    <p:sldId id="260" r:id="rId12"/>
+    <p:sldId id="265" r:id="rId13"/>
+    <p:sldId id="287" r:id="rId14"/>
+    <p:sldId id="266" r:id="rId15"/>
+    <p:sldId id="288" r:id="rId16"/>
+    <p:sldId id="264" r:id="rId17"/>
+    <p:sldId id="272" r:id="rId18"/>
+    <p:sldId id="269" r:id="rId19"/>
+    <p:sldId id="268" r:id="rId20"/>
+    <p:sldId id="267" r:id="rId21"/>
+    <p:sldId id="278" r:id="rId22"/>
+    <p:sldId id="281" r:id="rId23"/>
+    <p:sldId id="283" r:id="rId24"/>
+    <p:sldId id="284" r:id="rId25"/>
   </p:sldIdLst>
   <p:sldSz cx="12192000" cy="6858000"/>
   <p:notesSz cx="6858000" cy="9144000"/>
@@ -5378,6 +5377,36 @@
           </a:p>
         </p:txBody>
       </p:sp>
+      <p:pic>
+        <p:nvPicPr>
+          <p:cNvPr id="5" name="Image 4">
+            <a:extLst>
+              <a:ext uri="{FF2B5EF4-FFF2-40B4-BE49-F238E27FC236}">
+                <a16:creationId xmlns:a16="http://schemas.microsoft.com/office/drawing/2014/main" id="{2AD638AE-F3C5-45D5-AEE3-77B6A10B17EF}"/>
+              </a:ext>
+            </a:extLst>
+          </p:cNvPr>
+          <p:cNvPicPr>
+            <a:picLocks noChangeAspect="1"/>
+          </p:cNvPicPr>
+          <p:nvPr/>
+        </p:nvPicPr>
+        <p:blipFill>
+          <a:blip r:embed="rId4"/>
+          <a:stretch>
+            <a:fillRect/>
+          </a:stretch>
+        </p:blipFill>
+        <p:spPr>
+          <a:xfrm>
+            <a:off x="845616" y="1632863"/>
+            <a:ext cx="10500766" cy="4078810"/>
+          </a:xfrm>
+          <a:prstGeom prst="rect">
+            <a:avLst/>
+          </a:prstGeom>
+        </p:spPr>
+      </p:pic>
     </p:spTree>
     <p:extLst>
       <p:ext uri="{BB962C8B-B14F-4D97-AF65-F5344CB8AC3E}">
@@ -5834,802 +5863,6 @@
           </a:fontRef>
         </p:style>
       </p:cxnSp>
-      <p:pic>
-        <p:nvPicPr>
-          <p:cNvPr id="57" name="Image 56">
-            <a:extLst>
-              <a:ext uri="{FF2B5EF4-FFF2-40B4-BE49-F238E27FC236}">
-                <a16:creationId xmlns:a16="http://schemas.microsoft.com/office/drawing/2014/main" id="{12B16FB2-5844-4B92-AE69-9BAC858C22BB}"/>
-              </a:ext>
-            </a:extLst>
-          </p:cNvPr>
-          <p:cNvPicPr>
-            <a:picLocks noChangeAspect="1"/>
-          </p:cNvPicPr>
-          <p:nvPr/>
-        </p:nvPicPr>
-        <p:blipFill>
-          <a:blip r:embed="rId3">
-            <a:extLst>
-              <a:ext uri="{28A0092B-C50C-407E-A947-70E740481C1C}">
-                <a14:useLocalDpi xmlns:a14="http://schemas.microsoft.com/office/drawing/2010/main" val="0"/>
-              </a:ext>
-            </a:extLst>
-          </a:blip>
-          <a:stretch>
-            <a:fillRect/>
-          </a:stretch>
-        </p:blipFill>
-        <p:spPr>
-          <a:xfrm>
-            <a:off x="9681085" y="238153"/>
-            <a:ext cx="1802101" cy="569807"/>
-          </a:xfrm>
-          <a:prstGeom prst="rect">
-            <a:avLst/>
-          </a:prstGeom>
-        </p:spPr>
-      </p:pic>
-      <p:cxnSp>
-        <p:nvCxnSpPr>
-          <p:cNvPr id="58" name="Connecteur droit 57">
-            <a:extLst>
-              <a:ext uri="{FF2B5EF4-FFF2-40B4-BE49-F238E27FC236}">
-                <a16:creationId xmlns:a16="http://schemas.microsoft.com/office/drawing/2014/main" id="{01599350-F8B0-4FDC-B003-981189A8D654}"/>
-              </a:ext>
-            </a:extLst>
-          </p:cNvPr>
-          <p:cNvCxnSpPr>
-            <a:cxnSpLocks/>
-          </p:cNvCxnSpPr>
-          <p:nvPr/>
-        </p:nvCxnSpPr>
-        <p:spPr>
-          <a:xfrm>
-            <a:off x="2573222" y="454803"/>
-            <a:ext cx="6829482" cy="10398"/>
-          </a:xfrm>
-          <a:prstGeom prst="line">
-            <a:avLst/>
-          </a:prstGeom>
-        </p:spPr>
-        <p:style>
-          <a:lnRef idx="3">
-            <a:schemeClr val="dk1"/>
-          </a:lnRef>
-          <a:fillRef idx="0">
-            <a:schemeClr val="dk1"/>
-          </a:fillRef>
-          <a:effectRef idx="2">
-            <a:schemeClr val="dk1"/>
-          </a:effectRef>
-          <a:fontRef idx="minor">
-            <a:schemeClr val="tx1"/>
-          </a:fontRef>
-        </p:style>
-      </p:cxnSp>
-      <p:cxnSp>
-        <p:nvCxnSpPr>
-          <p:cNvPr id="59" name="Connecteur droit 58">
-            <a:extLst>
-              <a:ext uri="{FF2B5EF4-FFF2-40B4-BE49-F238E27FC236}">
-                <a16:creationId xmlns:a16="http://schemas.microsoft.com/office/drawing/2014/main" id="{BC6E6150-6054-4785-84EC-0C46D82034C2}"/>
-              </a:ext>
-            </a:extLst>
-          </p:cNvPr>
-          <p:cNvCxnSpPr>
-            <a:cxnSpLocks/>
-          </p:cNvCxnSpPr>
-          <p:nvPr/>
-        </p:nvCxnSpPr>
-        <p:spPr>
-          <a:xfrm>
-            <a:off x="738231" y="454803"/>
-            <a:ext cx="344203" cy="484764"/>
-          </a:xfrm>
-          <a:prstGeom prst="line">
-            <a:avLst/>
-          </a:prstGeom>
-        </p:spPr>
-        <p:style>
-          <a:lnRef idx="3">
-            <a:schemeClr val="dk1"/>
-          </a:lnRef>
-          <a:fillRef idx="0">
-            <a:schemeClr val="dk1"/>
-          </a:fillRef>
-          <a:effectRef idx="2">
-            <a:schemeClr val="dk1"/>
-          </a:effectRef>
-          <a:fontRef idx="minor">
-            <a:schemeClr val="tx1"/>
-          </a:fontRef>
-        </p:style>
-      </p:cxnSp>
-      <p:cxnSp>
-        <p:nvCxnSpPr>
-          <p:cNvPr id="60" name="Connecteur droit 59">
-            <a:extLst>
-              <a:ext uri="{FF2B5EF4-FFF2-40B4-BE49-F238E27FC236}">
-                <a16:creationId xmlns:a16="http://schemas.microsoft.com/office/drawing/2014/main" id="{CBC9961A-8EC2-4287-A398-BCA4138D409D}"/>
-              </a:ext>
-            </a:extLst>
-          </p:cNvPr>
-          <p:cNvCxnSpPr>
-            <a:cxnSpLocks/>
-          </p:cNvCxnSpPr>
-          <p:nvPr/>
-        </p:nvCxnSpPr>
-        <p:spPr>
-          <a:xfrm>
-            <a:off x="1082434" y="938268"/>
-            <a:ext cx="1146585" cy="0"/>
-          </a:xfrm>
-          <a:prstGeom prst="line">
-            <a:avLst/>
-          </a:prstGeom>
-        </p:spPr>
-        <p:style>
-          <a:lnRef idx="3">
-            <a:schemeClr val="dk1"/>
-          </a:lnRef>
-          <a:fillRef idx="0">
-            <a:schemeClr val="dk1"/>
-          </a:fillRef>
-          <a:effectRef idx="2">
-            <a:schemeClr val="dk1"/>
-          </a:effectRef>
-          <a:fontRef idx="minor">
-            <a:schemeClr val="tx1"/>
-          </a:fontRef>
-        </p:style>
-      </p:cxnSp>
-      <p:cxnSp>
-        <p:nvCxnSpPr>
-          <p:cNvPr id="61" name="Connecteur droit 60">
-            <a:extLst>
-              <a:ext uri="{FF2B5EF4-FFF2-40B4-BE49-F238E27FC236}">
-                <a16:creationId xmlns:a16="http://schemas.microsoft.com/office/drawing/2014/main" id="{152B7C45-2543-4665-BC07-4DB71CA9F337}"/>
-              </a:ext>
-            </a:extLst>
-          </p:cNvPr>
-          <p:cNvCxnSpPr>
-            <a:cxnSpLocks/>
-          </p:cNvCxnSpPr>
-          <p:nvPr/>
-        </p:nvCxnSpPr>
-        <p:spPr>
-          <a:xfrm>
-            <a:off x="9402704" y="465201"/>
-            <a:ext cx="344203" cy="495163"/>
-          </a:xfrm>
-          <a:prstGeom prst="line">
-            <a:avLst/>
-          </a:prstGeom>
-        </p:spPr>
-        <p:style>
-          <a:lnRef idx="3">
-            <a:schemeClr val="dk1"/>
-          </a:lnRef>
-          <a:fillRef idx="0">
-            <a:schemeClr val="dk1"/>
-          </a:fillRef>
-          <a:effectRef idx="2">
-            <a:schemeClr val="dk1"/>
-          </a:effectRef>
-          <a:fontRef idx="minor">
-            <a:schemeClr val="tx1"/>
-          </a:fontRef>
-        </p:style>
-      </p:cxnSp>
-      <p:cxnSp>
-        <p:nvCxnSpPr>
-          <p:cNvPr id="62" name="Connecteur droit 61">
-            <a:extLst>
-              <a:ext uri="{FF2B5EF4-FFF2-40B4-BE49-F238E27FC236}">
-                <a16:creationId xmlns:a16="http://schemas.microsoft.com/office/drawing/2014/main" id="{00A84DC3-A112-46A3-B71C-04D85339323D}"/>
-              </a:ext>
-            </a:extLst>
-          </p:cNvPr>
-          <p:cNvCxnSpPr>
-            <a:cxnSpLocks/>
-          </p:cNvCxnSpPr>
-          <p:nvPr/>
-        </p:nvCxnSpPr>
-        <p:spPr>
-          <a:xfrm flipH="1">
-            <a:off x="11370469" y="448308"/>
-            <a:ext cx="364332" cy="501657"/>
-          </a:xfrm>
-          <a:prstGeom prst="line">
-            <a:avLst/>
-          </a:prstGeom>
-        </p:spPr>
-        <p:style>
-          <a:lnRef idx="3">
-            <a:schemeClr val="dk1"/>
-          </a:lnRef>
-          <a:fillRef idx="0">
-            <a:schemeClr val="dk1"/>
-          </a:fillRef>
-          <a:effectRef idx="2">
-            <a:schemeClr val="dk1"/>
-          </a:effectRef>
-          <a:fontRef idx="minor">
-            <a:schemeClr val="tx1"/>
-          </a:fontRef>
-        </p:style>
-      </p:cxnSp>
-      <p:cxnSp>
-        <p:nvCxnSpPr>
-          <p:cNvPr id="63" name="Connecteur droit 62">
-            <a:extLst>
-              <a:ext uri="{FF2B5EF4-FFF2-40B4-BE49-F238E27FC236}">
-                <a16:creationId xmlns:a16="http://schemas.microsoft.com/office/drawing/2014/main" id="{C50788C6-8F68-44EC-AB54-94C1D2FE554D}"/>
-              </a:ext>
-            </a:extLst>
-          </p:cNvPr>
-          <p:cNvCxnSpPr>
-            <a:cxnSpLocks/>
-          </p:cNvCxnSpPr>
-          <p:nvPr/>
-        </p:nvCxnSpPr>
-        <p:spPr>
-          <a:xfrm>
-            <a:off x="9743203" y="949965"/>
-            <a:ext cx="1627266" cy="0"/>
-          </a:xfrm>
-          <a:prstGeom prst="line">
-            <a:avLst/>
-          </a:prstGeom>
-        </p:spPr>
-        <p:style>
-          <a:lnRef idx="3">
-            <a:schemeClr val="dk1"/>
-          </a:lnRef>
-          <a:fillRef idx="0">
-            <a:schemeClr val="dk1"/>
-          </a:fillRef>
-          <a:effectRef idx="2">
-            <a:schemeClr val="dk1"/>
-          </a:effectRef>
-          <a:fontRef idx="minor">
-            <a:schemeClr val="tx1"/>
-          </a:fontRef>
-        </p:style>
-      </p:cxnSp>
-      <p:cxnSp>
-        <p:nvCxnSpPr>
-          <p:cNvPr id="64" name="Connecteur droit 63">
-            <a:extLst>
-              <a:ext uri="{FF2B5EF4-FFF2-40B4-BE49-F238E27FC236}">
-                <a16:creationId xmlns:a16="http://schemas.microsoft.com/office/drawing/2014/main" id="{BC4D4E5F-5636-45CB-873C-EC085AB307A3}"/>
-              </a:ext>
-            </a:extLst>
-          </p:cNvPr>
-          <p:cNvCxnSpPr>
-            <a:cxnSpLocks/>
-          </p:cNvCxnSpPr>
-          <p:nvPr/>
-        </p:nvCxnSpPr>
-        <p:spPr>
-          <a:xfrm>
-            <a:off x="11715750" y="454801"/>
-            <a:ext cx="476249" cy="10400"/>
-          </a:xfrm>
-          <a:prstGeom prst="line">
-            <a:avLst/>
-          </a:prstGeom>
-        </p:spPr>
-        <p:style>
-          <a:lnRef idx="3">
-            <a:schemeClr val="dk1"/>
-          </a:lnRef>
-          <a:fillRef idx="0">
-            <a:schemeClr val="dk1"/>
-          </a:fillRef>
-          <a:effectRef idx="2">
-            <a:schemeClr val="dk1"/>
-          </a:effectRef>
-          <a:fontRef idx="minor">
-            <a:schemeClr val="tx1"/>
-          </a:fontRef>
-        </p:style>
-      </p:cxnSp>
-      <p:cxnSp>
-        <p:nvCxnSpPr>
-          <p:cNvPr id="65" name="Connecteur droit 64">
-            <a:extLst>
-              <a:ext uri="{FF2B5EF4-FFF2-40B4-BE49-F238E27FC236}">
-                <a16:creationId xmlns:a16="http://schemas.microsoft.com/office/drawing/2014/main" id="{E6F6B4C5-0E3B-46C9-859D-EE774175D36F}"/>
-              </a:ext>
-            </a:extLst>
-          </p:cNvPr>
-          <p:cNvCxnSpPr>
-            <a:cxnSpLocks/>
-          </p:cNvCxnSpPr>
-          <p:nvPr/>
-        </p:nvCxnSpPr>
-        <p:spPr>
-          <a:xfrm flipH="1">
-            <a:off x="2216372" y="446356"/>
-            <a:ext cx="364332" cy="501657"/>
-          </a:xfrm>
-          <a:prstGeom prst="line">
-            <a:avLst/>
-          </a:prstGeom>
-        </p:spPr>
-        <p:style>
-          <a:lnRef idx="3">
-            <a:schemeClr val="dk1"/>
-          </a:lnRef>
-          <a:fillRef idx="0">
-            <a:schemeClr val="dk1"/>
-          </a:fillRef>
-          <a:effectRef idx="2">
-            <a:schemeClr val="dk1"/>
-          </a:effectRef>
-          <a:fontRef idx="minor">
-            <a:schemeClr val="tx1"/>
-          </a:fontRef>
-        </p:style>
-      </p:cxnSp>
-    </p:spTree>
-    <p:extLst>
-      <p:ext uri="{BB962C8B-B14F-4D97-AF65-F5344CB8AC3E}">
-        <p14:creationId xmlns:p14="http://schemas.microsoft.com/office/powerpoint/2010/main" val="2343069710"/>
-      </p:ext>
-    </p:extLst>
-  </p:cSld>
-  <p:clrMapOvr>
-    <a:masterClrMapping/>
-  </p:clrMapOvr>
-  <mc:AlternateContent xmlns:mc="http://schemas.openxmlformats.org/markup-compatibility/2006" xmlns:p14="http://schemas.microsoft.com/office/powerpoint/2010/main">
-    <mc:Choice Requires="p14">
-      <p:transition spd="slow">
-        <p14:reveal/>
-      </p:transition>
-    </mc:Choice>
-    <mc:Fallback xmlns="">
-      <p:transition spd="slow">
-        <p:fade/>
-      </p:transition>
-    </mc:Fallback>
-  </mc:AlternateContent>
-</p:sld>
-</file>
-
-<file path=ppt/slides/slide12.xml><?xml version="1.0" encoding="utf-8"?>
-<p:sld xmlns:a="http://schemas.openxmlformats.org/drawingml/2006/main" xmlns:r="http://schemas.openxmlformats.org/officeDocument/2006/relationships" xmlns:p="http://schemas.openxmlformats.org/presentationml/2006/main">
-  <p:cSld>
-    <p:spTree>
-      <p:nvGrpSpPr>
-        <p:cNvPr id="1" name=""/>
-        <p:cNvGrpSpPr/>
-        <p:nvPr/>
-      </p:nvGrpSpPr>
-      <p:grpSpPr>
-        <a:xfrm>
-          <a:off x="0" y="0"/>
-          <a:ext cx="0" cy="0"/>
-          <a:chOff x="0" y="0"/>
-          <a:chExt cx="0" cy="0"/>
-        </a:xfrm>
-      </p:grpSpPr>
-      <p:pic>
-        <p:nvPicPr>
-          <p:cNvPr id="8" name="Image 7">
-            <a:extLst>
-              <a:ext uri="{FF2B5EF4-FFF2-40B4-BE49-F238E27FC236}">
-                <a16:creationId xmlns:a16="http://schemas.microsoft.com/office/drawing/2014/main" id="{2BB825C5-31DA-4A56-85EA-536DBF510A31}"/>
-              </a:ext>
-            </a:extLst>
-          </p:cNvPr>
-          <p:cNvPicPr>
-            <a:picLocks noChangeAspect="1"/>
-          </p:cNvPicPr>
-          <p:nvPr/>
-        </p:nvPicPr>
-        <p:blipFill>
-          <a:blip r:embed="rId2">
-            <a:extLst>
-              <a:ext uri="{28A0092B-C50C-407E-A947-70E740481C1C}">
-                <a14:useLocalDpi xmlns:a14="http://schemas.microsoft.com/office/drawing/2010/main" val="0"/>
-              </a:ext>
-            </a:extLst>
-          </a:blip>
-          <a:stretch>
-            <a:fillRect/>
-          </a:stretch>
-        </p:blipFill>
-        <p:spPr>
-          <a:xfrm>
-            <a:off x="1068751" y="66457"/>
-            <a:ext cx="1259497" cy="776690"/>
-          </a:xfrm>
-          <a:prstGeom prst="rect">
-            <a:avLst/>
-          </a:prstGeom>
-        </p:spPr>
-      </p:pic>
-      <p:pic>
-        <p:nvPicPr>
-          <p:cNvPr id="10" name="Image 9">
-            <a:extLst>
-              <a:ext uri="{FF2B5EF4-FFF2-40B4-BE49-F238E27FC236}">
-                <a16:creationId xmlns:a16="http://schemas.microsoft.com/office/drawing/2014/main" id="{8EE7436F-49F2-41E0-93E4-D247B4705294}"/>
-              </a:ext>
-            </a:extLst>
-          </p:cNvPr>
-          <p:cNvPicPr>
-            <a:picLocks noChangeAspect="1"/>
-          </p:cNvPicPr>
-          <p:nvPr/>
-        </p:nvPicPr>
-        <p:blipFill>
-          <a:blip r:embed="rId3">
-            <a:extLst>
-              <a:ext uri="{28A0092B-C50C-407E-A947-70E740481C1C}">
-                <a14:useLocalDpi xmlns:a14="http://schemas.microsoft.com/office/drawing/2010/main" val="0"/>
-              </a:ext>
-            </a:extLst>
-          </a:blip>
-          <a:stretch>
-            <a:fillRect/>
-          </a:stretch>
-        </p:blipFill>
-        <p:spPr>
-          <a:xfrm>
-            <a:off x="9681085" y="238153"/>
-            <a:ext cx="1802101" cy="569807"/>
-          </a:xfrm>
-          <a:prstGeom prst="rect">
-            <a:avLst/>
-          </a:prstGeom>
-        </p:spPr>
-      </p:pic>
-      <p:cxnSp>
-        <p:nvCxnSpPr>
-          <p:cNvPr id="16" name="Connecteur droit 15">
-            <a:extLst>
-              <a:ext uri="{FF2B5EF4-FFF2-40B4-BE49-F238E27FC236}">
-                <a16:creationId xmlns:a16="http://schemas.microsoft.com/office/drawing/2014/main" id="{7319284A-BD6F-4A96-8E2B-E0A4B52E53C6}"/>
-              </a:ext>
-            </a:extLst>
-          </p:cNvPr>
-          <p:cNvCxnSpPr>
-            <a:cxnSpLocks/>
-          </p:cNvCxnSpPr>
-          <p:nvPr/>
-        </p:nvCxnSpPr>
-        <p:spPr>
-          <a:xfrm flipV="1">
-            <a:off x="0" y="454803"/>
-            <a:ext cx="738231" cy="1798"/>
-          </a:xfrm>
-          <a:prstGeom prst="line">
-            <a:avLst/>
-          </a:prstGeom>
-        </p:spPr>
-        <p:style>
-          <a:lnRef idx="3">
-            <a:schemeClr val="dk1"/>
-          </a:lnRef>
-          <a:fillRef idx="0">
-            <a:schemeClr val="dk1"/>
-          </a:fillRef>
-          <a:effectRef idx="2">
-            <a:schemeClr val="dk1"/>
-          </a:effectRef>
-          <a:fontRef idx="minor">
-            <a:schemeClr val="tx1"/>
-          </a:fontRef>
-        </p:style>
-      </p:cxnSp>
-      <p:cxnSp>
-        <p:nvCxnSpPr>
-          <p:cNvPr id="20" name="Connecteur droit 19">
-            <a:extLst>
-              <a:ext uri="{FF2B5EF4-FFF2-40B4-BE49-F238E27FC236}">
-                <a16:creationId xmlns:a16="http://schemas.microsoft.com/office/drawing/2014/main" id="{08874CF7-F149-4C81-B61E-74E18342BA8A}"/>
-              </a:ext>
-            </a:extLst>
-          </p:cNvPr>
-          <p:cNvCxnSpPr>
-            <a:cxnSpLocks/>
-          </p:cNvCxnSpPr>
-          <p:nvPr/>
-        </p:nvCxnSpPr>
-        <p:spPr>
-          <a:xfrm>
-            <a:off x="2573222" y="454803"/>
-            <a:ext cx="6829482" cy="10398"/>
-          </a:xfrm>
-          <a:prstGeom prst="line">
-            <a:avLst/>
-          </a:prstGeom>
-        </p:spPr>
-        <p:style>
-          <a:lnRef idx="3">
-            <a:schemeClr val="dk1"/>
-          </a:lnRef>
-          <a:fillRef idx="0">
-            <a:schemeClr val="dk1"/>
-          </a:fillRef>
-          <a:effectRef idx="2">
-            <a:schemeClr val="dk1"/>
-          </a:effectRef>
-          <a:fontRef idx="minor">
-            <a:schemeClr val="tx1"/>
-          </a:fontRef>
-        </p:style>
-      </p:cxnSp>
-      <p:cxnSp>
-        <p:nvCxnSpPr>
-          <p:cNvPr id="26" name="Connecteur droit 25">
-            <a:extLst>
-              <a:ext uri="{FF2B5EF4-FFF2-40B4-BE49-F238E27FC236}">
-                <a16:creationId xmlns:a16="http://schemas.microsoft.com/office/drawing/2014/main" id="{BB3B35CC-057B-48C1-880F-3306A6559175}"/>
-              </a:ext>
-            </a:extLst>
-          </p:cNvPr>
-          <p:cNvCxnSpPr>
-            <a:cxnSpLocks/>
-          </p:cNvCxnSpPr>
-          <p:nvPr/>
-        </p:nvCxnSpPr>
-        <p:spPr>
-          <a:xfrm>
-            <a:off x="738231" y="454803"/>
-            <a:ext cx="344203" cy="484764"/>
-          </a:xfrm>
-          <a:prstGeom prst="line">
-            <a:avLst/>
-          </a:prstGeom>
-        </p:spPr>
-        <p:style>
-          <a:lnRef idx="3">
-            <a:schemeClr val="dk1"/>
-          </a:lnRef>
-          <a:fillRef idx="0">
-            <a:schemeClr val="dk1"/>
-          </a:fillRef>
-          <a:effectRef idx="2">
-            <a:schemeClr val="dk1"/>
-          </a:effectRef>
-          <a:fontRef idx="minor">
-            <a:schemeClr val="tx1"/>
-          </a:fontRef>
-        </p:style>
-      </p:cxnSp>
-      <p:cxnSp>
-        <p:nvCxnSpPr>
-          <p:cNvPr id="32" name="Connecteur droit 31">
-            <a:extLst>
-              <a:ext uri="{FF2B5EF4-FFF2-40B4-BE49-F238E27FC236}">
-                <a16:creationId xmlns:a16="http://schemas.microsoft.com/office/drawing/2014/main" id="{4AD96496-1EB6-4E48-9BB2-5C255495C686}"/>
-              </a:ext>
-            </a:extLst>
-          </p:cNvPr>
-          <p:cNvCxnSpPr>
-            <a:cxnSpLocks/>
-          </p:cNvCxnSpPr>
-          <p:nvPr/>
-        </p:nvCxnSpPr>
-        <p:spPr>
-          <a:xfrm>
-            <a:off x="1082434" y="938268"/>
-            <a:ext cx="1146585" cy="0"/>
-          </a:xfrm>
-          <a:prstGeom prst="line">
-            <a:avLst/>
-          </a:prstGeom>
-        </p:spPr>
-        <p:style>
-          <a:lnRef idx="3">
-            <a:schemeClr val="dk1"/>
-          </a:lnRef>
-          <a:fillRef idx="0">
-            <a:schemeClr val="dk1"/>
-          </a:fillRef>
-          <a:effectRef idx="2">
-            <a:schemeClr val="dk1"/>
-          </a:effectRef>
-          <a:fontRef idx="minor">
-            <a:schemeClr val="tx1"/>
-          </a:fontRef>
-        </p:style>
-      </p:cxnSp>
-      <p:cxnSp>
-        <p:nvCxnSpPr>
-          <p:cNvPr id="51" name="Connecteur droit 50">
-            <a:extLst>
-              <a:ext uri="{FF2B5EF4-FFF2-40B4-BE49-F238E27FC236}">
-                <a16:creationId xmlns:a16="http://schemas.microsoft.com/office/drawing/2014/main" id="{C035BFA6-ECBF-4775-BA81-19D2CA41AA8D}"/>
-              </a:ext>
-            </a:extLst>
-          </p:cNvPr>
-          <p:cNvCxnSpPr>
-            <a:cxnSpLocks/>
-          </p:cNvCxnSpPr>
-          <p:nvPr/>
-        </p:nvCxnSpPr>
-        <p:spPr>
-          <a:xfrm>
-            <a:off x="9402704" y="465201"/>
-            <a:ext cx="344203" cy="495163"/>
-          </a:xfrm>
-          <a:prstGeom prst="line">
-            <a:avLst/>
-          </a:prstGeom>
-        </p:spPr>
-        <p:style>
-          <a:lnRef idx="3">
-            <a:schemeClr val="dk1"/>
-          </a:lnRef>
-          <a:fillRef idx="0">
-            <a:schemeClr val="dk1"/>
-          </a:fillRef>
-          <a:effectRef idx="2">
-            <a:schemeClr val="dk1"/>
-          </a:effectRef>
-          <a:fontRef idx="minor">
-            <a:schemeClr val="tx1"/>
-          </a:fontRef>
-        </p:style>
-      </p:cxnSp>
-      <p:cxnSp>
-        <p:nvCxnSpPr>
-          <p:cNvPr id="52" name="Connecteur droit 51">
-            <a:extLst>
-              <a:ext uri="{FF2B5EF4-FFF2-40B4-BE49-F238E27FC236}">
-                <a16:creationId xmlns:a16="http://schemas.microsoft.com/office/drawing/2014/main" id="{FA310BC7-694B-4984-99A2-61A1F4F6EBF9}"/>
-              </a:ext>
-            </a:extLst>
-          </p:cNvPr>
-          <p:cNvCxnSpPr>
-            <a:cxnSpLocks/>
-          </p:cNvCxnSpPr>
-          <p:nvPr/>
-        </p:nvCxnSpPr>
-        <p:spPr>
-          <a:xfrm flipH="1">
-            <a:off x="11370469" y="448308"/>
-            <a:ext cx="364332" cy="501657"/>
-          </a:xfrm>
-          <a:prstGeom prst="line">
-            <a:avLst/>
-          </a:prstGeom>
-        </p:spPr>
-        <p:style>
-          <a:lnRef idx="3">
-            <a:schemeClr val="dk1"/>
-          </a:lnRef>
-          <a:fillRef idx="0">
-            <a:schemeClr val="dk1"/>
-          </a:fillRef>
-          <a:effectRef idx="2">
-            <a:schemeClr val="dk1"/>
-          </a:effectRef>
-          <a:fontRef idx="minor">
-            <a:schemeClr val="tx1"/>
-          </a:fontRef>
-        </p:style>
-      </p:cxnSp>
-      <p:cxnSp>
-        <p:nvCxnSpPr>
-          <p:cNvPr id="53" name="Connecteur droit 52">
-            <a:extLst>
-              <a:ext uri="{FF2B5EF4-FFF2-40B4-BE49-F238E27FC236}">
-                <a16:creationId xmlns:a16="http://schemas.microsoft.com/office/drawing/2014/main" id="{BE0649BD-EE59-4DDA-960F-95B2572F9F13}"/>
-              </a:ext>
-            </a:extLst>
-          </p:cNvPr>
-          <p:cNvCxnSpPr>
-            <a:cxnSpLocks/>
-          </p:cNvCxnSpPr>
-          <p:nvPr/>
-        </p:nvCxnSpPr>
-        <p:spPr>
-          <a:xfrm>
-            <a:off x="9743203" y="949965"/>
-            <a:ext cx="1627266" cy="0"/>
-          </a:xfrm>
-          <a:prstGeom prst="line">
-            <a:avLst/>
-          </a:prstGeom>
-        </p:spPr>
-        <p:style>
-          <a:lnRef idx="3">
-            <a:schemeClr val="dk1"/>
-          </a:lnRef>
-          <a:fillRef idx="0">
-            <a:schemeClr val="dk1"/>
-          </a:fillRef>
-          <a:effectRef idx="2">
-            <a:schemeClr val="dk1"/>
-          </a:effectRef>
-          <a:fontRef idx="minor">
-            <a:schemeClr val="tx1"/>
-          </a:fontRef>
-        </p:style>
-      </p:cxnSp>
-      <p:cxnSp>
-        <p:nvCxnSpPr>
-          <p:cNvPr id="55" name="Connecteur droit 54">
-            <a:extLst>
-              <a:ext uri="{FF2B5EF4-FFF2-40B4-BE49-F238E27FC236}">
-                <a16:creationId xmlns:a16="http://schemas.microsoft.com/office/drawing/2014/main" id="{52AA9200-DAFA-4EEF-AC13-4C7CE82A59EC}"/>
-              </a:ext>
-            </a:extLst>
-          </p:cNvPr>
-          <p:cNvCxnSpPr>
-            <a:cxnSpLocks/>
-          </p:cNvCxnSpPr>
-          <p:nvPr/>
-        </p:nvCxnSpPr>
-        <p:spPr>
-          <a:xfrm>
-            <a:off x="11715750" y="454801"/>
-            <a:ext cx="476249" cy="10400"/>
-          </a:xfrm>
-          <a:prstGeom prst="line">
-            <a:avLst/>
-          </a:prstGeom>
-        </p:spPr>
-        <p:style>
-          <a:lnRef idx="3">
-            <a:schemeClr val="dk1"/>
-          </a:lnRef>
-          <a:fillRef idx="0">
-            <a:schemeClr val="dk1"/>
-          </a:fillRef>
-          <a:effectRef idx="2">
-            <a:schemeClr val="dk1"/>
-          </a:effectRef>
-          <a:fontRef idx="minor">
-            <a:schemeClr val="tx1"/>
-          </a:fontRef>
-        </p:style>
-      </p:cxnSp>
-      <p:cxnSp>
-        <p:nvCxnSpPr>
-          <p:cNvPr id="23" name="Connecteur droit 22">
-            <a:extLst>
-              <a:ext uri="{FF2B5EF4-FFF2-40B4-BE49-F238E27FC236}">
-                <a16:creationId xmlns:a16="http://schemas.microsoft.com/office/drawing/2014/main" id="{BCB092C8-0080-4E56-957E-0046D4C83988}"/>
-              </a:ext>
-            </a:extLst>
-          </p:cNvPr>
-          <p:cNvCxnSpPr>
-            <a:cxnSpLocks/>
-          </p:cNvCxnSpPr>
-          <p:nvPr/>
-        </p:nvCxnSpPr>
-        <p:spPr>
-          <a:xfrm flipH="1">
-            <a:off x="2216372" y="446356"/>
-            <a:ext cx="364332" cy="501657"/>
-          </a:xfrm>
-          <a:prstGeom prst="line">
-            <a:avLst/>
-          </a:prstGeom>
-        </p:spPr>
-        <p:style>
-          <a:lnRef idx="3">
-            <a:schemeClr val="dk1"/>
-          </a:lnRef>
-          <a:fillRef idx="0">
-            <a:schemeClr val="dk1"/>
-          </a:fillRef>
-          <a:effectRef idx="2">
-            <a:schemeClr val="dk1"/>
-          </a:effectRef>
-          <a:fontRef idx="minor">
-            <a:schemeClr val="tx1"/>
-          </a:fontRef>
-        </p:style>
-      </p:cxnSp>
       <p:sp>
         <p:nvSpPr>
           <p:cNvPr id="3" name="ZoneTexte 2">
@@ -6739,15 +5972,7 @@
           <a:p>
             <a:r>
               <a:rPr lang="fr-FR" sz="2400" dirty="0"/>
-              <a:t>Mise en place page </a:t>
-            </a:r>
-            <a:r>
-              <a:rPr lang="fr-FR" sz="2400" dirty="0" err="1"/>
-              <a:t>php</a:t>
-            </a:r>
-            <a:r>
-              <a:rPr lang="fr-FR" sz="2400" dirty="0"/>
-              <a:t> : </a:t>
+              <a:t>Mise en place site Web : </a:t>
             </a:r>
           </a:p>
           <a:p>
@@ -7438,7 +6663,7 @@
 </p:sld>
 </file>
 
-<file path=ppt/slides/slide13.xml><?xml version="1.0" encoding="utf-8"?>
+<file path=ppt/slides/slide12.xml><?xml version="1.0" encoding="utf-8"?>
 <p:sld xmlns:a="http://schemas.openxmlformats.org/drawingml/2006/main" xmlns:r="http://schemas.openxmlformats.org/officeDocument/2006/relationships" xmlns:p="http://schemas.openxmlformats.org/presentationml/2006/main">
   <p:cSld>
     <p:spTree>
@@ -8328,7 +7553,7 @@
 </p:sld>
 </file>
 
-<file path=ppt/slides/slide14.xml><?xml version="1.0" encoding="utf-8"?>
+<file path=ppt/slides/slide13.xml><?xml version="1.0" encoding="utf-8"?>
 <p:sld xmlns:a="http://schemas.openxmlformats.org/drawingml/2006/main" xmlns:r="http://schemas.openxmlformats.org/officeDocument/2006/relationships" xmlns:p="http://schemas.openxmlformats.org/presentationml/2006/main">
   <p:cSld>
     <p:spTree>
@@ -9218,7 +8443,7 @@
 </p:sld>
 </file>
 
-<file path=ppt/slides/slide15.xml><?xml version="1.0" encoding="utf-8"?>
+<file path=ppt/slides/slide14.xml><?xml version="1.0" encoding="utf-8"?>
 <p:sld xmlns:a="http://schemas.openxmlformats.org/drawingml/2006/main" xmlns:r="http://schemas.openxmlformats.org/officeDocument/2006/relationships" xmlns:p="http://schemas.openxmlformats.org/presentationml/2006/main">
   <p:cSld>
     <p:spTree>
@@ -10119,7 +9344,7 @@
 </p:sld>
 </file>
 
-<file path=ppt/slides/slide16.xml><?xml version="1.0" encoding="utf-8"?>
+<file path=ppt/slides/slide15.xml><?xml version="1.0" encoding="utf-8"?>
 <p:sld xmlns:a="http://schemas.openxmlformats.org/drawingml/2006/main" xmlns:r="http://schemas.openxmlformats.org/officeDocument/2006/relationships" xmlns:p="http://schemas.openxmlformats.org/presentationml/2006/main">
   <p:cSld>
     <p:spTree>
@@ -11020,7 +10245,7 @@
 </p:sld>
 </file>
 
-<file path=ppt/slides/slide17.xml><?xml version="1.0" encoding="utf-8"?>
+<file path=ppt/slides/slide16.xml><?xml version="1.0" encoding="utf-8"?>
 <p:sld xmlns:a="http://schemas.openxmlformats.org/drawingml/2006/main" xmlns:r="http://schemas.openxmlformats.org/officeDocument/2006/relationships" xmlns:p="http://schemas.openxmlformats.org/presentationml/2006/main">
   <p:cSld>
     <p:spTree>
@@ -12091,7 +11316,7 @@
 </p:sld>
 </file>
 
-<file path=ppt/slides/slide18.xml><?xml version="1.0" encoding="utf-8"?>
+<file path=ppt/slides/slide17.xml><?xml version="1.0" encoding="utf-8"?>
 <p:sld xmlns:a="http://schemas.openxmlformats.org/drawingml/2006/main" xmlns:r="http://schemas.openxmlformats.org/officeDocument/2006/relationships" xmlns:p="http://schemas.openxmlformats.org/presentationml/2006/main">
   <p:cSld>
     <p:spTree>
@@ -12982,7 +12207,7 @@
 </p:sld>
 </file>
 
-<file path=ppt/slides/slide19.xml><?xml version="1.0" encoding="utf-8"?>
+<file path=ppt/slides/slide18.xml><?xml version="1.0" encoding="utf-8"?>
 <p:sld xmlns:a="http://schemas.openxmlformats.org/drawingml/2006/main" xmlns:r="http://schemas.openxmlformats.org/officeDocument/2006/relationships" xmlns:p="http://schemas.openxmlformats.org/presentationml/2006/main">
   <p:cSld>
     <p:spTree>
@@ -13447,6 +12672,569 @@
     <p:extLst>
       <p:ext uri="{BB962C8B-B14F-4D97-AF65-F5344CB8AC3E}">
         <p14:creationId xmlns:p14="http://schemas.microsoft.com/office/powerpoint/2010/main" val="3107743777"/>
+      </p:ext>
+    </p:extLst>
+  </p:cSld>
+  <p:clrMapOvr>
+    <a:masterClrMapping/>
+  </p:clrMapOvr>
+  <mc:AlternateContent xmlns:mc="http://schemas.openxmlformats.org/markup-compatibility/2006" xmlns:p14="http://schemas.microsoft.com/office/powerpoint/2010/main">
+    <mc:Choice Requires="p14">
+      <p:transition spd="med">
+        <p14:reveal/>
+      </p:transition>
+    </mc:Choice>
+    <mc:Fallback xmlns="">
+      <p:transition spd="med">
+        <p:fade/>
+      </p:transition>
+    </mc:Fallback>
+  </mc:AlternateContent>
+</p:sld>
+</file>
+
+<file path=ppt/slides/slide19.xml><?xml version="1.0" encoding="utf-8"?>
+<p:sld xmlns:a="http://schemas.openxmlformats.org/drawingml/2006/main" xmlns:r="http://schemas.openxmlformats.org/officeDocument/2006/relationships" xmlns:p="http://schemas.openxmlformats.org/presentationml/2006/main">
+  <p:cSld>
+    <p:spTree>
+      <p:nvGrpSpPr>
+        <p:cNvPr id="1" name=""/>
+        <p:cNvGrpSpPr/>
+        <p:nvPr/>
+      </p:nvGrpSpPr>
+      <p:grpSpPr>
+        <a:xfrm>
+          <a:off x="0" y="0"/>
+          <a:ext cx="0" cy="0"/>
+          <a:chOff x="0" y="0"/>
+          <a:chExt cx="0" cy="0"/>
+        </a:xfrm>
+      </p:grpSpPr>
+      <p:sp>
+        <p:nvSpPr>
+          <p:cNvPr id="15" name="ZoneTexte 14">
+            <a:extLst>
+              <a:ext uri="{FF2B5EF4-FFF2-40B4-BE49-F238E27FC236}">
+                <a16:creationId xmlns:a16="http://schemas.microsoft.com/office/drawing/2014/main" id="{44A02A25-DA3F-4047-8E93-5C43D907D3D4}"/>
+              </a:ext>
+            </a:extLst>
+          </p:cNvPr>
+          <p:cNvSpPr txBox="1"/>
+          <p:nvPr/>
+        </p:nvSpPr>
+        <p:spPr>
+          <a:xfrm>
+            <a:off x="3650164" y="465201"/>
+            <a:ext cx="4675598" cy="769441"/>
+          </a:xfrm>
+          <a:prstGeom prst="rect">
+            <a:avLst/>
+          </a:prstGeom>
+          <a:noFill/>
+        </p:spPr>
+        <p:txBody>
+          <a:bodyPr wrap="square" rtlCol="0">
+            <a:spAutoFit/>
+          </a:bodyPr>
+          <a:lstStyle/>
+          <a:p>
+            <a:pPr marL="0" marR="0" lvl="0" indent="0" algn="ctr" defTabSz="914400" rtl="0" eaLnBrk="1" fontAlgn="auto" latinLnBrk="0" hangingPunct="1">
+              <a:lnSpc>
+                <a:spcPct val="100000"/>
+              </a:lnSpc>
+              <a:spcBef>
+                <a:spcPts val="0"/>
+              </a:spcBef>
+              <a:spcAft>
+                <a:spcPts val="0"/>
+              </a:spcAft>
+              <a:buClrTx/>
+              <a:buSzTx/>
+              <a:buFontTx/>
+              <a:buNone/>
+              <a:tabLst/>
+              <a:defRPr/>
+            </a:pPr>
+            <a:r>
+              <a:rPr lang="fr-FR" sz="4400" dirty="0">
+                <a:solidFill>
+                  <a:prstClr val="black"/>
+                </a:solidFill>
+                <a:latin typeface="Berlin Sans FB" panose="020E0602020502020306" pitchFamily="34" charset="0"/>
+              </a:rPr>
+              <a:t>Site web</a:t>
+            </a:r>
+            <a:endParaRPr kumimoji="0" lang="fr-FR" sz="4400" b="0" i="0" u="none" strike="noStrike" kern="1200" cap="none" spc="0" normalizeH="0" baseline="0" noProof="0" dirty="0">
+              <a:ln>
+                <a:noFill/>
+              </a:ln>
+              <a:solidFill>
+                <a:prstClr val="black"/>
+              </a:solidFill>
+              <a:effectLst/>
+              <a:uLnTx/>
+              <a:uFillTx/>
+              <a:latin typeface="Berlin Sans FB" panose="020E0602020502020306" pitchFamily="34" charset="0"/>
+              <a:ea typeface="+mn-ea"/>
+              <a:cs typeface="+mn-cs"/>
+            </a:endParaRPr>
+          </a:p>
+        </p:txBody>
+      </p:sp>
+      <p:pic>
+        <p:nvPicPr>
+          <p:cNvPr id="8" name="Image 7">
+            <a:extLst>
+              <a:ext uri="{FF2B5EF4-FFF2-40B4-BE49-F238E27FC236}">
+                <a16:creationId xmlns:a16="http://schemas.microsoft.com/office/drawing/2014/main" id="{2BB825C5-31DA-4A56-85EA-536DBF510A31}"/>
+              </a:ext>
+            </a:extLst>
+          </p:cNvPr>
+          <p:cNvPicPr>
+            <a:picLocks noChangeAspect="1"/>
+          </p:cNvPicPr>
+          <p:nvPr/>
+        </p:nvPicPr>
+        <p:blipFill>
+          <a:blip r:embed="rId2">
+            <a:extLst>
+              <a:ext uri="{28A0092B-C50C-407E-A947-70E740481C1C}">
+                <a14:useLocalDpi xmlns:a14="http://schemas.microsoft.com/office/drawing/2010/main" val="0"/>
+              </a:ext>
+            </a:extLst>
+          </a:blip>
+          <a:stretch>
+            <a:fillRect/>
+          </a:stretch>
+        </p:blipFill>
+        <p:spPr>
+          <a:xfrm>
+            <a:off x="1068751" y="66457"/>
+            <a:ext cx="1259497" cy="776690"/>
+          </a:xfrm>
+          <a:prstGeom prst="rect">
+            <a:avLst/>
+          </a:prstGeom>
+        </p:spPr>
+      </p:pic>
+      <p:pic>
+        <p:nvPicPr>
+          <p:cNvPr id="10" name="Image 9">
+            <a:extLst>
+              <a:ext uri="{FF2B5EF4-FFF2-40B4-BE49-F238E27FC236}">
+                <a16:creationId xmlns:a16="http://schemas.microsoft.com/office/drawing/2014/main" id="{8EE7436F-49F2-41E0-93E4-D247B4705294}"/>
+              </a:ext>
+            </a:extLst>
+          </p:cNvPr>
+          <p:cNvPicPr>
+            <a:picLocks noChangeAspect="1"/>
+          </p:cNvPicPr>
+          <p:nvPr/>
+        </p:nvPicPr>
+        <p:blipFill>
+          <a:blip r:embed="rId3">
+            <a:extLst>
+              <a:ext uri="{28A0092B-C50C-407E-A947-70E740481C1C}">
+                <a14:useLocalDpi xmlns:a14="http://schemas.microsoft.com/office/drawing/2010/main" val="0"/>
+              </a:ext>
+            </a:extLst>
+          </a:blip>
+          <a:stretch>
+            <a:fillRect/>
+          </a:stretch>
+        </p:blipFill>
+        <p:spPr>
+          <a:xfrm>
+            <a:off x="9681085" y="238153"/>
+            <a:ext cx="1802101" cy="569807"/>
+          </a:xfrm>
+          <a:prstGeom prst="rect">
+            <a:avLst/>
+          </a:prstGeom>
+        </p:spPr>
+      </p:pic>
+      <p:cxnSp>
+        <p:nvCxnSpPr>
+          <p:cNvPr id="16" name="Connecteur droit 15">
+            <a:extLst>
+              <a:ext uri="{FF2B5EF4-FFF2-40B4-BE49-F238E27FC236}">
+                <a16:creationId xmlns:a16="http://schemas.microsoft.com/office/drawing/2014/main" id="{7319284A-BD6F-4A96-8E2B-E0A4B52E53C6}"/>
+              </a:ext>
+            </a:extLst>
+          </p:cNvPr>
+          <p:cNvCxnSpPr>
+            <a:cxnSpLocks/>
+          </p:cNvCxnSpPr>
+          <p:nvPr/>
+        </p:nvCxnSpPr>
+        <p:spPr>
+          <a:xfrm flipV="1">
+            <a:off x="0" y="454803"/>
+            <a:ext cx="738231" cy="1798"/>
+          </a:xfrm>
+          <a:prstGeom prst="line">
+            <a:avLst/>
+          </a:prstGeom>
+        </p:spPr>
+        <p:style>
+          <a:lnRef idx="3">
+            <a:schemeClr val="dk1"/>
+          </a:lnRef>
+          <a:fillRef idx="0">
+            <a:schemeClr val="dk1"/>
+          </a:fillRef>
+          <a:effectRef idx="2">
+            <a:schemeClr val="dk1"/>
+          </a:effectRef>
+          <a:fontRef idx="minor">
+            <a:schemeClr val="tx1"/>
+          </a:fontRef>
+        </p:style>
+      </p:cxnSp>
+      <p:cxnSp>
+        <p:nvCxnSpPr>
+          <p:cNvPr id="20" name="Connecteur droit 19">
+            <a:extLst>
+              <a:ext uri="{FF2B5EF4-FFF2-40B4-BE49-F238E27FC236}">
+                <a16:creationId xmlns:a16="http://schemas.microsoft.com/office/drawing/2014/main" id="{08874CF7-F149-4C81-B61E-74E18342BA8A}"/>
+              </a:ext>
+            </a:extLst>
+          </p:cNvPr>
+          <p:cNvCxnSpPr>
+            <a:cxnSpLocks/>
+          </p:cNvCxnSpPr>
+          <p:nvPr/>
+        </p:nvCxnSpPr>
+        <p:spPr>
+          <a:xfrm>
+            <a:off x="2573222" y="454803"/>
+            <a:ext cx="6829482" cy="10398"/>
+          </a:xfrm>
+          <a:prstGeom prst="line">
+            <a:avLst/>
+          </a:prstGeom>
+        </p:spPr>
+        <p:style>
+          <a:lnRef idx="3">
+            <a:schemeClr val="dk1"/>
+          </a:lnRef>
+          <a:fillRef idx="0">
+            <a:schemeClr val="dk1"/>
+          </a:fillRef>
+          <a:effectRef idx="2">
+            <a:schemeClr val="dk1"/>
+          </a:effectRef>
+          <a:fontRef idx="minor">
+            <a:schemeClr val="tx1"/>
+          </a:fontRef>
+        </p:style>
+      </p:cxnSp>
+      <p:cxnSp>
+        <p:nvCxnSpPr>
+          <p:cNvPr id="26" name="Connecteur droit 25">
+            <a:extLst>
+              <a:ext uri="{FF2B5EF4-FFF2-40B4-BE49-F238E27FC236}">
+                <a16:creationId xmlns:a16="http://schemas.microsoft.com/office/drawing/2014/main" id="{BB3B35CC-057B-48C1-880F-3306A6559175}"/>
+              </a:ext>
+            </a:extLst>
+          </p:cNvPr>
+          <p:cNvCxnSpPr>
+            <a:cxnSpLocks/>
+          </p:cNvCxnSpPr>
+          <p:nvPr/>
+        </p:nvCxnSpPr>
+        <p:spPr>
+          <a:xfrm>
+            <a:off x="738231" y="454803"/>
+            <a:ext cx="344203" cy="484764"/>
+          </a:xfrm>
+          <a:prstGeom prst="line">
+            <a:avLst/>
+          </a:prstGeom>
+        </p:spPr>
+        <p:style>
+          <a:lnRef idx="3">
+            <a:schemeClr val="dk1"/>
+          </a:lnRef>
+          <a:fillRef idx="0">
+            <a:schemeClr val="dk1"/>
+          </a:fillRef>
+          <a:effectRef idx="2">
+            <a:schemeClr val="dk1"/>
+          </a:effectRef>
+          <a:fontRef idx="minor">
+            <a:schemeClr val="tx1"/>
+          </a:fontRef>
+        </p:style>
+      </p:cxnSp>
+      <p:cxnSp>
+        <p:nvCxnSpPr>
+          <p:cNvPr id="32" name="Connecteur droit 31">
+            <a:extLst>
+              <a:ext uri="{FF2B5EF4-FFF2-40B4-BE49-F238E27FC236}">
+                <a16:creationId xmlns:a16="http://schemas.microsoft.com/office/drawing/2014/main" id="{4AD96496-1EB6-4E48-9BB2-5C255495C686}"/>
+              </a:ext>
+            </a:extLst>
+          </p:cNvPr>
+          <p:cNvCxnSpPr>
+            <a:cxnSpLocks/>
+          </p:cNvCxnSpPr>
+          <p:nvPr/>
+        </p:nvCxnSpPr>
+        <p:spPr>
+          <a:xfrm>
+            <a:off x="1082434" y="938268"/>
+            <a:ext cx="1146585" cy="0"/>
+          </a:xfrm>
+          <a:prstGeom prst="line">
+            <a:avLst/>
+          </a:prstGeom>
+        </p:spPr>
+        <p:style>
+          <a:lnRef idx="3">
+            <a:schemeClr val="dk1"/>
+          </a:lnRef>
+          <a:fillRef idx="0">
+            <a:schemeClr val="dk1"/>
+          </a:fillRef>
+          <a:effectRef idx="2">
+            <a:schemeClr val="dk1"/>
+          </a:effectRef>
+          <a:fontRef idx="minor">
+            <a:schemeClr val="tx1"/>
+          </a:fontRef>
+        </p:style>
+      </p:cxnSp>
+      <p:cxnSp>
+        <p:nvCxnSpPr>
+          <p:cNvPr id="51" name="Connecteur droit 50">
+            <a:extLst>
+              <a:ext uri="{FF2B5EF4-FFF2-40B4-BE49-F238E27FC236}">
+                <a16:creationId xmlns:a16="http://schemas.microsoft.com/office/drawing/2014/main" id="{C035BFA6-ECBF-4775-BA81-19D2CA41AA8D}"/>
+              </a:ext>
+            </a:extLst>
+          </p:cNvPr>
+          <p:cNvCxnSpPr>
+            <a:cxnSpLocks/>
+          </p:cNvCxnSpPr>
+          <p:nvPr/>
+        </p:nvCxnSpPr>
+        <p:spPr>
+          <a:xfrm>
+            <a:off x="9402704" y="465201"/>
+            <a:ext cx="344203" cy="495163"/>
+          </a:xfrm>
+          <a:prstGeom prst="line">
+            <a:avLst/>
+          </a:prstGeom>
+        </p:spPr>
+        <p:style>
+          <a:lnRef idx="3">
+            <a:schemeClr val="dk1"/>
+          </a:lnRef>
+          <a:fillRef idx="0">
+            <a:schemeClr val="dk1"/>
+          </a:fillRef>
+          <a:effectRef idx="2">
+            <a:schemeClr val="dk1"/>
+          </a:effectRef>
+          <a:fontRef idx="minor">
+            <a:schemeClr val="tx1"/>
+          </a:fontRef>
+        </p:style>
+      </p:cxnSp>
+      <p:cxnSp>
+        <p:nvCxnSpPr>
+          <p:cNvPr id="52" name="Connecteur droit 51">
+            <a:extLst>
+              <a:ext uri="{FF2B5EF4-FFF2-40B4-BE49-F238E27FC236}">
+                <a16:creationId xmlns:a16="http://schemas.microsoft.com/office/drawing/2014/main" id="{FA310BC7-694B-4984-99A2-61A1F4F6EBF9}"/>
+              </a:ext>
+            </a:extLst>
+          </p:cNvPr>
+          <p:cNvCxnSpPr>
+            <a:cxnSpLocks/>
+          </p:cNvCxnSpPr>
+          <p:nvPr/>
+        </p:nvCxnSpPr>
+        <p:spPr>
+          <a:xfrm flipH="1">
+            <a:off x="11370469" y="448308"/>
+            <a:ext cx="364332" cy="501657"/>
+          </a:xfrm>
+          <a:prstGeom prst="line">
+            <a:avLst/>
+          </a:prstGeom>
+        </p:spPr>
+        <p:style>
+          <a:lnRef idx="3">
+            <a:schemeClr val="dk1"/>
+          </a:lnRef>
+          <a:fillRef idx="0">
+            <a:schemeClr val="dk1"/>
+          </a:fillRef>
+          <a:effectRef idx="2">
+            <a:schemeClr val="dk1"/>
+          </a:effectRef>
+          <a:fontRef idx="minor">
+            <a:schemeClr val="tx1"/>
+          </a:fontRef>
+        </p:style>
+      </p:cxnSp>
+      <p:cxnSp>
+        <p:nvCxnSpPr>
+          <p:cNvPr id="53" name="Connecteur droit 52">
+            <a:extLst>
+              <a:ext uri="{FF2B5EF4-FFF2-40B4-BE49-F238E27FC236}">
+                <a16:creationId xmlns:a16="http://schemas.microsoft.com/office/drawing/2014/main" id="{BE0649BD-EE59-4DDA-960F-95B2572F9F13}"/>
+              </a:ext>
+            </a:extLst>
+          </p:cNvPr>
+          <p:cNvCxnSpPr>
+            <a:cxnSpLocks/>
+          </p:cNvCxnSpPr>
+          <p:nvPr/>
+        </p:nvCxnSpPr>
+        <p:spPr>
+          <a:xfrm>
+            <a:off x="9743203" y="949965"/>
+            <a:ext cx="1627266" cy="0"/>
+          </a:xfrm>
+          <a:prstGeom prst="line">
+            <a:avLst/>
+          </a:prstGeom>
+        </p:spPr>
+        <p:style>
+          <a:lnRef idx="3">
+            <a:schemeClr val="dk1"/>
+          </a:lnRef>
+          <a:fillRef idx="0">
+            <a:schemeClr val="dk1"/>
+          </a:fillRef>
+          <a:effectRef idx="2">
+            <a:schemeClr val="dk1"/>
+          </a:effectRef>
+          <a:fontRef idx="minor">
+            <a:schemeClr val="tx1"/>
+          </a:fontRef>
+        </p:style>
+      </p:cxnSp>
+      <p:cxnSp>
+        <p:nvCxnSpPr>
+          <p:cNvPr id="55" name="Connecteur droit 54">
+            <a:extLst>
+              <a:ext uri="{FF2B5EF4-FFF2-40B4-BE49-F238E27FC236}">
+                <a16:creationId xmlns:a16="http://schemas.microsoft.com/office/drawing/2014/main" id="{52AA9200-DAFA-4EEF-AC13-4C7CE82A59EC}"/>
+              </a:ext>
+            </a:extLst>
+          </p:cNvPr>
+          <p:cNvCxnSpPr>
+            <a:cxnSpLocks/>
+          </p:cNvCxnSpPr>
+          <p:nvPr/>
+        </p:nvCxnSpPr>
+        <p:spPr>
+          <a:xfrm>
+            <a:off x="11715750" y="454801"/>
+            <a:ext cx="476249" cy="10400"/>
+          </a:xfrm>
+          <a:prstGeom prst="line">
+            <a:avLst/>
+          </a:prstGeom>
+        </p:spPr>
+        <p:style>
+          <a:lnRef idx="3">
+            <a:schemeClr val="dk1"/>
+          </a:lnRef>
+          <a:fillRef idx="0">
+            <a:schemeClr val="dk1"/>
+          </a:fillRef>
+          <a:effectRef idx="2">
+            <a:schemeClr val="dk1"/>
+          </a:effectRef>
+          <a:fontRef idx="minor">
+            <a:schemeClr val="tx1"/>
+          </a:fontRef>
+        </p:style>
+      </p:cxnSp>
+      <p:cxnSp>
+        <p:nvCxnSpPr>
+          <p:cNvPr id="23" name="Connecteur droit 22">
+            <a:extLst>
+              <a:ext uri="{FF2B5EF4-FFF2-40B4-BE49-F238E27FC236}">
+                <a16:creationId xmlns:a16="http://schemas.microsoft.com/office/drawing/2014/main" id="{BCB092C8-0080-4E56-957E-0046D4C83988}"/>
+              </a:ext>
+            </a:extLst>
+          </p:cNvPr>
+          <p:cNvCxnSpPr>
+            <a:cxnSpLocks/>
+          </p:cNvCxnSpPr>
+          <p:nvPr/>
+        </p:nvCxnSpPr>
+        <p:spPr>
+          <a:xfrm flipH="1">
+            <a:off x="2216372" y="446356"/>
+            <a:ext cx="364332" cy="501657"/>
+          </a:xfrm>
+          <a:prstGeom prst="line">
+            <a:avLst/>
+          </a:prstGeom>
+        </p:spPr>
+        <p:style>
+          <a:lnRef idx="3">
+            <a:schemeClr val="dk1"/>
+          </a:lnRef>
+          <a:fillRef idx="0">
+            <a:schemeClr val="dk1"/>
+          </a:fillRef>
+          <a:effectRef idx="2">
+            <a:schemeClr val="dk1"/>
+          </a:effectRef>
+          <a:fontRef idx="minor">
+            <a:schemeClr val="tx1"/>
+          </a:fontRef>
+        </p:style>
+      </p:cxnSp>
+      <p:pic>
+        <p:nvPicPr>
+          <p:cNvPr id="3" name="Image 2">
+            <a:extLst>
+              <a:ext uri="{FF2B5EF4-FFF2-40B4-BE49-F238E27FC236}">
+                <a16:creationId xmlns:a16="http://schemas.microsoft.com/office/drawing/2014/main" id="{BBA09121-093E-405D-B81D-87081023B720}"/>
+              </a:ext>
+            </a:extLst>
+          </p:cNvPr>
+          <p:cNvPicPr>
+            <a:picLocks noChangeAspect="1"/>
+          </p:cNvPicPr>
+          <p:nvPr/>
+        </p:nvPicPr>
+        <p:blipFill>
+          <a:blip r:embed="rId4">
+            <a:extLst>
+              <a:ext uri="{28A0092B-C50C-407E-A947-70E740481C1C}">
+                <a14:useLocalDpi xmlns:a14="http://schemas.microsoft.com/office/drawing/2010/main" val="0"/>
+              </a:ext>
+            </a:extLst>
+          </a:blip>
+          <a:stretch>
+            <a:fillRect/>
+          </a:stretch>
+        </p:blipFill>
+        <p:spPr>
+          <a:xfrm>
+            <a:off x="1827827" y="1055485"/>
+            <a:ext cx="8028382" cy="4515965"/>
+          </a:xfrm>
+          <a:prstGeom prst="rect">
+            <a:avLst/>
+          </a:prstGeom>
+        </p:spPr>
+      </p:pic>
+    </p:spTree>
+    <p:extLst>
+      <p:ext uri="{BB962C8B-B14F-4D97-AF65-F5344CB8AC3E}">
+        <p14:creationId xmlns:p14="http://schemas.microsoft.com/office/powerpoint/2010/main" val="1486605668"/>
       </p:ext>
     </p:extLst>
   </p:cSld>
@@ -15861,569 +15649,6 @@
           <a:chExt cx="0" cy="0"/>
         </a:xfrm>
       </p:grpSpPr>
-      <p:sp>
-        <p:nvSpPr>
-          <p:cNvPr id="15" name="ZoneTexte 14">
-            <a:extLst>
-              <a:ext uri="{FF2B5EF4-FFF2-40B4-BE49-F238E27FC236}">
-                <a16:creationId xmlns:a16="http://schemas.microsoft.com/office/drawing/2014/main" id="{44A02A25-DA3F-4047-8E93-5C43D907D3D4}"/>
-              </a:ext>
-            </a:extLst>
-          </p:cNvPr>
-          <p:cNvSpPr txBox="1"/>
-          <p:nvPr/>
-        </p:nvSpPr>
-        <p:spPr>
-          <a:xfrm>
-            <a:off x="3650164" y="465201"/>
-            <a:ext cx="4675598" cy="769441"/>
-          </a:xfrm>
-          <a:prstGeom prst="rect">
-            <a:avLst/>
-          </a:prstGeom>
-          <a:noFill/>
-        </p:spPr>
-        <p:txBody>
-          <a:bodyPr wrap="square" rtlCol="0">
-            <a:spAutoFit/>
-          </a:bodyPr>
-          <a:lstStyle/>
-          <a:p>
-            <a:pPr marL="0" marR="0" lvl="0" indent="0" algn="ctr" defTabSz="914400" rtl="0" eaLnBrk="1" fontAlgn="auto" latinLnBrk="0" hangingPunct="1">
-              <a:lnSpc>
-                <a:spcPct val="100000"/>
-              </a:lnSpc>
-              <a:spcBef>
-                <a:spcPts val="0"/>
-              </a:spcBef>
-              <a:spcAft>
-                <a:spcPts val="0"/>
-              </a:spcAft>
-              <a:buClrTx/>
-              <a:buSzTx/>
-              <a:buFontTx/>
-              <a:buNone/>
-              <a:tabLst/>
-              <a:defRPr/>
-            </a:pPr>
-            <a:r>
-              <a:rPr lang="fr-FR" sz="4400" dirty="0">
-                <a:solidFill>
-                  <a:prstClr val="black"/>
-                </a:solidFill>
-                <a:latin typeface="Berlin Sans FB" panose="020E0602020502020306" pitchFamily="34" charset="0"/>
-              </a:rPr>
-              <a:t>Site web</a:t>
-            </a:r>
-            <a:endParaRPr kumimoji="0" lang="fr-FR" sz="4400" b="0" i="0" u="none" strike="noStrike" kern="1200" cap="none" spc="0" normalizeH="0" baseline="0" noProof="0" dirty="0">
-              <a:ln>
-                <a:noFill/>
-              </a:ln>
-              <a:solidFill>
-                <a:prstClr val="black"/>
-              </a:solidFill>
-              <a:effectLst/>
-              <a:uLnTx/>
-              <a:uFillTx/>
-              <a:latin typeface="Berlin Sans FB" panose="020E0602020502020306" pitchFamily="34" charset="0"/>
-              <a:ea typeface="+mn-ea"/>
-              <a:cs typeface="+mn-cs"/>
-            </a:endParaRPr>
-          </a:p>
-        </p:txBody>
-      </p:sp>
-      <p:pic>
-        <p:nvPicPr>
-          <p:cNvPr id="8" name="Image 7">
-            <a:extLst>
-              <a:ext uri="{FF2B5EF4-FFF2-40B4-BE49-F238E27FC236}">
-                <a16:creationId xmlns:a16="http://schemas.microsoft.com/office/drawing/2014/main" id="{2BB825C5-31DA-4A56-85EA-536DBF510A31}"/>
-              </a:ext>
-            </a:extLst>
-          </p:cNvPr>
-          <p:cNvPicPr>
-            <a:picLocks noChangeAspect="1"/>
-          </p:cNvPicPr>
-          <p:nvPr/>
-        </p:nvPicPr>
-        <p:blipFill>
-          <a:blip r:embed="rId2">
-            <a:extLst>
-              <a:ext uri="{28A0092B-C50C-407E-A947-70E740481C1C}">
-                <a14:useLocalDpi xmlns:a14="http://schemas.microsoft.com/office/drawing/2010/main" val="0"/>
-              </a:ext>
-            </a:extLst>
-          </a:blip>
-          <a:stretch>
-            <a:fillRect/>
-          </a:stretch>
-        </p:blipFill>
-        <p:spPr>
-          <a:xfrm>
-            <a:off x="1068751" y="66457"/>
-            <a:ext cx="1259497" cy="776690"/>
-          </a:xfrm>
-          <a:prstGeom prst="rect">
-            <a:avLst/>
-          </a:prstGeom>
-        </p:spPr>
-      </p:pic>
-      <p:pic>
-        <p:nvPicPr>
-          <p:cNvPr id="10" name="Image 9">
-            <a:extLst>
-              <a:ext uri="{FF2B5EF4-FFF2-40B4-BE49-F238E27FC236}">
-                <a16:creationId xmlns:a16="http://schemas.microsoft.com/office/drawing/2014/main" id="{8EE7436F-49F2-41E0-93E4-D247B4705294}"/>
-              </a:ext>
-            </a:extLst>
-          </p:cNvPr>
-          <p:cNvPicPr>
-            <a:picLocks noChangeAspect="1"/>
-          </p:cNvPicPr>
-          <p:nvPr/>
-        </p:nvPicPr>
-        <p:blipFill>
-          <a:blip r:embed="rId3">
-            <a:extLst>
-              <a:ext uri="{28A0092B-C50C-407E-A947-70E740481C1C}">
-                <a14:useLocalDpi xmlns:a14="http://schemas.microsoft.com/office/drawing/2010/main" val="0"/>
-              </a:ext>
-            </a:extLst>
-          </a:blip>
-          <a:stretch>
-            <a:fillRect/>
-          </a:stretch>
-        </p:blipFill>
-        <p:spPr>
-          <a:xfrm>
-            <a:off x="9681085" y="238153"/>
-            <a:ext cx="1802101" cy="569807"/>
-          </a:xfrm>
-          <a:prstGeom prst="rect">
-            <a:avLst/>
-          </a:prstGeom>
-        </p:spPr>
-      </p:pic>
-      <p:cxnSp>
-        <p:nvCxnSpPr>
-          <p:cNvPr id="16" name="Connecteur droit 15">
-            <a:extLst>
-              <a:ext uri="{FF2B5EF4-FFF2-40B4-BE49-F238E27FC236}">
-                <a16:creationId xmlns:a16="http://schemas.microsoft.com/office/drawing/2014/main" id="{7319284A-BD6F-4A96-8E2B-E0A4B52E53C6}"/>
-              </a:ext>
-            </a:extLst>
-          </p:cNvPr>
-          <p:cNvCxnSpPr>
-            <a:cxnSpLocks/>
-          </p:cNvCxnSpPr>
-          <p:nvPr/>
-        </p:nvCxnSpPr>
-        <p:spPr>
-          <a:xfrm flipV="1">
-            <a:off x="0" y="454803"/>
-            <a:ext cx="738231" cy="1798"/>
-          </a:xfrm>
-          <a:prstGeom prst="line">
-            <a:avLst/>
-          </a:prstGeom>
-        </p:spPr>
-        <p:style>
-          <a:lnRef idx="3">
-            <a:schemeClr val="dk1"/>
-          </a:lnRef>
-          <a:fillRef idx="0">
-            <a:schemeClr val="dk1"/>
-          </a:fillRef>
-          <a:effectRef idx="2">
-            <a:schemeClr val="dk1"/>
-          </a:effectRef>
-          <a:fontRef idx="minor">
-            <a:schemeClr val="tx1"/>
-          </a:fontRef>
-        </p:style>
-      </p:cxnSp>
-      <p:cxnSp>
-        <p:nvCxnSpPr>
-          <p:cNvPr id="20" name="Connecteur droit 19">
-            <a:extLst>
-              <a:ext uri="{FF2B5EF4-FFF2-40B4-BE49-F238E27FC236}">
-                <a16:creationId xmlns:a16="http://schemas.microsoft.com/office/drawing/2014/main" id="{08874CF7-F149-4C81-B61E-74E18342BA8A}"/>
-              </a:ext>
-            </a:extLst>
-          </p:cNvPr>
-          <p:cNvCxnSpPr>
-            <a:cxnSpLocks/>
-          </p:cNvCxnSpPr>
-          <p:nvPr/>
-        </p:nvCxnSpPr>
-        <p:spPr>
-          <a:xfrm>
-            <a:off x="2573222" y="454803"/>
-            <a:ext cx="6829482" cy="10398"/>
-          </a:xfrm>
-          <a:prstGeom prst="line">
-            <a:avLst/>
-          </a:prstGeom>
-        </p:spPr>
-        <p:style>
-          <a:lnRef idx="3">
-            <a:schemeClr val="dk1"/>
-          </a:lnRef>
-          <a:fillRef idx="0">
-            <a:schemeClr val="dk1"/>
-          </a:fillRef>
-          <a:effectRef idx="2">
-            <a:schemeClr val="dk1"/>
-          </a:effectRef>
-          <a:fontRef idx="minor">
-            <a:schemeClr val="tx1"/>
-          </a:fontRef>
-        </p:style>
-      </p:cxnSp>
-      <p:cxnSp>
-        <p:nvCxnSpPr>
-          <p:cNvPr id="26" name="Connecteur droit 25">
-            <a:extLst>
-              <a:ext uri="{FF2B5EF4-FFF2-40B4-BE49-F238E27FC236}">
-                <a16:creationId xmlns:a16="http://schemas.microsoft.com/office/drawing/2014/main" id="{BB3B35CC-057B-48C1-880F-3306A6559175}"/>
-              </a:ext>
-            </a:extLst>
-          </p:cNvPr>
-          <p:cNvCxnSpPr>
-            <a:cxnSpLocks/>
-          </p:cNvCxnSpPr>
-          <p:nvPr/>
-        </p:nvCxnSpPr>
-        <p:spPr>
-          <a:xfrm>
-            <a:off x="738231" y="454803"/>
-            <a:ext cx="344203" cy="484764"/>
-          </a:xfrm>
-          <a:prstGeom prst="line">
-            <a:avLst/>
-          </a:prstGeom>
-        </p:spPr>
-        <p:style>
-          <a:lnRef idx="3">
-            <a:schemeClr val="dk1"/>
-          </a:lnRef>
-          <a:fillRef idx="0">
-            <a:schemeClr val="dk1"/>
-          </a:fillRef>
-          <a:effectRef idx="2">
-            <a:schemeClr val="dk1"/>
-          </a:effectRef>
-          <a:fontRef idx="minor">
-            <a:schemeClr val="tx1"/>
-          </a:fontRef>
-        </p:style>
-      </p:cxnSp>
-      <p:cxnSp>
-        <p:nvCxnSpPr>
-          <p:cNvPr id="32" name="Connecteur droit 31">
-            <a:extLst>
-              <a:ext uri="{FF2B5EF4-FFF2-40B4-BE49-F238E27FC236}">
-                <a16:creationId xmlns:a16="http://schemas.microsoft.com/office/drawing/2014/main" id="{4AD96496-1EB6-4E48-9BB2-5C255495C686}"/>
-              </a:ext>
-            </a:extLst>
-          </p:cNvPr>
-          <p:cNvCxnSpPr>
-            <a:cxnSpLocks/>
-          </p:cNvCxnSpPr>
-          <p:nvPr/>
-        </p:nvCxnSpPr>
-        <p:spPr>
-          <a:xfrm>
-            <a:off x="1082434" y="938268"/>
-            <a:ext cx="1146585" cy="0"/>
-          </a:xfrm>
-          <a:prstGeom prst="line">
-            <a:avLst/>
-          </a:prstGeom>
-        </p:spPr>
-        <p:style>
-          <a:lnRef idx="3">
-            <a:schemeClr val="dk1"/>
-          </a:lnRef>
-          <a:fillRef idx="0">
-            <a:schemeClr val="dk1"/>
-          </a:fillRef>
-          <a:effectRef idx="2">
-            <a:schemeClr val="dk1"/>
-          </a:effectRef>
-          <a:fontRef idx="minor">
-            <a:schemeClr val="tx1"/>
-          </a:fontRef>
-        </p:style>
-      </p:cxnSp>
-      <p:cxnSp>
-        <p:nvCxnSpPr>
-          <p:cNvPr id="51" name="Connecteur droit 50">
-            <a:extLst>
-              <a:ext uri="{FF2B5EF4-FFF2-40B4-BE49-F238E27FC236}">
-                <a16:creationId xmlns:a16="http://schemas.microsoft.com/office/drawing/2014/main" id="{C035BFA6-ECBF-4775-BA81-19D2CA41AA8D}"/>
-              </a:ext>
-            </a:extLst>
-          </p:cNvPr>
-          <p:cNvCxnSpPr>
-            <a:cxnSpLocks/>
-          </p:cNvCxnSpPr>
-          <p:nvPr/>
-        </p:nvCxnSpPr>
-        <p:spPr>
-          <a:xfrm>
-            <a:off x="9402704" y="465201"/>
-            <a:ext cx="344203" cy="495163"/>
-          </a:xfrm>
-          <a:prstGeom prst="line">
-            <a:avLst/>
-          </a:prstGeom>
-        </p:spPr>
-        <p:style>
-          <a:lnRef idx="3">
-            <a:schemeClr val="dk1"/>
-          </a:lnRef>
-          <a:fillRef idx="0">
-            <a:schemeClr val="dk1"/>
-          </a:fillRef>
-          <a:effectRef idx="2">
-            <a:schemeClr val="dk1"/>
-          </a:effectRef>
-          <a:fontRef idx="minor">
-            <a:schemeClr val="tx1"/>
-          </a:fontRef>
-        </p:style>
-      </p:cxnSp>
-      <p:cxnSp>
-        <p:nvCxnSpPr>
-          <p:cNvPr id="52" name="Connecteur droit 51">
-            <a:extLst>
-              <a:ext uri="{FF2B5EF4-FFF2-40B4-BE49-F238E27FC236}">
-                <a16:creationId xmlns:a16="http://schemas.microsoft.com/office/drawing/2014/main" id="{FA310BC7-694B-4984-99A2-61A1F4F6EBF9}"/>
-              </a:ext>
-            </a:extLst>
-          </p:cNvPr>
-          <p:cNvCxnSpPr>
-            <a:cxnSpLocks/>
-          </p:cNvCxnSpPr>
-          <p:nvPr/>
-        </p:nvCxnSpPr>
-        <p:spPr>
-          <a:xfrm flipH="1">
-            <a:off x="11370469" y="448308"/>
-            <a:ext cx="364332" cy="501657"/>
-          </a:xfrm>
-          <a:prstGeom prst="line">
-            <a:avLst/>
-          </a:prstGeom>
-        </p:spPr>
-        <p:style>
-          <a:lnRef idx="3">
-            <a:schemeClr val="dk1"/>
-          </a:lnRef>
-          <a:fillRef idx="0">
-            <a:schemeClr val="dk1"/>
-          </a:fillRef>
-          <a:effectRef idx="2">
-            <a:schemeClr val="dk1"/>
-          </a:effectRef>
-          <a:fontRef idx="minor">
-            <a:schemeClr val="tx1"/>
-          </a:fontRef>
-        </p:style>
-      </p:cxnSp>
-      <p:cxnSp>
-        <p:nvCxnSpPr>
-          <p:cNvPr id="53" name="Connecteur droit 52">
-            <a:extLst>
-              <a:ext uri="{FF2B5EF4-FFF2-40B4-BE49-F238E27FC236}">
-                <a16:creationId xmlns:a16="http://schemas.microsoft.com/office/drawing/2014/main" id="{BE0649BD-EE59-4DDA-960F-95B2572F9F13}"/>
-              </a:ext>
-            </a:extLst>
-          </p:cNvPr>
-          <p:cNvCxnSpPr>
-            <a:cxnSpLocks/>
-          </p:cNvCxnSpPr>
-          <p:nvPr/>
-        </p:nvCxnSpPr>
-        <p:spPr>
-          <a:xfrm>
-            <a:off x="9743203" y="949965"/>
-            <a:ext cx="1627266" cy="0"/>
-          </a:xfrm>
-          <a:prstGeom prst="line">
-            <a:avLst/>
-          </a:prstGeom>
-        </p:spPr>
-        <p:style>
-          <a:lnRef idx="3">
-            <a:schemeClr val="dk1"/>
-          </a:lnRef>
-          <a:fillRef idx="0">
-            <a:schemeClr val="dk1"/>
-          </a:fillRef>
-          <a:effectRef idx="2">
-            <a:schemeClr val="dk1"/>
-          </a:effectRef>
-          <a:fontRef idx="minor">
-            <a:schemeClr val="tx1"/>
-          </a:fontRef>
-        </p:style>
-      </p:cxnSp>
-      <p:cxnSp>
-        <p:nvCxnSpPr>
-          <p:cNvPr id="55" name="Connecteur droit 54">
-            <a:extLst>
-              <a:ext uri="{FF2B5EF4-FFF2-40B4-BE49-F238E27FC236}">
-                <a16:creationId xmlns:a16="http://schemas.microsoft.com/office/drawing/2014/main" id="{52AA9200-DAFA-4EEF-AC13-4C7CE82A59EC}"/>
-              </a:ext>
-            </a:extLst>
-          </p:cNvPr>
-          <p:cNvCxnSpPr>
-            <a:cxnSpLocks/>
-          </p:cNvCxnSpPr>
-          <p:nvPr/>
-        </p:nvCxnSpPr>
-        <p:spPr>
-          <a:xfrm>
-            <a:off x="11715750" y="454801"/>
-            <a:ext cx="476249" cy="10400"/>
-          </a:xfrm>
-          <a:prstGeom prst="line">
-            <a:avLst/>
-          </a:prstGeom>
-        </p:spPr>
-        <p:style>
-          <a:lnRef idx="3">
-            <a:schemeClr val="dk1"/>
-          </a:lnRef>
-          <a:fillRef idx="0">
-            <a:schemeClr val="dk1"/>
-          </a:fillRef>
-          <a:effectRef idx="2">
-            <a:schemeClr val="dk1"/>
-          </a:effectRef>
-          <a:fontRef idx="minor">
-            <a:schemeClr val="tx1"/>
-          </a:fontRef>
-        </p:style>
-      </p:cxnSp>
-      <p:cxnSp>
-        <p:nvCxnSpPr>
-          <p:cNvPr id="23" name="Connecteur droit 22">
-            <a:extLst>
-              <a:ext uri="{FF2B5EF4-FFF2-40B4-BE49-F238E27FC236}">
-                <a16:creationId xmlns:a16="http://schemas.microsoft.com/office/drawing/2014/main" id="{BCB092C8-0080-4E56-957E-0046D4C83988}"/>
-              </a:ext>
-            </a:extLst>
-          </p:cNvPr>
-          <p:cNvCxnSpPr>
-            <a:cxnSpLocks/>
-          </p:cNvCxnSpPr>
-          <p:nvPr/>
-        </p:nvCxnSpPr>
-        <p:spPr>
-          <a:xfrm flipH="1">
-            <a:off x="2216372" y="446356"/>
-            <a:ext cx="364332" cy="501657"/>
-          </a:xfrm>
-          <a:prstGeom prst="line">
-            <a:avLst/>
-          </a:prstGeom>
-        </p:spPr>
-        <p:style>
-          <a:lnRef idx="3">
-            <a:schemeClr val="dk1"/>
-          </a:lnRef>
-          <a:fillRef idx="0">
-            <a:schemeClr val="dk1"/>
-          </a:fillRef>
-          <a:effectRef idx="2">
-            <a:schemeClr val="dk1"/>
-          </a:effectRef>
-          <a:fontRef idx="minor">
-            <a:schemeClr val="tx1"/>
-          </a:fontRef>
-        </p:style>
-      </p:cxnSp>
-      <p:pic>
-        <p:nvPicPr>
-          <p:cNvPr id="3" name="Image 2">
-            <a:extLst>
-              <a:ext uri="{FF2B5EF4-FFF2-40B4-BE49-F238E27FC236}">
-                <a16:creationId xmlns:a16="http://schemas.microsoft.com/office/drawing/2014/main" id="{BBA09121-093E-405D-B81D-87081023B720}"/>
-              </a:ext>
-            </a:extLst>
-          </p:cNvPr>
-          <p:cNvPicPr>
-            <a:picLocks noChangeAspect="1"/>
-          </p:cNvPicPr>
-          <p:nvPr/>
-        </p:nvPicPr>
-        <p:blipFill>
-          <a:blip r:embed="rId4">
-            <a:extLst>
-              <a:ext uri="{28A0092B-C50C-407E-A947-70E740481C1C}">
-                <a14:useLocalDpi xmlns:a14="http://schemas.microsoft.com/office/drawing/2010/main" val="0"/>
-              </a:ext>
-            </a:extLst>
-          </a:blip>
-          <a:stretch>
-            <a:fillRect/>
-          </a:stretch>
-        </p:blipFill>
-        <p:spPr>
-          <a:xfrm>
-            <a:off x="1827827" y="1055485"/>
-            <a:ext cx="8028382" cy="4515965"/>
-          </a:xfrm>
-          <a:prstGeom prst="rect">
-            <a:avLst/>
-          </a:prstGeom>
-        </p:spPr>
-      </p:pic>
-    </p:spTree>
-    <p:extLst>
-      <p:ext uri="{BB962C8B-B14F-4D97-AF65-F5344CB8AC3E}">
-        <p14:creationId xmlns:p14="http://schemas.microsoft.com/office/powerpoint/2010/main" val="1486605668"/>
-      </p:ext>
-    </p:extLst>
-  </p:cSld>
-  <p:clrMapOvr>
-    <a:masterClrMapping/>
-  </p:clrMapOvr>
-  <mc:AlternateContent xmlns:mc="http://schemas.openxmlformats.org/markup-compatibility/2006" xmlns:p14="http://schemas.microsoft.com/office/powerpoint/2010/main">
-    <mc:Choice Requires="p14">
-      <p:transition spd="med">
-        <p14:reveal/>
-      </p:transition>
-    </mc:Choice>
-    <mc:Fallback xmlns="">
-      <p:transition spd="med">
-        <p:fade/>
-      </p:transition>
-    </mc:Fallback>
-  </mc:AlternateContent>
-</p:sld>
-</file>
-
-<file path=ppt/slides/slide21.xml><?xml version="1.0" encoding="utf-8"?>
-<p:sld xmlns:a="http://schemas.openxmlformats.org/drawingml/2006/main" xmlns:r="http://schemas.openxmlformats.org/officeDocument/2006/relationships" xmlns:p="http://schemas.openxmlformats.org/presentationml/2006/main">
-  <p:cSld>
-    <p:spTree>
-      <p:nvGrpSpPr>
-        <p:cNvPr id="1" name=""/>
-        <p:cNvGrpSpPr/>
-        <p:nvPr/>
-      </p:nvGrpSpPr>
-      <p:grpSpPr>
-        <a:xfrm>
-          <a:off x="0" y="0"/>
-          <a:ext cx="0" cy="0"/>
-          <a:chOff x="0" y="0"/>
-          <a:chExt cx="0" cy="0"/>
-        </a:xfrm>
-      </p:grpSpPr>
       <p:pic>
         <p:nvPicPr>
           <p:cNvPr id="8" name="Image 7">
@@ -16893,7 +16118,7 @@
 </p:sld>
 </file>
 
-<file path=ppt/slides/slide22.xml><?xml version="1.0" encoding="utf-8"?>
+<file path=ppt/slides/slide21.xml><?xml version="1.0" encoding="utf-8"?>
 <p:sld xmlns:a="http://schemas.openxmlformats.org/drawingml/2006/main" xmlns:r="http://schemas.openxmlformats.org/officeDocument/2006/relationships" xmlns:p="http://schemas.openxmlformats.org/presentationml/2006/main">
   <p:cSld>
     <p:spTree>
@@ -17736,7 +16961,7 @@
 </p:sld>
 </file>
 
-<file path=ppt/slides/slide23.xml><?xml version="1.0" encoding="utf-8"?>
+<file path=ppt/slides/slide22.xml><?xml version="1.0" encoding="utf-8"?>
 <p:sld xmlns:a="http://schemas.openxmlformats.org/drawingml/2006/main" xmlns:r="http://schemas.openxmlformats.org/officeDocument/2006/relationships" xmlns:p="http://schemas.openxmlformats.org/presentationml/2006/main">
   <p:cSld>
     <p:spTree>
@@ -18558,7 +17783,7 @@
 </p:sld>
 </file>
 
-<file path=ppt/slides/slide24.xml><?xml version="1.0" encoding="utf-8"?>
+<file path=ppt/slides/slide23.xml><?xml version="1.0" encoding="utf-8"?>
 <p:sld xmlns:a="http://schemas.openxmlformats.org/drawingml/2006/main" xmlns:r="http://schemas.openxmlformats.org/officeDocument/2006/relationships" xmlns:p="http://schemas.openxmlformats.org/presentationml/2006/main">
   <p:cSld>
     <p:spTree>
@@ -19689,7 +18914,7 @@
 </p:sld>
 </file>
 
-<file path=ppt/slides/slide25.xml><?xml version="1.0" encoding="utf-8"?>
+<file path=ppt/slides/slide24.xml><?xml version="1.0" encoding="utf-8"?>
 <p:sld xmlns:a="http://schemas.openxmlformats.org/drawingml/2006/main" xmlns:r="http://schemas.openxmlformats.org/officeDocument/2006/relationships" xmlns:p="http://schemas.openxmlformats.org/presentationml/2006/main">
   <p:cSld>
     <p:spTree>
